--- a/PowerPoint Presentation for Final.pptx
+++ b/PowerPoint Presentation for Final.pptx
@@ -2,7 +2,7 @@
 <file path=ppt/presentation.xml><?xml version="1.0" encoding="utf-8"?>
 <p:presentation xmlns:a="http://schemas.openxmlformats.org/drawingml/2006/main" xmlns:r="http://schemas.openxmlformats.org/officeDocument/2006/relationships" xmlns:p="http://schemas.openxmlformats.org/presentationml/2006/main" saveSubsetFonts="1">
   <p:sldMasterIdLst>
-    <p:sldMasterId id="2147483648" r:id="rId1"/>
+    <p:sldMasterId id="2147483660" r:id="rId1"/>
   </p:sldMasterIdLst>
   <p:sldIdLst>
     <p:sldId id="276" r:id="rId2"/>
@@ -36,10 +36,15 @@
     <p:sldId id="261" r:id="rId30"/>
     <p:sldId id="262" r:id="rId31"/>
     <p:sldId id="270" r:id="rId32"/>
-    <p:sldId id="263" r:id="rId33"/>
-    <p:sldId id="264" r:id="rId34"/>
-    <p:sldId id="265" r:id="rId35"/>
-    <p:sldId id="274" r:id="rId36"/>
+    <p:sldId id="302" r:id="rId33"/>
+    <p:sldId id="303" r:id="rId34"/>
+    <p:sldId id="304" r:id="rId35"/>
+    <p:sldId id="306" r:id="rId36"/>
+    <p:sldId id="263" r:id="rId37"/>
+    <p:sldId id="308" r:id="rId38"/>
+    <p:sldId id="264" r:id="rId39"/>
+    <p:sldId id="265" r:id="rId40"/>
+    <p:sldId id="274" r:id="rId41"/>
   </p:sldIdLst>
   <p:sldSz cx="12192000" cy="6858000"/>
   <p:notesSz cx="6858000" cy="9144000"/>
@@ -140,7 +145,7 @@
   </p:defaultTextStyle>
   <p:extLst>
     <p:ext uri="{EFAFB233-063F-42B5-8137-9DF3F51BA10A}">
-      <p15:sldGuideLst xmlns:p15="http://schemas.microsoft.com/office/powerpoint/2012/main"/>
+      <p15:sldGuideLst xmlns:p15="http://schemas.microsoft.com/office/powerpoint/2012/main" xmlns=""/>
     </p:ext>
   </p:extLst>
 </p:presentation>
@@ -158,7 +163,7 @@
 </file>
 
 <file path=ppt/charts/chart1.xml><?xml version="1.0" encoding="utf-8"?>
-<c:chartSpace xmlns:c="http://schemas.openxmlformats.org/drawingml/2006/chart" xmlns:a="http://schemas.openxmlformats.org/drawingml/2006/main" xmlns:r="http://schemas.openxmlformats.org/officeDocument/2006/relationships" xmlns:c16r2="http://schemas.microsoft.com/office/drawing/2015/06/chart">
+<c:chartSpace xmlns:c="http://schemas.openxmlformats.org/drawingml/2006/chart" xmlns:a="http://schemas.openxmlformats.org/drawingml/2006/main" xmlns:r="http://schemas.openxmlformats.org/officeDocument/2006/relationships">
   <c:date1904 val="0"/>
   <c:lang val="en-US"/>
   <c:roundedCorners val="0"/>
@@ -191,8 +196,8 @@
         <c:manualLayout>
           <c:xMode val="edge"/>
           <c:yMode val="edge"/>
-          <c:x val="0.32406992125984257"/>
-          <c:y val="2.976190476190476E-2"/>
+          <c:x val="0.324069921259843"/>
+          <c:y val="0.0297619047619048"/>
         </c:manualLayout>
       </c:layout>
       <c:overlay val="0"/>
@@ -230,37 +235,37 @@
                   <c:formatCode>General</c:formatCode>
                   <c:ptCount val="11"/>
                   <c:pt idx="0">
-                    <c:v>0.98601329718326935</c:v>
+                    <c:v>0.986013297183269</c:v>
                   </c:pt>
                   <c:pt idx="1">
-                    <c:v>1.1317527104146314</c:v>
+                    <c:v>1.131752710414631</c:v>
                   </c:pt>
                   <c:pt idx="2">
-                    <c:v>1.1547005383792515</c:v>
+                    <c:v>1.154700538379252</c:v>
                   </c:pt>
                   <c:pt idx="3">
-                    <c:v>0.85706936780786169</c:v>
+                    <c:v>0.857069367807862</c:v>
                   </c:pt>
                   <c:pt idx="4">
-                    <c:v>0.9590375834240038</c:v>
+                    <c:v>0.959037583424004</c:v>
                   </c:pt>
                   <c:pt idx="5">
-                    <c:v>1.4185717038670784</c:v>
+                    <c:v>1.418571703867078</c:v>
                   </c:pt>
                   <c:pt idx="6">
-                    <c:v>1.3437096247164249</c:v>
+                    <c:v>1.343709624716425</c:v>
                   </c:pt>
                   <c:pt idx="7">
-                    <c:v>0.96385286516097091</c:v>
+                    <c:v>0.963852865160971</c:v>
                   </c:pt>
                   <c:pt idx="8">
-                    <c:v>1.2801909579781012</c:v>
+                    <c:v>1.280190957978101</c:v>
                   </c:pt>
                   <c:pt idx="9">
-                    <c:v>1.9420620325498372</c:v>
+                    <c:v>1.942062032549837</c:v>
                   </c:pt>
                   <c:pt idx="10">
-                    <c:v>1.0378634273483003</c:v>
+                    <c:v>1.0378634273483</c:v>
                   </c:pt>
                 </c:numCache>
               </c:numRef>
@@ -317,39 +322,39 @@
                   <c:v>5.333333333333333</c:v>
                 </c:pt>
                 <c:pt idx="1">
-                  <c:v>5.5555555555555554</c:v>
+                  <c:v>5.555555555555554</c:v>
                 </c:pt>
                 <c:pt idx="2">
                   <c:v>5.666666666666667</c:v>
                 </c:pt>
                 <c:pt idx="3">
-                  <c:v>5.1111111111111107</c:v>
+                  <c:v>5.111111111111111</c:v>
                 </c:pt>
                 <c:pt idx="4">
-                  <c:v>6.4444444444444446</c:v>
+                  <c:v>6.444444444444445</c:v>
                 </c:pt>
                 <c:pt idx="5">
-                  <c:v>6.8888888888888893</c:v>
+                  <c:v>6.888888888888888</c:v>
                 </c:pt>
                 <c:pt idx="6">
                   <c:v>6.666666666666667</c:v>
                 </c:pt>
                 <c:pt idx="7">
-                  <c:v>7.1111111111111107</c:v>
+                  <c:v>7.111111111111111</c:v>
                 </c:pt>
                 <c:pt idx="8">
                   <c:v>6.666666666666667</c:v>
                 </c:pt>
                 <c:pt idx="9">
-                  <c:v>8.2222222222222214</c:v>
+                  <c:v>8.222222222222221</c:v>
                 </c:pt>
                 <c:pt idx="10">
-                  <c:v>5.2222222222222223</c:v>
+                  <c:v>5.222222222222222</c:v>
                 </c:pt>
               </c:numCache>
             </c:numRef>
           </c:val>
-          <c:extLst>
+          <c:extLst xmlns:c16r2="http://schemas.microsoft.com/office/drawing/2015/06/chart">
             <c:ext xmlns:c16="http://schemas.microsoft.com/office/drawing/2014/chart" uri="{C3380CC4-5D6E-409C-BE32-E72D297353CC}">
               <c16:uniqueId val="{00000000-2D79-41DA-96D0-8DE64668382F}"/>
             </c:ext>
@@ -381,37 +386,37 @@
                   <c:formatCode>General</c:formatCode>
                   <c:ptCount val="11"/>
                   <c:pt idx="0">
-                    <c:v>0.6758625033664688</c:v>
+                    <c:v>0.675862503366469</c:v>
                   </c:pt>
                   <c:pt idx="1">
-                    <c:v>0.57735026918962573</c:v>
+                    <c:v>0.577350269189626</c:v>
                   </c:pt>
                   <c:pt idx="2">
-                    <c:v>0.51219691429404923</c:v>
+                    <c:v>0.512196914294049</c:v>
                   </c:pt>
                   <c:pt idx="3">
-                    <c:v>0.58001702827280843</c:v>
+                    <c:v>0.580017028272808</c:v>
                   </c:pt>
                   <c:pt idx="4">
-                    <c:v>0.48432210483785254</c:v>
+                    <c:v>0.484322104837853</c:v>
                   </c:pt>
                   <c:pt idx="5">
-                    <c:v>0.7453559924999299</c:v>
+                    <c:v>0.74535599249993</c:v>
                   </c:pt>
                   <c:pt idx="6">
-                    <c:v>0.70928585193353921</c:v>
+                    <c:v>0.709285851933539</c:v>
                   </c:pt>
                   <c:pt idx="7">
-                    <c:v>0.77180244385832253</c:v>
+                    <c:v>0.771802443858322</c:v>
                   </c:pt>
                   <c:pt idx="8">
-                    <c:v>0.83333333333333337</c:v>
+                    <c:v>0.833333333333333</c:v>
                   </c:pt>
                   <c:pt idx="9">
                     <c:v>0.982878111830785</c:v>
                   </c:pt>
                   <c:pt idx="10">
-                    <c:v>1.0378634273483003</c:v>
+                    <c:v>1.0378634273483</c:v>
                   </c:pt>
                 </c:numCache>
               </c:numRef>
@@ -465,42 +470,42 @@
                 <c:formatCode>0.000</c:formatCode>
                 <c:ptCount val="11"/>
                 <c:pt idx="0">
-                  <c:v>4.1111111111111107</c:v>
+                  <c:v>4.111111111111111</c:v>
                 </c:pt>
                 <c:pt idx="1">
-                  <c:v>3.6666666666666665</c:v>
+                  <c:v>3.666666666666666</c:v>
                 </c:pt>
                 <c:pt idx="2">
-                  <c:v>4.1111111111111107</c:v>
+                  <c:v>4.111111111111111</c:v>
                 </c:pt>
                 <c:pt idx="3">
-                  <c:v>3.4444444444444446</c:v>
+                  <c:v>3.444444444444444</c:v>
                 </c:pt>
                 <c:pt idx="4">
-                  <c:v>4.1111111111111107</c:v>
+                  <c:v>4.111111111111111</c:v>
                 </c:pt>
                 <c:pt idx="5">
-                  <c:v>4</c:v>
+                  <c:v>4.0</c:v>
                 </c:pt>
                 <c:pt idx="6">
-                  <c:v>4.4444444444444446</c:v>
+                  <c:v>4.444444444444445</c:v>
                 </c:pt>
                 <c:pt idx="7">
-                  <c:v>5.1111111111111107</c:v>
+                  <c:v>5.111111111111111</c:v>
                 </c:pt>
                 <c:pt idx="8">
                   <c:v>4.333333333333333</c:v>
                 </c:pt>
                 <c:pt idx="9">
-                  <c:v>5.7777777777777777</c:v>
+                  <c:v>5.777777777777778</c:v>
                 </c:pt>
                 <c:pt idx="10">
-                  <c:v>5.2222222222222223</c:v>
+                  <c:v>5.222222222222222</c:v>
                 </c:pt>
               </c:numCache>
             </c:numRef>
           </c:val>
-          <c:extLst>
+          <c:extLst xmlns:c16r2="http://schemas.microsoft.com/office/drawing/2015/06/chart">
             <c:ext xmlns:c16="http://schemas.microsoft.com/office/drawing/2014/chart" uri="{C3380CC4-5D6E-409C-BE32-E72D297353CC}">
               <c16:uniqueId val="{00000001-2D79-41DA-96D0-8DE64668382F}"/>
             </c:ext>
@@ -532,37 +537,37 @@
                   <c:formatCode>General</c:formatCode>
                   <c:ptCount val="11"/>
                   <c:pt idx="0">
-                    <c:v>0.6238240422398309</c:v>
+                    <c:v>0.623824042239831</c:v>
                   </c:pt>
                   <c:pt idx="1">
-                    <c:v>0.46452023975780121</c:v>
+                    <c:v>0.464520239757801</c:v>
                   </c:pt>
                   <c:pt idx="2">
-                    <c:v>0.60890421295416697</c:v>
+                    <c:v>0.608904212954167</c:v>
                   </c:pt>
                   <c:pt idx="3">
-                    <c:v>0.43624561587675786</c:v>
+                    <c:v>0.436245615876758</c:v>
                   </c:pt>
                   <c:pt idx="4">
-                    <c:v>0.69019928738075931</c:v>
+                    <c:v>0.690199287380759</c:v>
                   </c:pt>
                   <c:pt idx="5">
-                    <c:v>1.1694615104426775</c:v>
+                    <c:v>1.169461510442677</c:v>
                   </c:pt>
                   <c:pt idx="6">
-                    <c:v>0.94870642264934102</c:v>
+                    <c:v>0.948706422649341</c:v>
                   </c:pt>
                   <c:pt idx="7">
-                    <c:v>0.80115637131070327</c:v>
+                    <c:v>0.801156371310703</c:v>
                   </c:pt>
                   <c:pt idx="8">
-                    <c:v>0.49499282242728682</c:v>
+                    <c:v>0.494992822427287</c:v>
                   </c:pt>
                   <c:pt idx="9">
-                    <c:v>1.3825628633569975</c:v>
+                    <c:v>1.382562863356998</c:v>
                   </c:pt>
                   <c:pt idx="10">
-                    <c:v>0.59544500252467558</c:v>
+                    <c:v>0.595445002524676</c:v>
                   </c:pt>
                 </c:numCache>
               </c:numRef>
@@ -616,34 +621,34 @@
                 <c:formatCode>0.000</c:formatCode>
                 <c:ptCount val="11"/>
                 <c:pt idx="0">
-                  <c:v>3.0667988599283249</c:v>
+                  <c:v>3.066798859928325</c:v>
                 </c:pt>
                 <c:pt idx="1">
-                  <c:v>2.8770417754814517</c:v>
+                  <c:v>2.877041775481452</c:v>
                 </c:pt>
                 <c:pt idx="2">
-                  <c:v>2.9820157123525797</c:v>
+                  <c:v>2.98201571235258</c:v>
                 </c:pt>
                 <c:pt idx="3">
-                  <c:v>2.5071471229180307</c:v>
+                  <c:v>2.507147122918031</c:v>
                 </c:pt>
                 <c:pt idx="4">
-                  <c:v>3.5565721184579919</c:v>
+                  <c:v>3.556572118457992</c:v>
                 </c:pt>
                 <c:pt idx="5">
-                  <c:v>3.9945449557902069</c:v>
+                  <c:v>3.994544955790207</c:v>
                 </c:pt>
                 <c:pt idx="6">
-                  <c:v>3.6168440780763595</c:v>
+                  <c:v>3.616844078076359</c:v>
                 </c:pt>
                 <c:pt idx="7">
-                  <c:v>4.1932821963066065</c:v>
+                  <c:v>4.193282196306607</c:v>
                 </c:pt>
                 <c:pt idx="8">
-                  <c:v>3.0568350435107994</c:v>
+                  <c:v>3.056835043510799</c:v>
                 </c:pt>
                 <c:pt idx="9">
-                  <c:v>5.1725088400967874</c:v>
+                  <c:v>5.172508840096786</c:v>
                 </c:pt>
                 <c:pt idx="10">
                   <c:v>3.124129475276177</c:v>
@@ -651,7 +656,7 @@
               </c:numCache>
             </c:numRef>
           </c:val>
-          <c:extLst>
+          <c:extLst xmlns:c16r2="http://schemas.microsoft.com/office/drawing/2015/06/chart">
             <c:ext xmlns:c16="http://schemas.microsoft.com/office/drawing/2014/chart" uri="{C3380CC4-5D6E-409C-BE32-E72D297353CC}">
               <c16:uniqueId val="{00000002-2D79-41DA-96D0-8DE64668382F}"/>
             </c:ext>
@@ -683,37 +688,37 @@
                   <c:formatCode>General</c:formatCode>
                   <c:ptCount val="11"/>
                   <c:pt idx="0">
-                    <c:v>0.22267401927400954</c:v>
+                    <c:v>0.222674019274009</c:v>
                   </c:pt>
                   <c:pt idx="1">
-                    <c:v>0.19208575477432824</c:v>
+                    <c:v>0.192085754774328</c:v>
                   </c:pt>
                   <c:pt idx="2">
-                    <c:v>0.2011953302387843</c:v>
+                    <c:v>0.201195330238784</c:v>
                   </c:pt>
                   <c:pt idx="3">
-                    <c:v>0.18643502657039748</c:v>
+                    <c:v>0.186435026570398</c:v>
                   </c:pt>
                   <c:pt idx="4">
-                    <c:v>0.17687259981156611</c:v>
+                    <c:v>0.176872599811566</c:v>
                   </c:pt>
                   <c:pt idx="5">
-                    <c:v>0.24417012086326806</c:v>
+                    <c:v>0.244170120863268</c:v>
                   </c:pt>
                   <c:pt idx="6">
-                    <c:v>0.22888212577761355</c:v>
+                    <c:v>0.228882125777614</c:v>
                   </c:pt>
                   <c:pt idx="7">
-                    <c:v>0.17731756465652382</c:v>
+                    <c:v>0.177317564656524</c:v>
                   </c:pt>
                   <c:pt idx="8">
-                    <c:v>0.23410595298791734</c:v>
+                    <c:v>0.234105952987917</c:v>
                   </c:pt>
                   <c:pt idx="9">
-                    <c:v>0.28125827770699052</c:v>
+                    <c:v>0.28125827770699</c:v>
                   </c:pt>
                   <c:pt idx="10">
-                    <c:v>0.24000698987453495</c:v>
+                    <c:v>0.240006989874535</c:v>
                   </c:pt>
                 </c:numCache>
               </c:numRef>
@@ -767,42 +772,42 @@
                 <c:formatCode>0.000</c:formatCode>
                 <c:ptCount val="11"/>
                 <c:pt idx="0">
-                  <c:v>1.1106182554929374</c:v>
+                  <c:v>1.110618255492937</c:v>
                 </c:pt>
                 <c:pt idx="1">
-                  <c:v>1.1314910512804501</c:v>
+                  <c:v>1.13149105128045</c:v>
                 </c:pt>
                 <c:pt idx="2">
                   <c:v>1.150875916294668</c:v>
                 </c:pt>
                 <c:pt idx="3">
-                  <c:v>1.0187847447794374</c:v>
+                  <c:v>1.018784744779437</c:v>
                 </c:pt>
                 <c:pt idx="4">
-                  <c:v>1.3597962592355948</c:v>
+                  <c:v>1.359796259235594</c:v>
                 </c:pt>
                 <c:pt idx="5">
                   <c:v>1.301010720627261</c:v>
                 </c:pt>
                 <c:pt idx="6">
-                  <c:v>1.2940002160154223</c:v>
+                  <c:v>1.294000216015422</c:v>
                 </c:pt>
                 <c:pt idx="7">
-                  <c:v>1.487275700221609</c:v>
+                  <c:v>1.48727570022161</c:v>
                 </c:pt>
                 <c:pt idx="8">
-                  <c:v>1.2417221260635263</c:v>
+                  <c:v>1.241722126063526</c:v>
                 </c:pt>
                 <c:pt idx="9">
-                  <c:v>1.5374988519054058</c:v>
+                  <c:v>1.537498851905406</c:v>
                 </c:pt>
                 <c:pt idx="10">
-                  <c:v>1.1404284666909585</c:v>
+                  <c:v>1.140428466690959</c:v>
                 </c:pt>
               </c:numCache>
             </c:numRef>
           </c:val>
-          <c:extLst>
+          <c:extLst xmlns:c16r2="http://schemas.microsoft.com/office/drawing/2015/06/chart">
             <c:ext xmlns:c16="http://schemas.microsoft.com/office/drawing/2014/chart" uri="{C3380CC4-5D6E-409C-BE32-E72D297353CC}">
               <c16:uniqueId val="{00000003-2D79-41DA-96D0-8DE64668382F}"/>
             </c:ext>
@@ -834,37 +839,37 @@
                   <c:formatCode>General</c:formatCode>
                   <c:ptCount val="11"/>
                   <c:pt idx="0">
-                    <c:v>0</c:v>
+                    <c:v>0.0</c:v>
                   </c:pt>
                   <c:pt idx="1">
-                    <c:v>0.1111111111111111</c:v>
+                    <c:v>0.111111111111111</c:v>
                   </c:pt>
                   <c:pt idx="2">
-                    <c:v>0</c:v>
+                    <c:v>0.0</c:v>
                   </c:pt>
                   <c:pt idx="3">
-                    <c:v>0.1111111111111111</c:v>
+                    <c:v>0.111111111111111</c:v>
                   </c:pt>
                   <c:pt idx="4">
-                    <c:v>0.2421610524189263</c:v>
+                    <c:v>0.242161052418926</c:v>
                   </c:pt>
                   <c:pt idx="5">
-                    <c:v>0.44444444444444442</c:v>
+                    <c:v>0.444444444444444</c:v>
                   </c:pt>
                   <c:pt idx="6">
-                    <c:v>0.2421610524189263</c:v>
+                    <c:v>0.242161052418926</c:v>
                   </c:pt>
                   <c:pt idx="7">
-                    <c:v>0.23570226039551587</c:v>
+                    <c:v>0.235702260395516</c:v>
                   </c:pt>
                   <c:pt idx="8">
-                    <c:v>0.37679611017362596</c:v>
+                    <c:v>0.376796110173626</c:v>
                   </c:pt>
                   <c:pt idx="9">
-                    <c:v>0.72648315725677903</c:v>
+                    <c:v>0.726483157256779</c:v>
                   </c:pt>
                   <c:pt idx="10">
-                    <c:v>0.22222222222222221</c:v>
+                    <c:v>0.222222222222222</c:v>
                   </c:pt>
                 </c:numCache>
               </c:numRef>
@@ -918,42 +923,42 @@
                 <c:formatCode>0.000</c:formatCode>
                 <c:ptCount val="11"/>
                 <c:pt idx="0">
-                  <c:v>0</c:v>
+                  <c:v>0.0</c:v>
                 </c:pt>
                 <c:pt idx="1">
-                  <c:v>0.1111111111111111</c:v>
+                  <c:v>0.111111111111111</c:v>
                 </c:pt>
                 <c:pt idx="2">
-                  <c:v>0</c:v>
+                  <c:v>0.0</c:v>
                 </c:pt>
                 <c:pt idx="3">
-                  <c:v>0.1111111111111111</c:v>
+                  <c:v>0.111111111111111</c:v>
                 </c:pt>
                 <c:pt idx="4">
-                  <c:v>0.44444444444444442</c:v>
+                  <c:v>0.444444444444444</c:v>
                 </c:pt>
                 <c:pt idx="5">
-                  <c:v>0.55555555555555558</c:v>
+                  <c:v>0.555555555555556</c:v>
                 </c:pt>
                 <c:pt idx="6">
-                  <c:v>0.44444444444444442</c:v>
+                  <c:v>0.444444444444444</c:v>
                 </c:pt>
                 <c:pt idx="7">
-                  <c:v>0.33333333333333331</c:v>
+                  <c:v>0.333333333333333</c:v>
                 </c:pt>
                 <c:pt idx="8">
-                  <c:v>0.55555555555555558</c:v>
+                  <c:v>0.555555555555556</c:v>
                 </c:pt>
                 <c:pt idx="9">
-                  <c:v>1.6666666666666667</c:v>
+                  <c:v>1.666666666666667</c:v>
                 </c:pt>
                 <c:pt idx="10">
-                  <c:v>0.22222222222222221</c:v>
+                  <c:v>0.222222222222222</c:v>
                 </c:pt>
               </c:numCache>
             </c:numRef>
           </c:val>
-          <c:extLst>
+          <c:extLst xmlns:c16r2="http://schemas.microsoft.com/office/drawing/2015/06/chart">
             <c:ext xmlns:c16="http://schemas.microsoft.com/office/drawing/2014/chart" uri="{C3380CC4-5D6E-409C-BE32-E72D297353CC}">
               <c16:uniqueId val="{00000004-2D79-41DA-96D0-8DE64668382F}"/>
             </c:ext>
@@ -985,37 +990,37 @@
                   <c:formatCode>General</c:formatCode>
                   <c:ptCount val="11"/>
                   <c:pt idx="0">
-                    <c:v>0.1111111111111111</c:v>
+                    <c:v>0.111111111111111</c:v>
                   </c:pt>
                   <c:pt idx="1">
-                    <c:v>0.3379312516832344</c:v>
+                    <c:v>0.337931251683234</c:v>
                   </c:pt>
                   <c:pt idx="2">
-                    <c:v>0.17568209223157663</c:v>
+                    <c:v>0.175682092231577</c:v>
                   </c:pt>
                   <c:pt idx="3">
-                    <c:v>0.14698618394803281</c:v>
+                    <c:v>0.146986183948033</c:v>
                   </c:pt>
                   <c:pt idx="4">
-                    <c:v>0.35136418446315326</c:v>
+                    <c:v>0.351364184463153</c:v>
                   </c:pt>
                   <c:pt idx="5">
-                    <c:v>0.16666666666666666</c:v>
+                    <c:v>0.166666666666667</c:v>
                   </c:pt>
                   <c:pt idx="6">
-                    <c:v>0.3379312516832344</c:v>
+                    <c:v>0.337931251683234</c:v>
                   </c:pt>
                   <c:pt idx="7">
-                    <c:v>0.20030840419244386</c:v>
+                    <c:v>0.200308404192444</c:v>
                   </c:pt>
                   <c:pt idx="8">
-                    <c:v>0.2421610524189263</c:v>
+                    <c:v>0.242161052418926</c:v>
                   </c:pt>
                   <c:pt idx="9">
-                    <c:v>0.75359222034725193</c:v>
+                    <c:v>0.753592220347252</c:v>
                   </c:pt>
                   <c:pt idx="10">
-                    <c:v>0.66202084932294369</c:v>
+                    <c:v>0.662020849322944</c:v>
                   </c:pt>
                 </c:numCache>
               </c:numRef>
@@ -1069,42 +1074,42 @@
                 <c:formatCode>0.000</c:formatCode>
                 <c:ptCount val="11"/>
                 <c:pt idx="0">
-                  <c:v>0.1111111111111111</c:v>
+                  <c:v>0.111111111111111</c:v>
                 </c:pt>
                 <c:pt idx="1">
-                  <c:v>0.44444444444444442</c:v>
+                  <c:v>0.444444444444444</c:v>
                 </c:pt>
                 <c:pt idx="2">
-                  <c:v>0.44444444444444442</c:v>
+                  <c:v>0.444444444444444</c:v>
                 </c:pt>
                 <c:pt idx="3">
-                  <c:v>0.22222222222222221</c:v>
+                  <c:v>0.222222222222222</c:v>
                 </c:pt>
                 <c:pt idx="4">
-                  <c:v>0.88888888888888884</c:v>
+                  <c:v>0.888888888888889</c:v>
                 </c:pt>
                 <c:pt idx="5">
-                  <c:v>0.33333333333333331</c:v>
+                  <c:v>0.333333333333333</c:v>
                 </c:pt>
                 <c:pt idx="6">
-                  <c:v>0.55555555555555558</c:v>
+                  <c:v>0.555555555555556</c:v>
                 </c:pt>
                 <c:pt idx="7">
-                  <c:v>0.88888888888888884</c:v>
+                  <c:v>0.888888888888889</c:v>
                 </c:pt>
                 <c:pt idx="8">
-                  <c:v>0.44444444444444442</c:v>
+                  <c:v>0.444444444444444</c:v>
                 </c:pt>
                 <c:pt idx="9">
-                  <c:v>1.1111111111111112</c:v>
+                  <c:v>1.111111111111111</c:v>
                 </c:pt>
                 <c:pt idx="10">
-                  <c:v>1.2222222222222223</c:v>
+                  <c:v>1.222222222222222</c:v>
                 </c:pt>
               </c:numCache>
             </c:numRef>
           </c:val>
-          <c:extLst>
+          <c:extLst xmlns:c16r2="http://schemas.microsoft.com/office/drawing/2015/06/chart">
             <c:ext xmlns:c16="http://schemas.microsoft.com/office/drawing/2014/chart" uri="{C3380CC4-5D6E-409C-BE32-E72D297353CC}">
               <c16:uniqueId val="{00000005-2D79-41DA-96D0-8DE64668382F}"/>
             </c:ext>
@@ -1136,37 +1141,37 @@
                   <c:formatCode>General</c:formatCode>
                   <c:ptCount val="11"/>
                   <c:pt idx="0">
-                    <c:v>0.55555555555555558</c:v>
+                    <c:v>0.555555555555556</c:v>
                   </c:pt>
                   <c:pt idx="1">
-                    <c:v>0.65499034014175528</c:v>
+                    <c:v>0.654990340141755</c:v>
                   </c:pt>
                   <c:pt idx="2">
-                    <c:v>0.50307695211874537</c:v>
+                    <c:v>0.503076952118745</c:v>
                   </c:pt>
                   <c:pt idx="3">
-                    <c:v>0.57735026918962573</c:v>
+                    <c:v>0.577350269189626</c:v>
                   </c:pt>
                   <c:pt idx="4">
-                    <c:v>0.53863109526848096</c:v>
+                    <c:v>0.538631095268481</c:v>
                   </c:pt>
                   <c:pt idx="5">
-                    <c:v>0.74120355911812963</c:v>
+                    <c:v>0.74120355911813</c:v>
                   </c:pt>
                   <c:pt idx="6">
-                    <c:v>0.79930525388545315</c:v>
+                    <c:v>0.799305253885453</c:v>
                   </c:pt>
                   <c:pt idx="7">
-                    <c:v>0.62607931497692471</c:v>
+                    <c:v>0.626079314976925</c:v>
                   </c:pt>
                   <c:pt idx="8">
-                    <c:v>0.75359222034725193</c:v>
+                    <c:v>0.753592220347252</c:v>
                   </c:pt>
                   <c:pt idx="9">
-                    <c:v>1.0015420209622192</c:v>
+                    <c:v>1.001542020962219</c:v>
                   </c:pt>
                   <c:pt idx="10">
-                    <c:v>0.92962225170452839</c:v>
+                    <c:v>0.929622251704528</c:v>
                   </c:pt>
                 </c:numCache>
               </c:numRef>
@@ -1220,42 +1225,42 @@
                 <c:formatCode>0.000</c:formatCode>
                 <c:ptCount val="11"/>
                 <c:pt idx="0">
-                  <c:v>1.5555555555555556</c:v>
+                  <c:v>1.555555555555556</c:v>
                 </c:pt>
                 <c:pt idx="1">
-                  <c:v>1.8888888888888888</c:v>
+                  <c:v>1.888888888888889</c:v>
                 </c:pt>
                 <c:pt idx="2">
-                  <c:v>1.5555555555555556</c:v>
+                  <c:v>1.555555555555556</c:v>
                 </c:pt>
                 <c:pt idx="3">
-                  <c:v>1.3333333333333333</c:v>
+                  <c:v>1.333333333333333</c:v>
                 </c:pt>
                 <c:pt idx="4">
-                  <c:v>2.1111111111111112</c:v>
+                  <c:v>2.111111111111111</c:v>
                 </c:pt>
                 <c:pt idx="5">
-                  <c:v>1.7777777777777777</c:v>
+                  <c:v>1.777777777777778</c:v>
                 </c:pt>
                 <c:pt idx="6">
-                  <c:v>2.3333333333333335</c:v>
+                  <c:v>2.333333333333333</c:v>
                 </c:pt>
                 <c:pt idx="7">
-                  <c:v>2.5555555555555554</c:v>
+                  <c:v>2.555555555555555</c:v>
                 </c:pt>
                 <c:pt idx="8">
-                  <c:v>2.1111111111111112</c:v>
+                  <c:v>2.111111111111111</c:v>
                 </c:pt>
                 <c:pt idx="9">
-                  <c:v>2.5555555555555554</c:v>
+                  <c:v>2.555555555555555</c:v>
                 </c:pt>
                 <c:pt idx="10">
-                  <c:v>2.4444444444444446</c:v>
+                  <c:v>2.444444444444444</c:v>
                 </c:pt>
               </c:numCache>
             </c:numRef>
           </c:val>
-          <c:extLst>
+          <c:extLst xmlns:c16r2="http://schemas.microsoft.com/office/drawing/2015/06/chart">
             <c:ext xmlns:c16="http://schemas.microsoft.com/office/drawing/2014/chart" uri="{C3380CC4-5D6E-409C-BE32-E72D297353CC}">
               <c16:uniqueId val="{00000006-2D79-41DA-96D0-8DE64668382F}"/>
             </c:ext>
@@ -1270,8 +1275,8 @@
           <c:showBubbleSize val="0"/>
         </c:dLbls>
         <c:gapWidth val="200"/>
-        <c:axId val="682101776"/>
-        <c:axId val="682100136"/>
+        <c:axId val="-2091309032"/>
+        <c:axId val="2098582216"/>
       </c:barChart>
       <c:scatterChart>
         <c:scatterStyle val="smoothMarker"/>
@@ -1302,37 +1307,37 @@
                   <c:formatCode>General</c:formatCode>
                   <c:ptCount val="11"/>
                   <c:pt idx="0">
-                    <c:v>9.9802539421599834E-2</c:v>
+                    <c:v>0.0998025394215998</c:v>
                   </c:pt>
                   <c:pt idx="1">
-                    <c:v>8.1620904917346943E-2</c:v>
+                    <c:v>0.081620904917347</c:v>
                   </c:pt>
                   <c:pt idx="2">
-                    <c:v>8.295656321828801E-2</c:v>
+                    <c:v>0.082956563218288</c:v>
                   </c:pt>
                   <c:pt idx="3">
-                    <c:v>8.1753988256486734E-2</c:v>
+                    <c:v>0.0817539882564867</c:v>
                   </c:pt>
                   <c:pt idx="4">
-                    <c:v>6.9208529404326091E-2</c:v>
+                    <c:v>0.0692085294043261</c:v>
                   </c:pt>
                   <c:pt idx="5">
-                    <c:v>8.7268663641188474E-2</c:v>
+                    <c:v>0.0872686636411885</c:v>
                   </c:pt>
                   <c:pt idx="6">
-                    <c:v>8.7133599670533426E-2</c:v>
+                    <c:v>0.0871335996705334</c:v>
                   </c:pt>
                   <c:pt idx="7">
-                    <c:v>5.5784423396002307E-2</c:v>
+                    <c:v>0.0557844233960023</c:v>
                   </c:pt>
                   <c:pt idx="8">
-                    <c:v>9.9484504070221372E-2</c:v>
+                    <c:v>0.0994845040702214</c:v>
                   </c:pt>
                   <c:pt idx="9">
-                    <c:v>9.171041403146836E-2</c:v>
+                    <c:v>0.0917104140314683</c:v>
                   </c:pt>
                   <c:pt idx="10">
-                    <c:v>9.9185728015553268E-2</c:v>
+                    <c:v>0.0991857280155532</c:v>
                   </c:pt>
                 </c:numCache>
               </c:numRef>
@@ -1344,37 +1349,37 @@
                   <c:formatCode>General</c:formatCode>
                   <c:ptCount val="11"/>
                   <c:pt idx="0">
-                    <c:v>9.9802539421599834E-2</c:v>
+                    <c:v>0.0998025394215998</c:v>
                   </c:pt>
                   <c:pt idx="1">
-                    <c:v>8.1620904917346943E-2</c:v>
+                    <c:v>0.081620904917347</c:v>
                   </c:pt>
                   <c:pt idx="2">
-                    <c:v>8.295656321828801E-2</c:v>
+                    <c:v>0.082956563218288</c:v>
                   </c:pt>
                   <c:pt idx="3">
-                    <c:v>8.1753988256486734E-2</c:v>
+                    <c:v>0.0817539882564867</c:v>
                   </c:pt>
                   <c:pt idx="4">
-                    <c:v>6.9208529404326091E-2</c:v>
+                    <c:v>0.0692085294043261</c:v>
                   </c:pt>
                   <c:pt idx="5">
-                    <c:v>8.7268663641188474E-2</c:v>
+                    <c:v>0.0872686636411885</c:v>
                   </c:pt>
                   <c:pt idx="6">
-                    <c:v>8.7133599670533426E-2</c:v>
+                    <c:v>0.0871335996705334</c:v>
                   </c:pt>
                   <c:pt idx="7">
-                    <c:v>5.5784423396002307E-2</c:v>
+                    <c:v>0.0557844233960023</c:v>
                   </c:pt>
                   <c:pt idx="8">
-                    <c:v>9.9484504070221372E-2</c:v>
+                    <c:v>0.0994845040702214</c:v>
                   </c:pt>
                   <c:pt idx="9">
-                    <c:v>9.171041403146836E-2</c:v>
+                    <c:v>0.0917104140314683</c:v>
                   </c:pt>
                   <c:pt idx="10">
-                    <c:v>9.9185728015553268E-2</c:v>
+                    <c:v>0.0991857280155532</c:v>
                   </c:pt>
                 </c:numCache>
               </c:numRef>
@@ -1428,43 +1433,43 @@
                 <c:formatCode>0.000</c:formatCode>
                 <c:ptCount val="11"/>
                 <c:pt idx="0">
-                  <c:v>0.52750000000000008</c:v>
+                  <c:v>0.5275</c:v>
                 </c:pt>
                 <c:pt idx="1">
-                  <c:v>0.56158134430727025</c:v>
+                  <c:v>0.56158134430727</c:v>
                 </c:pt>
                 <c:pt idx="2">
-                  <c:v>0.5510272059019109</c:v>
+                  <c:v>0.551027205901911</c:v>
                 </c:pt>
                 <c:pt idx="3">
-                  <c:v>0.4939236111111111</c:v>
+                  <c:v>0.493923611111111</c:v>
                 </c:pt>
                 <c:pt idx="4">
-                  <c:v>0.6320483749055178</c:v>
+                  <c:v>0.632048374905518</c:v>
                 </c:pt>
                 <c:pt idx="5">
-                  <c:v>0.5886742178930664</c:v>
+                  <c:v>0.588674217893067</c:v>
                 </c:pt>
                 <c:pt idx="6">
-                  <c:v>0.5907338820301784</c:v>
+                  <c:v>0.590733882030179</c:v>
                 </c:pt>
                 <c:pt idx="7">
-                  <c:v>0.68315723771958559</c:v>
+                  <c:v>0.683157237719586</c:v>
                 </c:pt>
                 <c:pt idx="8">
-                  <c:v>0.55694059710680222</c:v>
+                  <c:v>0.556940597106802</c:v>
                 </c:pt>
                 <c:pt idx="9">
-                  <c:v>0.65100847744225188</c:v>
+                  <c:v>0.651008477442252</c:v>
                 </c:pt>
                 <c:pt idx="10">
-                  <c:v>0.53944444444444439</c:v>
+                  <c:v>0.539444444444444</c:v>
                 </c:pt>
               </c:numCache>
             </c:numRef>
           </c:yVal>
           <c:smooth val="1"/>
-          <c:extLst>
+          <c:extLst xmlns:c16r2="http://schemas.microsoft.com/office/drawing/2015/06/chart">
             <c:ext xmlns:c16="http://schemas.microsoft.com/office/drawing/2014/chart" uri="{C3380CC4-5D6E-409C-BE32-E72D297353CC}">
               <c16:uniqueId val="{00000007-2D79-41DA-96D0-8DE64668382F}"/>
             </c:ext>
@@ -1478,11 +1483,11 @@
           <c:showPercent val="0"/>
           <c:showBubbleSize val="0"/>
         </c:dLbls>
-        <c:axId val="652310568"/>
-        <c:axId val="652318112"/>
+        <c:axId val="2098585768"/>
+        <c:axId val="2098583992"/>
       </c:scatterChart>
       <c:catAx>
-        <c:axId val="682101776"/>
+        <c:axId val="-2091309032"/>
         <c:scaling>
           <c:orientation val="minMax"/>
         </c:scaling>
@@ -1504,13 +1509,14 @@
               </a:p>
             </c:rich>
           </c:tx>
+          <c:layout/>
           <c:overlay val="0"/>
         </c:title>
         <c:numFmt formatCode="General" sourceLinked="1"/>
         <c:majorTickMark val="out"/>
         <c:minorTickMark val="none"/>
         <c:tickLblPos val="nextTo"/>
-        <c:crossAx val="682100136"/>
+        <c:crossAx val="2098582216"/>
         <c:crosses val="autoZero"/>
         <c:auto val="1"/>
         <c:lblAlgn val="ctr"/>
@@ -1518,7 +1524,7 @@
         <c:noMultiLvlLbl val="0"/>
       </c:catAx>
       <c:valAx>
-        <c:axId val="682100136"/>
+        <c:axId val="2098582216"/>
         <c:scaling>
           <c:orientation val="minMax"/>
         </c:scaling>
@@ -1540,18 +1546,19 @@
               </a:p>
             </c:rich>
           </c:tx>
+          <c:layout/>
           <c:overlay val="0"/>
         </c:title>
         <c:numFmt formatCode="0.000" sourceLinked="1"/>
         <c:majorTickMark val="out"/>
         <c:minorTickMark val="none"/>
         <c:tickLblPos val="nextTo"/>
-        <c:crossAx val="682101776"/>
+        <c:crossAx val="-2091309032"/>
         <c:crosses val="autoZero"/>
         <c:crossBetween val="between"/>
       </c:valAx>
       <c:valAx>
-        <c:axId val="652318112"/>
+        <c:axId val="2098583992"/>
         <c:scaling>
           <c:orientation val="minMax"/>
         </c:scaling>
@@ -1573,18 +1580,19 @@
               </a:p>
             </c:rich>
           </c:tx>
+          <c:layout/>
           <c:overlay val="0"/>
         </c:title>
         <c:numFmt formatCode="0.000" sourceLinked="1"/>
         <c:majorTickMark val="out"/>
         <c:minorTickMark val="none"/>
         <c:tickLblPos val="nextTo"/>
-        <c:crossAx val="652310568"/>
+        <c:crossAx val="2098585768"/>
         <c:crosses val="max"/>
         <c:crossBetween val="midCat"/>
       </c:valAx>
       <c:valAx>
-        <c:axId val="652310568"/>
+        <c:axId val="2098585768"/>
         <c:scaling>
           <c:orientation val="minMax"/>
         </c:scaling>
@@ -1593,7 +1601,7 @@
         <c:majorTickMark val="none"/>
         <c:minorTickMark val="none"/>
         <c:tickLblPos val="none"/>
-        <c:crossAx val="652318112"/>
+        <c:crossAx val="2098583992"/>
         <c:crosses val="max"/>
         <c:crossBetween val="midCat"/>
       </c:valAx>
@@ -1603,18 +1611,19 @@
     </c:plotArea>
     <c:legend>
       <c:legendPos val="r"/>
+      <c:layout/>
       <c:overlay val="0"/>
     </c:legend>
     <c:plotVisOnly val="1"/>
     <c:dispBlanksAs val="gap"/>
-    <c:extLst>
+    <c:showDLblsOverMax val="0"/>
+    <c:extLst xmlns:c16r2="http://schemas.microsoft.com/office/drawing/2015/06/chart">
       <c:ext xmlns:c16r3="http://schemas.microsoft.com/office/drawing/2017/03/chart" uri="{56B9EC1D-385E-4148-901F-78D8002777C0}">
         <c16r3:dataDisplayOptions16>
           <c16r3:dispNaAsBlank val="1"/>
         </c16r3:dataDisplayOptions16>
       </c:ext>
     </c:extLst>
-    <c:showDLblsOverMax val="0"/>
   </c:chart>
   <c:externalData r:id="rId1">
     <c:autoUpdate val="0"/>
@@ -1641,13 +1650,7 @@
       </p:grpSpPr>
       <p:sp>
         <p:nvSpPr>
-          <p:cNvPr id="2" name="Title 1">
-            <a:extLst>
-              <a:ext uri="{FF2B5EF4-FFF2-40B4-BE49-F238E27FC236}">
-                <a16:creationId xmlns:a16="http://schemas.microsoft.com/office/drawing/2014/main" id="{8D48648B-3A49-496B-958D-CAA572B23A56}"/>
-              </a:ext>
-            </a:extLst>
-          </p:cNvPr>
+          <p:cNvPr id="2" name="Title 1"/>
           <p:cNvSpPr>
             <a:spLocks noGrp="1"/>
           </p:cNvSpPr>
@@ -1657,34 +1660,25 @@
         </p:nvSpPr>
         <p:spPr>
           <a:xfrm>
-            <a:off x="1524000" y="1122363"/>
-            <a:ext cx="9144000" cy="2387600"/>
+            <a:off x="914400" y="2130426"/>
+            <a:ext cx="10363200" cy="1470025"/>
           </a:xfrm>
         </p:spPr>
         <p:txBody>
-          <a:bodyPr anchor="b"/>
-          <a:lstStyle>
-            <a:lvl1pPr algn="ctr">
-              <a:defRPr sz="6000"/>
-            </a:lvl1pPr>
-          </a:lstStyle>
+          <a:bodyPr/>
+          <a:lstStyle/>
           <a:p>
             <a:r>
-              <a:rPr lang="en-US"/>
+              <a:rPr lang="en-US" smtClean="0"/>
               <a:t>Click to edit Master title style</a:t>
             </a:r>
+            <a:endParaRPr lang="en-US"/>
           </a:p>
         </p:txBody>
       </p:sp>
       <p:sp>
         <p:nvSpPr>
-          <p:cNvPr id="3" name="Subtitle 2">
-            <a:extLst>
-              <a:ext uri="{FF2B5EF4-FFF2-40B4-BE49-F238E27FC236}">
-                <a16:creationId xmlns:a16="http://schemas.microsoft.com/office/drawing/2014/main" id="{983F1EB1-D09E-40E8-B7F0-5B2BFF4A09B2}"/>
-              </a:ext>
-            </a:extLst>
-          </p:cNvPr>
+          <p:cNvPr id="3" name="Subtitle 2"/>
           <p:cNvSpPr>
             <a:spLocks noGrp="1"/>
           </p:cNvSpPr>
@@ -1694,8 +1688,8 @@
         </p:nvSpPr>
         <p:spPr>
           <a:xfrm>
-            <a:off x="1524000" y="3602038"/>
-            <a:ext cx="9144000" cy="1655762"/>
+            <a:off x="1828800" y="3886200"/>
+            <a:ext cx="8534400" cy="1752600"/>
           </a:xfrm>
         </p:spPr>
         <p:txBody>
@@ -1703,58 +1697,107 @@
           <a:lstStyle>
             <a:lvl1pPr marL="0" indent="0" algn="ctr">
               <a:buNone/>
-              <a:defRPr sz="2400"/>
+              <a:defRPr>
+                <a:solidFill>
+                  <a:schemeClr val="tx1">
+                    <a:tint val="75000"/>
+                  </a:schemeClr>
+                </a:solidFill>
+              </a:defRPr>
             </a:lvl1pPr>
             <a:lvl2pPr marL="457200" indent="0" algn="ctr">
               <a:buNone/>
-              <a:defRPr sz="2000"/>
+              <a:defRPr>
+                <a:solidFill>
+                  <a:schemeClr val="tx1">
+                    <a:tint val="75000"/>
+                  </a:schemeClr>
+                </a:solidFill>
+              </a:defRPr>
             </a:lvl2pPr>
             <a:lvl3pPr marL="914400" indent="0" algn="ctr">
               <a:buNone/>
-              <a:defRPr sz="1800"/>
+              <a:defRPr>
+                <a:solidFill>
+                  <a:schemeClr val="tx1">
+                    <a:tint val="75000"/>
+                  </a:schemeClr>
+                </a:solidFill>
+              </a:defRPr>
             </a:lvl3pPr>
             <a:lvl4pPr marL="1371600" indent="0" algn="ctr">
               <a:buNone/>
-              <a:defRPr sz="1600"/>
+              <a:defRPr>
+                <a:solidFill>
+                  <a:schemeClr val="tx1">
+                    <a:tint val="75000"/>
+                  </a:schemeClr>
+                </a:solidFill>
+              </a:defRPr>
             </a:lvl4pPr>
             <a:lvl5pPr marL="1828800" indent="0" algn="ctr">
               <a:buNone/>
-              <a:defRPr sz="1600"/>
+              <a:defRPr>
+                <a:solidFill>
+                  <a:schemeClr val="tx1">
+                    <a:tint val="75000"/>
+                  </a:schemeClr>
+                </a:solidFill>
+              </a:defRPr>
             </a:lvl5pPr>
             <a:lvl6pPr marL="2286000" indent="0" algn="ctr">
               <a:buNone/>
-              <a:defRPr sz="1600"/>
+              <a:defRPr>
+                <a:solidFill>
+                  <a:schemeClr val="tx1">
+                    <a:tint val="75000"/>
+                  </a:schemeClr>
+                </a:solidFill>
+              </a:defRPr>
             </a:lvl6pPr>
             <a:lvl7pPr marL="2743200" indent="0" algn="ctr">
               <a:buNone/>
-              <a:defRPr sz="1600"/>
+              <a:defRPr>
+                <a:solidFill>
+                  <a:schemeClr val="tx1">
+                    <a:tint val="75000"/>
+                  </a:schemeClr>
+                </a:solidFill>
+              </a:defRPr>
             </a:lvl7pPr>
             <a:lvl8pPr marL="3200400" indent="0" algn="ctr">
               <a:buNone/>
-              <a:defRPr sz="1600"/>
+              <a:defRPr>
+                <a:solidFill>
+                  <a:schemeClr val="tx1">
+                    <a:tint val="75000"/>
+                  </a:schemeClr>
+                </a:solidFill>
+              </a:defRPr>
             </a:lvl8pPr>
             <a:lvl9pPr marL="3657600" indent="0" algn="ctr">
               <a:buNone/>
-              <a:defRPr sz="1600"/>
+              <a:defRPr>
+                <a:solidFill>
+                  <a:schemeClr val="tx1">
+                    <a:tint val="75000"/>
+                  </a:schemeClr>
+                </a:solidFill>
+              </a:defRPr>
             </a:lvl9pPr>
           </a:lstStyle>
           <a:p>
             <a:r>
-              <a:rPr lang="en-US"/>
+              <a:rPr lang="en-US" smtClean="0"/>
               <a:t>Click to edit Master subtitle style</a:t>
             </a:r>
+            <a:endParaRPr lang="en-US"/>
           </a:p>
         </p:txBody>
       </p:sp>
       <p:sp>
         <p:nvSpPr>
-          <p:cNvPr id="4" name="Date Placeholder 3">
-            <a:extLst>
-              <a:ext uri="{FF2B5EF4-FFF2-40B4-BE49-F238E27FC236}">
-                <a16:creationId xmlns:a16="http://schemas.microsoft.com/office/drawing/2014/main" id="{937FF525-E2BA-4F8B-BE32-3DC2891AC224}"/>
-              </a:ext>
-            </a:extLst>
-          </p:cNvPr>
+          <p:cNvPr id="4" name="Date Placeholder 3"/>
           <p:cNvSpPr>
             <a:spLocks noGrp="1"/>
           </p:cNvSpPr>
@@ -1769,7 +1812,7 @@
           <a:p>
             <a:fld id="{B688772E-FB9E-4424-915A-EFECB76FA9CF}" type="datetimeFigureOut">
               <a:rPr lang="en-US" smtClean="0"/>
-              <a:t>12/5/2018</a:t>
+              <a:t>12/5/18</a:t>
             </a:fld>
             <a:endParaRPr lang="en-US"/>
           </a:p>
@@ -1777,13 +1820,7 @@
       </p:sp>
       <p:sp>
         <p:nvSpPr>
-          <p:cNvPr id="5" name="Footer Placeholder 4">
-            <a:extLst>
-              <a:ext uri="{FF2B5EF4-FFF2-40B4-BE49-F238E27FC236}">
-                <a16:creationId xmlns:a16="http://schemas.microsoft.com/office/drawing/2014/main" id="{CBCCC9A1-8BB5-46F1-B726-F8E1B736EBC2}"/>
-              </a:ext>
-            </a:extLst>
-          </p:cNvPr>
+          <p:cNvPr id="5" name="Footer Placeholder 4"/>
           <p:cNvSpPr>
             <a:spLocks noGrp="1"/>
           </p:cNvSpPr>
@@ -1802,13 +1839,7 @@
       </p:sp>
       <p:sp>
         <p:nvSpPr>
-          <p:cNvPr id="6" name="Slide Number Placeholder 5">
-            <a:extLst>
-              <a:ext uri="{FF2B5EF4-FFF2-40B4-BE49-F238E27FC236}">
-                <a16:creationId xmlns:a16="http://schemas.microsoft.com/office/drawing/2014/main" id="{61EB8B95-D4E2-4691-AE07-A52393B3220F}"/>
-              </a:ext>
-            </a:extLst>
-          </p:cNvPr>
+          <p:cNvPr id="6" name="Slide Number Placeholder 5"/>
           <p:cNvSpPr>
             <a:spLocks noGrp="1"/>
           </p:cNvSpPr>
@@ -1832,7 +1863,7 @@
     </p:spTree>
     <p:extLst>
       <p:ext uri="{BB962C8B-B14F-4D97-AF65-F5344CB8AC3E}">
-        <p14:creationId xmlns:p14="http://schemas.microsoft.com/office/powerpoint/2010/main" val="1298750662"/>
+        <p14:creationId xmlns:p14="http://schemas.microsoft.com/office/powerpoint/2010/main" val="1865136627"/>
       </p:ext>
     </p:extLst>
   </p:cSld>
@@ -1861,13 +1892,7 @@
       </p:grpSpPr>
       <p:sp>
         <p:nvSpPr>
-          <p:cNvPr id="2" name="Title 1">
-            <a:extLst>
-              <a:ext uri="{FF2B5EF4-FFF2-40B4-BE49-F238E27FC236}">
-                <a16:creationId xmlns:a16="http://schemas.microsoft.com/office/drawing/2014/main" id="{11CFFEC0-59CD-4100-B288-F772C0D48856}"/>
-              </a:ext>
-            </a:extLst>
-          </p:cNvPr>
+          <p:cNvPr id="2" name="Title 1"/>
           <p:cNvSpPr>
             <a:spLocks noGrp="1"/>
           </p:cNvSpPr>
@@ -1881,21 +1906,16 @@
           <a:lstStyle/>
           <a:p>
             <a:r>
-              <a:rPr lang="en-US"/>
+              <a:rPr lang="en-US" smtClean="0"/>
               <a:t>Click to edit Master title style</a:t>
             </a:r>
+            <a:endParaRPr lang="en-US"/>
           </a:p>
         </p:txBody>
       </p:sp>
       <p:sp>
         <p:nvSpPr>
-          <p:cNvPr id="3" name="Vertical Text Placeholder 2">
-            <a:extLst>
-              <a:ext uri="{FF2B5EF4-FFF2-40B4-BE49-F238E27FC236}">
-                <a16:creationId xmlns:a16="http://schemas.microsoft.com/office/drawing/2014/main" id="{14C987E6-0ADA-484B-BD7A-997677781BE4}"/>
-              </a:ext>
-            </a:extLst>
-          </p:cNvPr>
+          <p:cNvPr id="3" name="Vertical Text Placeholder 2"/>
           <p:cNvSpPr>
             <a:spLocks noGrp="1"/>
           </p:cNvSpPr>
@@ -1910,49 +1930,44 @@
           <a:p>
             <a:pPr lvl="0"/>
             <a:r>
-              <a:rPr lang="en-US"/>
-              <a:t>Edit Master text styles</a:t>
+              <a:rPr lang="en-US" smtClean="0"/>
+              <a:t>Click to edit Master text styles</a:t>
             </a:r>
           </a:p>
           <a:p>
             <a:pPr lvl="1"/>
             <a:r>
-              <a:rPr lang="en-US"/>
+              <a:rPr lang="en-US" smtClean="0"/>
               <a:t>Second level</a:t>
             </a:r>
           </a:p>
           <a:p>
             <a:pPr lvl="2"/>
             <a:r>
-              <a:rPr lang="en-US"/>
+              <a:rPr lang="en-US" smtClean="0"/>
               <a:t>Third level</a:t>
             </a:r>
           </a:p>
           <a:p>
             <a:pPr lvl="3"/>
             <a:r>
-              <a:rPr lang="en-US"/>
+              <a:rPr lang="en-US" smtClean="0"/>
               <a:t>Fourth level</a:t>
             </a:r>
           </a:p>
           <a:p>
             <a:pPr lvl="4"/>
             <a:r>
-              <a:rPr lang="en-US"/>
+              <a:rPr lang="en-US" smtClean="0"/>
               <a:t>Fifth level</a:t>
             </a:r>
+            <a:endParaRPr lang="en-US"/>
           </a:p>
         </p:txBody>
       </p:sp>
       <p:sp>
         <p:nvSpPr>
-          <p:cNvPr id="4" name="Date Placeholder 3">
-            <a:extLst>
-              <a:ext uri="{FF2B5EF4-FFF2-40B4-BE49-F238E27FC236}">
-                <a16:creationId xmlns:a16="http://schemas.microsoft.com/office/drawing/2014/main" id="{9869CABB-A555-490E-8B70-8102A016B2B3}"/>
-              </a:ext>
-            </a:extLst>
-          </p:cNvPr>
+          <p:cNvPr id="4" name="Date Placeholder 3"/>
           <p:cNvSpPr>
             <a:spLocks noGrp="1"/>
           </p:cNvSpPr>
@@ -1967,7 +1982,7 @@
           <a:p>
             <a:fld id="{B688772E-FB9E-4424-915A-EFECB76FA9CF}" type="datetimeFigureOut">
               <a:rPr lang="en-US" smtClean="0"/>
-              <a:t>12/5/2018</a:t>
+              <a:t>12/5/18</a:t>
             </a:fld>
             <a:endParaRPr lang="en-US"/>
           </a:p>
@@ -1975,13 +1990,7 @@
       </p:sp>
       <p:sp>
         <p:nvSpPr>
-          <p:cNvPr id="5" name="Footer Placeholder 4">
-            <a:extLst>
-              <a:ext uri="{FF2B5EF4-FFF2-40B4-BE49-F238E27FC236}">
-                <a16:creationId xmlns:a16="http://schemas.microsoft.com/office/drawing/2014/main" id="{B67DB536-1EA1-4B83-8EE6-9D40C2F0934E}"/>
-              </a:ext>
-            </a:extLst>
-          </p:cNvPr>
+          <p:cNvPr id="5" name="Footer Placeholder 4"/>
           <p:cNvSpPr>
             <a:spLocks noGrp="1"/>
           </p:cNvSpPr>
@@ -2000,13 +2009,7 @@
       </p:sp>
       <p:sp>
         <p:nvSpPr>
-          <p:cNvPr id="6" name="Slide Number Placeholder 5">
-            <a:extLst>
-              <a:ext uri="{FF2B5EF4-FFF2-40B4-BE49-F238E27FC236}">
-                <a16:creationId xmlns:a16="http://schemas.microsoft.com/office/drawing/2014/main" id="{F6AAE562-E15A-4A35-8781-F23EFEA920B3}"/>
-              </a:ext>
-            </a:extLst>
-          </p:cNvPr>
+          <p:cNvPr id="6" name="Slide Number Placeholder 5"/>
           <p:cNvSpPr>
             <a:spLocks noGrp="1"/>
           </p:cNvSpPr>
@@ -2030,7 +2033,7 @@
     </p:spTree>
     <p:extLst>
       <p:ext uri="{BB962C8B-B14F-4D97-AF65-F5344CB8AC3E}">
-        <p14:creationId xmlns:p14="http://schemas.microsoft.com/office/powerpoint/2010/main" val="411012559"/>
+        <p14:creationId xmlns:p14="http://schemas.microsoft.com/office/powerpoint/2010/main" val="722953547"/>
       </p:ext>
     </p:extLst>
   </p:cSld>
@@ -2059,13 +2062,7 @@
       </p:grpSpPr>
       <p:sp>
         <p:nvSpPr>
-          <p:cNvPr id="2" name="Vertical Title 1">
-            <a:extLst>
-              <a:ext uri="{FF2B5EF4-FFF2-40B4-BE49-F238E27FC236}">
-                <a16:creationId xmlns:a16="http://schemas.microsoft.com/office/drawing/2014/main" id="{03328C18-52E0-4E6E-9717-AF121462669F}"/>
-              </a:ext>
-            </a:extLst>
-          </p:cNvPr>
+          <p:cNvPr id="2" name="Vertical Title 1"/>
           <p:cNvSpPr>
             <a:spLocks noGrp="1"/>
           </p:cNvSpPr>
@@ -2075,8 +2072,8 @@
         </p:nvSpPr>
         <p:spPr>
           <a:xfrm>
-            <a:off x="8724900" y="365125"/>
-            <a:ext cx="2628900" cy="5811838"/>
+            <a:off x="8839200" y="274639"/>
+            <a:ext cx="2743200" cy="5851525"/>
           </a:xfrm>
         </p:spPr>
         <p:txBody>
@@ -2084,21 +2081,16 @@
           <a:lstStyle/>
           <a:p>
             <a:r>
-              <a:rPr lang="en-US"/>
+              <a:rPr lang="en-US" smtClean="0"/>
               <a:t>Click to edit Master title style</a:t>
             </a:r>
+            <a:endParaRPr lang="en-US"/>
           </a:p>
         </p:txBody>
       </p:sp>
       <p:sp>
         <p:nvSpPr>
-          <p:cNvPr id="3" name="Vertical Text Placeholder 2">
-            <a:extLst>
-              <a:ext uri="{FF2B5EF4-FFF2-40B4-BE49-F238E27FC236}">
-                <a16:creationId xmlns:a16="http://schemas.microsoft.com/office/drawing/2014/main" id="{4135D938-CB5F-4D4C-8C4A-B21E0211B48E}"/>
-              </a:ext>
-            </a:extLst>
-          </p:cNvPr>
+          <p:cNvPr id="3" name="Vertical Text Placeholder 2"/>
           <p:cNvSpPr>
             <a:spLocks noGrp="1"/>
           </p:cNvSpPr>
@@ -2108,8 +2100,8 @@
         </p:nvSpPr>
         <p:spPr>
           <a:xfrm>
-            <a:off x="838200" y="365125"/>
-            <a:ext cx="7734300" cy="5811838"/>
+            <a:off x="609600" y="274639"/>
+            <a:ext cx="8026400" cy="5851525"/>
           </a:xfrm>
         </p:spPr>
         <p:txBody>
@@ -2118,49 +2110,44 @@
           <a:p>
             <a:pPr lvl="0"/>
             <a:r>
-              <a:rPr lang="en-US"/>
-              <a:t>Edit Master text styles</a:t>
+              <a:rPr lang="en-US" smtClean="0"/>
+              <a:t>Click to edit Master text styles</a:t>
             </a:r>
           </a:p>
           <a:p>
             <a:pPr lvl="1"/>
             <a:r>
-              <a:rPr lang="en-US"/>
+              <a:rPr lang="en-US" smtClean="0"/>
               <a:t>Second level</a:t>
             </a:r>
           </a:p>
           <a:p>
             <a:pPr lvl="2"/>
             <a:r>
-              <a:rPr lang="en-US"/>
+              <a:rPr lang="en-US" smtClean="0"/>
               <a:t>Third level</a:t>
             </a:r>
           </a:p>
           <a:p>
             <a:pPr lvl="3"/>
             <a:r>
-              <a:rPr lang="en-US"/>
+              <a:rPr lang="en-US" smtClean="0"/>
               <a:t>Fourth level</a:t>
             </a:r>
           </a:p>
           <a:p>
             <a:pPr lvl="4"/>
             <a:r>
-              <a:rPr lang="en-US"/>
+              <a:rPr lang="en-US" smtClean="0"/>
               <a:t>Fifth level</a:t>
             </a:r>
+            <a:endParaRPr lang="en-US"/>
           </a:p>
         </p:txBody>
       </p:sp>
       <p:sp>
         <p:nvSpPr>
-          <p:cNvPr id="4" name="Date Placeholder 3">
-            <a:extLst>
-              <a:ext uri="{FF2B5EF4-FFF2-40B4-BE49-F238E27FC236}">
-                <a16:creationId xmlns:a16="http://schemas.microsoft.com/office/drawing/2014/main" id="{903BEF49-A943-4DAA-9580-45C292A21D22}"/>
-              </a:ext>
-            </a:extLst>
-          </p:cNvPr>
+          <p:cNvPr id="4" name="Date Placeholder 3"/>
           <p:cNvSpPr>
             <a:spLocks noGrp="1"/>
           </p:cNvSpPr>
@@ -2175,7 +2162,7 @@
           <a:p>
             <a:fld id="{B688772E-FB9E-4424-915A-EFECB76FA9CF}" type="datetimeFigureOut">
               <a:rPr lang="en-US" smtClean="0"/>
-              <a:t>12/5/2018</a:t>
+              <a:t>12/5/18</a:t>
             </a:fld>
             <a:endParaRPr lang="en-US"/>
           </a:p>
@@ -2183,13 +2170,7 @@
       </p:sp>
       <p:sp>
         <p:nvSpPr>
-          <p:cNvPr id="5" name="Footer Placeholder 4">
-            <a:extLst>
-              <a:ext uri="{FF2B5EF4-FFF2-40B4-BE49-F238E27FC236}">
-                <a16:creationId xmlns:a16="http://schemas.microsoft.com/office/drawing/2014/main" id="{43F88521-F086-4441-A7FE-7D3885E2FC87}"/>
-              </a:ext>
-            </a:extLst>
-          </p:cNvPr>
+          <p:cNvPr id="5" name="Footer Placeholder 4"/>
           <p:cNvSpPr>
             <a:spLocks noGrp="1"/>
           </p:cNvSpPr>
@@ -2208,13 +2189,7 @@
       </p:sp>
       <p:sp>
         <p:nvSpPr>
-          <p:cNvPr id="6" name="Slide Number Placeholder 5">
-            <a:extLst>
-              <a:ext uri="{FF2B5EF4-FFF2-40B4-BE49-F238E27FC236}">
-                <a16:creationId xmlns:a16="http://schemas.microsoft.com/office/drawing/2014/main" id="{5E27B13F-FA8D-41C4-ADCD-ED7B34E433AB}"/>
-              </a:ext>
-            </a:extLst>
-          </p:cNvPr>
+          <p:cNvPr id="6" name="Slide Number Placeholder 5"/>
           <p:cNvSpPr>
             <a:spLocks noGrp="1"/>
           </p:cNvSpPr>
@@ -2238,7 +2213,7 @@
     </p:spTree>
     <p:extLst>
       <p:ext uri="{BB962C8B-B14F-4D97-AF65-F5344CB8AC3E}">
-        <p14:creationId xmlns:p14="http://schemas.microsoft.com/office/powerpoint/2010/main" val="2732029035"/>
+        <p14:creationId xmlns:p14="http://schemas.microsoft.com/office/powerpoint/2010/main" val="2356626968"/>
       </p:ext>
     </p:extLst>
   </p:cSld>
@@ -2267,13 +2242,7 @@
       </p:grpSpPr>
       <p:sp>
         <p:nvSpPr>
-          <p:cNvPr id="2" name="Title 1">
-            <a:extLst>
-              <a:ext uri="{FF2B5EF4-FFF2-40B4-BE49-F238E27FC236}">
-                <a16:creationId xmlns:a16="http://schemas.microsoft.com/office/drawing/2014/main" id="{029DDCE5-4F01-4698-81C8-7DD790C30064}"/>
-              </a:ext>
-            </a:extLst>
-          </p:cNvPr>
+          <p:cNvPr id="2" name="Title 1"/>
           <p:cNvSpPr>
             <a:spLocks noGrp="1"/>
           </p:cNvSpPr>
@@ -2287,21 +2256,16 @@
           <a:lstStyle/>
           <a:p>
             <a:r>
-              <a:rPr lang="en-US"/>
+              <a:rPr lang="en-US" smtClean="0"/>
               <a:t>Click to edit Master title style</a:t>
             </a:r>
+            <a:endParaRPr lang="en-US"/>
           </a:p>
         </p:txBody>
       </p:sp>
       <p:sp>
         <p:nvSpPr>
-          <p:cNvPr id="3" name="Content Placeholder 2">
-            <a:extLst>
-              <a:ext uri="{FF2B5EF4-FFF2-40B4-BE49-F238E27FC236}">
-                <a16:creationId xmlns:a16="http://schemas.microsoft.com/office/drawing/2014/main" id="{33BAEE8A-9358-4895-A437-02F192B5891A}"/>
-              </a:ext>
-            </a:extLst>
-          </p:cNvPr>
+          <p:cNvPr id="3" name="Content Placeholder 2"/>
           <p:cNvSpPr>
             <a:spLocks noGrp="1"/>
           </p:cNvSpPr>
@@ -2316,49 +2280,44 @@
           <a:p>
             <a:pPr lvl="0"/>
             <a:r>
-              <a:rPr lang="en-US"/>
-              <a:t>Edit Master text styles</a:t>
+              <a:rPr lang="en-US" smtClean="0"/>
+              <a:t>Click to edit Master text styles</a:t>
             </a:r>
           </a:p>
           <a:p>
             <a:pPr lvl="1"/>
             <a:r>
-              <a:rPr lang="en-US"/>
+              <a:rPr lang="en-US" smtClean="0"/>
               <a:t>Second level</a:t>
             </a:r>
           </a:p>
           <a:p>
             <a:pPr lvl="2"/>
             <a:r>
-              <a:rPr lang="en-US"/>
+              <a:rPr lang="en-US" smtClean="0"/>
               <a:t>Third level</a:t>
             </a:r>
           </a:p>
           <a:p>
             <a:pPr lvl="3"/>
             <a:r>
-              <a:rPr lang="en-US"/>
+              <a:rPr lang="en-US" smtClean="0"/>
               <a:t>Fourth level</a:t>
             </a:r>
           </a:p>
           <a:p>
             <a:pPr lvl="4"/>
             <a:r>
-              <a:rPr lang="en-US"/>
+              <a:rPr lang="en-US" smtClean="0"/>
               <a:t>Fifth level</a:t>
             </a:r>
+            <a:endParaRPr lang="en-US"/>
           </a:p>
         </p:txBody>
       </p:sp>
       <p:sp>
         <p:nvSpPr>
-          <p:cNvPr id="4" name="Date Placeholder 3">
-            <a:extLst>
-              <a:ext uri="{FF2B5EF4-FFF2-40B4-BE49-F238E27FC236}">
-                <a16:creationId xmlns:a16="http://schemas.microsoft.com/office/drawing/2014/main" id="{66E4D6DC-A26F-469D-ABD2-94A951967BE0}"/>
-              </a:ext>
-            </a:extLst>
-          </p:cNvPr>
+          <p:cNvPr id="4" name="Date Placeholder 3"/>
           <p:cNvSpPr>
             <a:spLocks noGrp="1"/>
           </p:cNvSpPr>
@@ -2373,7 +2332,7 @@
           <a:p>
             <a:fld id="{B688772E-FB9E-4424-915A-EFECB76FA9CF}" type="datetimeFigureOut">
               <a:rPr lang="en-US" smtClean="0"/>
-              <a:t>12/5/2018</a:t>
+              <a:t>12/5/18</a:t>
             </a:fld>
             <a:endParaRPr lang="en-US"/>
           </a:p>
@@ -2381,13 +2340,7 @@
       </p:sp>
       <p:sp>
         <p:nvSpPr>
-          <p:cNvPr id="5" name="Footer Placeholder 4">
-            <a:extLst>
-              <a:ext uri="{FF2B5EF4-FFF2-40B4-BE49-F238E27FC236}">
-                <a16:creationId xmlns:a16="http://schemas.microsoft.com/office/drawing/2014/main" id="{48E2E3F5-3601-48E9-B88E-F7250F7F00D6}"/>
-              </a:ext>
-            </a:extLst>
-          </p:cNvPr>
+          <p:cNvPr id="5" name="Footer Placeholder 4"/>
           <p:cNvSpPr>
             <a:spLocks noGrp="1"/>
           </p:cNvSpPr>
@@ -2406,13 +2359,7 @@
       </p:sp>
       <p:sp>
         <p:nvSpPr>
-          <p:cNvPr id="6" name="Slide Number Placeholder 5">
-            <a:extLst>
-              <a:ext uri="{FF2B5EF4-FFF2-40B4-BE49-F238E27FC236}">
-                <a16:creationId xmlns:a16="http://schemas.microsoft.com/office/drawing/2014/main" id="{8ABC796E-4723-4847-A5D0-EF9A7C79F4B5}"/>
-              </a:ext>
-            </a:extLst>
-          </p:cNvPr>
+          <p:cNvPr id="6" name="Slide Number Placeholder 5"/>
           <p:cNvSpPr>
             <a:spLocks noGrp="1"/>
           </p:cNvSpPr>
@@ -2436,7 +2383,7 @@
     </p:spTree>
     <p:extLst>
       <p:ext uri="{BB962C8B-B14F-4D97-AF65-F5344CB8AC3E}">
-        <p14:creationId xmlns:p14="http://schemas.microsoft.com/office/powerpoint/2010/main" val="1391250300"/>
+        <p14:creationId xmlns:p14="http://schemas.microsoft.com/office/powerpoint/2010/main" val="2985827269"/>
       </p:ext>
     </p:extLst>
   </p:cSld>
@@ -2465,13 +2412,7 @@
       </p:grpSpPr>
       <p:sp>
         <p:nvSpPr>
-          <p:cNvPr id="2" name="Title 1">
-            <a:extLst>
-              <a:ext uri="{FF2B5EF4-FFF2-40B4-BE49-F238E27FC236}">
-                <a16:creationId xmlns:a16="http://schemas.microsoft.com/office/drawing/2014/main" id="{62DD7F13-5DF5-45C2-A01B-0B0C2CBAA290}"/>
-              </a:ext>
-            </a:extLst>
-          </p:cNvPr>
+          <p:cNvPr id="2" name="Title 1"/>
           <p:cNvSpPr>
             <a:spLocks noGrp="1"/>
           </p:cNvSpPr>
@@ -2481,34 +2422,29 @@
         </p:nvSpPr>
         <p:spPr>
           <a:xfrm>
-            <a:off x="831850" y="1709738"/>
-            <a:ext cx="10515600" cy="2852737"/>
+            <a:off x="963084" y="4406901"/>
+            <a:ext cx="10363200" cy="1362075"/>
           </a:xfrm>
         </p:spPr>
         <p:txBody>
-          <a:bodyPr anchor="b"/>
+          <a:bodyPr anchor="t"/>
           <a:lstStyle>
-            <a:lvl1pPr>
-              <a:defRPr sz="6000"/>
+            <a:lvl1pPr algn="l">
+              <a:defRPr sz="4000" b="1" cap="all"/>
             </a:lvl1pPr>
           </a:lstStyle>
           <a:p>
             <a:r>
-              <a:rPr lang="en-US"/>
+              <a:rPr lang="en-US" smtClean="0"/>
               <a:t>Click to edit Master title style</a:t>
             </a:r>
+            <a:endParaRPr lang="en-US"/>
           </a:p>
         </p:txBody>
       </p:sp>
       <p:sp>
         <p:nvSpPr>
-          <p:cNvPr id="3" name="Text Placeholder 2">
-            <a:extLst>
-              <a:ext uri="{FF2B5EF4-FFF2-40B4-BE49-F238E27FC236}">
-                <a16:creationId xmlns:a16="http://schemas.microsoft.com/office/drawing/2014/main" id="{EC9BA9C5-8A62-404B-A50C-9435CCDED5DF}"/>
-              </a:ext>
-            </a:extLst>
-          </p:cNvPr>
+          <p:cNvPr id="3" name="Text Placeholder 2"/>
           <p:cNvSpPr>
             <a:spLocks noGrp="1"/>
           </p:cNvSpPr>
@@ -2518,16 +2454,16 @@
         </p:nvSpPr>
         <p:spPr>
           <a:xfrm>
-            <a:off x="831850" y="4589463"/>
-            <a:ext cx="10515600" cy="1500187"/>
+            <a:off x="963084" y="2906713"/>
+            <a:ext cx="10363200" cy="1500187"/>
           </a:xfrm>
         </p:spPr>
         <p:txBody>
-          <a:bodyPr/>
+          <a:bodyPr anchor="b"/>
           <a:lstStyle>
             <a:lvl1pPr marL="0" indent="0">
               <a:buNone/>
-              <a:defRPr sz="2400">
+              <a:defRPr sz="2000">
                 <a:solidFill>
                   <a:schemeClr val="tx1">
                     <a:tint val="75000"/>
@@ -2537,7 +2473,7 @@
             </a:lvl1pPr>
             <a:lvl2pPr marL="457200" indent="0">
               <a:buNone/>
-              <a:defRPr sz="2000">
+              <a:defRPr sz="1800">
                 <a:solidFill>
                   <a:schemeClr val="tx1">
                     <a:tint val="75000"/>
@@ -2547,7 +2483,7 @@
             </a:lvl2pPr>
             <a:lvl3pPr marL="914400" indent="0">
               <a:buNone/>
-              <a:defRPr sz="1800">
+              <a:defRPr sz="1600">
                 <a:solidFill>
                   <a:schemeClr val="tx1">
                     <a:tint val="75000"/>
@@ -2557,7 +2493,7 @@
             </a:lvl3pPr>
             <a:lvl4pPr marL="1371600" indent="0">
               <a:buNone/>
-              <a:defRPr sz="1600">
+              <a:defRPr sz="1400">
                 <a:solidFill>
                   <a:schemeClr val="tx1">
                     <a:tint val="75000"/>
@@ -2567,7 +2503,7 @@
             </a:lvl4pPr>
             <a:lvl5pPr marL="1828800" indent="0">
               <a:buNone/>
-              <a:defRPr sz="1600">
+              <a:defRPr sz="1400">
                 <a:solidFill>
                   <a:schemeClr val="tx1">
                     <a:tint val="75000"/>
@@ -2577,7 +2513,7 @@
             </a:lvl5pPr>
             <a:lvl6pPr marL="2286000" indent="0">
               <a:buNone/>
-              <a:defRPr sz="1600">
+              <a:defRPr sz="1400">
                 <a:solidFill>
                   <a:schemeClr val="tx1">
                     <a:tint val="75000"/>
@@ -2587,7 +2523,7 @@
             </a:lvl6pPr>
             <a:lvl7pPr marL="2743200" indent="0">
               <a:buNone/>
-              <a:defRPr sz="1600">
+              <a:defRPr sz="1400">
                 <a:solidFill>
                   <a:schemeClr val="tx1">
                     <a:tint val="75000"/>
@@ -2597,7 +2533,7 @@
             </a:lvl7pPr>
             <a:lvl8pPr marL="3200400" indent="0">
               <a:buNone/>
-              <a:defRPr sz="1600">
+              <a:defRPr sz="1400">
                 <a:solidFill>
                   <a:schemeClr val="tx1">
                     <a:tint val="75000"/>
@@ -2607,7 +2543,7 @@
             </a:lvl8pPr>
             <a:lvl9pPr marL="3657600" indent="0">
               <a:buNone/>
-              <a:defRPr sz="1600">
+              <a:defRPr sz="1400">
                 <a:solidFill>
                   <a:schemeClr val="tx1">
                     <a:tint val="75000"/>
@@ -2619,21 +2555,15 @@
           <a:p>
             <a:pPr lvl="0"/>
             <a:r>
-              <a:rPr lang="en-US"/>
-              <a:t>Edit Master text styles</a:t>
+              <a:rPr lang="en-US" smtClean="0"/>
+              <a:t>Click to edit Master text styles</a:t>
             </a:r>
           </a:p>
         </p:txBody>
       </p:sp>
       <p:sp>
         <p:nvSpPr>
-          <p:cNvPr id="4" name="Date Placeholder 3">
-            <a:extLst>
-              <a:ext uri="{FF2B5EF4-FFF2-40B4-BE49-F238E27FC236}">
-                <a16:creationId xmlns:a16="http://schemas.microsoft.com/office/drawing/2014/main" id="{16A72B45-8A81-4ADA-AAA4-62F7F0D82C13}"/>
-              </a:ext>
-            </a:extLst>
-          </p:cNvPr>
+          <p:cNvPr id="4" name="Date Placeholder 3"/>
           <p:cNvSpPr>
             <a:spLocks noGrp="1"/>
           </p:cNvSpPr>
@@ -2648,7 +2578,7 @@
           <a:p>
             <a:fld id="{B688772E-FB9E-4424-915A-EFECB76FA9CF}" type="datetimeFigureOut">
               <a:rPr lang="en-US" smtClean="0"/>
-              <a:t>12/5/2018</a:t>
+              <a:t>12/5/18</a:t>
             </a:fld>
             <a:endParaRPr lang="en-US"/>
           </a:p>
@@ -2656,13 +2586,7 @@
       </p:sp>
       <p:sp>
         <p:nvSpPr>
-          <p:cNvPr id="5" name="Footer Placeholder 4">
-            <a:extLst>
-              <a:ext uri="{FF2B5EF4-FFF2-40B4-BE49-F238E27FC236}">
-                <a16:creationId xmlns:a16="http://schemas.microsoft.com/office/drawing/2014/main" id="{4914CA4E-4590-4C71-9CED-EA4D295824BB}"/>
-              </a:ext>
-            </a:extLst>
-          </p:cNvPr>
+          <p:cNvPr id="5" name="Footer Placeholder 4"/>
           <p:cNvSpPr>
             <a:spLocks noGrp="1"/>
           </p:cNvSpPr>
@@ -2681,13 +2605,7 @@
       </p:sp>
       <p:sp>
         <p:nvSpPr>
-          <p:cNvPr id="6" name="Slide Number Placeholder 5">
-            <a:extLst>
-              <a:ext uri="{FF2B5EF4-FFF2-40B4-BE49-F238E27FC236}">
-                <a16:creationId xmlns:a16="http://schemas.microsoft.com/office/drawing/2014/main" id="{E16C39C8-38C4-4EC0-A0BD-B74EAFD91B42}"/>
-              </a:ext>
-            </a:extLst>
-          </p:cNvPr>
+          <p:cNvPr id="6" name="Slide Number Placeholder 5"/>
           <p:cNvSpPr>
             <a:spLocks noGrp="1"/>
           </p:cNvSpPr>
@@ -2711,7 +2629,7 @@
     </p:spTree>
     <p:extLst>
       <p:ext uri="{BB962C8B-B14F-4D97-AF65-F5344CB8AC3E}">
-        <p14:creationId xmlns:p14="http://schemas.microsoft.com/office/powerpoint/2010/main" val="3811640418"/>
+        <p14:creationId xmlns:p14="http://schemas.microsoft.com/office/powerpoint/2010/main" val="4175431837"/>
       </p:ext>
     </p:extLst>
   </p:cSld>
@@ -2740,13 +2658,7 @@
       </p:grpSpPr>
       <p:sp>
         <p:nvSpPr>
-          <p:cNvPr id="2" name="Title 1">
-            <a:extLst>
-              <a:ext uri="{FF2B5EF4-FFF2-40B4-BE49-F238E27FC236}">
-                <a16:creationId xmlns:a16="http://schemas.microsoft.com/office/drawing/2014/main" id="{5633FCCF-76C3-431D-AFDB-C6B9F233DE95}"/>
-              </a:ext>
-            </a:extLst>
-          </p:cNvPr>
+          <p:cNvPr id="2" name="Title 1"/>
           <p:cNvSpPr>
             <a:spLocks noGrp="1"/>
           </p:cNvSpPr>
@@ -2760,21 +2672,16 @@
           <a:lstStyle/>
           <a:p>
             <a:r>
-              <a:rPr lang="en-US"/>
+              <a:rPr lang="en-US" smtClean="0"/>
               <a:t>Click to edit Master title style</a:t>
             </a:r>
+            <a:endParaRPr lang="en-US"/>
           </a:p>
         </p:txBody>
       </p:sp>
       <p:sp>
         <p:nvSpPr>
-          <p:cNvPr id="3" name="Content Placeholder 2">
-            <a:extLst>
-              <a:ext uri="{FF2B5EF4-FFF2-40B4-BE49-F238E27FC236}">
-                <a16:creationId xmlns:a16="http://schemas.microsoft.com/office/drawing/2014/main" id="{5B26A57B-5426-4C4B-BAD2-C6658FC3D6EC}"/>
-              </a:ext>
-            </a:extLst>
-          </p:cNvPr>
+          <p:cNvPr id="3" name="Content Placeholder 2"/>
           <p:cNvSpPr>
             <a:spLocks noGrp="1"/>
           </p:cNvSpPr>
@@ -2784,59 +2691,82 @@
         </p:nvSpPr>
         <p:spPr>
           <a:xfrm>
-            <a:off x="838200" y="1825625"/>
-            <a:ext cx="5181600" cy="4351338"/>
+            <a:off x="609600" y="1600201"/>
+            <a:ext cx="5384800" cy="4525963"/>
           </a:xfrm>
         </p:spPr>
         <p:txBody>
           <a:bodyPr/>
-          <a:lstStyle/>
+          <a:lstStyle>
+            <a:lvl1pPr>
+              <a:defRPr sz="2800"/>
+            </a:lvl1pPr>
+            <a:lvl2pPr>
+              <a:defRPr sz="2400"/>
+            </a:lvl2pPr>
+            <a:lvl3pPr>
+              <a:defRPr sz="2000"/>
+            </a:lvl3pPr>
+            <a:lvl4pPr>
+              <a:defRPr sz="1800"/>
+            </a:lvl4pPr>
+            <a:lvl5pPr>
+              <a:defRPr sz="1800"/>
+            </a:lvl5pPr>
+            <a:lvl6pPr>
+              <a:defRPr sz="1800"/>
+            </a:lvl6pPr>
+            <a:lvl7pPr>
+              <a:defRPr sz="1800"/>
+            </a:lvl7pPr>
+            <a:lvl8pPr>
+              <a:defRPr sz="1800"/>
+            </a:lvl8pPr>
+            <a:lvl9pPr>
+              <a:defRPr sz="1800"/>
+            </a:lvl9pPr>
+          </a:lstStyle>
           <a:p>
             <a:pPr lvl="0"/>
             <a:r>
-              <a:rPr lang="en-US"/>
-              <a:t>Edit Master text styles</a:t>
+              <a:rPr lang="en-US" smtClean="0"/>
+              <a:t>Click to edit Master text styles</a:t>
             </a:r>
           </a:p>
           <a:p>
             <a:pPr lvl="1"/>
             <a:r>
-              <a:rPr lang="en-US"/>
+              <a:rPr lang="en-US" smtClean="0"/>
               <a:t>Second level</a:t>
             </a:r>
           </a:p>
           <a:p>
             <a:pPr lvl="2"/>
             <a:r>
-              <a:rPr lang="en-US"/>
+              <a:rPr lang="en-US" smtClean="0"/>
               <a:t>Third level</a:t>
             </a:r>
           </a:p>
           <a:p>
             <a:pPr lvl="3"/>
             <a:r>
-              <a:rPr lang="en-US"/>
+              <a:rPr lang="en-US" smtClean="0"/>
               <a:t>Fourth level</a:t>
             </a:r>
           </a:p>
           <a:p>
             <a:pPr lvl="4"/>
             <a:r>
-              <a:rPr lang="en-US"/>
+              <a:rPr lang="en-US" smtClean="0"/>
               <a:t>Fifth level</a:t>
             </a:r>
+            <a:endParaRPr lang="en-US"/>
           </a:p>
         </p:txBody>
       </p:sp>
       <p:sp>
         <p:nvSpPr>
-          <p:cNvPr id="4" name="Content Placeholder 3">
-            <a:extLst>
-              <a:ext uri="{FF2B5EF4-FFF2-40B4-BE49-F238E27FC236}">
-                <a16:creationId xmlns:a16="http://schemas.microsoft.com/office/drawing/2014/main" id="{AF92F198-3401-4556-A464-CD1688C6BAEB}"/>
-              </a:ext>
-            </a:extLst>
-          </p:cNvPr>
+          <p:cNvPr id="4" name="Content Placeholder 3"/>
           <p:cNvSpPr>
             <a:spLocks noGrp="1"/>
           </p:cNvSpPr>
@@ -2846,59 +2776,82 @@
         </p:nvSpPr>
         <p:spPr>
           <a:xfrm>
-            <a:off x="6172200" y="1825625"/>
-            <a:ext cx="5181600" cy="4351338"/>
+            <a:off x="6197600" y="1600201"/>
+            <a:ext cx="5384800" cy="4525963"/>
           </a:xfrm>
         </p:spPr>
         <p:txBody>
           <a:bodyPr/>
-          <a:lstStyle/>
+          <a:lstStyle>
+            <a:lvl1pPr>
+              <a:defRPr sz="2800"/>
+            </a:lvl1pPr>
+            <a:lvl2pPr>
+              <a:defRPr sz="2400"/>
+            </a:lvl2pPr>
+            <a:lvl3pPr>
+              <a:defRPr sz="2000"/>
+            </a:lvl3pPr>
+            <a:lvl4pPr>
+              <a:defRPr sz="1800"/>
+            </a:lvl4pPr>
+            <a:lvl5pPr>
+              <a:defRPr sz="1800"/>
+            </a:lvl5pPr>
+            <a:lvl6pPr>
+              <a:defRPr sz="1800"/>
+            </a:lvl6pPr>
+            <a:lvl7pPr>
+              <a:defRPr sz="1800"/>
+            </a:lvl7pPr>
+            <a:lvl8pPr>
+              <a:defRPr sz="1800"/>
+            </a:lvl8pPr>
+            <a:lvl9pPr>
+              <a:defRPr sz="1800"/>
+            </a:lvl9pPr>
+          </a:lstStyle>
           <a:p>
             <a:pPr lvl="0"/>
             <a:r>
-              <a:rPr lang="en-US"/>
-              <a:t>Edit Master text styles</a:t>
+              <a:rPr lang="en-US" smtClean="0"/>
+              <a:t>Click to edit Master text styles</a:t>
             </a:r>
           </a:p>
           <a:p>
             <a:pPr lvl="1"/>
             <a:r>
-              <a:rPr lang="en-US"/>
+              <a:rPr lang="en-US" smtClean="0"/>
               <a:t>Second level</a:t>
             </a:r>
           </a:p>
           <a:p>
             <a:pPr lvl="2"/>
             <a:r>
-              <a:rPr lang="en-US"/>
+              <a:rPr lang="en-US" smtClean="0"/>
               <a:t>Third level</a:t>
             </a:r>
           </a:p>
           <a:p>
             <a:pPr lvl="3"/>
             <a:r>
-              <a:rPr lang="en-US"/>
+              <a:rPr lang="en-US" smtClean="0"/>
               <a:t>Fourth level</a:t>
             </a:r>
           </a:p>
           <a:p>
             <a:pPr lvl="4"/>
             <a:r>
-              <a:rPr lang="en-US"/>
+              <a:rPr lang="en-US" smtClean="0"/>
               <a:t>Fifth level</a:t>
             </a:r>
+            <a:endParaRPr lang="en-US"/>
           </a:p>
         </p:txBody>
       </p:sp>
       <p:sp>
         <p:nvSpPr>
-          <p:cNvPr id="5" name="Date Placeholder 4">
-            <a:extLst>
-              <a:ext uri="{FF2B5EF4-FFF2-40B4-BE49-F238E27FC236}">
-                <a16:creationId xmlns:a16="http://schemas.microsoft.com/office/drawing/2014/main" id="{4372A4A8-AF84-4F90-BB1E-D05F190FE445}"/>
-              </a:ext>
-            </a:extLst>
-          </p:cNvPr>
+          <p:cNvPr id="5" name="Date Placeholder 4"/>
           <p:cNvSpPr>
             <a:spLocks noGrp="1"/>
           </p:cNvSpPr>
@@ -2913,7 +2866,7 @@
           <a:p>
             <a:fld id="{B688772E-FB9E-4424-915A-EFECB76FA9CF}" type="datetimeFigureOut">
               <a:rPr lang="en-US" smtClean="0"/>
-              <a:t>12/5/2018</a:t>
+              <a:t>12/5/18</a:t>
             </a:fld>
             <a:endParaRPr lang="en-US"/>
           </a:p>
@@ -2921,13 +2874,7 @@
       </p:sp>
       <p:sp>
         <p:nvSpPr>
-          <p:cNvPr id="6" name="Footer Placeholder 5">
-            <a:extLst>
-              <a:ext uri="{FF2B5EF4-FFF2-40B4-BE49-F238E27FC236}">
-                <a16:creationId xmlns:a16="http://schemas.microsoft.com/office/drawing/2014/main" id="{C66E64BB-1D63-44D7-B49B-146459266029}"/>
-              </a:ext>
-            </a:extLst>
-          </p:cNvPr>
+          <p:cNvPr id="6" name="Footer Placeholder 5"/>
           <p:cNvSpPr>
             <a:spLocks noGrp="1"/>
           </p:cNvSpPr>
@@ -2946,13 +2893,7 @@
       </p:sp>
       <p:sp>
         <p:nvSpPr>
-          <p:cNvPr id="7" name="Slide Number Placeholder 6">
-            <a:extLst>
-              <a:ext uri="{FF2B5EF4-FFF2-40B4-BE49-F238E27FC236}">
-                <a16:creationId xmlns:a16="http://schemas.microsoft.com/office/drawing/2014/main" id="{B5C0618B-C6B8-4580-B7F0-2D0F367ECF0B}"/>
-              </a:ext>
-            </a:extLst>
-          </p:cNvPr>
+          <p:cNvPr id="7" name="Slide Number Placeholder 6"/>
           <p:cNvSpPr>
             <a:spLocks noGrp="1"/>
           </p:cNvSpPr>
@@ -2976,7 +2917,7 @@
     </p:spTree>
     <p:extLst>
       <p:ext uri="{BB962C8B-B14F-4D97-AF65-F5344CB8AC3E}">
-        <p14:creationId xmlns:p14="http://schemas.microsoft.com/office/powerpoint/2010/main" val="3667263646"/>
+        <p14:creationId xmlns:p14="http://schemas.microsoft.com/office/powerpoint/2010/main" val="596215109"/>
       </p:ext>
     </p:extLst>
   </p:cSld>
@@ -3005,13 +2946,7 @@
       </p:grpSpPr>
       <p:sp>
         <p:nvSpPr>
-          <p:cNvPr id="2" name="Title 1">
-            <a:extLst>
-              <a:ext uri="{FF2B5EF4-FFF2-40B4-BE49-F238E27FC236}">
-                <a16:creationId xmlns:a16="http://schemas.microsoft.com/office/drawing/2014/main" id="{45E416A5-5992-426E-BD3E-0FBFC5ED3F39}"/>
-              </a:ext>
-            </a:extLst>
-          </p:cNvPr>
+          <p:cNvPr id="2" name="Title 1"/>
           <p:cNvSpPr>
             <a:spLocks noGrp="1"/>
           </p:cNvSpPr>
@@ -3019,32 +2954,26 @@
             <p:ph type="title"/>
           </p:nvPr>
         </p:nvSpPr>
-        <p:spPr>
-          <a:xfrm>
-            <a:off x="839788" y="365125"/>
-            <a:ext cx="10515600" cy="1325563"/>
-          </a:xfrm>
-        </p:spPr>
+        <p:spPr/>
         <p:txBody>
           <a:bodyPr/>
-          <a:lstStyle/>
+          <a:lstStyle>
+            <a:lvl1pPr>
+              <a:defRPr/>
+            </a:lvl1pPr>
+          </a:lstStyle>
           <a:p>
             <a:r>
-              <a:rPr lang="en-US"/>
+              <a:rPr lang="en-US" smtClean="0"/>
               <a:t>Click to edit Master title style</a:t>
             </a:r>
+            <a:endParaRPr lang="en-US"/>
           </a:p>
         </p:txBody>
       </p:sp>
       <p:sp>
         <p:nvSpPr>
-          <p:cNvPr id="3" name="Text Placeholder 2">
-            <a:extLst>
-              <a:ext uri="{FF2B5EF4-FFF2-40B4-BE49-F238E27FC236}">
-                <a16:creationId xmlns:a16="http://schemas.microsoft.com/office/drawing/2014/main" id="{C4FBAF6A-C59F-4551-9E8C-C11B50C43B1A}"/>
-              </a:ext>
-            </a:extLst>
-          </p:cNvPr>
+          <p:cNvPr id="3" name="Text Placeholder 2"/>
           <p:cNvSpPr>
             <a:spLocks noGrp="1"/>
           </p:cNvSpPr>
@@ -3054,8 +2983,8 @@
         </p:nvSpPr>
         <p:spPr>
           <a:xfrm>
-            <a:off x="839788" y="1681163"/>
-            <a:ext cx="5157787" cy="823912"/>
+            <a:off x="609600" y="1535113"/>
+            <a:ext cx="5386917" cy="639762"/>
           </a:xfrm>
         </p:spPr>
         <p:txBody>
@@ -3101,21 +3030,15 @@
           <a:p>
             <a:pPr lvl="0"/>
             <a:r>
-              <a:rPr lang="en-US"/>
-              <a:t>Edit Master text styles</a:t>
+              <a:rPr lang="en-US" smtClean="0"/>
+              <a:t>Click to edit Master text styles</a:t>
             </a:r>
           </a:p>
         </p:txBody>
       </p:sp>
       <p:sp>
         <p:nvSpPr>
-          <p:cNvPr id="4" name="Content Placeholder 3">
-            <a:extLst>
-              <a:ext uri="{FF2B5EF4-FFF2-40B4-BE49-F238E27FC236}">
-                <a16:creationId xmlns:a16="http://schemas.microsoft.com/office/drawing/2014/main" id="{572ED4BD-DC99-4340-8A6B-4F040CADA9B7}"/>
-              </a:ext>
-            </a:extLst>
-          </p:cNvPr>
+          <p:cNvPr id="4" name="Content Placeholder 3"/>
           <p:cNvSpPr>
             <a:spLocks noGrp="1"/>
           </p:cNvSpPr>
@@ -3125,59 +3048,82 @@
         </p:nvSpPr>
         <p:spPr>
           <a:xfrm>
-            <a:off x="839788" y="2505075"/>
-            <a:ext cx="5157787" cy="3684588"/>
+            <a:off x="609600" y="2174875"/>
+            <a:ext cx="5386917" cy="3951288"/>
           </a:xfrm>
         </p:spPr>
         <p:txBody>
           <a:bodyPr/>
-          <a:lstStyle/>
+          <a:lstStyle>
+            <a:lvl1pPr>
+              <a:defRPr sz="2400"/>
+            </a:lvl1pPr>
+            <a:lvl2pPr>
+              <a:defRPr sz="2000"/>
+            </a:lvl2pPr>
+            <a:lvl3pPr>
+              <a:defRPr sz="1800"/>
+            </a:lvl3pPr>
+            <a:lvl4pPr>
+              <a:defRPr sz="1600"/>
+            </a:lvl4pPr>
+            <a:lvl5pPr>
+              <a:defRPr sz="1600"/>
+            </a:lvl5pPr>
+            <a:lvl6pPr>
+              <a:defRPr sz="1600"/>
+            </a:lvl6pPr>
+            <a:lvl7pPr>
+              <a:defRPr sz="1600"/>
+            </a:lvl7pPr>
+            <a:lvl8pPr>
+              <a:defRPr sz="1600"/>
+            </a:lvl8pPr>
+            <a:lvl9pPr>
+              <a:defRPr sz="1600"/>
+            </a:lvl9pPr>
+          </a:lstStyle>
           <a:p>
             <a:pPr lvl="0"/>
             <a:r>
-              <a:rPr lang="en-US"/>
-              <a:t>Edit Master text styles</a:t>
+              <a:rPr lang="en-US" smtClean="0"/>
+              <a:t>Click to edit Master text styles</a:t>
             </a:r>
           </a:p>
           <a:p>
             <a:pPr lvl="1"/>
             <a:r>
-              <a:rPr lang="en-US"/>
+              <a:rPr lang="en-US" smtClean="0"/>
               <a:t>Second level</a:t>
             </a:r>
           </a:p>
           <a:p>
             <a:pPr lvl="2"/>
             <a:r>
-              <a:rPr lang="en-US"/>
+              <a:rPr lang="en-US" smtClean="0"/>
               <a:t>Third level</a:t>
             </a:r>
           </a:p>
           <a:p>
             <a:pPr lvl="3"/>
             <a:r>
-              <a:rPr lang="en-US"/>
+              <a:rPr lang="en-US" smtClean="0"/>
               <a:t>Fourth level</a:t>
             </a:r>
           </a:p>
           <a:p>
             <a:pPr lvl="4"/>
             <a:r>
-              <a:rPr lang="en-US"/>
+              <a:rPr lang="en-US" smtClean="0"/>
               <a:t>Fifth level</a:t>
             </a:r>
+            <a:endParaRPr lang="en-US"/>
           </a:p>
         </p:txBody>
       </p:sp>
       <p:sp>
         <p:nvSpPr>
-          <p:cNvPr id="5" name="Text Placeholder 4">
-            <a:extLst>
-              <a:ext uri="{FF2B5EF4-FFF2-40B4-BE49-F238E27FC236}">
-                <a16:creationId xmlns:a16="http://schemas.microsoft.com/office/drawing/2014/main" id="{B06B8F9B-30CE-488B-8403-15FD6F0A38AE}"/>
-              </a:ext>
-            </a:extLst>
-          </p:cNvPr>
+          <p:cNvPr id="5" name="Text Placeholder 4"/>
           <p:cNvSpPr>
             <a:spLocks noGrp="1"/>
           </p:cNvSpPr>
@@ -3187,8 +3133,8 @@
         </p:nvSpPr>
         <p:spPr>
           <a:xfrm>
-            <a:off x="6172200" y="1681163"/>
-            <a:ext cx="5183188" cy="823912"/>
+            <a:off x="6193368" y="1535113"/>
+            <a:ext cx="5389033" cy="639762"/>
           </a:xfrm>
         </p:spPr>
         <p:txBody>
@@ -3234,21 +3180,15 @@
           <a:p>
             <a:pPr lvl="0"/>
             <a:r>
-              <a:rPr lang="en-US"/>
-              <a:t>Edit Master text styles</a:t>
+              <a:rPr lang="en-US" smtClean="0"/>
+              <a:t>Click to edit Master text styles</a:t>
             </a:r>
           </a:p>
         </p:txBody>
       </p:sp>
       <p:sp>
         <p:nvSpPr>
-          <p:cNvPr id="6" name="Content Placeholder 5">
-            <a:extLst>
-              <a:ext uri="{FF2B5EF4-FFF2-40B4-BE49-F238E27FC236}">
-                <a16:creationId xmlns:a16="http://schemas.microsoft.com/office/drawing/2014/main" id="{E345FAB4-6E60-4E8E-B248-468928CC0B8A}"/>
-              </a:ext>
-            </a:extLst>
-          </p:cNvPr>
+          <p:cNvPr id="6" name="Content Placeholder 5"/>
           <p:cNvSpPr>
             <a:spLocks noGrp="1"/>
           </p:cNvSpPr>
@@ -3258,59 +3198,82 @@
         </p:nvSpPr>
         <p:spPr>
           <a:xfrm>
-            <a:off x="6172200" y="2505075"/>
-            <a:ext cx="5183188" cy="3684588"/>
+            <a:off x="6193368" y="2174875"/>
+            <a:ext cx="5389033" cy="3951288"/>
           </a:xfrm>
         </p:spPr>
         <p:txBody>
           <a:bodyPr/>
-          <a:lstStyle/>
+          <a:lstStyle>
+            <a:lvl1pPr>
+              <a:defRPr sz="2400"/>
+            </a:lvl1pPr>
+            <a:lvl2pPr>
+              <a:defRPr sz="2000"/>
+            </a:lvl2pPr>
+            <a:lvl3pPr>
+              <a:defRPr sz="1800"/>
+            </a:lvl3pPr>
+            <a:lvl4pPr>
+              <a:defRPr sz="1600"/>
+            </a:lvl4pPr>
+            <a:lvl5pPr>
+              <a:defRPr sz="1600"/>
+            </a:lvl5pPr>
+            <a:lvl6pPr>
+              <a:defRPr sz="1600"/>
+            </a:lvl6pPr>
+            <a:lvl7pPr>
+              <a:defRPr sz="1600"/>
+            </a:lvl7pPr>
+            <a:lvl8pPr>
+              <a:defRPr sz="1600"/>
+            </a:lvl8pPr>
+            <a:lvl9pPr>
+              <a:defRPr sz="1600"/>
+            </a:lvl9pPr>
+          </a:lstStyle>
           <a:p>
             <a:pPr lvl="0"/>
             <a:r>
-              <a:rPr lang="en-US"/>
-              <a:t>Edit Master text styles</a:t>
+              <a:rPr lang="en-US" smtClean="0"/>
+              <a:t>Click to edit Master text styles</a:t>
             </a:r>
           </a:p>
           <a:p>
             <a:pPr lvl="1"/>
             <a:r>
-              <a:rPr lang="en-US"/>
+              <a:rPr lang="en-US" smtClean="0"/>
               <a:t>Second level</a:t>
             </a:r>
           </a:p>
           <a:p>
             <a:pPr lvl="2"/>
             <a:r>
-              <a:rPr lang="en-US"/>
+              <a:rPr lang="en-US" smtClean="0"/>
               <a:t>Third level</a:t>
             </a:r>
           </a:p>
           <a:p>
             <a:pPr lvl="3"/>
             <a:r>
-              <a:rPr lang="en-US"/>
+              <a:rPr lang="en-US" smtClean="0"/>
               <a:t>Fourth level</a:t>
             </a:r>
           </a:p>
           <a:p>
             <a:pPr lvl="4"/>
             <a:r>
-              <a:rPr lang="en-US"/>
+              <a:rPr lang="en-US" smtClean="0"/>
               <a:t>Fifth level</a:t>
             </a:r>
+            <a:endParaRPr lang="en-US"/>
           </a:p>
         </p:txBody>
       </p:sp>
       <p:sp>
         <p:nvSpPr>
-          <p:cNvPr id="7" name="Date Placeholder 6">
-            <a:extLst>
-              <a:ext uri="{FF2B5EF4-FFF2-40B4-BE49-F238E27FC236}">
-                <a16:creationId xmlns:a16="http://schemas.microsoft.com/office/drawing/2014/main" id="{E6410DF1-AF39-40A7-9F11-FBFD477C8A2B}"/>
-              </a:ext>
-            </a:extLst>
-          </p:cNvPr>
+          <p:cNvPr id="7" name="Date Placeholder 6"/>
           <p:cNvSpPr>
             <a:spLocks noGrp="1"/>
           </p:cNvSpPr>
@@ -3325,7 +3288,7 @@
           <a:p>
             <a:fld id="{B688772E-FB9E-4424-915A-EFECB76FA9CF}" type="datetimeFigureOut">
               <a:rPr lang="en-US" smtClean="0"/>
-              <a:t>12/5/2018</a:t>
+              <a:t>12/5/18</a:t>
             </a:fld>
             <a:endParaRPr lang="en-US"/>
           </a:p>
@@ -3333,13 +3296,7 @@
       </p:sp>
       <p:sp>
         <p:nvSpPr>
-          <p:cNvPr id="8" name="Footer Placeholder 7">
-            <a:extLst>
-              <a:ext uri="{FF2B5EF4-FFF2-40B4-BE49-F238E27FC236}">
-                <a16:creationId xmlns:a16="http://schemas.microsoft.com/office/drawing/2014/main" id="{31D5F053-5D71-4CB3-8BE4-813C02A1863C}"/>
-              </a:ext>
-            </a:extLst>
-          </p:cNvPr>
+          <p:cNvPr id="8" name="Footer Placeholder 7"/>
           <p:cNvSpPr>
             <a:spLocks noGrp="1"/>
           </p:cNvSpPr>
@@ -3358,13 +3315,7 @@
       </p:sp>
       <p:sp>
         <p:nvSpPr>
-          <p:cNvPr id="9" name="Slide Number Placeholder 8">
-            <a:extLst>
-              <a:ext uri="{FF2B5EF4-FFF2-40B4-BE49-F238E27FC236}">
-                <a16:creationId xmlns:a16="http://schemas.microsoft.com/office/drawing/2014/main" id="{F3CCFDD5-37F4-4C1C-B646-B33973A962E7}"/>
-              </a:ext>
-            </a:extLst>
-          </p:cNvPr>
+          <p:cNvPr id="9" name="Slide Number Placeholder 8"/>
           <p:cNvSpPr>
             <a:spLocks noGrp="1"/>
           </p:cNvSpPr>
@@ -3388,7 +3339,7 @@
     </p:spTree>
     <p:extLst>
       <p:ext uri="{BB962C8B-B14F-4D97-AF65-F5344CB8AC3E}">
-        <p14:creationId xmlns:p14="http://schemas.microsoft.com/office/powerpoint/2010/main" val="3977124324"/>
+        <p14:creationId xmlns:p14="http://schemas.microsoft.com/office/powerpoint/2010/main" val="69880426"/>
       </p:ext>
     </p:extLst>
   </p:cSld>
@@ -3417,13 +3368,7 @@
       </p:grpSpPr>
       <p:sp>
         <p:nvSpPr>
-          <p:cNvPr id="2" name="Title 1">
-            <a:extLst>
-              <a:ext uri="{FF2B5EF4-FFF2-40B4-BE49-F238E27FC236}">
-                <a16:creationId xmlns:a16="http://schemas.microsoft.com/office/drawing/2014/main" id="{B717EB80-B831-4CFA-9099-63520950C846}"/>
-              </a:ext>
-            </a:extLst>
-          </p:cNvPr>
+          <p:cNvPr id="2" name="Title 1"/>
           <p:cNvSpPr>
             <a:spLocks noGrp="1"/>
           </p:cNvSpPr>
@@ -3437,21 +3382,16 @@
           <a:lstStyle/>
           <a:p>
             <a:r>
-              <a:rPr lang="en-US"/>
+              <a:rPr lang="en-US" smtClean="0"/>
               <a:t>Click to edit Master title style</a:t>
             </a:r>
+            <a:endParaRPr lang="en-US"/>
           </a:p>
         </p:txBody>
       </p:sp>
       <p:sp>
         <p:nvSpPr>
-          <p:cNvPr id="3" name="Date Placeholder 2">
-            <a:extLst>
-              <a:ext uri="{FF2B5EF4-FFF2-40B4-BE49-F238E27FC236}">
-                <a16:creationId xmlns:a16="http://schemas.microsoft.com/office/drawing/2014/main" id="{916248B0-3427-442F-B34E-3A2B7C37DF90}"/>
-              </a:ext>
-            </a:extLst>
-          </p:cNvPr>
+          <p:cNvPr id="3" name="Date Placeholder 2"/>
           <p:cNvSpPr>
             <a:spLocks noGrp="1"/>
           </p:cNvSpPr>
@@ -3466,7 +3406,7 @@
           <a:p>
             <a:fld id="{B688772E-FB9E-4424-915A-EFECB76FA9CF}" type="datetimeFigureOut">
               <a:rPr lang="en-US" smtClean="0"/>
-              <a:t>12/5/2018</a:t>
+              <a:t>12/5/18</a:t>
             </a:fld>
             <a:endParaRPr lang="en-US"/>
           </a:p>
@@ -3474,13 +3414,7 @@
       </p:sp>
       <p:sp>
         <p:nvSpPr>
-          <p:cNvPr id="4" name="Footer Placeholder 3">
-            <a:extLst>
-              <a:ext uri="{FF2B5EF4-FFF2-40B4-BE49-F238E27FC236}">
-                <a16:creationId xmlns:a16="http://schemas.microsoft.com/office/drawing/2014/main" id="{B9DE408A-01FD-4002-80C2-4BFEC59F0ADA}"/>
-              </a:ext>
-            </a:extLst>
-          </p:cNvPr>
+          <p:cNvPr id="4" name="Footer Placeholder 3"/>
           <p:cNvSpPr>
             <a:spLocks noGrp="1"/>
           </p:cNvSpPr>
@@ -3499,13 +3433,7 @@
       </p:sp>
       <p:sp>
         <p:nvSpPr>
-          <p:cNvPr id="5" name="Slide Number Placeholder 4">
-            <a:extLst>
-              <a:ext uri="{FF2B5EF4-FFF2-40B4-BE49-F238E27FC236}">
-                <a16:creationId xmlns:a16="http://schemas.microsoft.com/office/drawing/2014/main" id="{2821BF39-1C20-488C-AE2E-D87EDE1D1228}"/>
-              </a:ext>
-            </a:extLst>
-          </p:cNvPr>
+          <p:cNvPr id="5" name="Slide Number Placeholder 4"/>
           <p:cNvSpPr>
             <a:spLocks noGrp="1"/>
           </p:cNvSpPr>
@@ -3529,7 +3457,7 @@
     </p:spTree>
     <p:extLst>
       <p:ext uri="{BB962C8B-B14F-4D97-AF65-F5344CB8AC3E}">
-        <p14:creationId xmlns:p14="http://schemas.microsoft.com/office/powerpoint/2010/main" val="3687574061"/>
+        <p14:creationId xmlns:p14="http://schemas.microsoft.com/office/powerpoint/2010/main" val="129118548"/>
       </p:ext>
     </p:extLst>
   </p:cSld>
@@ -3558,13 +3486,7 @@
       </p:grpSpPr>
       <p:sp>
         <p:nvSpPr>
-          <p:cNvPr id="2" name="Date Placeholder 1">
-            <a:extLst>
-              <a:ext uri="{FF2B5EF4-FFF2-40B4-BE49-F238E27FC236}">
-                <a16:creationId xmlns:a16="http://schemas.microsoft.com/office/drawing/2014/main" id="{5BCC693E-BB6C-483E-B7FA-4090C312E220}"/>
-              </a:ext>
-            </a:extLst>
-          </p:cNvPr>
+          <p:cNvPr id="2" name="Date Placeholder 1"/>
           <p:cNvSpPr>
             <a:spLocks noGrp="1"/>
           </p:cNvSpPr>
@@ -3579,7 +3501,7 @@
           <a:p>
             <a:fld id="{B688772E-FB9E-4424-915A-EFECB76FA9CF}" type="datetimeFigureOut">
               <a:rPr lang="en-US" smtClean="0"/>
-              <a:t>12/5/2018</a:t>
+              <a:t>12/5/18</a:t>
             </a:fld>
             <a:endParaRPr lang="en-US"/>
           </a:p>
@@ -3587,13 +3509,7 @@
       </p:sp>
       <p:sp>
         <p:nvSpPr>
-          <p:cNvPr id="3" name="Footer Placeholder 2">
-            <a:extLst>
-              <a:ext uri="{FF2B5EF4-FFF2-40B4-BE49-F238E27FC236}">
-                <a16:creationId xmlns:a16="http://schemas.microsoft.com/office/drawing/2014/main" id="{561209BD-86E8-4097-BCD4-47BE8DCCFC4F}"/>
-              </a:ext>
-            </a:extLst>
-          </p:cNvPr>
+          <p:cNvPr id="3" name="Footer Placeholder 2"/>
           <p:cNvSpPr>
             <a:spLocks noGrp="1"/>
           </p:cNvSpPr>
@@ -3612,13 +3528,7 @@
       </p:sp>
       <p:sp>
         <p:nvSpPr>
-          <p:cNvPr id="4" name="Slide Number Placeholder 3">
-            <a:extLst>
-              <a:ext uri="{FF2B5EF4-FFF2-40B4-BE49-F238E27FC236}">
-                <a16:creationId xmlns:a16="http://schemas.microsoft.com/office/drawing/2014/main" id="{3ED70193-0423-4FB1-9961-221D8DC080B7}"/>
-              </a:ext>
-            </a:extLst>
-          </p:cNvPr>
+          <p:cNvPr id="4" name="Slide Number Placeholder 3"/>
           <p:cNvSpPr>
             <a:spLocks noGrp="1"/>
           </p:cNvSpPr>
@@ -3642,7 +3552,7 @@
     </p:spTree>
     <p:extLst>
       <p:ext uri="{BB962C8B-B14F-4D97-AF65-F5344CB8AC3E}">
-        <p14:creationId xmlns:p14="http://schemas.microsoft.com/office/powerpoint/2010/main" val="813303228"/>
+        <p14:creationId xmlns:p14="http://schemas.microsoft.com/office/powerpoint/2010/main" val="2472710688"/>
       </p:ext>
     </p:extLst>
   </p:cSld>
@@ -3671,13 +3581,7 @@
       </p:grpSpPr>
       <p:sp>
         <p:nvSpPr>
-          <p:cNvPr id="2" name="Title 1">
-            <a:extLst>
-              <a:ext uri="{FF2B5EF4-FFF2-40B4-BE49-F238E27FC236}">
-                <a16:creationId xmlns:a16="http://schemas.microsoft.com/office/drawing/2014/main" id="{868DA23B-D423-4E2C-A5DB-9716FEC1B562}"/>
-              </a:ext>
-            </a:extLst>
-          </p:cNvPr>
+          <p:cNvPr id="2" name="Title 1"/>
           <p:cNvSpPr>
             <a:spLocks noGrp="1"/>
           </p:cNvSpPr>
@@ -3687,34 +3591,29 @@
         </p:nvSpPr>
         <p:spPr>
           <a:xfrm>
-            <a:off x="839788" y="457200"/>
-            <a:ext cx="3932237" cy="1600200"/>
+            <a:off x="609601" y="273050"/>
+            <a:ext cx="4011084" cy="1162050"/>
           </a:xfrm>
         </p:spPr>
         <p:txBody>
           <a:bodyPr anchor="b"/>
           <a:lstStyle>
-            <a:lvl1pPr>
-              <a:defRPr sz="3200"/>
+            <a:lvl1pPr algn="l">
+              <a:defRPr sz="2000" b="1"/>
             </a:lvl1pPr>
           </a:lstStyle>
           <a:p>
             <a:r>
-              <a:rPr lang="en-US"/>
+              <a:rPr lang="en-US" smtClean="0"/>
               <a:t>Click to edit Master title style</a:t>
             </a:r>
+            <a:endParaRPr lang="en-US"/>
           </a:p>
         </p:txBody>
       </p:sp>
       <p:sp>
         <p:nvSpPr>
-          <p:cNvPr id="3" name="Content Placeholder 2">
-            <a:extLst>
-              <a:ext uri="{FF2B5EF4-FFF2-40B4-BE49-F238E27FC236}">
-                <a16:creationId xmlns:a16="http://schemas.microsoft.com/office/drawing/2014/main" id="{39136D79-42B2-47F2-A38C-DC7E9BC2E158}"/>
-              </a:ext>
-            </a:extLst>
-          </p:cNvPr>
+          <p:cNvPr id="3" name="Content Placeholder 2"/>
           <p:cNvSpPr>
             <a:spLocks noGrp="1"/>
           </p:cNvSpPr>
@@ -3724,8 +3623,8 @@
         </p:nvSpPr>
         <p:spPr>
           <a:xfrm>
-            <a:off x="5183188" y="987425"/>
-            <a:ext cx="6172200" cy="4873625"/>
+            <a:off x="4766733" y="273051"/>
+            <a:ext cx="6815667" cy="5853113"/>
           </a:xfrm>
         </p:spPr>
         <p:txBody>
@@ -3762,49 +3661,44 @@
           <a:p>
             <a:pPr lvl="0"/>
             <a:r>
-              <a:rPr lang="en-US"/>
-              <a:t>Edit Master text styles</a:t>
+              <a:rPr lang="en-US" smtClean="0"/>
+              <a:t>Click to edit Master text styles</a:t>
             </a:r>
           </a:p>
           <a:p>
             <a:pPr lvl="1"/>
             <a:r>
-              <a:rPr lang="en-US"/>
+              <a:rPr lang="en-US" smtClean="0"/>
               <a:t>Second level</a:t>
             </a:r>
           </a:p>
           <a:p>
             <a:pPr lvl="2"/>
             <a:r>
-              <a:rPr lang="en-US"/>
+              <a:rPr lang="en-US" smtClean="0"/>
               <a:t>Third level</a:t>
             </a:r>
           </a:p>
           <a:p>
             <a:pPr lvl="3"/>
             <a:r>
-              <a:rPr lang="en-US"/>
+              <a:rPr lang="en-US" smtClean="0"/>
               <a:t>Fourth level</a:t>
             </a:r>
           </a:p>
           <a:p>
             <a:pPr lvl="4"/>
             <a:r>
-              <a:rPr lang="en-US"/>
+              <a:rPr lang="en-US" smtClean="0"/>
               <a:t>Fifth level</a:t>
             </a:r>
+            <a:endParaRPr lang="en-US"/>
           </a:p>
         </p:txBody>
       </p:sp>
       <p:sp>
         <p:nvSpPr>
-          <p:cNvPr id="4" name="Text Placeholder 3">
-            <a:extLst>
-              <a:ext uri="{FF2B5EF4-FFF2-40B4-BE49-F238E27FC236}">
-                <a16:creationId xmlns:a16="http://schemas.microsoft.com/office/drawing/2014/main" id="{E7A64520-96DF-4859-925F-EC15B817BBE7}"/>
-              </a:ext>
-            </a:extLst>
-          </p:cNvPr>
+          <p:cNvPr id="4" name="Text Placeholder 3"/>
           <p:cNvSpPr>
             <a:spLocks noGrp="1"/>
           </p:cNvSpPr>
@@ -3814,8 +3708,8 @@
         </p:nvSpPr>
         <p:spPr>
           <a:xfrm>
-            <a:off x="839788" y="2057400"/>
-            <a:ext cx="3932237" cy="3811588"/>
+            <a:off x="609601" y="1435101"/>
+            <a:ext cx="4011084" cy="4691063"/>
           </a:xfrm>
         </p:spPr>
         <p:txBody>
@@ -3823,59 +3717,53 @@
           <a:lstStyle>
             <a:lvl1pPr marL="0" indent="0">
               <a:buNone/>
-              <a:defRPr sz="1600"/>
+              <a:defRPr sz="1400"/>
             </a:lvl1pPr>
             <a:lvl2pPr marL="457200" indent="0">
               <a:buNone/>
-              <a:defRPr sz="1400"/>
+              <a:defRPr sz="1200"/>
             </a:lvl2pPr>
             <a:lvl3pPr marL="914400" indent="0">
               <a:buNone/>
-              <a:defRPr sz="1200"/>
+              <a:defRPr sz="1000"/>
             </a:lvl3pPr>
             <a:lvl4pPr marL="1371600" indent="0">
               <a:buNone/>
-              <a:defRPr sz="1000"/>
+              <a:defRPr sz="900"/>
             </a:lvl4pPr>
             <a:lvl5pPr marL="1828800" indent="0">
               <a:buNone/>
-              <a:defRPr sz="1000"/>
+              <a:defRPr sz="900"/>
             </a:lvl5pPr>
             <a:lvl6pPr marL="2286000" indent="0">
               <a:buNone/>
-              <a:defRPr sz="1000"/>
+              <a:defRPr sz="900"/>
             </a:lvl6pPr>
             <a:lvl7pPr marL="2743200" indent="0">
               <a:buNone/>
-              <a:defRPr sz="1000"/>
+              <a:defRPr sz="900"/>
             </a:lvl7pPr>
             <a:lvl8pPr marL="3200400" indent="0">
               <a:buNone/>
-              <a:defRPr sz="1000"/>
+              <a:defRPr sz="900"/>
             </a:lvl8pPr>
             <a:lvl9pPr marL="3657600" indent="0">
               <a:buNone/>
-              <a:defRPr sz="1000"/>
+              <a:defRPr sz="900"/>
             </a:lvl9pPr>
           </a:lstStyle>
           <a:p>
             <a:pPr lvl="0"/>
             <a:r>
-              <a:rPr lang="en-US"/>
-              <a:t>Edit Master text styles</a:t>
+              <a:rPr lang="en-US" smtClean="0"/>
+              <a:t>Click to edit Master text styles</a:t>
             </a:r>
           </a:p>
         </p:txBody>
       </p:sp>
       <p:sp>
         <p:nvSpPr>
-          <p:cNvPr id="5" name="Date Placeholder 4">
-            <a:extLst>
-              <a:ext uri="{FF2B5EF4-FFF2-40B4-BE49-F238E27FC236}">
-                <a16:creationId xmlns:a16="http://schemas.microsoft.com/office/drawing/2014/main" id="{59D3FBE9-2435-405C-B484-6F78B4FE1B81}"/>
-              </a:ext>
-            </a:extLst>
-          </p:cNvPr>
+          <p:cNvPr id="5" name="Date Placeholder 4"/>
           <p:cNvSpPr>
             <a:spLocks noGrp="1"/>
           </p:cNvSpPr>
@@ -3890,7 +3778,7 @@
           <a:p>
             <a:fld id="{B688772E-FB9E-4424-915A-EFECB76FA9CF}" type="datetimeFigureOut">
               <a:rPr lang="en-US" smtClean="0"/>
-              <a:t>12/5/2018</a:t>
+              <a:t>12/5/18</a:t>
             </a:fld>
             <a:endParaRPr lang="en-US"/>
           </a:p>
@@ -3898,13 +3786,7 @@
       </p:sp>
       <p:sp>
         <p:nvSpPr>
-          <p:cNvPr id="6" name="Footer Placeholder 5">
-            <a:extLst>
-              <a:ext uri="{FF2B5EF4-FFF2-40B4-BE49-F238E27FC236}">
-                <a16:creationId xmlns:a16="http://schemas.microsoft.com/office/drawing/2014/main" id="{C26F67E6-E0BD-4E75-B325-C3E20179F2EC}"/>
-              </a:ext>
-            </a:extLst>
-          </p:cNvPr>
+          <p:cNvPr id="6" name="Footer Placeholder 5"/>
           <p:cNvSpPr>
             <a:spLocks noGrp="1"/>
           </p:cNvSpPr>
@@ -3923,13 +3805,7 @@
       </p:sp>
       <p:sp>
         <p:nvSpPr>
-          <p:cNvPr id="7" name="Slide Number Placeholder 6">
-            <a:extLst>
-              <a:ext uri="{FF2B5EF4-FFF2-40B4-BE49-F238E27FC236}">
-                <a16:creationId xmlns:a16="http://schemas.microsoft.com/office/drawing/2014/main" id="{A628075B-97C9-4317-AEE4-858F43A6D052}"/>
-              </a:ext>
-            </a:extLst>
-          </p:cNvPr>
+          <p:cNvPr id="7" name="Slide Number Placeholder 6"/>
           <p:cNvSpPr>
             <a:spLocks noGrp="1"/>
           </p:cNvSpPr>
@@ -3953,7 +3829,7 @@
     </p:spTree>
     <p:extLst>
       <p:ext uri="{BB962C8B-B14F-4D97-AF65-F5344CB8AC3E}">
-        <p14:creationId xmlns:p14="http://schemas.microsoft.com/office/powerpoint/2010/main" val="2905390215"/>
+        <p14:creationId xmlns:p14="http://schemas.microsoft.com/office/powerpoint/2010/main" val="4121040260"/>
       </p:ext>
     </p:extLst>
   </p:cSld>
@@ -3982,13 +3858,7 @@
       </p:grpSpPr>
       <p:sp>
         <p:nvSpPr>
-          <p:cNvPr id="2" name="Title 1">
-            <a:extLst>
-              <a:ext uri="{FF2B5EF4-FFF2-40B4-BE49-F238E27FC236}">
-                <a16:creationId xmlns:a16="http://schemas.microsoft.com/office/drawing/2014/main" id="{0B81425A-0C7E-48E7-8CF3-5A55AC116DF5}"/>
-              </a:ext>
-            </a:extLst>
-          </p:cNvPr>
+          <p:cNvPr id="2" name="Title 1"/>
           <p:cNvSpPr>
             <a:spLocks noGrp="1"/>
           </p:cNvSpPr>
@@ -3998,34 +3868,29 @@
         </p:nvSpPr>
         <p:spPr>
           <a:xfrm>
-            <a:off x="839788" y="457200"/>
-            <a:ext cx="3932237" cy="1600200"/>
+            <a:off x="2389717" y="4800600"/>
+            <a:ext cx="7315200" cy="566738"/>
           </a:xfrm>
         </p:spPr>
         <p:txBody>
           <a:bodyPr anchor="b"/>
           <a:lstStyle>
-            <a:lvl1pPr>
-              <a:defRPr sz="3200"/>
+            <a:lvl1pPr algn="l">
+              <a:defRPr sz="2000" b="1"/>
             </a:lvl1pPr>
           </a:lstStyle>
           <a:p>
             <a:r>
-              <a:rPr lang="en-US"/>
+              <a:rPr lang="en-US" smtClean="0"/>
               <a:t>Click to edit Master title style</a:t>
             </a:r>
+            <a:endParaRPr lang="en-US"/>
           </a:p>
         </p:txBody>
       </p:sp>
       <p:sp>
         <p:nvSpPr>
-          <p:cNvPr id="3" name="Picture Placeholder 2">
-            <a:extLst>
-              <a:ext uri="{FF2B5EF4-FFF2-40B4-BE49-F238E27FC236}">
-                <a16:creationId xmlns:a16="http://schemas.microsoft.com/office/drawing/2014/main" id="{7B25BAFE-1039-4B99-8A81-CB7416D28FC0}"/>
-              </a:ext>
-            </a:extLst>
-          </p:cNvPr>
+          <p:cNvPr id="3" name="Picture Placeholder 2"/>
           <p:cNvSpPr>
             <a:spLocks noGrp="1"/>
           </p:cNvSpPr>
@@ -4035,8 +3900,8 @@
         </p:nvSpPr>
         <p:spPr>
           <a:xfrm>
-            <a:off x="5183188" y="987425"/>
-            <a:ext cx="6172200" cy="4873625"/>
+            <a:off x="2389717" y="612775"/>
+            <a:ext cx="7315200" cy="4114800"/>
           </a:xfrm>
         </p:spPr>
         <p:txBody>
@@ -4086,13 +3951,7 @@
       </p:sp>
       <p:sp>
         <p:nvSpPr>
-          <p:cNvPr id="4" name="Text Placeholder 3">
-            <a:extLst>
-              <a:ext uri="{FF2B5EF4-FFF2-40B4-BE49-F238E27FC236}">
-                <a16:creationId xmlns:a16="http://schemas.microsoft.com/office/drawing/2014/main" id="{458D753D-00B1-4033-9CDD-C70D23A075C2}"/>
-              </a:ext>
-            </a:extLst>
-          </p:cNvPr>
+          <p:cNvPr id="4" name="Text Placeholder 3"/>
           <p:cNvSpPr>
             <a:spLocks noGrp="1"/>
           </p:cNvSpPr>
@@ -4102,8 +3961,8 @@
         </p:nvSpPr>
         <p:spPr>
           <a:xfrm>
-            <a:off x="839788" y="2057400"/>
-            <a:ext cx="3932237" cy="3811588"/>
+            <a:off x="2389717" y="5367338"/>
+            <a:ext cx="7315200" cy="804862"/>
           </a:xfrm>
         </p:spPr>
         <p:txBody>
@@ -4111,59 +3970,53 @@
           <a:lstStyle>
             <a:lvl1pPr marL="0" indent="0">
               <a:buNone/>
-              <a:defRPr sz="1600"/>
+              <a:defRPr sz="1400"/>
             </a:lvl1pPr>
             <a:lvl2pPr marL="457200" indent="0">
               <a:buNone/>
-              <a:defRPr sz="1400"/>
+              <a:defRPr sz="1200"/>
             </a:lvl2pPr>
             <a:lvl3pPr marL="914400" indent="0">
               <a:buNone/>
-              <a:defRPr sz="1200"/>
+              <a:defRPr sz="1000"/>
             </a:lvl3pPr>
             <a:lvl4pPr marL="1371600" indent="0">
               <a:buNone/>
-              <a:defRPr sz="1000"/>
+              <a:defRPr sz="900"/>
             </a:lvl4pPr>
             <a:lvl5pPr marL="1828800" indent="0">
               <a:buNone/>
-              <a:defRPr sz="1000"/>
+              <a:defRPr sz="900"/>
             </a:lvl5pPr>
             <a:lvl6pPr marL="2286000" indent="0">
               <a:buNone/>
-              <a:defRPr sz="1000"/>
+              <a:defRPr sz="900"/>
             </a:lvl6pPr>
             <a:lvl7pPr marL="2743200" indent="0">
               <a:buNone/>
-              <a:defRPr sz="1000"/>
+              <a:defRPr sz="900"/>
             </a:lvl7pPr>
             <a:lvl8pPr marL="3200400" indent="0">
               <a:buNone/>
-              <a:defRPr sz="1000"/>
+              <a:defRPr sz="900"/>
             </a:lvl8pPr>
             <a:lvl9pPr marL="3657600" indent="0">
               <a:buNone/>
-              <a:defRPr sz="1000"/>
+              <a:defRPr sz="900"/>
             </a:lvl9pPr>
           </a:lstStyle>
           <a:p>
             <a:pPr lvl="0"/>
             <a:r>
-              <a:rPr lang="en-US"/>
-              <a:t>Edit Master text styles</a:t>
+              <a:rPr lang="en-US" smtClean="0"/>
+              <a:t>Click to edit Master text styles</a:t>
             </a:r>
           </a:p>
         </p:txBody>
       </p:sp>
       <p:sp>
         <p:nvSpPr>
-          <p:cNvPr id="5" name="Date Placeholder 4">
-            <a:extLst>
-              <a:ext uri="{FF2B5EF4-FFF2-40B4-BE49-F238E27FC236}">
-                <a16:creationId xmlns:a16="http://schemas.microsoft.com/office/drawing/2014/main" id="{9EAF8B65-FAD8-4AED-8BBA-2A002BC4ACA4}"/>
-              </a:ext>
-            </a:extLst>
-          </p:cNvPr>
+          <p:cNvPr id="5" name="Date Placeholder 4"/>
           <p:cNvSpPr>
             <a:spLocks noGrp="1"/>
           </p:cNvSpPr>
@@ -4178,7 +4031,7 @@
           <a:p>
             <a:fld id="{B688772E-FB9E-4424-915A-EFECB76FA9CF}" type="datetimeFigureOut">
               <a:rPr lang="en-US" smtClean="0"/>
-              <a:t>12/5/2018</a:t>
+              <a:t>12/5/18</a:t>
             </a:fld>
             <a:endParaRPr lang="en-US"/>
           </a:p>
@@ -4186,13 +4039,7 @@
       </p:sp>
       <p:sp>
         <p:nvSpPr>
-          <p:cNvPr id="6" name="Footer Placeholder 5">
-            <a:extLst>
-              <a:ext uri="{FF2B5EF4-FFF2-40B4-BE49-F238E27FC236}">
-                <a16:creationId xmlns:a16="http://schemas.microsoft.com/office/drawing/2014/main" id="{6982BD0F-1812-4F71-AC0E-6BF43F8C0C24}"/>
-              </a:ext>
-            </a:extLst>
-          </p:cNvPr>
+          <p:cNvPr id="6" name="Footer Placeholder 5"/>
           <p:cNvSpPr>
             <a:spLocks noGrp="1"/>
           </p:cNvSpPr>
@@ -4211,13 +4058,7 @@
       </p:sp>
       <p:sp>
         <p:nvSpPr>
-          <p:cNvPr id="7" name="Slide Number Placeholder 6">
-            <a:extLst>
-              <a:ext uri="{FF2B5EF4-FFF2-40B4-BE49-F238E27FC236}">
-                <a16:creationId xmlns:a16="http://schemas.microsoft.com/office/drawing/2014/main" id="{5FAE110B-0515-4DA7-ADF5-32632F555A93}"/>
-              </a:ext>
-            </a:extLst>
-          </p:cNvPr>
+          <p:cNvPr id="7" name="Slide Number Placeholder 6"/>
           <p:cNvSpPr>
             <a:spLocks noGrp="1"/>
           </p:cNvSpPr>
@@ -4241,7 +4082,7 @@
     </p:spTree>
     <p:extLst>
       <p:ext uri="{BB962C8B-B14F-4D97-AF65-F5344CB8AC3E}">
-        <p14:creationId xmlns:p14="http://schemas.microsoft.com/office/powerpoint/2010/main" val="2395264769"/>
+        <p14:creationId xmlns:p14="http://schemas.microsoft.com/office/powerpoint/2010/main" val="3802320438"/>
       </p:ext>
     </p:extLst>
   </p:cSld>
@@ -4275,13 +4116,7 @@
       </p:grpSpPr>
       <p:sp>
         <p:nvSpPr>
-          <p:cNvPr id="2" name="Title Placeholder 1">
-            <a:extLst>
-              <a:ext uri="{FF2B5EF4-FFF2-40B4-BE49-F238E27FC236}">
-                <a16:creationId xmlns:a16="http://schemas.microsoft.com/office/drawing/2014/main" id="{758C15D1-9AE8-4688-BF2A-1493C6DE8E6E}"/>
-              </a:ext>
-            </a:extLst>
-          </p:cNvPr>
+          <p:cNvPr id="2" name="Title Placeholder 1"/>
           <p:cNvSpPr>
             <a:spLocks noGrp="1"/>
           </p:cNvSpPr>
@@ -4291,8 +4126,8 @@
         </p:nvSpPr>
         <p:spPr>
           <a:xfrm>
-            <a:off x="838200" y="365125"/>
-            <a:ext cx="10515600" cy="1325563"/>
+            <a:off x="609600" y="274638"/>
+            <a:ext cx="10972800" cy="1143000"/>
           </a:xfrm>
           <a:prstGeom prst="rect">
             <a:avLst/>
@@ -4305,21 +4140,16 @@
           <a:lstStyle/>
           <a:p>
             <a:r>
-              <a:rPr lang="en-US"/>
+              <a:rPr lang="en-US" smtClean="0"/>
               <a:t>Click to edit Master title style</a:t>
             </a:r>
+            <a:endParaRPr lang="en-US"/>
           </a:p>
         </p:txBody>
       </p:sp>
       <p:sp>
         <p:nvSpPr>
-          <p:cNvPr id="3" name="Text Placeholder 2">
-            <a:extLst>
-              <a:ext uri="{FF2B5EF4-FFF2-40B4-BE49-F238E27FC236}">
-                <a16:creationId xmlns:a16="http://schemas.microsoft.com/office/drawing/2014/main" id="{FADA9CC8-AAF1-43F4-B002-B70C71E83C6B}"/>
-              </a:ext>
-            </a:extLst>
-          </p:cNvPr>
+          <p:cNvPr id="3" name="Text Placeholder 2"/>
           <p:cNvSpPr>
             <a:spLocks noGrp="1"/>
           </p:cNvSpPr>
@@ -4329,8 +4159,8 @@
         </p:nvSpPr>
         <p:spPr>
           <a:xfrm>
-            <a:off x="838200" y="1825625"/>
-            <a:ext cx="10515600" cy="4351338"/>
+            <a:off x="609600" y="1600201"/>
+            <a:ext cx="10972800" cy="4525963"/>
           </a:xfrm>
           <a:prstGeom prst="rect">
             <a:avLst/>
@@ -4344,49 +4174,44 @@
           <a:p>
             <a:pPr lvl="0"/>
             <a:r>
-              <a:rPr lang="en-US"/>
-              <a:t>Edit Master text styles</a:t>
+              <a:rPr lang="en-US" smtClean="0"/>
+              <a:t>Click to edit Master text styles</a:t>
             </a:r>
           </a:p>
           <a:p>
             <a:pPr lvl="1"/>
             <a:r>
-              <a:rPr lang="en-US"/>
+              <a:rPr lang="en-US" smtClean="0"/>
               <a:t>Second level</a:t>
             </a:r>
           </a:p>
           <a:p>
             <a:pPr lvl="2"/>
             <a:r>
-              <a:rPr lang="en-US"/>
+              <a:rPr lang="en-US" smtClean="0"/>
               <a:t>Third level</a:t>
             </a:r>
           </a:p>
           <a:p>
             <a:pPr lvl="3"/>
             <a:r>
-              <a:rPr lang="en-US"/>
+              <a:rPr lang="en-US" smtClean="0"/>
               <a:t>Fourth level</a:t>
             </a:r>
           </a:p>
           <a:p>
             <a:pPr lvl="4"/>
             <a:r>
-              <a:rPr lang="en-US"/>
+              <a:rPr lang="en-US" smtClean="0"/>
               <a:t>Fifth level</a:t>
             </a:r>
+            <a:endParaRPr lang="en-US"/>
           </a:p>
         </p:txBody>
       </p:sp>
       <p:sp>
         <p:nvSpPr>
-          <p:cNvPr id="4" name="Date Placeholder 3">
-            <a:extLst>
-              <a:ext uri="{FF2B5EF4-FFF2-40B4-BE49-F238E27FC236}">
-                <a16:creationId xmlns:a16="http://schemas.microsoft.com/office/drawing/2014/main" id="{FCBABA3E-50A9-455A-81A6-BDB13CD0ABD2}"/>
-              </a:ext>
-            </a:extLst>
-          </p:cNvPr>
+          <p:cNvPr id="4" name="Date Placeholder 3"/>
           <p:cNvSpPr>
             <a:spLocks noGrp="1"/>
           </p:cNvSpPr>
@@ -4396,8 +4221,8 @@
         </p:nvSpPr>
         <p:spPr>
           <a:xfrm>
-            <a:off x="838200" y="6356350"/>
-            <a:ext cx="2743200" cy="365125"/>
+            <a:off x="609600" y="6356351"/>
+            <a:ext cx="2844800" cy="365125"/>
           </a:xfrm>
           <a:prstGeom prst="rect">
             <a:avLst/>
@@ -4419,7 +4244,7 @@
           <a:p>
             <a:fld id="{B688772E-FB9E-4424-915A-EFECB76FA9CF}" type="datetimeFigureOut">
               <a:rPr lang="en-US" smtClean="0"/>
-              <a:t>12/5/2018</a:t>
+              <a:t>12/5/18</a:t>
             </a:fld>
             <a:endParaRPr lang="en-US"/>
           </a:p>
@@ -4427,13 +4252,7 @@
       </p:sp>
       <p:sp>
         <p:nvSpPr>
-          <p:cNvPr id="5" name="Footer Placeholder 4">
-            <a:extLst>
-              <a:ext uri="{FF2B5EF4-FFF2-40B4-BE49-F238E27FC236}">
-                <a16:creationId xmlns:a16="http://schemas.microsoft.com/office/drawing/2014/main" id="{EB6E3368-F43D-4802-A4F6-E478387DECC1}"/>
-              </a:ext>
-            </a:extLst>
-          </p:cNvPr>
+          <p:cNvPr id="5" name="Footer Placeholder 4"/>
           <p:cNvSpPr>
             <a:spLocks noGrp="1"/>
           </p:cNvSpPr>
@@ -4443,8 +4262,8 @@
         </p:nvSpPr>
         <p:spPr>
           <a:xfrm>
-            <a:off x="4038600" y="6356350"/>
-            <a:ext cx="4114800" cy="365125"/>
+            <a:off x="4165600" y="6356351"/>
+            <a:ext cx="3860800" cy="365125"/>
           </a:xfrm>
           <a:prstGeom prst="rect">
             <a:avLst/>
@@ -4470,13 +4289,7 @@
       </p:sp>
       <p:sp>
         <p:nvSpPr>
-          <p:cNvPr id="6" name="Slide Number Placeholder 5">
-            <a:extLst>
-              <a:ext uri="{FF2B5EF4-FFF2-40B4-BE49-F238E27FC236}">
-                <a16:creationId xmlns:a16="http://schemas.microsoft.com/office/drawing/2014/main" id="{A8CA21D5-1D13-4EE3-A7FB-37162F16C82D}"/>
-              </a:ext>
-            </a:extLst>
-          </p:cNvPr>
+          <p:cNvPr id="6" name="Slide Number Placeholder 5"/>
           <p:cNvSpPr>
             <a:spLocks noGrp="1"/>
           </p:cNvSpPr>
@@ -4486,8 +4299,8 @@
         </p:nvSpPr>
         <p:spPr>
           <a:xfrm>
-            <a:off x="8610600" y="6356350"/>
-            <a:ext cx="2743200" cy="365125"/>
+            <a:off x="8737600" y="6356351"/>
+            <a:ext cx="2844800" cy="365125"/>
           </a:xfrm>
           <a:prstGeom prst="rect">
             <a:avLst/>
@@ -4518,30 +4331,27 @@
     </p:spTree>
     <p:extLst>
       <p:ext uri="{BB962C8B-B14F-4D97-AF65-F5344CB8AC3E}">
-        <p14:creationId xmlns:p14="http://schemas.microsoft.com/office/powerpoint/2010/main" val="3726420840"/>
+        <p14:creationId xmlns:p14="http://schemas.microsoft.com/office/powerpoint/2010/main" val="853223646"/>
       </p:ext>
     </p:extLst>
   </p:cSld>
   <p:clrMap bg1="lt1" tx1="dk1" bg2="lt2" tx2="dk2" accent1="accent1" accent2="accent2" accent3="accent3" accent4="accent4" accent5="accent5" accent6="accent6" hlink="hlink" folHlink="folHlink"/>
   <p:sldLayoutIdLst>
-    <p:sldLayoutId id="2147483649" r:id="rId1"/>
-    <p:sldLayoutId id="2147483650" r:id="rId2"/>
-    <p:sldLayoutId id="2147483651" r:id="rId3"/>
-    <p:sldLayoutId id="2147483652" r:id="rId4"/>
-    <p:sldLayoutId id="2147483653" r:id="rId5"/>
-    <p:sldLayoutId id="2147483654" r:id="rId6"/>
-    <p:sldLayoutId id="2147483655" r:id="rId7"/>
-    <p:sldLayoutId id="2147483656" r:id="rId8"/>
-    <p:sldLayoutId id="2147483657" r:id="rId9"/>
-    <p:sldLayoutId id="2147483658" r:id="rId10"/>
-    <p:sldLayoutId id="2147483659" r:id="rId11"/>
+    <p:sldLayoutId id="2147483661" r:id="rId1"/>
+    <p:sldLayoutId id="2147483662" r:id="rId2"/>
+    <p:sldLayoutId id="2147483663" r:id="rId3"/>
+    <p:sldLayoutId id="2147483664" r:id="rId4"/>
+    <p:sldLayoutId id="2147483665" r:id="rId5"/>
+    <p:sldLayoutId id="2147483666" r:id="rId6"/>
+    <p:sldLayoutId id="2147483667" r:id="rId7"/>
+    <p:sldLayoutId id="2147483668" r:id="rId8"/>
+    <p:sldLayoutId id="2147483669" r:id="rId9"/>
+    <p:sldLayoutId id="2147483670" r:id="rId10"/>
+    <p:sldLayoutId id="2147483671" r:id="rId11"/>
   </p:sldLayoutIdLst>
   <p:txStyles>
     <p:titleStyle>
-      <a:lvl1pPr algn="l" defTabSz="914400" rtl="0" eaLnBrk="1" latinLnBrk="0" hangingPunct="1">
-        <a:lnSpc>
-          <a:spcPct val="90000"/>
-        </a:lnSpc>
+      <a:lvl1pPr algn="ctr" defTabSz="457200" rtl="0" eaLnBrk="1" latinLnBrk="0" hangingPunct="1">
         <a:spcBef>
           <a:spcPct val="0"/>
         </a:spcBef>
@@ -4557,15 +4367,27 @@
       </a:lvl1pPr>
     </p:titleStyle>
     <p:bodyStyle>
-      <a:lvl1pPr marL="228600" indent="-228600" algn="l" defTabSz="914400" rtl="0" eaLnBrk="1" latinLnBrk="0" hangingPunct="1">
-        <a:lnSpc>
-          <a:spcPct val="90000"/>
-        </a:lnSpc>
+      <a:lvl1pPr marL="342900" indent="-342900" algn="l" defTabSz="457200" rtl="0" eaLnBrk="1" latinLnBrk="0" hangingPunct="1">
         <a:spcBef>
-          <a:spcPts val="1000"/>
+          <a:spcPct val="20000"/>
         </a:spcBef>
-        <a:buFont typeface="Arial" panose="020B0604020202020204" pitchFamily="34" charset="0"/>
+        <a:buFont typeface="Arial"/>
         <a:buChar char="•"/>
+        <a:defRPr sz="3200" kern="1200">
+          <a:solidFill>
+            <a:schemeClr val="tx1"/>
+          </a:solidFill>
+          <a:latin typeface="+mn-lt"/>
+          <a:ea typeface="+mn-ea"/>
+          <a:cs typeface="+mn-cs"/>
+        </a:defRPr>
+      </a:lvl1pPr>
+      <a:lvl2pPr marL="742950" indent="-285750" algn="l" defTabSz="457200" rtl="0" eaLnBrk="1" latinLnBrk="0" hangingPunct="1">
+        <a:spcBef>
+          <a:spcPct val="20000"/>
+        </a:spcBef>
+        <a:buFont typeface="Arial"/>
+        <a:buChar char="–"/>
         <a:defRPr sz="2800" kern="1200">
           <a:solidFill>
             <a:schemeClr val="tx1"/>
@@ -4574,15 +4396,12 @@
           <a:ea typeface="+mn-ea"/>
           <a:cs typeface="+mn-cs"/>
         </a:defRPr>
-      </a:lvl1pPr>
-      <a:lvl2pPr marL="685800" indent="-228600" algn="l" defTabSz="914400" rtl="0" eaLnBrk="1" latinLnBrk="0" hangingPunct="1">
-        <a:lnSpc>
-          <a:spcPct val="90000"/>
-        </a:lnSpc>
+      </a:lvl2pPr>
+      <a:lvl3pPr marL="1143000" indent="-228600" algn="l" defTabSz="457200" rtl="0" eaLnBrk="1" latinLnBrk="0" hangingPunct="1">
         <a:spcBef>
-          <a:spcPts val="500"/>
+          <a:spcPct val="20000"/>
         </a:spcBef>
-        <a:buFont typeface="Arial" panose="020B0604020202020204" pitchFamily="34" charset="0"/>
+        <a:buFont typeface="Arial"/>
         <a:buChar char="•"/>
         <a:defRPr sz="2400" kern="1200">
           <a:solidFill>
@@ -4592,15 +4411,42 @@
           <a:ea typeface="+mn-ea"/>
           <a:cs typeface="+mn-cs"/>
         </a:defRPr>
-      </a:lvl2pPr>
-      <a:lvl3pPr marL="1143000" indent="-228600" algn="l" defTabSz="914400" rtl="0" eaLnBrk="1" latinLnBrk="0" hangingPunct="1">
-        <a:lnSpc>
-          <a:spcPct val="90000"/>
-        </a:lnSpc>
+      </a:lvl3pPr>
+      <a:lvl4pPr marL="1600200" indent="-228600" algn="l" defTabSz="457200" rtl="0" eaLnBrk="1" latinLnBrk="0" hangingPunct="1">
         <a:spcBef>
-          <a:spcPts val="500"/>
+          <a:spcPct val="20000"/>
         </a:spcBef>
-        <a:buFont typeface="Arial" panose="020B0604020202020204" pitchFamily="34" charset="0"/>
+        <a:buFont typeface="Arial"/>
+        <a:buChar char="–"/>
+        <a:defRPr sz="2000" kern="1200">
+          <a:solidFill>
+            <a:schemeClr val="tx1"/>
+          </a:solidFill>
+          <a:latin typeface="+mn-lt"/>
+          <a:ea typeface="+mn-ea"/>
+          <a:cs typeface="+mn-cs"/>
+        </a:defRPr>
+      </a:lvl4pPr>
+      <a:lvl5pPr marL="2057400" indent="-228600" algn="l" defTabSz="457200" rtl="0" eaLnBrk="1" latinLnBrk="0" hangingPunct="1">
+        <a:spcBef>
+          <a:spcPct val="20000"/>
+        </a:spcBef>
+        <a:buFont typeface="Arial"/>
+        <a:buChar char="»"/>
+        <a:defRPr sz="2000" kern="1200">
+          <a:solidFill>
+            <a:schemeClr val="tx1"/>
+          </a:solidFill>
+          <a:latin typeface="+mn-lt"/>
+          <a:ea typeface="+mn-ea"/>
+          <a:cs typeface="+mn-cs"/>
+        </a:defRPr>
+      </a:lvl5pPr>
+      <a:lvl6pPr marL="2514600" indent="-228600" algn="l" defTabSz="457200" rtl="0" eaLnBrk="1" latinLnBrk="0" hangingPunct="1">
+        <a:spcBef>
+          <a:spcPct val="20000"/>
+        </a:spcBef>
+        <a:buFont typeface="Arial"/>
         <a:buChar char="•"/>
         <a:defRPr sz="2000" kern="1200">
           <a:solidFill>
@@ -4610,71 +4456,14 @@
           <a:ea typeface="+mn-ea"/>
           <a:cs typeface="+mn-cs"/>
         </a:defRPr>
-      </a:lvl3pPr>
-      <a:lvl4pPr marL="1600200" indent="-228600" algn="l" defTabSz="914400" rtl="0" eaLnBrk="1" latinLnBrk="0" hangingPunct="1">
-        <a:lnSpc>
-          <a:spcPct val="90000"/>
-        </a:lnSpc>
+      </a:lvl6pPr>
+      <a:lvl7pPr marL="2971800" indent="-228600" algn="l" defTabSz="457200" rtl="0" eaLnBrk="1" latinLnBrk="0" hangingPunct="1">
         <a:spcBef>
-          <a:spcPts val="500"/>
+          <a:spcPct val="20000"/>
         </a:spcBef>
-        <a:buFont typeface="Arial" panose="020B0604020202020204" pitchFamily="34" charset="0"/>
+        <a:buFont typeface="Arial"/>
         <a:buChar char="•"/>
-        <a:defRPr sz="1800" kern="1200">
-          <a:solidFill>
-            <a:schemeClr val="tx1"/>
-          </a:solidFill>
-          <a:latin typeface="+mn-lt"/>
-          <a:ea typeface="+mn-ea"/>
-          <a:cs typeface="+mn-cs"/>
-        </a:defRPr>
-      </a:lvl4pPr>
-      <a:lvl5pPr marL="2057400" indent="-228600" algn="l" defTabSz="914400" rtl="0" eaLnBrk="1" latinLnBrk="0" hangingPunct="1">
-        <a:lnSpc>
-          <a:spcPct val="90000"/>
-        </a:lnSpc>
-        <a:spcBef>
-          <a:spcPts val="500"/>
-        </a:spcBef>
-        <a:buFont typeface="Arial" panose="020B0604020202020204" pitchFamily="34" charset="0"/>
-        <a:buChar char="•"/>
-        <a:defRPr sz="1800" kern="1200">
-          <a:solidFill>
-            <a:schemeClr val="tx1"/>
-          </a:solidFill>
-          <a:latin typeface="+mn-lt"/>
-          <a:ea typeface="+mn-ea"/>
-          <a:cs typeface="+mn-cs"/>
-        </a:defRPr>
-      </a:lvl5pPr>
-      <a:lvl6pPr marL="2514600" indent="-228600" algn="l" defTabSz="914400" rtl="0" eaLnBrk="1" latinLnBrk="0" hangingPunct="1">
-        <a:lnSpc>
-          <a:spcPct val="90000"/>
-        </a:lnSpc>
-        <a:spcBef>
-          <a:spcPts val="500"/>
-        </a:spcBef>
-        <a:buFont typeface="Arial" panose="020B0604020202020204" pitchFamily="34" charset="0"/>
-        <a:buChar char="•"/>
-        <a:defRPr sz="1800" kern="1200">
-          <a:solidFill>
-            <a:schemeClr val="tx1"/>
-          </a:solidFill>
-          <a:latin typeface="+mn-lt"/>
-          <a:ea typeface="+mn-ea"/>
-          <a:cs typeface="+mn-cs"/>
-        </a:defRPr>
-      </a:lvl6pPr>
-      <a:lvl7pPr marL="2971800" indent="-228600" algn="l" defTabSz="914400" rtl="0" eaLnBrk="1" latinLnBrk="0" hangingPunct="1">
-        <a:lnSpc>
-          <a:spcPct val="90000"/>
-        </a:lnSpc>
-        <a:spcBef>
-          <a:spcPts val="500"/>
-        </a:spcBef>
-        <a:buFont typeface="Arial" panose="020B0604020202020204" pitchFamily="34" charset="0"/>
-        <a:buChar char="•"/>
-        <a:defRPr sz="1800" kern="1200">
+        <a:defRPr sz="2000" kern="1200">
           <a:solidFill>
             <a:schemeClr val="tx1"/>
           </a:solidFill>
@@ -4683,16 +4472,13 @@
           <a:cs typeface="+mn-cs"/>
         </a:defRPr>
       </a:lvl7pPr>
-      <a:lvl8pPr marL="3429000" indent="-228600" algn="l" defTabSz="914400" rtl="0" eaLnBrk="1" latinLnBrk="0" hangingPunct="1">
-        <a:lnSpc>
-          <a:spcPct val="90000"/>
-        </a:lnSpc>
+      <a:lvl8pPr marL="3429000" indent="-228600" algn="l" defTabSz="457200" rtl="0" eaLnBrk="1" latinLnBrk="0" hangingPunct="1">
         <a:spcBef>
-          <a:spcPts val="500"/>
+          <a:spcPct val="20000"/>
         </a:spcBef>
-        <a:buFont typeface="Arial" panose="020B0604020202020204" pitchFamily="34" charset="0"/>
+        <a:buFont typeface="Arial"/>
         <a:buChar char="•"/>
-        <a:defRPr sz="1800" kern="1200">
+        <a:defRPr sz="2000" kern="1200">
           <a:solidFill>
             <a:schemeClr val="tx1"/>
           </a:solidFill>
@@ -4701,16 +4487,13 @@
           <a:cs typeface="+mn-cs"/>
         </a:defRPr>
       </a:lvl8pPr>
-      <a:lvl9pPr marL="3886200" indent="-228600" algn="l" defTabSz="914400" rtl="0" eaLnBrk="1" latinLnBrk="0" hangingPunct="1">
-        <a:lnSpc>
-          <a:spcPct val="90000"/>
-        </a:lnSpc>
+      <a:lvl9pPr marL="3886200" indent="-228600" algn="l" defTabSz="457200" rtl="0" eaLnBrk="1" latinLnBrk="0" hangingPunct="1">
         <a:spcBef>
-          <a:spcPts val="500"/>
+          <a:spcPct val="20000"/>
         </a:spcBef>
-        <a:buFont typeface="Arial" panose="020B0604020202020204" pitchFamily="34" charset="0"/>
+        <a:buFont typeface="Arial"/>
         <a:buChar char="•"/>
-        <a:defRPr sz="1800" kern="1200">
+        <a:defRPr sz="2000" kern="1200">
           <a:solidFill>
             <a:schemeClr val="tx1"/>
           </a:solidFill>
@@ -4724,7 +4507,7 @@
       <a:defPPr>
         <a:defRPr lang="en-US"/>
       </a:defPPr>
-      <a:lvl1pPr marL="0" algn="l" defTabSz="914400" rtl="0" eaLnBrk="1" latinLnBrk="0" hangingPunct="1">
+      <a:lvl1pPr marL="0" algn="l" defTabSz="457200" rtl="0" eaLnBrk="1" latinLnBrk="0" hangingPunct="1">
         <a:defRPr sz="1800" kern="1200">
           <a:solidFill>
             <a:schemeClr val="tx1"/>
@@ -4734,7 +4517,7 @@
           <a:cs typeface="+mn-cs"/>
         </a:defRPr>
       </a:lvl1pPr>
-      <a:lvl2pPr marL="457200" algn="l" defTabSz="914400" rtl="0" eaLnBrk="1" latinLnBrk="0" hangingPunct="1">
+      <a:lvl2pPr marL="457200" algn="l" defTabSz="457200" rtl="0" eaLnBrk="1" latinLnBrk="0" hangingPunct="1">
         <a:defRPr sz="1800" kern="1200">
           <a:solidFill>
             <a:schemeClr val="tx1"/>
@@ -4744,7 +4527,7 @@
           <a:cs typeface="+mn-cs"/>
         </a:defRPr>
       </a:lvl2pPr>
-      <a:lvl3pPr marL="914400" algn="l" defTabSz="914400" rtl="0" eaLnBrk="1" latinLnBrk="0" hangingPunct="1">
+      <a:lvl3pPr marL="914400" algn="l" defTabSz="457200" rtl="0" eaLnBrk="1" latinLnBrk="0" hangingPunct="1">
         <a:defRPr sz="1800" kern="1200">
           <a:solidFill>
             <a:schemeClr val="tx1"/>
@@ -4754,7 +4537,7 @@
           <a:cs typeface="+mn-cs"/>
         </a:defRPr>
       </a:lvl3pPr>
-      <a:lvl4pPr marL="1371600" algn="l" defTabSz="914400" rtl="0" eaLnBrk="1" latinLnBrk="0" hangingPunct="1">
+      <a:lvl4pPr marL="1371600" algn="l" defTabSz="457200" rtl="0" eaLnBrk="1" latinLnBrk="0" hangingPunct="1">
         <a:defRPr sz="1800" kern="1200">
           <a:solidFill>
             <a:schemeClr val="tx1"/>
@@ -4764,7 +4547,7 @@
           <a:cs typeface="+mn-cs"/>
         </a:defRPr>
       </a:lvl4pPr>
-      <a:lvl5pPr marL="1828800" algn="l" defTabSz="914400" rtl="0" eaLnBrk="1" latinLnBrk="0" hangingPunct="1">
+      <a:lvl5pPr marL="1828800" algn="l" defTabSz="457200" rtl="0" eaLnBrk="1" latinLnBrk="0" hangingPunct="1">
         <a:defRPr sz="1800" kern="1200">
           <a:solidFill>
             <a:schemeClr val="tx1"/>
@@ -4774,7 +4557,7 @@
           <a:cs typeface="+mn-cs"/>
         </a:defRPr>
       </a:lvl5pPr>
-      <a:lvl6pPr marL="2286000" algn="l" defTabSz="914400" rtl="0" eaLnBrk="1" latinLnBrk="0" hangingPunct="1">
+      <a:lvl6pPr marL="2286000" algn="l" defTabSz="457200" rtl="0" eaLnBrk="1" latinLnBrk="0" hangingPunct="1">
         <a:defRPr sz="1800" kern="1200">
           <a:solidFill>
             <a:schemeClr val="tx1"/>
@@ -4784,7 +4567,7 @@
           <a:cs typeface="+mn-cs"/>
         </a:defRPr>
       </a:lvl6pPr>
-      <a:lvl7pPr marL="2743200" algn="l" defTabSz="914400" rtl="0" eaLnBrk="1" latinLnBrk="0" hangingPunct="1">
+      <a:lvl7pPr marL="2743200" algn="l" defTabSz="457200" rtl="0" eaLnBrk="1" latinLnBrk="0" hangingPunct="1">
         <a:defRPr sz="1800" kern="1200">
           <a:solidFill>
             <a:schemeClr val="tx1"/>
@@ -4794,7 +4577,7 @@
           <a:cs typeface="+mn-cs"/>
         </a:defRPr>
       </a:lvl7pPr>
-      <a:lvl8pPr marL="3200400" algn="l" defTabSz="914400" rtl="0" eaLnBrk="1" latinLnBrk="0" hangingPunct="1">
+      <a:lvl8pPr marL="3200400" algn="l" defTabSz="457200" rtl="0" eaLnBrk="1" latinLnBrk="0" hangingPunct="1">
         <a:defRPr sz="1800" kern="1200">
           <a:solidFill>
             <a:schemeClr val="tx1"/>
@@ -4804,7 +4587,7 @@
           <a:cs typeface="+mn-cs"/>
         </a:defRPr>
       </a:lvl8pPr>
-      <a:lvl9pPr marL="3657600" algn="l" defTabSz="914400" rtl="0" eaLnBrk="1" latinLnBrk="0" hangingPunct="1">
+      <a:lvl9pPr marL="3657600" algn="l" defTabSz="457200" rtl="0" eaLnBrk="1" latinLnBrk="0" hangingPunct="1">
         <a:defRPr sz="1800" kern="1200">
           <a:solidFill>
             <a:schemeClr val="tx1"/>
@@ -4849,10 +4632,10 @@
           <p:cNvPr id="8" name="Rectangle 7">
             <a:extLst>
               <a:ext uri="{FF2B5EF4-FFF2-40B4-BE49-F238E27FC236}">
-                <a16:creationId xmlns:a16="http://schemas.microsoft.com/office/drawing/2014/main" id="{57845966-6EFC-468A-9CC7-BAB4B95854E7}"/>
+                <a16:creationId xmlns:a16="http://schemas.microsoft.com/office/drawing/2014/main" xmlns="" id="{57845966-6EFC-468A-9CC7-BAB4B95854E7}"/>
               </a:ext>
               <a:ext uri="{C183D7F6-B498-43B3-948B-1728B52AA6E4}">
-                <adec:decorative xmlns:adec="http://schemas.microsoft.com/office/drawing/2017/decorative" val="1"/>
+                <adec:decorative xmlns:adec="http://schemas.microsoft.com/office/drawing/2017/decorative" xmlns="" val="1"/>
               </a:ext>
             </a:extLst>
           </p:cNvPr>
@@ -4862,7 +4645,7 @@
           <p:nvPr>
             <p:extLst>
               <p:ext uri="{386F3935-93C4-4BCD-93E2-E3B085C9AB24}">
-                <p16:designElem xmlns:p16="http://schemas.microsoft.com/office/powerpoint/2015/main" val="1"/>
+                <p16:designElem xmlns:p16="http://schemas.microsoft.com/office/powerpoint/2015/main" xmlns="" val="1"/>
               </p:ext>
             </p:extLst>
           </p:nvPr>
@@ -4912,10 +4695,10 @@
           <p:cNvPr id="10" name="Picture 9">
             <a:extLst>
               <a:ext uri="{FF2B5EF4-FFF2-40B4-BE49-F238E27FC236}">
-                <a16:creationId xmlns:a16="http://schemas.microsoft.com/office/drawing/2014/main" id="{75554383-98AF-4A47-BB65-705FAAA4BE6A}"/>
+                <a16:creationId xmlns:a16="http://schemas.microsoft.com/office/drawing/2014/main" xmlns="" id="{75554383-98AF-4A47-BB65-705FAAA4BE6A}"/>
               </a:ext>
               <a:ext uri="{C183D7F6-B498-43B3-948B-1728B52AA6E4}">
-                <adec:decorative xmlns:adec="http://schemas.microsoft.com/office/drawing/2017/decorative" val="1"/>
+                <adec:decorative xmlns:adec="http://schemas.microsoft.com/office/drawing/2017/decorative" xmlns="" val="1"/>
               </a:ext>
             </a:extLst>
           </p:cNvPr>
@@ -4925,7 +4708,7 @@
           <p:nvPr>
             <p:extLst>
               <p:ext uri="{386F3935-93C4-4BCD-93E2-E3B085C9AB24}">
-                <p16:designElem xmlns:p16="http://schemas.microsoft.com/office/powerpoint/2015/main" val="1"/>
+                <p16:designElem xmlns:p16="http://schemas.microsoft.com/office/powerpoint/2015/main" xmlns="" val="1"/>
               </p:ext>
             </p:extLst>
           </p:nvPr>
@@ -4957,10 +4740,10 @@
           <p:cNvPr id="12" name="Freeform: Shape 11">
             <a:extLst>
               <a:ext uri="{FF2B5EF4-FFF2-40B4-BE49-F238E27FC236}">
-                <a16:creationId xmlns:a16="http://schemas.microsoft.com/office/drawing/2014/main" id="{ADAD1991-FFD1-4E94-ABAB-7560D33008E4}"/>
+                <a16:creationId xmlns:a16="http://schemas.microsoft.com/office/drawing/2014/main" xmlns="" id="{ADAD1991-FFD1-4E94-ABAB-7560D33008E4}"/>
               </a:ext>
               <a:ext uri="{C183D7F6-B498-43B3-948B-1728B52AA6E4}">
-                <adec:decorative xmlns:adec="http://schemas.microsoft.com/office/drawing/2017/decorative" val="1"/>
+                <adec:decorative xmlns:adec="http://schemas.microsoft.com/office/drawing/2017/decorative" xmlns="" val="1"/>
               </a:ext>
             </a:extLst>
           </p:cNvPr>
@@ -4970,14 +4753,14 @@
           <p:nvPr>
             <p:extLst>
               <p:ext uri="{386F3935-93C4-4BCD-93E2-E3B085C9AB24}">
-                <p16:designElem xmlns:p16="http://schemas.microsoft.com/office/powerpoint/2015/main" val="1"/>
+                <p16:designElem xmlns:p16="http://schemas.microsoft.com/office/powerpoint/2015/main" xmlns="" val="1"/>
               </p:ext>
             </p:extLst>
           </p:nvPr>
         </p:nvSpPr>
         <p:spPr>
           <a:xfrm>
-            <a:off x="2144484" y="0"/>
+            <a:off x="2144485" y="0"/>
             <a:ext cx="7837716" cy="6858000"/>
           </a:xfrm>
           <a:custGeom>
@@ -5147,7 +4930,7 @@
           <p:cNvPr id="3" name="Picture 8">
             <a:extLst>
               <a:ext uri="{FF2B5EF4-FFF2-40B4-BE49-F238E27FC236}">
-                <a16:creationId xmlns:a16="http://schemas.microsoft.com/office/drawing/2014/main" id="{30FA4F96-748F-4BB2-8916-5BBB6DF74843}"/>
+                <a16:creationId xmlns:a16="http://schemas.microsoft.com/office/drawing/2014/main" xmlns="" id="{30FA4F96-748F-4BB2-8916-5BBB6DF74843}"/>
               </a:ext>
             </a:extLst>
           </p:cNvPr>
@@ -5164,7 +4947,7 @@
         </p:blipFill>
         <p:spPr>
           <a:xfrm>
-            <a:off x="3886677" y="1176793"/>
+            <a:off x="3886678" y="1176793"/>
             <a:ext cx="4161553" cy="4548146"/>
           </a:xfrm>
           <a:prstGeom prst="rect">
@@ -5215,10 +4998,10 @@
           <p:cNvPr id="9" name="Rectangle 8">
             <a:extLst>
               <a:ext uri="{FF2B5EF4-FFF2-40B4-BE49-F238E27FC236}">
-                <a16:creationId xmlns:a16="http://schemas.microsoft.com/office/drawing/2014/main" id="{AB45A142-4255-493C-8284-5D566C121B10}"/>
+                <a16:creationId xmlns:a16="http://schemas.microsoft.com/office/drawing/2014/main" xmlns="" id="{AB45A142-4255-493C-8284-5D566C121B10}"/>
               </a:ext>
               <a:ext uri="{C183D7F6-B498-43B3-948B-1728B52AA6E4}">
-                <adec:decorative xmlns:adec="http://schemas.microsoft.com/office/drawing/2017/decorative" val="1"/>
+                <adec:decorative xmlns:adec="http://schemas.microsoft.com/office/drawing/2017/decorative" xmlns="" val="1"/>
               </a:ext>
             </a:extLst>
           </p:cNvPr>
@@ -5228,7 +5011,7 @@
           <p:nvPr>
             <p:extLst>
               <p:ext uri="{386F3935-93C4-4BCD-93E2-E3B085C9AB24}">
-                <p16:designElem xmlns:p16="http://schemas.microsoft.com/office/powerpoint/2015/main" val="1"/>
+                <p16:designElem xmlns:p16="http://schemas.microsoft.com/office/powerpoint/2015/main" xmlns="" val="1"/>
               </p:ext>
             </p:extLst>
           </p:nvPr>
@@ -5284,7 +5067,7 @@
           <p:cNvPr id="4" name="TextBox 3">
             <a:extLst>
               <a:ext uri="{FF2B5EF4-FFF2-40B4-BE49-F238E27FC236}">
-                <a16:creationId xmlns:a16="http://schemas.microsoft.com/office/drawing/2014/main" id="{5F2D9490-D24F-4E34-9310-4A8B56C9649D}"/>
+                <a16:creationId xmlns:a16="http://schemas.microsoft.com/office/drawing/2014/main" xmlns="" id="{5F2D9490-D24F-4E34-9310-4A8B56C9649D}"/>
               </a:ext>
             </a:extLst>
           </p:cNvPr>
@@ -5293,7 +5076,7 @@
         </p:nvSpPr>
         <p:spPr>
           <a:xfrm>
-            <a:off x="674237" y="914400"/>
+            <a:off x="674237" y="914402"/>
             <a:ext cx="3657600" cy="2887579"/>
           </a:xfrm>
           <a:prstGeom prst="rect">
@@ -5336,10 +5119,10 @@
           <p:cNvPr id="11" name="Straight Connector 10">
             <a:extLst>
               <a:ext uri="{FF2B5EF4-FFF2-40B4-BE49-F238E27FC236}">
-                <a16:creationId xmlns:a16="http://schemas.microsoft.com/office/drawing/2014/main" id="{38FB9660-F42F-4313-BBC4-47C007FE484C}"/>
+                <a16:creationId xmlns:a16="http://schemas.microsoft.com/office/drawing/2014/main" xmlns="" id="{38FB9660-F42F-4313-BBC4-47C007FE484C}"/>
               </a:ext>
               <a:ext uri="{C183D7F6-B498-43B3-948B-1728B52AA6E4}">
-                <adec:decorative xmlns:adec="http://schemas.microsoft.com/office/drawing/2017/decorative" val="1"/>
+                <adec:decorative xmlns:adec="http://schemas.microsoft.com/office/drawing/2017/decorative" xmlns="" val="1"/>
               </a:ext>
             </a:extLst>
           </p:cNvPr>
@@ -5349,7 +5132,7 @@
           <p:nvPr>
             <p:extLst>
               <p:ext uri="{386F3935-93C4-4BCD-93E2-E3B085C9AB24}">
-                <p16:designElem xmlns:p16="http://schemas.microsoft.com/office/powerpoint/2015/main" val="1"/>
+                <p16:designElem xmlns:p16="http://schemas.microsoft.com/office/powerpoint/2015/main" xmlns="" val="1"/>
               </p:ext>
             </p:extLst>
           </p:nvPr>
@@ -5357,7 +5140,7 @@
         <p:spPr>
           <a:xfrm>
             <a:off x="1191126" y="3910267"/>
-            <a:ext cx="2586790" cy="0"/>
+            <a:ext cx="2586791" cy="0"/>
           </a:xfrm>
           <a:prstGeom prst="line">
             <a:avLst/>
@@ -5388,7 +5171,7 @@
           <p:cNvPr id="3" name="Picture 2" descr="A screenshot of a cell phone&#10;&#10;Description automatically generated">
             <a:extLst>
               <a:ext uri="{FF2B5EF4-FFF2-40B4-BE49-F238E27FC236}">
-                <a16:creationId xmlns:a16="http://schemas.microsoft.com/office/drawing/2014/main" id="{C73D6AA5-516F-455B-A042-18D926816858}"/>
+                <a16:creationId xmlns:a16="http://schemas.microsoft.com/office/drawing/2014/main" xmlns="" id="{C73D6AA5-516F-455B-A042-18D926816858}"/>
               </a:ext>
             </a:extLst>
           </p:cNvPr>
@@ -5452,7 +5235,7 @@
           <p:cNvPr id="2" name="Chart 1">
             <a:extLst>
               <a:ext uri="{FF2B5EF4-FFF2-40B4-BE49-F238E27FC236}">
-                <a16:creationId xmlns:a16="http://schemas.microsoft.com/office/drawing/2014/main" id="{31B5AA20-7399-4375-A854-767A5B9BA0F6}"/>
+                <a16:creationId xmlns:a16="http://schemas.microsoft.com/office/drawing/2014/main" xmlns="" id="{31B5AA20-7399-4375-A854-767A5B9BA0F6}"/>
               </a:ext>
             </a:extLst>
           </p:cNvPr>
@@ -5482,7 +5265,7 @@
           <p:cNvPr id="3" name="Table 2">
             <a:extLst>
               <a:ext uri="{FF2B5EF4-FFF2-40B4-BE49-F238E27FC236}">
-                <a16:creationId xmlns:a16="http://schemas.microsoft.com/office/drawing/2014/main" id="{30B99BC1-B784-46F0-97C1-694CF5B5BAB7}"/>
+                <a16:creationId xmlns:a16="http://schemas.microsoft.com/office/drawing/2014/main" xmlns="" id="{30B99BC1-B784-46F0-97C1-694CF5B5BAB7}"/>
               </a:ext>
             </a:extLst>
           </p:cNvPr>
@@ -5498,7 +5281,7 @@
           </p:nvPr>
         </p:nvGraphicFramePr>
         <p:xfrm>
-          <a:off x="2173424" y="86166"/>
+          <a:off x="2173425" y="86168"/>
           <a:ext cx="8808564" cy="4346535"/>
         </p:xfrm>
         <a:graphic>
@@ -5511,84 +5294,84 @@
                 <a:gridCol w="1174857">
                   <a:extLst>
                     <a:ext uri="{9D8B030D-6E8A-4147-A177-3AD203B41FA5}">
-                      <a16:colId xmlns:a16="http://schemas.microsoft.com/office/drawing/2014/main" val="894128947"/>
+                      <a16:colId xmlns:a16="http://schemas.microsoft.com/office/drawing/2014/main" xmlns="" val="894128947"/>
                     </a:ext>
                   </a:extLst>
                 </a:gridCol>
                 <a:gridCol w="368917">
                   <a:extLst>
                     <a:ext uri="{9D8B030D-6E8A-4147-A177-3AD203B41FA5}">
-                      <a16:colId xmlns:a16="http://schemas.microsoft.com/office/drawing/2014/main" val="754201221"/>
+                      <a16:colId xmlns:a16="http://schemas.microsoft.com/office/drawing/2014/main" xmlns="" val="754201221"/>
                     </a:ext>
                   </a:extLst>
                 </a:gridCol>
                 <a:gridCol w="726479">
                   <a:extLst>
                     <a:ext uri="{9D8B030D-6E8A-4147-A177-3AD203B41FA5}">
-                      <a16:colId xmlns:a16="http://schemas.microsoft.com/office/drawing/2014/main" val="542671540"/>
+                      <a16:colId xmlns:a16="http://schemas.microsoft.com/office/drawing/2014/main" xmlns="" val="542671540"/>
                     </a:ext>
                   </a:extLst>
                 </a:gridCol>
                 <a:gridCol w="726479">
                   <a:extLst>
                     <a:ext uri="{9D8B030D-6E8A-4147-A177-3AD203B41FA5}">
-                      <a16:colId xmlns:a16="http://schemas.microsoft.com/office/drawing/2014/main" val="1444721433"/>
+                      <a16:colId xmlns:a16="http://schemas.microsoft.com/office/drawing/2014/main" xmlns="" val="1444721433"/>
                     </a:ext>
                   </a:extLst>
                 </a:gridCol>
                 <a:gridCol w="726479">
                   <a:extLst>
                     <a:ext uri="{9D8B030D-6E8A-4147-A177-3AD203B41FA5}">
-                      <a16:colId xmlns:a16="http://schemas.microsoft.com/office/drawing/2014/main" val="1696182725"/>
+                      <a16:colId xmlns:a16="http://schemas.microsoft.com/office/drawing/2014/main" xmlns="" val="1696182725"/>
                     </a:ext>
                   </a:extLst>
                 </a:gridCol>
                 <a:gridCol w="726479">
                   <a:extLst>
                     <a:ext uri="{9D8B030D-6E8A-4147-A177-3AD203B41FA5}">
-                      <a16:colId xmlns:a16="http://schemas.microsoft.com/office/drawing/2014/main" val="1117812420"/>
+                      <a16:colId xmlns:a16="http://schemas.microsoft.com/office/drawing/2014/main" xmlns="" val="1117812420"/>
                     </a:ext>
                   </a:extLst>
                 </a:gridCol>
                 <a:gridCol w="726479">
                   <a:extLst>
                     <a:ext uri="{9D8B030D-6E8A-4147-A177-3AD203B41FA5}">
-                      <a16:colId xmlns:a16="http://schemas.microsoft.com/office/drawing/2014/main" val="185618737"/>
+                      <a16:colId xmlns:a16="http://schemas.microsoft.com/office/drawing/2014/main" xmlns="" val="185618737"/>
                     </a:ext>
                   </a:extLst>
                 </a:gridCol>
                 <a:gridCol w="726479">
                   <a:extLst>
                     <a:ext uri="{9D8B030D-6E8A-4147-A177-3AD203B41FA5}">
-                      <a16:colId xmlns:a16="http://schemas.microsoft.com/office/drawing/2014/main" val="3276779110"/>
+                      <a16:colId xmlns:a16="http://schemas.microsoft.com/office/drawing/2014/main" xmlns="" val="3276779110"/>
                     </a:ext>
                   </a:extLst>
                 </a:gridCol>
                 <a:gridCol w="726479">
                   <a:extLst>
                     <a:ext uri="{9D8B030D-6E8A-4147-A177-3AD203B41FA5}">
-                      <a16:colId xmlns:a16="http://schemas.microsoft.com/office/drawing/2014/main" val="3187696281"/>
+                      <a16:colId xmlns:a16="http://schemas.microsoft.com/office/drawing/2014/main" xmlns="" val="3187696281"/>
                     </a:ext>
                   </a:extLst>
                 </a:gridCol>
                 <a:gridCol w="726479">
                   <a:extLst>
                     <a:ext uri="{9D8B030D-6E8A-4147-A177-3AD203B41FA5}">
-                      <a16:colId xmlns:a16="http://schemas.microsoft.com/office/drawing/2014/main" val="2044495897"/>
+                      <a16:colId xmlns:a16="http://schemas.microsoft.com/office/drawing/2014/main" xmlns="" val="2044495897"/>
                     </a:ext>
                   </a:extLst>
                 </a:gridCol>
                 <a:gridCol w="726479">
                   <a:extLst>
                     <a:ext uri="{9D8B030D-6E8A-4147-A177-3AD203B41FA5}">
-                      <a16:colId xmlns:a16="http://schemas.microsoft.com/office/drawing/2014/main" val="3842204769"/>
+                      <a16:colId xmlns:a16="http://schemas.microsoft.com/office/drawing/2014/main" xmlns="" val="3842204769"/>
                     </a:ext>
                   </a:extLst>
                 </a:gridCol>
                 <a:gridCol w="726479">
                   <a:extLst>
                     <a:ext uri="{9D8B030D-6E8A-4147-A177-3AD203B41FA5}">
-                      <a16:colId xmlns:a16="http://schemas.microsoft.com/office/drawing/2014/main" val="2403843349"/>
+                      <a16:colId xmlns:a16="http://schemas.microsoft.com/office/drawing/2014/main" xmlns="" val="2403843349"/>
                     </a:ext>
                   </a:extLst>
                 </a:gridCol>
@@ -5799,7 +5582,7 @@
                 </a:tc>
                 <a:extLst>
                   <a:ext uri="{0D108BD9-81ED-4DB2-BD59-A6C34878D82A}">
-                    <a16:rowId xmlns:a16="http://schemas.microsoft.com/office/drawing/2014/main" val="123446809"/>
+                    <a16:rowId xmlns:a16="http://schemas.microsoft.com/office/drawing/2014/main" xmlns="" val="123446809"/>
                   </a:ext>
                 </a:extLst>
               </a:tr>
@@ -6010,7 +5793,7 @@
                 </a:tc>
                 <a:extLst>
                   <a:ext uri="{0D108BD9-81ED-4DB2-BD59-A6C34878D82A}">
-                    <a16:rowId xmlns:a16="http://schemas.microsoft.com/office/drawing/2014/main" val="2275274055"/>
+                    <a16:rowId xmlns:a16="http://schemas.microsoft.com/office/drawing/2014/main" xmlns="" val="2275274055"/>
                   </a:ext>
                 </a:extLst>
               </a:tr>
@@ -6227,7 +6010,7 @@
                 </a:tc>
                 <a:extLst>
                   <a:ext uri="{0D108BD9-81ED-4DB2-BD59-A6C34878D82A}">
-                    <a16:rowId xmlns:a16="http://schemas.microsoft.com/office/drawing/2014/main" val="205509233"/>
+                    <a16:rowId xmlns:a16="http://schemas.microsoft.com/office/drawing/2014/main" xmlns="" val="205509233"/>
                   </a:ext>
                 </a:extLst>
               </a:tr>
@@ -6510,7 +6293,7 @@
                 </a:tc>
                 <a:extLst>
                   <a:ext uri="{0D108BD9-81ED-4DB2-BD59-A6C34878D82A}">
-                    <a16:rowId xmlns:a16="http://schemas.microsoft.com/office/drawing/2014/main" val="2892989603"/>
+                    <a16:rowId xmlns:a16="http://schemas.microsoft.com/office/drawing/2014/main" xmlns="" val="2892989603"/>
                   </a:ext>
                 </a:extLst>
               </a:tr>
@@ -6793,7 +6576,7 @@
                 </a:tc>
                 <a:extLst>
                   <a:ext uri="{0D108BD9-81ED-4DB2-BD59-A6C34878D82A}">
-                    <a16:rowId xmlns:a16="http://schemas.microsoft.com/office/drawing/2014/main" val="2511579210"/>
+                    <a16:rowId xmlns:a16="http://schemas.microsoft.com/office/drawing/2014/main" xmlns="" val="2511579210"/>
                   </a:ext>
                 </a:extLst>
               </a:tr>
@@ -7076,7 +6859,7 @@
                 </a:tc>
                 <a:extLst>
                   <a:ext uri="{0D108BD9-81ED-4DB2-BD59-A6C34878D82A}">
-                    <a16:rowId xmlns:a16="http://schemas.microsoft.com/office/drawing/2014/main" val="63662275"/>
+                    <a16:rowId xmlns:a16="http://schemas.microsoft.com/office/drawing/2014/main" xmlns="" val="63662275"/>
                   </a:ext>
                 </a:extLst>
               </a:tr>
@@ -7359,7 +7142,7 @@
                 </a:tc>
                 <a:extLst>
                   <a:ext uri="{0D108BD9-81ED-4DB2-BD59-A6C34878D82A}">
-                    <a16:rowId xmlns:a16="http://schemas.microsoft.com/office/drawing/2014/main" val="4177996587"/>
+                    <a16:rowId xmlns:a16="http://schemas.microsoft.com/office/drawing/2014/main" xmlns="" val="4177996587"/>
                   </a:ext>
                 </a:extLst>
               </a:tr>
@@ -7642,7 +7425,7 @@
                 </a:tc>
                 <a:extLst>
                   <a:ext uri="{0D108BD9-81ED-4DB2-BD59-A6C34878D82A}">
-                    <a16:rowId xmlns:a16="http://schemas.microsoft.com/office/drawing/2014/main" val="2961202026"/>
+                    <a16:rowId xmlns:a16="http://schemas.microsoft.com/office/drawing/2014/main" xmlns="" val="2961202026"/>
                   </a:ext>
                 </a:extLst>
               </a:tr>
@@ -7925,7 +7708,7 @@
                 </a:tc>
                 <a:extLst>
                   <a:ext uri="{0D108BD9-81ED-4DB2-BD59-A6C34878D82A}">
-                    <a16:rowId xmlns:a16="http://schemas.microsoft.com/office/drawing/2014/main" val="349992958"/>
+                    <a16:rowId xmlns:a16="http://schemas.microsoft.com/office/drawing/2014/main" xmlns="" val="349992958"/>
                   </a:ext>
                 </a:extLst>
               </a:tr>
@@ -8208,7 +7991,7 @@
                 </a:tc>
                 <a:extLst>
                   <a:ext uri="{0D108BD9-81ED-4DB2-BD59-A6C34878D82A}">
-                    <a16:rowId xmlns:a16="http://schemas.microsoft.com/office/drawing/2014/main" val="3800019505"/>
+                    <a16:rowId xmlns:a16="http://schemas.microsoft.com/office/drawing/2014/main" xmlns="" val="3800019505"/>
                   </a:ext>
                 </a:extLst>
               </a:tr>
@@ -8491,7 +8274,7 @@
                 </a:tc>
                 <a:extLst>
                   <a:ext uri="{0D108BD9-81ED-4DB2-BD59-A6C34878D82A}">
-                    <a16:rowId xmlns:a16="http://schemas.microsoft.com/office/drawing/2014/main" val="1657238343"/>
+                    <a16:rowId xmlns:a16="http://schemas.microsoft.com/office/drawing/2014/main" xmlns="" val="1657238343"/>
                   </a:ext>
                 </a:extLst>
               </a:tr>
@@ -8774,7 +8557,7 @@
                 </a:tc>
                 <a:extLst>
                   <a:ext uri="{0D108BD9-81ED-4DB2-BD59-A6C34878D82A}">
-                    <a16:rowId xmlns:a16="http://schemas.microsoft.com/office/drawing/2014/main" val="3502461203"/>
+                    <a16:rowId xmlns:a16="http://schemas.microsoft.com/office/drawing/2014/main" xmlns="" val="3502461203"/>
                   </a:ext>
                 </a:extLst>
               </a:tr>
@@ -9057,7 +8840,7 @@
                 </a:tc>
                 <a:extLst>
                   <a:ext uri="{0D108BD9-81ED-4DB2-BD59-A6C34878D82A}">
-                    <a16:rowId xmlns:a16="http://schemas.microsoft.com/office/drawing/2014/main" val="1453995938"/>
+                    <a16:rowId xmlns:a16="http://schemas.microsoft.com/office/drawing/2014/main" xmlns="" val="1453995938"/>
                   </a:ext>
                 </a:extLst>
               </a:tr>
@@ -9268,7 +9051,7 @@
                 </a:tc>
                 <a:extLst>
                   <a:ext uri="{0D108BD9-81ED-4DB2-BD59-A6C34878D82A}">
-                    <a16:rowId xmlns:a16="http://schemas.microsoft.com/office/drawing/2014/main" val="2279048184"/>
+                    <a16:rowId xmlns:a16="http://schemas.microsoft.com/office/drawing/2014/main" xmlns="" val="2279048184"/>
                   </a:ext>
                 </a:extLst>
               </a:tr>
@@ -9485,7 +9268,7 @@
                 </a:tc>
                 <a:extLst>
                   <a:ext uri="{0D108BD9-81ED-4DB2-BD59-A6C34878D82A}">
-                    <a16:rowId xmlns:a16="http://schemas.microsoft.com/office/drawing/2014/main" val="3295354639"/>
+                    <a16:rowId xmlns:a16="http://schemas.microsoft.com/office/drawing/2014/main" xmlns="" val="3295354639"/>
                   </a:ext>
                 </a:extLst>
               </a:tr>
@@ -9768,7 +9551,7 @@
                 </a:tc>
                 <a:extLst>
                   <a:ext uri="{0D108BD9-81ED-4DB2-BD59-A6C34878D82A}">
-                    <a16:rowId xmlns:a16="http://schemas.microsoft.com/office/drawing/2014/main" val="3040608379"/>
+                    <a16:rowId xmlns:a16="http://schemas.microsoft.com/office/drawing/2014/main" xmlns="" val="3040608379"/>
                   </a:ext>
                 </a:extLst>
               </a:tr>
@@ -10051,7 +9834,7 @@
                 </a:tc>
                 <a:extLst>
                   <a:ext uri="{0D108BD9-81ED-4DB2-BD59-A6C34878D82A}">
-                    <a16:rowId xmlns:a16="http://schemas.microsoft.com/office/drawing/2014/main" val="3588386594"/>
+                    <a16:rowId xmlns:a16="http://schemas.microsoft.com/office/drawing/2014/main" xmlns="" val="3588386594"/>
                   </a:ext>
                 </a:extLst>
               </a:tr>
@@ -10334,7 +10117,7 @@
                 </a:tc>
                 <a:extLst>
                   <a:ext uri="{0D108BD9-81ED-4DB2-BD59-A6C34878D82A}">
-                    <a16:rowId xmlns:a16="http://schemas.microsoft.com/office/drawing/2014/main" val="2724199371"/>
+                    <a16:rowId xmlns:a16="http://schemas.microsoft.com/office/drawing/2014/main" xmlns="" val="2724199371"/>
                   </a:ext>
                 </a:extLst>
               </a:tr>
@@ -10617,7 +10400,7 @@
                 </a:tc>
                 <a:extLst>
                   <a:ext uri="{0D108BD9-81ED-4DB2-BD59-A6C34878D82A}">
-                    <a16:rowId xmlns:a16="http://schemas.microsoft.com/office/drawing/2014/main" val="2698717126"/>
+                    <a16:rowId xmlns:a16="http://schemas.microsoft.com/office/drawing/2014/main" xmlns="" val="2698717126"/>
                   </a:ext>
                 </a:extLst>
               </a:tr>
@@ -10900,7 +10683,7 @@
                 </a:tc>
                 <a:extLst>
                   <a:ext uri="{0D108BD9-81ED-4DB2-BD59-A6C34878D82A}">
-                    <a16:rowId xmlns:a16="http://schemas.microsoft.com/office/drawing/2014/main" val="3371778438"/>
+                    <a16:rowId xmlns:a16="http://schemas.microsoft.com/office/drawing/2014/main" xmlns="" val="3371778438"/>
                   </a:ext>
                 </a:extLst>
               </a:tr>
@@ -11183,7 +10966,7 @@
                 </a:tc>
                 <a:extLst>
                   <a:ext uri="{0D108BD9-81ED-4DB2-BD59-A6C34878D82A}">
-                    <a16:rowId xmlns:a16="http://schemas.microsoft.com/office/drawing/2014/main" val="939219500"/>
+                    <a16:rowId xmlns:a16="http://schemas.microsoft.com/office/drawing/2014/main" xmlns="" val="939219500"/>
                   </a:ext>
                 </a:extLst>
               </a:tr>
@@ -11466,7 +11249,7 @@
                 </a:tc>
                 <a:extLst>
                   <a:ext uri="{0D108BD9-81ED-4DB2-BD59-A6C34878D82A}">
-                    <a16:rowId xmlns:a16="http://schemas.microsoft.com/office/drawing/2014/main" val="428937221"/>
+                    <a16:rowId xmlns:a16="http://schemas.microsoft.com/office/drawing/2014/main" xmlns="" val="428937221"/>
                   </a:ext>
                 </a:extLst>
               </a:tr>
@@ -11749,7 +11532,7 @@
                 </a:tc>
                 <a:extLst>
                   <a:ext uri="{0D108BD9-81ED-4DB2-BD59-A6C34878D82A}">
-                    <a16:rowId xmlns:a16="http://schemas.microsoft.com/office/drawing/2014/main" val="1560929622"/>
+                    <a16:rowId xmlns:a16="http://schemas.microsoft.com/office/drawing/2014/main" xmlns="" val="1560929622"/>
                   </a:ext>
                 </a:extLst>
               </a:tr>
@@ -12032,7 +11815,7 @@
                 </a:tc>
                 <a:extLst>
                   <a:ext uri="{0D108BD9-81ED-4DB2-BD59-A6C34878D82A}">
-                    <a16:rowId xmlns:a16="http://schemas.microsoft.com/office/drawing/2014/main" val="4193334555"/>
+                    <a16:rowId xmlns:a16="http://schemas.microsoft.com/office/drawing/2014/main" xmlns="" val="4193334555"/>
                   </a:ext>
                 </a:extLst>
               </a:tr>
@@ -12315,7 +12098,7 @@
                 </a:tc>
                 <a:extLst>
                   <a:ext uri="{0D108BD9-81ED-4DB2-BD59-A6C34878D82A}">
-                    <a16:rowId xmlns:a16="http://schemas.microsoft.com/office/drawing/2014/main" val="2866964380"/>
+                    <a16:rowId xmlns:a16="http://schemas.microsoft.com/office/drawing/2014/main" xmlns="" val="2866964380"/>
                   </a:ext>
                 </a:extLst>
               </a:tr>
@@ -12366,10 +12149,10 @@
           <p:cNvPr id="9" name="Rectangle 8">
             <a:extLst>
               <a:ext uri="{FF2B5EF4-FFF2-40B4-BE49-F238E27FC236}">
-                <a16:creationId xmlns:a16="http://schemas.microsoft.com/office/drawing/2014/main" id="{AB45A142-4255-493C-8284-5D566C121B10}"/>
+                <a16:creationId xmlns:a16="http://schemas.microsoft.com/office/drawing/2014/main" xmlns="" id="{AB45A142-4255-493C-8284-5D566C121B10}"/>
               </a:ext>
               <a:ext uri="{C183D7F6-B498-43B3-948B-1728B52AA6E4}">
-                <adec:decorative xmlns:adec="http://schemas.microsoft.com/office/drawing/2017/decorative" val="1"/>
+                <adec:decorative xmlns:adec="http://schemas.microsoft.com/office/drawing/2017/decorative" xmlns="" val="1"/>
               </a:ext>
             </a:extLst>
           </p:cNvPr>
@@ -12379,7 +12162,7 @@
           <p:nvPr>
             <p:extLst>
               <p:ext uri="{386F3935-93C4-4BCD-93E2-E3B085C9AB24}">
-                <p16:designElem xmlns:p16="http://schemas.microsoft.com/office/powerpoint/2015/main" val="1"/>
+                <p16:designElem xmlns:p16="http://schemas.microsoft.com/office/powerpoint/2015/main" xmlns="" val="1"/>
               </p:ext>
             </p:extLst>
           </p:nvPr>
@@ -12435,7 +12218,7 @@
           <p:cNvPr id="4" name="TextBox 3">
             <a:extLst>
               <a:ext uri="{FF2B5EF4-FFF2-40B4-BE49-F238E27FC236}">
-                <a16:creationId xmlns:a16="http://schemas.microsoft.com/office/drawing/2014/main" id="{5F2D9490-D24F-4E34-9310-4A8B56C9649D}"/>
+                <a16:creationId xmlns:a16="http://schemas.microsoft.com/office/drawing/2014/main" xmlns="" id="{5F2D9490-D24F-4E34-9310-4A8B56C9649D}"/>
               </a:ext>
             </a:extLst>
           </p:cNvPr>
@@ -12444,7 +12227,7 @@
         </p:nvSpPr>
         <p:spPr>
           <a:xfrm>
-            <a:off x="674237" y="914400"/>
+            <a:off x="674237" y="914402"/>
             <a:ext cx="3657600" cy="2887579"/>
           </a:xfrm>
           <a:prstGeom prst="rect">
@@ -12538,10 +12321,10 @@
           <p:cNvPr id="11" name="Straight Connector 10">
             <a:extLst>
               <a:ext uri="{FF2B5EF4-FFF2-40B4-BE49-F238E27FC236}">
-                <a16:creationId xmlns:a16="http://schemas.microsoft.com/office/drawing/2014/main" id="{38FB9660-F42F-4313-BBC4-47C007FE484C}"/>
+                <a16:creationId xmlns:a16="http://schemas.microsoft.com/office/drawing/2014/main" xmlns="" id="{38FB9660-F42F-4313-BBC4-47C007FE484C}"/>
               </a:ext>
               <a:ext uri="{C183D7F6-B498-43B3-948B-1728B52AA6E4}">
-                <adec:decorative xmlns:adec="http://schemas.microsoft.com/office/drawing/2017/decorative" val="1"/>
+                <adec:decorative xmlns:adec="http://schemas.microsoft.com/office/drawing/2017/decorative" xmlns="" val="1"/>
               </a:ext>
             </a:extLst>
           </p:cNvPr>
@@ -12551,7 +12334,7 @@
           <p:nvPr>
             <p:extLst>
               <p:ext uri="{386F3935-93C4-4BCD-93E2-E3B085C9AB24}">
-                <p16:designElem xmlns:p16="http://schemas.microsoft.com/office/powerpoint/2015/main" val="1"/>
+                <p16:designElem xmlns:p16="http://schemas.microsoft.com/office/powerpoint/2015/main" xmlns="" val="1"/>
               </p:ext>
             </p:extLst>
           </p:nvPr>
@@ -12559,7 +12342,7 @@
         <p:spPr>
           <a:xfrm>
             <a:off x="1191126" y="3910267"/>
-            <a:ext cx="2586790" cy="0"/>
+            <a:ext cx="2586791" cy="0"/>
           </a:xfrm>
           <a:prstGeom prst="line">
             <a:avLst/>
@@ -12590,7 +12373,7 @@
           <p:cNvPr id="2" name="TextBox 1">
             <a:extLst>
               <a:ext uri="{FF2B5EF4-FFF2-40B4-BE49-F238E27FC236}">
-                <a16:creationId xmlns:a16="http://schemas.microsoft.com/office/drawing/2014/main" id="{BAC27E8B-BA14-45CB-A0D6-46FDE61CE084}"/>
+                <a16:creationId xmlns:a16="http://schemas.microsoft.com/office/drawing/2014/main" xmlns="" id="{BAC27E8B-BA14-45CB-A0D6-46FDE61CE084}"/>
               </a:ext>
             </a:extLst>
           </p:cNvPr>
@@ -12599,7 +12382,7 @@
         </p:nvSpPr>
         <p:spPr>
           <a:xfrm>
-            <a:off x="816681" y="4024762"/>
+            <a:off x="816682" y="4024762"/>
             <a:ext cx="3372711" cy="2308324"/>
           </a:xfrm>
           <a:prstGeom prst="rect">
@@ -12673,7 +12456,7 @@
           <p:cNvPr id="7" name="Picture 6" descr="Codominant Frequency Options">
             <a:extLst>
               <a:ext uri="{FF2B5EF4-FFF2-40B4-BE49-F238E27FC236}">
-                <a16:creationId xmlns:a16="http://schemas.microsoft.com/office/drawing/2014/main" id="{B71E488C-62C3-4E91-93DC-0F1C15268F88}"/>
+                <a16:creationId xmlns:a16="http://schemas.microsoft.com/office/drawing/2014/main" xmlns="" id="{B71E488C-62C3-4E91-93DC-0F1C15268F88}"/>
               </a:ext>
             </a:extLst>
           </p:cNvPr>
@@ -12694,8 +12477,8 @@
         </p:blipFill>
         <p:spPr>
           <a:xfrm>
-            <a:off x="6400801" y="369896"/>
-            <a:ext cx="4870362" cy="6230786"/>
+            <a:off x="6400800" y="369896"/>
+            <a:ext cx="4870363" cy="6230786"/>
           </a:xfrm>
           <a:prstGeom prst="rect">
             <a:avLst/>
@@ -12737,7 +12520,7 @@
           <p:cNvPr id="5" name="Picture 4" descr="microsatellite data - Excel">
             <a:extLst>
               <a:ext uri="{FF2B5EF4-FFF2-40B4-BE49-F238E27FC236}">
-                <a16:creationId xmlns:a16="http://schemas.microsoft.com/office/drawing/2014/main" id="{FA4E5A4D-2D54-4329-9D32-9401DDA001DB}"/>
+                <a16:creationId xmlns:a16="http://schemas.microsoft.com/office/drawing/2014/main" xmlns="" id="{FA4E5A4D-2D54-4329-9D32-9401DDA001DB}"/>
               </a:ext>
             </a:extLst>
           </p:cNvPr>
@@ -12759,7 +12542,7 @@
         </p:blipFill>
         <p:spPr>
           <a:xfrm>
-            <a:off x="1771902" y="610171"/>
+            <a:off x="1771903" y="610171"/>
             <a:ext cx="8040008" cy="5923318"/>
           </a:xfrm>
           <a:prstGeom prst="rect">
@@ -12810,10 +12593,10 @@
           <p:cNvPr id="20" name="Rectangle 15">
             <a:extLst>
               <a:ext uri="{FF2B5EF4-FFF2-40B4-BE49-F238E27FC236}">
-                <a16:creationId xmlns:a16="http://schemas.microsoft.com/office/drawing/2014/main" id="{AB45A142-4255-493C-8284-5D566C121B10}"/>
+                <a16:creationId xmlns:a16="http://schemas.microsoft.com/office/drawing/2014/main" xmlns="" id="{AB45A142-4255-493C-8284-5D566C121B10}"/>
               </a:ext>
               <a:ext uri="{C183D7F6-B498-43B3-948B-1728B52AA6E4}">
-                <adec:decorative xmlns:adec="http://schemas.microsoft.com/office/drawing/2017/decorative" val="1"/>
+                <adec:decorative xmlns:adec="http://schemas.microsoft.com/office/drawing/2017/decorative" xmlns="" val="1"/>
               </a:ext>
             </a:extLst>
           </p:cNvPr>
@@ -12823,7 +12606,7 @@
           <p:nvPr>
             <p:extLst>
               <p:ext uri="{386F3935-93C4-4BCD-93E2-E3B085C9AB24}">
-                <p16:designElem xmlns:p16="http://schemas.microsoft.com/office/powerpoint/2015/main" val="1"/>
+                <p16:designElem xmlns:p16="http://schemas.microsoft.com/office/powerpoint/2015/main" xmlns="" val="1"/>
               </p:ext>
             </p:extLst>
           </p:nvPr>
@@ -12879,7 +12662,7 @@
           <p:cNvPr id="4" name="TextBox 3">
             <a:extLst>
               <a:ext uri="{FF2B5EF4-FFF2-40B4-BE49-F238E27FC236}">
-                <a16:creationId xmlns:a16="http://schemas.microsoft.com/office/drawing/2014/main" id="{5F2D9490-D24F-4E34-9310-4A8B56C9649D}"/>
+                <a16:creationId xmlns:a16="http://schemas.microsoft.com/office/drawing/2014/main" xmlns="" id="{5F2D9490-D24F-4E34-9310-4A8B56C9649D}"/>
               </a:ext>
             </a:extLst>
           </p:cNvPr>
@@ -12888,7 +12671,7 @@
         </p:nvSpPr>
         <p:spPr>
           <a:xfrm>
-            <a:off x="674237" y="914400"/>
+            <a:off x="674237" y="914402"/>
             <a:ext cx="3657600" cy="2887579"/>
           </a:xfrm>
           <a:prstGeom prst="rect">
@@ -12952,10 +12735,10 @@
           <p:cNvPr id="21" name="Straight Connector 17">
             <a:extLst>
               <a:ext uri="{FF2B5EF4-FFF2-40B4-BE49-F238E27FC236}">
-                <a16:creationId xmlns:a16="http://schemas.microsoft.com/office/drawing/2014/main" id="{38FB9660-F42F-4313-BBC4-47C007FE484C}"/>
+                <a16:creationId xmlns:a16="http://schemas.microsoft.com/office/drawing/2014/main" xmlns="" id="{38FB9660-F42F-4313-BBC4-47C007FE484C}"/>
               </a:ext>
               <a:ext uri="{C183D7F6-B498-43B3-948B-1728B52AA6E4}">
-                <adec:decorative xmlns:adec="http://schemas.microsoft.com/office/drawing/2017/decorative" val="1"/>
+                <adec:decorative xmlns:adec="http://schemas.microsoft.com/office/drawing/2017/decorative" xmlns="" val="1"/>
               </a:ext>
             </a:extLst>
           </p:cNvPr>
@@ -12965,7 +12748,7 @@
           <p:nvPr>
             <p:extLst>
               <p:ext uri="{386F3935-93C4-4BCD-93E2-E3B085C9AB24}">
-                <p16:designElem xmlns:p16="http://schemas.microsoft.com/office/powerpoint/2015/main" val="1"/>
+                <p16:designElem xmlns:p16="http://schemas.microsoft.com/office/powerpoint/2015/main" xmlns="" val="1"/>
               </p:ext>
             </p:extLst>
           </p:nvPr>
@@ -12973,7 +12756,7 @@
         <p:spPr>
           <a:xfrm>
             <a:off x="1191126" y="3910267"/>
-            <a:ext cx="2586790" cy="0"/>
+            <a:ext cx="2586791" cy="0"/>
           </a:xfrm>
           <a:prstGeom prst="line">
             <a:avLst/>
@@ -13004,7 +12787,7 @@
           <p:cNvPr id="8" name="Picture 7" descr="Codominant Frequency Options">
             <a:extLst>
               <a:ext uri="{FF2B5EF4-FFF2-40B4-BE49-F238E27FC236}">
-                <a16:creationId xmlns:a16="http://schemas.microsoft.com/office/drawing/2014/main" id="{D0341AEC-475F-4618-B28A-E7347685870B}"/>
+                <a16:creationId xmlns:a16="http://schemas.microsoft.com/office/drawing/2014/main" xmlns="" id="{D0341AEC-475F-4618-B28A-E7347685870B}"/>
               </a:ext>
             </a:extLst>
           </p:cNvPr>
@@ -13025,7 +12808,7 @@
         </p:blipFill>
         <p:spPr>
           <a:xfrm>
-            <a:off x="6034171" y="492573"/>
+            <a:off x="6034173" y="492573"/>
             <a:ext cx="4792847" cy="5880796"/>
           </a:xfrm>
           <a:prstGeom prst="rect">
@@ -13076,10 +12859,10 @@
           <p:cNvPr id="11" name="Rectangle 10">
             <a:extLst>
               <a:ext uri="{FF2B5EF4-FFF2-40B4-BE49-F238E27FC236}">
-                <a16:creationId xmlns:a16="http://schemas.microsoft.com/office/drawing/2014/main" id="{AB45A142-4255-493C-8284-5D566C121B10}"/>
+                <a16:creationId xmlns:a16="http://schemas.microsoft.com/office/drawing/2014/main" xmlns="" id="{AB45A142-4255-493C-8284-5D566C121B10}"/>
               </a:ext>
               <a:ext uri="{C183D7F6-B498-43B3-948B-1728B52AA6E4}">
-                <adec:decorative xmlns:adec="http://schemas.microsoft.com/office/drawing/2017/decorative" val="1"/>
+                <adec:decorative xmlns:adec="http://schemas.microsoft.com/office/drawing/2017/decorative" xmlns="" val="1"/>
               </a:ext>
             </a:extLst>
           </p:cNvPr>
@@ -13089,7 +12872,7 @@
           <p:nvPr>
             <p:extLst>
               <p:ext uri="{386F3935-93C4-4BCD-93E2-E3B085C9AB24}">
-                <p16:designElem xmlns:p16="http://schemas.microsoft.com/office/powerpoint/2015/main" val="1"/>
+                <p16:designElem xmlns:p16="http://schemas.microsoft.com/office/powerpoint/2015/main" xmlns="" val="1"/>
               </p:ext>
             </p:extLst>
           </p:nvPr>
@@ -13145,7 +12928,7 @@
           <p:cNvPr id="2" name="TextBox 1">
             <a:extLst>
               <a:ext uri="{FF2B5EF4-FFF2-40B4-BE49-F238E27FC236}">
-                <a16:creationId xmlns:a16="http://schemas.microsoft.com/office/drawing/2014/main" id="{1305AF50-735B-4493-A84A-D58EC93B1699}"/>
+                <a16:creationId xmlns:a16="http://schemas.microsoft.com/office/drawing/2014/main" xmlns="" id="{1305AF50-735B-4493-A84A-D58EC93B1699}"/>
               </a:ext>
             </a:extLst>
           </p:cNvPr>
@@ -13154,7 +12937,7 @@
         </p:nvSpPr>
         <p:spPr>
           <a:xfrm>
-            <a:off x="674237" y="914400"/>
+            <a:off x="674237" y="914402"/>
             <a:ext cx="3657600" cy="2887579"/>
           </a:xfrm>
           <a:prstGeom prst="rect">
@@ -13197,10 +12980,10 @@
           <p:cNvPr id="13" name="Straight Connector 12">
             <a:extLst>
               <a:ext uri="{FF2B5EF4-FFF2-40B4-BE49-F238E27FC236}">
-                <a16:creationId xmlns:a16="http://schemas.microsoft.com/office/drawing/2014/main" id="{38FB9660-F42F-4313-BBC4-47C007FE484C}"/>
+                <a16:creationId xmlns:a16="http://schemas.microsoft.com/office/drawing/2014/main" xmlns="" id="{38FB9660-F42F-4313-BBC4-47C007FE484C}"/>
               </a:ext>
               <a:ext uri="{C183D7F6-B498-43B3-948B-1728B52AA6E4}">
-                <adec:decorative xmlns:adec="http://schemas.microsoft.com/office/drawing/2017/decorative" val="1"/>
+                <adec:decorative xmlns:adec="http://schemas.microsoft.com/office/drawing/2017/decorative" xmlns="" val="1"/>
               </a:ext>
             </a:extLst>
           </p:cNvPr>
@@ -13210,7 +12993,7 @@
           <p:nvPr>
             <p:extLst>
               <p:ext uri="{386F3935-93C4-4BCD-93E2-E3B085C9AB24}">
-                <p16:designElem xmlns:p16="http://schemas.microsoft.com/office/powerpoint/2015/main" val="1"/>
+                <p16:designElem xmlns:p16="http://schemas.microsoft.com/office/powerpoint/2015/main" xmlns="" val="1"/>
               </p:ext>
             </p:extLst>
           </p:nvPr>
@@ -13218,7 +13001,7 @@
         <p:spPr>
           <a:xfrm>
             <a:off x="1191126" y="3910267"/>
-            <a:ext cx="2586790" cy="0"/>
+            <a:ext cx="2586791" cy="0"/>
           </a:xfrm>
           <a:prstGeom prst="line">
             <a:avLst/>
@@ -13249,7 +13032,7 @@
           <p:cNvPr id="6" name="Picture 5" descr="A screenshot of a social media post&#10;&#10;Description automatically generated">
             <a:extLst>
               <a:ext uri="{FF2B5EF4-FFF2-40B4-BE49-F238E27FC236}">
-                <a16:creationId xmlns:a16="http://schemas.microsoft.com/office/drawing/2014/main" id="{798A5073-C383-4CF0-ABB1-4170550F3F4B}"/>
+                <a16:creationId xmlns:a16="http://schemas.microsoft.com/office/drawing/2014/main" xmlns="" id="{798A5073-C383-4CF0-ABB1-4170550F3F4B}"/>
               </a:ext>
             </a:extLst>
           </p:cNvPr>
@@ -13272,7 +13055,7 @@
         </p:blipFill>
         <p:spPr>
           <a:xfrm>
-            <a:off x="5153822" y="1131039"/>
+            <a:off x="5153824" y="1131039"/>
             <a:ext cx="6553545" cy="4603864"/>
           </a:xfrm>
           <a:prstGeom prst="rect">
@@ -13323,10 +13106,10 @@
           <p:cNvPr id="9" name="Rectangle 8">
             <a:extLst>
               <a:ext uri="{FF2B5EF4-FFF2-40B4-BE49-F238E27FC236}">
-                <a16:creationId xmlns:a16="http://schemas.microsoft.com/office/drawing/2014/main" id="{AB45A142-4255-493C-8284-5D566C121B10}"/>
+                <a16:creationId xmlns:a16="http://schemas.microsoft.com/office/drawing/2014/main" xmlns="" id="{AB45A142-4255-493C-8284-5D566C121B10}"/>
               </a:ext>
               <a:ext uri="{C183D7F6-B498-43B3-948B-1728B52AA6E4}">
-                <adec:decorative xmlns:adec="http://schemas.microsoft.com/office/drawing/2017/decorative" val="1"/>
+                <adec:decorative xmlns:adec="http://schemas.microsoft.com/office/drawing/2017/decorative" xmlns="" val="1"/>
               </a:ext>
             </a:extLst>
           </p:cNvPr>
@@ -13336,7 +13119,7 @@
           <p:nvPr>
             <p:extLst>
               <p:ext uri="{386F3935-93C4-4BCD-93E2-E3B085C9AB24}">
-                <p16:designElem xmlns:p16="http://schemas.microsoft.com/office/powerpoint/2015/main" val="1"/>
+                <p16:designElem xmlns:p16="http://schemas.microsoft.com/office/powerpoint/2015/main" xmlns="" val="1"/>
               </p:ext>
             </p:extLst>
           </p:nvPr>
@@ -13392,7 +13175,7 @@
           <p:cNvPr id="2" name="TextBox 1">
             <a:extLst>
               <a:ext uri="{FF2B5EF4-FFF2-40B4-BE49-F238E27FC236}">
-                <a16:creationId xmlns:a16="http://schemas.microsoft.com/office/drawing/2014/main" id="{08BF4E42-122E-4E19-A785-FD4DF907CA2C}"/>
+                <a16:creationId xmlns:a16="http://schemas.microsoft.com/office/drawing/2014/main" xmlns="" id="{08BF4E42-122E-4E19-A785-FD4DF907CA2C}"/>
               </a:ext>
             </a:extLst>
           </p:cNvPr>
@@ -13401,7 +13184,7 @@
         </p:nvSpPr>
         <p:spPr>
           <a:xfrm>
-            <a:off x="674237" y="914400"/>
+            <a:off x="674237" y="914402"/>
             <a:ext cx="3657600" cy="2887579"/>
           </a:xfrm>
           <a:prstGeom prst="rect">
@@ -13444,10 +13227,10 @@
           <p:cNvPr id="11" name="Straight Connector 10">
             <a:extLst>
               <a:ext uri="{FF2B5EF4-FFF2-40B4-BE49-F238E27FC236}">
-                <a16:creationId xmlns:a16="http://schemas.microsoft.com/office/drawing/2014/main" id="{38FB9660-F42F-4313-BBC4-47C007FE484C}"/>
+                <a16:creationId xmlns:a16="http://schemas.microsoft.com/office/drawing/2014/main" xmlns="" id="{38FB9660-F42F-4313-BBC4-47C007FE484C}"/>
               </a:ext>
               <a:ext uri="{C183D7F6-B498-43B3-948B-1728B52AA6E4}">
-                <adec:decorative xmlns:adec="http://schemas.microsoft.com/office/drawing/2017/decorative" val="1"/>
+                <adec:decorative xmlns:adec="http://schemas.microsoft.com/office/drawing/2017/decorative" xmlns="" val="1"/>
               </a:ext>
             </a:extLst>
           </p:cNvPr>
@@ -13457,7 +13240,7 @@
           <p:nvPr>
             <p:extLst>
               <p:ext uri="{386F3935-93C4-4BCD-93E2-E3B085C9AB24}">
-                <p16:designElem xmlns:p16="http://schemas.microsoft.com/office/powerpoint/2015/main" val="1"/>
+                <p16:designElem xmlns:p16="http://schemas.microsoft.com/office/powerpoint/2015/main" xmlns="" val="1"/>
               </p:ext>
             </p:extLst>
           </p:nvPr>
@@ -13465,7 +13248,7 @@
         <p:spPr>
           <a:xfrm>
             <a:off x="1191126" y="3910267"/>
-            <a:ext cx="2586790" cy="0"/>
+            <a:ext cx="2586791" cy="0"/>
           </a:xfrm>
           <a:prstGeom prst="line">
             <a:avLst/>
@@ -13496,7 +13279,7 @@
           <p:cNvPr id="4" name="Picture 3" descr="A screenshot of a cell phone&#10;&#10;Description automatically generated">
             <a:extLst>
               <a:ext uri="{FF2B5EF4-FFF2-40B4-BE49-F238E27FC236}">
-                <a16:creationId xmlns:a16="http://schemas.microsoft.com/office/drawing/2014/main" id="{A46D2B5A-E906-4C31-B42D-A7253086A7C6}"/>
+                <a16:creationId xmlns:a16="http://schemas.microsoft.com/office/drawing/2014/main" xmlns="" id="{A46D2B5A-E906-4C31-B42D-A7253086A7C6}"/>
               </a:ext>
             </a:extLst>
           </p:cNvPr>
@@ -13520,7 +13303,7 @@
         <p:spPr>
           <a:xfrm>
             <a:off x="5351643" y="492573"/>
-            <a:ext cx="6157902" cy="5880796"/>
+            <a:ext cx="6157903" cy="5880796"/>
           </a:xfrm>
           <a:prstGeom prst="rect">
             <a:avLst/>
@@ -13562,7 +13345,7 @@
           <p:cNvPr id="3" name="Picture 2" descr="Genetic Distance Options">
             <a:extLst>
               <a:ext uri="{FF2B5EF4-FFF2-40B4-BE49-F238E27FC236}">
-                <a16:creationId xmlns:a16="http://schemas.microsoft.com/office/drawing/2014/main" id="{49A6330B-CF35-4167-BF31-C96838B77D89}"/>
+                <a16:creationId xmlns:a16="http://schemas.microsoft.com/office/drawing/2014/main" xmlns="" id="{49A6330B-CF35-4167-BF31-C96838B77D89}"/>
               </a:ext>
             </a:extLst>
           </p:cNvPr>
@@ -13583,7 +13366,7 @@
         </p:blipFill>
         <p:spPr>
           <a:xfrm>
-            <a:off x="6282017" y="735349"/>
+            <a:off x="6282017" y="735351"/>
             <a:ext cx="4495800" cy="5239385"/>
           </a:xfrm>
           <a:prstGeom prst="rect">
@@ -13596,7 +13379,7 @@
           <p:cNvPr id="4" name="Rectangle 3">
             <a:extLst>
               <a:ext uri="{FF2B5EF4-FFF2-40B4-BE49-F238E27FC236}">
-                <a16:creationId xmlns:a16="http://schemas.microsoft.com/office/drawing/2014/main" id="{5F3EF891-4321-4334-B61C-08AD4DFDFC36}"/>
+                <a16:creationId xmlns:a16="http://schemas.microsoft.com/office/drawing/2014/main" xmlns="" id="{5F3EF891-4321-4334-B61C-08AD4DFDFC36}"/>
               </a:ext>
             </a:extLst>
           </p:cNvPr>
@@ -13605,8 +13388,8 @@
         </p:nvSpPr>
         <p:spPr>
           <a:xfrm>
-            <a:off x="1211186" y="2636106"/>
-            <a:ext cx="3194016" cy="375552"/>
+            <a:off x="1211187" y="2636106"/>
+            <a:ext cx="3185487" cy="385490"/>
           </a:xfrm>
           <a:prstGeom prst="rect">
             <a:avLst/>
@@ -13698,10 +13481,10 @@
           <p:cNvPr id="16" name="Rectangle 15">
             <a:extLst>
               <a:ext uri="{FF2B5EF4-FFF2-40B4-BE49-F238E27FC236}">
-                <a16:creationId xmlns:a16="http://schemas.microsoft.com/office/drawing/2014/main" id="{823AC064-BC96-4F32-8AE1-B2FD38754823}"/>
+                <a16:creationId xmlns:a16="http://schemas.microsoft.com/office/drawing/2014/main" xmlns="" id="{823AC064-BC96-4F32-8AE1-B2FD38754823}"/>
               </a:ext>
               <a:ext uri="{C183D7F6-B498-43B3-948B-1728B52AA6E4}">
-                <adec:decorative xmlns:adec="http://schemas.microsoft.com/office/drawing/2017/decorative" val="1"/>
+                <adec:decorative xmlns:adec="http://schemas.microsoft.com/office/drawing/2017/decorative" xmlns="" val="1"/>
               </a:ext>
             </a:extLst>
           </p:cNvPr>
@@ -13711,14 +13494,14 @@
           <p:nvPr>
             <p:extLst>
               <p:ext uri="{386F3935-93C4-4BCD-93E2-E3B085C9AB24}">
-                <p16:designElem xmlns:p16="http://schemas.microsoft.com/office/powerpoint/2015/main" val="1"/>
+                <p16:designElem xmlns:p16="http://schemas.microsoft.com/office/powerpoint/2015/main" xmlns="" val="1"/>
               </p:ext>
             </p:extLst>
           </p:nvPr>
         </p:nvSpPr>
         <p:spPr bwMode="ltGray">
           <a:xfrm>
-            <a:off x="396882" y="280374"/>
+            <a:off x="396883" y="280374"/>
             <a:ext cx="11438793" cy="1844256"/>
           </a:xfrm>
           <a:prstGeom prst="rect">
@@ -13792,7 +13575,7 @@
           <p:cNvPr id="4" name="TextBox 3">
             <a:extLst>
               <a:ext uri="{FF2B5EF4-FFF2-40B4-BE49-F238E27FC236}">
-                <a16:creationId xmlns:a16="http://schemas.microsoft.com/office/drawing/2014/main" id="{00088ABC-E0C8-4A29-A019-04A880BB95F4}"/>
+                <a16:creationId xmlns:a16="http://schemas.microsoft.com/office/drawing/2014/main" xmlns="" id="{00088ABC-E0C8-4A29-A019-04A880BB95F4}"/>
               </a:ext>
             </a:extLst>
           </p:cNvPr>
@@ -13801,8 +13584,8 @@
         </p:nvSpPr>
         <p:spPr>
           <a:xfrm>
-            <a:off x="546351" y="433545"/>
-            <a:ext cx="11139854" cy="930447"/>
+            <a:off x="546351" y="433547"/>
+            <a:ext cx="11139855" cy="930447"/>
           </a:xfrm>
           <a:prstGeom prst="rect">
             <a:avLst/>
@@ -13856,10 +13639,10 @@
           <p:cNvPr id="18" name="Straight Connector 17">
             <a:extLst>
               <a:ext uri="{FF2B5EF4-FFF2-40B4-BE49-F238E27FC236}">
-                <a16:creationId xmlns:a16="http://schemas.microsoft.com/office/drawing/2014/main" id="{7E7C77BC-7138-40B1-A15B-20F57A494629}"/>
+                <a16:creationId xmlns:a16="http://schemas.microsoft.com/office/drawing/2014/main" xmlns="" id="{7E7C77BC-7138-40B1-A15B-20F57A494629}"/>
               </a:ext>
               <a:ext uri="{C183D7F6-B498-43B3-948B-1728B52AA6E4}">
-                <adec:decorative xmlns:adec="http://schemas.microsoft.com/office/drawing/2017/decorative" val="1"/>
+                <adec:decorative xmlns:adec="http://schemas.microsoft.com/office/drawing/2017/decorative" xmlns="" val="1"/>
               </a:ext>
             </a:extLst>
           </p:cNvPr>
@@ -13869,14 +13652,14 @@
           <p:nvPr>
             <p:extLst>
               <p:ext uri="{386F3935-93C4-4BCD-93E2-E3B085C9AB24}">
-                <p16:designElem xmlns:p16="http://schemas.microsoft.com/office/powerpoint/2015/main" val="1"/>
+                <p16:designElem xmlns:p16="http://schemas.microsoft.com/office/powerpoint/2015/main" xmlns="" val="1"/>
               </p:ext>
             </p:extLst>
           </p:nvPr>
         </p:nvCxnSpPr>
         <p:spPr>
           <a:xfrm>
-            <a:off x="2230078" y="1522292"/>
+            <a:off x="2230079" y="1522292"/>
             <a:ext cx="7772400" cy="0"/>
           </a:xfrm>
           <a:prstGeom prst="line">
@@ -13908,7 +13691,7 @@
           <p:cNvPr id="3" name="Picture 2" descr="A screenshot of a cell phone&#10;&#10;Description automatically generated">
             <a:extLst>
               <a:ext uri="{FF2B5EF4-FFF2-40B4-BE49-F238E27FC236}">
-                <a16:creationId xmlns:a16="http://schemas.microsoft.com/office/drawing/2014/main" id="{7856596F-397A-406F-8498-497D8169633A}"/>
+                <a16:creationId xmlns:a16="http://schemas.microsoft.com/office/drawing/2014/main" xmlns="" id="{7856596F-397A-406F-8498-497D8169633A}"/>
               </a:ext>
             </a:extLst>
           </p:cNvPr>
@@ -13931,7 +13714,7 @@
         </p:blipFill>
         <p:spPr>
           <a:xfrm>
-            <a:off x="892785" y="2426818"/>
+            <a:off x="892786" y="2426820"/>
             <a:ext cx="4333481" cy="3997637"/>
           </a:xfrm>
           <a:prstGeom prst="rect">
@@ -13944,10 +13727,10 @@
           <p:cNvPr id="20" name="Straight Connector 19">
             <a:extLst>
               <a:ext uri="{FF2B5EF4-FFF2-40B4-BE49-F238E27FC236}">
-                <a16:creationId xmlns:a16="http://schemas.microsoft.com/office/drawing/2014/main" id="{DB146403-F3D6-484B-B2ED-97F9565D0370}"/>
+                <a16:creationId xmlns:a16="http://schemas.microsoft.com/office/drawing/2014/main" xmlns="" id="{DB146403-F3D6-484B-B2ED-97F9565D0370}"/>
               </a:ext>
               <a:ext uri="{C183D7F6-B498-43B3-948B-1728B52AA6E4}">
-                <adec:decorative xmlns:adec="http://schemas.microsoft.com/office/drawing/2017/decorative" val="1"/>
+                <adec:decorative xmlns:adec="http://schemas.microsoft.com/office/drawing/2017/decorative" xmlns="" val="1"/>
               </a:ext>
             </a:extLst>
           </p:cNvPr>
@@ -13957,14 +13740,14 @@
           <p:nvPr>
             <p:extLst>
               <p:ext uri="{386F3935-93C4-4BCD-93E2-E3B085C9AB24}">
-                <p16:designElem xmlns:p16="http://schemas.microsoft.com/office/powerpoint/2015/main" val="1"/>
+                <p16:designElem xmlns:p16="http://schemas.microsoft.com/office/powerpoint/2015/main" xmlns="" val="1"/>
               </p:ext>
             </p:extLst>
           </p:nvPr>
         </p:nvCxnSpPr>
         <p:spPr>
           <a:xfrm>
-            <a:off x="6116278" y="2596836"/>
+            <a:off x="6116279" y="2596836"/>
             <a:ext cx="0" cy="3657600"/>
           </a:xfrm>
           <a:prstGeom prst="line">
@@ -13996,7 +13779,7 @@
           <p:cNvPr id="6" name="Picture 5" descr="A screenshot of a cell phone&#10;&#10;Description automatically generated">
             <a:extLst>
               <a:ext uri="{FF2B5EF4-FFF2-40B4-BE49-F238E27FC236}">
-                <a16:creationId xmlns:a16="http://schemas.microsoft.com/office/drawing/2014/main" id="{9D519492-364D-43D8-BFDD-2A043057156B}"/>
+                <a16:creationId xmlns:a16="http://schemas.microsoft.com/office/drawing/2014/main" xmlns="" id="{9D519492-364D-43D8-BFDD-2A043057156B}"/>
               </a:ext>
             </a:extLst>
           </p:cNvPr>
@@ -14019,7 +13802,7 @@
         </p:blipFill>
         <p:spPr>
           <a:xfrm>
-            <a:off x="6445073" y="3210923"/>
+            <a:off x="6445074" y="3210925"/>
             <a:ext cx="5455917" cy="2429427"/>
           </a:xfrm>
           <a:prstGeom prst="rect">
@@ -14070,10 +13853,10 @@
           <p:cNvPr id="10" name="Rectangle 9">
             <a:extLst>
               <a:ext uri="{FF2B5EF4-FFF2-40B4-BE49-F238E27FC236}">
-                <a16:creationId xmlns:a16="http://schemas.microsoft.com/office/drawing/2014/main" id="{823AC064-BC96-4F32-8AE1-B2FD38754823}"/>
+                <a16:creationId xmlns:a16="http://schemas.microsoft.com/office/drawing/2014/main" xmlns="" id="{823AC064-BC96-4F32-8AE1-B2FD38754823}"/>
               </a:ext>
               <a:ext uri="{C183D7F6-B498-43B3-948B-1728B52AA6E4}">
-                <adec:decorative xmlns:adec="http://schemas.microsoft.com/office/drawing/2017/decorative" val="1"/>
+                <adec:decorative xmlns:adec="http://schemas.microsoft.com/office/drawing/2017/decorative" xmlns="" val="1"/>
               </a:ext>
             </a:extLst>
           </p:cNvPr>
@@ -14083,14 +13866,14 @@
           <p:nvPr>
             <p:extLst>
               <p:ext uri="{386F3935-93C4-4BCD-93E2-E3B085C9AB24}">
-                <p16:designElem xmlns:p16="http://schemas.microsoft.com/office/powerpoint/2015/main" val="1"/>
+                <p16:designElem xmlns:p16="http://schemas.microsoft.com/office/powerpoint/2015/main" xmlns="" val="1"/>
               </p:ext>
             </p:extLst>
           </p:nvPr>
         </p:nvSpPr>
         <p:spPr bwMode="ltGray">
           <a:xfrm>
-            <a:off x="396882" y="280374"/>
+            <a:off x="396883" y="280374"/>
             <a:ext cx="11438793" cy="1844256"/>
           </a:xfrm>
           <a:prstGeom prst="rect">
@@ -14164,7 +13947,7 @@
           <p:cNvPr id="5" name="TextBox 4">
             <a:extLst>
               <a:ext uri="{FF2B5EF4-FFF2-40B4-BE49-F238E27FC236}">
-                <a16:creationId xmlns:a16="http://schemas.microsoft.com/office/drawing/2014/main" id="{3794A520-F449-4C01-ADBE-350780347DBD}"/>
+                <a16:creationId xmlns:a16="http://schemas.microsoft.com/office/drawing/2014/main" xmlns="" id="{3794A520-F449-4C01-ADBE-350780347DBD}"/>
               </a:ext>
             </a:extLst>
           </p:cNvPr>
@@ -14173,8 +13956,8 @@
         </p:nvSpPr>
         <p:spPr>
           <a:xfrm>
-            <a:off x="546351" y="433545"/>
-            <a:ext cx="11139854" cy="930447"/>
+            <a:off x="546351" y="433547"/>
+            <a:ext cx="11139855" cy="930447"/>
           </a:xfrm>
           <a:prstGeom prst="rect">
             <a:avLst/>
@@ -14276,10 +14059,10 @@
           <p:cNvPr id="12" name="Straight Connector 11">
             <a:extLst>
               <a:ext uri="{FF2B5EF4-FFF2-40B4-BE49-F238E27FC236}">
-                <a16:creationId xmlns:a16="http://schemas.microsoft.com/office/drawing/2014/main" id="{7E7C77BC-7138-40B1-A15B-20F57A494629}"/>
+                <a16:creationId xmlns:a16="http://schemas.microsoft.com/office/drawing/2014/main" xmlns="" id="{7E7C77BC-7138-40B1-A15B-20F57A494629}"/>
               </a:ext>
               <a:ext uri="{C183D7F6-B498-43B3-948B-1728B52AA6E4}">
-                <adec:decorative xmlns:adec="http://schemas.microsoft.com/office/drawing/2017/decorative" val="1"/>
+                <adec:decorative xmlns:adec="http://schemas.microsoft.com/office/drawing/2017/decorative" xmlns="" val="1"/>
               </a:ext>
             </a:extLst>
           </p:cNvPr>
@@ -14289,14 +14072,14 @@
           <p:nvPr>
             <p:extLst>
               <p:ext uri="{386F3935-93C4-4BCD-93E2-E3B085C9AB24}">
-                <p16:designElem xmlns:p16="http://schemas.microsoft.com/office/powerpoint/2015/main" val="1"/>
+                <p16:designElem xmlns:p16="http://schemas.microsoft.com/office/powerpoint/2015/main" xmlns="" val="1"/>
               </p:ext>
             </p:extLst>
           </p:nvPr>
         </p:nvCxnSpPr>
         <p:spPr>
           <a:xfrm>
-            <a:off x="2230078" y="1522292"/>
+            <a:off x="2230079" y="1522292"/>
             <a:ext cx="7772400" cy="0"/>
           </a:xfrm>
           <a:prstGeom prst="line">
@@ -14328,7 +14111,7 @@
           <p:cNvPr id="2" name="Picture 1" descr="PCoA Parameters">
             <a:extLst>
               <a:ext uri="{FF2B5EF4-FFF2-40B4-BE49-F238E27FC236}">
-                <a16:creationId xmlns:a16="http://schemas.microsoft.com/office/drawing/2014/main" id="{08C978A4-1AD4-477E-99DC-F42B55A17613}"/>
+                <a16:creationId xmlns:a16="http://schemas.microsoft.com/office/drawing/2014/main" xmlns="" id="{08C978A4-1AD4-477E-99DC-F42B55A17613}"/>
               </a:ext>
             </a:extLst>
           </p:cNvPr>
@@ -14349,7 +14132,7 @@
         </p:blipFill>
         <p:spPr>
           <a:xfrm>
-            <a:off x="1339409" y="2426818"/>
+            <a:off x="1339409" y="2426820"/>
             <a:ext cx="3440232" cy="3997637"/>
           </a:xfrm>
           <a:prstGeom prst="rect">
@@ -14362,10 +14145,10 @@
           <p:cNvPr id="14" name="Straight Connector 13">
             <a:extLst>
               <a:ext uri="{FF2B5EF4-FFF2-40B4-BE49-F238E27FC236}">
-                <a16:creationId xmlns:a16="http://schemas.microsoft.com/office/drawing/2014/main" id="{DB146403-F3D6-484B-B2ED-97F9565D0370}"/>
+                <a16:creationId xmlns:a16="http://schemas.microsoft.com/office/drawing/2014/main" xmlns="" id="{DB146403-F3D6-484B-B2ED-97F9565D0370}"/>
               </a:ext>
               <a:ext uri="{C183D7F6-B498-43B3-948B-1728B52AA6E4}">
-                <adec:decorative xmlns:adec="http://schemas.microsoft.com/office/drawing/2017/decorative" val="1"/>
+                <adec:decorative xmlns:adec="http://schemas.microsoft.com/office/drawing/2017/decorative" xmlns="" val="1"/>
               </a:ext>
             </a:extLst>
           </p:cNvPr>
@@ -14375,14 +14158,14 @@
           <p:nvPr>
             <p:extLst>
               <p:ext uri="{386F3935-93C4-4BCD-93E2-E3B085C9AB24}">
-                <p16:designElem xmlns:p16="http://schemas.microsoft.com/office/powerpoint/2015/main" val="1"/>
+                <p16:designElem xmlns:p16="http://schemas.microsoft.com/office/powerpoint/2015/main" xmlns="" val="1"/>
               </p:ext>
             </p:extLst>
           </p:nvPr>
         </p:nvCxnSpPr>
         <p:spPr>
           <a:xfrm>
-            <a:off x="6116278" y="2596836"/>
+            <a:off x="6116279" y="2596836"/>
             <a:ext cx="0" cy="3657600"/>
           </a:xfrm>
           <a:prstGeom prst="line">
@@ -14414,7 +14197,7 @@
           <p:cNvPr id="4" name="Picture 3" descr="A screenshot of a cell phone&#10;&#10;Description automatically generated">
             <a:extLst>
               <a:ext uri="{FF2B5EF4-FFF2-40B4-BE49-F238E27FC236}">
-                <a16:creationId xmlns:a16="http://schemas.microsoft.com/office/drawing/2014/main" id="{11BF2DED-ACE6-42A0-A7FE-3E2757D76073}"/>
+                <a16:creationId xmlns:a16="http://schemas.microsoft.com/office/drawing/2014/main" xmlns="" id="{11BF2DED-ACE6-42A0-A7FE-3E2757D76073}"/>
               </a:ext>
             </a:extLst>
           </p:cNvPr>
@@ -14437,7 +14220,7 @@
         </p:blipFill>
         <p:spPr>
           <a:xfrm>
-            <a:off x="7206194" y="2426818"/>
+            <a:off x="7206195" y="2426820"/>
             <a:ext cx="3933675" cy="3997637"/>
           </a:xfrm>
           <a:prstGeom prst="rect">
@@ -14480,7 +14263,7 @@
           <p:cNvPr id="2" name="Title 1">
             <a:extLst>
               <a:ext uri="{FF2B5EF4-FFF2-40B4-BE49-F238E27FC236}">
-                <a16:creationId xmlns:a16="http://schemas.microsoft.com/office/drawing/2014/main" id="{8D93BC33-2125-443B-A1A3-1A92A5247404}"/>
+                <a16:creationId xmlns:a16="http://schemas.microsoft.com/office/drawing/2014/main" xmlns="" id="{8D93BC33-2125-443B-A1A3-1A92A5247404}"/>
               </a:ext>
             </a:extLst>
           </p:cNvPr>
@@ -14493,19 +14276,25 @@
         </p:nvSpPr>
         <p:spPr>
           <a:xfrm>
-            <a:off x="242900" y="1039906"/>
-            <a:ext cx="11821886" cy="3079656"/>
+            <a:off x="242901" y="1039906"/>
+            <a:ext cx="11821887" cy="3079656"/>
           </a:xfrm>
         </p:spPr>
         <p:txBody>
           <a:bodyPr>
-            <a:normAutofit fontScale="90000"/>
+            <a:normAutofit/>
           </a:bodyPr>
           <a:lstStyle/>
           <a:p>
             <a:r>
               <a:rPr lang="en-US" dirty="0"/>
               <a:t>Red Laser Steel Cobra Danger Unicorns</a:t>
+            </a:r>
+            <a:r>
+              <a:rPr lang="en-US" dirty="0">
+                <a:cs typeface="Calibri Light"/>
+              </a:rPr>
+              <a:t/>
             </a:r>
             <a:br>
               <a:rPr lang="en-US" dirty="0">
@@ -14520,6 +14309,12 @@
               <a:rPr lang="en-US" sz="2200" dirty="0"/>
               <a:t>Lack of genetic isolation by distance, similar genetic</a:t>
             </a:r>
+            <a:r>
+              <a:rPr lang="en-US" sz="2200" dirty="0">
+                <a:cs typeface="Calibri Light"/>
+              </a:rPr>
+              <a:t/>
+            </a:r>
             <a:br>
               <a:rPr lang="en-US" sz="2200" dirty="0">
                 <a:cs typeface="Calibri Light"/>
@@ -14528,6 +14323,12 @@
             <a:r>
               <a:rPr lang="en-US" sz="2200" dirty="0"/>
               <a:t>structuring but different demographic histories in a fig pollinating</a:t>
+            </a:r>
+            <a:r>
+              <a:rPr lang="en-US" sz="2200" dirty="0">
+                <a:cs typeface="Calibri Light"/>
+              </a:rPr>
+              <a:t/>
             </a:r>
             <a:br>
               <a:rPr lang="en-US" sz="2200" dirty="0">
@@ -14538,6 +14339,12 @@
               <a:rPr lang="en-US" sz="2200" dirty="0"/>
               <a:t>wasp mutualism</a:t>
             </a:r>
+            <a:r>
+              <a:rPr lang="en-US" sz="2200" dirty="0">
+                <a:cs typeface="Calibri Light"/>
+              </a:rPr>
+              <a:t/>
+            </a:r>
             <a:br>
               <a:rPr lang="en-US" sz="2200" dirty="0">
                 <a:cs typeface="Calibri Light"/>
@@ -14547,6 +14354,12 @@
               <a:rPr lang="en-US" sz="2200" dirty="0"/>
               <a:t>By:</a:t>
             </a:r>
+            <a:r>
+              <a:rPr lang="en-US" sz="2200" dirty="0">
+                <a:cs typeface="Calibri Light"/>
+              </a:rPr>
+              <a:t/>
+            </a:r>
             <a:br>
               <a:rPr lang="en-US" sz="2200" dirty="0">
                 <a:cs typeface="Calibri Light"/>
@@ -14555,6 +14368,12 @@
             <a:r>
               <a:rPr lang="en-US" sz="2200" dirty="0"/>
               <a:t>ENWEI TIAN, JOHN D. NASON, CARLOS A. MACHADO, LINNA ZHENG, HUI YU and</a:t>
+            </a:r>
+            <a:r>
+              <a:rPr lang="en-US" sz="2200" dirty="0">
+                <a:cs typeface="Calibri Light"/>
+              </a:rPr>
+              <a:t/>
             </a:r>
             <a:br>
               <a:rPr lang="en-US" sz="2200" dirty="0">
@@ -14573,7 +14392,7 @@
           <p:cNvPr id="3" name="Subtitle 2">
             <a:extLst>
               <a:ext uri="{FF2B5EF4-FFF2-40B4-BE49-F238E27FC236}">
-                <a16:creationId xmlns:a16="http://schemas.microsoft.com/office/drawing/2014/main" id="{BF764F22-EE15-4C31-9B76-DCDCD3D2326C}"/>
+                <a16:creationId xmlns:a16="http://schemas.microsoft.com/office/drawing/2014/main" xmlns="" id="{BF764F22-EE15-4C31-9B76-DCDCD3D2326C}"/>
               </a:ext>
             </a:extLst>
           </p:cNvPr>
@@ -14586,7 +14405,7 @@
         </p:nvSpPr>
         <p:spPr>
           <a:xfrm>
-            <a:off x="1665514" y="5137991"/>
+            <a:off x="1665515" y="5137991"/>
             <a:ext cx="9144000" cy="1655762"/>
           </a:xfrm>
         </p:spPr>
@@ -14608,7 +14427,7 @@
           <p:cNvPr id="8" name="Picture 8">
             <a:extLst>
               <a:ext uri="{FF2B5EF4-FFF2-40B4-BE49-F238E27FC236}">
-                <a16:creationId xmlns:a16="http://schemas.microsoft.com/office/drawing/2014/main" id="{49696CD1-7F05-4911-8224-A2C1D313BD4F}"/>
+                <a16:creationId xmlns:a16="http://schemas.microsoft.com/office/drawing/2014/main" xmlns="" id="{49696CD1-7F05-4911-8224-A2C1D313BD4F}"/>
               </a:ext>
             </a:extLst>
           </p:cNvPr>
@@ -14625,7 +14444,7 @@
         </p:blipFill>
         <p:spPr>
           <a:xfrm>
-            <a:off x="10021528" y="4694521"/>
+            <a:off x="10021530" y="4694521"/>
             <a:ext cx="1378975" cy="1512474"/>
           </a:xfrm>
           <a:prstGeom prst="rect">
@@ -14676,10 +14495,10 @@
           <p:cNvPr id="10" name="Rectangle 9">
             <a:extLst>
               <a:ext uri="{FF2B5EF4-FFF2-40B4-BE49-F238E27FC236}">
-                <a16:creationId xmlns:a16="http://schemas.microsoft.com/office/drawing/2014/main" id="{823AC064-BC96-4F32-8AE1-B2FD38754823}"/>
+                <a16:creationId xmlns:a16="http://schemas.microsoft.com/office/drawing/2014/main" xmlns="" id="{823AC064-BC96-4F32-8AE1-B2FD38754823}"/>
               </a:ext>
               <a:ext uri="{C183D7F6-B498-43B3-948B-1728B52AA6E4}">
-                <adec:decorative xmlns:adec="http://schemas.microsoft.com/office/drawing/2017/decorative" val="1"/>
+                <adec:decorative xmlns:adec="http://schemas.microsoft.com/office/drawing/2017/decorative" xmlns="" val="1"/>
               </a:ext>
             </a:extLst>
           </p:cNvPr>
@@ -14689,14 +14508,14 @@
           <p:nvPr>
             <p:extLst>
               <p:ext uri="{386F3935-93C4-4BCD-93E2-E3B085C9AB24}">
-                <p16:designElem xmlns:p16="http://schemas.microsoft.com/office/powerpoint/2015/main" val="1"/>
+                <p16:designElem xmlns:p16="http://schemas.microsoft.com/office/powerpoint/2015/main" xmlns="" val="1"/>
               </p:ext>
             </p:extLst>
           </p:nvPr>
         </p:nvSpPr>
         <p:spPr bwMode="ltGray">
           <a:xfrm>
-            <a:off x="396882" y="280374"/>
+            <a:off x="396883" y="280374"/>
             <a:ext cx="11438793" cy="1844256"/>
           </a:xfrm>
           <a:prstGeom prst="rect">
@@ -14770,7 +14589,7 @@
           <p:cNvPr id="3" name="TextBox 2">
             <a:extLst>
               <a:ext uri="{FF2B5EF4-FFF2-40B4-BE49-F238E27FC236}">
-                <a16:creationId xmlns:a16="http://schemas.microsoft.com/office/drawing/2014/main" id="{3F979A16-F2A8-475E-BA1B-52CCC3CA6AED}"/>
+                <a16:creationId xmlns:a16="http://schemas.microsoft.com/office/drawing/2014/main" xmlns="" id="{3F979A16-F2A8-475E-BA1B-52CCC3CA6AED}"/>
               </a:ext>
             </a:extLst>
           </p:cNvPr>
@@ -14780,7 +14599,7 @@
         <p:spPr>
           <a:xfrm>
             <a:off x="546351" y="1295774"/>
-            <a:ext cx="11139854" cy="930447"/>
+            <a:ext cx="11139855" cy="930447"/>
           </a:xfrm>
           <a:prstGeom prst="rect">
             <a:avLst/>
@@ -14867,10 +14686,10 @@
           <p:cNvPr id="12" name="Straight Connector 11">
             <a:extLst>
               <a:ext uri="{FF2B5EF4-FFF2-40B4-BE49-F238E27FC236}">
-                <a16:creationId xmlns:a16="http://schemas.microsoft.com/office/drawing/2014/main" id="{7E7C77BC-7138-40B1-A15B-20F57A494629}"/>
+                <a16:creationId xmlns:a16="http://schemas.microsoft.com/office/drawing/2014/main" xmlns="" id="{7E7C77BC-7138-40B1-A15B-20F57A494629}"/>
               </a:ext>
               <a:ext uri="{C183D7F6-B498-43B3-948B-1728B52AA6E4}">
-                <adec:decorative xmlns:adec="http://schemas.microsoft.com/office/drawing/2017/decorative" val="1"/>
+                <adec:decorative xmlns:adec="http://schemas.microsoft.com/office/drawing/2017/decorative" xmlns="" val="1"/>
               </a:ext>
             </a:extLst>
           </p:cNvPr>
@@ -14880,14 +14699,14 @@
           <p:nvPr>
             <p:extLst>
               <p:ext uri="{386F3935-93C4-4BCD-93E2-E3B085C9AB24}">
-                <p16:designElem xmlns:p16="http://schemas.microsoft.com/office/powerpoint/2015/main" val="1"/>
+                <p16:designElem xmlns:p16="http://schemas.microsoft.com/office/powerpoint/2015/main" xmlns="" val="1"/>
               </p:ext>
             </p:extLst>
           </p:nvPr>
         </p:nvCxnSpPr>
         <p:spPr>
           <a:xfrm>
-            <a:off x="2230078" y="1522292"/>
+            <a:off x="2230079" y="1522292"/>
             <a:ext cx="7772400" cy="0"/>
           </a:xfrm>
           <a:prstGeom prst="line">
@@ -14919,7 +14738,7 @@
           <p:cNvPr id="2" name="Picture 1" descr="Mantel Parameters">
             <a:extLst>
               <a:ext uri="{FF2B5EF4-FFF2-40B4-BE49-F238E27FC236}">
-                <a16:creationId xmlns:a16="http://schemas.microsoft.com/office/drawing/2014/main" id="{92C592CB-BD9E-4803-BFA8-6499264D6FF1}"/>
+                <a16:creationId xmlns:a16="http://schemas.microsoft.com/office/drawing/2014/main" xmlns="" id="{92C592CB-BD9E-4803-BFA8-6499264D6FF1}"/>
               </a:ext>
             </a:extLst>
           </p:cNvPr>
@@ -14940,7 +14759,7 @@
         </p:blipFill>
         <p:spPr>
           <a:xfrm>
-            <a:off x="1586516" y="2426818"/>
+            <a:off x="1586517" y="2426820"/>
             <a:ext cx="2946019" cy="3997637"/>
           </a:xfrm>
           <a:prstGeom prst="rect">
@@ -14953,10 +14772,10 @@
           <p:cNvPr id="14" name="Straight Connector 13">
             <a:extLst>
               <a:ext uri="{FF2B5EF4-FFF2-40B4-BE49-F238E27FC236}">
-                <a16:creationId xmlns:a16="http://schemas.microsoft.com/office/drawing/2014/main" id="{DB146403-F3D6-484B-B2ED-97F9565D0370}"/>
+                <a16:creationId xmlns:a16="http://schemas.microsoft.com/office/drawing/2014/main" xmlns="" id="{DB146403-F3D6-484B-B2ED-97F9565D0370}"/>
               </a:ext>
               <a:ext uri="{C183D7F6-B498-43B3-948B-1728B52AA6E4}">
-                <adec:decorative xmlns:adec="http://schemas.microsoft.com/office/drawing/2017/decorative" val="1"/>
+                <adec:decorative xmlns:adec="http://schemas.microsoft.com/office/drawing/2017/decorative" xmlns="" val="1"/>
               </a:ext>
             </a:extLst>
           </p:cNvPr>
@@ -14966,14 +14785,14 @@
           <p:nvPr>
             <p:extLst>
               <p:ext uri="{386F3935-93C4-4BCD-93E2-E3B085C9AB24}">
-                <p16:designElem xmlns:p16="http://schemas.microsoft.com/office/powerpoint/2015/main" val="1"/>
+                <p16:designElem xmlns:p16="http://schemas.microsoft.com/office/powerpoint/2015/main" xmlns="" val="1"/>
               </p:ext>
             </p:extLst>
           </p:nvPr>
         </p:nvCxnSpPr>
         <p:spPr>
           <a:xfrm>
-            <a:off x="6116278" y="2596836"/>
+            <a:off x="6116279" y="2596836"/>
             <a:ext cx="0" cy="3657600"/>
           </a:xfrm>
           <a:prstGeom prst="line">
@@ -15005,7 +14824,7 @@
           <p:cNvPr id="5" name="Picture 4" descr="A screenshot of a social media post&#10;&#10;Description automatically generated">
             <a:extLst>
               <a:ext uri="{FF2B5EF4-FFF2-40B4-BE49-F238E27FC236}">
-                <a16:creationId xmlns:a16="http://schemas.microsoft.com/office/drawing/2014/main" id="{6F31B74F-F34C-47B0-9A20-AEA0CFF44A43}"/>
+                <a16:creationId xmlns:a16="http://schemas.microsoft.com/office/drawing/2014/main" xmlns="" id="{6F31B74F-F34C-47B0-9A20-AEA0CFF44A43}"/>
               </a:ext>
             </a:extLst>
           </p:cNvPr>
@@ -15028,7 +14847,7 @@
         </p:blipFill>
         <p:spPr>
           <a:xfrm>
-            <a:off x="6906371" y="2426818"/>
+            <a:off x="6906371" y="2426820"/>
             <a:ext cx="4533320" cy="3997637"/>
           </a:xfrm>
           <a:prstGeom prst="rect">
@@ -15079,10 +14898,10 @@
           <p:cNvPr id="12" name="Straight Connector 11">
             <a:extLst>
               <a:ext uri="{FF2B5EF4-FFF2-40B4-BE49-F238E27FC236}">
-                <a16:creationId xmlns:a16="http://schemas.microsoft.com/office/drawing/2014/main" id="{99AE2756-0FC4-4155-83E7-58AAAB63E757}"/>
+                <a16:creationId xmlns:a16="http://schemas.microsoft.com/office/drawing/2014/main" xmlns="" id="{99AE2756-0FC4-4155-83E7-58AAAB63E757}"/>
               </a:ext>
               <a:ext uri="{C183D7F6-B498-43B3-948B-1728B52AA6E4}">
-                <adec:decorative xmlns:adec="http://schemas.microsoft.com/office/drawing/2017/decorative" val="1"/>
+                <adec:decorative xmlns:adec="http://schemas.microsoft.com/office/drawing/2017/decorative" xmlns="" val="1"/>
               </a:ext>
             </a:extLst>
           </p:cNvPr>
@@ -15092,7 +14911,7 @@
           <p:nvPr>
             <p:extLst>
               <p:ext uri="{386F3935-93C4-4BCD-93E2-E3B085C9AB24}">
-                <p16:designElem xmlns:p16="http://schemas.microsoft.com/office/powerpoint/2015/main" val="1"/>
+                <p16:designElem xmlns:p16="http://schemas.microsoft.com/office/powerpoint/2015/main" xmlns="" val="1"/>
               </p:ext>
             </p:extLst>
           </p:nvPr>
@@ -15131,10 +14950,10 @@
           <p:cNvPr id="14" name="Rectangle 13">
             <a:extLst>
               <a:ext uri="{FF2B5EF4-FFF2-40B4-BE49-F238E27FC236}">
-                <a16:creationId xmlns:a16="http://schemas.microsoft.com/office/drawing/2014/main" id="{247AB924-1B87-43FC-B7C7-B112D5C51A0E}"/>
+                <a16:creationId xmlns:a16="http://schemas.microsoft.com/office/drawing/2014/main" xmlns="" id="{247AB924-1B87-43FC-B7C7-B112D5C51A0E}"/>
               </a:ext>
               <a:ext uri="{C183D7F6-B498-43B3-948B-1728B52AA6E4}">
-                <adec:decorative xmlns:adec="http://schemas.microsoft.com/office/drawing/2017/decorative" val="1"/>
+                <adec:decorative xmlns:adec="http://schemas.microsoft.com/office/drawing/2017/decorative" xmlns="" val="1"/>
               </a:ext>
             </a:extLst>
           </p:cNvPr>
@@ -15144,14 +14963,14 @@
           <p:nvPr>
             <p:extLst>
               <p:ext uri="{386F3935-93C4-4BCD-93E2-E3B085C9AB24}">
-                <p16:designElem xmlns:p16="http://schemas.microsoft.com/office/powerpoint/2015/main" val="1"/>
+                <p16:designElem xmlns:p16="http://schemas.microsoft.com/office/powerpoint/2015/main" xmlns="" val="1"/>
               </p:ext>
             </p:extLst>
           </p:nvPr>
         </p:nvSpPr>
         <p:spPr bwMode="ltGray">
           <a:xfrm>
-            <a:off x="378068" y="4633546"/>
+            <a:off x="378069" y="4633546"/>
             <a:ext cx="11438793" cy="1844256"/>
           </a:xfrm>
           <a:prstGeom prst="rect">
@@ -15225,7 +15044,7 @@
           <p:cNvPr id="3" name="TextBox 2">
             <a:extLst>
               <a:ext uri="{FF2B5EF4-FFF2-40B4-BE49-F238E27FC236}">
-                <a16:creationId xmlns:a16="http://schemas.microsoft.com/office/drawing/2014/main" id="{F1918BDF-C7E0-438D-9B1F-42A083A83EBE}"/>
+                <a16:creationId xmlns:a16="http://schemas.microsoft.com/office/drawing/2014/main" xmlns="" id="{F1918BDF-C7E0-438D-9B1F-42A083A83EBE}"/>
               </a:ext>
             </a:extLst>
           </p:cNvPr>
@@ -15234,8 +15053,8 @@
         </p:nvSpPr>
         <p:spPr>
           <a:xfrm>
-            <a:off x="526073" y="5516310"/>
-            <a:ext cx="11139854" cy="930447"/>
+            <a:off x="526074" y="5516312"/>
+            <a:ext cx="11139855" cy="930447"/>
           </a:xfrm>
           <a:prstGeom prst="rect">
             <a:avLst/>
@@ -15322,7 +15141,7 @@
           <p:cNvPr id="7" name="Picture 6" descr="A screenshot of a social media post&#10;&#10;Description automatically generated">
             <a:extLst>
               <a:ext uri="{FF2B5EF4-FFF2-40B4-BE49-F238E27FC236}">
-                <a16:creationId xmlns:a16="http://schemas.microsoft.com/office/drawing/2014/main" id="{66CC3BC1-C28E-4A13-BB1C-6CBEFF1D1E59}"/>
+                <a16:creationId xmlns:a16="http://schemas.microsoft.com/office/drawing/2014/main" xmlns="" id="{66CC3BC1-C28E-4A13-BB1C-6CBEFF1D1E59}"/>
               </a:ext>
             </a:extLst>
           </p:cNvPr>
@@ -15345,7 +15164,7 @@
         </p:blipFill>
         <p:spPr>
           <a:xfrm>
-            <a:off x="320040" y="749727"/>
+            <a:off x="320041" y="749727"/>
             <a:ext cx="3425609" cy="3113644"/>
           </a:xfrm>
           <a:prstGeom prst="rect">
@@ -15358,7 +15177,7 @@
           <p:cNvPr id="5" name="Picture 4" descr="A screenshot of a cell phone&#10;&#10;Description automatically generated">
             <a:extLst>
               <a:ext uri="{FF2B5EF4-FFF2-40B4-BE49-F238E27FC236}">
-                <a16:creationId xmlns:a16="http://schemas.microsoft.com/office/drawing/2014/main" id="{CB61A0A3-BD12-4CDB-832E-3BF82775C6C9}"/>
+                <a16:creationId xmlns:a16="http://schemas.microsoft.com/office/drawing/2014/main" xmlns="" id="{CB61A0A3-BD12-4CDB-832E-3BF82775C6C9}"/>
               </a:ext>
             </a:extLst>
           </p:cNvPr>
@@ -15381,7 +15200,7 @@
         </p:blipFill>
         <p:spPr>
           <a:xfrm>
-            <a:off x="4385729" y="766111"/>
+            <a:off x="4385730" y="766111"/>
             <a:ext cx="3433324" cy="3080876"/>
           </a:xfrm>
           <a:prstGeom prst="rect">
@@ -15394,10 +15213,10 @@
           <p:cNvPr id="16" name="Straight Connector 15">
             <a:extLst>
               <a:ext uri="{FF2B5EF4-FFF2-40B4-BE49-F238E27FC236}">
-                <a16:creationId xmlns:a16="http://schemas.microsoft.com/office/drawing/2014/main" id="{818DC98F-4057-4645-B948-F604F39A9CFE}"/>
+                <a16:creationId xmlns:a16="http://schemas.microsoft.com/office/drawing/2014/main" xmlns="" id="{818DC98F-4057-4645-B948-F604F39A9CFE}"/>
               </a:ext>
               <a:ext uri="{C183D7F6-B498-43B3-948B-1728B52AA6E4}">
-                <adec:decorative xmlns:adec="http://schemas.microsoft.com/office/drawing/2017/decorative" val="1"/>
+                <adec:decorative xmlns:adec="http://schemas.microsoft.com/office/drawing/2017/decorative" xmlns="" val="1"/>
               </a:ext>
             </a:extLst>
           </p:cNvPr>
@@ -15407,7 +15226,7 @@
           <p:nvPr>
             <p:extLst>
               <p:ext uri="{386F3935-93C4-4BCD-93E2-E3B085C9AB24}">
-                <p16:designElem xmlns:p16="http://schemas.microsoft.com/office/powerpoint/2015/main" val="1"/>
+                <p16:designElem xmlns:p16="http://schemas.microsoft.com/office/powerpoint/2015/main" xmlns="" val="1"/>
               </p:ext>
             </p:extLst>
           </p:nvPr>
@@ -15446,7 +15265,7 @@
           <p:cNvPr id="2" name="Picture 1" descr="Mantel Parameters">
             <a:extLst>
               <a:ext uri="{FF2B5EF4-FFF2-40B4-BE49-F238E27FC236}">
-                <a16:creationId xmlns:a16="http://schemas.microsoft.com/office/drawing/2014/main" id="{E4DDE1B6-FED0-4CFF-9569-8C2A41D20541}"/>
+                <a16:creationId xmlns:a16="http://schemas.microsoft.com/office/drawing/2014/main" xmlns="" id="{E4DDE1B6-FED0-4CFF-9569-8C2A41D20541}"/>
               </a:ext>
             </a:extLst>
           </p:cNvPr>
@@ -15467,7 +15286,7 @@
         </p:blipFill>
         <p:spPr>
           <a:xfrm>
-            <a:off x="8688673" y="330045"/>
+            <a:off x="8688673" y="330047"/>
             <a:ext cx="2946019" cy="3997637"/>
           </a:xfrm>
           <a:prstGeom prst="rect">
@@ -15480,10 +15299,10 @@
           <p:cNvPr id="18" name="Straight Connector 17">
             <a:extLst>
               <a:ext uri="{FF2B5EF4-FFF2-40B4-BE49-F238E27FC236}">
-                <a16:creationId xmlns:a16="http://schemas.microsoft.com/office/drawing/2014/main" id="{DAD2B705-4A9B-408D-AA80-4F41045E09DE}"/>
+                <a16:creationId xmlns:a16="http://schemas.microsoft.com/office/drawing/2014/main" xmlns="" id="{DAD2B705-4A9B-408D-AA80-4F41045E09DE}"/>
               </a:ext>
               <a:ext uri="{C183D7F6-B498-43B3-948B-1728B52AA6E4}">
-                <adec:decorative xmlns:adec="http://schemas.microsoft.com/office/drawing/2017/decorative" val="1"/>
+                <adec:decorative xmlns:adec="http://schemas.microsoft.com/office/drawing/2017/decorative" xmlns="" val="1"/>
               </a:ext>
             </a:extLst>
           </p:cNvPr>
@@ -15493,7 +15312,7 @@
           <p:nvPr>
             <p:extLst>
               <p:ext uri="{386F3935-93C4-4BCD-93E2-E3B085C9AB24}">
-                <p16:designElem xmlns:p16="http://schemas.microsoft.com/office/powerpoint/2015/main" val="1"/>
+                <p16:designElem xmlns:p16="http://schemas.microsoft.com/office/powerpoint/2015/main" xmlns="" val="1"/>
               </p:ext>
             </p:extLst>
           </p:nvPr>
@@ -15562,7 +15381,7 @@
           <p:cNvPr id="2" name="Title 1">
             <a:extLst>
               <a:ext uri="{FF2B5EF4-FFF2-40B4-BE49-F238E27FC236}">
-                <a16:creationId xmlns:a16="http://schemas.microsoft.com/office/drawing/2014/main" id="{DB17A8D2-24EE-4685-9DB1-C27742E47992}"/>
+                <a16:creationId xmlns:a16="http://schemas.microsoft.com/office/drawing/2014/main" xmlns="" id="{DB17A8D2-24EE-4685-9DB1-C27742E47992}"/>
               </a:ext>
             </a:extLst>
           </p:cNvPr>
@@ -15593,7 +15412,7 @@
           <p:cNvPr id="5" name="Picture 5" descr="A screenshot of a social media post&#10;&#10;Description generated with very high confidence">
             <a:extLst>
               <a:ext uri="{FF2B5EF4-FFF2-40B4-BE49-F238E27FC236}">
-                <a16:creationId xmlns:a16="http://schemas.microsoft.com/office/drawing/2014/main" id="{9DA0EB27-7A5A-49DB-96D8-A1D8F462F8E5}"/>
+                <a16:creationId xmlns:a16="http://schemas.microsoft.com/office/drawing/2014/main" xmlns="" id="{9DA0EB27-7A5A-49DB-96D8-A1D8F462F8E5}"/>
               </a:ext>
             </a:extLst>
           </p:cNvPr>
@@ -15606,15 +15425,12 @@
         </p:nvPicPr>
         <p:blipFill>
           <a:blip r:embed="rId2"/>
+          <a:srcRect l="5640" r="5640"/>
           <a:stretch>
             <a:fillRect/>
           </a:stretch>
         </p:blipFill>
         <p:spPr>
-          <a:xfrm>
-            <a:off x="5183188" y="1072738"/>
-            <a:ext cx="6172200" cy="4702999"/>
-          </a:xfrm>
           <a:prstGeom prst="rect">
             <a:avLst/>
           </a:prstGeom>
@@ -15625,7 +15441,7 @@
           <p:cNvPr id="4" name="Text Placeholder 3">
             <a:extLst>
               <a:ext uri="{FF2B5EF4-FFF2-40B4-BE49-F238E27FC236}">
-                <a16:creationId xmlns:a16="http://schemas.microsoft.com/office/drawing/2014/main" id="{85B3365F-BB9D-439D-87E8-2B758F3CCE2B}"/>
+                <a16:creationId xmlns:a16="http://schemas.microsoft.com/office/drawing/2014/main" xmlns="" id="{85B3365F-BB9D-439D-87E8-2B758F3CCE2B}"/>
               </a:ext>
             </a:extLst>
           </p:cNvPr>
@@ -15692,7 +15508,7 @@
           <p:cNvPr id="3" name="Picture 2" descr="A screenshot of a cell phone&#10;&#10;Description automatically generated">
             <a:extLst>
               <a:ext uri="{FF2B5EF4-FFF2-40B4-BE49-F238E27FC236}">
-                <a16:creationId xmlns:a16="http://schemas.microsoft.com/office/drawing/2014/main" id="{0EF07514-0281-4616-9025-4F030C16C136}"/>
+                <a16:creationId xmlns:a16="http://schemas.microsoft.com/office/drawing/2014/main" xmlns="" id="{0EF07514-0281-4616-9025-4F030C16C136}"/>
               </a:ext>
             </a:extLst>
           </p:cNvPr>
@@ -15715,7 +15531,7 @@
         </p:blipFill>
         <p:spPr>
           <a:xfrm>
-            <a:off x="3347654" y="580627"/>
+            <a:off x="3347655" y="580629"/>
             <a:ext cx="5496692" cy="5696745"/>
           </a:xfrm>
           <a:prstGeom prst="rect">
@@ -15758,7 +15574,7 @@
           <p:cNvPr id="2" name="Title 1">
             <a:extLst>
               <a:ext uri="{FF2B5EF4-FFF2-40B4-BE49-F238E27FC236}">
-                <a16:creationId xmlns:a16="http://schemas.microsoft.com/office/drawing/2014/main" id="{EAF7BE2A-8F31-4C9A-8DB8-4D26D08DAC9A}"/>
+                <a16:creationId xmlns:a16="http://schemas.microsoft.com/office/drawing/2014/main" xmlns="" id="{EAF7BE2A-8F31-4C9A-8DB8-4D26D08DAC9A}"/>
               </a:ext>
             </a:extLst>
           </p:cNvPr>
@@ -15786,7 +15602,7 @@
           <p:cNvPr id="3" name="Text Placeholder 2">
             <a:extLst>
               <a:ext uri="{FF2B5EF4-FFF2-40B4-BE49-F238E27FC236}">
-                <a16:creationId xmlns:a16="http://schemas.microsoft.com/office/drawing/2014/main" id="{2D8285C2-1682-48BC-BF2A-67D67FB39801}"/>
+                <a16:creationId xmlns:a16="http://schemas.microsoft.com/office/drawing/2014/main" xmlns="" id="{2D8285C2-1682-48BC-BF2A-67D67FB39801}"/>
               </a:ext>
             </a:extLst>
           </p:cNvPr>
@@ -15799,7 +15615,7 @@
         </p:nvSpPr>
         <p:spPr>
           <a:xfrm>
-            <a:off x="839788" y="1681163"/>
+            <a:off x="839789" y="1681163"/>
             <a:ext cx="5157787" cy="528637"/>
           </a:xfrm>
         </p:spPr>
@@ -15819,7 +15635,7 @@
           <p:cNvPr id="8" name="Content Placeholder 7">
             <a:extLst>
               <a:ext uri="{FF2B5EF4-FFF2-40B4-BE49-F238E27FC236}">
-                <a16:creationId xmlns:a16="http://schemas.microsoft.com/office/drawing/2014/main" id="{FC36DEC9-CCEF-4750-8BCE-2E3A9A6CC6C2}"/>
+                <a16:creationId xmlns:a16="http://schemas.microsoft.com/office/drawing/2014/main" xmlns="" id="{FC36DEC9-CCEF-4750-8BCE-2E3A9A6CC6C2}"/>
               </a:ext>
             </a:extLst>
           </p:cNvPr>
@@ -15832,7 +15648,7 @@
           </p:nvPr>
         </p:nvGraphicFramePr>
         <p:xfrm>
-          <a:off x="836614" y="2702957"/>
+          <a:off x="836615" y="2702957"/>
           <a:ext cx="4715669" cy="2933462"/>
         </p:xfrm>
         <a:graphic>
@@ -15843,49 +15659,49 @@
                 <a:gridCol w="673667">
                   <a:extLst>
                     <a:ext uri="{9D8B030D-6E8A-4147-A177-3AD203B41FA5}">
-                      <a16:colId xmlns:a16="http://schemas.microsoft.com/office/drawing/2014/main" val="2214563673"/>
+                      <a16:colId xmlns:a16="http://schemas.microsoft.com/office/drawing/2014/main" xmlns="" val="2214563673"/>
                     </a:ext>
                   </a:extLst>
                 </a:gridCol>
                 <a:gridCol w="673667">
                   <a:extLst>
                     <a:ext uri="{9D8B030D-6E8A-4147-A177-3AD203B41FA5}">
-                      <a16:colId xmlns:a16="http://schemas.microsoft.com/office/drawing/2014/main" val="2770374087"/>
+                      <a16:colId xmlns:a16="http://schemas.microsoft.com/office/drawing/2014/main" xmlns="" val="2770374087"/>
                     </a:ext>
                   </a:extLst>
                 </a:gridCol>
                 <a:gridCol w="673667">
                   <a:extLst>
                     <a:ext uri="{9D8B030D-6E8A-4147-A177-3AD203B41FA5}">
-                      <a16:colId xmlns:a16="http://schemas.microsoft.com/office/drawing/2014/main" val="2670848707"/>
+                      <a16:colId xmlns:a16="http://schemas.microsoft.com/office/drawing/2014/main" xmlns="" val="2670848707"/>
                     </a:ext>
                   </a:extLst>
                 </a:gridCol>
                 <a:gridCol w="673667">
                   <a:extLst>
                     <a:ext uri="{9D8B030D-6E8A-4147-A177-3AD203B41FA5}">
-                      <a16:colId xmlns:a16="http://schemas.microsoft.com/office/drawing/2014/main" val="39131114"/>
+                      <a16:colId xmlns:a16="http://schemas.microsoft.com/office/drawing/2014/main" xmlns="" val="39131114"/>
                     </a:ext>
                   </a:extLst>
                 </a:gridCol>
                 <a:gridCol w="673667">
                   <a:extLst>
                     <a:ext uri="{9D8B030D-6E8A-4147-A177-3AD203B41FA5}">
-                      <a16:colId xmlns:a16="http://schemas.microsoft.com/office/drawing/2014/main" val="1417591246"/>
+                      <a16:colId xmlns:a16="http://schemas.microsoft.com/office/drawing/2014/main" xmlns="" val="1417591246"/>
                     </a:ext>
                   </a:extLst>
                 </a:gridCol>
                 <a:gridCol w="673667">
                   <a:extLst>
                     <a:ext uri="{9D8B030D-6E8A-4147-A177-3AD203B41FA5}">
-                      <a16:colId xmlns:a16="http://schemas.microsoft.com/office/drawing/2014/main" val="2114149488"/>
+                      <a16:colId xmlns:a16="http://schemas.microsoft.com/office/drawing/2014/main" xmlns="" val="2114149488"/>
                     </a:ext>
                   </a:extLst>
                 </a:gridCol>
                 <a:gridCol w="673667">
                   <a:extLst>
                     <a:ext uri="{9D8B030D-6E8A-4147-A177-3AD203B41FA5}">
-                      <a16:colId xmlns:a16="http://schemas.microsoft.com/office/drawing/2014/main" val="920685898"/>
+                      <a16:colId xmlns:a16="http://schemas.microsoft.com/office/drawing/2014/main" xmlns="" val="920685898"/>
                     </a:ext>
                   </a:extLst>
                 </a:gridCol>
@@ -15909,7 +15725,7 @@
                       </a:r>
                     </a:p>
                   </a:txBody>
-                  <a:tcPr marL="6350" marR="6350" marT="6350" marB="0" anchor="b">
+                  <a:tcPr marL="6351" marR="6351" marT="6350" marB="0" anchor="b">
                     <a:lnL>
                       <a:noFill/>
                     </a:lnL>
@@ -15942,7 +15758,7 @@
                       </a:r>
                     </a:p>
                   </a:txBody>
-                  <a:tcPr marL="6350" marR="6350" marT="6350" marB="0" anchor="b">
+                  <a:tcPr marL="6351" marR="6351" marT="6350" marB="0" anchor="b">
                     <a:lnL>
                       <a:noFill/>
                     </a:lnL>
@@ -15992,7 +15808,7 @@
                       </a:endParaRPr>
                     </a:p>
                   </a:txBody>
-                  <a:tcPr marL="6350" marR="6350" marT="6350" marB="0" anchor="b">
+                  <a:tcPr marL="6351" marR="6351" marT="6350" marB="0" anchor="b">
                     <a:lnL>
                       <a:noFill/>
                     </a:lnL>
@@ -16042,7 +15858,7 @@
                       </a:endParaRPr>
                     </a:p>
                   </a:txBody>
-                  <a:tcPr marL="6350" marR="6350" marT="6350" marB="0" anchor="b">
+                  <a:tcPr marL="6351" marR="6351" marT="6350" marB="0" anchor="b">
                     <a:lnL>
                       <a:noFill/>
                     </a:lnL>
@@ -16075,7 +15891,7 @@
                       </a:r>
                     </a:p>
                   </a:txBody>
-                  <a:tcPr marL="6350" marR="6350" marT="6350" marB="0" anchor="b">
+                  <a:tcPr marL="6351" marR="6351" marT="6350" marB="0" anchor="b">
                     <a:lnL>
                       <a:noFill/>
                     </a:lnL>
@@ -16108,7 +15924,7 @@
                       </a:r>
                     </a:p>
                   </a:txBody>
-                  <a:tcPr marL="6350" marR="6350" marT="6350" marB="0" anchor="b">
+                  <a:tcPr marL="6351" marR="6351" marT="6350" marB="0" anchor="b">
                     <a:lnL>
                       <a:noFill/>
                     </a:lnL>
@@ -16158,7 +15974,7 @@
                       </a:endParaRPr>
                     </a:p>
                   </a:txBody>
-                  <a:tcPr marL="6350" marR="6350" marT="6350" marB="0" anchor="b">
+                  <a:tcPr marL="6351" marR="6351" marT="6350" marB="0" anchor="b">
                     <a:lnL>
                       <a:noFill/>
                     </a:lnL>
@@ -16175,7 +15991,7 @@
                 </a:tc>
                 <a:extLst>
                   <a:ext uri="{0D108BD9-81ED-4DB2-BD59-A6C34878D82A}">
-                    <a16:rowId xmlns:a16="http://schemas.microsoft.com/office/drawing/2014/main" val="2183826126"/>
+                    <a16:rowId xmlns:a16="http://schemas.microsoft.com/office/drawing/2014/main" xmlns="" val="2183826126"/>
                   </a:ext>
                 </a:extLst>
               </a:tr>
@@ -16198,7 +16014,7 @@
                       </a:r>
                     </a:p>
                   </a:txBody>
-                  <a:tcPr marL="6350" marR="6350" marT="6350" marB="0" anchor="b">
+                  <a:tcPr marL="6351" marR="6351" marT="6350" marB="0" anchor="b">
                     <a:lnL>
                       <a:noFill/>
                     </a:lnL>
@@ -16231,7 +16047,7 @@
                       </a:r>
                     </a:p>
                   </a:txBody>
-                  <a:tcPr marL="6350" marR="6350" marT="6350" marB="0" anchor="b">
+                  <a:tcPr marL="6351" marR="6351" marT="6350" marB="0" anchor="b">
                     <a:lnL>
                       <a:noFill/>
                     </a:lnL>
@@ -16264,7 +16080,7 @@
                       </a:r>
                     </a:p>
                   </a:txBody>
-                  <a:tcPr marL="6350" marR="6350" marT="6350" marB="0" anchor="b">
+                  <a:tcPr marL="6351" marR="6351" marT="6350" marB="0" anchor="b">
                     <a:lnL>
                       <a:noFill/>
                     </a:lnL>
@@ -16297,7 +16113,7 @@
                       </a:r>
                     </a:p>
                   </a:txBody>
-                  <a:tcPr marL="6350" marR="6350" marT="6350" marB="0" anchor="b">
+                  <a:tcPr marL="6351" marR="6351" marT="6350" marB="0" anchor="b">
                     <a:lnL>
                       <a:noFill/>
                     </a:lnL>
@@ -16330,7 +16146,7 @@
                       </a:r>
                     </a:p>
                   </a:txBody>
-                  <a:tcPr marL="6350" marR="6350" marT="6350" marB="0" anchor="b">
+                  <a:tcPr marL="6351" marR="6351" marT="6350" marB="0" anchor="b">
                     <a:lnL>
                       <a:noFill/>
                     </a:lnL>
@@ -16363,7 +16179,7 @@
                       </a:r>
                     </a:p>
                   </a:txBody>
-                  <a:tcPr marL="6350" marR="6350" marT="6350" marB="0" anchor="b">
+                  <a:tcPr marL="6351" marR="6351" marT="6350" marB="0" anchor="b">
                     <a:lnL>
                       <a:noFill/>
                     </a:lnL>
@@ -16396,7 +16212,7 @@
                       </a:r>
                     </a:p>
                   </a:txBody>
-                  <a:tcPr marL="6350" marR="6350" marT="6350" marB="0" anchor="b">
+                  <a:tcPr marL="6351" marR="6351" marT="6350" marB="0" anchor="b">
                     <a:lnL>
                       <a:noFill/>
                     </a:lnL>
@@ -16413,7 +16229,7 @@
                 </a:tc>
                 <a:extLst>
                   <a:ext uri="{0D108BD9-81ED-4DB2-BD59-A6C34878D82A}">
-                    <a16:rowId xmlns:a16="http://schemas.microsoft.com/office/drawing/2014/main" val="613388021"/>
+                    <a16:rowId xmlns:a16="http://schemas.microsoft.com/office/drawing/2014/main" xmlns="" val="613388021"/>
                   </a:ext>
                 </a:extLst>
               </a:tr>
@@ -16436,7 +16252,7 @@
                       </a:r>
                     </a:p>
                   </a:txBody>
-                  <a:tcPr marL="6350" marR="6350" marT="6350" marB="0" anchor="b">
+                  <a:tcPr marL="6351" marR="6351" marT="6350" marB="0" anchor="b">
                     <a:lnL>
                       <a:noFill/>
                     </a:lnL>
@@ -16469,7 +16285,7 @@
                       </a:r>
                     </a:p>
                   </a:txBody>
-                  <a:tcPr marL="6350" marR="6350" marT="6350" marB="0" anchor="b">
+                  <a:tcPr marL="6351" marR="6351" marT="6350" marB="0" anchor="b">
                     <a:lnL>
                       <a:noFill/>
                     </a:lnL>
@@ -16502,7 +16318,7 @@
                       </a:r>
                     </a:p>
                   </a:txBody>
-                  <a:tcPr marL="6350" marR="6350" marT="6350" marB="0" anchor="b">
+                  <a:tcPr marL="6351" marR="6351" marT="6350" marB="0" anchor="b">
                     <a:lnL>
                       <a:noFill/>
                     </a:lnL>
@@ -16535,7 +16351,7 @@
                       </a:r>
                     </a:p>
                   </a:txBody>
-                  <a:tcPr marL="6350" marR="6350" marT="6350" marB="0" anchor="b">
+                  <a:tcPr marL="6351" marR="6351" marT="6350" marB="0" anchor="b">
                     <a:lnL>
                       <a:noFill/>
                     </a:lnL>
@@ -16568,7 +16384,7 @@
                       </a:r>
                     </a:p>
                   </a:txBody>
-                  <a:tcPr marL="6350" marR="6350" marT="6350" marB="0" anchor="b">
+                  <a:tcPr marL="6351" marR="6351" marT="6350" marB="0" anchor="b">
                     <a:lnL>
                       <a:noFill/>
                     </a:lnL>
@@ -16601,7 +16417,7 @@
                       </a:r>
                     </a:p>
                   </a:txBody>
-                  <a:tcPr marL="6350" marR="6350" marT="6350" marB="0" anchor="b">
+                  <a:tcPr marL="6351" marR="6351" marT="6350" marB="0" anchor="b">
                     <a:lnL>
                       <a:noFill/>
                     </a:lnL>
@@ -16634,7 +16450,7 @@
                       </a:r>
                     </a:p>
                   </a:txBody>
-                  <a:tcPr marL="6350" marR="6350" marT="6350" marB="0" anchor="b">
+                  <a:tcPr marL="6351" marR="6351" marT="6350" marB="0" anchor="b">
                     <a:lnL>
                       <a:noFill/>
                     </a:lnL>
@@ -16651,7 +16467,7 @@
                 </a:tc>
                 <a:extLst>
                   <a:ext uri="{0D108BD9-81ED-4DB2-BD59-A6C34878D82A}">
-                    <a16:rowId xmlns:a16="http://schemas.microsoft.com/office/drawing/2014/main" val="1540082166"/>
+                    <a16:rowId xmlns:a16="http://schemas.microsoft.com/office/drawing/2014/main" xmlns="" val="1540082166"/>
                   </a:ext>
                 </a:extLst>
               </a:tr>
@@ -16674,7 +16490,7 @@
                       </a:r>
                     </a:p>
                   </a:txBody>
-                  <a:tcPr marL="6350" marR="6350" marT="6350" marB="0" anchor="b">
+                  <a:tcPr marL="6351" marR="6351" marT="6350" marB="0" anchor="b">
                     <a:lnL>
                       <a:noFill/>
                     </a:lnL>
@@ -16707,7 +16523,7 @@
                       </a:r>
                     </a:p>
                   </a:txBody>
-                  <a:tcPr marL="6350" marR="6350" marT="6350" marB="0" anchor="b">
+                  <a:tcPr marL="6351" marR="6351" marT="6350" marB="0" anchor="b">
                     <a:lnL>
                       <a:noFill/>
                     </a:lnL>
@@ -16740,7 +16556,7 @@
                       </a:r>
                     </a:p>
                   </a:txBody>
-                  <a:tcPr marL="6350" marR="6350" marT="6350" marB="0" anchor="b">
+                  <a:tcPr marL="6351" marR="6351" marT="6350" marB="0" anchor="b">
                     <a:lnL>
                       <a:noFill/>
                     </a:lnL>
@@ -16773,7 +16589,7 @@
                       </a:r>
                     </a:p>
                   </a:txBody>
-                  <a:tcPr marL="6350" marR="6350" marT="6350" marB="0" anchor="b">
+                  <a:tcPr marL="6351" marR="6351" marT="6350" marB="0" anchor="b">
                     <a:lnL>
                       <a:noFill/>
                     </a:lnL>
@@ -16806,7 +16622,7 @@
                       </a:r>
                     </a:p>
                   </a:txBody>
-                  <a:tcPr marL="6350" marR="6350" marT="6350" marB="0" anchor="b">
+                  <a:tcPr marL="6351" marR="6351" marT="6350" marB="0" anchor="b">
                     <a:lnL>
                       <a:noFill/>
                     </a:lnL>
@@ -16839,7 +16655,7 @@
                       </a:r>
                     </a:p>
                   </a:txBody>
-                  <a:tcPr marL="6350" marR="6350" marT="6350" marB="0" anchor="b">
+                  <a:tcPr marL="6351" marR="6351" marT="6350" marB="0" anchor="b">
                     <a:lnL>
                       <a:noFill/>
                     </a:lnL>
@@ -16872,7 +16688,7 @@
                       </a:r>
                     </a:p>
                   </a:txBody>
-                  <a:tcPr marL="6350" marR="6350" marT="6350" marB="0" anchor="b">
+                  <a:tcPr marL="6351" marR="6351" marT="6350" marB="0" anchor="b">
                     <a:lnL>
                       <a:noFill/>
                     </a:lnL>
@@ -16889,7 +16705,7 @@
                 </a:tc>
                 <a:extLst>
                   <a:ext uri="{0D108BD9-81ED-4DB2-BD59-A6C34878D82A}">
-                    <a16:rowId xmlns:a16="http://schemas.microsoft.com/office/drawing/2014/main" val="1586446068"/>
+                    <a16:rowId xmlns:a16="http://schemas.microsoft.com/office/drawing/2014/main" xmlns="" val="1586446068"/>
                   </a:ext>
                 </a:extLst>
               </a:tr>
@@ -16912,7 +16728,7 @@
                       </a:r>
                     </a:p>
                   </a:txBody>
-                  <a:tcPr marL="6350" marR="6350" marT="6350" marB="0" anchor="b">
+                  <a:tcPr marL="6351" marR="6351" marT="6350" marB="0" anchor="b">
                     <a:lnL>
                       <a:noFill/>
                     </a:lnL>
@@ -16945,7 +16761,7 @@
                       </a:r>
                     </a:p>
                   </a:txBody>
-                  <a:tcPr marL="6350" marR="6350" marT="6350" marB="0" anchor="b">
+                  <a:tcPr marL="6351" marR="6351" marT="6350" marB="0" anchor="b">
                     <a:lnL>
                       <a:noFill/>
                     </a:lnL>
@@ -16978,7 +16794,7 @@
                       </a:r>
                     </a:p>
                   </a:txBody>
-                  <a:tcPr marL="6350" marR="6350" marT="6350" marB="0" anchor="b">
+                  <a:tcPr marL="6351" marR="6351" marT="6350" marB="0" anchor="b">
                     <a:lnL>
                       <a:noFill/>
                     </a:lnL>
@@ -17011,7 +16827,7 @@
                       </a:r>
                     </a:p>
                   </a:txBody>
-                  <a:tcPr marL="6350" marR="6350" marT="6350" marB="0" anchor="b">
+                  <a:tcPr marL="6351" marR="6351" marT="6350" marB="0" anchor="b">
                     <a:lnL>
                       <a:noFill/>
                     </a:lnL>
@@ -17044,7 +16860,7 @@
                       </a:r>
                     </a:p>
                   </a:txBody>
-                  <a:tcPr marL="6350" marR="6350" marT="6350" marB="0" anchor="b">
+                  <a:tcPr marL="6351" marR="6351" marT="6350" marB="0" anchor="b">
                     <a:lnL>
                       <a:noFill/>
                     </a:lnL>
@@ -17077,7 +16893,7 @@
                       </a:r>
                     </a:p>
                   </a:txBody>
-                  <a:tcPr marL="6350" marR="6350" marT="6350" marB="0" anchor="b">
+                  <a:tcPr marL="6351" marR="6351" marT="6350" marB="0" anchor="b">
                     <a:lnL>
                       <a:noFill/>
                     </a:lnL>
@@ -17110,7 +16926,7 @@
                       </a:r>
                     </a:p>
                   </a:txBody>
-                  <a:tcPr marL="6350" marR="6350" marT="6350" marB="0" anchor="b">
+                  <a:tcPr marL="6351" marR="6351" marT="6350" marB="0" anchor="b">
                     <a:lnL>
                       <a:noFill/>
                     </a:lnL>
@@ -17127,7 +16943,7 @@
                 </a:tc>
                 <a:extLst>
                   <a:ext uri="{0D108BD9-81ED-4DB2-BD59-A6C34878D82A}">
-                    <a16:rowId xmlns:a16="http://schemas.microsoft.com/office/drawing/2014/main" val="2318409494"/>
+                    <a16:rowId xmlns:a16="http://schemas.microsoft.com/office/drawing/2014/main" xmlns="" val="2318409494"/>
                   </a:ext>
                 </a:extLst>
               </a:tr>
@@ -17150,7 +16966,7 @@
                       </a:r>
                     </a:p>
                   </a:txBody>
-                  <a:tcPr marL="6350" marR="6350" marT="6350" marB="0" anchor="b">
+                  <a:tcPr marL="6351" marR="6351" marT="6350" marB="0" anchor="b">
                     <a:lnL>
                       <a:noFill/>
                     </a:lnL>
@@ -17183,7 +16999,7 @@
                       </a:r>
                     </a:p>
                   </a:txBody>
-                  <a:tcPr marL="6350" marR="6350" marT="6350" marB="0" anchor="b">
+                  <a:tcPr marL="6351" marR="6351" marT="6350" marB="0" anchor="b">
                     <a:lnL>
                       <a:noFill/>
                     </a:lnL>
@@ -17216,7 +17032,7 @@
                       </a:r>
                     </a:p>
                   </a:txBody>
-                  <a:tcPr marL="6350" marR="6350" marT="6350" marB="0" anchor="b">
+                  <a:tcPr marL="6351" marR="6351" marT="6350" marB="0" anchor="b">
                     <a:lnL>
                       <a:noFill/>
                     </a:lnL>
@@ -17249,7 +17065,7 @@
                       </a:r>
                     </a:p>
                   </a:txBody>
-                  <a:tcPr marL="6350" marR="6350" marT="6350" marB="0" anchor="b">
+                  <a:tcPr marL="6351" marR="6351" marT="6350" marB="0" anchor="b">
                     <a:lnL>
                       <a:noFill/>
                     </a:lnL>
@@ -17282,7 +17098,7 @@
                       </a:r>
                     </a:p>
                   </a:txBody>
-                  <a:tcPr marL="6350" marR="6350" marT="6350" marB="0" anchor="b">
+                  <a:tcPr marL="6351" marR="6351" marT="6350" marB="0" anchor="b">
                     <a:lnL>
                       <a:noFill/>
                     </a:lnL>
@@ -17315,7 +17131,7 @@
                       </a:r>
                     </a:p>
                   </a:txBody>
-                  <a:tcPr marL="6350" marR="6350" marT="6350" marB="0" anchor="b">
+                  <a:tcPr marL="6351" marR="6351" marT="6350" marB="0" anchor="b">
                     <a:lnL>
                       <a:noFill/>
                     </a:lnL>
@@ -17348,7 +17164,7 @@
                       </a:r>
                     </a:p>
                   </a:txBody>
-                  <a:tcPr marL="6350" marR="6350" marT="6350" marB="0" anchor="b">
+                  <a:tcPr marL="6351" marR="6351" marT="6350" marB="0" anchor="b">
                     <a:lnL>
                       <a:noFill/>
                     </a:lnL>
@@ -17365,7 +17181,7 @@
                 </a:tc>
                 <a:extLst>
                   <a:ext uri="{0D108BD9-81ED-4DB2-BD59-A6C34878D82A}">
-                    <a16:rowId xmlns:a16="http://schemas.microsoft.com/office/drawing/2014/main" val="2753326412"/>
+                    <a16:rowId xmlns:a16="http://schemas.microsoft.com/office/drawing/2014/main" xmlns="" val="2753326412"/>
                   </a:ext>
                 </a:extLst>
               </a:tr>
@@ -17388,7 +17204,7 @@
                       </a:r>
                     </a:p>
                   </a:txBody>
-                  <a:tcPr marL="6350" marR="6350" marT="6350" marB="0" anchor="b">
+                  <a:tcPr marL="6351" marR="6351" marT="6350" marB="0" anchor="b">
                     <a:lnL>
                       <a:noFill/>
                     </a:lnL>
@@ -17421,7 +17237,7 @@
                       </a:r>
                     </a:p>
                   </a:txBody>
-                  <a:tcPr marL="6350" marR="6350" marT="6350" marB="0" anchor="b">
+                  <a:tcPr marL="6351" marR="6351" marT="6350" marB="0" anchor="b">
                     <a:lnL>
                       <a:noFill/>
                     </a:lnL>
@@ -17454,7 +17270,7 @@
                       </a:r>
                     </a:p>
                   </a:txBody>
-                  <a:tcPr marL="6350" marR="6350" marT="6350" marB="0" anchor="b">
+                  <a:tcPr marL="6351" marR="6351" marT="6350" marB="0" anchor="b">
                     <a:lnL>
                       <a:noFill/>
                     </a:lnL>
@@ -17487,7 +17303,7 @@
                       </a:r>
                     </a:p>
                   </a:txBody>
-                  <a:tcPr marL="6350" marR="6350" marT="6350" marB="0" anchor="b">
+                  <a:tcPr marL="6351" marR="6351" marT="6350" marB="0" anchor="b">
                     <a:lnL>
                       <a:noFill/>
                     </a:lnL>
@@ -17520,7 +17336,7 @@
                       </a:r>
                     </a:p>
                   </a:txBody>
-                  <a:tcPr marL="6350" marR="6350" marT="6350" marB="0" anchor="b">
+                  <a:tcPr marL="6351" marR="6351" marT="6350" marB="0" anchor="b">
                     <a:lnL>
                       <a:noFill/>
                     </a:lnL>
@@ -17553,7 +17369,7 @@
                       </a:r>
                     </a:p>
                   </a:txBody>
-                  <a:tcPr marL="6350" marR="6350" marT="6350" marB="0" anchor="b">
+                  <a:tcPr marL="6351" marR="6351" marT="6350" marB="0" anchor="b">
                     <a:lnL>
                       <a:noFill/>
                     </a:lnL>
@@ -17586,7 +17402,7 @@
                       </a:r>
                     </a:p>
                   </a:txBody>
-                  <a:tcPr marL="6350" marR="6350" marT="6350" marB="0" anchor="b">
+                  <a:tcPr marL="6351" marR="6351" marT="6350" marB="0" anchor="b">
                     <a:lnL>
                       <a:noFill/>
                     </a:lnL>
@@ -17603,7 +17419,7 @@
                 </a:tc>
                 <a:extLst>
                   <a:ext uri="{0D108BD9-81ED-4DB2-BD59-A6C34878D82A}">
-                    <a16:rowId xmlns:a16="http://schemas.microsoft.com/office/drawing/2014/main" val="711321819"/>
+                    <a16:rowId xmlns:a16="http://schemas.microsoft.com/office/drawing/2014/main" xmlns="" val="711321819"/>
                   </a:ext>
                 </a:extLst>
               </a:tr>
@@ -17626,7 +17442,7 @@
                       </a:r>
                     </a:p>
                   </a:txBody>
-                  <a:tcPr marL="6350" marR="6350" marT="6350" marB="0" anchor="b">
+                  <a:tcPr marL="6351" marR="6351" marT="6350" marB="0" anchor="b">
                     <a:lnL>
                       <a:noFill/>
                     </a:lnL>
@@ -17659,7 +17475,7 @@
                       </a:r>
                     </a:p>
                   </a:txBody>
-                  <a:tcPr marL="6350" marR="6350" marT="6350" marB="0" anchor="b">
+                  <a:tcPr marL="6351" marR="6351" marT="6350" marB="0" anchor="b">
                     <a:lnL>
                       <a:noFill/>
                     </a:lnL>
@@ -17692,7 +17508,7 @@
                       </a:r>
                     </a:p>
                   </a:txBody>
-                  <a:tcPr marL="6350" marR="6350" marT="6350" marB="0" anchor="b">
+                  <a:tcPr marL="6351" marR="6351" marT="6350" marB="0" anchor="b">
                     <a:lnL>
                       <a:noFill/>
                     </a:lnL>
@@ -17725,7 +17541,7 @@
                       </a:r>
                     </a:p>
                   </a:txBody>
-                  <a:tcPr marL="6350" marR="6350" marT="6350" marB="0" anchor="b">
+                  <a:tcPr marL="6351" marR="6351" marT="6350" marB="0" anchor="b">
                     <a:lnL>
                       <a:noFill/>
                     </a:lnL>
@@ -17758,7 +17574,7 @@
                       </a:r>
                     </a:p>
                   </a:txBody>
-                  <a:tcPr marL="6350" marR="6350" marT="6350" marB="0" anchor="b">
+                  <a:tcPr marL="6351" marR="6351" marT="6350" marB="0" anchor="b">
                     <a:lnL>
                       <a:noFill/>
                     </a:lnL>
@@ -17791,7 +17607,7 @@
                       </a:r>
                     </a:p>
                   </a:txBody>
-                  <a:tcPr marL="6350" marR="6350" marT="6350" marB="0" anchor="b">
+                  <a:tcPr marL="6351" marR="6351" marT="6350" marB="0" anchor="b">
                     <a:lnL>
                       <a:noFill/>
                     </a:lnL>
@@ -17824,7 +17640,7 @@
                       </a:r>
                     </a:p>
                   </a:txBody>
-                  <a:tcPr marL="6350" marR="6350" marT="6350" marB="0" anchor="b">
+                  <a:tcPr marL="6351" marR="6351" marT="6350" marB="0" anchor="b">
                     <a:lnL>
                       <a:noFill/>
                     </a:lnL>
@@ -17841,7 +17657,7 @@
                 </a:tc>
                 <a:extLst>
                   <a:ext uri="{0D108BD9-81ED-4DB2-BD59-A6C34878D82A}">
-                    <a16:rowId xmlns:a16="http://schemas.microsoft.com/office/drawing/2014/main" val="3705139618"/>
+                    <a16:rowId xmlns:a16="http://schemas.microsoft.com/office/drawing/2014/main" xmlns="" val="3705139618"/>
                   </a:ext>
                 </a:extLst>
               </a:tr>
@@ -17864,7 +17680,7 @@
                       </a:r>
                     </a:p>
                   </a:txBody>
-                  <a:tcPr marL="6350" marR="6350" marT="6350" marB="0" anchor="b">
+                  <a:tcPr marL="6351" marR="6351" marT="6350" marB="0" anchor="b">
                     <a:lnL>
                       <a:noFill/>
                     </a:lnL>
@@ -17897,7 +17713,7 @@
                       </a:r>
                     </a:p>
                   </a:txBody>
-                  <a:tcPr marL="6350" marR="6350" marT="6350" marB="0" anchor="b">
+                  <a:tcPr marL="6351" marR="6351" marT="6350" marB="0" anchor="b">
                     <a:lnL>
                       <a:noFill/>
                     </a:lnL>
@@ -17930,7 +17746,7 @@
                       </a:r>
                     </a:p>
                   </a:txBody>
-                  <a:tcPr marL="6350" marR="6350" marT="6350" marB="0" anchor="b">
+                  <a:tcPr marL="6351" marR="6351" marT="6350" marB="0" anchor="b">
                     <a:lnL>
                       <a:noFill/>
                     </a:lnL>
@@ -17963,7 +17779,7 @@
                       </a:r>
                     </a:p>
                   </a:txBody>
-                  <a:tcPr marL="6350" marR="6350" marT="6350" marB="0" anchor="b">
+                  <a:tcPr marL="6351" marR="6351" marT="6350" marB="0" anchor="b">
                     <a:lnL>
                       <a:noFill/>
                     </a:lnL>
@@ -17996,7 +17812,7 @@
                       </a:r>
                     </a:p>
                   </a:txBody>
-                  <a:tcPr marL="6350" marR="6350" marT="6350" marB="0" anchor="b">
+                  <a:tcPr marL="6351" marR="6351" marT="6350" marB="0" anchor="b">
                     <a:lnL>
                       <a:noFill/>
                     </a:lnL>
@@ -18029,7 +17845,7 @@
                       </a:r>
                     </a:p>
                   </a:txBody>
-                  <a:tcPr marL="6350" marR="6350" marT="6350" marB="0" anchor="b">
+                  <a:tcPr marL="6351" marR="6351" marT="6350" marB="0" anchor="b">
                     <a:lnL>
                       <a:noFill/>
                     </a:lnL>
@@ -18062,7 +17878,7 @@
                       </a:r>
                     </a:p>
                   </a:txBody>
-                  <a:tcPr marL="6350" marR="6350" marT="6350" marB="0" anchor="b">
+                  <a:tcPr marL="6351" marR="6351" marT="6350" marB="0" anchor="b">
                     <a:lnL>
                       <a:noFill/>
                     </a:lnL>
@@ -18079,7 +17895,7 @@
                 </a:tc>
                 <a:extLst>
                   <a:ext uri="{0D108BD9-81ED-4DB2-BD59-A6C34878D82A}">
-                    <a16:rowId xmlns:a16="http://schemas.microsoft.com/office/drawing/2014/main" val="1673376386"/>
+                    <a16:rowId xmlns:a16="http://schemas.microsoft.com/office/drawing/2014/main" xmlns="" val="1673376386"/>
                   </a:ext>
                 </a:extLst>
               </a:tr>
@@ -18102,7 +17918,7 @@
                       </a:r>
                     </a:p>
                   </a:txBody>
-                  <a:tcPr marL="6350" marR="6350" marT="6350" marB="0" anchor="b">
+                  <a:tcPr marL="6351" marR="6351" marT="6350" marB="0" anchor="b">
                     <a:lnL>
                       <a:noFill/>
                     </a:lnL>
@@ -18135,7 +17951,7 @@
                       </a:r>
                     </a:p>
                   </a:txBody>
-                  <a:tcPr marL="6350" marR="6350" marT="6350" marB="0" anchor="b">
+                  <a:tcPr marL="6351" marR="6351" marT="6350" marB="0" anchor="b">
                     <a:lnL>
                       <a:noFill/>
                     </a:lnL>
@@ -18168,7 +17984,7 @@
                       </a:r>
                     </a:p>
                   </a:txBody>
-                  <a:tcPr marL="6350" marR="6350" marT="6350" marB="0" anchor="b">
+                  <a:tcPr marL="6351" marR="6351" marT="6350" marB="0" anchor="b">
                     <a:lnL>
                       <a:noFill/>
                     </a:lnL>
@@ -18201,7 +18017,7 @@
                       </a:r>
                     </a:p>
                   </a:txBody>
-                  <a:tcPr marL="6350" marR="6350" marT="6350" marB="0" anchor="b">
+                  <a:tcPr marL="6351" marR="6351" marT="6350" marB="0" anchor="b">
                     <a:lnL>
                       <a:noFill/>
                     </a:lnL>
@@ -18234,7 +18050,7 @@
                       </a:r>
                     </a:p>
                   </a:txBody>
-                  <a:tcPr marL="6350" marR="6350" marT="6350" marB="0" anchor="b">
+                  <a:tcPr marL="6351" marR="6351" marT="6350" marB="0" anchor="b">
                     <a:lnL>
                       <a:noFill/>
                     </a:lnL>
@@ -18267,7 +18083,7 @@
                       </a:r>
                     </a:p>
                   </a:txBody>
-                  <a:tcPr marL="6350" marR="6350" marT="6350" marB="0" anchor="b">
+                  <a:tcPr marL="6351" marR="6351" marT="6350" marB="0" anchor="b">
                     <a:lnL>
                       <a:noFill/>
                     </a:lnL>
@@ -18300,7 +18116,7 @@
                       </a:r>
                     </a:p>
                   </a:txBody>
-                  <a:tcPr marL="6350" marR="6350" marT="6350" marB="0" anchor="b">
+                  <a:tcPr marL="6351" marR="6351" marT="6350" marB="0" anchor="b">
                     <a:lnL>
                       <a:noFill/>
                     </a:lnL>
@@ -18317,7 +18133,7 @@
                 </a:tc>
                 <a:extLst>
                   <a:ext uri="{0D108BD9-81ED-4DB2-BD59-A6C34878D82A}">
-                    <a16:rowId xmlns:a16="http://schemas.microsoft.com/office/drawing/2014/main" val="622472685"/>
+                    <a16:rowId xmlns:a16="http://schemas.microsoft.com/office/drawing/2014/main" xmlns="" val="622472685"/>
                   </a:ext>
                 </a:extLst>
               </a:tr>
@@ -18340,7 +18156,7 @@
                       </a:r>
                     </a:p>
                   </a:txBody>
-                  <a:tcPr marL="6350" marR="6350" marT="6350" marB="0" anchor="b">
+                  <a:tcPr marL="6351" marR="6351" marT="6350" marB="0" anchor="b">
                     <a:lnL>
                       <a:noFill/>
                     </a:lnL>
@@ -18373,7 +18189,7 @@
                       </a:r>
                     </a:p>
                   </a:txBody>
-                  <a:tcPr marL="6350" marR="6350" marT="6350" marB="0" anchor="b">
+                  <a:tcPr marL="6351" marR="6351" marT="6350" marB="0" anchor="b">
                     <a:lnL>
                       <a:noFill/>
                     </a:lnL>
@@ -18406,7 +18222,7 @@
                       </a:r>
                     </a:p>
                   </a:txBody>
-                  <a:tcPr marL="6350" marR="6350" marT="6350" marB="0" anchor="b">
+                  <a:tcPr marL="6351" marR="6351" marT="6350" marB="0" anchor="b">
                     <a:lnL>
                       <a:noFill/>
                     </a:lnL>
@@ -18439,7 +18255,7 @@
                       </a:r>
                     </a:p>
                   </a:txBody>
-                  <a:tcPr marL="6350" marR="6350" marT="6350" marB="0" anchor="b">
+                  <a:tcPr marL="6351" marR="6351" marT="6350" marB="0" anchor="b">
                     <a:lnL>
                       <a:noFill/>
                     </a:lnL>
@@ -18472,7 +18288,7 @@
                       </a:r>
                     </a:p>
                   </a:txBody>
-                  <a:tcPr marL="6350" marR="6350" marT="6350" marB="0" anchor="b">
+                  <a:tcPr marL="6351" marR="6351" marT="6350" marB="0" anchor="b">
                     <a:lnL>
                       <a:noFill/>
                     </a:lnL>
@@ -18505,7 +18321,7 @@
                       </a:r>
                     </a:p>
                   </a:txBody>
-                  <a:tcPr marL="6350" marR="6350" marT="6350" marB="0" anchor="b">
+                  <a:tcPr marL="6351" marR="6351" marT="6350" marB="0" anchor="b">
                     <a:lnL>
                       <a:noFill/>
                     </a:lnL>
@@ -18538,7 +18354,7 @@
                       </a:r>
                     </a:p>
                   </a:txBody>
-                  <a:tcPr marL="6350" marR="6350" marT="6350" marB="0" anchor="b">
+                  <a:tcPr marL="6351" marR="6351" marT="6350" marB="0" anchor="b">
                     <a:lnL>
                       <a:noFill/>
                     </a:lnL>
@@ -18555,7 +18371,7 @@
                 </a:tc>
                 <a:extLst>
                   <a:ext uri="{0D108BD9-81ED-4DB2-BD59-A6C34878D82A}">
-                    <a16:rowId xmlns:a16="http://schemas.microsoft.com/office/drawing/2014/main" val="1957052003"/>
+                    <a16:rowId xmlns:a16="http://schemas.microsoft.com/office/drawing/2014/main" xmlns="" val="1957052003"/>
                   </a:ext>
                 </a:extLst>
               </a:tr>
@@ -18578,7 +18394,7 @@
                       </a:r>
                     </a:p>
                   </a:txBody>
-                  <a:tcPr marL="6350" marR="6350" marT="6350" marB="0" anchor="b">
+                  <a:tcPr marL="6351" marR="6351" marT="6350" marB="0" anchor="b">
                     <a:lnL>
                       <a:noFill/>
                     </a:lnL>
@@ -18611,7 +18427,7 @@
                       </a:r>
                     </a:p>
                   </a:txBody>
-                  <a:tcPr marL="6350" marR="6350" marT="6350" marB="0" anchor="b">
+                  <a:tcPr marL="6351" marR="6351" marT="6350" marB="0" anchor="b">
                     <a:lnL>
                       <a:noFill/>
                     </a:lnL>
@@ -18644,7 +18460,7 @@
                       </a:r>
                     </a:p>
                   </a:txBody>
-                  <a:tcPr marL="6350" marR="6350" marT="6350" marB="0" anchor="b">
+                  <a:tcPr marL="6351" marR="6351" marT="6350" marB="0" anchor="b">
                     <a:lnL>
                       <a:noFill/>
                     </a:lnL>
@@ -18677,7 +18493,7 @@
                       </a:r>
                     </a:p>
                   </a:txBody>
-                  <a:tcPr marL="6350" marR="6350" marT="6350" marB="0" anchor="b">
+                  <a:tcPr marL="6351" marR="6351" marT="6350" marB="0" anchor="b">
                     <a:lnL>
                       <a:noFill/>
                     </a:lnL>
@@ -18710,7 +18526,7 @@
                       </a:r>
                     </a:p>
                   </a:txBody>
-                  <a:tcPr marL="6350" marR="6350" marT="6350" marB="0" anchor="b">
+                  <a:tcPr marL="6351" marR="6351" marT="6350" marB="0" anchor="b">
                     <a:lnL>
                       <a:noFill/>
                     </a:lnL>
@@ -18743,7 +18559,7 @@
                       </a:r>
                     </a:p>
                   </a:txBody>
-                  <a:tcPr marL="6350" marR="6350" marT="6350" marB="0" anchor="b">
+                  <a:tcPr marL="6351" marR="6351" marT="6350" marB="0" anchor="b">
                     <a:lnL>
                       <a:noFill/>
                     </a:lnL>
@@ -18776,7 +18592,7 @@
                       </a:r>
                     </a:p>
                   </a:txBody>
-                  <a:tcPr marL="6350" marR="6350" marT="6350" marB="0" anchor="b">
+                  <a:tcPr marL="6351" marR="6351" marT="6350" marB="0" anchor="b">
                     <a:lnL>
                       <a:noFill/>
                     </a:lnL>
@@ -18793,7 +18609,7 @@
                 </a:tc>
                 <a:extLst>
                   <a:ext uri="{0D108BD9-81ED-4DB2-BD59-A6C34878D82A}">
-                    <a16:rowId xmlns:a16="http://schemas.microsoft.com/office/drawing/2014/main" val="705315766"/>
+                    <a16:rowId xmlns:a16="http://schemas.microsoft.com/office/drawing/2014/main" xmlns="" val="705315766"/>
                   </a:ext>
                 </a:extLst>
               </a:tr>
@@ -18816,7 +18632,7 @@
                       </a:r>
                     </a:p>
                   </a:txBody>
-                  <a:tcPr marL="6350" marR="6350" marT="6350" marB="0" anchor="b">
+                  <a:tcPr marL="6351" marR="6351" marT="6350" marB="0" anchor="b">
                     <a:lnL>
                       <a:noFill/>
                     </a:lnL>
@@ -18849,7 +18665,7 @@
                       </a:r>
                     </a:p>
                   </a:txBody>
-                  <a:tcPr marL="6350" marR="6350" marT="6350" marB="0" anchor="b">
+                  <a:tcPr marL="6351" marR="6351" marT="6350" marB="0" anchor="b">
                     <a:lnL>
                       <a:noFill/>
                     </a:lnL>
@@ -18882,7 +18698,7 @@
                       </a:r>
                     </a:p>
                   </a:txBody>
-                  <a:tcPr marL="6350" marR="6350" marT="6350" marB="0" anchor="b">
+                  <a:tcPr marL="6351" marR="6351" marT="6350" marB="0" anchor="b">
                     <a:lnL>
                       <a:noFill/>
                     </a:lnL>
@@ -18915,7 +18731,7 @@
                       </a:r>
                     </a:p>
                   </a:txBody>
-                  <a:tcPr marL="6350" marR="6350" marT="6350" marB="0" anchor="b">
+                  <a:tcPr marL="6351" marR="6351" marT="6350" marB="0" anchor="b">
                     <a:lnL>
                       <a:noFill/>
                     </a:lnL>
@@ -18948,7 +18764,7 @@
                       </a:r>
                     </a:p>
                   </a:txBody>
-                  <a:tcPr marL="6350" marR="6350" marT="6350" marB="0" anchor="b">
+                  <a:tcPr marL="6351" marR="6351" marT="6350" marB="0" anchor="b">
                     <a:lnL>
                       <a:noFill/>
                     </a:lnL>
@@ -18981,7 +18797,7 @@
                       </a:r>
                     </a:p>
                   </a:txBody>
-                  <a:tcPr marL="6350" marR="6350" marT="6350" marB="0" anchor="b">
+                  <a:tcPr marL="6351" marR="6351" marT="6350" marB="0" anchor="b">
                     <a:lnL>
                       <a:noFill/>
                     </a:lnL>
@@ -19014,7 +18830,7 @@
                       </a:r>
                     </a:p>
                   </a:txBody>
-                  <a:tcPr marL="6350" marR="6350" marT="6350" marB="0" anchor="b">
+                  <a:tcPr marL="6351" marR="6351" marT="6350" marB="0" anchor="b">
                     <a:lnL>
                       <a:noFill/>
                     </a:lnL>
@@ -19031,7 +18847,7 @@
                 </a:tc>
                 <a:extLst>
                   <a:ext uri="{0D108BD9-81ED-4DB2-BD59-A6C34878D82A}">
-                    <a16:rowId xmlns:a16="http://schemas.microsoft.com/office/drawing/2014/main" val="3135147402"/>
+                    <a16:rowId xmlns:a16="http://schemas.microsoft.com/office/drawing/2014/main" xmlns="" val="3135147402"/>
                   </a:ext>
                 </a:extLst>
               </a:tr>
@@ -19044,7 +18860,7 @@
           <p:cNvPr id="5" name="Text Placeholder 4">
             <a:extLst>
               <a:ext uri="{FF2B5EF4-FFF2-40B4-BE49-F238E27FC236}">
-                <a16:creationId xmlns:a16="http://schemas.microsoft.com/office/drawing/2014/main" id="{62EA84FA-0DFE-46AF-B61E-D05680727CBC}"/>
+                <a16:creationId xmlns:a16="http://schemas.microsoft.com/office/drawing/2014/main" xmlns="" id="{62EA84FA-0DFE-46AF-B61E-D05680727CBC}"/>
               </a:ext>
             </a:extLst>
           </p:cNvPr>
@@ -19057,7 +18873,7 @@
         </p:nvSpPr>
         <p:spPr>
           <a:xfrm>
-            <a:off x="6172200" y="1681163"/>
+            <a:off x="6172201" y="1681163"/>
             <a:ext cx="5183188" cy="528637"/>
           </a:xfrm>
         </p:spPr>
@@ -19077,7 +18893,7 @@
           <p:cNvPr id="7" name="Content Placeholder 6">
             <a:extLst>
               <a:ext uri="{FF2B5EF4-FFF2-40B4-BE49-F238E27FC236}">
-                <a16:creationId xmlns:a16="http://schemas.microsoft.com/office/drawing/2014/main" id="{9D902727-A943-4B3C-A93B-4B425AAB7465}"/>
+                <a16:creationId xmlns:a16="http://schemas.microsoft.com/office/drawing/2014/main" xmlns="" id="{9D902727-A943-4B3C-A93B-4B425AAB7465}"/>
               </a:ext>
             </a:extLst>
           </p:cNvPr>
@@ -19090,7 +18906,7 @@
           </p:nvPr>
         </p:nvGraphicFramePr>
         <p:xfrm>
-          <a:off x="6172201" y="2667000"/>
+          <a:off x="6172202" y="2667000"/>
           <a:ext cx="5183185" cy="2933458"/>
         </p:xfrm>
         <a:graphic>
@@ -19101,49 +18917,49 @@
                 <a:gridCol w="740455">
                   <a:extLst>
                     <a:ext uri="{9D8B030D-6E8A-4147-A177-3AD203B41FA5}">
-                      <a16:colId xmlns:a16="http://schemas.microsoft.com/office/drawing/2014/main" val="531173556"/>
+                      <a16:colId xmlns:a16="http://schemas.microsoft.com/office/drawing/2014/main" xmlns="" val="531173556"/>
                     </a:ext>
                   </a:extLst>
                 </a:gridCol>
                 <a:gridCol w="740455">
                   <a:extLst>
                     <a:ext uri="{9D8B030D-6E8A-4147-A177-3AD203B41FA5}">
-                      <a16:colId xmlns:a16="http://schemas.microsoft.com/office/drawing/2014/main" val="3437889242"/>
+                      <a16:colId xmlns:a16="http://schemas.microsoft.com/office/drawing/2014/main" xmlns="" val="3437889242"/>
                     </a:ext>
                   </a:extLst>
                 </a:gridCol>
                 <a:gridCol w="740455">
                   <a:extLst>
                     <a:ext uri="{9D8B030D-6E8A-4147-A177-3AD203B41FA5}">
-                      <a16:colId xmlns:a16="http://schemas.microsoft.com/office/drawing/2014/main" val="3985332295"/>
+                      <a16:colId xmlns:a16="http://schemas.microsoft.com/office/drawing/2014/main" xmlns="" val="3985332295"/>
                     </a:ext>
                   </a:extLst>
                 </a:gridCol>
                 <a:gridCol w="740455">
                   <a:extLst>
                     <a:ext uri="{9D8B030D-6E8A-4147-A177-3AD203B41FA5}">
-                      <a16:colId xmlns:a16="http://schemas.microsoft.com/office/drawing/2014/main" val="4090869924"/>
+                      <a16:colId xmlns:a16="http://schemas.microsoft.com/office/drawing/2014/main" xmlns="" val="4090869924"/>
                     </a:ext>
                   </a:extLst>
                 </a:gridCol>
                 <a:gridCol w="740455">
                   <a:extLst>
                     <a:ext uri="{9D8B030D-6E8A-4147-A177-3AD203B41FA5}">
-                      <a16:colId xmlns:a16="http://schemas.microsoft.com/office/drawing/2014/main" val="708826195"/>
+                      <a16:colId xmlns:a16="http://schemas.microsoft.com/office/drawing/2014/main" xmlns="" val="708826195"/>
                     </a:ext>
                   </a:extLst>
                 </a:gridCol>
                 <a:gridCol w="740455">
                   <a:extLst>
                     <a:ext uri="{9D8B030D-6E8A-4147-A177-3AD203B41FA5}">
-                      <a16:colId xmlns:a16="http://schemas.microsoft.com/office/drawing/2014/main" val="182039853"/>
+                      <a16:colId xmlns:a16="http://schemas.microsoft.com/office/drawing/2014/main" xmlns="" val="182039853"/>
                     </a:ext>
                   </a:extLst>
                 </a:gridCol>
                 <a:gridCol w="740455">
                   <a:extLst>
                     <a:ext uri="{9D8B030D-6E8A-4147-A177-3AD203B41FA5}">
-                      <a16:colId xmlns:a16="http://schemas.microsoft.com/office/drawing/2014/main" val="1707572657"/>
+                      <a16:colId xmlns:a16="http://schemas.microsoft.com/office/drawing/2014/main" xmlns="" val="1707572657"/>
                     </a:ext>
                   </a:extLst>
                 </a:gridCol>
@@ -19357,7 +19173,7 @@
                 </a:tc>
                 <a:extLst>
                   <a:ext uri="{0D108BD9-81ED-4DB2-BD59-A6C34878D82A}">
-                    <a16:rowId xmlns:a16="http://schemas.microsoft.com/office/drawing/2014/main" val="2356295354"/>
+                    <a16:rowId xmlns:a16="http://schemas.microsoft.com/office/drawing/2014/main" xmlns="" val="2356295354"/>
                   </a:ext>
                 </a:extLst>
               </a:tr>
@@ -19553,7 +19369,7 @@
                 </a:tc>
                 <a:extLst>
                   <a:ext uri="{0D108BD9-81ED-4DB2-BD59-A6C34878D82A}">
-                    <a16:rowId xmlns:a16="http://schemas.microsoft.com/office/drawing/2014/main" val="277389891"/>
+                    <a16:rowId xmlns:a16="http://schemas.microsoft.com/office/drawing/2014/main" xmlns="" val="277389891"/>
                   </a:ext>
                 </a:extLst>
               </a:tr>
@@ -19749,7 +19565,7 @@
                 </a:tc>
                 <a:extLst>
                   <a:ext uri="{0D108BD9-81ED-4DB2-BD59-A6C34878D82A}">
-                    <a16:rowId xmlns:a16="http://schemas.microsoft.com/office/drawing/2014/main" val="2037894670"/>
+                    <a16:rowId xmlns:a16="http://schemas.microsoft.com/office/drawing/2014/main" xmlns="" val="2037894670"/>
                   </a:ext>
                 </a:extLst>
               </a:tr>
@@ -19945,7 +19761,7 @@
                 </a:tc>
                 <a:extLst>
                   <a:ext uri="{0D108BD9-81ED-4DB2-BD59-A6C34878D82A}">
-                    <a16:rowId xmlns:a16="http://schemas.microsoft.com/office/drawing/2014/main" val="3337220134"/>
+                    <a16:rowId xmlns:a16="http://schemas.microsoft.com/office/drawing/2014/main" xmlns="" val="3337220134"/>
                   </a:ext>
                 </a:extLst>
               </a:tr>
@@ -20141,7 +19957,7 @@
                 </a:tc>
                 <a:extLst>
                   <a:ext uri="{0D108BD9-81ED-4DB2-BD59-A6C34878D82A}">
-                    <a16:rowId xmlns:a16="http://schemas.microsoft.com/office/drawing/2014/main" val="1605557580"/>
+                    <a16:rowId xmlns:a16="http://schemas.microsoft.com/office/drawing/2014/main" xmlns="" val="1605557580"/>
                   </a:ext>
                 </a:extLst>
               </a:tr>
@@ -20337,7 +20153,7 @@
                 </a:tc>
                 <a:extLst>
                   <a:ext uri="{0D108BD9-81ED-4DB2-BD59-A6C34878D82A}">
-                    <a16:rowId xmlns:a16="http://schemas.microsoft.com/office/drawing/2014/main" val="2333450694"/>
+                    <a16:rowId xmlns:a16="http://schemas.microsoft.com/office/drawing/2014/main" xmlns="" val="2333450694"/>
                   </a:ext>
                 </a:extLst>
               </a:tr>
@@ -20533,7 +20349,7 @@
                 </a:tc>
                 <a:extLst>
                   <a:ext uri="{0D108BD9-81ED-4DB2-BD59-A6C34878D82A}">
-                    <a16:rowId xmlns:a16="http://schemas.microsoft.com/office/drawing/2014/main" val="3625053798"/>
+                    <a16:rowId xmlns:a16="http://schemas.microsoft.com/office/drawing/2014/main" xmlns="" val="3625053798"/>
                   </a:ext>
                 </a:extLst>
               </a:tr>
@@ -20729,7 +20545,7 @@
                 </a:tc>
                 <a:extLst>
                   <a:ext uri="{0D108BD9-81ED-4DB2-BD59-A6C34878D82A}">
-                    <a16:rowId xmlns:a16="http://schemas.microsoft.com/office/drawing/2014/main" val="1423486099"/>
+                    <a16:rowId xmlns:a16="http://schemas.microsoft.com/office/drawing/2014/main" xmlns="" val="1423486099"/>
                   </a:ext>
                 </a:extLst>
               </a:tr>
@@ -20925,7 +20741,7 @@
                 </a:tc>
                 <a:extLst>
                   <a:ext uri="{0D108BD9-81ED-4DB2-BD59-A6C34878D82A}">
-                    <a16:rowId xmlns:a16="http://schemas.microsoft.com/office/drawing/2014/main" val="3028180349"/>
+                    <a16:rowId xmlns:a16="http://schemas.microsoft.com/office/drawing/2014/main" xmlns="" val="3028180349"/>
                   </a:ext>
                 </a:extLst>
               </a:tr>
@@ -21121,7 +20937,7 @@
                 </a:tc>
                 <a:extLst>
                   <a:ext uri="{0D108BD9-81ED-4DB2-BD59-A6C34878D82A}">
-                    <a16:rowId xmlns:a16="http://schemas.microsoft.com/office/drawing/2014/main" val="3846955782"/>
+                    <a16:rowId xmlns:a16="http://schemas.microsoft.com/office/drawing/2014/main" xmlns="" val="3846955782"/>
                   </a:ext>
                 </a:extLst>
               </a:tr>
@@ -21317,7 +21133,7 @@
                 </a:tc>
                 <a:extLst>
                   <a:ext uri="{0D108BD9-81ED-4DB2-BD59-A6C34878D82A}">
-                    <a16:rowId xmlns:a16="http://schemas.microsoft.com/office/drawing/2014/main" val="1282028055"/>
+                    <a16:rowId xmlns:a16="http://schemas.microsoft.com/office/drawing/2014/main" xmlns="" val="1282028055"/>
                   </a:ext>
                 </a:extLst>
               </a:tr>
@@ -21513,7 +21329,7 @@
                 </a:tc>
                 <a:extLst>
                   <a:ext uri="{0D108BD9-81ED-4DB2-BD59-A6C34878D82A}">
-                    <a16:rowId xmlns:a16="http://schemas.microsoft.com/office/drawing/2014/main" val="689037507"/>
+                    <a16:rowId xmlns:a16="http://schemas.microsoft.com/office/drawing/2014/main" xmlns="" val="689037507"/>
                   </a:ext>
                 </a:extLst>
               </a:tr>
@@ -21709,7 +21525,7 @@
                 </a:tc>
                 <a:extLst>
                   <a:ext uri="{0D108BD9-81ED-4DB2-BD59-A6C34878D82A}">
-                    <a16:rowId xmlns:a16="http://schemas.microsoft.com/office/drawing/2014/main" val="2861710221"/>
+                    <a16:rowId xmlns:a16="http://schemas.microsoft.com/office/drawing/2014/main" xmlns="" val="2861710221"/>
                   </a:ext>
                 </a:extLst>
               </a:tr>
@@ -21752,7 +21568,7 @@
           <p:cNvPr id="2" name="Title 1">
             <a:extLst>
               <a:ext uri="{FF2B5EF4-FFF2-40B4-BE49-F238E27FC236}">
-                <a16:creationId xmlns:a16="http://schemas.microsoft.com/office/drawing/2014/main" id="{500C2163-C646-4653-A00F-6B072E2019CF}"/>
+                <a16:creationId xmlns:a16="http://schemas.microsoft.com/office/drawing/2014/main" xmlns="" id="{500C2163-C646-4653-A00F-6B072E2019CF}"/>
               </a:ext>
             </a:extLst>
           </p:cNvPr>
@@ -21783,7 +21599,7 @@
           <p:cNvPr id="5" name="Picture 5" descr="A screenshot of a cell phone&#10;&#10;Description generated with very high confidence">
             <a:extLst>
               <a:ext uri="{FF2B5EF4-FFF2-40B4-BE49-F238E27FC236}">
-                <a16:creationId xmlns:a16="http://schemas.microsoft.com/office/drawing/2014/main" id="{0FCF129D-292F-49C3-9847-DDF3A9378803}"/>
+                <a16:creationId xmlns:a16="http://schemas.microsoft.com/office/drawing/2014/main" xmlns="" id="{0FCF129D-292F-49C3-9847-DDF3A9378803}"/>
               </a:ext>
             </a:extLst>
           </p:cNvPr>
@@ -21802,8 +21618,8 @@
         </p:blipFill>
         <p:spPr>
           <a:xfrm>
-            <a:off x="297222" y="2062972"/>
-            <a:ext cx="3867150" cy="4505325"/>
+            <a:off x="297222" y="2062974"/>
+            <a:ext cx="3867151" cy="4505325"/>
           </a:xfrm>
           <a:prstGeom prst="rect">
             <a:avLst/>
@@ -21815,7 +21631,7 @@
           <p:cNvPr id="4" name="Text Placeholder 3">
             <a:extLst>
               <a:ext uri="{FF2B5EF4-FFF2-40B4-BE49-F238E27FC236}">
-                <a16:creationId xmlns:a16="http://schemas.microsoft.com/office/drawing/2014/main" id="{E94BB40B-B07B-4BE5-B24E-A78C38C3E435}"/>
+                <a16:creationId xmlns:a16="http://schemas.microsoft.com/office/drawing/2014/main" xmlns="" id="{E94BB40B-B07B-4BE5-B24E-A78C38C3E435}"/>
               </a:ext>
             </a:extLst>
           </p:cNvPr>
@@ -21847,7 +21663,7 @@
           <p:cNvPr id="7" name="Picture 7" descr="A screenshot of a cell phone&#10;&#10;Description generated with very high confidence">
             <a:extLst>
               <a:ext uri="{FF2B5EF4-FFF2-40B4-BE49-F238E27FC236}">
-                <a16:creationId xmlns:a16="http://schemas.microsoft.com/office/drawing/2014/main" id="{E0117E2B-10BB-4464-9FAD-1D7DBF00193D}"/>
+                <a16:creationId xmlns:a16="http://schemas.microsoft.com/office/drawing/2014/main" xmlns="" id="{E0117E2B-10BB-4464-9FAD-1D7DBF00193D}"/>
               </a:ext>
             </a:extLst>
           </p:cNvPr>
@@ -21877,7 +21693,7 @@
           <p:cNvPr id="9" name="Picture 9" descr="A screenshot of a social media post&#10;&#10;Description generated with very high confidence">
             <a:extLst>
               <a:ext uri="{FF2B5EF4-FFF2-40B4-BE49-F238E27FC236}">
-                <a16:creationId xmlns:a16="http://schemas.microsoft.com/office/drawing/2014/main" id="{55896109-D3E4-44B6-A0BD-3557423C8A09}"/>
+                <a16:creationId xmlns:a16="http://schemas.microsoft.com/office/drawing/2014/main" xmlns="" id="{55896109-D3E4-44B6-A0BD-3557423C8A09}"/>
               </a:ext>
             </a:extLst>
           </p:cNvPr>
@@ -21893,8 +21709,8 @@
         </p:blipFill>
         <p:spPr>
           <a:xfrm>
-            <a:off x="5917722" y="181979"/>
-            <a:ext cx="6185914" cy="6624240"/>
+            <a:off x="5917721" y="181979"/>
+            <a:ext cx="6185915" cy="6624240"/>
           </a:xfrm>
           <a:prstGeom prst="rect">
             <a:avLst/>
@@ -21936,7 +21752,7 @@
           <p:cNvPr id="3" name="Picture 2" descr="A screenshot of a cell phone&#10;&#10;Description automatically generated">
             <a:extLst>
               <a:ext uri="{FF2B5EF4-FFF2-40B4-BE49-F238E27FC236}">
-                <a16:creationId xmlns:a16="http://schemas.microsoft.com/office/drawing/2014/main" id="{2B5AB497-1E3D-4CDD-A55F-602B319C18AC}"/>
+                <a16:creationId xmlns:a16="http://schemas.microsoft.com/office/drawing/2014/main" xmlns="" id="{2B5AB497-1E3D-4CDD-A55F-602B319C18AC}"/>
               </a:ext>
             </a:extLst>
           </p:cNvPr>
@@ -21959,7 +21775,7 @@
         </p:blipFill>
         <p:spPr>
           <a:xfrm>
-            <a:off x="337551" y="1683382"/>
+            <a:off x="337552" y="1683382"/>
             <a:ext cx="11193437" cy="4324954"/>
           </a:xfrm>
           <a:prstGeom prst="rect">
@@ -22002,7 +21818,7 @@
           <p:cNvPr id="4" name="Table 3">
             <a:extLst>
               <a:ext uri="{FF2B5EF4-FFF2-40B4-BE49-F238E27FC236}">
-                <a16:creationId xmlns:a16="http://schemas.microsoft.com/office/drawing/2014/main" id="{93BF34C6-A631-409F-988C-E0F06CAB9DBE}"/>
+                <a16:creationId xmlns:a16="http://schemas.microsoft.com/office/drawing/2014/main" xmlns="" id="{93BF34C6-A631-409F-988C-E0F06CAB9DBE}"/>
               </a:ext>
             </a:extLst>
           </p:cNvPr>
@@ -22018,7 +21834,7 @@
           </p:nvPr>
         </p:nvGraphicFramePr>
         <p:xfrm>
-          <a:off x="891396" y="992038"/>
+          <a:off x="891397" y="992038"/>
           <a:ext cx="7104705" cy="5463072"/>
         </p:xfrm>
         <a:graphic>
@@ -22031,35 +21847,35 @@
                 <a:gridCol w="1420941">
                   <a:extLst>
                     <a:ext uri="{9D8B030D-6E8A-4147-A177-3AD203B41FA5}">
-                      <a16:colId xmlns:a16="http://schemas.microsoft.com/office/drawing/2014/main" val="746430926"/>
+                      <a16:colId xmlns:a16="http://schemas.microsoft.com/office/drawing/2014/main" xmlns="" val="746430926"/>
                     </a:ext>
                   </a:extLst>
                 </a:gridCol>
                 <a:gridCol w="1420941">
                   <a:extLst>
                     <a:ext uri="{9D8B030D-6E8A-4147-A177-3AD203B41FA5}">
-                      <a16:colId xmlns:a16="http://schemas.microsoft.com/office/drawing/2014/main" val="1015021311"/>
+                      <a16:colId xmlns:a16="http://schemas.microsoft.com/office/drawing/2014/main" xmlns="" val="1015021311"/>
                     </a:ext>
                   </a:extLst>
                 </a:gridCol>
                 <a:gridCol w="1420941">
                   <a:extLst>
                     <a:ext uri="{9D8B030D-6E8A-4147-A177-3AD203B41FA5}">
-                      <a16:colId xmlns:a16="http://schemas.microsoft.com/office/drawing/2014/main" val="2305714087"/>
+                      <a16:colId xmlns:a16="http://schemas.microsoft.com/office/drawing/2014/main" xmlns="" val="2305714087"/>
                     </a:ext>
                   </a:extLst>
                 </a:gridCol>
                 <a:gridCol w="1420941">
                   <a:extLst>
                     <a:ext uri="{9D8B030D-6E8A-4147-A177-3AD203B41FA5}">
-                      <a16:colId xmlns:a16="http://schemas.microsoft.com/office/drawing/2014/main" val="3158680605"/>
+                      <a16:colId xmlns:a16="http://schemas.microsoft.com/office/drawing/2014/main" xmlns="" val="3158680605"/>
                     </a:ext>
                   </a:extLst>
                 </a:gridCol>
                 <a:gridCol w="1420941">
                   <a:extLst>
                     <a:ext uri="{9D8B030D-6E8A-4147-A177-3AD203B41FA5}">
-                      <a16:colId xmlns:a16="http://schemas.microsoft.com/office/drawing/2014/main" val="1916417408"/>
+                      <a16:colId xmlns:a16="http://schemas.microsoft.com/office/drawing/2014/main" xmlns="" val="1916417408"/>
                     </a:ext>
                   </a:extLst>
                 </a:gridCol>
@@ -22152,7 +21968,7 @@
                 </a:tc>
                 <a:extLst>
                   <a:ext uri="{0D108BD9-81ED-4DB2-BD59-A6C34878D82A}">
-                    <a16:rowId xmlns:a16="http://schemas.microsoft.com/office/drawing/2014/main" val="1790010630"/>
+                    <a16:rowId xmlns:a16="http://schemas.microsoft.com/office/drawing/2014/main" xmlns="" val="1790010630"/>
                   </a:ext>
                 </a:extLst>
               </a:tr>
@@ -22244,7 +22060,7 @@
                 </a:tc>
                 <a:extLst>
                   <a:ext uri="{0D108BD9-81ED-4DB2-BD59-A6C34878D82A}">
-                    <a16:rowId xmlns:a16="http://schemas.microsoft.com/office/drawing/2014/main" val="3920820628"/>
+                    <a16:rowId xmlns:a16="http://schemas.microsoft.com/office/drawing/2014/main" xmlns="" val="3920820628"/>
                   </a:ext>
                 </a:extLst>
               </a:tr>
@@ -22336,7 +22152,7 @@
                 </a:tc>
                 <a:extLst>
                   <a:ext uri="{0D108BD9-81ED-4DB2-BD59-A6C34878D82A}">
-                    <a16:rowId xmlns:a16="http://schemas.microsoft.com/office/drawing/2014/main" val="3410368273"/>
+                    <a16:rowId xmlns:a16="http://schemas.microsoft.com/office/drawing/2014/main" xmlns="" val="3410368273"/>
                   </a:ext>
                 </a:extLst>
               </a:tr>
@@ -22428,7 +22244,7 @@
                 </a:tc>
                 <a:extLst>
                   <a:ext uri="{0D108BD9-81ED-4DB2-BD59-A6C34878D82A}">
-                    <a16:rowId xmlns:a16="http://schemas.microsoft.com/office/drawing/2014/main" val="2608789795"/>
+                    <a16:rowId xmlns:a16="http://schemas.microsoft.com/office/drawing/2014/main" xmlns="" val="2608789795"/>
                   </a:ext>
                 </a:extLst>
               </a:tr>
@@ -22520,7 +22336,7 @@
                 </a:tc>
                 <a:extLst>
                   <a:ext uri="{0D108BD9-81ED-4DB2-BD59-A6C34878D82A}">
-                    <a16:rowId xmlns:a16="http://schemas.microsoft.com/office/drawing/2014/main" val="4200169592"/>
+                    <a16:rowId xmlns:a16="http://schemas.microsoft.com/office/drawing/2014/main" xmlns="" val="4200169592"/>
                   </a:ext>
                 </a:extLst>
               </a:tr>
@@ -22612,7 +22428,7 @@
                 </a:tc>
                 <a:extLst>
                   <a:ext uri="{0D108BD9-81ED-4DB2-BD59-A6C34878D82A}">
-                    <a16:rowId xmlns:a16="http://schemas.microsoft.com/office/drawing/2014/main" val="638170229"/>
+                    <a16:rowId xmlns:a16="http://schemas.microsoft.com/office/drawing/2014/main" xmlns="" val="638170229"/>
                   </a:ext>
                 </a:extLst>
               </a:tr>
@@ -22704,7 +22520,7 @@
                 </a:tc>
                 <a:extLst>
                   <a:ext uri="{0D108BD9-81ED-4DB2-BD59-A6C34878D82A}">
-                    <a16:rowId xmlns:a16="http://schemas.microsoft.com/office/drawing/2014/main" val="2878326232"/>
+                    <a16:rowId xmlns:a16="http://schemas.microsoft.com/office/drawing/2014/main" xmlns="" val="2878326232"/>
                   </a:ext>
                 </a:extLst>
               </a:tr>
@@ -22796,7 +22612,7 @@
                 </a:tc>
                 <a:extLst>
                   <a:ext uri="{0D108BD9-81ED-4DB2-BD59-A6C34878D82A}">
-                    <a16:rowId xmlns:a16="http://schemas.microsoft.com/office/drawing/2014/main" val="2949705414"/>
+                    <a16:rowId xmlns:a16="http://schemas.microsoft.com/office/drawing/2014/main" xmlns="" val="2949705414"/>
                   </a:ext>
                 </a:extLst>
               </a:tr>
@@ -22888,7 +22704,7 @@
                 </a:tc>
                 <a:extLst>
                   <a:ext uri="{0D108BD9-81ED-4DB2-BD59-A6C34878D82A}">
-                    <a16:rowId xmlns:a16="http://schemas.microsoft.com/office/drawing/2014/main" val="2060187411"/>
+                    <a16:rowId xmlns:a16="http://schemas.microsoft.com/office/drawing/2014/main" xmlns="" val="2060187411"/>
                   </a:ext>
                 </a:extLst>
               </a:tr>
@@ -22980,7 +22796,7 @@
                 </a:tc>
                 <a:extLst>
                   <a:ext uri="{0D108BD9-81ED-4DB2-BD59-A6C34878D82A}">
-                    <a16:rowId xmlns:a16="http://schemas.microsoft.com/office/drawing/2014/main" val="601263703"/>
+                    <a16:rowId xmlns:a16="http://schemas.microsoft.com/office/drawing/2014/main" xmlns="" val="601263703"/>
                   </a:ext>
                 </a:extLst>
               </a:tr>
@@ -23072,7 +22888,7 @@
                 </a:tc>
                 <a:extLst>
                   <a:ext uri="{0D108BD9-81ED-4DB2-BD59-A6C34878D82A}">
-                    <a16:rowId xmlns:a16="http://schemas.microsoft.com/office/drawing/2014/main" val="1364486931"/>
+                    <a16:rowId xmlns:a16="http://schemas.microsoft.com/office/drawing/2014/main" xmlns="" val="1364486931"/>
                   </a:ext>
                 </a:extLst>
               </a:tr>
@@ -23164,7 +22980,7 @@
                 </a:tc>
                 <a:extLst>
                   <a:ext uri="{0D108BD9-81ED-4DB2-BD59-A6C34878D82A}">
-                    <a16:rowId xmlns:a16="http://schemas.microsoft.com/office/drawing/2014/main" val="2042132464"/>
+                    <a16:rowId xmlns:a16="http://schemas.microsoft.com/office/drawing/2014/main" xmlns="" val="2042132464"/>
                   </a:ext>
                 </a:extLst>
               </a:tr>
@@ -23207,7 +23023,7 @@
           <p:cNvPr id="2" name="Title 1">
             <a:extLst>
               <a:ext uri="{FF2B5EF4-FFF2-40B4-BE49-F238E27FC236}">
-                <a16:creationId xmlns:a16="http://schemas.microsoft.com/office/drawing/2014/main" id="{1B71EA4C-FF76-4BC5-86E6-14BC322D717F}"/>
+                <a16:creationId xmlns:a16="http://schemas.microsoft.com/office/drawing/2014/main" xmlns="" id="{1B71EA4C-FF76-4BC5-86E6-14BC322D717F}"/>
               </a:ext>
             </a:extLst>
           </p:cNvPr>
@@ -23235,7 +23051,7 @@
           <p:cNvPr id="5" name="Picture 5" descr="A screenshot of a cell phone&#10;&#10;Description generated with very high confidence">
             <a:extLst>
               <a:ext uri="{FF2B5EF4-FFF2-40B4-BE49-F238E27FC236}">
-                <a16:creationId xmlns:a16="http://schemas.microsoft.com/office/drawing/2014/main" id="{D22A39FD-F5C4-4433-870E-D7CF79A6BDDE}"/>
+                <a16:creationId xmlns:a16="http://schemas.microsoft.com/office/drawing/2014/main" xmlns="" id="{D22A39FD-F5C4-4433-870E-D7CF79A6BDDE}"/>
               </a:ext>
             </a:extLst>
           </p:cNvPr>
@@ -23254,7 +23070,7 @@
         </p:blipFill>
         <p:spPr>
           <a:xfrm>
-            <a:off x="723182" y="2006864"/>
+            <a:off x="723181" y="2006864"/>
             <a:ext cx="9422920" cy="3643804"/>
           </a:xfrm>
           <a:prstGeom prst="rect">
@@ -23267,7 +23083,7 @@
           <p:cNvPr id="9" name="Picture 9" descr="A screenshot of a cell phone&#10;&#10;Description generated with very high confidence">
             <a:extLst>
               <a:ext uri="{FF2B5EF4-FFF2-40B4-BE49-F238E27FC236}">
-                <a16:creationId xmlns:a16="http://schemas.microsoft.com/office/drawing/2014/main" id="{6FEA5BB4-9D3F-4D46-99FF-7CD95ECF2C71}"/>
+                <a16:creationId xmlns:a16="http://schemas.microsoft.com/office/drawing/2014/main" xmlns="" id="{6FEA5BB4-9D3F-4D46-99FF-7CD95ECF2C71}"/>
               </a:ext>
             </a:extLst>
           </p:cNvPr>
@@ -23280,14 +23096,10 @@
         </p:nvPicPr>
         <p:blipFill rotWithShape="1">
           <a:blip r:embed="rId3"/>
-          <a:srcRect l="29167" t="34896" r="30278" b="10417"/>
+          <a:srcRect l="18296" r="18296"/>
           <a:stretch/>
         </p:blipFill>
         <p:spPr>
-          <a:xfrm>
-            <a:off x="6100314" y="1786659"/>
-            <a:ext cx="6055207" cy="4356913"/>
-          </a:xfrm>
           <a:prstGeom prst="rect">
             <a:avLst/>
           </a:prstGeom>
@@ -23328,7 +23140,7 @@
           <p:cNvPr id="2050" name="Picture 2" descr="https://images.readcube-cdn.com/publishers/wiley/figures/1a939f011a727cf66f71ad18900248edc6402a04e58adff7ea2473df0e45f731/2.jpg">
             <a:extLst>
               <a:ext uri="{FF2B5EF4-FFF2-40B4-BE49-F238E27FC236}">
-                <a16:creationId xmlns:a16="http://schemas.microsoft.com/office/drawing/2014/main" id="{F4B2EF37-12A9-4327-B4D9-8ABB60520490}"/>
+                <a16:creationId xmlns:a16="http://schemas.microsoft.com/office/drawing/2014/main" xmlns="" id="{F4B2EF37-12A9-4327-B4D9-8ABB60520490}"/>
               </a:ext>
             </a:extLst>
           </p:cNvPr>
@@ -23360,7 +23172,7 @@
           </a:prstGeom>
           <a:noFill/>
           <a:extLst>
-            <a:ext uri="{909E8E84-426E-40DD-AFC4-6F175D3DCCD1}">
+            <a:ext uri="{909E8E84-426E-40dd-AFC4-6F175D3DCCD1}">
               <a14:hiddenFill xmlns:a14="http://schemas.microsoft.com/office/drawing/2010/main">
                 <a:solidFill>
                   <a:srgbClr val="FFFFFF"/>
@@ -23375,7 +23187,7 @@
           <p:cNvPr id="3" name="TextBox 2">
             <a:extLst>
               <a:ext uri="{FF2B5EF4-FFF2-40B4-BE49-F238E27FC236}">
-                <a16:creationId xmlns:a16="http://schemas.microsoft.com/office/drawing/2014/main" id="{D008B42A-ADE1-4775-8EB7-F075F1C34DB3}"/>
+                <a16:creationId xmlns:a16="http://schemas.microsoft.com/office/drawing/2014/main" xmlns="" id="{D008B42A-ADE1-4775-8EB7-F075F1C34DB3}"/>
               </a:ext>
             </a:extLst>
           </p:cNvPr>
@@ -23384,8 +23196,8 @@
         </p:nvSpPr>
         <p:spPr>
           <a:xfrm>
-            <a:off x="70338" y="0"/>
-            <a:ext cx="2368062" cy="3631763"/>
+            <a:off x="70338" y="1"/>
+            <a:ext cx="2368063" cy="3477875"/>
           </a:xfrm>
           <a:prstGeom prst="rect">
             <a:avLst/>
@@ -23544,7 +23356,7 @@
           <p:cNvPr id="2" name="Title 1">
             <a:extLst>
               <a:ext uri="{FF2B5EF4-FFF2-40B4-BE49-F238E27FC236}">
-                <a16:creationId xmlns:a16="http://schemas.microsoft.com/office/drawing/2014/main" id="{9FC34CC3-D688-4649-802A-266F4AB4A065}"/>
+                <a16:creationId xmlns:a16="http://schemas.microsoft.com/office/drawing/2014/main" xmlns="" id="{9FC34CC3-D688-4649-802A-266F4AB4A065}"/>
               </a:ext>
             </a:extLst>
           </p:cNvPr>
@@ -23573,7 +23385,7 @@
           <p:cNvPr id="3" name="Content Placeholder 2">
             <a:extLst>
               <a:ext uri="{FF2B5EF4-FFF2-40B4-BE49-F238E27FC236}">
-                <a16:creationId xmlns:a16="http://schemas.microsoft.com/office/drawing/2014/main" id="{14167D56-C132-4472-9F2D-9856D1E8D55B}"/>
+                <a16:creationId xmlns:a16="http://schemas.microsoft.com/office/drawing/2014/main" xmlns="" id="{14167D56-C132-4472-9F2D-9856D1E8D55B}"/>
               </a:ext>
             </a:extLst>
           </p:cNvPr>
@@ -23586,7 +23398,7 @@
         </p:nvSpPr>
         <p:spPr>
           <a:xfrm>
-            <a:off x="885702" y="1837500"/>
+            <a:off x="885703" y="1837500"/>
             <a:ext cx="10515600" cy="4351338"/>
           </a:xfrm>
         </p:spPr>
@@ -23676,7 +23488,7 @@
           <p:cNvPr id="3074" name="Picture 2" descr="https://images.readcube-cdn.com/publishers/wiley/figures/1a939f011a727cf66f71ad18900248edc6402a04e58adff7ea2473df0e45f731/3.jpg">
             <a:extLst>
               <a:ext uri="{FF2B5EF4-FFF2-40B4-BE49-F238E27FC236}">
-                <a16:creationId xmlns:a16="http://schemas.microsoft.com/office/drawing/2014/main" id="{BD4842B1-A395-4E1F-A222-2D7A56F1833F}"/>
+                <a16:creationId xmlns:a16="http://schemas.microsoft.com/office/drawing/2014/main" xmlns="" id="{BD4842B1-A395-4E1F-A222-2D7A56F1833F}"/>
               </a:ext>
             </a:extLst>
           </p:cNvPr>
@@ -23700,7 +23512,7 @@
         </p:blipFill>
         <p:spPr bwMode="auto">
           <a:xfrm>
-            <a:off x="2264080" y="132862"/>
+            <a:off x="2264080" y="132864"/>
             <a:ext cx="7663840" cy="5272781"/>
           </a:xfrm>
           <a:prstGeom prst="rect">
@@ -23708,7 +23520,7 @@
           </a:prstGeom>
           <a:noFill/>
           <a:extLst>
-            <a:ext uri="{909E8E84-426E-40DD-AFC4-6F175D3DCCD1}">
+            <a:ext uri="{909E8E84-426E-40dd-AFC4-6F175D3DCCD1}">
               <a14:hiddenFill xmlns:a14="http://schemas.microsoft.com/office/drawing/2010/main">
                 <a:solidFill>
                   <a:srgbClr val="FFFFFF"/>
@@ -23723,7 +23535,7 @@
           <p:cNvPr id="4" name="TextBox 3">
             <a:extLst>
               <a:ext uri="{FF2B5EF4-FFF2-40B4-BE49-F238E27FC236}">
-                <a16:creationId xmlns:a16="http://schemas.microsoft.com/office/drawing/2014/main" id="{B549DFBB-73F8-4DE9-ACC3-9326580259C2}"/>
+                <a16:creationId xmlns:a16="http://schemas.microsoft.com/office/drawing/2014/main" xmlns="" id="{B549DFBB-73F8-4DE9-ACC3-9326580259C2}"/>
               </a:ext>
             </a:extLst>
           </p:cNvPr>
@@ -23732,7 +23544,7 @@
         </p:nvSpPr>
         <p:spPr>
           <a:xfrm>
-            <a:off x="679939" y="5306646"/>
+            <a:off x="679939" y="5306647"/>
             <a:ext cx="11277600" cy="1200329"/>
           </a:xfrm>
           <a:prstGeom prst="rect">
@@ -23876,7 +23688,7 @@
           <p:cNvPr id="3" name="Picture 2" descr="A screenshot of a cell phone&#10;&#10;Description automatically generated">
             <a:extLst>
               <a:ext uri="{FF2B5EF4-FFF2-40B4-BE49-F238E27FC236}">
-                <a16:creationId xmlns:a16="http://schemas.microsoft.com/office/drawing/2014/main" id="{B12FA73F-15AC-4FBC-B8DA-A6AD60F15D67}"/>
+                <a16:creationId xmlns:a16="http://schemas.microsoft.com/office/drawing/2014/main" xmlns="" id="{B12FA73F-15AC-4FBC-B8DA-A6AD60F15D67}"/>
               </a:ext>
             </a:extLst>
           </p:cNvPr>
@@ -23899,8 +23711,8 @@
         </p:blipFill>
         <p:spPr>
           <a:xfrm>
-            <a:off x="3383973" y="2419556"/>
-            <a:ext cx="8268854" cy="4344006"/>
+            <a:off x="3383974" y="2419556"/>
+            <a:ext cx="8268855" cy="4344006"/>
           </a:xfrm>
           <a:prstGeom prst="rect">
             <a:avLst/>
@@ -23912,7 +23724,7 @@
           <p:cNvPr id="5" name="Picture 4" descr="A close up of a person&#10;&#10;Description automatically generated">
             <a:extLst>
               <a:ext uri="{FF2B5EF4-FFF2-40B4-BE49-F238E27FC236}">
-                <a16:creationId xmlns:a16="http://schemas.microsoft.com/office/drawing/2014/main" id="{DF7D66E2-34B7-4D92-9FB6-BEA20EE709D7}"/>
+                <a16:creationId xmlns:a16="http://schemas.microsoft.com/office/drawing/2014/main" xmlns="" id="{DF7D66E2-34B7-4D92-9FB6-BEA20EE709D7}"/>
               </a:ext>
             </a:extLst>
           </p:cNvPr>
@@ -23935,7 +23747,7 @@
         </p:blipFill>
         <p:spPr>
           <a:xfrm>
-            <a:off x="111938" y="94438"/>
+            <a:off x="111939" y="94438"/>
             <a:ext cx="4105848" cy="2886478"/>
           </a:xfrm>
           <a:prstGeom prst="rect">
@@ -23973,15 +23785,266 @@
           <a:chExt cx="0" cy="0"/>
         </a:xfrm>
       </p:grpSpPr>
-      <p:pic>
-        <p:nvPicPr>
-          <p:cNvPr id="3" name="Picture 2" descr="A screenshot of a social media post&#10;&#10;Description automatically generated">
+      <p:sp>
+        <p:nvSpPr>
+          <p:cNvPr id="14" name="Rectangle 13">
             <a:extLst>
               <a:ext uri="{FF2B5EF4-FFF2-40B4-BE49-F238E27FC236}">
-                <a16:creationId xmlns:a16="http://schemas.microsoft.com/office/drawing/2014/main" id="{F91ACDDC-7D57-4047-9FCD-6750A3AE2BCA}"/>
+                <a16:creationId xmlns:a16="http://schemas.microsoft.com/office/drawing/2014/main" xmlns="" id="{247AB924-1B87-43FC-B7C7-B112D5C51A0E}"/>
+              </a:ext>
+              <a:ext uri="{C183D7F6-B498-43B3-948B-1728B52AA6E4}">
+                <adec:decorative xmlns:adec="http://schemas.microsoft.com/office/drawing/2017/decorative" xmlns="" val="1"/>
               </a:ext>
             </a:extLst>
           </p:cNvPr>
+          <p:cNvSpPr>
+            <a:spLocks noGrp="1" noRot="1" noChangeAspect="1" noMove="1" noResize="1" noEditPoints="1" noAdjustHandles="1" noChangeArrowheads="1" noChangeShapeType="1" noTextEdit="1"/>
+          </p:cNvSpPr>
+          <p:nvPr>
+            <p:extLst>
+              <p:ext uri="{386F3935-93C4-4BCD-93E2-E3B085C9AB24}">
+                <p16:designElem xmlns:p16="http://schemas.microsoft.com/office/powerpoint/2015/main" xmlns="" val="1"/>
+              </p:ext>
+            </p:extLst>
+          </p:nvPr>
+        </p:nvSpPr>
+        <p:spPr bwMode="ltGray">
+          <a:xfrm>
+            <a:off x="378069" y="4633546"/>
+            <a:ext cx="11438793" cy="1844256"/>
+          </a:xfrm>
+          <a:prstGeom prst="rect">
+            <a:avLst/>
+          </a:prstGeom>
+          <a:solidFill>
+            <a:srgbClr val="404040"/>
+          </a:solidFill>
+          <a:ln w="127000" cap="sq" cmpd="thinThick">
+            <a:solidFill>
+              <a:srgbClr val="404040"/>
+            </a:solidFill>
+          </a:ln>
+        </p:spPr>
+        <p:style>
+          <a:lnRef idx="2">
+            <a:schemeClr val="accent1">
+              <a:shade val="50000"/>
+            </a:schemeClr>
+          </a:lnRef>
+          <a:fillRef idx="1">
+            <a:schemeClr val="accent1"/>
+          </a:fillRef>
+          <a:effectRef idx="0">
+            <a:schemeClr val="accent1"/>
+          </a:effectRef>
+          <a:fontRef idx="minor">
+            <a:schemeClr val="lt1"/>
+          </a:fontRef>
+        </p:style>
+        <p:txBody>
+          <a:bodyPr rtlCol="0" anchor="ctr"/>
+          <a:lstStyle/>
+          <a:p>
+            <a:pPr marL="0" marR="0" lvl="0" indent="0" algn="ctr" defTabSz="914400" rtl="0" eaLnBrk="1" fontAlgn="auto" latinLnBrk="0" hangingPunct="1">
+              <a:lnSpc>
+                <a:spcPct val="100000"/>
+              </a:lnSpc>
+              <a:spcBef>
+                <a:spcPts val="0"/>
+              </a:spcBef>
+              <a:spcAft>
+                <a:spcPts val="0"/>
+              </a:spcAft>
+              <a:buClrTx/>
+              <a:buSzTx/>
+              <a:buFontTx/>
+              <a:buNone/>
+              <a:tabLst/>
+              <a:defRPr/>
+            </a:pPr>
+            <a:endParaRPr kumimoji="0" lang="en-US" sz="1800" b="0" i="0" u="none" strike="noStrike" kern="1200" cap="none" spc="0" normalizeH="0" baseline="0" noProof="0">
+              <a:ln>
+                <a:noFill/>
+              </a:ln>
+              <a:solidFill>
+                <a:prstClr val="white"/>
+              </a:solidFill>
+              <a:effectLst/>
+              <a:uLnTx/>
+              <a:uFillTx/>
+              <a:latin typeface="Calibri" panose="020F0502020204030204"/>
+              <a:ea typeface="+mn-ea"/>
+              <a:cs typeface="+mn-cs"/>
+            </a:endParaRPr>
+          </a:p>
+        </p:txBody>
+      </p:sp>
+      <p:sp>
+        <p:nvSpPr>
+          <p:cNvPr id="3" name="TextBox 2">
+            <a:extLst>
+              <a:ext uri="{FF2B5EF4-FFF2-40B4-BE49-F238E27FC236}">
+                <a16:creationId xmlns:a16="http://schemas.microsoft.com/office/drawing/2014/main" xmlns="" id="{F1918BDF-C7E0-438D-9B1F-42A083A83EBE}"/>
+              </a:ext>
+            </a:extLst>
+          </p:cNvPr>
+          <p:cNvSpPr txBox="1"/>
+          <p:nvPr/>
+        </p:nvSpPr>
+        <p:spPr>
+          <a:xfrm>
+            <a:off x="526074" y="5516312"/>
+            <a:ext cx="11139855" cy="930447"/>
+          </a:xfrm>
+          <a:prstGeom prst="rect">
+            <a:avLst/>
+          </a:prstGeom>
+        </p:spPr>
+        <p:txBody>
+          <a:bodyPr vert="horz" lIns="91440" tIns="45720" rIns="91440" bIns="45720" rtlCol="0" anchor="b">
+            <a:normAutofit/>
+          </a:bodyPr>
+          <a:lstStyle/>
+          <a:p>
+            <a:pPr marL="0" marR="0" lvl="0" indent="0" algn="ctr" defTabSz="914400" rtl="0" eaLnBrk="1" fontAlgn="auto" latinLnBrk="0" hangingPunct="1">
+              <a:lnSpc>
+                <a:spcPct val="90000"/>
+              </a:lnSpc>
+              <a:spcBef>
+                <a:spcPct val="0"/>
+              </a:spcBef>
+              <a:spcAft>
+                <a:spcPts val="600"/>
+              </a:spcAft>
+              <a:buClrTx/>
+              <a:buSzTx/>
+              <a:buFontTx/>
+              <a:buNone/>
+              <a:tabLst/>
+              <a:defRPr/>
+            </a:pPr>
+            <a:r>
+              <a:rPr kumimoji="0" lang="en-US" sz="5400" b="0" i="0" u="none" strike="noStrike" kern="1200" cap="none" spc="0" normalizeH="0" baseline="0" noProof="0" dirty="0" smtClean="0">
+                <a:ln>
+                  <a:noFill/>
+                </a:ln>
+                <a:solidFill>
+                  <a:srgbClr val="FFFFFF"/>
+                </a:solidFill>
+                <a:effectLst/>
+                <a:uLnTx/>
+                <a:uFillTx/>
+                <a:latin typeface="Calibri Light" panose="020F0302020204030204"/>
+                <a:ea typeface="+mn-ea"/>
+                <a:cs typeface="+mn-cs"/>
+              </a:rPr>
+              <a:t>JMP</a:t>
+            </a:r>
+            <a:endParaRPr kumimoji="0" lang="en-US" sz="5400" b="0" i="0" u="none" strike="noStrike" kern="1200" cap="none" spc="0" normalizeH="0" baseline="0" noProof="0" dirty="0">
+              <a:ln>
+                <a:noFill/>
+              </a:ln>
+              <a:solidFill>
+                <a:srgbClr val="FFFFFF"/>
+              </a:solidFill>
+              <a:effectLst/>
+              <a:uLnTx/>
+              <a:uFillTx/>
+              <a:latin typeface="Calibri Light" panose="020F0302020204030204"/>
+              <a:ea typeface="+mn-ea"/>
+              <a:cs typeface="+mn-cs"/>
+            </a:endParaRPr>
+          </a:p>
+          <a:p>
+            <a:pPr marL="0" marR="0" lvl="0" indent="0" algn="ctr" defTabSz="914400" rtl="0" eaLnBrk="1" fontAlgn="auto" latinLnBrk="0" hangingPunct="1">
+              <a:lnSpc>
+                <a:spcPct val="90000"/>
+              </a:lnSpc>
+              <a:spcBef>
+                <a:spcPct val="0"/>
+              </a:spcBef>
+              <a:spcAft>
+                <a:spcPts val="600"/>
+              </a:spcAft>
+              <a:buClrTx/>
+              <a:buSzTx/>
+              <a:buFontTx/>
+              <a:buNone/>
+              <a:tabLst/>
+              <a:defRPr/>
+            </a:pPr>
+            <a:endParaRPr kumimoji="0" lang="en-US" sz="5400" b="0" i="0" u="none" strike="noStrike" kern="1200" cap="none" spc="0" normalizeH="0" baseline="0" noProof="0" dirty="0">
+              <a:ln>
+                <a:noFill/>
+              </a:ln>
+              <a:solidFill>
+                <a:srgbClr val="FFFFFF"/>
+              </a:solidFill>
+              <a:effectLst/>
+              <a:uLnTx/>
+              <a:uFillTx/>
+              <a:latin typeface="Calibri Light" panose="020F0302020204030204"/>
+              <a:ea typeface="+mn-ea"/>
+              <a:cs typeface="+mn-cs"/>
+            </a:endParaRPr>
+          </a:p>
+        </p:txBody>
+      </p:sp>
+      <p:cxnSp>
+        <p:nvCxnSpPr>
+          <p:cNvPr id="18" name="Straight Connector 17">
+            <a:extLst>
+              <a:ext uri="{FF2B5EF4-FFF2-40B4-BE49-F238E27FC236}">
+                <a16:creationId xmlns:a16="http://schemas.microsoft.com/office/drawing/2014/main" xmlns="" id="{DAD2B705-4A9B-408D-AA80-4F41045E09DE}"/>
+              </a:ext>
+              <a:ext uri="{C183D7F6-B498-43B3-948B-1728B52AA6E4}">
+                <adec:decorative xmlns:adec="http://schemas.microsoft.com/office/drawing/2017/decorative" xmlns="" val="1"/>
+              </a:ext>
+            </a:extLst>
+          </p:cNvPr>
+          <p:cNvCxnSpPr>
+            <a:cxnSpLocks noGrp="1" noRot="1" noChangeAspect="1" noMove="1" noResize="1" noEditPoints="1" noAdjustHandles="1" noChangeArrowheads="1" noChangeShapeType="1"/>
+          </p:cNvCxnSpPr>
+          <p:nvPr>
+            <p:extLst>
+              <p:ext uri="{386F3935-93C4-4BCD-93E2-E3B085C9AB24}">
+                <p16:designElem xmlns:p16="http://schemas.microsoft.com/office/powerpoint/2015/main" xmlns="" val="1"/>
+              </p:ext>
+            </p:extLst>
+          </p:nvPr>
+        </p:nvCxnSpPr>
+        <p:spPr>
+          <a:xfrm>
+            <a:off x="2209800" y="5738691"/>
+            <a:ext cx="7772400" cy="0"/>
+          </a:xfrm>
+          <a:prstGeom prst="line">
+            <a:avLst/>
+          </a:prstGeom>
+          <a:ln w="22225">
+            <a:solidFill>
+              <a:srgbClr val="D9D9D9"/>
+            </a:solidFill>
+          </a:ln>
+        </p:spPr>
+        <p:style>
+          <a:lnRef idx="1">
+            <a:schemeClr val="accent1"/>
+          </a:lnRef>
+          <a:fillRef idx="0">
+            <a:schemeClr val="accent1"/>
+          </a:fillRef>
+          <a:effectRef idx="0">
+            <a:schemeClr val="accent1"/>
+          </a:effectRef>
+          <a:fontRef idx="minor">
+            <a:schemeClr val="tx1"/>
+          </a:fontRef>
+        </p:style>
+      </p:cxnSp>
+      <p:pic>
+        <p:nvPicPr>
+          <p:cNvPr id="4" name="Picture 3" descr="Screen Shot 2018-12-05 at 09.59.26.png"/>
           <p:cNvPicPr>
             <a:picLocks noChangeAspect="1"/>
           </p:cNvPicPr>
@@ -24001,8 +24064,8 @@
         </p:blipFill>
         <p:spPr>
           <a:xfrm>
-            <a:off x="387621" y="92756"/>
-            <a:ext cx="11164858" cy="4153480"/>
+            <a:off x="132289" y="145527"/>
+            <a:ext cx="6535030" cy="4246800"/>
           </a:xfrm>
           <a:prstGeom prst="rect">
             <a:avLst/>
@@ -24011,28 +24074,28 @@
       </p:pic>
       <p:pic>
         <p:nvPicPr>
-          <p:cNvPr id="7" name="Picture 7">
-            <a:extLst>
-              <a:ext uri="{FF2B5EF4-FFF2-40B4-BE49-F238E27FC236}">
-                <a16:creationId xmlns:a16="http://schemas.microsoft.com/office/drawing/2014/main" id="{BC3CC879-844C-454B-B89B-01600C23B766}"/>
-              </a:ext>
-            </a:extLst>
-          </p:cNvPr>
+          <p:cNvPr id="8" name="Picture 7" descr="Screen Shot 2018-12-05 at 09.59.48.png"/>
           <p:cNvPicPr>
             <a:picLocks noChangeAspect="1"/>
           </p:cNvPicPr>
           <p:nvPr/>
         </p:nvPicPr>
         <p:blipFill>
-          <a:blip r:embed="rId3"/>
+          <a:blip r:embed="rId3">
+            <a:extLst>
+              <a:ext uri="{28A0092B-C50C-407E-A947-70E740481C1C}">
+                <a14:useLocalDpi xmlns:a14="http://schemas.microsoft.com/office/drawing/2010/main" val="0"/>
+              </a:ext>
+            </a:extLst>
+          </a:blip>
           <a:stretch>
             <a:fillRect/>
           </a:stretch>
         </p:blipFill>
         <p:spPr>
           <a:xfrm>
-            <a:off x="681392" y="4343442"/>
-            <a:ext cx="11018142" cy="1848868"/>
+            <a:off x="7376344" y="145529"/>
+            <a:ext cx="2921000" cy="4330700"/>
           </a:xfrm>
           <a:prstGeom prst="rect">
             <a:avLst/>
@@ -24042,7 +24105,7 @@
     </p:spTree>
     <p:extLst>
       <p:ext uri="{BB962C8B-B14F-4D97-AF65-F5344CB8AC3E}">
-        <p14:creationId xmlns:p14="http://schemas.microsoft.com/office/powerpoint/2010/main" val="2366798315"/>
+        <p14:creationId xmlns:p14="http://schemas.microsoft.com/office/powerpoint/2010/main" val="766370190"/>
       </p:ext>
     </p:extLst>
   </p:cSld>
@@ -24069,12 +24132,1390 @@
           <a:chExt cx="0" cy="0"/>
         </a:xfrm>
       </p:grpSpPr>
+      <p:sp>
+        <p:nvSpPr>
+          <p:cNvPr id="14" name="Rectangle 13">
+            <a:extLst>
+              <a:ext uri="{FF2B5EF4-FFF2-40B4-BE49-F238E27FC236}">
+                <a16:creationId xmlns:a16="http://schemas.microsoft.com/office/drawing/2014/main" xmlns="" id="{247AB924-1B87-43FC-B7C7-B112D5C51A0E}"/>
+              </a:ext>
+              <a:ext uri="{C183D7F6-B498-43B3-948B-1728B52AA6E4}">
+                <adec:decorative xmlns:adec="http://schemas.microsoft.com/office/drawing/2017/decorative" xmlns="" val="1"/>
+              </a:ext>
+            </a:extLst>
+          </p:cNvPr>
+          <p:cNvSpPr>
+            <a:spLocks noGrp="1" noRot="1" noChangeAspect="1" noMove="1" noResize="1" noEditPoints="1" noAdjustHandles="1" noChangeArrowheads="1" noChangeShapeType="1" noTextEdit="1"/>
+          </p:cNvSpPr>
+          <p:nvPr>
+            <p:extLst>
+              <p:ext uri="{386F3935-93C4-4BCD-93E2-E3B085C9AB24}">
+                <p16:designElem xmlns:p16="http://schemas.microsoft.com/office/powerpoint/2015/main" xmlns="" val="1"/>
+              </p:ext>
+            </p:extLst>
+          </p:nvPr>
+        </p:nvSpPr>
+        <p:spPr bwMode="ltGray">
+          <a:xfrm>
+            <a:off x="378069" y="4633546"/>
+            <a:ext cx="11438793" cy="1844256"/>
+          </a:xfrm>
+          <a:prstGeom prst="rect">
+            <a:avLst/>
+          </a:prstGeom>
+          <a:solidFill>
+            <a:srgbClr val="404040"/>
+          </a:solidFill>
+          <a:ln w="127000" cap="sq" cmpd="thinThick">
+            <a:solidFill>
+              <a:srgbClr val="404040"/>
+            </a:solidFill>
+          </a:ln>
+        </p:spPr>
+        <p:style>
+          <a:lnRef idx="2">
+            <a:schemeClr val="accent1">
+              <a:shade val="50000"/>
+            </a:schemeClr>
+          </a:lnRef>
+          <a:fillRef idx="1">
+            <a:schemeClr val="accent1"/>
+          </a:fillRef>
+          <a:effectRef idx="0">
+            <a:schemeClr val="accent1"/>
+          </a:effectRef>
+          <a:fontRef idx="minor">
+            <a:schemeClr val="lt1"/>
+          </a:fontRef>
+        </p:style>
+        <p:txBody>
+          <a:bodyPr rtlCol="0" anchor="ctr"/>
+          <a:lstStyle/>
+          <a:p>
+            <a:pPr marL="0" marR="0" lvl="0" indent="0" algn="ctr" defTabSz="914400" rtl="0" eaLnBrk="1" fontAlgn="auto" latinLnBrk="0" hangingPunct="1">
+              <a:lnSpc>
+                <a:spcPct val="100000"/>
+              </a:lnSpc>
+              <a:spcBef>
+                <a:spcPts val="0"/>
+              </a:spcBef>
+              <a:spcAft>
+                <a:spcPts val="0"/>
+              </a:spcAft>
+              <a:buClrTx/>
+              <a:buSzTx/>
+              <a:buFontTx/>
+              <a:buNone/>
+              <a:tabLst/>
+              <a:defRPr/>
+            </a:pPr>
+            <a:endParaRPr kumimoji="0" lang="en-US" sz="1800" b="0" i="0" u="none" strike="noStrike" kern="1200" cap="none" spc="0" normalizeH="0" baseline="0" noProof="0">
+              <a:ln>
+                <a:noFill/>
+              </a:ln>
+              <a:solidFill>
+                <a:prstClr val="white"/>
+              </a:solidFill>
+              <a:effectLst/>
+              <a:uLnTx/>
+              <a:uFillTx/>
+              <a:latin typeface="Calibri" panose="020F0502020204030204"/>
+              <a:ea typeface="+mn-ea"/>
+              <a:cs typeface="+mn-cs"/>
+            </a:endParaRPr>
+          </a:p>
+        </p:txBody>
+      </p:sp>
+      <p:sp>
+        <p:nvSpPr>
+          <p:cNvPr id="3" name="TextBox 2">
+            <a:extLst>
+              <a:ext uri="{FF2B5EF4-FFF2-40B4-BE49-F238E27FC236}">
+                <a16:creationId xmlns:a16="http://schemas.microsoft.com/office/drawing/2014/main" xmlns="" id="{F1918BDF-C7E0-438D-9B1F-42A083A83EBE}"/>
+              </a:ext>
+            </a:extLst>
+          </p:cNvPr>
+          <p:cNvSpPr txBox="1"/>
+          <p:nvPr/>
+        </p:nvSpPr>
+        <p:spPr>
+          <a:xfrm>
+            <a:off x="526074" y="5516312"/>
+            <a:ext cx="11139855" cy="930447"/>
+          </a:xfrm>
+          <a:prstGeom prst="rect">
+            <a:avLst/>
+          </a:prstGeom>
+        </p:spPr>
+        <p:txBody>
+          <a:bodyPr vert="horz" lIns="91440" tIns="45720" rIns="91440" bIns="45720" rtlCol="0" anchor="b">
+            <a:normAutofit/>
+          </a:bodyPr>
+          <a:lstStyle/>
+          <a:p>
+            <a:pPr marL="0" marR="0" lvl="0" indent="0" algn="ctr" defTabSz="914400" rtl="0" eaLnBrk="1" fontAlgn="auto" latinLnBrk="0" hangingPunct="1">
+              <a:lnSpc>
+                <a:spcPct val="90000"/>
+              </a:lnSpc>
+              <a:spcBef>
+                <a:spcPct val="0"/>
+              </a:spcBef>
+              <a:spcAft>
+                <a:spcPts val="600"/>
+              </a:spcAft>
+              <a:buClrTx/>
+              <a:buSzTx/>
+              <a:buFontTx/>
+              <a:buNone/>
+              <a:tabLst/>
+              <a:defRPr/>
+            </a:pPr>
+            <a:r>
+              <a:rPr kumimoji="0" lang="en-US" sz="5400" b="0" i="0" u="none" strike="noStrike" kern="1200" cap="none" spc="0" normalizeH="0" baseline="0" noProof="0" dirty="0" smtClean="0">
+                <a:ln>
+                  <a:noFill/>
+                </a:ln>
+                <a:solidFill>
+                  <a:srgbClr val="FFFFFF"/>
+                </a:solidFill>
+                <a:effectLst/>
+                <a:uLnTx/>
+                <a:uFillTx/>
+                <a:latin typeface="Calibri Light" panose="020F0302020204030204"/>
+                <a:ea typeface="+mn-ea"/>
+                <a:cs typeface="+mn-cs"/>
+              </a:rPr>
+              <a:t>JMP</a:t>
+            </a:r>
+            <a:endParaRPr kumimoji="0" lang="en-US" sz="5400" b="0" i="0" u="none" strike="noStrike" kern="1200" cap="none" spc="0" normalizeH="0" baseline="0" noProof="0" dirty="0">
+              <a:ln>
+                <a:noFill/>
+              </a:ln>
+              <a:solidFill>
+                <a:srgbClr val="FFFFFF"/>
+              </a:solidFill>
+              <a:effectLst/>
+              <a:uLnTx/>
+              <a:uFillTx/>
+              <a:latin typeface="Calibri Light" panose="020F0302020204030204"/>
+              <a:ea typeface="+mn-ea"/>
+              <a:cs typeface="+mn-cs"/>
+            </a:endParaRPr>
+          </a:p>
+          <a:p>
+            <a:pPr marL="0" marR="0" lvl="0" indent="0" algn="ctr" defTabSz="914400" rtl="0" eaLnBrk="1" fontAlgn="auto" latinLnBrk="0" hangingPunct="1">
+              <a:lnSpc>
+                <a:spcPct val="90000"/>
+              </a:lnSpc>
+              <a:spcBef>
+                <a:spcPct val="0"/>
+              </a:spcBef>
+              <a:spcAft>
+                <a:spcPts val="600"/>
+              </a:spcAft>
+              <a:buClrTx/>
+              <a:buSzTx/>
+              <a:buFontTx/>
+              <a:buNone/>
+              <a:tabLst/>
+              <a:defRPr/>
+            </a:pPr>
+            <a:endParaRPr kumimoji="0" lang="en-US" sz="5400" b="0" i="0" u="none" strike="noStrike" kern="1200" cap="none" spc="0" normalizeH="0" baseline="0" noProof="0" dirty="0">
+              <a:ln>
+                <a:noFill/>
+              </a:ln>
+              <a:solidFill>
+                <a:srgbClr val="FFFFFF"/>
+              </a:solidFill>
+              <a:effectLst/>
+              <a:uLnTx/>
+              <a:uFillTx/>
+              <a:latin typeface="Calibri Light" panose="020F0302020204030204"/>
+              <a:ea typeface="+mn-ea"/>
+              <a:cs typeface="+mn-cs"/>
+            </a:endParaRPr>
+          </a:p>
+        </p:txBody>
+      </p:sp>
+      <p:cxnSp>
+        <p:nvCxnSpPr>
+          <p:cNvPr id="18" name="Straight Connector 17">
+            <a:extLst>
+              <a:ext uri="{FF2B5EF4-FFF2-40B4-BE49-F238E27FC236}">
+                <a16:creationId xmlns:a16="http://schemas.microsoft.com/office/drawing/2014/main" xmlns="" id="{DAD2B705-4A9B-408D-AA80-4F41045E09DE}"/>
+              </a:ext>
+              <a:ext uri="{C183D7F6-B498-43B3-948B-1728B52AA6E4}">
+                <adec:decorative xmlns:adec="http://schemas.microsoft.com/office/drawing/2017/decorative" xmlns="" val="1"/>
+              </a:ext>
+            </a:extLst>
+          </p:cNvPr>
+          <p:cNvCxnSpPr>
+            <a:cxnSpLocks noGrp="1" noRot="1" noChangeAspect="1" noMove="1" noResize="1" noEditPoints="1" noAdjustHandles="1" noChangeArrowheads="1" noChangeShapeType="1"/>
+          </p:cNvCxnSpPr>
+          <p:nvPr>
+            <p:extLst>
+              <p:ext uri="{386F3935-93C4-4BCD-93E2-E3B085C9AB24}">
+                <p16:designElem xmlns:p16="http://schemas.microsoft.com/office/powerpoint/2015/main" xmlns="" val="1"/>
+              </p:ext>
+            </p:extLst>
+          </p:nvPr>
+        </p:nvCxnSpPr>
+        <p:spPr>
+          <a:xfrm>
+            <a:off x="2209800" y="5738691"/>
+            <a:ext cx="7772400" cy="0"/>
+          </a:xfrm>
+          <a:prstGeom prst="line">
+            <a:avLst/>
+          </a:prstGeom>
+          <a:ln w="22225">
+            <a:solidFill>
+              <a:srgbClr val="D9D9D9"/>
+            </a:solidFill>
+          </a:ln>
+        </p:spPr>
+        <p:style>
+          <a:lnRef idx="1">
+            <a:schemeClr val="accent1"/>
+          </a:lnRef>
+          <a:fillRef idx="0">
+            <a:schemeClr val="accent1"/>
+          </a:fillRef>
+          <a:effectRef idx="0">
+            <a:schemeClr val="accent1"/>
+          </a:effectRef>
+          <a:fontRef idx="minor">
+            <a:schemeClr val="tx1"/>
+          </a:fontRef>
+        </p:style>
+      </p:cxnSp>
+      <p:pic>
+        <p:nvPicPr>
+          <p:cNvPr id="2" name="Picture 1" descr="Screen Shot 2018-12-05 at 09.59.54.png"/>
+          <p:cNvPicPr>
+            <a:picLocks noChangeAspect="1"/>
+          </p:cNvPicPr>
+          <p:nvPr/>
+        </p:nvPicPr>
+        <p:blipFill>
+          <a:blip r:embed="rId2">
+            <a:extLst>
+              <a:ext uri="{28A0092B-C50C-407E-A947-70E740481C1C}">
+                <a14:useLocalDpi xmlns:a14="http://schemas.microsoft.com/office/drawing/2010/main" val="0"/>
+              </a:ext>
+            </a:extLst>
+          </a:blip>
+          <a:stretch>
+            <a:fillRect/>
+          </a:stretch>
+        </p:blipFill>
+        <p:spPr>
+          <a:xfrm>
+            <a:off x="670924" y="132298"/>
+            <a:ext cx="2997200" cy="4406900"/>
+          </a:xfrm>
+          <a:prstGeom prst="rect">
+            <a:avLst/>
+          </a:prstGeom>
+        </p:spPr>
+      </p:pic>
+      <p:pic>
+        <p:nvPicPr>
+          <p:cNvPr id="5" name="Picture 4" descr="Screen Shot 2018-12-05 at 10.00.04.png"/>
+          <p:cNvPicPr>
+            <a:picLocks noChangeAspect="1"/>
+          </p:cNvPicPr>
+          <p:nvPr/>
+        </p:nvPicPr>
+        <p:blipFill>
+          <a:blip r:embed="rId3">
+            <a:extLst>
+              <a:ext uri="{28A0092B-C50C-407E-A947-70E740481C1C}">
+                <a14:useLocalDpi xmlns:a14="http://schemas.microsoft.com/office/drawing/2010/main" val="0"/>
+              </a:ext>
+            </a:extLst>
+          </a:blip>
+          <a:stretch>
+            <a:fillRect/>
+          </a:stretch>
+        </p:blipFill>
+        <p:spPr>
+          <a:xfrm>
+            <a:off x="5018370" y="264596"/>
+            <a:ext cx="6585883" cy="3810184"/>
+          </a:xfrm>
+          <a:prstGeom prst="rect">
+            <a:avLst/>
+          </a:prstGeom>
+        </p:spPr>
+      </p:pic>
+    </p:spTree>
+    <p:extLst>
+      <p:ext uri="{BB962C8B-B14F-4D97-AF65-F5344CB8AC3E}">
+        <p14:creationId xmlns:p14="http://schemas.microsoft.com/office/powerpoint/2010/main" val="1006676548"/>
+      </p:ext>
+    </p:extLst>
+  </p:cSld>
+  <p:clrMapOvr>
+    <a:masterClrMapping/>
+  </p:clrMapOvr>
+</p:sld>
+</file>
+
+<file path=ppt/slides/slide34.xml><?xml version="1.0" encoding="utf-8"?>
+<p:sld xmlns:a="http://schemas.openxmlformats.org/drawingml/2006/main" xmlns:r="http://schemas.openxmlformats.org/officeDocument/2006/relationships" xmlns:p="http://schemas.openxmlformats.org/presentationml/2006/main">
+  <p:cSld>
+    <p:spTree>
+      <p:nvGrpSpPr>
+        <p:cNvPr id="1" name=""/>
+        <p:cNvGrpSpPr/>
+        <p:nvPr/>
+      </p:nvGrpSpPr>
+      <p:grpSpPr>
+        <a:xfrm>
+          <a:off x="0" y="0"/>
+          <a:ext cx="0" cy="0"/>
+          <a:chOff x="0" y="0"/>
+          <a:chExt cx="0" cy="0"/>
+        </a:xfrm>
+      </p:grpSpPr>
+      <p:sp>
+        <p:nvSpPr>
+          <p:cNvPr id="14" name="Rectangle 13">
+            <a:extLst>
+              <a:ext uri="{FF2B5EF4-FFF2-40B4-BE49-F238E27FC236}">
+                <a16:creationId xmlns:a16="http://schemas.microsoft.com/office/drawing/2014/main" xmlns="" id="{247AB924-1B87-43FC-B7C7-B112D5C51A0E}"/>
+              </a:ext>
+              <a:ext uri="{C183D7F6-B498-43B3-948B-1728B52AA6E4}">
+                <adec:decorative xmlns:adec="http://schemas.microsoft.com/office/drawing/2017/decorative" xmlns="" val="1"/>
+              </a:ext>
+            </a:extLst>
+          </p:cNvPr>
+          <p:cNvSpPr>
+            <a:spLocks noGrp="1" noRot="1" noChangeAspect="1" noMove="1" noResize="1" noEditPoints="1" noAdjustHandles="1" noChangeArrowheads="1" noChangeShapeType="1" noTextEdit="1"/>
+          </p:cNvSpPr>
+          <p:nvPr>
+            <p:extLst>
+              <p:ext uri="{386F3935-93C4-4BCD-93E2-E3B085C9AB24}">
+                <p16:designElem xmlns:p16="http://schemas.microsoft.com/office/powerpoint/2015/main" xmlns="" val="1"/>
+              </p:ext>
+            </p:extLst>
+          </p:nvPr>
+        </p:nvSpPr>
+        <p:spPr bwMode="ltGray">
+          <a:xfrm>
+            <a:off x="378069" y="4633546"/>
+            <a:ext cx="11438793" cy="1844256"/>
+          </a:xfrm>
+          <a:prstGeom prst="rect">
+            <a:avLst/>
+          </a:prstGeom>
+          <a:solidFill>
+            <a:srgbClr val="404040"/>
+          </a:solidFill>
+          <a:ln w="127000" cap="sq" cmpd="thinThick">
+            <a:solidFill>
+              <a:srgbClr val="404040"/>
+            </a:solidFill>
+          </a:ln>
+        </p:spPr>
+        <p:style>
+          <a:lnRef idx="2">
+            <a:schemeClr val="accent1">
+              <a:shade val="50000"/>
+            </a:schemeClr>
+          </a:lnRef>
+          <a:fillRef idx="1">
+            <a:schemeClr val="accent1"/>
+          </a:fillRef>
+          <a:effectRef idx="0">
+            <a:schemeClr val="accent1"/>
+          </a:effectRef>
+          <a:fontRef idx="minor">
+            <a:schemeClr val="lt1"/>
+          </a:fontRef>
+        </p:style>
+        <p:txBody>
+          <a:bodyPr rtlCol="0" anchor="ctr"/>
+          <a:lstStyle/>
+          <a:p>
+            <a:pPr marL="0" marR="0" lvl="0" indent="0" algn="ctr" defTabSz="914400" rtl="0" eaLnBrk="1" fontAlgn="auto" latinLnBrk="0" hangingPunct="1">
+              <a:lnSpc>
+                <a:spcPct val="100000"/>
+              </a:lnSpc>
+              <a:spcBef>
+                <a:spcPts val="0"/>
+              </a:spcBef>
+              <a:spcAft>
+                <a:spcPts val="0"/>
+              </a:spcAft>
+              <a:buClrTx/>
+              <a:buSzTx/>
+              <a:buFontTx/>
+              <a:buNone/>
+              <a:tabLst/>
+              <a:defRPr/>
+            </a:pPr>
+            <a:endParaRPr kumimoji="0" lang="en-US" sz="1800" b="0" i="0" u="none" strike="noStrike" kern="1200" cap="none" spc="0" normalizeH="0" baseline="0" noProof="0">
+              <a:ln>
+                <a:noFill/>
+              </a:ln>
+              <a:solidFill>
+                <a:prstClr val="white"/>
+              </a:solidFill>
+              <a:effectLst/>
+              <a:uLnTx/>
+              <a:uFillTx/>
+              <a:latin typeface="Calibri" panose="020F0502020204030204"/>
+              <a:ea typeface="+mn-ea"/>
+              <a:cs typeface="+mn-cs"/>
+            </a:endParaRPr>
+          </a:p>
+        </p:txBody>
+      </p:sp>
+      <p:sp>
+        <p:nvSpPr>
+          <p:cNvPr id="3" name="TextBox 2">
+            <a:extLst>
+              <a:ext uri="{FF2B5EF4-FFF2-40B4-BE49-F238E27FC236}">
+                <a16:creationId xmlns:a16="http://schemas.microsoft.com/office/drawing/2014/main" xmlns="" id="{F1918BDF-C7E0-438D-9B1F-42A083A83EBE}"/>
+              </a:ext>
+            </a:extLst>
+          </p:cNvPr>
+          <p:cNvSpPr txBox="1"/>
+          <p:nvPr/>
+        </p:nvSpPr>
+        <p:spPr>
+          <a:xfrm>
+            <a:off x="526074" y="5516312"/>
+            <a:ext cx="11139855" cy="930447"/>
+          </a:xfrm>
+          <a:prstGeom prst="rect">
+            <a:avLst/>
+          </a:prstGeom>
+        </p:spPr>
+        <p:txBody>
+          <a:bodyPr vert="horz" lIns="91440" tIns="45720" rIns="91440" bIns="45720" rtlCol="0" anchor="b">
+            <a:normAutofit/>
+          </a:bodyPr>
+          <a:lstStyle/>
+          <a:p>
+            <a:pPr marL="0" marR="0" lvl="0" indent="0" algn="ctr" defTabSz="914400" rtl="0" eaLnBrk="1" fontAlgn="auto" latinLnBrk="0" hangingPunct="1">
+              <a:lnSpc>
+                <a:spcPct val="90000"/>
+              </a:lnSpc>
+              <a:spcBef>
+                <a:spcPct val="0"/>
+              </a:spcBef>
+              <a:spcAft>
+                <a:spcPts val="600"/>
+              </a:spcAft>
+              <a:buClrTx/>
+              <a:buSzTx/>
+              <a:buFontTx/>
+              <a:buNone/>
+              <a:tabLst/>
+              <a:defRPr/>
+            </a:pPr>
+            <a:r>
+              <a:rPr kumimoji="0" lang="en-US" sz="5400" b="0" i="0" u="none" strike="noStrike" kern="1200" cap="none" spc="0" normalizeH="0" baseline="0" noProof="0" dirty="0" smtClean="0">
+                <a:ln>
+                  <a:noFill/>
+                </a:ln>
+                <a:solidFill>
+                  <a:srgbClr val="FFFFFF"/>
+                </a:solidFill>
+                <a:effectLst/>
+                <a:uLnTx/>
+                <a:uFillTx/>
+                <a:latin typeface="Calibri Light" panose="020F0302020204030204"/>
+                <a:ea typeface="+mn-ea"/>
+                <a:cs typeface="+mn-cs"/>
+              </a:rPr>
+              <a:t>JMP</a:t>
+            </a:r>
+            <a:endParaRPr kumimoji="0" lang="en-US" sz="5400" b="0" i="0" u="none" strike="noStrike" kern="1200" cap="none" spc="0" normalizeH="0" baseline="0" noProof="0" dirty="0">
+              <a:ln>
+                <a:noFill/>
+              </a:ln>
+              <a:solidFill>
+                <a:srgbClr val="FFFFFF"/>
+              </a:solidFill>
+              <a:effectLst/>
+              <a:uLnTx/>
+              <a:uFillTx/>
+              <a:latin typeface="Calibri Light" panose="020F0302020204030204"/>
+              <a:ea typeface="+mn-ea"/>
+              <a:cs typeface="+mn-cs"/>
+            </a:endParaRPr>
+          </a:p>
+          <a:p>
+            <a:pPr marL="0" marR="0" lvl="0" indent="0" algn="ctr" defTabSz="914400" rtl="0" eaLnBrk="1" fontAlgn="auto" latinLnBrk="0" hangingPunct="1">
+              <a:lnSpc>
+                <a:spcPct val="90000"/>
+              </a:lnSpc>
+              <a:spcBef>
+                <a:spcPct val="0"/>
+              </a:spcBef>
+              <a:spcAft>
+                <a:spcPts val="600"/>
+              </a:spcAft>
+              <a:buClrTx/>
+              <a:buSzTx/>
+              <a:buFontTx/>
+              <a:buNone/>
+              <a:tabLst/>
+              <a:defRPr/>
+            </a:pPr>
+            <a:endParaRPr kumimoji="0" lang="en-US" sz="5400" b="0" i="0" u="none" strike="noStrike" kern="1200" cap="none" spc="0" normalizeH="0" baseline="0" noProof="0" dirty="0">
+              <a:ln>
+                <a:noFill/>
+              </a:ln>
+              <a:solidFill>
+                <a:srgbClr val="FFFFFF"/>
+              </a:solidFill>
+              <a:effectLst/>
+              <a:uLnTx/>
+              <a:uFillTx/>
+              <a:latin typeface="Calibri Light" panose="020F0302020204030204"/>
+              <a:ea typeface="+mn-ea"/>
+              <a:cs typeface="+mn-cs"/>
+            </a:endParaRPr>
+          </a:p>
+        </p:txBody>
+      </p:sp>
+      <p:cxnSp>
+        <p:nvCxnSpPr>
+          <p:cNvPr id="18" name="Straight Connector 17">
+            <a:extLst>
+              <a:ext uri="{FF2B5EF4-FFF2-40B4-BE49-F238E27FC236}">
+                <a16:creationId xmlns:a16="http://schemas.microsoft.com/office/drawing/2014/main" xmlns="" id="{DAD2B705-4A9B-408D-AA80-4F41045E09DE}"/>
+              </a:ext>
+              <a:ext uri="{C183D7F6-B498-43B3-948B-1728B52AA6E4}">
+                <adec:decorative xmlns:adec="http://schemas.microsoft.com/office/drawing/2017/decorative" xmlns="" val="1"/>
+              </a:ext>
+            </a:extLst>
+          </p:cNvPr>
+          <p:cNvCxnSpPr>
+            <a:cxnSpLocks noGrp="1" noRot="1" noChangeAspect="1" noMove="1" noResize="1" noEditPoints="1" noAdjustHandles="1" noChangeArrowheads="1" noChangeShapeType="1"/>
+          </p:cNvCxnSpPr>
+          <p:nvPr>
+            <p:extLst>
+              <p:ext uri="{386F3935-93C4-4BCD-93E2-E3B085C9AB24}">
+                <p16:designElem xmlns:p16="http://schemas.microsoft.com/office/powerpoint/2015/main" xmlns="" val="1"/>
+              </p:ext>
+            </p:extLst>
+          </p:nvPr>
+        </p:nvCxnSpPr>
+        <p:spPr>
+          <a:xfrm>
+            <a:off x="2209800" y="5738691"/>
+            <a:ext cx="7772400" cy="0"/>
+          </a:xfrm>
+          <a:prstGeom prst="line">
+            <a:avLst/>
+          </a:prstGeom>
+          <a:ln w="22225">
+            <a:solidFill>
+              <a:srgbClr val="D9D9D9"/>
+            </a:solidFill>
+          </a:ln>
+        </p:spPr>
+        <p:style>
+          <a:lnRef idx="1">
+            <a:schemeClr val="accent1"/>
+          </a:lnRef>
+          <a:fillRef idx="0">
+            <a:schemeClr val="accent1"/>
+          </a:fillRef>
+          <a:effectRef idx="0">
+            <a:schemeClr val="accent1"/>
+          </a:effectRef>
+          <a:fontRef idx="minor">
+            <a:schemeClr val="tx1"/>
+          </a:fontRef>
+        </p:style>
+      </p:cxnSp>
+      <p:pic>
+        <p:nvPicPr>
+          <p:cNvPr id="2" name="Picture 1" descr="Screen Shot 2018-12-05 at 10.00.13.png"/>
+          <p:cNvPicPr>
+            <a:picLocks noChangeAspect="1"/>
+          </p:cNvPicPr>
+          <p:nvPr/>
+        </p:nvPicPr>
+        <p:blipFill>
+          <a:blip r:embed="rId2">
+            <a:extLst>
+              <a:ext uri="{28A0092B-C50C-407E-A947-70E740481C1C}">
+                <a14:useLocalDpi xmlns:a14="http://schemas.microsoft.com/office/drawing/2010/main" val="0"/>
+              </a:ext>
+            </a:extLst>
+          </a:blip>
+          <a:stretch>
+            <a:fillRect/>
+          </a:stretch>
+        </p:blipFill>
+        <p:spPr>
+          <a:xfrm>
+            <a:off x="916954" y="145528"/>
+            <a:ext cx="4394878" cy="4259997"/>
+          </a:xfrm>
+          <a:prstGeom prst="rect">
+            <a:avLst/>
+          </a:prstGeom>
+        </p:spPr>
+      </p:pic>
+      <p:pic>
+        <p:nvPicPr>
+          <p:cNvPr id="5" name="Picture 4" descr="Screen Shot 2018-12-05 at 10.00.25.png"/>
+          <p:cNvPicPr>
+            <a:picLocks noChangeAspect="1"/>
+          </p:cNvPicPr>
+          <p:nvPr/>
+        </p:nvPicPr>
+        <p:blipFill>
+          <a:blip r:embed="rId3">
+            <a:extLst>
+              <a:ext uri="{28A0092B-C50C-407E-A947-70E740481C1C}">
+                <a14:useLocalDpi xmlns:a14="http://schemas.microsoft.com/office/drawing/2010/main" val="0"/>
+              </a:ext>
+            </a:extLst>
+          </a:blip>
+          <a:stretch>
+            <a:fillRect/>
+          </a:stretch>
+        </p:blipFill>
+        <p:spPr>
+          <a:xfrm>
+            <a:off x="6538922" y="171988"/>
+            <a:ext cx="3959857" cy="4273227"/>
+          </a:xfrm>
+          <a:prstGeom prst="rect">
+            <a:avLst/>
+          </a:prstGeom>
+        </p:spPr>
+      </p:pic>
+    </p:spTree>
+    <p:extLst>
+      <p:ext uri="{BB962C8B-B14F-4D97-AF65-F5344CB8AC3E}">
+        <p14:creationId xmlns:p14="http://schemas.microsoft.com/office/powerpoint/2010/main" val="1006676548"/>
+      </p:ext>
+    </p:extLst>
+  </p:cSld>
+  <p:clrMapOvr>
+    <a:masterClrMapping/>
+  </p:clrMapOvr>
+</p:sld>
+</file>
+
+<file path=ppt/slides/slide35.xml><?xml version="1.0" encoding="utf-8"?>
+<p:sld xmlns:a="http://schemas.openxmlformats.org/drawingml/2006/main" xmlns:r="http://schemas.openxmlformats.org/officeDocument/2006/relationships" xmlns:p="http://schemas.openxmlformats.org/presentationml/2006/main">
+  <p:cSld>
+    <p:spTree>
+      <p:nvGrpSpPr>
+        <p:cNvPr id="1" name=""/>
+        <p:cNvGrpSpPr/>
+        <p:nvPr/>
+      </p:nvGrpSpPr>
+      <p:grpSpPr>
+        <a:xfrm>
+          <a:off x="0" y="0"/>
+          <a:ext cx="0" cy="0"/>
+          <a:chOff x="0" y="0"/>
+          <a:chExt cx="0" cy="0"/>
+        </a:xfrm>
+      </p:grpSpPr>
+      <p:sp>
+        <p:nvSpPr>
+          <p:cNvPr id="9" name="Rectangle 8">
+            <a:extLst>
+              <a:ext uri="{FF2B5EF4-FFF2-40B4-BE49-F238E27FC236}">
+                <a16:creationId xmlns:a16="http://schemas.microsoft.com/office/drawing/2014/main" xmlns="" id="{AB45A142-4255-493C-8284-5D566C121B10}"/>
+              </a:ext>
+              <a:ext uri="{C183D7F6-B498-43B3-948B-1728B52AA6E4}">
+                <adec:decorative xmlns:adec="http://schemas.microsoft.com/office/drawing/2017/decorative" xmlns="" val="1"/>
+              </a:ext>
+            </a:extLst>
+          </p:cNvPr>
+          <p:cNvSpPr>
+            <a:spLocks noGrp="1" noRot="1" noChangeAspect="1" noMove="1" noResize="1" noEditPoints="1" noAdjustHandles="1" noChangeArrowheads="1" noChangeShapeType="1" noTextEdit="1"/>
+          </p:cNvSpPr>
+          <p:nvPr>
+            <p:extLst>
+              <p:ext uri="{386F3935-93C4-4BCD-93E2-E3B085C9AB24}">
+                <p16:designElem xmlns:p16="http://schemas.microsoft.com/office/powerpoint/2015/main" xmlns="" val="1"/>
+              </p:ext>
+            </p:extLst>
+          </p:nvPr>
+        </p:nvSpPr>
+        <p:spPr bwMode="ltGray">
+          <a:xfrm>
+            <a:off x="336884" y="321177"/>
+            <a:ext cx="4332307" cy="6179552"/>
+          </a:xfrm>
+          <a:prstGeom prst="rect">
+            <a:avLst/>
+          </a:prstGeom>
+          <a:solidFill>
+            <a:srgbClr val="404040">
+              <a:alpha val="89804"/>
+            </a:srgbClr>
+          </a:solidFill>
+          <a:ln w="127000" cap="sq" cmpd="thinThick">
+            <a:solidFill>
+              <a:srgbClr val="595959">
+                <a:alpha val="80000"/>
+              </a:srgbClr>
+            </a:solidFill>
+          </a:ln>
+        </p:spPr>
+        <p:style>
+          <a:lnRef idx="2">
+            <a:schemeClr val="accent1">
+              <a:shade val="50000"/>
+            </a:schemeClr>
+          </a:lnRef>
+          <a:fillRef idx="1">
+            <a:schemeClr val="accent1"/>
+          </a:fillRef>
+          <a:effectRef idx="0">
+            <a:schemeClr val="accent1"/>
+          </a:effectRef>
+          <a:fontRef idx="minor">
+            <a:schemeClr val="lt1"/>
+          </a:fontRef>
+        </p:style>
+        <p:txBody>
+          <a:bodyPr rtlCol="0" anchor="ctr"/>
+          <a:lstStyle/>
+          <a:p>
+            <a:pPr algn="ctr"/>
+            <a:endParaRPr lang="en-US"/>
+          </a:p>
+        </p:txBody>
+      </p:sp>
+      <p:sp>
+        <p:nvSpPr>
+          <p:cNvPr id="2" name="TextBox 1">
+            <a:extLst>
+              <a:ext uri="{FF2B5EF4-FFF2-40B4-BE49-F238E27FC236}">
+                <a16:creationId xmlns:a16="http://schemas.microsoft.com/office/drawing/2014/main" xmlns="" id="{08BF4E42-122E-4E19-A785-FD4DF907CA2C}"/>
+              </a:ext>
+            </a:extLst>
+          </p:cNvPr>
+          <p:cNvSpPr txBox="1"/>
+          <p:nvPr/>
+        </p:nvSpPr>
+        <p:spPr>
+          <a:xfrm>
+            <a:off x="674237" y="914402"/>
+            <a:ext cx="3657600" cy="2887579"/>
+          </a:xfrm>
+          <a:prstGeom prst="rect">
+            <a:avLst/>
+          </a:prstGeom>
+        </p:spPr>
+        <p:txBody>
+          <a:bodyPr vert="horz" lIns="91440" tIns="45720" rIns="91440" bIns="45720" rtlCol="0" anchor="b">
+            <a:normAutofit/>
+          </a:bodyPr>
+          <a:lstStyle/>
+          <a:p>
+            <a:pPr algn="ctr">
+              <a:lnSpc>
+                <a:spcPct val="90000"/>
+              </a:lnSpc>
+              <a:spcBef>
+                <a:spcPct val="0"/>
+              </a:spcBef>
+              <a:spcAft>
+                <a:spcPts val="600"/>
+              </a:spcAft>
+            </a:pPr>
+            <a:r>
+              <a:rPr lang="en-US" sz="4800" kern="1200" dirty="0" smtClean="0">
+                <a:solidFill>
+                  <a:srgbClr val="FFFFFF"/>
+                </a:solidFill>
+                <a:latin typeface="+mj-lt"/>
+                <a:ea typeface="+mj-ea"/>
+                <a:cs typeface="+mj-cs"/>
+              </a:rPr>
+              <a:t>JMP</a:t>
+            </a:r>
+            <a:endParaRPr lang="en-US" sz="4800" kern="1200" dirty="0">
+              <a:solidFill>
+                <a:srgbClr val="FFFFFF"/>
+              </a:solidFill>
+              <a:latin typeface="+mj-lt"/>
+              <a:ea typeface="+mj-ea"/>
+              <a:cs typeface="+mj-cs"/>
+            </a:endParaRPr>
+          </a:p>
+        </p:txBody>
+      </p:sp>
+      <p:cxnSp>
+        <p:nvCxnSpPr>
+          <p:cNvPr id="11" name="Straight Connector 10">
+            <a:extLst>
+              <a:ext uri="{FF2B5EF4-FFF2-40B4-BE49-F238E27FC236}">
+                <a16:creationId xmlns:a16="http://schemas.microsoft.com/office/drawing/2014/main" xmlns="" id="{38FB9660-F42F-4313-BBC4-47C007FE484C}"/>
+              </a:ext>
+              <a:ext uri="{C183D7F6-B498-43B3-948B-1728B52AA6E4}">
+                <adec:decorative xmlns:adec="http://schemas.microsoft.com/office/drawing/2017/decorative" xmlns="" val="1"/>
+              </a:ext>
+            </a:extLst>
+          </p:cNvPr>
+          <p:cNvCxnSpPr>
+            <a:cxnSpLocks noGrp="1" noRot="1" noChangeAspect="1" noMove="1" noResize="1" noEditPoints="1" noAdjustHandles="1" noChangeArrowheads="1" noChangeShapeType="1"/>
+          </p:cNvCxnSpPr>
+          <p:nvPr>
+            <p:extLst>
+              <p:ext uri="{386F3935-93C4-4BCD-93E2-E3B085C9AB24}">
+                <p16:designElem xmlns:p16="http://schemas.microsoft.com/office/powerpoint/2015/main" xmlns="" val="1"/>
+              </p:ext>
+            </p:extLst>
+          </p:nvPr>
+        </p:nvCxnSpPr>
+        <p:spPr>
+          <a:xfrm>
+            <a:off x="1191126" y="3910267"/>
+            <a:ext cx="2586791" cy="0"/>
+          </a:xfrm>
+          <a:prstGeom prst="line">
+            <a:avLst/>
+          </a:prstGeom>
+          <a:ln w="22225">
+            <a:solidFill>
+              <a:srgbClr val="D9D9D9"/>
+            </a:solidFill>
+          </a:ln>
+        </p:spPr>
+        <p:style>
+          <a:lnRef idx="1">
+            <a:schemeClr val="accent1"/>
+          </a:lnRef>
+          <a:fillRef idx="0">
+            <a:schemeClr val="accent1"/>
+          </a:fillRef>
+          <a:effectRef idx="0">
+            <a:schemeClr val="accent1"/>
+          </a:effectRef>
+          <a:fontRef idx="minor">
+            <a:schemeClr val="tx1"/>
+          </a:fontRef>
+        </p:style>
+      </p:cxnSp>
+      <p:pic>
+        <p:nvPicPr>
+          <p:cNvPr id="3" name="Picture 2" descr="Screen Shot 2018-12-05 at 10.00.32.png"/>
+          <p:cNvPicPr>
+            <a:picLocks noChangeAspect="1"/>
+          </p:cNvPicPr>
+          <p:nvPr/>
+        </p:nvPicPr>
+        <p:blipFill>
+          <a:blip r:embed="rId2">
+            <a:extLst>
+              <a:ext uri="{28A0092B-C50C-407E-A947-70E740481C1C}">
+                <a14:useLocalDpi xmlns:a14="http://schemas.microsoft.com/office/drawing/2010/main" val="0"/>
+              </a:ext>
+            </a:extLst>
+          </a:blip>
+          <a:stretch>
+            <a:fillRect/>
+          </a:stretch>
+        </p:blipFill>
+        <p:spPr>
+          <a:xfrm>
+            <a:off x="6939267" y="171988"/>
+            <a:ext cx="3363600" cy="6389996"/>
+          </a:xfrm>
+          <a:prstGeom prst="rect">
+            <a:avLst/>
+          </a:prstGeom>
+        </p:spPr>
+      </p:pic>
+    </p:spTree>
+    <p:extLst>
+      <p:ext uri="{BB962C8B-B14F-4D97-AF65-F5344CB8AC3E}">
+        <p14:creationId xmlns:p14="http://schemas.microsoft.com/office/powerpoint/2010/main" val="670387452"/>
+      </p:ext>
+    </p:extLst>
+  </p:cSld>
+  <p:clrMapOvr>
+    <a:masterClrMapping/>
+  </p:clrMapOvr>
+</p:sld>
+</file>
+
+<file path=ppt/slides/slide36.xml><?xml version="1.0" encoding="utf-8"?>
+<p:sld xmlns:a="http://schemas.openxmlformats.org/drawingml/2006/main" xmlns:r="http://schemas.openxmlformats.org/officeDocument/2006/relationships" xmlns:p="http://schemas.openxmlformats.org/presentationml/2006/main">
+  <p:cSld>
+    <p:spTree>
+      <p:nvGrpSpPr>
+        <p:cNvPr id="1" name=""/>
+        <p:cNvGrpSpPr/>
+        <p:nvPr/>
+      </p:nvGrpSpPr>
+      <p:grpSpPr>
+        <a:xfrm>
+          <a:off x="0" y="0"/>
+          <a:ext cx="0" cy="0"/>
+          <a:chOff x="0" y="0"/>
+          <a:chExt cx="0" cy="0"/>
+        </a:xfrm>
+      </p:grpSpPr>
+      <p:pic>
+        <p:nvPicPr>
+          <p:cNvPr id="3" name="Picture 2" descr="A screenshot of a social media post&#10;&#10;Description automatically generated">
+            <a:extLst>
+              <a:ext uri="{FF2B5EF4-FFF2-40B4-BE49-F238E27FC236}">
+                <a16:creationId xmlns:a16="http://schemas.microsoft.com/office/drawing/2014/main" xmlns="" id="{F91ACDDC-7D57-4047-9FCD-6750A3AE2BCA}"/>
+              </a:ext>
+            </a:extLst>
+          </p:cNvPr>
+          <p:cNvPicPr>
+            <a:picLocks noChangeAspect="1"/>
+          </p:cNvPicPr>
+          <p:nvPr/>
+        </p:nvPicPr>
+        <p:blipFill>
+          <a:blip r:embed="rId2">
+            <a:extLst>
+              <a:ext uri="{28A0092B-C50C-407E-A947-70E740481C1C}">
+                <a14:useLocalDpi xmlns:a14="http://schemas.microsoft.com/office/drawing/2010/main" val="0"/>
+              </a:ext>
+            </a:extLst>
+          </a:blip>
+          <a:stretch>
+            <a:fillRect/>
+          </a:stretch>
+        </p:blipFill>
+        <p:spPr>
+          <a:xfrm>
+            <a:off x="387621" y="92756"/>
+            <a:ext cx="11164859" cy="4153480"/>
+          </a:xfrm>
+          <a:prstGeom prst="rect">
+            <a:avLst/>
+          </a:prstGeom>
+        </p:spPr>
+      </p:pic>
+      <p:pic>
+        <p:nvPicPr>
+          <p:cNvPr id="7" name="Picture 7">
+            <a:extLst>
+              <a:ext uri="{FF2B5EF4-FFF2-40B4-BE49-F238E27FC236}">
+                <a16:creationId xmlns:a16="http://schemas.microsoft.com/office/drawing/2014/main" xmlns="" id="{BC3CC879-844C-454B-B89B-01600C23B766}"/>
+              </a:ext>
+            </a:extLst>
+          </p:cNvPr>
+          <p:cNvPicPr>
+            <a:picLocks noChangeAspect="1"/>
+          </p:cNvPicPr>
+          <p:nvPr/>
+        </p:nvPicPr>
+        <p:blipFill>
+          <a:blip r:embed="rId3"/>
+          <a:stretch>
+            <a:fillRect/>
+          </a:stretch>
+        </p:blipFill>
+        <p:spPr>
+          <a:xfrm>
+            <a:off x="681393" y="4343442"/>
+            <a:ext cx="11018143" cy="1848868"/>
+          </a:xfrm>
+          <a:prstGeom prst="rect">
+            <a:avLst/>
+          </a:prstGeom>
+        </p:spPr>
+      </p:pic>
+    </p:spTree>
+    <p:extLst>
+      <p:ext uri="{BB962C8B-B14F-4D97-AF65-F5344CB8AC3E}">
+        <p14:creationId xmlns:p14="http://schemas.microsoft.com/office/powerpoint/2010/main" val="2366798315"/>
+      </p:ext>
+    </p:extLst>
+  </p:cSld>
+  <p:clrMapOvr>
+    <a:masterClrMapping/>
+  </p:clrMapOvr>
+</p:sld>
+</file>
+
+<file path=ppt/slides/slide37.xml><?xml version="1.0" encoding="utf-8"?>
+<p:sld xmlns:a="http://schemas.openxmlformats.org/drawingml/2006/main" xmlns:r="http://schemas.openxmlformats.org/officeDocument/2006/relationships" xmlns:p="http://schemas.openxmlformats.org/presentationml/2006/main">
+  <p:cSld>
+    <p:spTree>
+      <p:nvGrpSpPr>
+        <p:cNvPr id="1" name=""/>
+        <p:cNvGrpSpPr/>
+        <p:nvPr/>
+      </p:nvGrpSpPr>
+      <p:grpSpPr>
+        <a:xfrm>
+          <a:off x="0" y="0"/>
+          <a:ext cx="0" cy="0"/>
+          <a:chOff x="0" y="0"/>
+          <a:chExt cx="0" cy="0"/>
+        </a:xfrm>
+      </p:grpSpPr>
+      <p:sp>
+        <p:nvSpPr>
+          <p:cNvPr id="14" name="Rectangle 13">
+            <a:extLst>
+              <a:ext uri="{FF2B5EF4-FFF2-40B4-BE49-F238E27FC236}">
+                <a16:creationId xmlns:a16="http://schemas.microsoft.com/office/drawing/2014/main" xmlns="" id="{247AB924-1B87-43FC-B7C7-B112D5C51A0E}"/>
+              </a:ext>
+              <a:ext uri="{C183D7F6-B498-43B3-948B-1728B52AA6E4}">
+                <adec:decorative xmlns:adec="http://schemas.microsoft.com/office/drawing/2017/decorative" xmlns="" val="1"/>
+              </a:ext>
+            </a:extLst>
+          </p:cNvPr>
+          <p:cNvSpPr>
+            <a:spLocks noGrp="1" noRot="1" noChangeAspect="1" noMove="1" noResize="1" noEditPoints="1" noAdjustHandles="1" noChangeArrowheads="1" noChangeShapeType="1" noTextEdit="1"/>
+          </p:cNvSpPr>
+          <p:nvPr>
+            <p:extLst>
+              <p:ext uri="{386F3935-93C4-4BCD-93E2-E3B085C9AB24}">
+                <p16:designElem xmlns:p16="http://schemas.microsoft.com/office/powerpoint/2015/main" xmlns="" val="1"/>
+              </p:ext>
+            </p:extLst>
+          </p:nvPr>
+        </p:nvSpPr>
+        <p:spPr bwMode="ltGray">
+          <a:xfrm>
+            <a:off x="378069" y="4633546"/>
+            <a:ext cx="11438793" cy="1844256"/>
+          </a:xfrm>
+          <a:prstGeom prst="rect">
+            <a:avLst/>
+          </a:prstGeom>
+          <a:solidFill>
+            <a:srgbClr val="404040"/>
+          </a:solidFill>
+          <a:ln w="127000" cap="sq" cmpd="thinThick">
+            <a:solidFill>
+              <a:srgbClr val="404040"/>
+            </a:solidFill>
+          </a:ln>
+        </p:spPr>
+        <p:style>
+          <a:lnRef idx="2">
+            <a:schemeClr val="accent1">
+              <a:shade val="50000"/>
+            </a:schemeClr>
+          </a:lnRef>
+          <a:fillRef idx="1">
+            <a:schemeClr val="accent1"/>
+          </a:fillRef>
+          <a:effectRef idx="0">
+            <a:schemeClr val="accent1"/>
+          </a:effectRef>
+          <a:fontRef idx="minor">
+            <a:schemeClr val="lt1"/>
+          </a:fontRef>
+        </p:style>
+        <p:txBody>
+          <a:bodyPr rtlCol="0" anchor="ctr"/>
+          <a:lstStyle/>
+          <a:p>
+            <a:pPr marL="0" marR="0" lvl="0" indent="0" algn="ctr" defTabSz="914400" rtl="0" eaLnBrk="1" fontAlgn="auto" latinLnBrk="0" hangingPunct="1">
+              <a:lnSpc>
+                <a:spcPct val="100000"/>
+              </a:lnSpc>
+              <a:spcBef>
+                <a:spcPts val="0"/>
+              </a:spcBef>
+              <a:spcAft>
+                <a:spcPts val="0"/>
+              </a:spcAft>
+              <a:buClrTx/>
+              <a:buSzTx/>
+              <a:buFontTx/>
+              <a:buNone/>
+              <a:tabLst/>
+              <a:defRPr/>
+            </a:pPr>
+            <a:endParaRPr kumimoji="0" lang="en-US" sz="1800" b="0" i="0" u="none" strike="noStrike" kern="1200" cap="none" spc="0" normalizeH="0" baseline="0" noProof="0">
+              <a:ln>
+                <a:noFill/>
+              </a:ln>
+              <a:solidFill>
+                <a:prstClr val="white"/>
+              </a:solidFill>
+              <a:effectLst/>
+              <a:uLnTx/>
+              <a:uFillTx/>
+              <a:latin typeface="Calibri" panose="020F0502020204030204"/>
+              <a:ea typeface="+mn-ea"/>
+              <a:cs typeface="+mn-cs"/>
+            </a:endParaRPr>
+          </a:p>
+        </p:txBody>
+      </p:sp>
+      <p:sp>
+        <p:nvSpPr>
+          <p:cNvPr id="3" name="TextBox 2">
+            <a:extLst>
+              <a:ext uri="{FF2B5EF4-FFF2-40B4-BE49-F238E27FC236}">
+                <a16:creationId xmlns:a16="http://schemas.microsoft.com/office/drawing/2014/main" xmlns="" id="{F1918BDF-C7E0-438D-9B1F-42A083A83EBE}"/>
+              </a:ext>
+            </a:extLst>
+          </p:cNvPr>
+          <p:cNvSpPr txBox="1"/>
+          <p:nvPr/>
+        </p:nvSpPr>
+        <p:spPr>
+          <a:xfrm>
+            <a:off x="526074" y="5516312"/>
+            <a:ext cx="11139855" cy="930447"/>
+          </a:xfrm>
+          <a:prstGeom prst="rect">
+            <a:avLst/>
+          </a:prstGeom>
+        </p:spPr>
+        <p:txBody>
+          <a:bodyPr vert="horz" lIns="91440" tIns="45720" rIns="91440" bIns="45720" rtlCol="0" anchor="b">
+            <a:normAutofit/>
+          </a:bodyPr>
+          <a:lstStyle/>
+          <a:p>
+            <a:pPr marL="0" marR="0" lvl="0" indent="0" algn="ctr" defTabSz="914400" rtl="0" eaLnBrk="1" fontAlgn="auto" latinLnBrk="0" hangingPunct="1">
+              <a:lnSpc>
+                <a:spcPct val="90000"/>
+              </a:lnSpc>
+              <a:spcBef>
+                <a:spcPct val="0"/>
+              </a:spcBef>
+              <a:spcAft>
+                <a:spcPts val="600"/>
+              </a:spcAft>
+              <a:buClrTx/>
+              <a:buSzTx/>
+              <a:buFontTx/>
+              <a:buNone/>
+              <a:tabLst/>
+              <a:defRPr/>
+            </a:pPr>
+            <a:r>
+              <a:rPr kumimoji="0" lang="en-US" sz="5400" b="0" i="0" u="none" strike="noStrike" kern="1200" cap="none" spc="0" normalizeH="0" baseline="0" noProof="0" dirty="0" smtClean="0">
+                <a:ln>
+                  <a:noFill/>
+                </a:ln>
+                <a:solidFill>
+                  <a:srgbClr val="FFFFFF"/>
+                </a:solidFill>
+                <a:effectLst/>
+                <a:uLnTx/>
+                <a:uFillTx/>
+                <a:latin typeface="Calibri Light" panose="020F0302020204030204"/>
+                <a:ea typeface="+mn-ea"/>
+                <a:cs typeface="+mn-cs"/>
+              </a:rPr>
+              <a:t>STRUCTURE</a:t>
+            </a:r>
+            <a:endParaRPr kumimoji="0" lang="en-US" sz="5400" b="0" i="0" u="none" strike="noStrike" kern="1200" cap="none" spc="0" normalizeH="0" baseline="0" noProof="0" dirty="0">
+              <a:ln>
+                <a:noFill/>
+              </a:ln>
+              <a:solidFill>
+                <a:srgbClr val="FFFFFF"/>
+              </a:solidFill>
+              <a:effectLst/>
+              <a:uLnTx/>
+              <a:uFillTx/>
+              <a:latin typeface="Calibri Light" panose="020F0302020204030204"/>
+              <a:ea typeface="+mn-ea"/>
+              <a:cs typeface="+mn-cs"/>
+            </a:endParaRPr>
+          </a:p>
+          <a:p>
+            <a:pPr marL="0" marR="0" lvl="0" indent="0" algn="ctr" defTabSz="914400" rtl="0" eaLnBrk="1" fontAlgn="auto" latinLnBrk="0" hangingPunct="1">
+              <a:lnSpc>
+                <a:spcPct val="90000"/>
+              </a:lnSpc>
+              <a:spcBef>
+                <a:spcPct val="0"/>
+              </a:spcBef>
+              <a:spcAft>
+                <a:spcPts val="600"/>
+              </a:spcAft>
+              <a:buClrTx/>
+              <a:buSzTx/>
+              <a:buFontTx/>
+              <a:buNone/>
+              <a:tabLst/>
+              <a:defRPr/>
+            </a:pPr>
+            <a:endParaRPr kumimoji="0" lang="en-US" sz="5400" b="0" i="0" u="none" strike="noStrike" kern="1200" cap="none" spc="0" normalizeH="0" baseline="0" noProof="0" dirty="0">
+              <a:ln>
+                <a:noFill/>
+              </a:ln>
+              <a:solidFill>
+                <a:srgbClr val="FFFFFF"/>
+              </a:solidFill>
+              <a:effectLst/>
+              <a:uLnTx/>
+              <a:uFillTx/>
+              <a:latin typeface="Calibri Light" panose="020F0302020204030204"/>
+              <a:ea typeface="+mn-ea"/>
+              <a:cs typeface="+mn-cs"/>
+            </a:endParaRPr>
+          </a:p>
+        </p:txBody>
+      </p:sp>
+      <p:cxnSp>
+        <p:nvCxnSpPr>
+          <p:cNvPr id="18" name="Straight Connector 17">
+            <a:extLst>
+              <a:ext uri="{FF2B5EF4-FFF2-40B4-BE49-F238E27FC236}">
+                <a16:creationId xmlns:a16="http://schemas.microsoft.com/office/drawing/2014/main" xmlns="" id="{DAD2B705-4A9B-408D-AA80-4F41045E09DE}"/>
+              </a:ext>
+              <a:ext uri="{C183D7F6-B498-43B3-948B-1728B52AA6E4}">
+                <adec:decorative xmlns:adec="http://schemas.microsoft.com/office/drawing/2017/decorative" xmlns="" val="1"/>
+              </a:ext>
+            </a:extLst>
+          </p:cNvPr>
+          <p:cNvCxnSpPr>
+            <a:cxnSpLocks noGrp="1" noRot="1" noChangeAspect="1" noMove="1" noResize="1" noEditPoints="1" noAdjustHandles="1" noChangeArrowheads="1" noChangeShapeType="1"/>
+          </p:cNvCxnSpPr>
+          <p:nvPr>
+            <p:extLst>
+              <p:ext uri="{386F3935-93C4-4BCD-93E2-E3B085C9AB24}">
+                <p16:designElem xmlns:p16="http://schemas.microsoft.com/office/powerpoint/2015/main" xmlns="" val="1"/>
+              </p:ext>
+            </p:extLst>
+          </p:nvPr>
+        </p:nvCxnSpPr>
+        <p:spPr>
+          <a:xfrm>
+            <a:off x="2209800" y="5738691"/>
+            <a:ext cx="7772400" cy="0"/>
+          </a:xfrm>
+          <a:prstGeom prst="line">
+            <a:avLst/>
+          </a:prstGeom>
+          <a:ln w="22225">
+            <a:solidFill>
+              <a:srgbClr val="D9D9D9"/>
+            </a:solidFill>
+          </a:ln>
+        </p:spPr>
+        <p:style>
+          <a:lnRef idx="1">
+            <a:schemeClr val="accent1"/>
+          </a:lnRef>
+          <a:fillRef idx="0">
+            <a:schemeClr val="accent1"/>
+          </a:fillRef>
+          <a:effectRef idx="0">
+            <a:schemeClr val="accent1"/>
+          </a:effectRef>
+          <a:fontRef idx="minor">
+            <a:schemeClr val="tx1"/>
+          </a:fontRef>
+        </p:style>
+      </p:cxnSp>
+      <p:pic>
+        <p:nvPicPr>
+          <p:cNvPr id="4" name="Picture 3" descr="Screen Shot 2018-12-02 at 10.23.48.png"/>
+          <p:cNvPicPr>
+            <a:picLocks noChangeAspect="1"/>
+          </p:cNvPicPr>
+          <p:nvPr/>
+        </p:nvPicPr>
+        <p:blipFill>
+          <a:blip r:embed="rId2">
+            <a:extLst>
+              <a:ext uri="{28A0092B-C50C-407E-A947-70E740481C1C}">
+                <a14:useLocalDpi xmlns:a14="http://schemas.microsoft.com/office/drawing/2010/main" val="0"/>
+              </a:ext>
+            </a:extLst>
+          </a:blip>
+          <a:stretch>
+            <a:fillRect/>
+          </a:stretch>
+        </p:blipFill>
+        <p:spPr>
+          <a:xfrm>
+            <a:off x="8466160" y="0"/>
+            <a:ext cx="3346489" cy="4447592"/>
+          </a:xfrm>
+          <a:prstGeom prst="rect">
+            <a:avLst/>
+          </a:prstGeom>
+        </p:spPr>
+      </p:pic>
+      <p:pic>
+        <p:nvPicPr>
+          <p:cNvPr id="7" name="Picture 6" descr="Screen Shot 2018-12-05 at 10.12.25.png"/>
+          <p:cNvPicPr>
+            <a:picLocks noChangeAspect="1"/>
+          </p:cNvPicPr>
+          <p:nvPr/>
+        </p:nvPicPr>
+        <p:blipFill>
+          <a:blip r:embed="rId3">
+            <a:extLst>
+              <a:ext uri="{28A0092B-C50C-407E-A947-70E740481C1C}">
+                <a14:useLocalDpi xmlns:a14="http://schemas.microsoft.com/office/drawing/2010/main" val="0"/>
+              </a:ext>
+            </a:extLst>
+          </a:blip>
+          <a:stretch>
+            <a:fillRect/>
+          </a:stretch>
+        </p:blipFill>
+        <p:spPr>
+          <a:xfrm>
+            <a:off x="390087" y="291985"/>
+            <a:ext cx="6601793" cy="2410679"/>
+          </a:xfrm>
+          <a:prstGeom prst="rect">
+            <a:avLst/>
+          </a:prstGeom>
+        </p:spPr>
+      </p:pic>
+    </p:spTree>
+    <p:extLst>
+      <p:ext uri="{BB962C8B-B14F-4D97-AF65-F5344CB8AC3E}">
+        <p14:creationId xmlns:p14="http://schemas.microsoft.com/office/powerpoint/2010/main" val="194972239"/>
+      </p:ext>
+    </p:extLst>
+  </p:cSld>
+  <p:clrMapOvr>
+    <a:masterClrMapping/>
+  </p:clrMapOvr>
+</p:sld>
+</file>
+
+<file path=ppt/slides/slide38.xml><?xml version="1.0" encoding="utf-8"?>
+<p:sld xmlns:a="http://schemas.openxmlformats.org/drawingml/2006/main" xmlns:r="http://schemas.openxmlformats.org/officeDocument/2006/relationships" xmlns:p="http://schemas.openxmlformats.org/presentationml/2006/main">
+  <p:cSld>
+    <p:spTree>
+      <p:nvGrpSpPr>
+        <p:cNvPr id="1" name=""/>
+        <p:cNvGrpSpPr/>
+        <p:nvPr/>
+      </p:nvGrpSpPr>
+      <p:grpSpPr>
+        <a:xfrm>
+          <a:off x="0" y="0"/>
+          <a:ext cx="0" cy="0"/>
+          <a:chOff x="0" y="0"/>
+          <a:chExt cx="0" cy="0"/>
+        </a:xfrm>
+      </p:grpSpPr>
       <p:pic>
         <p:nvPicPr>
           <p:cNvPr id="4098" name="Picture 2" descr="https://images.readcube-cdn.com/publishers/wiley/figures/1a939f011a727cf66f71ad18900248edc6402a04e58adff7ea2473df0e45f731/4.jpg">
             <a:extLst>
               <a:ext uri="{FF2B5EF4-FFF2-40B4-BE49-F238E27FC236}">
-                <a16:creationId xmlns:a16="http://schemas.microsoft.com/office/drawing/2014/main" id="{03780CB6-9FEB-4169-964A-36FAA9EACB86}"/>
+                <a16:creationId xmlns:a16="http://schemas.microsoft.com/office/drawing/2014/main" xmlns="" id="{03780CB6-9FEB-4169-964A-36FAA9EACB86}"/>
               </a:ext>
             </a:extLst>
           </p:cNvPr>
@@ -24098,7 +25539,7 @@
         </p:blipFill>
         <p:spPr bwMode="auto">
           <a:xfrm>
-            <a:off x="934916" y="120040"/>
+            <a:off x="934916" y="120042"/>
             <a:ext cx="10134600" cy="4257675"/>
           </a:xfrm>
           <a:prstGeom prst="rect">
@@ -24106,7 +25547,7 @@
           </a:prstGeom>
           <a:noFill/>
           <a:extLst>
-            <a:ext uri="{909E8E84-426E-40DD-AFC4-6F175D3DCCD1}">
+            <a:ext uri="{909E8E84-426E-40dd-AFC4-6F175D3DCCD1}">
               <a14:hiddenFill xmlns:a14="http://schemas.microsoft.com/office/drawing/2010/main">
                 <a:solidFill>
                   <a:srgbClr val="FFFFFF"/>
@@ -24121,7 +25562,7 @@
           <p:cNvPr id="4" name="TextBox 3">
             <a:extLst>
               <a:ext uri="{FF2B5EF4-FFF2-40B4-BE49-F238E27FC236}">
-                <a16:creationId xmlns:a16="http://schemas.microsoft.com/office/drawing/2014/main" id="{51CB2FF6-D7FA-4CA7-8377-706FAA8D22CD}"/>
+                <a16:creationId xmlns:a16="http://schemas.microsoft.com/office/drawing/2014/main" xmlns="" id="{51CB2FF6-D7FA-4CA7-8377-706FAA8D22CD}"/>
               </a:ext>
             </a:extLst>
           </p:cNvPr>
@@ -24130,8 +25571,8 @@
         </p:nvSpPr>
         <p:spPr>
           <a:xfrm>
-            <a:off x="812799" y="4838897"/>
-            <a:ext cx="9826870" cy="923330"/>
+            <a:off x="812799" y="4838898"/>
+            <a:ext cx="9826871" cy="923330"/>
           </a:xfrm>
           <a:prstGeom prst="rect">
             <a:avLst/>
@@ -24165,7 +25606,7 @@
 </p:sld>
 </file>
 
-<file path=ppt/slides/slide34.xml><?xml version="1.0" encoding="utf-8"?>
+<file path=ppt/slides/slide39.xml><?xml version="1.0" encoding="utf-8"?>
 <p:sld xmlns:a="http://schemas.openxmlformats.org/drawingml/2006/main" xmlns:r="http://schemas.openxmlformats.org/officeDocument/2006/relationships" xmlns:p="http://schemas.openxmlformats.org/presentationml/2006/main">
   <p:cSld>
     <p:spTree>
@@ -24187,7 +25628,7 @@
           <p:cNvPr id="3" name="Picture 2" descr="A screenshot of a cell phone&#10;&#10;Description automatically generated">
             <a:extLst>
               <a:ext uri="{FF2B5EF4-FFF2-40B4-BE49-F238E27FC236}">
-                <a16:creationId xmlns:a16="http://schemas.microsoft.com/office/drawing/2014/main" id="{C08C8A17-C12D-4481-B321-D7041F4BB513}"/>
+                <a16:creationId xmlns:a16="http://schemas.microsoft.com/office/drawing/2014/main" xmlns="" id="{C08C8A17-C12D-4481-B321-D7041F4BB513}"/>
               </a:ext>
             </a:extLst>
           </p:cNvPr>
@@ -24210,7 +25651,7 @@
         </p:blipFill>
         <p:spPr>
           <a:xfrm>
-            <a:off x="3380996" y="1214128"/>
+            <a:off x="3380996" y="1214130"/>
             <a:ext cx="5430008" cy="4429743"/>
           </a:xfrm>
           <a:prstGeom prst="rect">
@@ -24222,90 +25663,6 @@
     <p:extLst>
       <p:ext uri="{BB962C8B-B14F-4D97-AF65-F5344CB8AC3E}">
         <p14:creationId xmlns:p14="http://schemas.microsoft.com/office/powerpoint/2010/main" val="2983346205"/>
-      </p:ext>
-    </p:extLst>
-  </p:cSld>
-  <p:clrMapOvr>
-    <a:masterClrMapping/>
-  </p:clrMapOvr>
-</p:sld>
-</file>
-
-<file path=ppt/slides/slide35.xml><?xml version="1.0" encoding="utf-8"?>
-<p:sld xmlns:a="http://schemas.openxmlformats.org/drawingml/2006/main" xmlns:r="http://schemas.openxmlformats.org/officeDocument/2006/relationships" xmlns:p="http://schemas.openxmlformats.org/presentationml/2006/main">
-  <p:cSld>
-    <p:spTree>
-      <p:nvGrpSpPr>
-        <p:cNvPr id="1" name=""/>
-        <p:cNvGrpSpPr/>
-        <p:nvPr/>
-      </p:nvGrpSpPr>
-      <p:grpSpPr>
-        <a:xfrm>
-          <a:off x="0" y="0"/>
-          <a:ext cx="0" cy="0"/>
-          <a:chOff x="0" y="0"/>
-          <a:chExt cx="0" cy="0"/>
-        </a:xfrm>
-      </p:grpSpPr>
-      <p:sp>
-        <p:nvSpPr>
-          <p:cNvPr id="2" name="Title 1">
-            <a:extLst>
-              <a:ext uri="{FF2B5EF4-FFF2-40B4-BE49-F238E27FC236}">
-                <a16:creationId xmlns:a16="http://schemas.microsoft.com/office/drawing/2014/main" id="{4482F327-2ADA-49D0-9DE9-55F675A4095D}"/>
-              </a:ext>
-            </a:extLst>
-          </p:cNvPr>
-          <p:cNvSpPr>
-            <a:spLocks noGrp="1"/>
-          </p:cNvSpPr>
-          <p:nvPr>
-            <p:ph type="title"/>
-          </p:nvPr>
-        </p:nvSpPr>
-        <p:spPr/>
-        <p:txBody>
-          <a:bodyPr/>
-          <a:lstStyle/>
-          <a:p>
-            <a:pPr algn="ctr"/>
-            <a:r>
-              <a:rPr lang="en-US" dirty="0"/>
-              <a:t>How easy was this Data to Reproduce?</a:t>
-            </a:r>
-          </a:p>
-        </p:txBody>
-      </p:sp>
-      <p:sp>
-        <p:nvSpPr>
-          <p:cNvPr id="3" name="Content Placeholder 2">
-            <a:extLst>
-              <a:ext uri="{FF2B5EF4-FFF2-40B4-BE49-F238E27FC236}">
-                <a16:creationId xmlns:a16="http://schemas.microsoft.com/office/drawing/2014/main" id="{9DD2DAE7-406E-4157-A094-1926462F16A4}"/>
-              </a:ext>
-            </a:extLst>
-          </p:cNvPr>
-          <p:cNvSpPr>
-            <a:spLocks noGrp="1"/>
-          </p:cNvSpPr>
-          <p:nvPr>
-            <p:ph idx="1"/>
-          </p:nvPr>
-        </p:nvSpPr>
-        <p:spPr/>
-        <p:txBody>
-          <a:bodyPr/>
-          <a:lstStyle/>
-          <a:p>
-            <a:endParaRPr lang="en-US"/>
-          </a:p>
-        </p:txBody>
-      </p:sp>
-    </p:spTree>
-    <p:extLst>
-      <p:ext uri="{BB962C8B-B14F-4D97-AF65-F5344CB8AC3E}">
-        <p14:creationId xmlns:p14="http://schemas.microsoft.com/office/powerpoint/2010/main" val="1450385472"/>
       </p:ext>
     </p:extLst>
   </p:cSld>
@@ -24337,7 +25694,7 @@
           <p:cNvPr id="2" name="Title 1">
             <a:extLst>
               <a:ext uri="{FF2B5EF4-FFF2-40B4-BE49-F238E27FC236}">
-                <a16:creationId xmlns:a16="http://schemas.microsoft.com/office/drawing/2014/main" id="{B63425B6-0068-4936-A742-56AAA86D05EB}"/>
+                <a16:creationId xmlns:a16="http://schemas.microsoft.com/office/drawing/2014/main" xmlns="" id="{B63425B6-0068-4936-A742-56AAA86D05EB}"/>
               </a:ext>
             </a:extLst>
           </p:cNvPr>
@@ -24362,7 +25719,7 @@
           <p:cNvPr id="3" name="Content Placeholder 2">
             <a:extLst>
               <a:ext uri="{FF2B5EF4-FFF2-40B4-BE49-F238E27FC236}">
-                <a16:creationId xmlns:a16="http://schemas.microsoft.com/office/drawing/2014/main" id="{49367DDA-5D0E-4FB3-A032-2053CBE336C7}"/>
+                <a16:creationId xmlns:a16="http://schemas.microsoft.com/office/drawing/2014/main" xmlns="" id="{49367DDA-5D0E-4FB3-A032-2053CBE336C7}"/>
               </a:ext>
             </a:extLst>
           </p:cNvPr>
@@ -24398,6 +25755,90 @@
 </p:sld>
 </file>
 
+<file path=ppt/slides/slide40.xml><?xml version="1.0" encoding="utf-8"?>
+<p:sld xmlns:a="http://schemas.openxmlformats.org/drawingml/2006/main" xmlns:r="http://schemas.openxmlformats.org/officeDocument/2006/relationships" xmlns:p="http://schemas.openxmlformats.org/presentationml/2006/main">
+  <p:cSld>
+    <p:spTree>
+      <p:nvGrpSpPr>
+        <p:cNvPr id="1" name=""/>
+        <p:cNvGrpSpPr/>
+        <p:nvPr/>
+      </p:nvGrpSpPr>
+      <p:grpSpPr>
+        <a:xfrm>
+          <a:off x="0" y="0"/>
+          <a:ext cx="0" cy="0"/>
+          <a:chOff x="0" y="0"/>
+          <a:chExt cx="0" cy="0"/>
+        </a:xfrm>
+      </p:grpSpPr>
+      <p:sp>
+        <p:nvSpPr>
+          <p:cNvPr id="2" name="Title 1">
+            <a:extLst>
+              <a:ext uri="{FF2B5EF4-FFF2-40B4-BE49-F238E27FC236}">
+                <a16:creationId xmlns:a16="http://schemas.microsoft.com/office/drawing/2014/main" xmlns="" id="{4482F327-2ADA-49D0-9DE9-55F675A4095D}"/>
+              </a:ext>
+            </a:extLst>
+          </p:cNvPr>
+          <p:cNvSpPr>
+            <a:spLocks noGrp="1"/>
+          </p:cNvSpPr>
+          <p:nvPr>
+            <p:ph type="title"/>
+          </p:nvPr>
+        </p:nvSpPr>
+        <p:spPr/>
+        <p:txBody>
+          <a:bodyPr/>
+          <a:lstStyle/>
+          <a:p>
+            <a:pPr algn="ctr"/>
+            <a:r>
+              <a:rPr lang="en-US" dirty="0"/>
+              <a:t>How easy was this Data to Reproduce?</a:t>
+            </a:r>
+          </a:p>
+        </p:txBody>
+      </p:sp>
+      <p:sp>
+        <p:nvSpPr>
+          <p:cNvPr id="3" name="Content Placeholder 2">
+            <a:extLst>
+              <a:ext uri="{FF2B5EF4-FFF2-40B4-BE49-F238E27FC236}">
+                <a16:creationId xmlns:a16="http://schemas.microsoft.com/office/drawing/2014/main" xmlns="" id="{9DD2DAE7-406E-4157-A094-1926462F16A4}"/>
+              </a:ext>
+            </a:extLst>
+          </p:cNvPr>
+          <p:cNvSpPr>
+            <a:spLocks noGrp="1"/>
+          </p:cNvSpPr>
+          <p:nvPr>
+            <p:ph idx="1"/>
+          </p:nvPr>
+        </p:nvSpPr>
+        <p:spPr/>
+        <p:txBody>
+          <a:bodyPr/>
+          <a:lstStyle/>
+          <a:p>
+            <a:endParaRPr lang="en-US"/>
+          </a:p>
+        </p:txBody>
+      </p:sp>
+    </p:spTree>
+    <p:extLst>
+      <p:ext uri="{BB962C8B-B14F-4D97-AF65-F5344CB8AC3E}">
+        <p14:creationId xmlns:p14="http://schemas.microsoft.com/office/powerpoint/2010/main" val="1450385472"/>
+      </p:ext>
+    </p:extLst>
+  </p:cSld>
+  <p:clrMapOvr>
+    <a:masterClrMapping/>
+  </p:clrMapOvr>
+</p:sld>
+</file>
+
 <file path=ppt/slides/slide5.xml><?xml version="1.0" encoding="utf-8"?>
 <p:sld xmlns:a="http://schemas.openxmlformats.org/drawingml/2006/main" xmlns:r="http://schemas.openxmlformats.org/officeDocument/2006/relationships" xmlns:p="http://schemas.openxmlformats.org/presentationml/2006/main">
   <p:cSld>
@@ -24420,7 +25861,7 @@
           <p:cNvPr id="2" name="Title 1">
             <a:extLst>
               <a:ext uri="{FF2B5EF4-FFF2-40B4-BE49-F238E27FC236}">
-                <a16:creationId xmlns:a16="http://schemas.microsoft.com/office/drawing/2014/main" id="{EBE1C54F-2FC2-43FD-98FB-506BA2423B55}"/>
+                <a16:creationId xmlns:a16="http://schemas.microsoft.com/office/drawing/2014/main" xmlns="" id="{EBE1C54F-2FC2-43FD-98FB-506BA2423B55}"/>
               </a:ext>
             </a:extLst>
           </p:cNvPr>
@@ -24448,7 +25889,7 @@
           <p:cNvPr id="3" name="Content Placeholder 2">
             <a:extLst>
               <a:ext uri="{FF2B5EF4-FFF2-40B4-BE49-F238E27FC236}">
-                <a16:creationId xmlns:a16="http://schemas.microsoft.com/office/drawing/2014/main" id="{64CA0791-D618-4164-96BA-C009BAE7C206}"/>
+                <a16:creationId xmlns:a16="http://schemas.microsoft.com/office/drawing/2014/main" xmlns="" id="{64CA0791-D618-4164-96BA-C009BAE7C206}"/>
               </a:ext>
             </a:extLst>
           </p:cNvPr>
@@ -24540,7 +25981,7 @@
           <p:cNvPr id="2" name="Title 1">
             <a:extLst>
               <a:ext uri="{FF2B5EF4-FFF2-40B4-BE49-F238E27FC236}">
-                <a16:creationId xmlns:a16="http://schemas.microsoft.com/office/drawing/2014/main" id="{846376A2-2680-4182-9EBE-27E12AB88D32}"/>
+                <a16:creationId xmlns:a16="http://schemas.microsoft.com/office/drawing/2014/main" xmlns="" id="{846376A2-2680-4182-9EBE-27E12AB88D32}"/>
               </a:ext>
             </a:extLst>
           </p:cNvPr>
@@ -24576,7 +26017,7 @@
           <p:cNvPr id="3" name="Content Placeholder 2">
             <a:extLst>
               <a:ext uri="{FF2B5EF4-FFF2-40B4-BE49-F238E27FC236}">
-                <a16:creationId xmlns:a16="http://schemas.microsoft.com/office/drawing/2014/main" id="{ECD73D4E-7834-459A-B579-0B529A7352CD}"/>
+                <a16:creationId xmlns:a16="http://schemas.microsoft.com/office/drawing/2014/main" xmlns="" id="{ECD73D4E-7834-459A-B579-0B529A7352CD}"/>
               </a:ext>
             </a:extLst>
           </p:cNvPr>
@@ -24670,7 +26111,7 @@
           <p:cNvPr id="2" name="Title 1">
             <a:extLst>
               <a:ext uri="{FF2B5EF4-FFF2-40B4-BE49-F238E27FC236}">
-                <a16:creationId xmlns:a16="http://schemas.microsoft.com/office/drawing/2014/main" id="{4C1249DF-CAEB-4BAE-96B3-1C96C65C562B}"/>
+                <a16:creationId xmlns:a16="http://schemas.microsoft.com/office/drawing/2014/main" xmlns="" id="{4C1249DF-CAEB-4BAE-96B3-1C96C65C562B}"/>
               </a:ext>
             </a:extLst>
           </p:cNvPr>
@@ -24706,7 +26147,7 @@
           <p:cNvPr id="3" name="Content Placeholder 2">
             <a:extLst>
               <a:ext uri="{FF2B5EF4-FFF2-40B4-BE49-F238E27FC236}">
-                <a16:creationId xmlns:a16="http://schemas.microsoft.com/office/drawing/2014/main" id="{891063FE-ECDE-4982-8EFB-86D3BA38E0E3}"/>
+                <a16:creationId xmlns:a16="http://schemas.microsoft.com/office/drawing/2014/main" xmlns="" id="{891063FE-ECDE-4982-8EFB-86D3BA38E0E3}"/>
               </a:ext>
             </a:extLst>
           </p:cNvPr>
@@ -24808,7 +26249,7 @@
           <p:cNvPr id="1026" name="Picture 2" descr="https://images.readcube-cdn.com/publishers/wiley/figures/1a939f011a727cf66f71ad18900248edc6402a04e58adff7ea2473df0e45f731/1.jpg">
             <a:extLst>
               <a:ext uri="{FF2B5EF4-FFF2-40B4-BE49-F238E27FC236}">
-                <a16:creationId xmlns:a16="http://schemas.microsoft.com/office/drawing/2014/main" id="{9A8CFCD7-84A6-4E91-B27A-BF55EE380AE1}"/>
+                <a16:creationId xmlns:a16="http://schemas.microsoft.com/office/drawing/2014/main" xmlns="" id="{9A8CFCD7-84A6-4E91-B27A-BF55EE380AE1}"/>
               </a:ext>
             </a:extLst>
           </p:cNvPr>
@@ -24832,7 +26273,7 @@
         </p:blipFill>
         <p:spPr bwMode="auto">
           <a:xfrm>
-            <a:off x="2881313" y="0"/>
+            <a:off x="2881314" y="0"/>
             <a:ext cx="6429375" cy="6858000"/>
           </a:xfrm>
           <a:prstGeom prst="rect">
@@ -24840,7 +26281,7 @@
           </a:prstGeom>
           <a:noFill/>
           <a:extLst>
-            <a:ext uri="{909E8E84-426E-40DD-AFC4-6F175D3DCCD1}">
+            <a:ext uri="{909E8E84-426E-40dd-AFC4-6F175D3DCCD1}">
               <a14:hiddenFill xmlns:a14="http://schemas.microsoft.com/office/drawing/2010/main">
                 <a:solidFill>
                   <a:srgbClr val="FFFFFF"/>
@@ -24855,7 +26296,7 @@
           <p:cNvPr id="2" name="TextBox 1">
             <a:extLst>
               <a:ext uri="{FF2B5EF4-FFF2-40B4-BE49-F238E27FC236}">
-                <a16:creationId xmlns:a16="http://schemas.microsoft.com/office/drawing/2014/main" id="{FA34838E-320E-46AC-8712-123DE4EADEA3}"/>
+                <a16:creationId xmlns:a16="http://schemas.microsoft.com/office/drawing/2014/main" xmlns="" id="{FA34838E-320E-46AC-8712-123DE4EADEA3}"/>
               </a:ext>
             </a:extLst>
           </p:cNvPr>
@@ -24864,7 +26305,7 @@
         </p:nvSpPr>
         <p:spPr>
           <a:xfrm>
-            <a:off x="197892" y="477672"/>
+            <a:off x="197892" y="477673"/>
             <a:ext cx="2906973" cy="2585323"/>
           </a:xfrm>
           <a:prstGeom prst="rect">
@@ -24960,10 +26401,10 @@
           <p:cNvPr id="8" name="Rectangle 7">
             <a:extLst>
               <a:ext uri="{FF2B5EF4-FFF2-40B4-BE49-F238E27FC236}">
-                <a16:creationId xmlns:a16="http://schemas.microsoft.com/office/drawing/2014/main" id="{AB45A142-4255-493C-8284-5D566C121B10}"/>
+                <a16:creationId xmlns:a16="http://schemas.microsoft.com/office/drawing/2014/main" xmlns="" id="{AB45A142-4255-493C-8284-5D566C121B10}"/>
               </a:ext>
               <a:ext uri="{C183D7F6-B498-43B3-948B-1728B52AA6E4}">
-                <adec:decorative xmlns:adec="http://schemas.microsoft.com/office/drawing/2017/decorative" val="1"/>
+                <adec:decorative xmlns:adec="http://schemas.microsoft.com/office/drawing/2017/decorative" xmlns="" val="1"/>
               </a:ext>
             </a:extLst>
           </p:cNvPr>
@@ -24973,7 +26414,7 @@
           <p:nvPr>
             <p:extLst>
               <p:ext uri="{386F3935-93C4-4BCD-93E2-E3B085C9AB24}">
-                <p16:designElem xmlns:p16="http://schemas.microsoft.com/office/powerpoint/2015/main" val="1"/>
+                <p16:designElem xmlns:p16="http://schemas.microsoft.com/office/powerpoint/2015/main" xmlns="" val="1"/>
               </p:ext>
             </p:extLst>
           </p:nvPr>
@@ -25029,7 +26470,7 @@
           <p:cNvPr id="3" name="TextBox 2">
             <a:extLst>
               <a:ext uri="{FF2B5EF4-FFF2-40B4-BE49-F238E27FC236}">
-                <a16:creationId xmlns:a16="http://schemas.microsoft.com/office/drawing/2014/main" id="{7213F214-2ACE-4518-B575-09B6E0707B03}"/>
+                <a16:creationId xmlns:a16="http://schemas.microsoft.com/office/drawing/2014/main" xmlns="" id="{7213F214-2ACE-4518-B575-09B6E0707B03}"/>
               </a:ext>
             </a:extLst>
           </p:cNvPr>
@@ -25038,7 +26479,7 @@
         </p:nvSpPr>
         <p:spPr>
           <a:xfrm>
-            <a:off x="674237" y="914400"/>
+            <a:off x="674237" y="914402"/>
             <a:ext cx="3657600" cy="2887579"/>
           </a:xfrm>
           <a:prstGeom prst="rect">
@@ -25081,10 +26522,10 @@
           <p:cNvPr id="10" name="Straight Connector 9">
             <a:extLst>
               <a:ext uri="{FF2B5EF4-FFF2-40B4-BE49-F238E27FC236}">
-                <a16:creationId xmlns:a16="http://schemas.microsoft.com/office/drawing/2014/main" id="{38FB9660-F42F-4313-BBC4-47C007FE484C}"/>
+                <a16:creationId xmlns:a16="http://schemas.microsoft.com/office/drawing/2014/main" xmlns="" id="{38FB9660-F42F-4313-BBC4-47C007FE484C}"/>
               </a:ext>
               <a:ext uri="{C183D7F6-B498-43B3-948B-1728B52AA6E4}">
-                <adec:decorative xmlns:adec="http://schemas.microsoft.com/office/drawing/2017/decorative" val="1"/>
+                <adec:decorative xmlns:adec="http://schemas.microsoft.com/office/drawing/2017/decorative" xmlns="" val="1"/>
               </a:ext>
             </a:extLst>
           </p:cNvPr>
@@ -25094,7 +26535,7 @@
           <p:nvPr>
             <p:extLst>
               <p:ext uri="{386F3935-93C4-4BCD-93E2-E3B085C9AB24}">
-                <p16:designElem xmlns:p16="http://schemas.microsoft.com/office/powerpoint/2015/main" val="1"/>
+                <p16:designElem xmlns:p16="http://schemas.microsoft.com/office/powerpoint/2015/main" xmlns="" val="1"/>
               </p:ext>
             </p:extLst>
           </p:nvPr>
@@ -25102,7 +26543,7 @@
         <p:spPr>
           <a:xfrm>
             <a:off x="1191126" y="3910267"/>
-            <a:ext cx="2586790" cy="0"/>
+            <a:ext cx="2586791" cy="0"/>
           </a:xfrm>
           <a:prstGeom prst="line">
             <a:avLst/>
@@ -25133,7 +26574,7 @@
           <p:cNvPr id="2" name="Picture 1">
             <a:extLst>
               <a:ext uri="{FF2B5EF4-FFF2-40B4-BE49-F238E27FC236}">
-                <a16:creationId xmlns:a16="http://schemas.microsoft.com/office/drawing/2014/main" id="{780B287D-483B-41D6-B355-A1ECB377336A}"/>
+                <a16:creationId xmlns:a16="http://schemas.microsoft.com/office/drawing/2014/main" xmlns="" id="{780B287D-483B-41D6-B355-A1ECB377336A}"/>
               </a:ext>
             </a:extLst>
           </p:cNvPr>
@@ -25150,7 +26591,7 @@
         </p:blipFill>
         <p:spPr>
           <a:xfrm>
-            <a:off x="5153822" y="1307306"/>
+            <a:off x="5153824" y="1307308"/>
             <a:ext cx="6553545" cy="4251329"/>
           </a:xfrm>
           <a:prstGeom prst="rect">
@@ -25182,44 +26623,44 @@
         <a:sysClr val="window" lastClr="FFFFFF"/>
       </a:lt1>
       <a:dk2>
-        <a:srgbClr val="44546A"/>
+        <a:srgbClr val="1F497D"/>
       </a:dk2>
       <a:lt2>
-        <a:srgbClr val="E7E6E6"/>
+        <a:srgbClr val="EEECE1"/>
       </a:lt2>
       <a:accent1>
-        <a:srgbClr val="4472C4"/>
+        <a:srgbClr val="4F81BD"/>
       </a:accent1>
       <a:accent2>
-        <a:srgbClr val="ED7D31"/>
+        <a:srgbClr val="C0504D"/>
       </a:accent2>
       <a:accent3>
-        <a:srgbClr val="A5A5A5"/>
+        <a:srgbClr val="9BBB59"/>
       </a:accent3>
       <a:accent4>
-        <a:srgbClr val="FFC000"/>
+        <a:srgbClr val="8064A2"/>
       </a:accent4>
       <a:accent5>
-        <a:srgbClr val="5B9BD5"/>
+        <a:srgbClr val="4BACC6"/>
       </a:accent5>
       <a:accent6>
-        <a:srgbClr val="70AD47"/>
+        <a:srgbClr val="F79646"/>
       </a:accent6>
       <a:hlink>
-        <a:srgbClr val="0563C1"/>
+        <a:srgbClr val="0000FF"/>
       </a:hlink>
       <a:folHlink>
-        <a:srgbClr val="954F72"/>
+        <a:srgbClr val="800080"/>
       </a:folHlink>
     </a:clrScheme>
     <a:fontScheme name="Office">
       <a:majorFont>
-        <a:latin typeface="Calibri Light" panose="020F0302020204030204"/>
+        <a:latin typeface="Calibri"/>
         <a:ea typeface=""/>
         <a:cs typeface=""/>
-        <a:font script="Jpan" typeface="游ゴシック Light"/>
+        <a:font script="Jpan" typeface="ＭＳ Ｐゴシック"/>
         <a:font script="Hang" typeface="맑은 고딕"/>
-        <a:font script="Hans" typeface="等线 Light"/>
+        <a:font script="Hans" typeface="宋体"/>
         <a:font script="Hant" typeface="新細明體"/>
         <a:font script="Arab" typeface="Times New Roman"/>
         <a:font script="Hebr" typeface="Times New Roman"/>
@@ -25247,31 +26688,14 @@
         <a:font script="Viet" typeface="Times New Roman"/>
         <a:font script="Uigh" typeface="Microsoft Uighur"/>
         <a:font script="Geor" typeface="Sylfaen"/>
-        <a:font script="Armn" typeface="Arial"/>
-        <a:font script="Bugi" typeface="Leelawadee UI"/>
-        <a:font script="Bopo" typeface="Microsoft JhengHei"/>
-        <a:font script="Java" typeface="Javanese Text"/>
-        <a:font script="Lisu" typeface="Segoe UI"/>
-        <a:font script="Mymr" typeface="Myanmar Text"/>
-        <a:font script="Nkoo" typeface="Ebrima"/>
-        <a:font script="Olck" typeface="Nirmala UI"/>
-        <a:font script="Osma" typeface="Ebrima"/>
-        <a:font script="Phag" typeface="Phagspa"/>
-        <a:font script="Syrn" typeface="Estrangelo Edessa"/>
-        <a:font script="Syrj" typeface="Estrangelo Edessa"/>
-        <a:font script="Syre" typeface="Estrangelo Edessa"/>
-        <a:font script="Sora" typeface="Nirmala UI"/>
-        <a:font script="Tale" typeface="Microsoft Tai Le"/>
-        <a:font script="Talu" typeface="Microsoft New Tai Lue"/>
-        <a:font script="Tfng" typeface="Ebrima"/>
       </a:majorFont>
       <a:minorFont>
-        <a:latin typeface="Calibri" panose="020F0502020204030204"/>
+        <a:latin typeface="Calibri"/>
         <a:ea typeface=""/>
         <a:cs typeface=""/>
-        <a:font script="Jpan" typeface="游ゴシック"/>
+        <a:font script="Jpan" typeface="ＭＳ Ｐゴシック"/>
         <a:font script="Hang" typeface="맑은 고딕"/>
-        <a:font script="Hans" typeface="等线"/>
+        <a:font script="Hans" typeface="宋体"/>
         <a:font script="Hant" typeface="新細明體"/>
         <a:font script="Arab" typeface="Arial"/>
         <a:font script="Hebr" typeface="Arial"/>
@@ -25299,23 +26723,6 @@
         <a:font script="Viet" typeface="Arial"/>
         <a:font script="Uigh" typeface="Microsoft Uighur"/>
         <a:font script="Geor" typeface="Sylfaen"/>
-        <a:font script="Armn" typeface="Arial"/>
-        <a:font script="Bugi" typeface="Leelawadee UI"/>
-        <a:font script="Bopo" typeface="Microsoft JhengHei"/>
-        <a:font script="Java" typeface="Javanese Text"/>
-        <a:font script="Lisu" typeface="Segoe UI"/>
-        <a:font script="Mymr" typeface="Myanmar Text"/>
-        <a:font script="Nkoo" typeface="Ebrima"/>
-        <a:font script="Olck" typeface="Nirmala UI"/>
-        <a:font script="Osma" typeface="Ebrima"/>
-        <a:font script="Phag" typeface="Phagspa"/>
-        <a:font script="Syrn" typeface="Estrangelo Edessa"/>
-        <a:font script="Syrj" typeface="Estrangelo Edessa"/>
-        <a:font script="Syre" typeface="Estrangelo Edessa"/>
-        <a:font script="Sora" typeface="Nirmala UI"/>
-        <a:font script="Tale" typeface="Microsoft Tai Le"/>
-        <a:font script="Talu" typeface="Microsoft New Tai Lue"/>
-        <a:font script="Tfng" typeface="Ebrima"/>
       </a:minorFont>
     </a:fontScheme>
     <a:fmtScheme name="Office">
@@ -25327,141 +26734,200 @@
           <a:gsLst>
             <a:gs pos="0">
               <a:schemeClr val="phClr">
-                <a:lumMod val="110000"/>
-                <a:satMod val="105000"/>
-                <a:tint val="67000"/>
+                <a:tint val="50000"/>
+                <a:satMod val="300000"/>
               </a:schemeClr>
             </a:gs>
-            <a:gs pos="50000">
+            <a:gs pos="35000">
               <a:schemeClr val="phClr">
-                <a:lumMod val="105000"/>
-                <a:satMod val="103000"/>
-                <a:tint val="73000"/>
+                <a:tint val="37000"/>
+                <a:satMod val="300000"/>
               </a:schemeClr>
             </a:gs>
             <a:gs pos="100000">
               <a:schemeClr val="phClr">
-                <a:lumMod val="105000"/>
-                <a:satMod val="109000"/>
-                <a:tint val="81000"/>
+                <a:tint val="15000"/>
+                <a:satMod val="350000"/>
               </a:schemeClr>
             </a:gs>
           </a:gsLst>
-          <a:lin ang="5400000" scaled="0"/>
+          <a:lin ang="16200000" scaled="1"/>
         </a:gradFill>
         <a:gradFill rotWithShape="1">
           <a:gsLst>
             <a:gs pos="0">
               <a:schemeClr val="phClr">
-                <a:satMod val="103000"/>
-                <a:lumMod val="102000"/>
-                <a:tint val="94000"/>
-              </a:schemeClr>
-            </a:gs>
-            <a:gs pos="50000">
-              <a:schemeClr val="phClr">
-                <a:satMod val="110000"/>
-                <a:lumMod val="100000"/>
+                <a:tint val="100000"/>
                 <a:shade val="100000"/>
+                <a:satMod val="130000"/>
               </a:schemeClr>
             </a:gs>
             <a:gs pos="100000">
               <a:schemeClr val="phClr">
-                <a:lumMod val="99000"/>
-                <a:satMod val="120000"/>
-                <a:shade val="78000"/>
+                <a:tint val="50000"/>
+                <a:shade val="100000"/>
+                <a:satMod val="350000"/>
               </a:schemeClr>
             </a:gs>
           </a:gsLst>
-          <a:lin ang="5400000" scaled="0"/>
+          <a:lin ang="16200000" scaled="0"/>
         </a:gradFill>
       </a:fillStyleLst>
       <a:lnStyleLst>
-        <a:ln w="6350" cap="flat" cmpd="sng" algn="ctr">
+        <a:ln w="9525" cap="flat" cmpd="sng" algn="ctr">
+          <a:solidFill>
+            <a:schemeClr val="phClr">
+              <a:shade val="95000"/>
+              <a:satMod val="105000"/>
+            </a:schemeClr>
+          </a:solidFill>
+          <a:prstDash val="solid"/>
+        </a:ln>
+        <a:ln w="25400" cap="flat" cmpd="sng" algn="ctr">
           <a:solidFill>
             <a:schemeClr val="phClr"/>
           </a:solidFill>
           <a:prstDash val="solid"/>
-          <a:miter lim="800000"/>
         </a:ln>
-        <a:ln w="12700" cap="flat" cmpd="sng" algn="ctr">
+        <a:ln w="38100" cap="flat" cmpd="sng" algn="ctr">
           <a:solidFill>
             <a:schemeClr val="phClr"/>
           </a:solidFill>
           <a:prstDash val="solid"/>
-          <a:miter lim="800000"/>
-        </a:ln>
-        <a:ln w="19050" cap="flat" cmpd="sng" algn="ctr">
-          <a:solidFill>
-            <a:schemeClr val="phClr"/>
-          </a:solidFill>
-          <a:prstDash val="solid"/>
-          <a:miter lim="800000"/>
         </a:ln>
       </a:lnStyleLst>
       <a:effectStyleLst>
         <a:effectStyle>
-          <a:effectLst/>
-        </a:effectStyle>
-        <a:effectStyle>
-          <a:effectLst/>
+          <a:effectLst>
+            <a:outerShdw blurRad="40000" dist="20000" dir="5400000" rotWithShape="0">
+              <a:srgbClr val="000000">
+                <a:alpha val="38000"/>
+              </a:srgbClr>
+            </a:outerShdw>
+          </a:effectLst>
         </a:effectStyle>
         <a:effectStyle>
           <a:effectLst>
-            <a:outerShdw blurRad="57150" dist="19050" dir="5400000" algn="ctr" rotWithShape="0">
+            <a:outerShdw blurRad="40000" dist="23000" dir="5400000" rotWithShape="0">
               <a:srgbClr val="000000">
-                <a:alpha val="63000"/>
+                <a:alpha val="35000"/>
               </a:srgbClr>
             </a:outerShdw>
           </a:effectLst>
+        </a:effectStyle>
+        <a:effectStyle>
+          <a:effectLst>
+            <a:outerShdw blurRad="40000" dist="23000" dir="5400000" rotWithShape="0">
+              <a:srgbClr val="000000">
+                <a:alpha val="35000"/>
+              </a:srgbClr>
+            </a:outerShdw>
+          </a:effectLst>
+          <a:scene3d>
+            <a:camera prst="orthographicFront">
+              <a:rot lat="0" lon="0" rev="0"/>
+            </a:camera>
+            <a:lightRig rig="threePt" dir="t">
+              <a:rot lat="0" lon="0" rev="1200000"/>
+            </a:lightRig>
+          </a:scene3d>
+          <a:sp3d>
+            <a:bevelT w="63500" h="25400"/>
+          </a:sp3d>
         </a:effectStyle>
       </a:effectStyleLst>
       <a:bgFillStyleLst>
         <a:solidFill>
           <a:schemeClr val="phClr"/>
         </a:solidFill>
-        <a:solidFill>
-          <a:schemeClr val="phClr">
-            <a:tint val="95000"/>
-            <a:satMod val="170000"/>
-          </a:schemeClr>
-        </a:solidFill>
         <a:gradFill rotWithShape="1">
           <a:gsLst>
             <a:gs pos="0">
               <a:schemeClr val="phClr">
-                <a:tint val="93000"/>
-                <a:satMod val="150000"/>
-                <a:shade val="98000"/>
-                <a:lumMod val="102000"/>
+                <a:tint val="40000"/>
+                <a:satMod val="350000"/>
               </a:schemeClr>
             </a:gs>
-            <a:gs pos="50000">
+            <a:gs pos="40000">
               <a:schemeClr val="phClr">
-                <a:tint val="98000"/>
-                <a:satMod val="130000"/>
-                <a:shade val="90000"/>
-                <a:lumMod val="103000"/>
+                <a:tint val="45000"/>
+                <a:shade val="99000"/>
+                <a:satMod val="350000"/>
               </a:schemeClr>
             </a:gs>
             <a:gs pos="100000">
               <a:schemeClr val="phClr">
-                <a:shade val="63000"/>
-                <a:satMod val="120000"/>
+                <a:shade val="20000"/>
+                <a:satMod val="255000"/>
               </a:schemeClr>
             </a:gs>
           </a:gsLst>
-          <a:lin ang="5400000" scaled="0"/>
+          <a:path path="circle">
+            <a:fillToRect l="50000" t="-80000" r="50000" b="180000"/>
+          </a:path>
+        </a:gradFill>
+        <a:gradFill rotWithShape="1">
+          <a:gsLst>
+            <a:gs pos="0">
+              <a:schemeClr val="phClr">
+                <a:tint val="80000"/>
+                <a:satMod val="300000"/>
+              </a:schemeClr>
+            </a:gs>
+            <a:gs pos="100000">
+              <a:schemeClr val="phClr">
+                <a:shade val="30000"/>
+                <a:satMod val="200000"/>
+              </a:schemeClr>
+            </a:gs>
+          </a:gsLst>
+          <a:path path="circle">
+            <a:fillToRect l="50000" t="50000" r="50000" b="50000"/>
+          </a:path>
         </a:gradFill>
       </a:bgFillStyleLst>
     </a:fmtScheme>
   </a:themeElements>
-  <a:objectDefaults/>
+  <a:objectDefaults>
+    <a:spDef>
+      <a:spPr/>
+      <a:bodyPr/>
+      <a:lstStyle/>
+      <a:style>
+        <a:lnRef idx="1">
+          <a:schemeClr val="accent1"/>
+        </a:lnRef>
+        <a:fillRef idx="3">
+          <a:schemeClr val="accent1"/>
+        </a:fillRef>
+        <a:effectRef idx="2">
+          <a:schemeClr val="accent1"/>
+        </a:effectRef>
+        <a:fontRef idx="minor">
+          <a:schemeClr val="lt1"/>
+        </a:fontRef>
+      </a:style>
+    </a:spDef>
+    <a:lnDef>
+      <a:spPr/>
+      <a:bodyPr/>
+      <a:lstStyle/>
+      <a:style>
+        <a:lnRef idx="2">
+          <a:schemeClr val="accent1"/>
+        </a:lnRef>
+        <a:fillRef idx="0">
+          <a:schemeClr val="accent1"/>
+        </a:fillRef>
+        <a:effectRef idx="1">
+          <a:schemeClr val="accent1"/>
+        </a:effectRef>
+        <a:fontRef idx="minor">
+          <a:schemeClr val="tx1"/>
+        </a:fontRef>
+      </a:style>
+    </a:lnDef>
+  </a:objectDefaults>
   <a:extraClrSchemeLst/>
-  <a:extLst>
-    <a:ext uri="{05A4C25C-085E-4340-85A3-A5531E510DB2}">
-      <thm15:themeFamily xmlns:thm15="http://schemas.microsoft.com/office/thememl/2012/main" name="Office Theme" id="{62F939B6-93AF-4DB8-9C6B-D6C7DFDC589F}" vid="{4A3C46E8-61CC-4603-A589-7422A47A8E4A}"/>
-    </a:ext>
-  </a:extLst>
 </a:theme>
 </file>
--- a/PowerPoint Presentation for Final.pptx
+++ b/PowerPoint Presentation for Final.pptx
@@ -20,22 +20,22 @@
     <p:sldId id="282" r:id="rId14"/>
     <p:sldId id="283" r:id="rId15"/>
     <p:sldId id="284" r:id="rId16"/>
-    <p:sldId id="275" r:id="rId17"/>
-    <p:sldId id="257" r:id="rId18"/>
-    <p:sldId id="258" r:id="rId19"/>
-    <p:sldId id="292" r:id="rId20"/>
-    <p:sldId id="293" r:id="rId21"/>
-    <p:sldId id="294" r:id="rId22"/>
-    <p:sldId id="285" r:id="rId23"/>
-    <p:sldId id="259" r:id="rId24"/>
-    <p:sldId id="296" r:id="rId25"/>
-    <p:sldId id="288" r:id="rId26"/>
-    <p:sldId id="260" r:id="rId27"/>
-    <p:sldId id="289" r:id="rId28"/>
-    <p:sldId id="290" r:id="rId29"/>
-    <p:sldId id="261" r:id="rId30"/>
-    <p:sldId id="262" r:id="rId31"/>
-    <p:sldId id="270" r:id="rId32"/>
+    <p:sldId id="270" r:id="rId17"/>
+    <p:sldId id="275" r:id="rId18"/>
+    <p:sldId id="309" r:id="rId19"/>
+    <p:sldId id="258" r:id="rId20"/>
+    <p:sldId id="292" r:id="rId21"/>
+    <p:sldId id="293" r:id="rId22"/>
+    <p:sldId id="294" r:id="rId23"/>
+    <p:sldId id="285" r:id="rId24"/>
+    <p:sldId id="259" r:id="rId25"/>
+    <p:sldId id="296" r:id="rId26"/>
+    <p:sldId id="288" r:id="rId27"/>
+    <p:sldId id="260" r:id="rId28"/>
+    <p:sldId id="289" r:id="rId29"/>
+    <p:sldId id="290" r:id="rId30"/>
+    <p:sldId id="261" r:id="rId31"/>
+    <p:sldId id="262" r:id="rId32"/>
     <p:sldId id="302" r:id="rId33"/>
     <p:sldId id="303" r:id="rId34"/>
     <p:sldId id="304" r:id="rId35"/>
@@ -145,7 +145,18 @@
   </p:defaultTextStyle>
   <p:extLst>
     <p:ext uri="{EFAFB233-063F-42B5-8137-9DF3F51BA10A}">
-      <p15:sldGuideLst xmlns:p15="http://schemas.microsoft.com/office/powerpoint/2012/main" xmlns=""/>
+      <p15:sldGuideLst xmlns:p15="http://schemas.microsoft.com/office/powerpoint/2012/main">
+        <p15:guide id="1" orient="horz" pos="2160">
+          <p15:clr>
+            <a:srgbClr val="A4A3A4"/>
+          </p15:clr>
+        </p15:guide>
+        <p15:guide id="2" pos="3840">
+          <p15:clr>
+            <a:srgbClr val="A4A3A4"/>
+          </p15:clr>
+        </p15:guide>
+      </p15:sldGuideLst>
     </p:ext>
   </p:extLst>
 </p:presentation>
@@ -157,13 +168,183 @@
     <p1510:client id="{85E7CAD6-7BC5-4357-98DB-565E9B0A2E2C}" v="54" dt="2018-12-04T23:50:14.830"/>
     <p1510:client id="{358883BD-329B-4794-AF16-3687C1EB809A}" v="4" dt="2018-12-04T21:34:43.203"/>
     <p1510:client id="{C724E388-EDE3-41DF-96DF-8F7BBA839B06}" v="100" dt="2018-12-05T03:36:39.062"/>
+    <p1510:client id="{910F2A4A-7EF7-407C-90C5-B6EAB85758B4}" v="4" dt="2018-12-05T16:31:34.523"/>
     <p1510:client id="{70BD31D2-9D27-47EE-8410-48F21E6970C8}" v="7" dt="2018-12-05T05:03:36.079"/>
   </p1510:revLst>
 </p1510:revInfo>
 </file>
 
+<file path=ppt/changesInfos/changesInfo1.xml><?xml version="1.0" encoding="utf-8"?>
+<pc:chgInfo xmlns:a="http://schemas.openxmlformats.org/drawingml/2006/main" xmlns:r="http://schemas.openxmlformats.org/officeDocument/2006/relationships" xmlns:ac="http://schemas.microsoft.com/office/drawing/2013/main/command" xmlns:pc="http://schemas.microsoft.com/office/powerpoint/2013/main/command">
+  <pc:docChgLst>
+    <pc:chgData name="Jacob Zobrist" userId="d9517de7067bd0ef" providerId="LiveId" clId="{910F2A4A-7EF7-407C-90C5-B6EAB85758B4}"/>
+    <pc:docChg chg="custSel mod delSld modSld sldOrd">
+      <pc:chgData name="Jacob Zobrist" userId="d9517de7067bd0ef" providerId="LiveId" clId="{910F2A4A-7EF7-407C-90C5-B6EAB85758B4}" dt="2018-12-05T16:31:54.350" v="10" actId="26606"/>
+      <pc:docMkLst>
+        <pc:docMk/>
+      </pc:docMkLst>
+      <pc:sldChg chg="modSp del">
+        <pc:chgData name="Jacob Zobrist" userId="d9517de7067bd0ef" providerId="LiveId" clId="{910F2A4A-7EF7-407C-90C5-B6EAB85758B4}" dt="2018-12-05T16:30:30.845" v="8" actId="2696"/>
+        <pc:sldMkLst>
+          <pc:docMk/>
+          <pc:sldMk cId="2219624677" sldId="257"/>
+        </pc:sldMkLst>
+        <pc:spChg chg="mod">
+          <ac:chgData name="Jacob Zobrist" userId="d9517de7067bd0ef" providerId="LiveId" clId="{910F2A4A-7EF7-407C-90C5-B6EAB85758B4}" dt="2018-12-05T16:28:55.833" v="0" actId="5793"/>
+          <ac:spMkLst>
+            <pc:docMk/>
+            <pc:sldMk cId="2219624677" sldId="257"/>
+            <ac:spMk id="4" creationId="{5F3EF891-4321-4334-B61C-08AD4DFDFC36}"/>
+          </ac:spMkLst>
+        </pc:spChg>
+      </pc:sldChg>
+      <pc:sldChg chg="modSp">
+        <pc:chgData name="Jacob Zobrist" userId="d9517de7067bd0ef" providerId="LiveId" clId="{910F2A4A-7EF7-407C-90C5-B6EAB85758B4}" dt="2018-12-05T16:29:49.720" v="1" actId="27636"/>
+        <pc:sldMkLst>
+          <pc:docMk/>
+          <pc:sldMk cId="1773832977" sldId="267"/>
+        </pc:sldMkLst>
+        <pc:spChg chg="mod">
+          <ac:chgData name="Jacob Zobrist" userId="d9517de7067bd0ef" providerId="LiveId" clId="{910F2A4A-7EF7-407C-90C5-B6EAB85758B4}" dt="2018-12-05T16:29:49.720" v="1" actId="27636"/>
+          <ac:spMkLst>
+            <pc:docMk/>
+            <pc:sldMk cId="1773832977" sldId="267"/>
+            <ac:spMk id="3" creationId="{14167D56-C132-4472-9F2D-9856D1E8D55B}"/>
+          </ac:spMkLst>
+        </pc:spChg>
+      </pc:sldChg>
+      <pc:sldChg chg="addSp modSp mod ord setBg">
+        <pc:chgData name="Jacob Zobrist" userId="d9517de7067bd0ef" providerId="LiveId" clId="{910F2A4A-7EF7-407C-90C5-B6EAB85758B4}" dt="2018-12-05T16:31:54.350" v="10" actId="26606"/>
+        <pc:sldMkLst>
+          <pc:docMk/>
+          <pc:sldMk cId="2308950591" sldId="270"/>
+        </pc:sldMkLst>
+        <pc:spChg chg="add">
+          <ac:chgData name="Jacob Zobrist" userId="d9517de7067bd0ef" providerId="LiveId" clId="{910F2A4A-7EF7-407C-90C5-B6EAB85758B4}" dt="2018-12-05T16:31:54.350" v="10" actId="26606"/>
+          <ac:spMkLst>
+            <pc:docMk/>
+            <pc:sldMk cId="2308950591" sldId="270"/>
+            <ac:spMk id="10" creationId="{A9F529C3-C941-49FD-8C67-82F134F64BDB}"/>
+          </ac:spMkLst>
+        </pc:spChg>
+        <pc:spChg chg="add">
+          <ac:chgData name="Jacob Zobrist" userId="d9517de7067bd0ef" providerId="LiveId" clId="{910F2A4A-7EF7-407C-90C5-B6EAB85758B4}" dt="2018-12-05T16:31:54.350" v="10" actId="26606"/>
+          <ac:spMkLst>
+            <pc:docMk/>
+            <pc:sldMk cId="2308950591" sldId="270"/>
+            <ac:spMk id="12" creationId="{20586029-32A0-47E5-9AEC-AE3ABA6B94D0}"/>
+          </ac:spMkLst>
+        </pc:spChg>
+        <pc:picChg chg="mod">
+          <ac:chgData name="Jacob Zobrist" userId="d9517de7067bd0ef" providerId="LiveId" clId="{910F2A4A-7EF7-407C-90C5-B6EAB85758B4}" dt="2018-12-05T16:31:54.350" v="10" actId="26606"/>
+          <ac:picMkLst>
+            <pc:docMk/>
+            <pc:sldMk cId="2308950591" sldId="270"/>
+            <ac:picMk id="3" creationId="{B12FA73F-15AC-4FBC-B8DA-A6AD60F15D67}"/>
+          </ac:picMkLst>
+        </pc:picChg>
+        <pc:picChg chg="mod">
+          <ac:chgData name="Jacob Zobrist" userId="d9517de7067bd0ef" providerId="LiveId" clId="{910F2A4A-7EF7-407C-90C5-B6EAB85758B4}" dt="2018-12-05T16:31:54.350" v="10" actId="26606"/>
+          <ac:picMkLst>
+            <pc:docMk/>
+            <pc:sldMk cId="2308950591" sldId="270"/>
+            <ac:picMk id="5" creationId="{DF7D66E2-34B7-4D92-9FB6-BEA20EE709D7}"/>
+          </ac:picMkLst>
+        </pc:picChg>
+        <pc:cxnChg chg="add">
+          <ac:chgData name="Jacob Zobrist" userId="d9517de7067bd0ef" providerId="LiveId" clId="{910F2A4A-7EF7-407C-90C5-B6EAB85758B4}" dt="2018-12-05T16:31:54.350" v="10" actId="26606"/>
+          <ac:cxnSpMkLst>
+            <pc:docMk/>
+            <pc:sldMk cId="2308950591" sldId="270"/>
+            <ac:cxnSpMk id="14" creationId="{8C730EAB-A532-4295-A302-FB4B90DB9F5E}"/>
+          </ac:cxnSpMkLst>
+        </pc:cxnChg>
+      </pc:sldChg>
+      <pc:sldChg chg="modSp">
+        <pc:chgData name="Jacob Zobrist" userId="d9517de7067bd0ef" providerId="LiveId" clId="{910F2A4A-7EF7-407C-90C5-B6EAB85758B4}" dt="2018-12-05T16:29:49.740" v="2" actId="27636"/>
+        <pc:sldMkLst>
+          <pc:docMk/>
+          <pc:sldMk cId="1718363680" sldId="299"/>
+        </pc:sldMkLst>
+        <pc:spChg chg="mod">
+          <ac:chgData name="Jacob Zobrist" userId="d9517de7067bd0ef" providerId="LiveId" clId="{910F2A4A-7EF7-407C-90C5-B6EAB85758B4}" dt="2018-12-05T16:29:49.740" v="2" actId="27636"/>
+          <ac:spMkLst>
+            <pc:docMk/>
+            <pc:sldMk cId="1718363680" sldId="299"/>
+            <ac:spMk id="3" creationId="{891063FE-ECDE-4982-8EFB-86D3BA38E0E3}"/>
+          </ac:spMkLst>
+        </pc:spChg>
+      </pc:sldChg>
+      <pc:sldChg chg="addSp delSp modSp">
+        <pc:chgData name="Jacob Zobrist" userId="d9517de7067bd0ef" providerId="LiveId" clId="{910F2A4A-7EF7-407C-90C5-B6EAB85758B4}" dt="2018-12-05T16:30:24.238" v="7" actId="26606"/>
+        <pc:sldMkLst>
+          <pc:docMk/>
+          <pc:sldMk cId="296656007" sldId="309"/>
+        </pc:sldMkLst>
+        <pc:spChg chg="mod">
+          <ac:chgData name="Jacob Zobrist" userId="d9517de7067bd0ef" providerId="LiveId" clId="{910F2A4A-7EF7-407C-90C5-B6EAB85758B4}" dt="2018-12-05T16:30:24.238" v="7" actId="26606"/>
+          <ac:spMkLst>
+            <pc:docMk/>
+            <pc:sldMk cId="296656007" sldId="309"/>
+            <ac:spMk id="2" creationId="{08BF4E42-122E-4E19-A785-FD4DF907CA2C}"/>
+          </ac:spMkLst>
+        </pc:spChg>
+        <pc:spChg chg="del">
+          <ac:chgData name="Jacob Zobrist" userId="d9517de7067bd0ef" providerId="LiveId" clId="{910F2A4A-7EF7-407C-90C5-B6EAB85758B4}" dt="2018-12-05T16:30:24.238" v="7" actId="26606"/>
+          <ac:spMkLst>
+            <pc:docMk/>
+            <pc:sldMk cId="296656007" sldId="309"/>
+            <ac:spMk id="9" creationId="{AB45A142-4255-493C-8284-5D566C121B10}"/>
+          </ac:spMkLst>
+        </pc:spChg>
+        <pc:spChg chg="add">
+          <ac:chgData name="Jacob Zobrist" userId="d9517de7067bd0ef" providerId="LiveId" clId="{910F2A4A-7EF7-407C-90C5-B6EAB85758B4}" dt="2018-12-05T16:30:24.238" v="7" actId="26606"/>
+          <ac:spMkLst>
+            <pc:docMk/>
+            <pc:sldMk cId="296656007" sldId="309"/>
+            <ac:spMk id="16" creationId="{AB45A142-4255-493C-8284-5D566C121B10}"/>
+          </ac:spMkLst>
+        </pc:spChg>
+        <pc:picChg chg="del">
+          <ac:chgData name="Jacob Zobrist" userId="d9517de7067bd0ef" providerId="LiveId" clId="{910F2A4A-7EF7-407C-90C5-B6EAB85758B4}" dt="2018-12-05T16:29:57.046" v="3" actId="478"/>
+          <ac:picMkLst>
+            <pc:docMk/>
+            <pc:sldMk cId="296656007" sldId="309"/>
+            <ac:picMk id="4" creationId="{A46D2B5A-E906-4C31-B42D-A7253086A7C6}"/>
+          </ac:picMkLst>
+        </pc:picChg>
+        <pc:picChg chg="add mod">
+          <ac:chgData name="Jacob Zobrist" userId="d9517de7067bd0ef" providerId="LiveId" clId="{910F2A4A-7EF7-407C-90C5-B6EAB85758B4}" dt="2018-12-05T16:30:24.238" v="7" actId="26606"/>
+          <ac:picMkLst>
+            <pc:docMk/>
+            <pc:sldMk cId="296656007" sldId="309"/>
+            <ac:picMk id="6" creationId="{FC92C202-DBA3-426A-9CB1-3924889A71BA}"/>
+          </ac:picMkLst>
+        </pc:picChg>
+        <pc:cxnChg chg="del">
+          <ac:chgData name="Jacob Zobrist" userId="d9517de7067bd0ef" providerId="LiveId" clId="{910F2A4A-7EF7-407C-90C5-B6EAB85758B4}" dt="2018-12-05T16:30:24.238" v="7" actId="26606"/>
+          <ac:cxnSpMkLst>
+            <pc:docMk/>
+            <pc:sldMk cId="296656007" sldId="309"/>
+            <ac:cxnSpMk id="11" creationId="{38FB9660-F42F-4313-BBC4-47C007FE484C}"/>
+          </ac:cxnSpMkLst>
+        </pc:cxnChg>
+        <pc:cxnChg chg="add">
+          <ac:chgData name="Jacob Zobrist" userId="d9517de7067bd0ef" providerId="LiveId" clId="{910F2A4A-7EF7-407C-90C5-B6EAB85758B4}" dt="2018-12-05T16:30:24.238" v="7" actId="26606"/>
+          <ac:cxnSpMkLst>
+            <pc:docMk/>
+            <pc:sldMk cId="296656007" sldId="309"/>
+            <ac:cxnSpMk id="18" creationId="{38FB9660-F42F-4313-BBC4-47C007FE484C}"/>
+          </ac:cxnSpMkLst>
+        </pc:cxnChg>
+      </pc:sldChg>
+    </pc:docChg>
+  </pc:docChgLst>
+</pc:chgInfo>
+</file>
+
 <file path=ppt/charts/chart1.xml><?xml version="1.0" encoding="utf-8"?>
-<c:chartSpace xmlns:c="http://schemas.openxmlformats.org/drawingml/2006/chart" xmlns:a="http://schemas.openxmlformats.org/drawingml/2006/main" xmlns:r="http://schemas.openxmlformats.org/officeDocument/2006/relationships">
+<c:chartSpace xmlns:c="http://schemas.openxmlformats.org/drawingml/2006/chart" xmlns:a="http://schemas.openxmlformats.org/drawingml/2006/main" xmlns:r="http://schemas.openxmlformats.org/officeDocument/2006/relationships" xmlns:c16r2="http://schemas.microsoft.com/office/drawing/2015/06/chart">
   <c:date1904 val="0"/>
   <c:lang val="en-US"/>
   <c:roundedCorners val="0"/>
@@ -196,8 +377,8 @@
         <c:manualLayout>
           <c:xMode val="edge"/>
           <c:yMode val="edge"/>
-          <c:x val="0.324069921259843"/>
-          <c:y val="0.0297619047619048"/>
+          <c:x val="0.32406992125984302"/>
+          <c:y val="2.9761904761904798E-2"/>
         </c:manualLayout>
       </c:layout>
       <c:overlay val="0"/>
@@ -235,28 +416,28 @@
                   <c:formatCode>General</c:formatCode>
                   <c:ptCount val="11"/>
                   <c:pt idx="0">
-                    <c:v>0.986013297183269</c:v>
+                    <c:v>0.98601329718326902</c:v>
                   </c:pt>
                   <c:pt idx="1">
                     <c:v>1.131752710414631</c:v>
                   </c:pt>
                   <c:pt idx="2">
-                    <c:v>1.154700538379252</c:v>
+                    <c:v>1.1547005383792519</c:v>
                   </c:pt>
                   <c:pt idx="3">
-                    <c:v>0.857069367807862</c:v>
+                    <c:v>0.85706936780786203</c:v>
                   </c:pt>
                   <c:pt idx="4">
-                    <c:v>0.959037583424004</c:v>
+                    <c:v>0.95903758342400403</c:v>
                   </c:pt>
                   <c:pt idx="5">
                     <c:v>1.418571703867078</c:v>
                   </c:pt>
                   <c:pt idx="6">
-                    <c:v>1.343709624716425</c:v>
+                    <c:v>1.3437096247164251</c:v>
                   </c:pt>
                   <c:pt idx="7">
-                    <c:v>0.963852865160971</c:v>
+                    <c:v>0.96385286516097102</c:v>
                   </c:pt>
                   <c:pt idx="8">
                     <c:v>1.280190957978101</c:v>
@@ -265,7 +446,7 @@
                     <c:v>1.942062032549837</c:v>
                   </c:pt>
                   <c:pt idx="10">
-                    <c:v>1.0378634273483</c:v>
+                    <c:v>1.0378634273483001</c:v>
                   </c:pt>
                 </c:numCache>
               </c:numRef>
@@ -322,39 +503,39 @@
                   <c:v>5.333333333333333</c:v>
                 </c:pt>
                 <c:pt idx="1">
-                  <c:v>5.555555555555554</c:v>
+                  <c:v>5.5555555555555536</c:v>
                 </c:pt>
                 <c:pt idx="2">
                   <c:v>5.666666666666667</c:v>
                 </c:pt>
                 <c:pt idx="3">
-                  <c:v>5.111111111111111</c:v>
+                  <c:v>5.1111111111111107</c:v>
                 </c:pt>
                 <c:pt idx="4">
-                  <c:v>6.444444444444445</c:v>
+                  <c:v>6.4444444444444446</c:v>
                 </c:pt>
                 <c:pt idx="5">
-                  <c:v>6.888888888888888</c:v>
+                  <c:v>6.8888888888888884</c:v>
                 </c:pt>
                 <c:pt idx="6">
                   <c:v>6.666666666666667</c:v>
                 </c:pt>
                 <c:pt idx="7">
-                  <c:v>7.111111111111111</c:v>
+                  <c:v>7.1111111111111107</c:v>
                 </c:pt>
                 <c:pt idx="8">
                   <c:v>6.666666666666667</c:v>
                 </c:pt>
                 <c:pt idx="9">
-                  <c:v>8.222222222222221</c:v>
+                  <c:v>8.2222222222222214</c:v>
                 </c:pt>
                 <c:pt idx="10">
-                  <c:v>5.222222222222222</c:v>
+                  <c:v>5.2222222222222223</c:v>
                 </c:pt>
               </c:numCache>
             </c:numRef>
           </c:val>
-          <c:extLst xmlns:c16r2="http://schemas.microsoft.com/office/drawing/2015/06/chart">
+          <c:extLst>
             <c:ext xmlns:c16="http://schemas.microsoft.com/office/drawing/2014/chart" uri="{C3380CC4-5D6E-409C-BE32-E72D297353CC}">
               <c16:uniqueId val="{00000000-2D79-41DA-96D0-8DE64668382F}"/>
             </c:ext>
@@ -386,37 +567,37 @@
                   <c:formatCode>General</c:formatCode>
                   <c:ptCount val="11"/>
                   <c:pt idx="0">
-                    <c:v>0.675862503366469</c:v>
+                    <c:v>0.67586250336646903</c:v>
                   </c:pt>
                   <c:pt idx="1">
-                    <c:v>0.577350269189626</c:v>
+                    <c:v>0.57735026918962595</c:v>
                   </c:pt>
                   <c:pt idx="2">
-                    <c:v>0.512196914294049</c:v>
+                    <c:v>0.51219691429404901</c:v>
                   </c:pt>
                   <c:pt idx="3">
-                    <c:v>0.580017028272808</c:v>
+                    <c:v>0.58001702827280799</c:v>
                   </c:pt>
                   <c:pt idx="4">
-                    <c:v>0.484322104837853</c:v>
+                    <c:v>0.48432210483785298</c:v>
                   </c:pt>
                   <c:pt idx="5">
-                    <c:v>0.74535599249993</c:v>
+                    <c:v>0.74535599249993001</c:v>
                   </c:pt>
                   <c:pt idx="6">
-                    <c:v>0.709285851933539</c:v>
+                    <c:v>0.70928585193353899</c:v>
                   </c:pt>
                   <c:pt idx="7">
-                    <c:v>0.771802443858322</c:v>
+                    <c:v>0.77180244385832197</c:v>
                   </c:pt>
                   <c:pt idx="8">
-                    <c:v>0.833333333333333</c:v>
+                    <c:v>0.83333333333333304</c:v>
                   </c:pt>
                   <c:pt idx="9">
                     <c:v>0.982878111830785</c:v>
                   </c:pt>
                   <c:pt idx="10">
-                    <c:v>1.0378634273483</c:v>
+                    <c:v>1.0378634273483001</c:v>
                   </c:pt>
                 </c:numCache>
               </c:numRef>
@@ -470,42 +651,42 @@
                 <c:formatCode>0.000</c:formatCode>
                 <c:ptCount val="11"/>
                 <c:pt idx="0">
-                  <c:v>4.111111111111111</c:v>
+                  <c:v>4.1111111111111107</c:v>
                 </c:pt>
                 <c:pt idx="1">
-                  <c:v>3.666666666666666</c:v>
+                  <c:v>3.6666666666666661</c:v>
                 </c:pt>
                 <c:pt idx="2">
-                  <c:v>4.111111111111111</c:v>
+                  <c:v>4.1111111111111107</c:v>
                 </c:pt>
                 <c:pt idx="3">
-                  <c:v>3.444444444444444</c:v>
+                  <c:v>3.4444444444444442</c:v>
                 </c:pt>
                 <c:pt idx="4">
-                  <c:v>4.111111111111111</c:v>
+                  <c:v>4.1111111111111107</c:v>
                 </c:pt>
                 <c:pt idx="5">
-                  <c:v>4.0</c:v>
+                  <c:v>4</c:v>
                 </c:pt>
                 <c:pt idx="6">
-                  <c:v>4.444444444444445</c:v>
+                  <c:v>4.4444444444444446</c:v>
                 </c:pt>
                 <c:pt idx="7">
-                  <c:v>5.111111111111111</c:v>
+                  <c:v>5.1111111111111107</c:v>
                 </c:pt>
                 <c:pt idx="8">
                   <c:v>4.333333333333333</c:v>
                 </c:pt>
                 <c:pt idx="9">
-                  <c:v>5.777777777777778</c:v>
+                  <c:v>5.7777777777777777</c:v>
                 </c:pt>
                 <c:pt idx="10">
-                  <c:v>5.222222222222222</c:v>
+                  <c:v>5.2222222222222223</c:v>
                 </c:pt>
               </c:numCache>
             </c:numRef>
           </c:val>
-          <c:extLst xmlns:c16r2="http://schemas.microsoft.com/office/drawing/2015/06/chart">
+          <c:extLst>
             <c:ext xmlns:c16="http://schemas.microsoft.com/office/drawing/2014/chart" uri="{C3380CC4-5D6E-409C-BE32-E72D297353CC}">
               <c16:uniqueId val="{00000001-2D79-41DA-96D0-8DE64668382F}"/>
             </c:ext>
@@ -537,37 +718,37 @@
                   <c:formatCode>General</c:formatCode>
                   <c:ptCount val="11"/>
                   <c:pt idx="0">
-                    <c:v>0.623824042239831</c:v>
+                    <c:v>0.62382404223983101</c:v>
                   </c:pt>
                   <c:pt idx="1">
-                    <c:v>0.464520239757801</c:v>
+                    <c:v>0.46452023975780099</c:v>
                   </c:pt>
                   <c:pt idx="2">
-                    <c:v>0.608904212954167</c:v>
+                    <c:v>0.60890421295416697</c:v>
                   </c:pt>
                   <c:pt idx="3">
-                    <c:v>0.436245615876758</c:v>
+                    <c:v>0.43624561587675798</c:v>
                   </c:pt>
                   <c:pt idx="4">
-                    <c:v>0.690199287380759</c:v>
+                    <c:v>0.69019928738075897</c:v>
                   </c:pt>
                   <c:pt idx="5">
-                    <c:v>1.169461510442677</c:v>
+                    <c:v>1.1694615104426771</c:v>
                   </c:pt>
                   <c:pt idx="6">
-                    <c:v>0.948706422649341</c:v>
+                    <c:v>0.94870642264934102</c:v>
                   </c:pt>
                   <c:pt idx="7">
-                    <c:v>0.801156371310703</c:v>
+                    <c:v>0.80115637131070305</c:v>
                   </c:pt>
                   <c:pt idx="8">
-                    <c:v>0.494992822427287</c:v>
+                    <c:v>0.49499282242728698</c:v>
                   </c:pt>
                   <c:pt idx="9">
                     <c:v>1.382562863356998</c:v>
                   </c:pt>
                   <c:pt idx="10">
-                    <c:v>0.595445002524676</c:v>
+                    <c:v>0.59544500252467603</c:v>
                   </c:pt>
                 </c:numCache>
               </c:numRef>
@@ -621,34 +802,34 @@
                 <c:formatCode>0.000</c:formatCode>
                 <c:ptCount val="11"/>
                 <c:pt idx="0">
-                  <c:v>3.066798859928325</c:v>
+                  <c:v>3.0667988599283249</c:v>
                 </c:pt>
                 <c:pt idx="1">
-                  <c:v>2.877041775481452</c:v>
+                  <c:v>2.8770417754814521</c:v>
                 </c:pt>
                 <c:pt idx="2">
-                  <c:v>2.98201571235258</c:v>
+                  <c:v>2.9820157123525801</c:v>
                 </c:pt>
                 <c:pt idx="3">
-                  <c:v>2.507147122918031</c:v>
+                  <c:v>2.5071471229180311</c:v>
                 </c:pt>
                 <c:pt idx="4">
-                  <c:v>3.556572118457992</c:v>
+                  <c:v>3.5565721184579919</c:v>
                 </c:pt>
                 <c:pt idx="5">
-                  <c:v>3.994544955790207</c:v>
+                  <c:v>3.9945449557902069</c:v>
                 </c:pt>
                 <c:pt idx="6">
-                  <c:v>3.616844078076359</c:v>
+                  <c:v>3.6168440780763591</c:v>
                 </c:pt>
                 <c:pt idx="7">
-                  <c:v>4.193282196306607</c:v>
+                  <c:v>4.1932821963066074</c:v>
                 </c:pt>
                 <c:pt idx="8">
-                  <c:v>3.056835043510799</c:v>
+                  <c:v>3.0568350435107989</c:v>
                 </c:pt>
                 <c:pt idx="9">
-                  <c:v>5.172508840096786</c:v>
+                  <c:v>5.1725088400967856</c:v>
                 </c:pt>
                 <c:pt idx="10">
                   <c:v>3.124129475276177</c:v>
@@ -656,7 +837,7 @@
               </c:numCache>
             </c:numRef>
           </c:val>
-          <c:extLst xmlns:c16r2="http://schemas.microsoft.com/office/drawing/2015/06/chart">
+          <c:extLst>
             <c:ext xmlns:c16="http://schemas.microsoft.com/office/drawing/2014/chart" uri="{C3380CC4-5D6E-409C-BE32-E72D297353CC}">
               <c16:uniqueId val="{00000002-2D79-41DA-96D0-8DE64668382F}"/>
             </c:ext>
@@ -688,16 +869,16 @@
                   <c:formatCode>General</c:formatCode>
                   <c:ptCount val="11"/>
                   <c:pt idx="0">
-                    <c:v>0.222674019274009</c:v>
+                    <c:v>0.22267401927400901</c:v>
                   </c:pt>
                   <c:pt idx="1">
-                    <c:v>0.192085754774328</c:v>
+                    <c:v>0.19208575477432799</c:v>
                   </c:pt>
                   <c:pt idx="2">
                     <c:v>0.201195330238784</c:v>
                   </c:pt>
                   <c:pt idx="3">
-                    <c:v>0.186435026570398</c:v>
+                    <c:v>0.18643502657039801</c:v>
                   </c:pt>
                   <c:pt idx="4">
                     <c:v>0.176872599811566</c:v>
@@ -706,16 +887,16 @@
                     <c:v>0.244170120863268</c:v>
                   </c:pt>
                   <c:pt idx="6">
-                    <c:v>0.228882125777614</c:v>
+                    <c:v>0.22888212577761399</c:v>
                   </c:pt>
                   <c:pt idx="7">
-                    <c:v>0.177317564656524</c:v>
+                    <c:v>0.17731756465652401</c:v>
                   </c:pt>
                   <c:pt idx="8">
                     <c:v>0.234105952987917</c:v>
                   </c:pt>
                   <c:pt idx="9">
-                    <c:v>0.28125827770699</c:v>
+                    <c:v>0.28125827770699002</c:v>
                   </c:pt>
                   <c:pt idx="10">
                     <c:v>0.240006989874535</c:v>
@@ -772,19 +953,19 @@
                 <c:formatCode>0.000</c:formatCode>
                 <c:ptCount val="11"/>
                 <c:pt idx="0">
-                  <c:v>1.110618255492937</c:v>
+                  <c:v>1.1106182554929369</c:v>
                 </c:pt>
                 <c:pt idx="1">
-                  <c:v>1.13149105128045</c:v>
+                  <c:v>1.1314910512804499</c:v>
                 </c:pt>
                 <c:pt idx="2">
                   <c:v>1.150875916294668</c:v>
                 </c:pt>
                 <c:pt idx="3">
-                  <c:v>1.018784744779437</c:v>
+                  <c:v>1.0187847447794369</c:v>
                 </c:pt>
                 <c:pt idx="4">
-                  <c:v>1.359796259235594</c:v>
+                  <c:v>1.3597962592355941</c:v>
                 </c:pt>
                 <c:pt idx="5">
                   <c:v>1.301010720627261</c:v>
@@ -793,10 +974,10 @@
                   <c:v>1.294000216015422</c:v>
                 </c:pt>
                 <c:pt idx="7">
-                  <c:v>1.48727570022161</c:v>
+                  <c:v>1.4872757002216099</c:v>
                 </c:pt>
                 <c:pt idx="8">
-                  <c:v>1.241722126063526</c:v>
+                  <c:v>1.2417221260635261</c:v>
                 </c:pt>
                 <c:pt idx="9">
                   <c:v>1.537498851905406</c:v>
@@ -807,7 +988,7 @@
               </c:numCache>
             </c:numRef>
           </c:val>
-          <c:extLst xmlns:c16r2="http://schemas.microsoft.com/office/drawing/2015/06/chart">
+          <c:extLst>
             <c:ext xmlns:c16="http://schemas.microsoft.com/office/drawing/2014/chart" uri="{C3380CC4-5D6E-409C-BE32-E72D297353CC}">
               <c16:uniqueId val="{00000003-2D79-41DA-96D0-8DE64668382F}"/>
             </c:ext>
@@ -839,37 +1020,37 @@
                   <c:formatCode>General</c:formatCode>
                   <c:ptCount val="11"/>
                   <c:pt idx="0">
-                    <c:v>0.0</c:v>
+                    <c:v>0</c:v>
                   </c:pt>
                   <c:pt idx="1">
-                    <c:v>0.111111111111111</c:v>
+                    <c:v>0.11111111111111099</c:v>
                   </c:pt>
                   <c:pt idx="2">
-                    <c:v>0.0</c:v>
+                    <c:v>0</c:v>
                   </c:pt>
                   <c:pt idx="3">
-                    <c:v>0.111111111111111</c:v>
+                    <c:v>0.11111111111111099</c:v>
                   </c:pt>
                   <c:pt idx="4">
-                    <c:v>0.242161052418926</c:v>
+                    <c:v>0.24216105241892599</c:v>
                   </c:pt>
                   <c:pt idx="5">
-                    <c:v>0.444444444444444</c:v>
+                    <c:v>0.44444444444444398</c:v>
                   </c:pt>
                   <c:pt idx="6">
-                    <c:v>0.242161052418926</c:v>
+                    <c:v>0.24216105241892599</c:v>
                   </c:pt>
                   <c:pt idx="7">
-                    <c:v>0.235702260395516</c:v>
+                    <c:v>0.23570226039551601</c:v>
                   </c:pt>
                   <c:pt idx="8">
-                    <c:v>0.376796110173626</c:v>
+                    <c:v>0.37679611017362602</c:v>
                   </c:pt>
                   <c:pt idx="9">
-                    <c:v>0.726483157256779</c:v>
+                    <c:v>0.72648315725677903</c:v>
                   </c:pt>
                   <c:pt idx="10">
-                    <c:v>0.222222222222222</c:v>
+                    <c:v>0.22222222222222199</c:v>
                   </c:pt>
                 </c:numCache>
               </c:numRef>
@@ -923,42 +1104,42 @@
                 <c:formatCode>0.000</c:formatCode>
                 <c:ptCount val="11"/>
                 <c:pt idx="0">
-                  <c:v>0.0</c:v>
+                  <c:v>0</c:v>
                 </c:pt>
                 <c:pt idx="1">
-                  <c:v>0.111111111111111</c:v>
+                  <c:v>0.11111111111111099</c:v>
                 </c:pt>
                 <c:pt idx="2">
-                  <c:v>0.0</c:v>
+                  <c:v>0</c:v>
                 </c:pt>
                 <c:pt idx="3">
-                  <c:v>0.111111111111111</c:v>
+                  <c:v>0.11111111111111099</c:v>
                 </c:pt>
                 <c:pt idx="4">
-                  <c:v>0.444444444444444</c:v>
+                  <c:v>0.44444444444444398</c:v>
                 </c:pt>
                 <c:pt idx="5">
-                  <c:v>0.555555555555556</c:v>
+                  <c:v>0.55555555555555602</c:v>
                 </c:pt>
                 <c:pt idx="6">
-                  <c:v>0.444444444444444</c:v>
+                  <c:v>0.44444444444444398</c:v>
                 </c:pt>
                 <c:pt idx="7">
-                  <c:v>0.333333333333333</c:v>
+                  <c:v>0.33333333333333298</c:v>
                 </c:pt>
                 <c:pt idx="8">
-                  <c:v>0.555555555555556</c:v>
+                  <c:v>0.55555555555555602</c:v>
                 </c:pt>
                 <c:pt idx="9">
                   <c:v>1.666666666666667</c:v>
                 </c:pt>
                 <c:pt idx="10">
-                  <c:v>0.222222222222222</c:v>
+                  <c:v>0.22222222222222199</c:v>
                 </c:pt>
               </c:numCache>
             </c:numRef>
           </c:val>
-          <c:extLst xmlns:c16r2="http://schemas.microsoft.com/office/drawing/2015/06/chart">
+          <c:extLst>
             <c:ext xmlns:c16="http://schemas.microsoft.com/office/drawing/2014/chart" uri="{C3380CC4-5D6E-409C-BE32-E72D297353CC}">
               <c16:uniqueId val="{00000004-2D79-41DA-96D0-8DE64668382F}"/>
             </c:ext>
@@ -990,37 +1171,37 @@
                   <c:formatCode>General</c:formatCode>
                   <c:ptCount val="11"/>
                   <c:pt idx="0">
-                    <c:v>0.111111111111111</c:v>
+                    <c:v>0.11111111111111099</c:v>
                   </c:pt>
                   <c:pt idx="1">
-                    <c:v>0.337931251683234</c:v>
+                    <c:v>0.33793125168323401</c:v>
                   </c:pt>
                   <c:pt idx="2">
-                    <c:v>0.175682092231577</c:v>
+                    <c:v>0.17568209223157699</c:v>
                   </c:pt>
                   <c:pt idx="3">
-                    <c:v>0.146986183948033</c:v>
+                    <c:v>0.14698618394803301</c:v>
                   </c:pt>
                   <c:pt idx="4">
-                    <c:v>0.351364184463153</c:v>
+                    <c:v>0.35136418446315298</c:v>
                   </c:pt>
                   <c:pt idx="5">
-                    <c:v>0.166666666666667</c:v>
+                    <c:v>0.16666666666666699</c:v>
                   </c:pt>
                   <c:pt idx="6">
-                    <c:v>0.337931251683234</c:v>
+                    <c:v>0.33793125168323401</c:v>
                   </c:pt>
                   <c:pt idx="7">
                     <c:v>0.200308404192444</c:v>
                   </c:pt>
                   <c:pt idx="8">
-                    <c:v>0.242161052418926</c:v>
+                    <c:v>0.24216105241892599</c:v>
                   </c:pt>
                   <c:pt idx="9">
-                    <c:v>0.753592220347252</c:v>
+                    <c:v>0.75359222034725204</c:v>
                   </c:pt>
                   <c:pt idx="10">
-                    <c:v>0.662020849322944</c:v>
+                    <c:v>0.66202084932294403</c:v>
                   </c:pt>
                 </c:numCache>
               </c:numRef>
@@ -1074,42 +1255,42 @@
                 <c:formatCode>0.000</c:formatCode>
                 <c:ptCount val="11"/>
                 <c:pt idx="0">
-                  <c:v>0.111111111111111</c:v>
+                  <c:v>0.11111111111111099</c:v>
                 </c:pt>
                 <c:pt idx="1">
-                  <c:v>0.444444444444444</c:v>
+                  <c:v>0.44444444444444398</c:v>
                 </c:pt>
                 <c:pt idx="2">
-                  <c:v>0.444444444444444</c:v>
+                  <c:v>0.44444444444444398</c:v>
                 </c:pt>
                 <c:pt idx="3">
-                  <c:v>0.222222222222222</c:v>
+                  <c:v>0.22222222222222199</c:v>
                 </c:pt>
                 <c:pt idx="4">
-                  <c:v>0.888888888888889</c:v>
+                  <c:v>0.88888888888888895</c:v>
                 </c:pt>
                 <c:pt idx="5">
-                  <c:v>0.333333333333333</c:v>
+                  <c:v>0.33333333333333298</c:v>
                 </c:pt>
                 <c:pt idx="6">
-                  <c:v>0.555555555555556</c:v>
+                  <c:v>0.55555555555555602</c:v>
                 </c:pt>
                 <c:pt idx="7">
-                  <c:v>0.888888888888889</c:v>
+                  <c:v>0.88888888888888895</c:v>
                 </c:pt>
                 <c:pt idx="8">
-                  <c:v>0.444444444444444</c:v>
+                  <c:v>0.44444444444444398</c:v>
                 </c:pt>
                 <c:pt idx="9">
-                  <c:v>1.111111111111111</c:v>
+                  <c:v>1.1111111111111109</c:v>
                 </c:pt>
                 <c:pt idx="10">
-                  <c:v>1.222222222222222</c:v>
+                  <c:v>1.2222222222222221</c:v>
                 </c:pt>
               </c:numCache>
             </c:numRef>
           </c:val>
-          <c:extLst xmlns:c16r2="http://schemas.microsoft.com/office/drawing/2015/06/chart">
+          <c:extLst>
             <c:ext xmlns:c16="http://schemas.microsoft.com/office/drawing/2014/chart" uri="{C3380CC4-5D6E-409C-BE32-E72D297353CC}">
               <c16:uniqueId val="{00000005-2D79-41DA-96D0-8DE64668382F}"/>
             </c:ext>
@@ -1141,37 +1322,37 @@
                   <c:formatCode>General</c:formatCode>
                   <c:ptCount val="11"/>
                   <c:pt idx="0">
-                    <c:v>0.555555555555556</c:v>
+                    <c:v>0.55555555555555602</c:v>
                   </c:pt>
                   <c:pt idx="1">
-                    <c:v>0.654990340141755</c:v>
+                    <c:v>0.65499034014175495</c:v>
                   </c:pt>
                   <c:pt idx="2">
-                    <c:v>0.503076952118745</c:v>
+                    <c:v>0.50307695211874504</c:v>
                   </c:pt>
                   <c:pt idx="3">
-                    <c:v>0.577350269189626</c:v>
+                    <c:v>0.57735026918962595</c:v>
                   </c:pt>
                   <c:pt idx="4">
-                    <c:v>0.538631095268481</c:v>
+                    <c:v>0.53863109526848096</c:v>
                   </c:pt>
                   <c:pt idx="5">
-                    <c:v>0.74120355911813</c:v>
+                    <c:v>0.74120355911812996</c:v>
                   </c:pt>
                   <c:pt idx="6">
-                    <c:v>0.799305253885453</c:v>
+                    <c:v>0.79930525388545304</c:v>
                   </c:pt>
                   <c:pt idx="7">
-                    <c:v>0.626079314976925</c:v>
+                    <c:v>0.62607931497692504</c:v>
                   </c:pt>
                   <c:pt idx="8">
-                    <c:v>0.753592220347252</c:v>
+                    <c:v>0.75359222034725204</c:v>
                   </c:pt>
                   <c:pt idx="9">
                     <c:v>1.001542020962219</c:v>
                   </c:pt>
                   <c:pt idx="10">
-                    <c:v>0.929622251704528</c:v>
+                    <c:v>0.92962225170452795</c:v>
                   </c:pt>
                 </c:numCache>
               </c:numRef>
@@ -1228,7 +1409,7 @@
                   <c:v>1.555555555555556</c:v>
                 </c:pt>
                 <c:pt idx="1">
-                  <c:v>1.888888888888889</c:v>
+                  <c:v>1.8888888888888891</c:v>
                 </c:pt>
                 <c:pt idx="2">
                   <c:v>1.555555555555556</c:v>
@@ -1237,30 +1418,30 @@
                   <c:v>1.333333333333333</c:v>
                 </c:pt>
                 <c:pt idx="4">
-                  <c:v>2.111111111111111</c:v>
+                  <c:v>2.1111111111111112</c:v>
                 </c:pt>
                 <c:pt idx="5">
-                  <c:v>1.777777777777778</c:v>
+                  <c:v>1.7777777777777779</c:v>
                 </c:pt>
                 <c:pt idx="6">
                   <c:v>2.333333333333333</c:v>
                 </c:pt>
                 <c:pt idx="7">
-                  <c:v>2.555555555555555</c:v>
+                  <c:v>2.5555555555555549</c:v>
                 </c:pt>
                 <c:pt idx="8">
-                  <c:v>2.111111111111111</c:v>
+                  <c:v>2.1111111111111112</c:v>
                 </c:pt>
                 <c:pt idx="9">
-                  <c:v>2.555555555555555</c:v>
+                  <c:v>2.5555555555555549</c:v>
                 </c:pt>
                 <c:pt idx="10">
-                  <c:v>2.444444444444444</c:v>
+                  <c:v>2.4444444444444442</c:v>
                 </c:pt>
               </c:numCache>
             </c:numRef>
           </c:val>
-          <c:extLst xmlns:c16r2="http://schemas.microsoft.com/office/drawing/2015/06/chart">
+          <c:extLst>
             <c:ext xmlns:c16="http://schemas.microsoft.com/office/drawing/2014/chart" uri="{C3380CC4-5D6E-409C-BE32-E72D297353CC}">
               <c16:uniqueId val="{00000006-2D79-41DA-96D0-8DE64668382F}"/>
             </c:ext>
@@ -1307,37 +1488,37 @@
                   <c:formatCode>General</c:formatCode>
                   <c:ptCount val="11"/>
                   <c:pt idx="0">
-                    <c:v>0.0998025394215998</c:v>
+                    <c:v>9.9802539421599806E-2</c:v>
                   </c:pt>
                   <c:pt idx="1">
-                    <c:v>0.081620904917347</c:v>
+                    <c:v>8.1620904917346998E-2</c:v>
                   </c:pt>
                   <c:pt idx="2">
-                    <c:v>0.082956563218288</c:v>
+                    <c:v>8.2956563218287996E-2</c:v>
                   </c:pt>
                   <c:pt idx="3">
-                    <c:v>0.0817539882564867</c:v>
+                    <c:v>8.1753988256486707E-2</c:v>
                   </c:pt>
                   <c:pt idx="4">
-                    <c:v>0.0692085294043261</c:v>
+                    <c:v>6.9208529404326105E-2</c:v>
                   </c:pt>
                   <c:pt idx="5">
-                    <c:v>0.0872686636411885</c:v>
+                    <c:v>8.7268663641188501E-2</c:v>
                   </c:pt>
                   <c:pt idx="6">
-                    <c:v>0.0871335996705334</c:v>
+                    <c:v>8.7133599670533399E-2</c:v>
                   </c:pt>
                   <c:pt idx="7">
-                    <c:v>0.0557844233960023</c:v>
+                    <c:v>5.57844233960023E-2</c:v>
                   </c:pt>
                   <c:pt idx="8">
-                    <c:v>0.0994845040702214</c:v>
+                    <c:v>9.94845040702214E-2</c:v>
                   </c:pt>
                   <c:pt idx="9">
-                    <c:v>0.0917104140314683</c:v>
+                    <c:v>9.1710414031468304E-2</c:v>
                   </c:pt>
                   <c:pt idx="10">
-                    <c:v>0.0991857280155532</c:v>
+                    <c:v>9.9185728015553198E-2</c:v>
                   </c:pt>
                 </c:numCache>
               </c:numRef>
@@ -1349,37 +1530,37 @@
                   <c:formatCode>General</c:formatCode>
                   <c:ptCount val="11"/>
                   <c:pt idx="0">
-                    <c:v>0.0998025394215998</c:v>
+                    <c:v>9.9802539421599806E-2</c:v>
                   </c:pt>
                   <c:pt idx="1">
-                    <c:v>0.081620904917347</c:v>
+                    <c:v>8.1620904917346998E-2</c:v>
                   </c:pt>
                   <c:pt idx="2">
-                    <c:v>0.082956563218288</c:v>
+                    <c:v>8.2956563218287996E-2</c:v>
                   </c:pt>
                   <c:pt idx="3">
-                    <c:v>0.0817539882564867</c:v>
+                    <c:v>8.1753988256486707E-2</c:v>
                   </c:pt>
                   <c:pt idx="4">
-                    <c:v>0.0692085294043261</c:v>
+                    <c:v>6.9208529404326105E-2</c:v>
                   </c:pt>
                   <c:pt idx="5">
-                    <c:v>0.0872686636411885</c:v>
+                    <c:v>8.7268663641188501E-2</c:v>
                   </c:pt>
                   <c:pt idx="6">
-                    <c:v>0.0871335996705334</c:v>
+                    <c:v>8.7133599670533399E-2</c:v>
                   </c:pt>
                   <c:pt idx="7">
-                    <c:v>0.0557844233960023</c:v>
+                    <c:v>5.57844233960023E-2</c:v>
                   </c:pt>
                   <c:pt idx="8">
-                    <c:v>0.0994845040702214</c:v>
+                    <c:v>9.94845040702214E-2</c:v>
                   </c:pt>
                   <c:pt idx="9">
-                    <c:v>0.0917104140314683</c:v>
+                    <c:v>9.1710414031468304E-2</c:v>
                   </c:pt>
                   <c:pt idx="10">
-                    <c:v>0.0991857280155532</c:v>
+                    <c:v>9.9185728015553198E-2</c:v>
                   </c:pt>
                 </c:numCache>
               </c:numRef>
@@ -1433,43 +1614,43 @@
                 <c:formatCode>0.000</c:formatCode>
                 <c:ptCount val="11"/>
                 <c:pt idx="0">
-                  <c:v>0.5275</c:v>
+                  <c:v>0.52749999999999997</c:v>
                 </c:pt>
                 <c:pt idx="1">
-                  <c:v>0.56158134430727</c:v>
+                  <c:v>0.56158134430727003</c:v>
                 </c:pt>
                 <c:pt idx="2">
-                  <c:v>0.551027205901911</c:v>
+                  <c:v>0.55102720590191101</c:v>
                 </c:pt>
                 <c:pt idx="3">
-                  <c:v>0.493923611111111</c:v>
+                  <c:v>0.49392361111111099</c:v>
                 </c:pt>
                 <c:pt idx="4">
-                  <c:v>0.632048374905518</c:v>
+                  <c:v>0.63204837490551802</c:v>
                 </c:pt>
                 <c:pt idx="5">
-                  <c:v>0.588674217893067</c:v>
+                  <c:v>0.58867421789306695</c:v>
                 </c:pt>
                 <c:pt idx="6">
-                  <c:v>0.590733882030179</c:v>
+                  <c:v>0.59073388203017896</c:v>
                 </c:pt>
                 <c:pt idx="7">
-                  <c:v>0.683157237719586</c:v>
+                  <c:v>0.68315723771958603</c:v>
                 </c:pt>
                 <c:pt idx="8">
-                  <c:v>0.556940597106802</c:v>
+                  <c:v>0.55694059710680199</c:v>
                 </c:pt>
                 <c:pt idx="9">
-                  <c:v>0.651008477442252</c:v>
+                  <c:v>0.65100847744225199</c:v>
                 </c:pt>
                 <c:pt idx="10">
-                  <c:v>0.539444444444444</c:v>
+                  <c:v>0.53944444444444395</c:v>
                 </c:pt>
               </c:numCache>
             </c:numRef>
           </c:yVal>
           <c:smooth val="1"/>
-          <c:extLst xmlns:c16r2="http://schemas.microsoft.com/office/drawing/2015/06/chart">
+          <c:extLst>
             <c:ext xmlns:c16="http://schemas.microsoft.com/office/drawing/2014/chart" uri="{C3380CC4-5D6E-409C-BE32-E72D297353CC}">
               <c16:uniqueId val="{00000007-2D79-41DA-96D0-8DE64668382F}"/>
             </c:ext>
@@ -1509,7 +1690,6 @@
               </a:p>
             </c:rich>
           </c:tx>
-          <c:layout/>
           <c:overlay val="0"/>
         </c:title>
         <c:numFmt formatCode="General" sourceLinked="1"/>
@@ -1546,7 +1726,6 @@
               </a:p>
             </c:rich>
           </c:tx>
-          <c:layout/>
           <c:overlay val="0"/>
         </c:title>
         <c:numFmt formatCode="0.000" sourceLinked="1"/>
@@ -1580,7 +1759,6 @@
               </a:p>
             </c:rich>
           </c:tx>
-          <c:layout/>
           <c:overlay val="0"/>
         </c:title>
         <c:numFmt formatCode="0.000" sourceLinked="1"/>
@@ -1611,19 +1789,18 @@
     </c:plotArea>
     <c:legend>
       <c:legendPos val="r"/>
-      <c:layout/>
       <c:overlay val="0"/>
     </c:legend>
     <c:plotVisOnly val="1"/>
     <c:dispBlanksAs val="gap"/>
-    <c:showDLblsOverMax val="0"/>
-    <c:extLst xmlns:c16r2="http://schemas.microsoft.com/office/drawing/2015/06/chart">
+    <c:extLst>
       <c:ext xmlns:c16r3="http://schemas.microsoft.com/office/drawing/2017/03/chart" uri="{56B9EC1D-385E-4148-901F-78D8002777C0}">
         <c16r3:dataDisplayOptions16>
           <c16r3:dispNaAsBlank val="1"/>
         </c16r3:dataDisplayOptions16>
       </c:ext>
     </c:extLst>
+    <c:showDLblsOverMax val="0"/>
   </c:chart>
   <c:externalData r:id="rId1">
     <c:autoUpdate val="0"/>
@@ -1669,10 +1846,9 @@
           <a:lstStyle/>
           <a:p>
             <a:r>
-              <a:rPr lang="en-US" smtClean="0"/>
+              <a:rPr lang="en-US"/>
               <a:t>Click to edit Master title style</a:t>
             </a:r>
-            <a:endParaRPr lang="en-US"/>
           </a:p>
         </p:txBody>
       </p:sp>
@@ -1788,10 +1964,9 @@
           </a:lstStyle>
           <a:p>
             <a:r>
-              <a:rPr lang="en-US" smtClean="0"/>
+              <a:rPr lang="en-US"/>
               <a:t>Click to edit Master subtitle style</a:t>
             </a:r>
-            <a:endParaRPr lang="en-US"/>
           </a:p>
         </p:txBody>
       </p:sp>
@@ -1812,7 +1987,7 @@
           <a:p>
             <a:fld id="{B688772E-FB9E-4424-915A-EFECB76FA9CF}" type="datetimeFigureOut">
               <a:rPr lang="en-US" smtClean="0"/>
-              <a:t>12/5/18</a:t>
+              <a:t>12/5/2018</a:t>
             </a:fld>
             <a:endParaRPr lang="en-US"/>
           </a:p>
@@ -1906,10 +2081,9 @@
           <a:lstStyle/>
           <a:p>
             <a:r>
-              <a:rPr lang="en-US" smtClean="0"/>
+              <a:rPr lang="en-US"/>
               <a:t>Click to edit Master title style</a:t>
             </a:r>
-            <a:endParaRPr lang="en-US"/>
           </a:p>
         </p:txBody>
       </p:sp>
@@ -1930,38 +2104,37 @@
           <a:p>
             <a:pPr lvl="0"/>
             <a:r>
-              <a:rPr lang="en-US" smtClean="0"/>
+              <a:rPr lang="en-US"/>
               <a:t>Click to edit Master text styles</a:t>
             </a:r>
           </a:p>
           <a:p>
             <a:pPr lvl="1"/>
             <a:r>
-              <a:rPr lang="en-US" smtClean="0"/>
+              <a:rPr lang="en-US"/>
               <a:t>Second level</a:t>
             </a:r>
           </a:p>
           <a:p>
             <a:pPr lvl="2"/>
             <a:r>
-              <a:rPr lang="en-US" smtClean="0"/>
+              <a:rPr lang="en-US"/>
               <a:t>Third level</a:t>
             </a:r>
           </a:p>
           <a:p>
             <a:pPr lvl="3"/>
             <a:r>
-              <a:rPr lang="en-US" smtClean="0"/>
+              <a:rPr lang="en-US"/>
               <a:t>Fourth level</a:t>
             </a:r>
           </a:p>
           <a:p>
             <a:pPr lvl="4"/>
             <a:r>
-              <a:rPr lang="en-US" smtClean="0"/>
+              <a:rPr lang="en-US"/>
               <a:t>Fifth level</a:t>
             </a:r>
-            <a:endParaRPr lang="en-US"/>
           </a:p>
         </p:txBody>
       </p:sp>
@@ -1982,7 +2155,7 @@
           <a:p>
             <a:fld id="{B688772E-FB9E-4424-915A-EFECB76FA9CF}" type="datetimeFigureOut">
               <a:rPr lang="en-US" smtClean="0"/>
-              <a:t>12/5/18</a:t>
+              <a:t>12/5/2018</a:t>
             </a:fld>
             <a:endParaRPr lang="en-US"/>
           </a:p>
@@ -2081,10 +2254,9 @@
           <a:lstStyle/>
           <a:p>
             <a:r>
-              <a:rPr lang="en-US" smtClean="0"/>
+              <a:rPr lang="en-US"/>
               <a:t>Click to edit Master title style</a:t>
             </a:r>
-            <a:endParaRPr lang="en-US"/>
           </a:p>
         </p:txBody>
       </p:sp>
@@ -2110,38 +2282,37 @@
           <a:p>
             <a:pPr lvl="0"/>
             <a:r>
-              <a:rPr lang="en-US" smtClean="0"/>
+              <a:rPr lang="en-US"/>
               <a:t>Click to edit Master text styles</a:t>
             </a:r>
           </a:p>
           <a:p>
             <a:pPr lvl="1"/>
             <a:r>
-              <a:rPr lang="en-US" smtClean="0"/>
+              <a:rPr lang="en-US"/>
               <a:t>Second level</a:t>
             </a:r>
           </a:p>
           <a:p>
             <a:pPr lvl="2"/>
             <a:r>
-              <a:rPr lang="en-US" smtClean="0"/>
+              <a:rPr lang="en-US"/>
               <a:t>Third level</a:t>
             </a:r>
           </a:p>
           <a:p>
             <a:pPr lvl="3"/>
             <a:r>
-              <a:rPr lang="en-US" smtClean="0"/>
+              <a:rPr lang="en-US"/>
               <a:t>Fourth level</a:t>
             </a:r>
           </a:p>
           <a:p>
             <a:pPr lvl="4"/>
             <a:r>
-              <a:rPr lang="en-US" smtClean="0"/>
+              <a:rPr lang="en-US"/>
               <a:t>Fifth level</a:t>
             </a:r>
-            <a:endParaRPr lang="en-US"/>
           </a:p>
         </p:txBody>
       </p:sp>
@@ -2162,7 +2333,7 @@
           <a:p>
             <a:fld id="{B688772E-FB9E-4424-915A-EFECB76FA9CF}" type="datetimeFigureOut">
               <a:rPr lang="en-US" smtClean="0"/>
-              <a:t>12/5/18</a:t>
+              <a:t>12/5/2018</a:t>
             </a:fld>
             <a:endParaRPr lang="en-US"/>
           </a:p>
@@ -2256,10 +2427,9 @@
           <a:lstStyle/>
           <a:p>
             <a:r>
-              <a:rPr lang="en-US" smtClean="0"/>
+              <a:rPr lang="en-US"/>
               <a:t>Click to edit Master title style</a:t>
             </a:r>
-            <a:endParaRPr lang="en-US"/>
           </a:p>
         </p:txBody>
       </p:sp>
@@ -2280,38 +2450,37 @@
           <a:p>
             <a:pPr lvl="0"/>
             <a:r>
-              <a:rPr lang="en-US" smtClean="0"/>
+              <a:rPr lang="en-US"/>
               <a:t>Click to edit Master text styles</a:t>
             </a:r>
           </a:p>
           <a:p>
             <a:pPr lvl="1"/>
             <a:r>
-              <a:rPr lang="en-US" smtClean="0"/>
+              <a:rPr lang="en-US"/>
               <a:t>Second level</a:t>
             </a:r>
           </a:p>
           <a:p>
             <a:pPr lvl="2"/>
             <a:r>
-              <a:rPr lang="en-US" smtClean="0"/>
+              <a:rPr lang="en-US"/>
               <a:t>Third level</a:t>
             </a:r>
           </a:p>
           <a:p>
             <a:pPr lvl="3"/>
             <a:r>
-              <a:rPr lang="en-US" smtClean="0"/>
+              <a:rPr lang="en-US"/>
               <a:t>Fourth level</a:t>
             </a:r>
           </a:p>
           <a:p>
             <a:pPr lvl="4"/>
             <a:r>
-              <a:rPr lang="en-US" smtClean="0"/>
+              <a:rPr lang="en-US"/>
               <a:t>Fifth level</a:t>
             </a:r>
-            <a:endParaRPr lang="en-US"/>
           </a:p>
         </p:txBody>
       </p:sp>
@@ -2332,7 +2501,7 @@
           <a:p>
             <a:fld id="{B688772E-FB9E-4424-915A-EFECB76FA9CF}" type="datetimeFigureOut">
               <a:rPr lang="en-US" smtClean="0"/>
-              <a:t>12/5/18</a:t>
+              <a:t>12/5/2018</a:t>
             </a:fld>
             <a:endParaRPr lang="en-US"/>
           </a:p>
@@ -2435,10 +2604,9 @@
           </a:lstStyle>
           <a:p>
             <a:r>
-              <a:rPr lang="en-US" smtClean="0"/>
+              <a:rPr lang="en-US"/>
               <a:t>Click to edit Master title style</a:t>
             </a:r>
-            <a:endParaRPr lang="en-US"/>
           </a:p>
         </p:txBody>
       </p:sp>
@@ -2555,7 +2723,7 @@
           <a:p>
             <a:pPr lvl="0"/>
             <a:r>
-              <a:rPr lang="en-US" smtClean="0"/>
+              <a:rPr lang="en-US"/>
               <a:t>Click to edit Master text styles</a:t>
             </a:r>
           </a:p>
@@ -2578,7 +2746,7 @@
           <a:p>
             <a:fld id="{B688772E-FB9E-4424-915A-EFECB76FA9CF}" type="datetimeFigureOut">
               <a:rPr lang="en-US" smtClean="0"/>
-              <a:t>12/5/18</a:t>
+              <a:t>12/5/2018</a:t>
             </a:fld>
             <a:endParaRPr lang="en-US"/>
           </a:p>
@@ -2672,10 +2840,9 @@
           <a:lstStyle/>
           <a:p>
             <a:r>
-              <a:rPr lang="en-US" smtClean="0"/>
+              <a:rPr lang="en-US"/>
               <a:t>Click to edit Master title style</a:t>
             </a:r>
-            <a:endParaRPr lang="en-US"/>
           </a:p>
         </p:txBody>
       </p:sp>
@@ -2729,38 +2896,37 @@
           <a:p>
             <a:pPr lvl="0"/>
             <a:r>
-              <a:rPr lang="en-US" smtClean="0"/>
+              <a:rPr lang="en-US"/>
               <a:t>Click to edit Master text styles</a:t>
             </a:r>
           </a:p>
           <a:p>
             <a:pPr lvl="1"/>
             <a:r>
-              <a:rPr lang="en-US" smtClean="0"/>
+              <a:rPr lang="en-US"/>
               <a:t>Second level</a:t>
             </a:r>
           </a:p>
           <a:p>
             <a:pPr lvl="2"/>
             <a:r>
-              <a:rPr lang="en-US" smtClean="0"/>
+              <a:rPr lang="en-US"/>
               <a:t>Third level</a:t>
             </a:r>
           </a:p>
           <a:p>
             <a:pPr lvl="3"/>
             <a:r>
-              <a:rPr lang="en-US" smtClean="0"/>
+              <a:rPr lang="en-US"/>
               <a:t>Fourth level</a:t>
             </a:r>
           </a:p>
           <a:p>
             <a:pPr lvl="4"/>
             <a:r>
-              <a:rPr lang="en-US" smtClean="0"/>
+              <a:rPr lang="en-US"/>
               <a:t>Fifth level</a:t>
             </a:r>
-            <a:endParaRPr lang="en-US"/>
           </a:p>
         </p:txBody>
       </p:sp>
@@ -2814,38 +2980,37 @@
           <a:p>
             <a:pPr lvl="0"/>
             <a:r>
-              <a:rPr lang="en-US" smtClean="0"/>
+              <a:rPr lang="en-US"/>
               <a:t>Click to edit Master text styles</a:t>
             </a:r>
           </a:p>
           <a:p>
             <a:pPr lvl="1"/>
             <a:r>
-              <a:rPr lang="en-US" smtClean="0"/>
+              <a:rPr lang="en-US"/>
               <a:t>Second level</a:t>
             </a:r>
           </a:p>
           <a:p>
             <a:pPr lvl="2"/>
             <a:r>
-              <a:rPr lang="en-US" smtClean="0"/>
+              <a:rPr lang="en-US"/>
               <a:t>Third level</a:t>
             </a:r>
           </a:p>
           <a:p>
             <a:pPr lvl="3"/>
             <a:r>
-              <a:rPr lang="en-US" smtClean="0"/>
+              <a:rPr lang="en-US"/>
               <a:t>Fourth level</a:t>
             </a:r>
           </a:p>
           <a:p>
             <a:pPr lvl="4"/>
             <a:r>
-              <a:rPr lang="en-US" smtClean="0"/>
+              <a:rPr lang="en-US"/>
               <a:t>Fifth level</a:t>
             </a:r>
-            <a:endParaRPr lang="en-US"/>
           </a:p>
         </p:txBody>
       </p:sp>
@@ -2866,7 +3031,7 @@
           <a:p>
             <a:fld id="{B688772E-FB9E-4424-915A-EFECB76FA9CF}" type="datetimeFigureOut">
               <a:rPr lang="en-US" smtClean="0"/>
-              <a:t>12/5/18</a:t>
+              <a:t>12/5/2018</a:t>
             </a:fld>
             <a:endParaRPr lang="en-US"/>
           </a:p>
@@ -2964,10 +3129,9 @@
           </a:lstStyle>
           <a:p>
             <a:r>
-              <a:rPr lang="en-US" smtClean="0"/>
+              <a:rPr lang="en-US"/>
               <a:t>Click to edit Master title style</a:t>
             </a:r>
-            <a:endParaRPr lang="en-US"/>
           </a:p>
         </p:txBody>
       </p:sp>
@@ -3030,7 +3194,7 @@
           <a:p>
             <a:pPr lvl="0"/>
             <a:r>
-              <a:rPr lang="en-US" smtClean="0"/>
+              <a:rPr lang="en-US"/>
               <a:t>Click to edit Master text styles</a:t>
             </a:r>
           </a:p>
@@ -3086,38 +3250,37 @@
           <a:p>
             <a:pPr lvl="0"/>
             <a:r>
-              <a:rPr lang="en-US" smtClean="0"/>
+              <a:rPr lang="en-US"/>
               <a:t>Click to edit Master text styles</a:t>
             </a:r>
           </a:p>
           <a:p>
             <a:pPr lvl="1"/>
             <a:r>
-              <a:rPr lang="en-US" smtClean="0"/>
+              <a:rPr lang="en-US"/>
               <a:t>Second level</a:t>
             </a:r>
           </a:p>
           <a:p>
             <a:pPr lvl="2"/>
             <a:r>
-              <a:rPr lang="en-US" smtClean="0"/>
+              <a:rPr lang="en-US"/>
               <a:t>Third level</a:t>
             </a:r>
           </a:p>
           <a:p>
             <a:pPr lvl="3"/>
             <a:r>
-              <a:rPr lang="en-US" smtClean="0"/>
+              <a:rPr lang="en-US"/>
               <a:t>Fourth level</a:t>
             </a:r>
           </a:p>
           <a:p>
             <a:pPr lvl="4"/>
             <a:r>
-              <a:rPr lang="en-US" smtClean="0"/>
+              <a:rPr lang="en-US"/>
               <a:t>Fifth level</a:t>
             </a:r>
-            <a:endParaRPr lang="en-US"/>
           </a:p>
         </p:txBody>
       </p:sp>
@@ -3180,7 +3343,7 @@
           <a:p>
             <a:pPr lvl="0"/>
             <a:r>
-              <a:rPr lang="en-US" smtClean="0"/>
+              <a:rPr lang="en-US"/>
               <a:t>Click to edit Master text styles</a:t>
             </a:r>
           </a:p>
@@ -3236,38 +3399,37 @@
           <a:p>
             <a:pPr lvl="0"/>
             <a:r>
-              <a:rPr lang="en-US" smtClean="0"/>
+              <a:rPr lang="en-US"/>
               <a:t>Click to edit Master text styles</a:t>
             </a:r>
           </a:p>
           <a:p>
             <a:pPr lvl="1"/>
             <a:r>
-              <a:rPr lang="en-US" smtClean="0"/>
+              <a:rPr lang="en-US"/>
               <a:t>Second level</a:t>
             </a:r>
           </a:p>
           <a:p>
             <a:pPr lvl="2"/>
             <a:r>
-              <a:rPr lang="en-US" smtClean="0"/>
+              <a:rPr lang="en-US"/>
               <a:t>Third level</a:t>
             </a:r>
           </a:p>
           <a:p>
             <a:pPr lvl="3"/>
             <a:r>
-              <a:rPr lang="en-US" smtClean="0"/>
+              <a:rPr lang="en-US"/>
               <a:t>Fourth level</a:t>
             </a:r>
           </a:p>
           <a:p>
             <a:pPr lvl="4"/>
             <a:r>
-              <a:rPr lang="en-US" smtClean="0"/>
+              <a:rPr lang="en-US"/>
               <a:t>Fifth level</a:t>
             </a:r>
-            <a:endParaRPr lang="en-US"/>
           </a:p>
         </p:txBody>
       </p:sp>
@@ -3288,7 +3450,7 @@
           <a:p>
             <a:fld id="{B688772E-FB9E-4424-915A-EFECB76FA9CF}" type="datetimeFigureOut">
               <a:rPr lang="en-US" smtClean="0"/>
-              <a:t>12/5/18</a:t>
+              <a:t>12/5/2018</a:t>
             </a:fld>
             <a:endParaRPr lang="en-US"/>
           </a:p>
@@ -3382,10 +3544,9 @@
           <a:lstStyle/>
           <a:p>
             <a:r>
-              <a:rPr lang="en-US" smtClean="0"/>
+              <a:rPr lang="en-US"/>
               <a:t>Click to edit Master title style</a:t>
             </a:r>
-            <a:endParaRPr lang="en-US"/>
           </a:p>
         </p:txBody>
       </p:sp>
@@ -3406,7 +3567,7 @@
           <a:p>
             <a:fld id="{B688772E-FB9E-4424-915A-EFECB76FA9CF}" type="datetimeFigureOut">
               <a:rPr lang="en-US" smtClean="0"/>
-              <a:t>12/5/18</a:t>
+              <a:t>12/5/2018</a:t>
             </a:fld>
             <a:endParaRPr lang="en-US"/>
           </a:p>
@@ -3501,7 +3662,7 @@
           <a:p>
             <a:fld id="{B688772E-FB9E-4424-915A-EFECB76FA9CF}" type="datetimeFigureOut">
               <a:rPr lang="en-US" smtClean="0"/>
-              <a:t>12/5/18</a:t>
+              <a:t>12/5/2018</a:t>
             </a:fld>
             <a:endParaRPr lang="en-US"/>
           </a:p>
@@ -3604,10 +3765,9 @@
           </a:lstStyle>
           <a:p>
             <a:r>
-              <a:rPr lang="en-US" smtClean="0"/>
+              <a:rPr lang="en-US"/>
               <a:t>Click to edit Master title style</a:t>
             </a:r>
-            <a:endParaRPr lang="en-US"/>
           </a:p>
         </p:txBody>
       </p:sp>
@@ -3661,38 +3821,37 @@
           <a:p>
             <a:pPr lvl="0"/>
             <a:r>
-              <a:rPr lang="en-US" smtClean="0"/>
+              <a:rPr lang="en-US"/>
               <a:t>Click to edit Master text styles</a:t>
             </a:r>
           </a:p>
           <a:p>
             <a:pPr lvl="1"/>
             <a:r>
-              <a:rPr lang="en-US" smtClean="0"/>
+              <a:rPr lang="en-US"/>
               <a:t>Second level</a:t>
             </a:r>
           </a:p>
           <a:p>
             <a:pPr lvl="2"/>
             <a:r>
-              <a:rPr lang="en-US" smtClean="0"/>
+              <a:rPr lang="en-US"/>
               <a:t>Third level</a:t>
             </a:r>
           </a:p>
           <a:p>
             <a:pPr lvl="3"/>
             <a:r>
-              <a:rPr lang="en-US" smtClean="0"/>
+              <a:rPr lang="en-US"/>
               <a:t>Fourth level</a:t>
             </a:r>
           </a:p>
           <a:p>
             <a:pPr lvl="4"/>
             <a:r>
-              <a:rPr lang="en-US" smtClean="0"/>
+              <a:rPr lang="en-US"/>
               <a:t>Fifth level</a:t>
             </a:r>
-            <a:endParaRPr lang="en-US"/>
           </a:p>
         </p:txBody>
       </p:sp>
@@ -3755,7 +3914,7 @@
           <a:p>
             <a:pPr lvl="0"/>
             <a:r>
-              <a:rPr lang="en-US" smtClean="0"/>
+              <a:rPr lang="en-US"/>
               <a:t>Click to edit Master text styles</a:t>
             </a:r>
           </a:p>
@@ -3778,7 +3937,7 @@
           <a:p>
             <a:fld id="{B688772E-FB9E-4424-915A-EFECB76FA9CF}" type="datetimeFigureOut">
               <a:rPr lang="en-US" smtClean="0"/>
-              <a:t>12/5/18</a:t>
+              <a:t>12/5/2018</a:t>
             </a:fld>
             <a:endParaRPr lang="en-US"/>
           </a:p>
@@ -3881,10 +4040,9 @@
           </a:lstStyle>
           <a:p>
             <a:r>
-              <a:rPr lang="en-US" smtClean="0"/>
+              <a:rPr lang="en-US"/>
               <a:t>Click to edit Master title style</a:t>
             </a:r>
-            <a:endParaRPr lang="en-US"/>
           </a:p>
         </p:txBody>
       </p:sp>
@@ -4008,7 +4166,7 @@
           <a:p>
             <a:pPr lvl="0"/>
             <a:r>
-              <a:rPr lang="en-US" smtClean="0"/>
+              <a:rPr lang="en-US"/>
               <a:t>Click to edit Master text styles</a:t>
             </a:r>
           </a:p>
@@ -4031,7 +4189,7 @@
           <a:p>
             <a:fld id="{B688772E-FB9E-4424-915A-EFECB76FA9CF}" type="datetimeFigureOut">
               <a:rPr lang="en-US" smtClean="0"/>
-              <a:t>12/5/18</a:t>
+              <a:t>12/5/2018</a:t>
             </a:fld>
             <a:endParaRPr lang="en-US"/>
           </a:p>
@@ -4140,10 +4298,9 @@
           <a:lstStyle/>
           <a:p>
             <a:r>
-              <a:rPr lang="en-US" smtClean="0"/>
+              <a:rPr lang="en-US"/>
               <a:t>Click to edit Master title style</a:t>
             </a:r>
-            <a:endParaRPr lang="en-US"/>
           </a:p>
         </p:txBody>
       </p:sp>
@@ -4174,38 +4331,37 @@
           <a:p>
             <a:pPr lvl="0"/>
             <a:r>
-              <a:rPr lang="en-US" smtClean="0"/>
+              <a:rPr lang="en-US"/>
               <a:t>Click to edit Master text styles</a:t>
             </a:r>
           </a:p>
           <a:p>
             <a:pPr lvl="1"/>
             <a:r>
-              <a:rPr lang="en-US" smtClean="0"/>
+              <a:rPr lang="en-US"/>
               <a:t>Second level</a:t>
             </a:r>
           </a:p>
           <a:p>
             <a:pPr lvl="2"/>
             <a:r>
-              <a:rPr lang="en-US" smtClean="0"/>
+              <a:rPr lang="en-US"/>
               <a:t>Third level</a:t>
             </a:r>
           </a:p>
           <a:p>
             <a:pPr lvl="3"/>
             <a:r>
-              <a:rPr lang="en-US" smtClean="0"/>
+              <a:rPr lang="en-US"/>
               <a:t>Fourth level</a:t>
             </a:r>
           </a:p>
           <a:p>
             <a:pPr lvl="4"/>
             <a:r>
-              <a:rPr lang="en-US" smtClean="0"/>
+              <a:rPr lang="en-US"/>
               <a:t>Fifth level</a:t>
             </a:r>
-            <a:endParaRPr lang="en-US"/>
           </a:p>
         </p:txBody>
       </p:sp>
@@ -4244,7 +4400,7 @@
           <a:p>
             <a:fld id="{B688772E-FB9E-4424-915A-EFECB76FA9CF}" type="datetimeFigureOut">
               <a:rPr lang="en-US" smtClean="0"/>
-              <a:t>12/5/18</a:t>
+              <a:t>12/5/2018</a:t>
             </a:fld>
             <a:endParaRPr lang="en-US"/>
           </a:p>
@@ -4632,10 +4788,10 @@
           <p:cNvPr id="8" name="Rectangle 7">
             <a:extLst>
               <a:ext uri="{FF2B5EF4-FFF2-40B4-BE49-F238E27FC236}">
-                <a16:creationId xmlns:a16="http://schemas.microsoft.com/office/drawing/2014/main" xmlns="" id="{57845966-6EFC-468A-9CC7-BAB4B95854E7}"/>
+                <a16:creationId xmlns:a16="http://schemas.microsoft.com/office/drawing/2014/main" id="{57845966-6EFC-468A-9CC7-BAB4B95854E7}"/>
               </a:ext>
               <a:ext uri="{C183D7F6-B498-43B3-948B-1728B52AA6E4}">
-                <adec:decorative xmlns:adec="http://schemas.microsoft.com/office/drawing/2017/decorative" xmlns="" val="1"/>
+                <adec:decorative xmlns:adec="http://schemas.microsoft.com/office/drawing/2017/decorative" val="1"/>
               </a:ext>
             </a:extLst>
           </p:cNvPr>
@@ -4645,7 +4801,7 @@
           <p:nvPr>
             <p:extLst>
               <p:ext uri="{386F3935-93C4-4BCD-93E2-E3B085C9AB24}">
-                <p16:designElem xmlns:p16="http://schemas.microsoft.com/office/powerpoint/2015/main" xmlns="" val="1"/>
+                <p16:designElem xmlns:p16="http://schemas.microsoft.com/office/powerpoint/2015/main" val="1"/>
               </p:ext>
             </p:extLst>
           </p:nvPr>
@@ -4695,10 +4851,10 @@
           <p:cNvPr id="10" name="Picture 9">
             <a:extLst>
               <a:ext uri="{FF2B5EF4-FFF2-40B4-BE49-F238E27FC236}">
-                <a16:creationId xmlns:a16="http://schemas.microsoft.com/office/drawing/2014/main" xmlns="" id="{75554383-98AF-4A47-BB65-705FAAA4BE6A}"/>
+                <a16:creationId xmlns:a16="http://schemas.microsoft.com/office/drawing/2014/main" id="{75554383-98AF-4A47-BB65-705FAAA4BE6A}"/>
               </a:ext>
               <a:ext uri="{C183D7F6-B498-43B3-948B-1728B52AA6E4}">
-                <adec:decorative xmlns:adec="http://schemas.microsoft.com/office/drawing/2017/decorative" xmlns="" val="1"/>
+                <adec:decorative xmlns:adec="http://schemas.microsoft.com/office/drawing/2017/decorative" val="1"/>
               </a:ext>
             </a:extLst>
           </p:cNvPr>
@@ -4708,7 +4864,7 @@
           <p:nvPr>
             <p:extLst>
               <p:ext uri="{386F3935-93C4-4BCD-93E2-E3B085C9AB24}">
-                <p16:designElem xmlns:p16="http://schemas.microsoft.com/office/powerpoint/2015/main" xmlns="" val="1"/>
+                <p16:designElem xmlns:p16="http://schemas.microsoft.com/office/powerpoint/2015/main" val="1"/>
               </p:ext>
             </p:extLst>
           </p:nvPr>
@@ -4740,10 +4896,10 @@
           <p:cNvPr id="12" name="Freeform: Shape 11">
             <a:extLst>
               <a:ext uri="{FF2B5EF4-FFF2-40B4-BE49-F238E27FC236}">
-                <a16:creationId xmlns:a16="http://schemas.microsoft.com/office/drawing/2014/main" xmlns="" id="{ADAD1991-FFD1-4E94-ABAB-7560D33008E4}"/>
+                <a16:creationId xmlns:a16="http://schemas.microsoft.com/office/drawing/2014/main" id="{ADAD1991-FFD1-4E94-ABAB-7560D33008E4}"/>
               </a:ext>
               <a:ext uri="{C183D7F6-B498-43B3-948B-1728B52AA6E4}">
-                <adec:decorative xmlns:adec="http://schemas.microsoft.com/office/drawing/2017/decorative" xmlns="" val="1"/>
+                <adec:decorative xmlns:adec="http://schemas.microsoft.com/office/drawing/2017/decorative" val="1"/>
               </a:ext>
             </a:extLst>
           </p:cNvPr>
@@ -4753,7 +4909,7 @@
           <p:nvPr>
             <p:extLst>
               <p:ext uri="{386F3935-93C4-4BCD-93E2-E3B085C9AB24}">
-                <p16:designElem xmlns:p16="http://schemas.microsoft.com/office/powerpoint/2015/main" xmlns="" val="1"/>
+                <p16:designElem xmlns:p16="http://schemas.microsoft.com/office/powerpoint/2015/main" val="1"/>
               </p:ext>
             </p:extLst>
           </p:nvPr>
@@ -4930,7 +5086,7 @@
           <p:cNvPr id="3" name="Picture 8">
             <a:extLst>
               <a:ext uri="{FF2B5EF4-FFF2-40B4-BE49-F238E27FC236}">
-                <a16:creationId xmlns:a16="http://schemas.microsoft.com/office/drawing/2014/main" xmlns="" id="{30FA4F96-748F-4BB2-8916-5BBB6DF74843}"/>
+                <a16:creationId xmlns:a16="http://schemas.microsoft.com/office/drawing/2014/main" id="{30FA4F96-748F-4BB2-8916-5BBB6DF74843}"/>
               </a:ext>
             </a:extLst>
           </p:cNvPr>
@@ -4998,10 +5154,10 @@
           <p:cNvPr id="9" name="Rectangle 8">
             <a:extLst>
               <a:ext uri="{FF2B5EF4-FFF2-40B4-BE49-F238E27FC236}">
-                <a16:creationId xmlns:a16="http://schemas.microsoft.com/office/drawing/2014/main" xmlns="" id="{AB45A142-4255-493C-8284-5D566C121B10}"/>
+                <a16:creationId xmlns:a16="http://schemas.microsoft.com/office/drawing/2014/main" id="{AB45A142-4255-493C-8284-5D566C121B10}"/>
               </a:ext>
               <a:ext uri="{C183D7F6-B498-43B3-948B-1728B52AA6E4}">
-                <adec:decorative xmlns:adec="http://schemas.microsoft.com/office/drawing/2017/decorative" xmlns="" val="1"/>
+                <adec:decorative xmlns:adec="http://schemas.microsoft.com/office/drawing/2017/decorative" val="1"/>
               </a:ext>
             </a:extLst>
           </p:cNvPr>
@@ -5011,7 +5167,7 @@
           <p:nvPr>
             <p:extLst>
               <p:ext uri="{386F3935-93C4-4BCD-93E2-E3B085C9AB24}">
-                <p16:designElem xmlns:p16="http://schemas.microsoft.com/office/powerpoint/2015/main" xmlns="" val="1"/>
+                <p16:designElem xmlns:p16="http://schemas.microsoft.com/office/powerpoint/2015/main" val="1"/>
               </p:ext>
             </p:extLst>
           </p:nvPr>
@@ -5067,7 +5223,7 @@
           <p:cNvPr id="4" name="TextBox 3">
             <a:extLst>
               <a:ext uri="{FF2B5EF4-FFF2-40B4-BE49-F238E27FC236}">
-                <a16:creationId xmlns:a16="http://schemas.microsoft.com/office/drawing/2014/main" xmlns="" id="{5F2D9490-D24F-4E34-9310-4A8B56C9649D}"/>
+                <a16:creationId xmlns:a16="http://schemas.microsoft.com/office/drawing/2014/main" id="{5F2D9490-D24F-4E34-9310-4A8B56C9649D}"/>
               </a:ext>
             </a:extLst>
           </p:cNvPr>
@@ -5119,10 +5275,10 @@
           <p:cNvPr id="11" name="Straight Connector 10">
             <a:extLst>
               <a:ext uri="{FF2B5EF4-FFF2-40B4-BE49-F238E27FC236}">
-                <a16:creationId xmlns:a16="http://schemas.microsoft.com/office/drawing/2014/main" xmlns="" id="{38FB9660-F42F-4313-BBC4-47C007FE484C}"/>
+                <a16:creationId xmlns:a16="http://schemas.microsoft.com/office/drawing/2014/main" id="{38FB9660-F42F-4313-BBC4-47C007FE484C}"/>
               </a:ext>
               <a:ext uri="{C183D7F6-B498-43B3-948B-1728B52AA6E4}">
-                <adec:decorative xmlns:adec="http://schemas.microsoft.com/office/drawing/2017/decorative" xmlns="" val="1"/>
+                <adec:decorative xmlns:adec="http://schemas.microsoft.com/office/drawing/2017/decorative" val="1"/>
               </a:ext>
             </a:extLst>
           </p:cNvPr>
@@ -5132,7 +5288,7 @@
           <p:nvPr>
             <p:extLst>
               <p:ext uri="{386F3935-93C4-4BCD-93E2-E3B085C9AB24}">
-                <p16:designElem xmlns:p16="http://schemas.microsoft.com/office/powerpoint/2015/main" xmlns="" val="1"/>
+                <p16:designElem xmlns:p16="http://schemas.microsoft.com/office/powerpoint/2015/main" val="1"/>
               </p:ext>
             </p:extLst>
           </p:nvPr>
@@ -5171,7 +5327,7 @@
           <p:cNvPr id="3" name="Picture 2" descr="A screenshot of a cell phone&#10;&#10;Description automatically generated">
             <a:extLst>
               <a:ext uri="{FF2B5EF4-FFF2-40B4-BE49-F238E27FC236}">
-                <a16:creationId xmlns:a16="http://schemas.microsoft.com/office/drawing/2014/main" xmlns="" id="{C73D6AA5-516F-455B-A042-18D926816858}"/>
+                <a16:creationId xmlns:a16="http://schemas.microsoft.com/office/drawing/2014/main" id="{C73D6AA5-516F-455B-A042-18D926816858}"/>
               </a:ext>
             </a:extLst>
           </p:cNvPr>
@@ -5235,7 +5391,7 @@
           <p:cNvPr id="2" name="Chart 1">
             <a:extLst>
               <a:ext uri="{FF2B5EF4-FFF2-40B4-BE49-F238E27FC236}">
-                <a16:creationId xmlns:a16="http://schemas.microsoft.com/office/drawing/2014/main" xmlns="" id="{31B5AA20-7399-4375-A854-767A5B9BA0F6}"/>
+                <a16:creationId xmlns:a16="http://schemas.microsoft.com/office/drawing/2014/main" id="{31B5AA20-7399-4375-A854-767A5B9BA0F6}"/>
               </a:ext>
             </a:extLst>
           </p:cNvPr>
@@ -5265,7 +5421,7 @@
           <p:cNvPr id="3" name="Table 2">
             <a:extLst>
               <a:ext uri="{FF2B5EF4-FFF2-40B4-BE49-F238E27FC236}">
-                <a16:creationId xmlns:a16="http://schemas.microsoft.com/office/drawing/2014/main" xmlns="" id="{30B99BC1-B784-46F0-97C1-694CF5B5BAB7}"/>
+                <a16:creationId xmlns:a16="http://schemas.microsoft.com/office/drawing/2014/main" id="{30B99BC1-B784-46F0-97C1-694CF5B5BAB7}"/>
               </a:ext>
             </a:extLst>
           </p:cNvPr>
@@ -5294,84 +5450,84 @@
                 <a:gridCol w="1174857">
                   <a:extLst>
                     <a:ext uri="{9D8B030D-6E8A-4147-A177-3AD203B41FA5}">
-                      <a16:colId xmlns:a16="http://schemas.microsoft.com/office/drawing/2014/main" xmlns="" val="894128947"/>
+                      <a16:colId xmlns:a16="http://schemas.microsoft.com/office/drawing/2014/main" val="894128947"/>
                     </a:ext>
                   </a:extLst>
                 </a:gridCol>
                 <a:gridCol w="368917">
                   <a:extLst>
                     <a:ext uri="{9D8B030D-6E8A-4147-A177-3AD203B41FA5}">
-                      <a16:colId xmlns:a16="http://schemas.microsoft.com/office/drawing/2014/main" xmlns="" val="754201221"/>
+                      <a16:colId xmlns:a16="http://schemas.microsoft.com/office/drawing/2014/main" val="754201221"/>
                     </a:ext>
                   </a:extLst>
                 </a:gridCol>
                 <a:gridCol w="726479">
                   <a:extLst>
                     <a:ext uri="{9D8B030D-6E8A-4147-A177-3AD203B41FA5}">
-                      <a16:colId xmlns:a16="http://schemas.microsoft.com/office/drawing/2014/main" xmlns="" val="542671540"/>
+                      <a16:colId xmlns:a16="http://schemas.microsoft.com/office/drawing/2014/main" val="542671540"/>
                     </a:ext>
                   </a:extLst>
                 </a:gridCol>
                 <a:gridCol w="726479">
                   <a:extLst>
                     <a:ext uri="{9D8B030D-6E8A-4147-A177-3AD203B41FA5}">
-                      <a16:colId xmlns:a16="http://schemas.microsoft.com/office/drawing/2014/main" xmlns="" val="1444721433"/>
+                      <a16:colId xmlns:a16="http://schemas.microsoft.com/office/drawing/2014/main" val="1444721433"/>
                     </a:ext>
                   </a:extLst>
                 </a:gridCol>
                 <a:gridCol w="726479">
                   <a:extLst>
                     <a:ext uri="{9D8B030D-6E8A-4147-A177-3AD203B41FA5}">
-                      <a16:colId xmlns:a16="http://schemas.microsoft.com/office/drawing/2014/main" xmlns="" val="1696182725"/>
+                      <a16:colId xmlns:a16="http://schemas.microsoft.com/office/drawing/2014/main" val="1696182725"/>
                     </a:ext>
                   </a:extLst>
                 </a:gridCol>
                 <a:gridCol w="726479">
                   <a:extLst>
                     <a:ext uri="{9D8B030D-6E8A-4147-A177-3AD203B41FA5}">
-                      <a16:colId xmlns:a16="http://schemas.microsoft.com/office/drawing/2014/main" xmlns="" val="1117812420"/>
+                      <a16:colId xmlns:a16="http://schemas.microsoft.com/office/drawing/2014/main" val="1117812420"/>
                     </a:ext>
                   </a:extLst>
                 </a:gridCol>
                 <a:gridCol w="726479">
                   <a:extLst>
                     <a:ext uri="{9D8B030D-6E8A-4147-A177-3AD203B41FA5}">
-                      <a16:colId xmlns:a16="http://schemas.microsoft.com/office/drawing/2014/main" xmlns="" val="185618737"/>
+                      <a16:colId xmlns:a16="http://schemas.microsoft.com/office/drawing/2014/main" val="185618737"/>
                     </a:ext>
                   </a:extLst>
                 </a:gridCol>
                 <a:gridCol w="726479">
                   <a:extLst>
                     <a:ext uri="{9D8B030D-6E8A-4147-A177-3AD203B41FA5}">
-                      <a16:colId xmlns:a16="http://schemas.microsoft.com/office/drawing/2014/main" xmlns="" val="3276779110"/>
+                      <a16:colId xmlns:a16="http://schemas.microsoft.com/office/drawing/2014/main" val="3276779110"/>
                     </a:ext>
                   </a:extLst>
                 </a:gridCol>
                 <a:gridCol w="726479">
                   <a:extLst>
                     <a:ext uri="{9D8B030D-6E8A-4147-A177-3AD203B41FA5}">
-                      <a16:colId xmlns:a16="http://schemas.microsoft.com/office/drawing/2014/main" xmlns="" val="3187696281"/>
+                      <a16:colId xmlns:a16="http://schemas.microsoft.com/office/drawing/2014/main" val="3187696281"/>
                     </a:ext>
                   </a:extLst>
                 </a:gridCol>
                 <a:gridCol w="726479">
                   <a:extLst>
                     <a:ext uri="{9D8B030D-6E8A-4147-A177-3AD203B41FA5}">
-                      <a16:colId xmlns:a16="http://schemas.microsoft.com/office/drawing/2014/main" xmlns="" val="2044495897"/>
+                      <a16:colId xmlns:a16="http://schemas.microsoft.com/office/drawing/2014/main" val="2044495897"/>
                     </a:ext>
                   </a:extLst>
                 </a:gridCol>
                 <a:gridCol w="726479">
                   <a:extLst>
                     <a:ext uri="{9D8B030D-6E8A-4147-A177-3AD203B41FA5}">
-                      <a16:colId xmlns:a16="http://schemas.microsoft.com/office/drawing/2014/main" xmlns="" val="3842204769"/>
+                      <a16:colId xmlns:a16="http://schemas.microsoft.com/office/drawing/2014/main" val="3842204769"/>
                     </a:ext>
                   </a:extLst>
                 </a:gridCol>
                 <a:gridCol w="726479">
                   <a:extLst>
                     <a:ext uri="{9D8B030D-6E8A-4147-A177-3AD203B41FA5}">
-                      <a16:colId xmlns:a16="http://schemas.microsoft.com/office/drawing/2014/main" xmlns="" val="2403843349"/>
+                      <a16:colId xmlns:a16="http://schemas.microsoft.com/office/drawing/2014/main" val="2403843349"/>
                     </a:ext>
                   </a:extLst>
                 </a:gridCol>
@@ -5582,7 +5738,7 @@
                 </a:tc>
                 <a:extLst>
                   <a:ext uri="{0D108BD9-81ED-4DB2-BD59-A6C34878D82A}">
-                    <a16:rowId xmlns:a16="http://schemas.microsoft.com/office/drawing/2014/main" xmlns="" val="123446809"/>
+                    <a16:rowId xmlns:a16="http://schemas.microsoft.com/office/drawing/2014/main" val="123446809"/>
                   </a:ext>
                 </a:extLst>
               </a:tr>
@@ -5793,7 +5949,7 @@
                 </a:tc>
                 <a:extLst>
                   <a:ext uri="{0D108BD9-81ED-4DB2-BD59-A6C34878D82A}">
-                    <a16:rowId xmlns:a16="http://schemas.microsoft.com/office/drawing/2014/main" xmlns="" val="2275274055"/>
+                    <a16:rowId xmlns:a16="http://schemas.microsoft.com/office/drawing/2014/main" val="2275274055"/>
                   </a:ext>
                 </a:extLst>
               </a:tr>
@@ -6010,7 +6166,7 @@
                 </a:tc>
                 <a:extLst>
                   <a:ext uri="{0D108BD9-81ED-4DB2-BD59-A6C34878D82A}">
-                    <a16:rowId xmlns:a16="http://schemas.microsoft.com/office/drawing/2014/main" xmlns="" val="205509233"/>
+                    <a16:rowId xmlns:a16="http://schemas.microsoft.com/office/drawing/2014/main" val="205509233"/>
                   </a:ext>
                 </a:extLst>
               </a:tr>
@@ -6293,7 +6449,7 @@
                 </a:tc>
                 <a:extLst>
                   <a:ext uri="{0D108BD9-81ED-4DB2-BD59-A6C34878D82A}">
-                    <a16:rowId xmlns:a16="http://schemas.microsoft.com/office/drawing/2014/main" xmlns="" val="2892989603"/>
+                    <a16:rowId xmlns:a16="http://schemas.microsoft.com/office/drawing/2014/main" val="2892989603"/>
                   </a:ext>
                 </a:extLst>
               </a:tr>
@@ -6576,7 +6732,7 @@
                 </a:tc>
                 <a:extLst>
                   <a:ext uri="{0D108BD9-81ED-4DB2-BD59-A6C34878D82A}">
-                    <a16:rowId xmlns:a16="http://schemas.microsoft.com/office/drawing/2014/main" xmlns="" val="2511579210"/>
+                    <a16:rowId xmlns:a16="http://schemas.microsoft.com/office/drawing/2014/main" val="2511579210"/>
                   </a:ext>
                 </a:extLst>
               </a:tr>
@@ -6859,7 +7015,7 @@
                 </a:tc>
                 <a:extLst>
                   <a:ext uri="{0D108BD9-81ED-4DB2-BD59-A6C34878D82A}">
-                    <a16:rowId xmlns:a16="http://schemas.microsoft.com/office/drawing/2014/main" xmlns="" val="63662275"/>
+                    <a16:rowId xmlns:a16="http://schemas.microsoft.com/office/drawing/2014/main" val="63662275"/>
                   </a:ext>
                 </a:extLst>
               </a:tr>
@@ -7142,7 +7298,7 @@
                 </a:tc>
                 <a:extLst>
                   <a:ext uri="{0D108BD9-81ED-4DB2-BD59-A6C34878D82A}">
-                    <a16:rowId xmlns:a16="http://schemas.microsoft.com/office/drawing/2014/main" xmlns="" val="4177996587"/>
+                    <a16:rowId xmlns:a16="http://schemas.microsoft.com/office/drawing/2014/main" val="4177996587"/>
                   </a:ext>
                 </a:extLst>
               </a:tr>
@@ -7425,7 +7581,7 @@
                 </a:tc>
                 <a:extLst>
                   <a:ext uri="{0D108BD9-81ED-4DB2-BD59-A6C34878D82A}">
-                    <a16:rowId xmlns:a16="http://schemas.microsoft.com/office/drawing/2014/main" xmlns="" val="2961202026"/>
+                    <a16:rowId xmlns:a16="http://schemas.microsoft.com/office/drawing/2014/main" val="2961202026"/>
                   </a:ext>
                 </a:extLst>
               </a:tr>
@@ -7708,7 +7864,7 @@
                 </a:tc>
                 <a:extLst>
                   <a:ext uri="{0D108BD9-81ED-4DB2-BD59-A6C34878D82A}">
-                    <a16:rowId xmlns:a16="http://schemas.microsoft.com/office/drawing/2014/main" xmlns="" val="349992958"/>
+                    <a16:rowId xmlns:a16="http://schemas.microsoft.com/office/drawing/2014/main" val="349992958"/>
                   </a:ext>
                 </a:extLst>
               </a:tr>
@@ -7991,7 +8147,7 @@
                 </a:tc>
                 <a:extLst>
                   <a:ext uri="{0D108BD9-81ED-4DB2-BD59-A6C34878D82A}">
-                    <a16:rowId xmlns:a16="http://schemas.microsoft.com/office/drawing/2014/main" xmlns="" val="3800019505"/>
+                    <a16:rowId xmlns:a16="http://schemas.microsoft.com/office/drawing/2014/main" val="3800019505"/>
                   </a:ext>
                 </a:extLst>
               </a:tr>
@@ -8274,7 +8430,7 @@
                 </a:tc>
                 <a:extLst>
                   <a:ext uri="{0D108BD9-81ED-4DB2-BD59-A6C34878D82A}">
-                    <a16:rowId xmlns:a16="http://schemas.microsoft.com/office/drawing/2014/main" xmlns="" val="1657238343"/>
+                    <a16:rowId xmlns:a16="http://schemas.microsoft.com/office/drawing/2014/main" val="1657238343"/>
                   </a:ext>
                 </a:extLst>
               </a:tr>
@@ -8557,7 +8713,7 @@
                 </a:tc>
                 <a:extLst>
                   <a:ext uri="{0D108BD9-81ED-4DB2-BD59-A6C34878D82A}">
-                    <a16:rowId xmlns:a16="http://schemas.microsoft.com/office/drawing/2014/main" xmlns="" val="3502461203"/>
+                    <a16:rowId xmlns:a16="http://schemas.microsoft.com/office/drawing/2014/main" val="3502461203"/>
                   </a:ext>
                 </a:extLst>
               </a:tr>
@@ -8840,7 +8996,7 @@
                 </a:tc>
                 <a:extLst>
                   <a:ext uri="{0D108BD9-81ED-4DB2-BD59-A6C34878D82A}">
-                    <a16:rowId xmlns:a16="http://schemas.microsoft.com/office/drawing/2014/main" xmlns="" val="1453995938"/>
+                    <a16:rowId xmlns:a16="http://schemas.microsoft.com/office/drawing/2014/main" val="1453995938"/>
                   </a:ext>
                 </a:extLst>
               </a:tr>
@@ -9051,7 +9207,7 @@
                 </a:tc>
                 <a:extLst>
                   <a:ext uri="{0D108BD9-81ED-4DB2-BD59-A6C34878D82A}">
-                    <a16:rowId xmlns:a16="http://schemas.microsoft.com/office/drawing/2014/main" xmlns="" val="2279048184"/>
+                    <a16:rowId xmlns:a16="http://schemas.microsoft.com/office/drawing/2014/main" val="2279048184"/>
                   </a:ext>
                 </a:extLst>
               </a:tr>
@@ -9268,7 +9424,7 @@
                 </a:tc>
                 <a:extLst>
                   <a:ext uri="{0D108BD9-81ED-4DB2-BD59-A6C34878D82A}">
-                    <a16:rowId xmlns:a16="http://schemas.microsoft.com/office/drawing/2014/main" xmlns="" val="3295354639"/>
+                    <a16:rowId xmlns:a16="http://schemas.microsoft.com/office/drawing/2014/main" val="3295354639"/>
                   </a:ext>
                 </a:extLst>
               </a:tr>
@@ -9551,7 +9707,7 @@
                 </a:tc>
                 <a:extLst>
                   <a:ext uri="{0D108BD9-81ED-4DB2-BD59-A6C34878D82A}">
-                    <a16:rowId xmlns:a16="http://schemas.microsoft.com/office/drawing/2014/main" xmlns="" val="3040608379"/>
+                    <a16:rowId xmlns:a16="http://schemas.microsoft.com/office/drawing/2014/main" val="3040608379"/>
                   </a:ext>
                 </a:extLst>
               </a:tr>
@@ -9834,7 +9990,7 @@
                 </a:tc>
                 <a:extLst>
                   <a:ext uri="{0D108BD9-81ED-4DB2-BD59-A6C34878D82A}">
-                    <a16:rowId xmlns:a16="http://schemas.microsoft.com/office/drawing/2014/main" xmlns="" val="3588386594"/>
+                    <a16:rowId xmlns:a16="http://schemas.microsoft.com/office/drawing/2014/main" val="3588386594"/>
                   </a:ext>
                 </a:extLst>
               </a:tr>
@@ -10117,7 +10273,7 @@
                 </a:tc>
                 <a:extLst>
                   <a:ext uri="{0D108BD9-81ED-4DB2-BD59-A6C34878D82A}">
-                    <a16:rowId xmlns:a16="http://schemas.microsoft.com/office/drawing/2014/main" xmlns="" val="2724199371"/>
+                    <a16:rowId xmlns:a16="http://schemas.microsoft.com/office/drawing/2014/main" val="2724199371"/>
                   </a:ext>
                 </a:extLst>
               </a:tr>
@@ -10400,7 +10556,7 @@
                 </a:tc>
                 <a:extLst>
                   <a:ext uri="{0D108BD9-81ED-4DB2-BD59-A6C34878D82A}">
-                    <a16:rowId xmlns:a16="http://schemas.microsoft.com/office/drawing/2014/main" xmlns="" val="2698717126"/>
+                    <a16:rowId xmlns:a16="http://schemas.microsoft.com/office/drawing/2014/main" val="2698717126"/>
                   </a:ext>
                 </a:extLst>
               </a:tr>
@@ -10683,7 +10839,7 @@
                 </a:tc>
                 <a:extLst>
                   <a:ext uri="{0D108BD9-81ED-4DB2-BD59-A6C34878D82A}">
-                    <a16:rowId xmlns:a16="http://schemas.microsoft.com/office/drawing/2014/main" xmlns="" val="3371778438"/>
+                    <a16:rowId xmlns:a16="http://schemas.microsoft.com/office/drawing/2014/main" val="3371778438"/>
                   </a:ext>
                 </a:extLst>
               </a:tr>
@@ -10966,7 +11122,7 @@
                 </a:tc>
                 <a:extLst>
                   <a:ext uri="{0D108BD9-81ED-4DB2-BD59-A6C34878D82A}">
-                    <a16:rowId xmlns:a16="http://schemas.microsoft.com/office/drawing/2014/main" xmlns="" val="939219500"/>
+                    <a16:rowId xmlns:a16="http://schemas.microsoft.com/office/drawing/2014/main" val="939219500"/>
                   </a:ext>
                 </a:extLst>
               </a:tr>
@@ -11249,7 +11405,7 @@
                 </a:tc>
                 <a:extLst>
                   <a:ext uri="{0D108BD9-81ED-4DB2-BD59-A6C34878D82A}">
-                    <a16:rowId xmlns:a16="http://schemas.microsoft.com/office/drawing/2014/main" xmlns="" val="428937221"/>
+                    <a16:rowId xmlns:a16="http://schemas.microsoft.com/office/drawing/2014/main" val="428937221"/>
                   </a:ext>
                 </a:extLst>
               </a:tr>
@@ -11532,7 +11688,7 @@
                 </a:tc>
                 <a:extLst>
                   <a:ext uri="{0D108BD9-81ED-4DB2-BD59-A6C34878D82A}">
-                    <a16:rowId xmlns:a16="http://schemas.microsoft.com/office/drawing/2014/main" xmlns="" val="1560929622"/>
+                    <a16:rowId xmlns:a16="http://schemas.microsoft.com/office/drawing/2014/main" val="1560929622"/>
                   </a:ext>
                 </a:extLst>
               </a:tr>
@@ -11815,7 +11971,7 @@
                 </a:tc>
                 <a:extLst>
                   <a:ext uri="{0D108BD9-81ED-4DB2-BD59-A6C34878D82A}">
-                    <a16:rowId xmlns:a16="http://schemas.microsoft.com/office/drawing/2014/main" xmlns="" val="4193334555"/>
+                    <a16:rowId xmlns:a16="http://schemas.microsoft.com/office/drawing/2014/main" val="4193334555"/>
                   </a:ext>
                 </a:extLst>
               </a:tr>
@@ -12098,7 +12254,7 @@
                 </a:tc>
                 <a:extLst>
                   <a:ext uri="{0D108BD9-81ED-4DB2-BD59-A6C34878D82A}">
-                    <a16:rowId xmlns:a16="http://schemas.microsoft.com/office/drawing/2014/main" xmlns="" val="2866964380"/>
+                    <a16:rowId xmlns:a16="http://schemas.microsoft.com/office/drawing/2014/main" val="2866964380"/>
                   </a:ext>
                 </a:extLst>
               </a:tr>
@@ -12149,10 +12305,10 @@
           <p:cNvPr id="9" name="Rectangle 8">
             <a:extLst>
               <a:ext uri="{FF2B5EF4-FFF2-40B4-BE49-F238E27FC236}">
-                <a16:creationId xmlns:a16="http://schemas.microsoft.com/office/drawing/2014/main" xmlns="" id="{AB45A142-4255-493C-8284-5D566C121B10}"/>
+                <a16:creationId xmlns:a16="http://schemas.microsoft.com/office/drawing/2014/main" id="{AB45A142-4255-493C-8284-5D566C121B10}"/>
               </a:ext>
               <a:ext uri="{C183D7F6-B498-43B3-948B-1728B52AA6E4}">
-                <adec:decorative xmlns:adec="http://schemas.microsoft.com/office/drawing/2017/decorative" xmlns="" val="1"/>
+                <adec:decorative xmlns:adec="http://schemas.microsoft.com/office/drawing/2017/decorative" val="1"/>
               </a:ext>
             </a:extLst>
           </p:cNvPr>
@@ -12162,7 +12318,7 @@
           <p:nvPr>
             <p:extLst>
               <p:ext uri="{386F3935-93C4-4BCD-93E2-E3B085C9AB24}">
-                <p16:designElem xmlns:p16="http://schemas.microsoft.com/office/powerpoint/2015/main" xmlns="" val="1"/>
+                <p16:designElem xmlns:p16="http://schemas.microsoft.com/office/powerpoint/2015/main" val="1"/>
               </p:ext>
             </p:extLst>
           </p:nvPr>
@@ -12218,7 +12374,7 @@
           <p:cNvPr id="4" name="TextBox 3">
             <a:extLst>
               <a:ext uri="{FF2B5EF4-FFF2-40B4-BE49-F238E27FC236}">
-                <a16:creationId xmlns:a16="http://schemas.microsoft.com/office/drawing/2014/main" xmlns="" id="{5F2D9490-D24F-4E34-9310-4A8B56C9649D}"/>
+                <a16:creationId xmlns:a16="http://schemas.microsoft.com/office/drawing/2014/main" id="{5F2D9490-D24F-4E34-9310-4A8B56C9649D}"/>
               </a:ext>
             </a:extLst>
           </p:cNvPr>
@@ -12321,10 +12477,10 @@
           <p:cNvPr id="11" name="Straight Connector 10">
             <a:extLst>
               <a:ext uri="{FF2B5EF4-FFF2-40B4-BE49-F238E27FC236}">
-                <a16:creationId xmlns:a16="http://schemas.microsoft.com/office/drawing/2014/main" xmlns="" id="{38FB9660-F42F-4313-BBC4-47C007FE484C}"/>
+                <a16:creationId xmlns:a16="http://schemas.microsoft.com/office/drawing/2014/main" id="{38FB9660-F42F-4313-BBC4-47C007FE484C}"/>
               </a:ext>
               <a:ext uri="{C183D7F6-B498-43B3-948B-1728B52AA6E4}">
-                <adec:decorative xmlns:adec="http://schemas.microsoft.com/office/drawing/2017/decorative" xmlns="" val="1"/>
+                <adec:decorative xmlns:adec="http://schemas.microsoft.com/office/drawing/2017/decorative" val="1"/>
               </a:ext>
             </a:extLst>
           </p:cNvPr>
@@ -12334,7 +12490,7 @@
           <p:nvPr>
             <p:extLst>
               <p:ext uri="{386F3935-93C4-4BCD-93E2-E3B085C9AB24}">
-                <p16:designElem xmlns:p16="http://schemas.microsoft.com/office/powerpoint/2015/main" xmlns="" val="1"/>
+                <p16:designElem xmlns:p16="http://schemas.microsoft.com/office/powerpoint/2015/main" val="1"/>
               </p:ext>
             </p:extLst>
           </p:nvPr>
@@ -12373,7 +12529,7 @@
           <p:cNvPr id="2" name="TextBox 1">
             <a:extLst>
               <a:ext uri="{FF2B5EF4-FFF2-40B4-BE49-F238E27FC236}">
-                <a16:creationId xmlns:a16="http://schemas.microsoft.com/office/drawing/2014/main" xmlns="" id="{BAC27E8B-BA14-45CB-A0D6-46FDE61CE084}"/>
+                <a16:creationId xmlns:a16="http://schemas.microsoft.com/office/drawing/2014/main" id="{BAC27E8B-BA14-45CB-A0D6-46FDE61CE084}"/>
               </a:ext>
             </a:extLst>
           </p:cNvPr>
@@ -12456,7 +12612,7 @@
           <p:cNvPr id="7" name="Picture 6" descr="Codominant Frequency Options">
             <a:extLst>
               <a:ext uri="{FF2B5EF4-FFF2-40B4-BE49-F238E27FC236}">
-                <a16:creationId xmlns:a16="http://schemas.microsoft.com/office/drawing/2014/main" xmlns="" id="{B71E488C-62C3-4E91-93DC-0F1C15268F88}"/>
+                <a16:creationId xmlns:a16="http://schemas.microsoft.com/office/drawing/2014/main" id="{B71E488C-62C3-4E91-93DC-0F1C15268F88}"/>
               </a:ext>
             </a:extLst>
           </p:cNvPr>
@@ -12520,7 +12676,7 @@
           <p:cNvPr id="5" name="Picture 4" descr="microsatellite data - Excel">
             <a:extLst>
               <a:ext uri="{FF2B5EF4-FFF2-40B4-BE49-F238E27FC236}">
-                <a16:creationId xmlns:a16="http://schemas.microsoft.com/office/drawing/2014/main" xmlns="" id="{FA4E5A4D-2D54-4329-9D32-9401DDA001DB}"/>
+                <a16:creationId xmlns:a16="http://schemas.microsoft.com/office/drawing/2014/main" id="{FA4E5A4D-2D54-4329-9D32-9401DDA001DB}"/>
               </a:ext>
             </a:extLst>
           </p:cNvPr>
@@ -12593,10 +12749,10 @@
           <p:cNvPr id="20" name="Rectangle 15">
             <a:extLst>
               <a:ext uri="{FF2B5EF4-FFF2-40B4-BE49-F238E27FC236}">
-                <a16:creationId xmlns:a16="http://schemas.microsoft.com/office/drawing/2014/main" xmlns="" id="{AB45A142-4255-493C-8284-5D566C121B10}"/>
+                <a16:creationId xmlns:a16="http://schemas.microsoft.com/office/drawing/2014/main" id="{AB45A142-4255-493C-8284-5D566C121B10}"/>
               </a:ext>
               <a:ext uri="{C183D7F6-B498-43B3-948B-1728B52AA6E4}">
-                <adec:decorative xmlns:adec="http://schemas.microsoft.com/office/drawing/2017/decorative" xmlns="" val="1"/>
+                <adec:decorative xmlns:adec="http://schemas.microsoft.com/office/drawing/2017/decorative" val="1"/>
               </a:ext>
             </a:extLst>
           </p:cNvPr>
@@ -12606,7 +12762,7 @@
           <p:nvPr>
             <p:extLst>
               <p:ext uri="{386F3935-93C4-4BCD-93E2-E3B085C9AB24}">
-                <p16:designElem xmlns:p16="http://schemas.microsoft.com/office/powerpoint/2015/main" xmlns="" val="1"/>
+                <p16:designElem xmlns:p16="http://schemas.microsoft.com/office/powerpoint/2015/main" val="1"/>
               </p:ext>
             </p:extLst>
           </p:nvPr>
@@ -12662,7 +12818,7 @@
           <p:cNvPr id="4" name="TextBox 3">
             <a:extLst>
               <a:ext uri="{FF2B5EF4-FFF2-40B4-BE49-F238E27FC236}">
-                <a16:creationId xmlns:a16="http://schemas.microsoft.com/office/drawing/2014/main" xmlns="" id="{5F2D9490-D24F-4E34-9310-4A8B56C9649D}"/>
+                <a16:creationId xmlns:a16="http://schemas.microsoft.com/office/drawing/2014/main" id="{5F2D9490-D24F-4E34-9310-4A8B56C9649D}"/>
               </a:ext>
             </a:extLst>
           </p:cNvPr>
@@ -12735,10 +12891,10 @@
           <p:cNvPr id="21" name="Straight Connector 17">
             <a:extLst>
               <a:ext uri="{FF2B5EF4-FFF2-40B4-BE49-F238E27FC236}">
-                <a16:creationId xmlns:a16="http://schemas.microsoft.com/office/drawing/2014/main" xmlns="" id="{38FB9660-F42F-4313-BBC4-47C007FE484C}"/>
+                <a16:creationId xmlns:a16="http://schemas.microsoft.com/office/drawing/2014/main" id="{38FB9660-F42F-4313-BBC4-47C007FE484C}"/>
               </a:ext>
               <a:ext uri="{C183D7F6-B498-43B3-948B-1728B52AA6E4}">
-                <adec:decorative xmlns:adec="http://schemas.microsoft.com/office/drawing/2017/decorative" xmlns="" val="1"/>
+                <adec:decorative xmlns:adec="http://schemas.microsoft.com/office/drawing/2017/decorative" val="1"/>
               </a:ext>
             </a:extLst>
           </p:cNvPr>
@@ -12748,7 +12904,7 @@
           <p:nvPr>
             <p:extLst>
               <p:ext uri="{386F3935-93C4-4BCD-93E2-E3B085C9AB24}">
-                <p16:designElem xmlns:p16="http://schemas.microsoft.com/office/powerpoint/2015/main" xmlns="" val="1"/>
+                <p16:designElem xmlns:p16="http://schemas.microsoft.com/office/powerpoint/2015/main" val="1"/>
               </p:ext>
             </p:extLst>
           </p:nvPr>
@@ -12787,7 +12943,7 @@
           <p:cNvPr id="8" name="Picture 7" descr="Codominant Frequency Options">
             <a:extLst>
               <a:ext uri="{FF2B5EF4-FFF2-40B4-BE49-F238E27FC236}">
-                <a16:creationId xmlns:a16="http://schemas.microsoft.com/office/drawing/2014/main" xmlns="" id="{D0341AEC-475F-4618-B28A-E7347685870B}"/>
+                <a16:creationId xmlns:a16="http://schemas.microsoft.com/office/drawing/2014/main" id="{D0341AEC-475F-4618-B28A-E7347685870B}"/>
               </a:ext>
             </a:extLst>
           </p:cNvPr>
@@ -12859,10 +13015,10 @@
           <p:cNvPr id="11" name="Rectangle 10">
             <a:extLst>
               <a:ext uri="{FF2B5EF4-FFF2-40B4-BE49-F238E27FC236}">
-                <a16:creationId xmlns:a16="http://schemas.microsoft.com/office/drawing/2014/main" xmlns="" id="{AB45A142-4255-493C-8284-5D566C121B10}"/>
+                <a16:creationId xmlns:a16="http://schemas.microsoft.com/office/drawing/2014/main" id="{AB45A142-4255-493C-8284-5D566C121B10}"/>
               </a:ext>
               <a:ext uri="{C183D7F6-B498-43B3-948B-1728B52AA6E4}">
-                <adec:decorative xmlns:adec="http://schemas.microsoft.com/office/drawing/2017/decorative" xmlns="" val="1"/>
+                <adec:decorative xmlns:adec="http://schemas.microsoft.com/office/drawing/2017/decorative" val="1"/>
               </a:ext>
             </a:extLst>
           </p:cNvPr>
@@ -12872,7 +13028,7 @@
           <p:nvPr>
             <p:extLst>
               <p:ext uri="{386F3935-93C4-4BCD-93E2-E3B085C9AB24}">
-                <p16:designElem xmlns:p16="http://schemas.microsoft.com/office/powerpoint/2015/main" xmlns="" val="1"/>
+                <p16:designElem xmlns:p16="http://schemas.microsoft.com/office/powerpoint/2015/main" val="1"/>
               </p:ext>
             </p:extLst>
           </p:nvPr>
@@ -12928,7 +13084,7 @@
           <p:cNvPr id="2" name="TextBox 1">
             <a:extLst>
               <a:ext uri="{FF2B5EF4-FFF2-40B4-BE49-F238E27FC236}">
-                <a16:creationId xmlns:a16="http://schemas.microsoft.com/office/drawing/2014/main" xmlns="" id="{1305AF50-735B-4493-A84A-D58EC93B1699}"/>
+                <a16:creationId xmlns:a16="http://schemas.microsoft.com/office/drawing/2014/main" id="{1305AF50-735B-4493-A84A-D58EC93B1699}"/>
               </a:ext>
             </a:extLst>
           </p:cNvPr>
@@ -12980,10 +13136,10 @@
           <p:cNvPr id="13" name="Straight Connector 12">
             <a:extLst>
               <a:ext uri="{FF2B5EF4-FFF2-40B4-BE49-F238E27FC236}">
-                <a16:creationId xmlns:a16="http://schemas.microsoft.com/office/drawing/2014/main" xmlns="" id="{38FB9660-F42F-4313-BBC4-47C007FE484C}"/>
+                <a16:creationId xmlns:a16="http://schemas.microsoft.com/office/drawing/2014/main" id="{38FB9660-F42F-4313-BBC4-47C007FE484C}"/>
               </a:ext>
               <a:ext uri="{C183D7F6-B498-43B3-948B-1728B52AA6E4}">
-                <adec:decorative xmlns:adec="http://schemas.microsoft.com/office/drawing/2017/decorative" xmlns="" val="1"/>
+                <adec:decorative xmlns:adec="http://schemas.microsoft.com/office/drawing/2017/decorative" val="1"/>
               </a:ext>
             </a:extLst>
           </p:cNvPr>
@@ -12993,7 +13149,7 @@
           <p:nvPr>
             <p:extLst>
               <p:ext uri="{386F3935-93C4-4BCD-93E2-E3B085C9AB24}">
-                <p16:designElem xmlns:p16="http://schemas.microsoft.com/office/powerpoint/2015/main" xmlns="" val="1"/>
+                <p16:designElem xmlns:p16="http://schemas.microsoft.com/office/powerpoint/2015/main" val="1"/>
               </p:ext>
             </p:extLst>
           </p:nvPr>
@@ -13032,7 +13188,7 @@
           <p:cNvPr id="6" name="Picture 5" descr="A screenshot of a social media post&#10;&#10;Description automatically generated">
             <a:extLst>
               <a:ext uri="{FF2B5EF4-FFF2-40B4-BE49-F238E27FC236}">
-                <a16:creationId xmlns:a16="http://schemas.microsoft.com/office/drawing/2014/main" xmlns="" id="{798A5073-C383-4CF0-ABB1-4170550F3F4B}"/>
+                <a16:creationId xmlns:a16="http://schemas.microsoft.com/office/drawing/2014/main" id="{798A5073-C383-4CF0-ABB1-4170550F3F4B}"/>
               </a:ext>
             </a:extLst>
           </p:cNvPr>
@@ -13103,13 +13259,13 @@
       </p:grpSpPr>
       <p:sp>
         <p:nvSpPr>
-          <p:cNvPr id="9" name="Rectangle 8">
+          <p:cNvPr id="10" name="Rectangle 9">
             <a:extLst>
               <a:ext uri="{FF2B5EF4-FFF2-40B4-BE49-F238E27FC236}">
-                <a16:creationId xmlns:a16="http://schemas.microsoft.com/office/drawing/2014/main" xmlns="" id="{AB45A142-4255-493C-8284-5D566C121B10}"/>
+                <a16:creationId xmlns:a16="http://schemas.microsoft.com/office/drawing/2014/main" id="{A9F529C3-C941-49FD-8C67-82F134F64BDB}"/>
               </a:ext>
               <a:ext uri="{C183D7F6-B498-43B3-948B-1728B52AA6E4}">
-                <adec:decorative xmlns:adec="http://schemas.microsoft.com/office/drawing/2017/decorative" xmlns="" val="1"/>
+                <adec:decorative xmlns:adec="http://schemas.microsoft.com/office/drawing/2017/decorative" val="1"/>
               </a:ext>
             </a:extLst>
           </p:cNvPr>
@@ -13119,7 +13275,306 @@
           <p:nvPr>
             <p:extLst>
               <p:ext uri="{386F3935-93C4-4BCD-93E2-E3B085C9AB24}">
-                <p16:designElem xmlns:p16="http://schemas.microsoft.com/office/powerpoint/2015/main" xmlns="" val="1"/>
+                <p16:designElem xmlns:p16="http://schemas.microsoft.com/office/powerpoint/2015/main" val="1"/>
+              </p:ext>
+            </p:extLst>
+          </p:nvPr>
+        </p:nvSpPr>
+        <p:spPr>
+          <a:xfrm>
+            <a:off x="0" y="0"/>
+            <a:ext cx="12192000" cy="6858000"/>
+          </a:xfrm>
+          <a:prstGeom prst="rect">
+            <a:avLst/>
+          </a:prstGeom>
+          <a:solidFill>
+            <a:schemeClr val="tx1">
+              <a:lumMod val="50000"/>
+              <a:lumOff val="50000"/>
+              <a:alpha val="30000"/>
+            </a:schemeClr>
+          </a:solidFill>
+          <a:ln>
+            <a:noFill/>
+          </a:ln>
+        </p:spPr>
+        <p:style>
+          <a:lnRef idx="2">
+            <a:schemeClr val="accent1">
+              <a:shade val="50000"/>
+            </a:schemeClr>
+          </a:lnRef>
+          <a:fillRef idx="1">
+            <a:schemeClr val="accent1"/>
+          </a:fillRef>
+          <a:effectRef idx="0">
+            <a:schemeClr val="accent1"/>
+          </a:effectRef>
+          <a:fontRef idx="minor">
+            <a:schemeClr val="lt1"/>
+          </a:fontRef>
+        </p:style>
+        <p:txBody>
+          <a:bodyPr rtlCol="0" anchor="ctr"/>
+          <a:lstStyle/>
+          <a:p>
+            <a:pPr algn="ctr"/>
+            <a:endParaRPr lang="en-US"/>
+          </a:p>
+        </p:txBody>
+      </p:sp>
+      <p:sp>
+        <p:nvSpPr>
+          <p:cNvPr id="12" name="Rectangle 11">
+            <a:extLst>
+              <a:ext uri="{FF2B5EF4-FFF2-40B4-BE49-F238E27FC236}">
+                <a16:creationId xmlns:a16="http://schemas.microsoft.com/office/drawing/2014/main" id="{20586029-32A0-47E5-9AEC-AE3ABA6B94D0}"/>
+              </a:ext>
+              <a:ext uri="{C183D7F6-B498-43B3-948B-1728B52AA6E4}">
+                <adec:decorative xmlns:adec="http://schemas.microsoft.com/office/drawing/2017/decorative" val="1"/>
+              </a:ext>
+            </a:extLst>
+          </p:cNvPr>
+          <p:cNvSpPr>
+            <a:spLocks noGrp="1" noRot="1" noChangeAspect="1" noMove="1" noResize="1" noEditPoints="1" noAdjustHandles="1" noChangeArrowheads="1" noChangeShapeType="1" noTextEdit="1"/>
+          </p:cNvSpPr>
+          <p:nvPr>
+            <p:extLst>
+              <p:ext uri="{386F3935-93C4-4BCD-93E2-E3B085C9AB24}">
+                <p16:designElem xmlns:p16="http://schemas.microsoft.com/office/powerpoint/2015/main" val="1"/>
+              </p:ext>
+            </p:extLst>
+          </p:nvPr>
+        </p:nvSpPr>
+        <p:spPr>
+          <a:xfrm>
+            <a:off x="477012" y="480060"/>
+            <a:ext cx="11237976" cy="5897880"/>
+          </a:xfrm>
+          <a:prstGeom prst="rect">
+            <a:avLst/>
+          </a:prstGeom>
+          <a:solidFill>
+            <a:srgbClr val="FFFFFF"/>
+          </a:solidFill>
+          <a:ln w="9525">
+            <a:noFill/>
+          </a:ln>
+          <a:effectLst>
+            <a:outerShdw blurRad="63500" dist="17780" dir="5400000" algn="t" rotWithShape="0">
+              <a:prstClr val="black">
+                <a:alpha val="43000"/>
+              </a:prstClr>
+            </a:outerShdw>
+          </a:effectLst>
+        </p:spPr>
+        <p:style>
+          <a:lnRef idx="2">
+            <a:schemeClr val="accent1">
+              <a:shade val="50000"/>
+            </a:schemeClr>
+          </a:lnRef>
+          <a:fillRef idx="1">
+            <a:schemeClr val="accent1"/>
+          </a:fillRef>
+          <a:effectRef idx="0">
+            <a:schemeClr val="accent1"/>
+          </a:effectRef>
+          <a:fontRef idx="minor">
+            <a:schemeClr val="lt1"/>
+          </a:fontRef>
+        </p:style>
+        <p:txBody>
+          <a:bodyPr rtlCol="0" anchor="ctr"/>
+          <a:lstStyle/>
+          <a:p>
+            <a:pPr algn="ctr"/>
+            <a:endParaRPr lang="en-US"/>
+          </a:p>
+        </p:txBody>
+      </p:sp>
+      <p:pic>
+        <p:nvPicPr>
+          <p:cNvPr id="3" name="Picture 2" descr="A screenshot of a cell phone&#10;&#10;Description automatically generated">
+            <a:extLst>
+              <a:ext uri="{FF2B5EF4-FFF2-40B4-BE49-F238E27FC236}">
+                <a16:creationId xmlns:a16="http://schemas.microsoft.com/office/drawing/2014/main" id="{B12FA73F-15AC-4FBC-B8DA-A6AD60F15D67}"/>
+              </a:ext>
+            </a:extLst>
+          </p:cNvPr>
+          <p:cNvPicPr>
+            <a:picLocks noChangeAspect="1"/>
+          </p:cNvPicPr>
+          <p:nvPr/>
+        </p:nvPicPr>
+        <p:blipFill>
+          <a:blip r:embed="rId2">
+            <a:extLst>
+              <a:ext uri="{28A0092B-C50C-407E-A947-70E740481C1C}">
+                <a14:useLocalDpi xmlns:a14="http://schemas.microsoft.com/office/drawing/2010/main" val="0"/>
+              </a:ext>
+            </a:extLst>
+          </a:blip>
+          <a:stretch>
+            <a:fillRect/>
+          </a:stretch>
+        </p:blipFill>
+        <p:spPr>
+          <a:xfrm>
+            <a:off x="643467" y="2039136"/>
+            <a:ext cx="5294716" cy="2779725"/>
+          </a:xfrm>
+          <a:prstGeom prst="rect">
+            <a:avLst/>
+          </a:prstGeom>
+        </p:spPr>
+      </p:pic>
+      <p:cxnSp>
+        <p:nvCxnSpPr>
+          <p:cNvPr id="14" name="Straight Connector 13">
+            <a:extLst>
+              <a:ext uri="{FF2B5EF4-FFF2-40B4-BE49-F238E27FC236}">
+                <a16:creationId xmlns:a16="http://schemas.microsoft.com/office/drawing/2014/main" id="{8C730EAB-A532-4295-A302-FB4B90DB9F5E}"/>
+              </a:ext>
+              <a:ext uri="{C183D7F6-B498-43B3-948B-1728B52AA6E4}">
+                <adec:decorative xmlns:adec="http://schemas.microsoft.com/office/drawing/2017/decorative" val="1"/>
+              </a:ext>
+            </a:extLst>
+          </p:cNvPr>
+          <p:cNvCxnSpPr>
+            <a:cxnSpLocks noGrp="1" noRot="1" noChangeAspect="1" noMove="1" noResize="1" noEditPoints="1" noAdjustHandles="1" noChangeArrowheads="1" noChangeShapeType="1"/>
+          </p:cNvCxnSpPr>
+          <p:nvPr>
+            <p:extLst>
+              <p:ext uri="{386F3935-93C4-4BCD-93E2-E3B085C9AB24}">
+                <p16:designElem xmlns:p16="http://schemas.microsoft.com/office/powerpoint/2015/main" val="1"/>
+              </p:ext>
+            </p:extLst>
+          </p:nvPr>
+        </p:nvCxnSpPr>
+        <p:spPr>
+          <a:xfrm>
+            <a:off x="6079958" y="1143000"/>
+            <a:ext cx="0" cy="4572000"/>
+          </a:xfrm>
+          <a:prstGeom prst="line">
+            <a:avLst/>
+          </a:prstGeom>
+          <a:ln>
+            <a:solidFill>
+              <a:srgbClr val="4E4E4E"/>
+            </a:solidFill>
+          </a:ln>
+        </p:spPr>
+        <p:style>
+          <a:lnRef idx="1">
+            <a:schemeClr val="accent1"/>
+          </a:lnRef>
+          <a:fillRef idx="0">
+            <a:schemeClr val="accent1"/>
+          </a:fillRef>
+          <a:effectRef idx="0">
+            <a:schemeClr val="accent1"/>
+          </a:effectRef>
+          <a:fontRef idx="minor">
+            <a:schemeClr val="tx1"/>
+          </a:fontRef>
+        </p:style>
+      </p:cxnSp>
+      <p:pic>
+        <p:nvPicPr>
+          <p:cNvPr id="5" name="Picture 4" descr="A close up of a person&#10;&#10;Description automatically generated">
+            <a:extLst>
+              <a:ext uri="{FF2B5EF4-FFF2-40B4-BE49-F238E27FC236}">
+                <a16:creationId xmlns:a16="http://schemas.microsoft.com/office/drawing/2014/main" id="{DF7D66E2-34B7-4D92-9FB6-BEA20EE709D7}"/>
+              </a:ext>
+            </a:extLst>
+          </p:cNvPr>
+          <p:cNvPicPr>
+            <a:picLocks noChangeAspect="1"/>
+          </p:cNvPicPr>
+          <p:nvPr/>
+        </p:nvPicPr>
+        <p:blipFill>
+          <a:blip r:embed="rId3">
+            <a:extLst>
+              <a:ext uri="{28A0092B-C50C-407E-A947-70E740481C1C}">
+                <a14:useLocalDpi xmlns:a14="http://schemas.microsoft.com/office/drawing/2010/main" val="0"/>
+              </a:ext>
+            </a:extLst>
+          </a:blip>
+          <a:stretch>
+            <a:fillRect/>
+          </a:stretch>
+        </p:blipFill>
+        <p:spPr>
+          <a:xfrm>
+            <a:off x="6253817" y="1567865"/>
+            <a:ext cx="5294715" cy="3722270"/>
+          </a:xfrm>
+          <a:prstGeom prst="rect">
+            <a:avLst/>
+          </a:prstGeom>
+        </p:spPr>
+      </p:pic>
+    </p:spTree>
+    <p:extLst>
+      <p:ext uri="{BB962C8B-B14F-4D97-AF65-F5344CB8AC3E}">
+        <p14:creationId xmlns:p14="http://schemas.microsoft.com/office/powerpoint/2010/main" val="2308950591"/>
+      </p:ext>
+    </p:extLst>
+  </p:cSld>
+  <p:clrMapOvr>
+    <a:masterClrMapping/>
+  </p:clrMapOvr>
+</p:sld>
+</file>
+
+<file path=ppt/slides/slide17.xml><?xml version="1.0" encoding="utf-8"?>
+<p:sld xmlns:a="http://schemas.openxmlformats.org/drawingml/2006/main" xmlns:r="http://schemas.openxmlformats.org/officeDocument/2006/relationships" xmlns:p="http://schemas.openxmlformats.org/presentationml/2006/main">
+  <p:cSld>
+    <p:bg>
+      <p:bgPr>
+        <a:solidFill>
+          <a:schemeClr val="bg1"/>
+        </a:solidFill>
+        <a:effectLst/>
+      </p:bgPr>
+    </p:bg>
+    <p:spTree>
+      <p:nvGrpSpPr>
+        <p:cNvPr id="1" name=""/>
+        <p:cNvGrpSpPr/>
+        <p:nvPr/>
+      </p:nvGrpSpPr>
+      <p:grpSpPr>
+        <a:xfrm>
+          <a:off x="0" y="0"/>
+          <a:ext cx="0" cy="0"/>
+          <a:chOff x="0" y="0"/>
+          <a:chExt cx="0" cy="0"/>
+        </a:xfrm>
+      </p:grpSpPr>
+      <p:sp>
+        <p:nvSpPr>
+          <p:cNvPr id="9" name="Rectangle 8">
+            <a:extLst>
+              <a:ext uri="{FF2B5EF4-FFF2-40B4-BE49-F238E27FC236}">
+                <a16:creationId xmlns:a16="http://schemas.microsoft.com/office/drawing/2014/main" id="{AB45A142-4255-493C-8284-5D566C121B10}"/>
+              </a:ext>
+              <a:ext uri="{C183D7F6-B498-43B3-948B-1728B52AA6E4}">
+                <adec:decorative xmlns:adec="http://schemas.microsoft.com/office/drawing/2017/decorative" val="1"/>
+              </a:ext>
+            </a:extLst>
+          </p:cNvPr>
+          <p:cNvSpPr>
+            <a:spLocks noGrp="1" noRot="1" noChangeAspect="1" noMove="1" noResize="1" noEditPoints="1" noAdjustHandles="1" noChangeArrowheads="1" noChangeShapeType="1" noTextEdit="1"/>
+          </p:cNvSpPr>
+          <p:nvPr>
+            <p:extLst>
+              <p:ext uri="{386F3935-93C4-4BCD-93E2-E3B085C9AB24}">
+                <p16:designElem xmlns:p16="http://schemas.microsoft.com/office/powerpoint/2015/main" val="1"/>
               </p:ext>
             </p:extLst>
           </p:nvPr>
@@ -13175,7 +13630,7 @@
           <p:cNvPr id="2" name="TextBox 1">
             <a:extLst>
               <a:ext uri="{FF2B5EF4-FFF2-40B4-BE49-F238E27FC236}">
-                <a16:creationId xmlns:a16="http://schemas.microsoft.com/office/drawing/2014/main" xmlns="" id="{08BF4E42-122E-4E19-A785-FD4DF907CA2C}"/>
+                <a16:creationId xmlns:a16="http://schemas.microsoft.com/office/drawing/2014/main" id="{08BF4E42-122E-4E19-A785-FD4DF907CA2C}"/>
               </a:ext>
             </a:extLst>
           </p:cNvPr>
@@ -13227,10 +13682,10 @@
           <p:cNvPr id="11" name="Straight Connector 10">
             <a:extLst>
               <a:ext uri="{FF2B5EF4-FFF2-40B4-BE49-F238E27FC236}">
-                <a16:creationId xmlns:a16="http://schemas.microsoft.com/office/drawing/2014/main" xmlns="" id="{38FB9660-F42F-4313-BBC4-47C007FE484C}"/>
+                <a16:creationId xmlns:a16="http://schemas.microsoft.com/office/drawing/2014/main" id="{38FB9660-F42F-4313-BBC4-47C007FE484C}"/>
               </a:ext>
               <a:ext uri="{C183D7F6-B498-43B3-948B-1728B52AA6E4}">
-                <adec:decorative xmlns:adec="http://schemas.microsoft.com/office/drawing/2017/decorative" xmlns="" val="1"/>
+                <adec:decorative xmlns:adec="http://schemas.microsoft.com/office/drawing/2017/decorative" val="1"/>
               </a:ext>
             </a:extLst>
           </p:cNvPr>
@@ -13240,7 +13695,7 @@
           <p:nvPr>
             <p:extLst>
               <p:ext uri="{386F3935-93C4-4BCD-93E2-E3B085C9AB24}">
-                <p16:designElem xmlns:p16="http://schemas.microsoft.com/office/powerpoint/2015/main" xmlns="" val="1"/>
+                <p16:designElem xmlns:p16="http://schemas.microsoft.com/office/powerpoint/2015/main" val="1"/>
               </p:ext>
             </p:extLst>
           </p:nvPr>
@@ -13279,7 +13734,7 @@
           <p:cNvPr id="4" name="Picture 3" descr="A screenshot of a cell phone&#10;&#10;Description automatically generated">
             <a:extLst>
               <a:ext uri="{FF2B5EF4-FFF2-40B4-BE49-F238E27FC236}">
-                <a16:creationId xmlns:a16="http://schemas.microsoft.com/office/drawing/2014/main" xmlns="" id="{A46D2B5A-E906-4C31-B42D-A7253086A7C6}"/>
+                <a16:creationId xmlns:a16="http://schemas.microsoft.com/office/drawing/2014/main" id="{A46D2B5A-E906-4C31-B42D-A7253086A7C6}"/>
               </a:ext>
             </a:extLst>
           </p:cNvPr>
@@ -13323,134 +13778,6 @@
 </p:sld>
 </file>
 
-<file path=ppt/slides/slide17.xml><?xml version="1.0" encoding="utf-8"?>
-<p:sld xmlns:a="http://schemas.openxmlformats.org/drawingml/2006/main" xmlns:r="http://schemas.openxmlformats.org/officeDocument/2006/relationships" xmlns:p="http://schemas.openxmlformats.org/presentationml/2006/main">
-  <p:cSld>
-    <p:spTree>
-      <p:nvGrpSpPr>
-        <p:cNvPr id="1" name=""/>
-        <p:cNvGrpSpPr/>
-        <p:nvPr/>
-      </p:nvGrpSpPr>
-      <p:grpSpPr>
-        <a:xfrm>
-          <a:off x="0" y="0"/>
-          <a:ext cx="0" cy="0"/>
-          <a:chOff x="0" y="0"/>
-          <a:chExt cx="0" cy="0"/>
-        </a:xfrm>
-      </p:grpSpPr>
-      <p:pic>
-        <p:nvPicPr>
-          <p:cNvPr id="3" name="Picture 2" descr="Genetic Distance Options">
-            <a:extLst>
-              <a:ext uri="{FF2B5EF4-FFF2-40B4-BE49-F238E27FC236}">
-                <a16:creationId xmlns:a16="http://schemas.microsoft.com/office/drawing/2014/main" xmlns="" id="{49A6330B-CF35-4167-BF31-C96838B77D89}"/>
-              </a:ext>
-            </a:extLst>
-          </p:cNvPr>
-          <p:cNvPicPr/>
-          <p:nvPr/>
-        </p:nvPicPr>
-        <p:blipFill>
-          <a:blip r:embed="rId2">
-            <a:extLst>
-              <a:ext uri="{28A0092B-C50C-407E-A947-70E740481C1C}">
-                <a14:useLocalDpi xmlns:a14="http://schemas.microsoft.com/office/drawing/2010/main" val="0"/>
-              </a:ext>
-            </a:extLst>
-          </a:blip>
-          <a:stretch>
-            <a:fillRect/>
-          </a:stretch>
-        </p:blipFill>
-        <p:spPr>
-          <a:xfrm>
-            <a:off x="6282017" y="735351"/>
-            <a:ext cx="4495800" cy="5239385"/>
-          </a:xfrm>
-          <a:prstGeom prst="rect">
-            <a:avLst/>
-          </a:prstGeom>
-        </p:spPr>
-      </p:pic>
-      <p:sp>
-        <p:nvSpPr>
-          <p:cNvPr id="4" name="Rectangle 3">
-            <a:extLst>
-              <a:ext uri="{FF2B5EF4-FFF2-40B4-BE49-F238E27FC236}">
-                <a16:creationId xmlns:a16="http://schemas.microsoft.com/office/drawing/2014/main" xmlns="" id="{5F3EF891-4321-4334-B61C-08AD4DFDFC36}"/>
-              </a:ext>
-            </a:extLst>
-          </p:cNvPr>
-          <p:cNvSpPr/>
-          <p:nvPr/>
-        </p:nvSpPr>
-        <p:spPr>
-          <a:xfrm>
-            <a:off x="1211187" y="2636106"/>
-            <a:ext cx="3185487" cy="385490"/>
-          </a:xfrm>
-          <a:prstGeom prst="rect">
-            <a:avLst/>
-          </a:prstGeom>
-        </p:spPr>
-        <p:txBody>
-          <a:bodyPr wrap="none">
-            <a:spAutoFit/>
-          </a:bodyPr>
-          <a:lstStyle/>
-          <a:p>
-            <a:pPr marL="342900" marR="0" lvl="0" indent="-342900" algn="l" defTabSz="914400" rtl="0" eaLnBrk="1" fontAlgn="auto" latinLnBrk="0" hangingPunct="1">
-              <a:lnSpc>
-                <a:spcPct val="107000"/>
-              </a:lnSpc>
-              <a:spcBef>
-                <a:spcPts val="0"/>
-              </a:spcBef>
-              <a:spcAft>
-                <a:spcPts val="800"/>
-              </a:spcAft>
-              <a:buClrTx/>
-              <a:buSzTx/>
-              <a:buFont typeface="+mj-lt"/>
-              <a:buAutoNum type="arabicParenR"/>
-              <a:tabLst/>
-              <a:defRPr/>
-            </a:pPr>
-            <a:r>
-              <a:rPr kumimoji="0" lang="en-US" sz="1800" b="0" i="0" u="none" strike="noStrike" kern="1200" cap="none" spc="0" normalizeH="0" baseline="0" noProof="0" dirty="0">
-                <a:ln>
-                  <a:noFill/>
-                </a:ln>
-                <a:solidFill>
-                  <a:prstClr val="black"/>
-                </a:solidFill>
-                <a:effectLst/>
-                <a:uLnTx/>
-                <a:uFillTx/>
-                <a:latin typeface="Calibri" panose="020F0502020204030204" pitchFamily="34" charset="0"/>
-                <a:ea typeface="Calibri" panose="020F0502020204030204" pitchFamily="34" charset="0"/>
-                <a:cs typeface="Times New Roman" panose="02020603050405020304" pitchFamily="18" charset="0"/>
-              </a:rPr>
-              <a:t>Calculating Haploid Distance</a:t>
-            </a:r>
-          </a:p>
-        </p:txBody>
-      </p:sp>
-    </p:spTree>
-    <p:extLst>
-      <p:ext uri="{BB962C8B-B14F-4D97-AF65-F5344CB8AC3E}">
-        <p14:creationId xmlns:p14="http://schemas.microsoft.com/office/powerpoint/2010/main" val="2219624677"/>
-      </p:ext>
-    </p:extLst>
-  </p:cSld>
-  <p:clrMapOvr>
-    <a:masterClrMapping/>
-  </p:clrMapOvr>
-</p:sld>
-</file>
-
 <file path=ppt/slides/slide18.xml><?xml version="1.0" encoding="utf-8"?>
 <p:sld xmlns:a="http://schemas.openxmlformats.org/drawingml/2006/main" xmlns:r="http://schemas.openxmlformats.org/officeDocument/2006/relationships" xmlns:p="http://schemas.openxmlformats.org/presentationml/2006/main">
   <p:cSld>
@@ -13481,10 +13808,10 @@
           <p:cNvPr id="16" name="Rectangle 15">
             <a:extLst>
               <a:ext uri="{FF2B5EF4-FFF2-40B4-BE49-F238E27FC236}">
-                <a16:creationId xmlns:a16="http://schemas.microsoft.com/office/drawing/2014/main" xmlns="" id="{823AC064-BC96-4F32-8AE1-B2FD38754823}"/>
+                <a16:creationId xmlns:a16="http://schemas.microsoft.com/office/drawing/2014/main" id="{AB45A142-4255-493C-8284-5D566C121B10}"/>
               </a:ext>
               <a:ext uri="{C183D7F6-B498-43B3-948B-1728B52AA6E4}">
-                <adec:decorative xmlns:adec="http://schemas.microsoft.com/office/drawing/2017/decorative" xmlns="" val="1"/>
+                <adec:decorative xmlns:adec="http://schemas.microsoft.com/office/drawing/2017/decorative" val="1"/>
               </a:ext>
             </a:extLst>
           </p:cNvPr>
@@ -13494,7 +13821,283 @@
           <p:nvPr>
             <p:extLst>
               <p:ext uri="{386F3935-93C4-4BCD-93E2-E3B085C9AB24}">
-                <p16:designElem xmlns:p16="http://schemas.microsoft.com/office/powerpoint/2015/main" xmlns="" val="1"/>
+                <p16:designElem xmlns:p16="http://schemas.microsoft.com/office/powerpoint/2015/main" val="1"/>
+              </p:ext>
+            </p:extLst>
+          </p:nvPr>
+        </p:nvSpPr>
+        <p:spPr bwMode="ltGray">
+          <a:xfrm>
+            <a:off x="336884" y="321177"/>
+            <a:ext cx="4332307" cy="6179552"/>
+          </a:xfrm>
+          <a:prstGeom prst="rect">
+            <a:avLst/>
+          </a:prstGeom>
+          <a:solidFill>
+            <a:srgbClr val="404040">
+              <a:alpha val="89804"/>
+            </a:srgbClr>
+          </a:solidFill>
+          <a:ln w="127000" cap="sq" cmpd="thinThick">
+            <a:solidFill>
+              <a:srgbClr val="595959">
+                <a:alpha val="80000"/>
+              </a:srgbClr>
+            </a:solidFill>
+          </a:ln>
+        </p:spPr>
+        <p:style>
+          <a:lnRef idx="2">
+            <a:schemeClr val="accent1">
+              <a:shade val="50000"/>
+            </a:schemeClr>
+          </a:lnRef>
+          <a:fillRef idx="1">
+            <a:schemeClr val="accent1"/>
+          </a:fillRef>
+          <a:effectRef idx="0">
+            <a:schemeClr val="accent1"/>
+          </a:effectRef>
+          <a:fontRef idx="minor">
+            <a:schemeClr val="lt1"/>
+          </a:fontRef>
+        </p:style>
+        <p:txBody>
+          <a:bodyPr rtlCol="0" anchor="ctr"/>
+          <a:lstStyle/>
+          <a:p>
+            <a:pPr algn="ctr"/>
+            <a:endParaRPr lang="en-US"/>
+          </a:p>
+        </p:txBody>
+      </p:sp>
+      <p:sp>
+        <p:nvSpPr>
+          <p:cNvPr id="2" name="TextBox 1">
+            <a:extLst>
+              <a:ext uri="{FF2B5EF4-FFF2-40B4-BE49-F238E27FC236}">
+                <a16:creationId xmlns:a16="http://schemas.microsoft.com/office/drawing/2014/main" id="{08BF4E42-122E-4E19-A785-FD4DF907CA2C}"/>
+              </a:ext>
+            </a:extLst>
+          </p:cNvPr>
+          <p:cNvSpPr txBox="1"/>
+          <p:nvPr/>
+        </p:nvSpPr>
+        <p:spPr>
+          <a:xfrm>
+            <a:off x="674237" y="914402"/>
+            <a:ext cx="3657600" cy="2887579"/>
+          </a:xfrm>
+          <a:prstGeom prst="rect">
+            <a:avLst/>
+          </a:prstGeom>
+        </p:spPr>
+        <p:txBody>
+          <a:bodyPr vert="horz" lIns="91440" tIns="45720" rIns="91440" bIns="45720" rtlCol="0" anchor="b">
+            <a:normAutofit/>
+          </a:bodyPr>
+          <a:lstStyle/>
+          <a:p>
+            <a:pPr algn="ctr">
+              <a:lnSpc>
+                <a:spcPct val="90000"/>
+              </a:lnSpc>
+              <a:spcBef>
+                <a:spcPct val="0"/>
+              </a:spcBef>
+              <a:spcAft>
+                <a:spcPts val="600"/>
+              </a:spcAft>
+            </a:pPr>
+            <a:r>
+              <a:rPr lang="en-US" sz="4800" kern="1200" dirty="0">
+                <a:solidFill>
+                  <a:srgbClr val="FFFFFF"/>
+                </a:solidFill>
+                <a:latin typeface="+mj-lt"/>
+                <a:ea typeface="+mj-ea"/>
+                <a:cs typeface="+mj-cs"/>
+              </a:rPr>
+              <a:t>Calculating Haploid Distance</a:t>
+            </a:r>
+          </a:p>
+          <a:p>
+            <a:pPr marL="0" marR="0" lvl="0" indent="0" algn="ctr" fontAlgn="auto">
+              <a:lnSpc>
+                <a:spcPct val="90000"/>
+              </a:lnSpc>
+              <a:spcBef>
+                <a:spcPct val="0"/>
+              </a:spcBef>
+              <a:spcAft>
+                <a:spcPts val="600"/>
+              </a:spcAft>
+              <a:buClrTx/>
+              <a:buSzTx/>
+              <a:tabLst/>
+              <a:defRPr/>
+            </a:pPr>
+            <a:endParaRPr kumimoji="0" lang="en-US" sz="4800" b="0" i="0" u="none" strike="noStrike" kern="1200" cap="none" spc="0" normalizeH="0" baseline="0" noProof="0" dirty="0">
+              <a:ln>
+                <a:noFill/>
+              </a:ln>
+              <a:solidFill>
+                <a:srgbClr val="FFFFFF"/>
+              </a:solidFill>
+              <a:effectLst/>
+              <a:uLnTx/>
+              <a:uFillTx/>
+              <a:latin typeface="+mj-lt"/>
+              <a:ea typeface="+mj-ea"/>
+              <a:cs typeface="+mj-cs"/>
+            </a:endParaRPr>
+          </a:p>
+        </p:txBody>
+      </p:sp>
+      <p:cxnSp>
+        <p:nvCxnSpPr>
+          <p:cNvPr id="18" name="Straight Connector 17">
+            <a:extLst>
+              <a:ext uri="{FF2B5EF4-FFF2-40B4-BE49-F238E27FC236}">
+                <a16:creationId xmlns:a16="http://schemas.microsoft.com/office/drawing/2014/main" id="{38FB9660-F42F-4313-BBC4-47C007FE484C}"/>
+              </a:ext>
+              <a:ext uri="{C183D7F6-B498-43B3-948B-1728B52AA6E4}">
+                <adec:decorative xmlns:adec="http://schemas.microsoft.com/office/drawing/2017/decorative" val="1"/>
+              </a:ext>
+            </a:extLst>
+          </p:cNvPr>
+          <p:cNvCxnSpPr>
+            <a:cxnSpLocks noGrp="1" noRot="1" noChangeAspect="1" noMove="1" noResize="1" noEditPoints="1" noAdjustHandles="1" noChangeArrowheads="1" noChangeShapeType="1"/>
+          </p:cNvCxnSpPr>
+          <p:nvPr>
+            <p:extLst>
+              <p:ext uri="{386F3935-93C4-4BCD-93E2-E3B085C9AB24}">
+                <p16:designElem xmlns:p16="http://schemas.microsoft.com/office/powerpoint/2015/main" val="1"/>
+              </p:ext>
+            </p:extLst>
+          </p:nvPr>
+        </p:nvCxnSpPr>
+        <p:spPr>
+          <a:xfrm>
+            <a:off x="1191126" y="3910267"/>
+            <a:ext cx="2586790" cy="0"/>
+          </a:xfrm>
+          <a:prstGeom prst="line">
+            <a:avLst/>
+          </a:prstGeom>
+          <a:ln w="22225">
+            <a:solidFill>
+              <a:srgbClr val="D9D9D9"/>
+            </a:solidFill>
+          </a:ln>
+        </p:spPr>
+        <p:style>
+          <a:lnRef idx="1">
+            <a:schemeClr val="accent1"/>
+          </a:lnRef>
+          <a:fillRef idx="0">
+            <a:schemeClr val="accent1"/>
+          </a:fillRef>
+          <a:effectRef idx="0">
+            <a:schemeClr val="accent1"/>
+          </a:effectRef>
+          <a:fontRef idx="minor">
+            <a:schemeClr val="tx1"/>
+          </a:fontRef>
+        </p:style>
+      </p:cxnSp>
+      <p:pic>
+        <p:nvPicPr>
+          <p:cNvPr id="6" name="Picture 5" descr="Genetic Distance Options">
+            <a:extLst>
+              <a:ext uri="{FF2B5EF4-FFF2-40B4-BE49-F238E27FC236}">
+                <a16:creationId xmlns:a16="http://schemas.microsoft.com/office/drawing/2014/main" id="{FC92C202-DBA3-426A-9CB1-3924889A71BA}"/>
+              </a:ext>
+            </a:extLst>
+          </p:cNvPr>
+          <p:cNvPicPr/>
+          <p:nvPr/>
+        </p:nvPicPr>
+        <p:blipFill>
+          <a:blip r:embed="rId2">
+            <a:extLst>
+              <a:ext uri="{28A0092B-C50C-407E-A947-70E740481C1C}">
+                <a14:useLocalDpi xmlns:a14="http://schemas.microsoft.com/office/drawing/2010/main" val="0"/>
+              </a:ext>
+            </a:extLst>
+          </a:blip>
+          <a:stretch>
+            <a:fillRect/>
+          </a:stretch>
+        </p:blipFill>
+        <p:spPr>
+          <a:xfrm>
+            <a:off x="5907199" y="492573"/>
+            <a:ext cx="5046791" cy="5880796"/>
+          </a:xfrm>
+          <a:prstGeom prst="rect">
+            <a:avLst/>
+          </a:prstGeom>
+        </p:spPr>
+      </p:pic>
+    </p:spTree>
+    <p:extLst>
+      <p:ext uri="{BB962C8B-B14F-4D97-AF65-F5344CB8AC3E}">
+        <p14:creationId xmlns:p14="http://schemas.microsoft.com/office/powerpoint/2010/main" val="296656007"/>
+      </p:ext>
+    </p:extLst>
+  </p:cSld>
+  <p:clrMapOvr>
+    <a:masterClrMapping/>
+  </p:clrMapOvr>
+</p:sld>
+</file>
+
+<file path=ppt/slides/slide19.xml><?xml version="1.0" encoding="utf-8"?>
+<p:sld xmlns:a="http://schemas.openxmlformats.org/drawingml/2006/main" xmlns:r="http://schemas.openxmlformats.org/officeDocument/2006/relationships" xmlns:p="http://schemas.openxmlformats.org/presentationml/2006/main">
+  <p:cSld>
+    <p:bg>
+      <p:bgPr>
+        <a:solidFill>
+          <a:schemeClr val="bg1"/>
+        </a:solidFill>
+        <a:effectLst/>
+      </p:bgPr>
+    </p:bg>
+    <p:spTree>
+      <p:nvGrpSpPr>
+        <p:cNvPr id="1" name=""/>
+        <p:cNvGrpSpPr/>
+        <p:nvPr/>
+      </p:nvGrpSpPr>
+      <p:grpSpPr>
+        <a:xfrm>
+          <a:off x="0" y="0"/>
+          <a:ext cx="0" cy="0"/>
+          <a:chOff x="0" y="0"/>
+          <a:chExt cx="0" cy="0"/>
+        </a:xfrm>
+      </p:grpSpPr>
+      <p:sp>
+        <p:nvSpPr>
+          <p:cNvPr id="16" name="Rectangle 15">
+            <a:extLst>
+              <a:ext uri="{FF2B5EF4-FFF2-40B4-BE49-F238E27FC236}">
+                <a16:creationId xmlns:a16="http://schemas.microsoft.com/office/drawing/2014/main" id="{823AC064-BC96-4F32-8AE1-B2FD38754823}"/>
+              </a:ext>
+              <a:ext uri="{C183D7F6-B498-43B3-948B-1728B52AA6E4}">
+                <adec:decorative xmlns:adec="http://schemas.microsoft.com/office/drawing/2017/decorative" val="1"/>
+              </a:ext>
+            </a:extLst>
+          </p:cNvPr>
+          <p:cNvSpPr>
+            <a:spLocks noGrp="1" noRot="1" noChangeAspect="1" noMove="1" noResize="1" noEditPoints="1" noAdjustHandles="1" noChangeArrowheads="1" noChangeShapeType="1" noTextEdit="1"/>
+          </p:cNvSpPr>
+          <p:nvPr>
+            <p:extLst>
+              <p:ext uri="{386F3935-93C4-4BCD-93E2-E3B085C9AB24}">
+                <p16:designElem xmlns:p16="http://schemas.microsoft.com/office/powerpoint/2015/main" val="1"/>
               </p:ext>
             </p:extLst>
           </p:nvPr>
@@ -13575,7 +14178,7 @@
           <p:cNvPr id="4" name="TextBox 3">
             <a:extLst>
               <a:ext uri="{FF2B5EF4-FFF2-40B4-BE49-F238E27FC236}">
-                <a16:creationId xmlns:a16="http://schemas.microsoft.com/office/drawing/2014/main" xmlns="" id="{00088ABC-E0C8-4A29-A019-04A880BB95F4}"/>
+                <a16:creationId xmlns:a16="http://schemas.microsoft.com/office/drawing/2014/main" id="{00088ABC-E0C8-4A29-A019-04A880BB95F4}"/>
               </a:ext>
             </a:extLst>
           </p:cNvPr>
@@ -13639,10 +14242,10 @@
           <p:cNvPr id="18" name="Straight Connector 17">
             <a:extLst>
               <a:ext uri="{FF2B5EF4-FFF2-40B4-BE49-F238E27FC236}">
-                <a16:creationId xmlns:a16="http://schemas.microsoft.com/office/drawing/2014/main" xmlns="" id="{7E7C77BC-7138-40B1-A15B-20F57A494629}"/>
+                <a16:creationId xmlns:a16="http://schemas.microsoft.com/office/drawing/2014/main" id="{7E7C77BC-7138-40B1-A15B-20F57A494629}"/>
               </a:ext>
               <a:ext uri="{C183D7F6-B498-43B3-948B-1728B52AA6E4}">
-                <adec:decorative xmlns:adec="http://schemas.microsoft.com/office/drawing/2017/decorative" xmlns="" val="1"/>
+                <adec:decorative xmlns:adec="http://schemas.microsoft.com/office/drawing/2017/decorative" val="1"/>
               </a:ext>
             </a:extLst>
           </p:cNvPr>
@@ -13652,7 +14255,7 @@
           <p:nvPr>
             <p:extLst>
               <p:ext uri="{386F3935-93C4-4BCD-93E2-E3B085C9AB24}">
-                <p16:designElem xmlns:p16="http://schemas.microsoft.com/office/powerpoint/2015/main" xmlns="" val="1"/>
+                <p16:designElem xmlns:p16="http://schemas.microsoft.com/office/powerpoint/2015/main" val="1"/>
               </p:ext>
             </p:extLst>
           </p:nvPr>
@@ -13691,7 +14294,7 @@
           <p:cNvPr id="3" name="Picture 2" descr="A screenshot of a cell phone&#10;&#10;Description automatically generated">
             <a:extLst>
               <a:ext uri="{FF2B5EF4-FFF2-40B4-BE49-F238E27FC236}">
-                <a16:creationId xmlns:a16="http://schemas.microsoft.com/office/drawing/2014/main" xmlns="" id="{7856596F-397A-406F-8498-497D8169633A}"/>
+                <a16:creationId xmlns:a16="http://schemas.microsoft.com/office/drawing/2014/main" id="{7856596F-397A-406F-8498-497D8169633A}"/>
               </a:ext>
             </a:extLst>
           </p:cNvPr>
@@ -13727,10 +14330,10 @@
           <p:cNvPr id="20" name="Straight Connector 19">
             <a:extLst>
               <a:ext uri="{FF2B5EF4-FFF2-40B4-BE49-F238E27FC236}">
-                <a16:creationId xmlns:a16="http://schemas.microsoft.com/office/drawing/2014/main" xmlns="" id="{DB146403-F3D6-484B-B2ED-97F9565D0370}"/>
+                <a16:creationId xmlns:a16="http://schemas.microsoft.com/office/drawing/2014/main" id="{DB146403-F3D6-484B-B2ED-97F9565D0370}"/>
               </a:ext>
               <a:ext uri="{C183D7F6-B498-43B3-948B-1728B52AA6E4}">
-                <adec:decorative xmlns:adec="http://schemas.microsoft.com/office/drawing/2017/decorative" xmlns="" val="1"/>
+                <adec:decorative xmlns:adec="http://schemas.microsoft.com/office/drawing/2017/decorative" val="1"/>
               </a:ext>
             </a:extLst>
           </p:cNvPr>
@@ -13740,7 +14343,7 @@
           <p:nvPr>
             <p:extLst>
               <p:ext uri="{386F3935-93C4-4BCD-93E2-E3B085C9AB24}">
-                <p16:designElem xmlns:p16="http://schemas.microsoft.com/office/powerpoint/2015/main" xmlns="" val="1"/>
+                <p16:designElem xmlns:p16="http://schemas.microsoft.com/office/powerpoint/2015/main" val="1"/>
               </p:ext>
             </p:extLst>
           </p:nvPr>
@@ -13779,7 +14382,7 @@
           <p:cNvPr id="6" name="Picture 5" descr="A screenshot of a cell phone&#10;&#10;Description automatically generated">
             <a:extLst>
               <a:ext uri="{FF2B5EF4-FFF2-40B4-BE49-F238E27FC236}">
-                <a16:creationId xmlns:a16="http://schemas.microsoft.com/office/drawing/2014/main" xmlns="" id="{9D519492-364D-43D8-BFDD-2A043057156B}"/>
+                <a16:creationId xmlns:a16="http://schemas.microsoft.com/office/drawing/2014/main" id="{9D519492-364D-43D8-BFDD-2A043057156B}"/>
               </a:ext>
             </a:extLst>
           </p:cNvPr>
@@ -13823,7 +14426,195 @@
 </p:sld>
 </file>
 
-<file path=ppt/slides/slide19.xml><?xml version="1.0" encoding="utf-8"?>
+<file path=ppt/slides/slide2.xml><?xml version="1.0" encoding="utf-8"?>
+<p:sld xmlns:a="http://schemas.openxmlformats.org/drawingml/2006/main" xmlns:r="http://schemas.openxmlformats.org/officeDocument/2006/relationships" xmlns:p="http://schemas.openxmlformats.org/presentationml/2006/main">
+  <p:cSld>
+    <p:spTree>
+      <p:nvGrpSpPr>
+        <p:cNvPr id="1" name=""/>
+        <p:cNvGrpSpPr/>
+        <p:nvPr/>
+      </p:nvGrpSpPr>
+      <p:grpSpPr>
+        <a:xfrm>
+          <a:off x="0" y="0"/>
+          <a:ext cx="0" cy="0"/>
+          <a:chOff x="0" y="0"/>
+          <a:chExt cx="0" cy="0"/>
+        </a:xfrm>
+      </p:grpSpPr>
+      <p:sp>
+        <p:nvSpPr>
+          <p:cNvPr id="2" name="Title 1">
+            <a:extLst>
+              <a:ext uri="{FF2B5EF4-FFF2-40B4-BE49-F238E27FC236}">
+                <a16:creationId xmlns:a16="http://schemas.microsoft.com/office/drawing/2014/main" id="{8D93BC33-2125-443B-A1A3-1A92A5247404}"/>
+              </a:ext>
+            </a:extLst>
+          </p:cNvPr>
+          <p:cNvSpPr>
+            <a:spLocks noGrp="1"/>
+          </p:cNvSpPr>
+          <p:nvPr>
+            <p:ph type="ctrTitle"/>
+          </p:nvPr>
+        </p:nvSpPr>
+        <p:spPr>
+          <a:xfrm>
+            <a:off x="242901" y="1039906"/>
+            <a:ext cx="11821887" cy="3079656"/>
+          </a:xfrm>
+        </p:spPr>
+        <p:txBody>
+          <a:bodyPr>
+            <a:normAutofit/>
+          </a:bodyPr>
+          <a:lstStyle/>
+          <a:p>
+            <a:r>
+              <a:rPr lang="en-US" dirty="0"/>
+              <a:t>Red Laser Steel Cobra Danger Unicorns</a:t>
+            </a:r>
+            <a:br>
+              <a:rPr lang="en-US" dirty="0">
+                <a:cs typeface="Calibri Light"/>
+              </a:rPr>
+            </a:br>
+            <a:r>
+              <a:rPr lang="en-US" sz="2000" dirty="0"/>
+              <a:t>Presents: </a:t>
+            </a:r>
+            <a:r>
+              <a:rPr lang="en-US" sz="2200" dirty="0"/>
+              <a:t>Lack of genetic isolation by distance, similar genetic</a:t>
+            </a:r>
+            <a:br>
+              <a:rPr lang="en-US" sz="2200" dirty="0">
+                <a:cs typeface="Calibri Light"/>
+              </a:rPr>
+            </a:br>
+            <a:r>
+              <a:rPr lang="en-US" sz="2200" dirty="0"/>
+              <a:t>structuring but different demographic histories in a fig pollinating</a:t>
+            </a:r>
+            <a:br>
+              <a:rPr lang="en-US" sz="2200" dirty="0">
+                <a:cs typeface="Calibri Light"/>
+              </a:rPr>
+            </a:br>
+            <a:r>
+              <a:rPr lang="en-US" sz="2200" dirty="0"/>
+              <a:t>wasp mutualism</a:t>
+            </a:r>
+            <a:br>
+              <a:rPr lang="en-US" sz="2200" dirty="0">
+                <a:cs typeface="Calibri Light"/>
+              </a:rPr>
+            </a:br>
+            <a:r>
+              <a:rPr lang="en-US" sz="2200" dirty="0"/>
+              <a:t>By:</a:t>
+            </a:r>
+            <a:br>
+              <a:rPr lang="en-US" sz="2200" dirty="0">
+                <a:cs typeface="Calibri Light"/>
+              </a:rPr>
+            </a:br>
+            <a:r>
+              <a:rPr lang="en-US" sz="2200" dirty="0"/>
+              <a:t>ENWEI TIAN, JOHN D. NASON, CARLOS A. MACHADO, LINNA ZHENG, HUI YU and</a:t>
+            </a:r>
+            <a:br>
+              <a:rPr lang="en-US" sz="2200" dirty="0">
+                <a:cs typeface="Calibri Light"/>
+              </a:rPr>
+            </a:br>
+            <a:r>
+              <a:rPr lang="en-US" sz="2200" dirty="0"/>
+              <a:t>FINN KJELLBERG</a:t>
+            </a:r>
+          </a:p>
+        </p:txBody>
+      </p:sp>
+      <p:sp>
+        <p:nvSpPr>
+          <p:cNvPr id="3" name="Subtitle 2">
+            <a:extLst>
+              <a:ext uri="{FF2B5EF4-FFF2-40B4-BE49-F238E27FC236}">
+                <a16:creationId xmlns:a16="http://schemas.microsoft.com/office/drawing/2014/main" id="{BF764F22-EE15-4C31-9B76-DCDCD3D2326C}"/>
+              </a:ext>
+            </a:extLst>
+          </p:cNvPr>
+          <p:cNvSpPr>
+            <a:spLocks noGrp="1"/>
+          </p:cNvSpPr>
+          <p:nvPr>
+            <p:ph type="subTitle" idx="1"/>
+          </p:nvPr>
+        </p:nvSpPr>
+        <p:spPr>
+          <a:xfrm>
+            <a:off x="1665515" y="5137991"/>
+            <a:ext cx="9144000" cy="1655762"/>
+          </a:xfrm>
+        </p:spPr>
+        <p:txBody>
+          <a:bodyPr vert="horz" lIns="91440" tIns="45720" rIns="91440" bIns="45720" rtlCol="0" anchor="t">
+            <a:normAutofit/>
+          </a:bodyPr>
+          <a:lstStyle/>
+          <a:p>
+            <a:r>
+              <a:rPr lang="en-US" dirty="0"/>
+              <a:t>Jose Lopez, Ashley Paulsen, Lyle Sisson, Jacob Zobrist </a:t>
+            </a:r>
+          </a:p>
+        </p:txBody>
+      </p:sp>
+      <p:pic>
+        <p:nvPicPr>
+          <p:cNvPr id="8" name="Picture 8">
+            <a:extLst>
+              <a:ext uri="{FF2B5EF4-FFF2-40B4-BE49-F238E27FC236}">
+                <a16:creationId xmlns:a16="http://schemas.microsoft.com/office/drawing/2014/main" id="{49696CD1-7F05-4911-8224-A2C1D313BD4F}"/>
+              </a:ext>
+            </a:extLst>
+          </p:cNvPr>
+          <p:cNvPicPr>
+            <a:picLocks noChangeAspect="1"/>
+          </p:cNvPicPr>
+          <p:nvPr/>
+        </p:nvPicPr>
+        <p:blipFill>
+          <a:blip r:embed="rId2"/>
+          <a:stretch>
+            <a:fillRect/>
+          </a:stretch>
+        </p:blipFill>
+        <p:spPr>
+          <a:xfrm>
+            <a:off x="10021530" y="4694521"/>
+            <a:ext cx="1378975" cy="1512474"/>
+          </a:xfrm>
+          <a:prstGeom prst="rect">
+            <a:avLst/>
+          </a:prstGeom>
+        </p:spPr>
+      </p:pic>
+    </p:spTree>
+    <p:extLst>
+      <p:ext uri="{BB962C8B-B14F-4D97-AF65-F5344CB8AC3E}">
+        <p14:creationId xmlns:p14="http://schemas.microsoft.com/office/powerpoint/2010/main" val="3084051005"/>
+      </p:ext>
+    </p:extLst>
+  </p:cSld>
+  <p:clrMapOvr>
+    <a:masterClrMapping/>
+  </p:clrMapOvr>
+</p:sld>
+</file>
+
+<file path=ppt/slides/slide20.xml><?xml version="1.0" encoding="utf-8"?>
 <p:sld xmlns:a="http://schemas.openxmlformats.org/drawingml/2006/main" xmlns:r="http://schemas.openxmlformats.org/officeDocument/2006/relationships" xmlns:p="http://schemas.openxmlformats.org/presentationml/2006/main">
   <p:cSld>
     <p:bg>
@@ -13853,10 +14644,10 @@
           <p:cNvPr id="10" name="Rectangle 9">
             <a:extLst>
               <a:ext uri="{FF2B5EF4-FFF2-40B4-BE49-F238E27FC236}">
-                <a16:creationId xmlns:a16="http://schemas.microsoft.com/office/drawing/2014/main" xmlns="" id="{823AC064-BC96-4F32-8AE1-B2FD38754823}"/>
+                <a16:creationId xmlns:a16="http://schemas.microsoft.com/office/drawing/2014/main" id="{823AC064-BC96-4F32-8AE1-B2FD38754823}"/>
               </a:ext>
               <a:ext uri="{C183D7F6-B498-43B3-948B-1728B52AA6E4}">
-                <adec:decorative xmlns:adec="http://schemas.microsoft.com/office/drawing/2017/decorative" xmlns="" val="1"/>
+                <adec:decorative xmlns:adec="http://schemas.microsoft.com/office/drawing/2017/decorative" val="1"/>
               </a:ext>
             </a:extLst>
           </p:cNvPr>
@@ -13866,7 +14657,7 @@
           <p:nvPr>
             <p:extLst>
               <p:ext uri="{386F3935-93C4-4BCD-93E2-E3B085C9AB24}">
-                <p16:designElem xmlns:p16="http://schemas.microsoft.com/office/powerpoint/2015/main" xmlns="" val="1"/>
+                <p16:designElem xmlns:p16="http://schemas.microsoft.com/office/powerpoint/2015/main" val="1"/>
               </p:ext>
             </p:extLst>
           </p:nvPr>
@@ -13947,7 +14738,7 @@
           <p:cNvPr id="5" name="TextBox 4">
             <a:extLst>
               <a:ext uri="{FF2B5EF4-FFF2-40B4-BE49-F238E27FC236}">
-                <a16:creationId xmlns:a16="http://schemas.microsoft.com/office/drawing/2014/main" xmlns="" id="{3794A520-F449-4C01-ADBE-350780347DBD}"/>
+                <a16:creationId xmlns:a16="http://schemas.microsoft.com/office/drawing/2014/main" id="{3794A520-F449-4C01-ADBE-350780347DBD}"/>
               </a:ext>
             </a:extLst>
           </p:cNvPr>
@@ -14059,10 +14850,10 @@
           <p:cNvPr id="12" name="Straight Connector 11">
             <a:extLst>
               <a:ext uri="{FF2B5EF4-FFF2-40B4-BE49-F238E27FC236}">
-                <a16:creationId xmlns:a16="http://schemas.microsoft.com/office/drawing/2014/main" xmlns="" id="{7E7C77BC-7138-40B1-A15B-20F57A494629}"/>
+                <a16:creationId xmlns:a16="http://schemas.microsoft.com/office/drawing/2014/main" id="{7E7C77BC-7138-40B1-A15B-20F57A494629}"/>
               </a:ext>
               <a:ext uri="{C183D7F6-B498-43B3-948B-1728B52AA6E4}">
-                <adec:decorative xmlns:adec="http://schemas.microsoft.com/office/drawing/2017/decorative" xmlns="" val="1"/>
+                <adec:decorative xmlns:adec="http://schemas.microsoft.com/office/drawing/2017/decorative" val="1"/>
               </a:ext>
             </a:extLst>
           </p:cNvPr>
@@ -14072,7 +14863,7 @@
           <p:nvPr>
             <p:extLst>
               <p:ext uri="{386F3935-93C4-4BCD-93E2-E3B085C9AB24}">
-                <p16:designElem xmlns:p16="http://schemas.microsoft.com/office/powerpoint/2015/main" xmlns="" val="1"/>
+                <p16:designElem xmlns:p16="http://schemas.microsoft.com/office/powerpoint/2015/main" val="1"/>
               </p:ext>
             </p:extLst>
           </p:nvPr>
@@ -14111,7 +14902,7 @@
           <p:cNvPr id="2" name="Picture 1" descr="PCoA Parameters">
             <a:extLst>
               <a:ext uri="{FF2B5EF4-FFF2-40B4-BE49-F238E27FC236}">
-                <a16:creationId xmlns:a16="http://schemas.microsoft.com/office/drawing/2014/main" xmlns="" id="{08C978A4-1AD4-477E-99DC-F42B55A17613}"/>
+                <a16:creationId xmlns:a16="http://schemas.microsoft.com/office/drawing/2014/main" id="{08C978A4-1AD4-477E-99DC-F42B55A17613}"/>
               </a:ext>
             </a:extLst>
           </p:cNvPr>
@@ -14145,10 +14936,10 @@
           <p:cNvPr id="14" name="Straight Connector 13">
             <a:extLst>
               <a:ext uri="{FF2B5EF4-FFF2-40B4-BE49-F238E27FC236}">
-                <a16:creationId xmlns:a16="http://schemas.microsoft.com/office/drawing/2014/main" xmlns="" id="{DB146403-F3D6-484B-B2ED-97F9565D0370}"/>
+                <a16:creationId xmlns:a16="http://schemas.microsoft.com/office/drawing/2014/main" id="{DB146403-F3D6-484B-B2ED-97F9565D0370}"/>
               </a:ext>
               <a:ext uri="{C183D7F6-B498-43B3-948B-1728B52AA6E4}">
-                <adec:decorative xmlns:adec="http://schemas.microsoft.com/office/drawing/2017/decorative" xmlns="" val="1"/>
+                <adec:decorative xmlns:adec="http://schemas.microsoft.com/office/drawing/2017/decorative" val="1"/>
               </a:ext>
             </a:extLst>
           </p:cNvPr>
@@ -14158,7 +14949,7 @@
           <p:nvPr>
             <p:extLst>
               <p:ext uri="{386F3935-93C4-4BCD-93E2-E3B085C9AB24}">
-                <p16:designElem xmlns:p16="http://schemas.microsoft.com/office/powerpoint/2015/main" xmlns="" val="1"/>
+                <p16:designElem xmlns:p16="http://schemas.microsoft.com/office/powerpoint/2015/main" val="1"/>
               </p:ext>
             </p:extLst>
           </p:nvPr>
@@ -14197,7 +14988,7 @@
           <p:cNvPr id="4" name="Picture 3" descr="A screenshot of a cell phone&#10;&#10;Description automatically generated">
             <a:extLst>
               <a:ext uri="{FF2B5EF4-FFF2-40B4-BE49-F238E27FC236}">
-                <a16:creationId xmlns:a16="http://schemas.microsoft.com/office/drawing/2014/main" xmlns="" id="{11BF2DED-ACE6-42A0-A7FE-3E2757D76073}"/>
+                <a16:creationId xmlns:a16="http://schemas.microsoft.com/office/drawing/2014/main" id="{11BF2DED-ACE6-42A0-A7FE-3E2757D76073}"/>
               </a:ext>
             </a:extLst>
           </p:cNvPr>
@@ -14241,231 +15032,7 @@
 </p:sld>
 </file>
 
-<file path=ppt/slides/slide2.xml><?xml version="1.0" encoding="utf-8"?>
-<p:sld xmlns:a="http://schemas.openxmlformats.org/drawingml/2006/main" xmlns:r="http://schemas.openxmlformats.org/officeDocument/2006/relationships" xmlns:p="http://schemas.openxmlformats.org/presentationml/2006/main">
-  <p:cSld>
-    <p:spTree>
-      <p:nvGrpSpPr>
-        <p:cNvPr id="1" name=""/>
-        <p:cNvGrpSpPr/>
-        <p:nvPr/>
-      </p:nvGrpSpPr>
-      <p:grpSpPr>
-        <a:xfrm>
-          <a:off x="0" y="0"/>
-          <a:ext cx="0" cy="0"/>
-          <a:chOff x="0" y="0"/>
-          <a:chExt cx="0" cy="0"/>
-        </a:xfrm>
-      </p:grpSpPr>
-      <p:sp>
-        <p:nvSpPr>
-          <p:cNvPr id="2" name="Title 1">
-            <a:extLst>
-              <a:ext uri="{FF2B5EF4-FFF2-40B4-BE49-F238E27FC236}">
-                <a16:creationId xmlns:a16="http://schemas.microsoft.com/office/drawing/2014/main" xmlns="" id="{8D93BC33-2125-443B-A1A3-1A92A5247404}"/>
-              </a:ext>
-            </a:extLst>
-          </p:cNvPr>
-          <p:cNvSpPr>
-            <a:spLocks noGrp="1"/>
-          </p:cNvSpPr>
-          <p:nvPr>
-            <p:ph type="ctrTitle"/>
-          </p:nvPr>
-        </p:nvSpPr>
-        <p:spPr>
-          <a:xfrm>
-            <a:off x="242901" y="1039906"/>
-            <a:ext cx="11821887" cy="3079656"/>
-          </a:xfrm>
-        </p:spPr>
-        <p:txBody>
-          <a:bodyPr>
-            <a:normAutofit/>
-          </a:bodyPr>
-          <a:lstStyle/>
-          <a:p>
-            <a:r>
-              <a:rPr lang="en-US" dirty="0"/>
-              <a:t>Red Laser Steel Cobra Danger Unicorns</a:t>
-            </a:r>
-            <a:r>
-              <a:rPr lang="en-US" dirty="0">
-                <a:cs typeface="Calibri Light"/>
-              </a:rPr>
-              <a:t/>
-            </a:r>
-            <a:br>
-              <a:rPr lang="en-US" dirty="0">
-                <a:cs typeface="Calibri Light"/>
-              </a:rPr>
-            </a:br>
-            <a:r>
-              <a:rPr lang="en-US" sz="2000" dirty="0"/>
-              <a:t>Presents: </a:t>
-            </a:r>
-            <a:r>
-              <a:rPr lang="en-US" sz="2200" dirty="0"/>
-              <a:t>Lack of genetic isolation by distance, similar genetic</a:t>
-            </a:r>
-            <a:r>
-              <a:rPr lang="en-US" sz="2200" dirty="0">
-                <a:cs typeface="Calibri Light"/>
-              </a:rPr>
-              <a:t/>
-            </a:r>
-            <a:br>
-              <a:rPr lang="en-US" sz="2200" dirty="0">
-                <a:cs typeface="Calibri Light"/>
-              </a:rPr>
-            </a:br>
-            <a:r>
-              <a:rPr lang="en-US" sz="2200" dirty="0"/>
-              <a:t>structuring but different demographic histories in a fig pollinating</a:t>
-            </a:r>
-            <a:r>
-              <a:rPr lang="en-US" sz="2200" dirty="0">
-                <a:cs typeface="Calibri Light"/>
-              </a:rPr>
-              <a:t/>
-            </a:r>
-            <a:br>
-              <a:rPr lang="en-US" sz="2200" dirty="0">
-                <a:cs typeface="Calibri Light"/>
-              </a:rPr>
-            </a:br>
-            <a:r>
-              <a:rPr lang="en-US" sz="2200" dirty="0"/>
-              <a:t>wasp mutualism</a:t>
-            </a:r>
-            <a:r>
-              <a:rPr lang="en-US" sz="2200" dirty="0">
-                <a:cs typeface="Calibri Light"/>
-              </a:rPr>
-              <a:t/>
-            </a:r>
-            <a:br>
-              <a:rPr lang="en-US" sz="2200" dirty="0">
-                <a:cs typeface="Calibri Light"/>
-              </a:rPr>
-            </a:br>
-            <a:r>
-              <a:rPr lang="en-US" sz="2200" dirty="0"/>
-              <a:t>By:</a:t>
-            </a:r>
-            <a:r>
-              <a:rPr lang="en-US" sz="2200" dirty="0">
-                <a:cs typeface="Calibri Light"/>
-              </a:rPr>
-              <a:t/>
-            </a:r>
-            <a:br>
-              <a:rPr lang="en-US" sz="2200" dirty="0">
-                <a:cs typeface="Calibri Light"/>
-              </a:rPr>
-            </a:br>
-            <a:r>
-              <a:rPr lang="en-US" sz="2200" dirty="0"/>
-              <a:t>ENWEI TIAN, JOHN D. NASON, CARLOS A. MACHADO, LINNA ZHENG, HUI YU and</a:t>
-            </a:r>
-            <a:r>
-              <a:rPr lang="en-US" sz="2200" dirty="0">
-                <a:cs typeface="Calibri Light"/>
-              </a:rPr>
-              <a:t/>
-            </a:r>
-            <a:br>
-              <a:rPr lang="en-US" sz="2200" dirty="0">
-                <a:cs typeface="Calibri Light"/>
-              </a:rPr>
-            </a:br>
-            <a:r>
-              <a:rPr lang="en-US" sz="2200" dirty="0"/>
-              <a:t>FINN KJELLBERG</a:t>
-            </a:r>
-          </a:p>
-        </p:txBody>
-      </p:sp>
-      <p:sp>
-        <p:nvSpPr>
-          <p:cNvPr id="3" name="Subtitle 2">
-            <a:extLst>
-              <a:ext uri="{FF2B5EF4-FFF2-40B4-BE49-F238E27FC236}">
-                <a16:creationId xmlns:a16="http://schemas.microsoft.com/office/drawing/2014/main" xmlns="" id="{BF764F22-EE15-4C31-9B76-DCDCD3D2326C}"/>
-              </a:ext>
-            </a:extLst>
-          </p:cNvPr>
-          <p:cNvSpPr>
-            <a:spLocks noGrp="1"/>
-          </p:cNvSpPr>
-          <p:nvPr>
-            <p:ph type="subTitle" idx="1"/>
-          </p:nvPr>
-        </p:nvSpPr>
-        <p:spPr>
-          <a:xfrm>
-            <a:off x="1665515" y="5137991"/>
-            <a:ext cx="9144000" cy="1655762"/>
-          </a:xfrm>
-        </p:spPr>
-        <p:txBody>
-          <a:bodyPr vert="horz" lIns="91440" tIns="45720" rIns="91440" bIns="45720" rtlCol="0" anchor="t">
-            <a:normAutofit/>
-          </a:bodyPr>
-          <a:lstStyle/>
-          <a:p>
-            <a:r>
-              <a:rPr lang="en-US" dirty="0"/>
-              <a:t>Jose Lopez, Ashley Paulsen, Lyle Sisson, Jacob Zobrist </a:t>
-            </a:r>
-          </a:p>
-        </p:txBody>
-      </p:sp>
-      <p:pic>
-        <p:nvPicPr>
-          <p:cNvPr id="8" name="Picture 8">
-            <a:extLst>
-              <a:ext uri="{FF2B5EF4-FFF2-40B4-BE49-F238E27FC236}">
-                <a16:creationId xmlns:a16="http://schemas.microsoft.com/office/drawing/2014/main" xmlns="" id="{49696CD1-7F05-4911-8224-A2C1D313BD4F}"/>
-              </a:ext>
-            </a:extLst>
-          </p:cNvPr>
-          <p:cNvPicPr>
-            <a:picLocks noChangeAspect="1"/>
-          </p:cNvPicPr>
-          <p:nvPr/>
-        </p:nvPicPr>
-        <p:blipFill>
-          <a:blip r:embed="rId2"/>
-          <a:stretch>
-            <a:fillRect/>
-          </a:stretch>
-        </p:blipFill>
-        <p:spPr>
-          <a:xfrm>
-            <a:off x="10021530" y="4694521"/>
-            <a:ext cx="1378975" cy="1512474"/>
-          </a:xfrm>
-          <a:prstGeom prst="rect">
-            <a:avLst/>
-          </a:prstGeom>
-        </p:spPr>
-      </p:pic>
-    </p:spTree>
-    <p:extLst>
-      <p:ext uri="{BB962C8B-B14F-4D97-AF65-F5344CB8AC3E}">
-        <p14:creationId xmlns:p14="http://schemas.microsoft.com/office/powerpoint/2010/main" val="3084051005"/>
-      </p:ext>
-    </p:extLst>
-  </p:cSld>
-  <p:clrMapOvr>
-    <a:masterClrMapping/>
-  </p:clrMapOvr>
-</p:sld>
-</file>
-
-<file path=ppt/slides/slide20.xml><?xml version="1.0" encoding="utf-8"?>
+<file path=ppt/slides/slide21.xml><?xml version="1.0" encoding="utf-8"?>
 <p:sld xmlns:a="http://schemas.openxmlformats.org/drawingml/2006/main" xmlns:r="http://schemas.openxmlformats.org/officeDocument/2006/relationships" xmlns:p="http://schemas.openxmlformats.org/presentationml/2006/main">
   <p:cSld>
     <p:bg>
@@ -14495,10 +15062,10 @@
           <p:cNvPr id="10" name="Rectangle 9">
             <a:extLst>
               <a:ext uri="{FF2B5EF4-FFF2-40B4-BE49-F238E27FC236}">
-                <a16:creationId xmlns:a16="http://schemas.microsoft.com/office/drawing/2014/main" xmlns="" id="{823AC064-BC96-4F32-8AE1-B2FD38754823}"/>
+                <a16:creationId xmlns:a16="http://schemas.microsoft.com/office/drawing/2014/main" id="{823AC064-BC96-4F32-8AE1-B2FD38754823}"/>
               </a:ext>
               <a:ext uri="{C183D7F6-B498-43B3-948B-1728B52AA6E4}">
-                <adec:decorative xmlns:adec="http://schemas.microsoft.com/office/drawing/2017/decorative" xmlns="" val="1"/>
+                <adec:decorative xmlns:adec="http://schemas.microsoft.com/office/drawing/2017/decorative" val="1"/>
               </a:ext>
             </a:extLst>
           </p:cNvPr>
@@ -14508,7 +15075,7 @@
           <p:nvPr>
             <p:extLst>
               <p:ext uri="{386F3935-93C4-4BCD-93E2-E3B085C9AB24}">
-                <p16:designElem xmlns:p16="http://schemas.microsoft.com/office/powerpoint/2015/main" xmlns="" val="1"/>
+                <p16:designElem xmlns:p16="http://schemas.microsoft.com/office/powerpoint/2015/main" val="1"/>
               </p:ext>
             </p:extLst>
           </p:nvPr>
@@ -14589,7 +15156,7 @@
           <p:cNvPr id="3" name="TextBox 2">
             <a:extLst>
               <a:ext uri="{FF2B5EF4-FFF2-40B4-BE49-F238E27FC236}">
-                <a16:creationId xmlns:a16="http://schemas.microsoft.com/office/drawing/2014/main" xmlns="" id="{3F979A16-F2A8-475E-BA1B-52CCC3CA6AED}"/>
+                <a16:creationId xmlns:a16="http://schemas.microsoft.com/office/drawing/2014/main" id="{3F979A16-F2A8-475E-BA1B-52CCC3CA6AED}"/>
               </a:ext>
             </a:extLst>
           </p:cNvPr>
@@ -14686,10 +15253,10 @@
           <p:cNvPr id="12" name="Straight Connector 11">
             <a:extLst>
               <a:ext uri="{FF2B5EF4-FFF2-40B4-BE49-F238E27FC236}">
-                <a16:creationId xmlns:a16="http://schemas.microsoft.com/office/drawing/2014/main" xmlns="" id="{7E7C77BC-7138-40B1-A15B-20F57A494629}"/>
+                <a16:creationId xmlns:a16="http://schemas.microsoft.com/office/drawing/2014/main" id="{7E7C77BC-7138-40B1-A15B-20F57A494629}"/>
               </a:ext>
               <a:ext uri="{C183D7F6-B498-43B3-948B-1728B52AA6E4}">
-                <adec:decorative xmlns:adec="http://schemas.microsoft.com/office/drawing/2017/decorative" xmlns="" val="1"/>
+                <adec:decorative xmlns:adec="http://schemas.microsoft.com/office/drawing/2017/decorative" val="1"/>
               </a:ext>
             </a:extLst>
           </p:cNvPr>
@@ -14699,7 +15266,7 @@
           <p:nvPr>
             <p:extLst>
               <p:ext uri="{386F3935-93C4-4BCD-93E2-E3B085C9AB24}">
-                <p16:designElem xmlns:p16="http://schemas.microsoft.com/office/powerpoint/2015/main" xmlns="" val="1"/>
+                <p16:designElem xmlns:p16="http://schemas.microsoft.com/office/powerpoint/2015/main" val="1"/>
               </p:ext>
             </p:extLst>
           </p:nvPr>
@@ -14738,7 +15305,7 @@
           <p:cNvPr id="2" name="Picture 1" descr="Mantel Parameters">
             <a:extLst>
               <a:ext uri="{FF2B5EF4-FFF2-40B4-BE49-F238E27FC236}">
-                <a16:creationId xmlns:a16="http://schemas.microsoft.com/office/drawing/2014/main" xmlns="" id="{92C592CB-BD9E-4803-BFA8-6499264D6FF1}"/>
+                <a16:creationId xmlns:a16="http://schemas.microsoft.com/office/drawing/2014/main" id="{92C592CB-BD9E-4803-BFA8-6499264D6FF1}"/>
               </a:ext>
             </a:extLst>
           </p:cNvPr>
@@ -14772,10 +15339,10 @@
           <p:cNvPr id="14" name="Straight Connector 13">
             <a:extLst>
               <a:ext uri="{FF2B5EF4-FFF2-40B4-BE49-F238E27FC236}">
-                <a16:creationId xmlns:a16="http://schemas.microsoft.com/office/drawing/2014/main" xmlns="" id="{DB146403-F3D6-484B-B2ED-97F9565D0370}"/>
+                <a16:creationId xmlns:a16="http://schemas.microsoft.com/office/drawing/2014/main" id="{DB146403-F3D6-484B-B2ED-97F9565D0370}"/>
               </a:ext>
               <a:ext uri="{C183D7F6-B498-43B3-948B-1728B52AA6E4}">
-                <adec:decorative xmlns:adec="http://schemas.microsoft.com/office/drawing/2017/decorative" xmlns="" val="1"/>
+                <adec:decorative xmlns:adec="http://schemas.microsoft.com/office/drawing/2017/decorative" val="1"/>
               </a:ext>
             </a:extLst>
           </p:cNvPr>
@@ -14785,7 +15352,7 @@
           <p:nvPr>
             <p:extLst>
               <p:ext uri="{386F3935-93C4-4BCD-93E2-E3B085C9AB24}">
-                <p16:designElem xmlns:p16="http://schemas.microsoft.com/office/powerpoint/2015/main" xmlns="" val="1"/>
+                <p16:designElem xmlns:p16="http://schemas.microsoft.com/office/powerpoint/2015/main" val="1"/>
               </p:ext>
             </p:extLst>
           </p:nvPr>
@@ -14824,7 +15391,7 @@
           <p:cNvPr id="5" name="Picture 4" descr="A screenshot of a social media post&#10;&#10;Description automatically generated">
             <a:extLst>
               <a:ext uri="{FF2B5EF4-FFF2-40B4-BE49-F238E27FC236}">
-                <a16:creationId xmlns:a16="http://schemas.microsoft.com/office/drawing/2014/main" xmlns="" id="{6F31B74F-F34C-47B0-9A20-AEA0CFF44A43}"/>
+                <a16:creationId xmlns:a16="http://schemas.microsoft.com/office/drawing/2014/main" id="{6F31B74F-F34C-47B0-9A20-AEA0CFF44A43}"/>
               </a:ext>
             </a:extLst>
           </p:cNvPr>
@@ -14868,7 +15435,7 @@
 </p:sld>
 </file>
 
-<file path=ppt/slides/slide21.xml><?xml version="1.0" encoding="utf-8"?>
+<file path=ppt/slides/slide22.xml><?xml version="1.0" encoding="utf-8"?>
 <p:sld xmlns:a="http://schemas.openxmlformats.org/drawingml/2006/main" xmlns:r="http://schemas.openxmlformats.org/officeDocument/2006/relationships" xmlns:p="http://schemas.openxmlformats.org/presentationml/2006/main">
   <p:cSld>
     <p:bg>
@@ -14898,10 +15465,10 @@
           <p:cNvPr id="12" name="Straight Connector 11">
             <a:extLst>
               <a:ext uri="{FF2B5EF4-FFF2-40B4-BE49-F238E27FC236}">
-                <a16:creationId xmlns:a16="http://schemas.microsoft.com/office/drawing/2014/main" xmlns="" id="{99AE2756-0FC4-4155-83E7-58AAAB63E757}"/>
+                <a16:creationId xmlns:a16="http://schemas.microsoft.com/office/drawing/2014/main" id="{99AE2756-0FC4-4155-83E7-58AAAB63E757}"/>
               </a:ext>
               <a:ext uri="{C183D7F6-B498-43B3-948B-1728B52AA6E4}">
-                <adec:decorative xmlns:adec="http://schemas.microsoft.com/office/drawing/2017/decorative" xmlns="" val="1"/>
+                <adec:decorative xmlns:adec="http://schemas.microsoft.com/office/drawing/2017/decorative" val="1"/>
               </a:ext>
             </a:extLst>
           </p:cNvPr>
@@ -14911,7 +15478,7 @@
           <p:nvPr>
             <p:extLst>
               <p:ext uri="{386F3935-93C4-4BCD-93E2-E3B085C9AB24}">
-                <p16:designElem xmlns:p16="http://schemas.microsoft.com/office/powerpoint/2015/main" xmlns="" val="1"/>
+                <p16:designElem xmlns:p16="http://schemas.microsoft.com/office/powerpoint/2015/main" val="1"/>
               </p:ext>
             </p:extLst>
           </p:nvPr>
@@ -14950,10 +15517,10 @@
           <p:cNvPr id="14" name="Rectangle 13">
             <a:extLst>
               <a:ext uri="{FF2B5EF4-FFF2-40B4-BE49-F238E27FC236}">
-                <a16:creationId xmlns:a16="http://schemas.microsoft.com/office/drawing/2014/main" xmlns="" id="{247AB924-1B87-43FC-B7C7-B112D5C51A0E}"/>
+                <a16:creationId xmlns:a16="http://schemas.microsoft.com/office/drawing/2014/main" id="{247AB924-1B87-43FC-B7C7-B112D5C51A0E}"/>
               </a:ext>
               <a:ext uri="{C183D7F6-B498-43B3-948B-1728B52AA6E4}">
-                <adec:decorative xmlns:adec="http://schemas.microsoft.com/office/drawing/2017/decorative" xmlns="" val="1"/>
+                <adec:decorative xmlns:adec="http://schemas.microsoft.com/office/drawing/2017/decorative" val="1"/>
               </a:ext>
             </a:extLst>
           </p:cNvPr>
@@ -14963,7 +15530,7 @@
           <p:nvPr>
             <p:extLst>
               <p:ext uri="{386F3935-93C4-4BCD-93E2-E3B085C9AB24}">
-                <p16:designElem xmlns:p16="http://schemas.microsoft.com/office/powerpoint/2015/main" xmlns="" val="1"/>
+                <p16:designElem xmlns:p16="http://schemas.microsoft.com/office/powerpoint/2015/main" val="1"/>
               </p:ext>
             </p:extLst>
           </p:nvPr>
@@ -15044,7 +15611,7 @@
           <p:cNvPr id="3" name="TextBox 2">
             <a:extLst>
               <a:ext uri="{FF2B5EF4-FFF2-40B4-BE49-F238E27FC236}">
-                <a16:creationId xmlns:a16="http://schemas.microsoft.com/office/drawing/2014/main" xmlns="" id="{F1918BDF-C7E0-438D-9B1F-42A083A83EBE}"/>
+                <a16:creationId xmlns:a16="http://schemas.microsoft.com/office/drawing/2014/main" id="{F1918BDF-C7E0-438D-9B1F-42A083A83EBE}"/>
               </a:ext>
             </a:extLst>
           </p:cNvPr>
@@ -15141,7 +15708,7 @@
           <p:cNvPr id="7" name="Picture 6" descr="A screenshot of a social media post&#10;&#10;Description automatically generated">
             <a:extLst>
               <a:ext uri="{FF2B5EF4-FFF2-40B4-BE49-F238E27FC236}">
-                <a16:creationId xmlns:a16="http://schemas.microsoft.com/office/drawing/2014/main" xmlns="" id="{66CC3BC1-C28E-4A13-BB1C-6CBEFF1D1E59}"/>
+                <a16:creationId xmlns:a16="http://schemas.microsoft.com/office/drawing/2014/main" id="{66CC3BC1-C28E-4A13-BB1C-6CBEFF1D1E59}"/>
               </a:ext>
             </a:extLst>
           </p:cNvPr>
@@ -15177,7 +15744,7 @@
           <p:cNvPr id="5" name="Picture 4" descr="A screenshot of a cell phone&#10;&#10;Description automatically generated">
             <a:extLst>
               <a:ext uri="{FF2B5EF4-FFF2-40B4-BE49-F238E27FC236}">
-                <a16:creationId xmlns:a16="http://schemas.microsoft.com/office/drawing/2014/main" xmlns="" id="{CB61A0A3-BD12-4CDB-832E-3BF82775C6C9}"/>
+                <a16:creationId xmlns:a16="http://schemas.microsoft.com/office/drawing/2014/main" id="{CB61A0A3-BD12-4CDB-832E-3BF82775C6C9}"/>
               </a:ext>
             </a:extLst>
           </p:cNvPr>
@@ -15213,10 +15780,10 @@
           <p:cNvPr id="16" name="Straight Connector 15">
             <a:extLst>
               <a:ext uri="{FF2B5EF4-FFF2-40B4-BE49-F238E27FC236}">
-                <a16:creationId xmlns:a16="http://schemas.microsoft.com/office/drawing/2014/main" xmlns="" id="{818DC98F-4057-4645-B948-F604F39A9CFE}"/>
+                <a16:creationId xmlns:a16="http://schemas.microsoft.com/office/drawing/2014/main" id="{818DC98F-4057-4645-B948-F604F39A9CFE}"/>
               </a:ext>
               <a:ext uri="{C183D7F6-B498-43B3-948B-1728B52AA6E4}">
-                <adec:decorative xmlns:adec="http://schemas.microsoft.com/office/drawing/2017/decorative" xmlns="" val="1"/>
+                <adec:decorative xmlns:adec="http://schemas.microsoft.com/office/drawing/2017/decorative" val="1"/>
               </a:ext>
             </a:extLst>
           </p:cNvPr>
@@ -15226,7 +15793,7 @@
           <p:nvPr>
             <p:extLst>
               <p:ext uri="{386F3935-93C4-4BCD-93E2-E3B085C9AB24}">
-                <p16:designElem xmlns:p16="http://schemas.microsoft.com/office/powerpoint/2015/main" xmlns="" val="1"/>
+                <p16:designElem xmlns:p16="http://schemas.microsoft.com/office/powerpoint/2015/main" val="1"/>
               </p:ext>
             </p:extLst>
           </p:nvPr>
@@ -15265,7 +15832,7 @@
           <p:cNvPr id="2" name="Picture 1" descr="Mantel Parameters">
             <a:extLst>
               <a:ext uri="{FF2B5EF4-FFF2-40B4-BE49-F238E27FC236}">
-                <a16:creationId xmlns:a16="http://schemas.microsoft.com/office/drawing/2014/main" xmlns="" id="{E4DDE1B6-FED0-4CFF-9569-8C2A41D20541}"/>
+                <a16:creationId xmlns:a16="http://schemas.microsoft.com/office/drawing/2014/main" id="{E4DDE1B6-FED0-4CFF-9569-8C2A41D20541}"/>
               </a:ext>
             </a:extLst>
           </p:cNvPr>
@@ -15299,10 +15866,10 @@
           <p:cNvPr id="18" name="Straight Connector 17">
             <a:extLst>
               <a:ext uri="{FF2B5EF4-FFF2-40B4-BE49-F238E27FC236}">
-                <a16:creationId xmlns:a16="http://schemas.microsoft.com/office/drawing/2014/main" xmlns="" id="{DAD2B705-4A9B-408D-AA80-4F41045E09DE}"/>
+                <a16:creationId xmlns:a16="http://schemas.microsoft.com/office/drawing/2014/main" id="{DAD2B705-4A9B-408D-AA80-4F41045E09DE}"/>
               </a:ext>
               <a:ext uri="{C183D7F6-B498-43B3-948B-1728B52AA6E4}">
-                <adec:decorative xmlns:adec="http://schemas.microsoft.com/office/drawing/2017/decorative" xmlns="" val="1"/>
+                <adec:decorative xmlns:adec="http://schemas.microsoft.com/office/drawing/2017/decorative" val="1"/>
               </a:ext>
             </a:extLst>
           </p:cNvPr>
@@ -15312,7 +15879,7 @@
           <p:nvPr>
             <p:extLst>
               <p:ext uri="{386F3935-93C4-4BCD-93E2-E3B085C9AB24}">
-                <p16:designElem xmlns:p16="http://schemas.microsoft.com/office/powerpoint/2015/main" xmlns="" val="1"/>
+                <p16:designElem xmlns:p16="http://schemas.microsoft.com/office/powerpoint/2015/main" val="1"/>
               </p:ext>
             </p:extLst>
           </p:nvPr>
@@ -15359,7 +15926,7 @@
 </p:sld>
 </file>
 
-<file path=ppt/slides/slide22.xml><?xml version="1.0" encoding="utf-8"?>
+<file path=ppt/slides/slide23.xml><?xml version="1.0" encoding="utf-8"?>
 <p:sld xmlns:a="http://schemas.openxmlformats.org/drawingml/2006/main" xmlns:r="http://schemas.openxmlformats.org/officeDocument/2006/relationships" xmlns:p="http://schemas.openxmlformats.org/presentationml/2006/main">
   <p:cSld>
     <p:spTree>
@@ -15381,7 +15948,7 @@
           <p:cNvPr id="2" name="Title 1">
             <a:extLst>
               <a:ext uri="{FF2B5EF4-FFF2-40B4-BE49-F238E27FC236}">
-                <a16:creationId xmlns:a16="http://schemas.microsoft.com/office/drawing/2014/main" xmlns="" id="{DB17A8D2-24EE-4685-9DB1-C27742E47992}"/>
+                <a16:creationId xmlns:a16="http://schemas.microsoft.com/office/drawing/2014/main" id="{DB17A8D2-24EE-4685-9DB1-C27742E47992}"/>
               </a:ext>
             </a:extLst>
           </p:cNvPr>
@@ -15412,7 +15979,7 @@
           <p:cNvPr id="5" name="Picture 5" descr="A screenshot of a social media post&#10;&#10;Description generated with very high confidence">
             <a:extLst>
               <a:ext uri="{FF2B5EF4-FFF2-40B4-BE49-F238E27FC236}">
-                <a16:creationId xmlns:a16="http://schemas.microsoft.com/office/drawing/2014/main" xmlns="" id="{9DA0EB27-7A5A-49DB-96D8-A1D8F462F8E5}"/>
+                <a16:creationId xmlns:a16="http://schemas.microsoft.com/office/drawing/2014/main" id="{9DA0EB27-7A5A-49DB-96D8-A1D8F462F8E5}"/>
               </a:ext>
             </a:extLst>
           </p:cNvPr>
@@ -15441,7 +16008,7 @@
           <p:cNvPr id="4" name="Text Placeholder 3">
             <a:extLst>
               <a:ext uri="{FF2B5EF4-FFF2-40B4-BE49-F238E27FC236}">
-                <a16:creationId xmlns:a16="http://schemas.microsoft.com/office/drawing/2014/main" xmlns="" id="{85B3365F-BB9D-439D-87E8-2B758F3CCE2B}"/>
+                <a16:creationId xmlns:a16="http://schemas.microsoft.com/office/drawing/2014/main" id="{85B3365F-BB9D-439D-87E8-2B758F3CCE2B}"/>
               </a:ext>
             </a:extLst>
           </p:cNvPr>
@@ -15486,7 +16053,7 @@
 </p:sld>
 </file>
 
-<file path=ppt/slides/slide23.xml><?xml version="1.0" encoding="utf-8"?>
+<file path=ppt/slides/slide24.xml><?xml version="1.0" encoding="utf-8"?>
 <p:sld xmlns:a="http://schemas.openxmlformats.org/drawingml/2006/main" xmlns:r="http://schemas.openxmlformats.org/officeDocument/2006/relationships" xmlns:p="http://schemas.openxmlformats.org/presentationml/2006/main">
   <p:cSld>
     <p:spTree>
@@ -15508,7 +16075,7 @@
           <p:cNvPr id="3" name="Picture 2" descr="A screenshot of a cell phone&#10;&#10;Description automatically generated">
             <a:extLst>
               <a:ext uri="{FF2B5EF4-FFF2-40B4-BE49-F238E27FC236}">
-                <a16:creationId xmlns:a16="http://schemas.microsoft.com/office/drawing/2014/main" xmlns="" id="{0EF07514-0281-4616-9025-4F030C16C136}"/>
+                <a16:creationId xmlns:a16="http://schemas.microsoft.com/office/drawing/2014/main" id="{0EF07514-0281-4616-9025-4F030C16C136}"/>
               </a:ext>
             </a:extLst>
           </p:cNvPr>
@@ -15552,7 +16119,7 @@
 </p:sld>
 </file>
 
-<file path=ppt/slides/slide24.xml><?xml version="1.0" encoding="utf-8"?>
+<file path=ppt/slides/slide25.xml><?xml version="1.0" encoding="utf-8"?>
 <p:sld xmlns:a="http://schemas.openxmlformats.org/drawingml/2006/main" xmlns:r="http://schemas.openxmlformats.org/officeDocument/2006/relationships" xmlns:p="http://schemas.openxmlformats.org/presentationml/2006/main">
   <p:cSld>
     <p:spTree>
@@ -15574,7 +16141,7 @@
           <p:cNvPr id="2" name="Title 1">
             <a:extLst>
               <a:ext uri="{FF2B5EF4-FFF2-40B4-BE49-F238E27FC236}">
-                <a16:creationId xmlns:a16="http://schemas.microsoft.com/office/drawing/2014/main" xmlns="" id="{EAF7BE2A-8F31-4C9A-8DB8-4D26D08DAC9A}"/>
+                <a16:creationId xmlns:a16="http://schemas.microsoft.com/office/drawing/2014/main" id="{EAF7BE2A-8F31-4C9A-8DB8-4D26D08DAC9A}"/>
               </a:ext>
             </a:extLst>
           </p:cNvPr>
@@ -15602,7 +16169,7 @@
           <p:cNvPr id="3" name="Text Placeholder 2">
             <a:extLst>
               <a:ext uri="{FF2B5EF4-FFF2-40B4-BE49-F238E27FC236}">
-                <a16:creationId xmlns:a16="http://schemas.microsoft.com/office/drawing/2014/main" xmlns="" id="{2D8285C2-1682-48BC-BF2A-67D67FB39801}"/>
+                <a16:creationId xmlns:a16="http://schemas.microsoft.com/office/drawing/2014/main" id="{2D8285C2-1682-48BC-BF2A-67D67FB39801}"/>
               </a:ext>
             </a:extLst>
           </p:cNvPr>
@@ -15635,7 +16202,7 @@
           <p:cNvPr id="8" name="Content Placeholder 7">
             <a:extLst>
               <a:ext uri="{FF2B5EF4-FFF2-40B4-BE49-F238E27FC236}">
-                <a16:creationId xmlns:a16="http://schemas.microsoft.com/office/drawing/2014/main" xmlns="" id="{FC36DEC9-CCEF-4750-8BCE-2E3A9A6CC6C2}"/>
+                <a16:creationId xmlns:a16="http://schemas.microsoft.com/office/drawing/2014/main" id="{FC36DEC9-CCEF-4750-8BCE-2E3A9A6CC6C2}"/>
               </a:ext>
             </a:extLst>
           </p:cNvPr>
@@ -15659,49 +16226,49 @@
                 <a:gridCol w="673667">
                   <a:extLst>
                     <a:ext uri="{9D8B030D-6E8A-4147-A177-3AD203B41FA5}">
-                      <a16:colId xmlns:a16="http://schemas.microsoft.com/office/drawing/2014/main" xmlns="" val="2214563673"/>
+                      <a16:colId xmlns:a16="http://schemas.microsoft.com/office/drawing/2014/main" val="2214563673"/>
                     </a:ext>
                   </a:extLst>
                 </a:gridCol>
                 <a:gridCol w="673667">
                   <a:extLst>
                     <a:ext uri="{9D8B030D-6E8A-4147-A177-3AD203B41FA5}">
-                      <a16:colId xmlns:a16="http://schemas.microsoft.com/office/drawing/2014/main" xmlns="" val="2770374087"/>
+                      <a16:colId xmlns:a16="http://schemas.microsoft.com/office/drawing/2014/main" val="2770374087"/>
                     </a:ext>
                   </a:extLst>
                 </a:gridCol>
                 <a:gridCol w="673667">
                   <a:extLst>
                     <a:ext uri="{9D8B030D-6E8A-4147-A177-3AD203B41FA5}">
-                      <a16:colId xmlns:a16="http://schemas.microsoft.com/office/drawing/2014/main" xmlns="" val="2670848707"/>
+                      <a16:colId xmlns:a16="http://schemas.microsoft.com/office/drawing/2014/main" val="2670848707"/>
                     </a:ext>
                   </a:extLst>
                 </a:gridCol>
                 <a:gridCol w="673667">
                   <a:extLst>
                     <a:ext uri="{9D8B030D-6E8A-4147-A177-3AD203B41FA5}">
-                      <a16:colId xmlns:a16="http://schemas.microsoft.com/office/drawing/2014/main" xmlns="" val="39131114"/>
+                      <a16:colId xmlns:a16="http://schemas.microsoft.com/office/drawing/2014/main" val="39131114"/>
                     </a:ext>
                   </a:extLst>
                 </a:gridCol>
                 <a:gridCol w="673667">
                   <a:extLst>
                     <a:ext uri="{9D8B030D-6E8A-4147-A177-3AD203B41FA5}">
-                      <a16:colId xmlns:a16="http://schemas.microsoft.com/office/drawing/2014/main" xmlns="" val="1417591246"/>
+                      <a16:colId xmlns:a16="http://schemas.microsoft.com/office/drawing/2014/main" val="1417591246"/>
                     </a:ext>
                   </a:extLst>
                 </a:gridCol>
                 <a:gridCol w="673667">
                   <a:extLst>
                     <a:ext uri="{9D8B030D-6E8A-4147-A177-3AD203B41FA5}">
-                      <a16:colId xmlns:a16="http://schemas.microsoft.com/office/drawing/2014/main" xmlns="" val="2114149488"/>
+                      <a16:colId xmlns:a16="http://schemas.microsoft.com/office/drawing/2014/main" val="2114149488"/>
                     </a:ext>
                   </a:extLst>
                 </a:gridCol>
                 <a:gridCol w="673667">
                   <a:extLst>
                     <a:ext uri="{9D8B030D-6E8A-4147-A177-3AD203B41FA5}">
-                      <a16:colId xmlns:a16="http://schemas.microsoft.com/office/drawing/2014/main" xmlns="" val="920685898"/>
+                      <a16:colId xmlns:a16="http://schemas.microsoft.com/office/drawing/2014/main" val="920685898"/>
                     </a:ext>
                   </a:extLst>
                 </a:gridCol>
@@ -15991,7 +16558,7 @@
                 </a:tc>
                 <a:extLst>
                   <a:ext uri="{0D108BD9-81ED-4DB2-BD59-A6C34878D82A}">
-                    <a16:rowId xmlns:a16="http://schemas.microsoft.com/office/drawing/2014/main" xmlns="" val="2183826126"/>
+                    <a16:rowId xmlns:a16="http://schemas.microsoft.com/office/drawing/2014/main" val="2183826126"/>
                   </a:ext>
                 </a:extLst>
               </a:tr>
@@ -16229,7 +16796,7 @@
                 </a:tc>
                 <a:extLst>
                   <a:ext uri="{0D108BD9-81ED-4DB2-BD59-A6C34878D82A}">
-                    <a16:rowId xmlns:a16="http://schemas.microsoft.com/office/drawing/2014/main" xmlns="" val="613388021"/>
+                    <a16:rowId xmlns:a16="http://schemas.microsoft.com/office/drawing/2014/main" val="613388021"/>
                   </a:ext>
                 </a:extLst>
               </a:tr>
@@ -16467,7 +17034,7 @@
                 </a:tc>
                 <a:extLst>
                   <a:ext uri="{0D108BD9-81ED-4DB2-BD59-A6C34878D82A}">
-                    <a16:rowId xmlns:a16="http://schemas.microsoft.com/office/drawing/2014/main" xmlns="" val="1540082166"/>
+                    <a16:rowId xmlns:a16="http://schemas.microsoft.com/office/drawing/2014/main" val="1540082166"/>
                   </a:ext>
                 </a:extLst>
               </a:tr>
@@ -16705,7 +17272,7 @@
                 </a:tc>
                 <a:extLst>
                   <a:ext uri="{0D108BD9-81ED-4DB2-BD59-A6C34878D82A}">
-                    <a16:rowId xmlns:a16="http://schemas.microsoft.com/office/drawing/2014/main" xmlns="" val="1586446068"/>
+                    <a16:rowId xmlns:a16="http://schemas.microsoft.com/office/drawing/2014/main" val="1586446068"/>
                   </a:ext>
                 </a:extLst>
               </a:tr>
@@ -16943,7 +17510,7 @@
                 </a:tc>
                 <a:extLst>
                   <a:ext uri="{0D108BD9-81ED-4DB2-BD59-A6C34878D82A}">
-                    <a16:rowId xmlns:a16="http://schemas.microsoft.com/office/drawing/2014/main" xmlns="" val="2318409494"/>
+                    <a16:rowId xmlns:a16="http://schemas.microsoft.com/office/drawing/2014/main" val="2318409494"/>
                   </a:ext>
                 </a:extLst>
               </a:tr>
@@ -17181,7 +17748,7 @@
                 </a:tc>
                 <a:extLst>
                   <a:ext uri="{0D108BD9-81ED-4DB2-BD59-A6C34878D82A}">
-                    <a16:rowId xmlns:a16="http://schemas.microsoft.com/office/drawing/2014/main" xmlns="" val="2753326412"/>
+                    <a16:rowId xmlns:a16="http://schemas.microsoft.com/office/drawing/2014/main" val="2753326412"/>
                   </a:ext>
                 </a:extLst>
               </a:tr>
@@ -17419,7 +17986,7 @@
                 </a:tc>
                 <a:extLst>
                   <a:ext uri="{0D108BD9-81ED-4DB2-BD59-A6C34878D82A}">
-                    <a16:rowId xmlns:a16="http://schemas.microsoft.com/office/drawing/2014/main" xmlns="" val="711321819"/>
+                    <a16:rowId xmlns:a16="http://schemas.microsoft.com/office/drawing/2014/main" val="711321819"/>
                   </a:ext>
                 </a:extLst>
               </a:tr>
@@ -17657,7 +18224,7 @@
                 </a:tc>
                 <a:extLst>
                   <a:ext uri="{0D108BD9-81ED-4DB2-BD59-A6C34878D82A}">
-                    <a16:rowId xmlns:a16="http://schemas.microsoft.com/office/drawing/2014/main" xmlns="" val="3705139618"/>
+                    <a16:rowId xmlns:a16="http://schemas.microsoft.com/office/drawing/2014/main" val="3705139618"/>
                   </a:ext>
                 </a:extLst>
               </a:tr>
@@ -17895,7 +18462,7 @@
                 </a:tc>
                 <a:extLst>
                   <a:ext uri="{0D108BD9-81ED-4DB2-BD59-A6C34878D82A}">
-                    <a16:rowId xmlns:a16="http://schemas.microsoft.com/office/drawing/2014/main" xmlns="" val="1673376386"/>
+                    <a16:rowId xmlns:a16="http://schemas.microsoft.com/office/drawing/2014/main" val="1673376386"/>
                   </a:ext>
                 </a:extLst>
               </a:tr>
@@ -18133,7 +18700,7 @@
                 </a:tc>
                 <a:extLst>
                   <a:ext uri="{0D108BD9-81ED-4DB2-BD59-A6C34878D82A}">
-                    <a16:rowId xmlns:a16="http://schemas.microsoft.com/office/drawing/2014/main" xmlns="" val="622472685"/>
+                    <a16:rowId xmlns:a16="http://schemas.microsoft.com/office/drawing/2014/main" val="622472685"/>
                   </a:ext>
                 </a:extLst>
               </a:tr>
@@ -18371,7 +18938,7 @@
                 </a:tc>
                 <a:extLst>
                   <a:ext uri="{0D108BD9-81ED-4DB2-BD59-A6C34878D82A}">
-                    <a16:rowId xmlns:a16="http://schemas.microsoft.com/office/drawing/2014/main" xmlns="" val="1957052003"/>
+                    <a16:rowId xmlns:a16="http://schemas.microsoft.com/office/drawing/2014/main" val="1957052003"/>
                   </a:ext>
                 </a:extLst>
               </a:tr>
@@ -18609,7 +19176,7 @@
                 </a:tc>
                 <a:extLst>
                   <a:ext uri="{0D108BD9-81ED-4DB2-BD59-A6C34878D82A}">
-                    <a16:rowId xmlns:a16="http://schemas.microsoft.com/office/drawing/2014/main" xmlns="" val="705315766"/>
+                    <a16:rowId xmlns:a16="http://schemas.microsoft.com/office/drawing/2014/main" val="705315766"/>
                   </a:ext>
                 </a:extLst>
               </a:tr>
@@ -18847,7 +19414,7 @@
                 </a:tc>
                 <a:extLst>
                   <a:ext uri="{0D108BD9-81ED-4DB2-BD59-A6C34878D82A}">
-                    <a16:rowId xmlns:a16="http://schemas.microsoft.com/office/drawing/2014/main" xmlns="" val="3135147402"/>
+                    <a16:rowId xmlns:a16="http://schemas.microsoft.com/office/drawing/2014/main" val="3135147402"/>
                   </a:ext>
                 </a:extLst>
               </a:tr>
@@ -18860,7 +19427,7 @@
           <p:cNvPr id="5" name="Text Placeholder 4">
             <a:extLst>
               <a:ext uri="{FF2B5EF4-FFF2-40B4-BE49-F238E27FC236}">
-                <a16:creationId xmlns:a16="http://schemas.microsoft.com/office/drawing/2014/main" xmlns="" id="{62EA84FA-0DFE-46AF-B61E-D05680727CBC}"/>
+                <a16:creationId xmlns:a16="http://schemas.microsoft.com/office/drawing/2014/main" id="{62EA84FA-0DFE-46AF-B61E-D05680727CBC}"/>
               </a:ext>
             </a:extLst>
           </p:cNvPr>
@@ -18893,7 +19460,7 @@
           <p:cNvPr id="7" name="Content Placeholder 6">
             <a:extLst>
               <a:ext uri="{FF2B5EF4-FFF2-40B4-BE49-F238E27FC236}">
-                <a16:creationId xmlns:a16="http://schemas.microsoft.com/office/drawing/2014/main" xmlns="" id="{9D902727-A943-4B3C-A93B-4B425AAB7465}"/>
+                <a16:creationId xmlns:a16="http://schemas.microsoft.com/office/drawing/2014/main" id="{9D902727-A943-4B3C-A93B-4B425AAB7465}"/>
               </a:ext>
             </a:extLst>
           </p:cNvPr>
@@ -18917,49 +19484,49 @@
                 <a:gridCol w="740455">
                   <a:extLst>
                     <a:ext uri="{9D8B030D-6E8A-4147-A177-3AD203B41FA5}">
-                      <a16:colId xmlns:a16="http://schemas.microsoft.com/office/drawing/2014/main" xmlns="" val="531173556"/>
+                      <a16:colId xmlns:a16="http://schemas.microsoft.com/office/drawing/2014/main" val="531173556"/>
                     </a:ext>
                   </a:extLst>
                 </a:gridCol>
                 <a:gridCol w="740455">
                   <a:extLst>
                     <a:ext uri="{9D8B030D-6E8A-4147-A177-3AD203B41FA5}">
-                      <a16:colId xmlns:a16="http://schemas.microsoft.com/office/drawing/2014/main" xmlns="" val="3437889242"/>
+                      <a16:colId xmlns:a16="http://schemas.microsoft.com/office/drawing/2014/main" val="3437889242"/>
                     </a:ext>
                   </a:extLst>
                 </a:gridCol>
                 <a:gridCol w="740455">
                   <a:extLst>
                     <a:ext uri="{9D8B030D-6E8A-4147-A177-3AD203B41FA5}">
-                      <a16:colId xmlns:a16="http://schemas.microsoft.com/office/drawing/2014/main" xmlns="" val="3985332295"/>
+                      <a16:colId xmlns:a16="http://schemas.microsoft.com/office/drawing/2014/main" val="3985332295"/>
                     </a:ext>
                   </a:extLst>
                 </a:gridCol>
                 <a:gridCol w="740455">
                   <a:extLst>
                     <a:ext uri="{9D8B030D-6E8A-4147-A177-3AD203B41FA5}">
-                      <a16:colId xmlns:a16="http://schemas.microsoft.com/office/drawing/2014/main" xmlns="" val="4090869924"/>
+                      <a16:colId xmlns:a16="http://schemas.microsoft.com/office/drawing/2014/main" val="4090869924"/>
                     </a:ext>
                   </a:extLst>
                 </a:gridCol>
                 <a:gridCol w="740455">
                   <a:extLst>
                     <a:ext uri="{9D8B030D-6E8A-4147-A177-3AD203B41FA5}">
-                      <a16:colId xmlns:a16="http://schemas.microsoft.com/office/drawing/2014/main" xmlns="" val="708826195"/>
+                      <a16:colId xmlns:a16="http://schemas.microsoft.com/office/drawing/2014/main" val="708826195"/>
                     </a:ext>
                   </a:extLst>
                 </a:gridCol>
                 <a:gridCol w="740455">
                   <a:extLst>
                     <a:ext uri="{9D8B030D-6E8A-4147-A177-3AD203B41FA5}">
-                      <a16:colId xmlns:a16="http://schemas.microsoft.com/office/drawing/2014/main" xmlns="" val="182039853"/>
+                      <a16:colId xmlns:a16="http://schemas.microsoft.com/office/drawing/2014/main" val="182039853"/>
                     </a:ext>
                   </a:extLst>
                 </a:gridCol>
                 <a:gridCol w="740455">
                   <a:extLst>
                     <a:ext uri="{9D8B030D-6E8A-4147-A177-3AD203B41FA5}">
-                      <a16:colId xmlns:a16="http://schemas.microsoft.com/office/drawing/2014/main" xmlns="" val="1707572657"/>
+                      <a16:colId xmlns:a16="http://schemas.microsoft.com/office/drawing/2014/main" val="1707572657"/>
                     </a:ext>
                   </a:extLst>
                 </a:gridCol>
@@ -19173,7 +19740,7 @@
                 </a:tc>
                 <a:extLst>
                   <a:ext uri="{0D108BD9-81ED-4DB2-BD59-A6C34878D82A}">
-                    <a16:rowId xmlns:a16="http://schemas.microsoft.com/office/drawing/2014/main" xmlns="" val="2356295354"/>
+                    <a16:rowId xmlns:a16="http://schemas.microsoft.com/office/drawing/2014/main" val="2356295354"/>
                   </a:ext>
                 </a:extLst>
               </a:tr>
@@ -19369,7 +19936,7 @@
                 </a:tc>
                 <a:extLst>
                   <a:ext uri="{0D108BD9-81ED-4DB2-BD59-A6C34878D82A}">
-                    <a16:rowId xmlns:a16="http://schemas.microsoft.com/office/drawing/2014/main" xmlns="" val="277389891"/>
+                    <a16:rowId xmlns:a16="http://schemas.microsoft.com/office/drawing/2014/main" val="277389891"/>
                   </a:ext>
                 </a:extLst>
               </a:tr>
@@ -19565,7 +20132,7 @@
                 </a:tc>
                 <a:extLst>
                   <a:ext uri="{0D108BD9-81ED-4DB2-BD59-A6C34878D82A}">
-                    <a16:rowId xmlns:a16="http://schemas.microsoft.com/office/drawing/2014/main" xmlns="" val="2037894670"/>
+                    <a16:rowId xmlns:a16="http://schemas.microsoft.com/office/drawing/2014/main" val="2037894670"/>
                   </a:ext>
                 </a:extLst>
               </a:tr>
@@ -19761,7 +20328,7 @@
                 </a:tc>
                 <a:extLst>
                   <a:ext uri="{0D108BD9-81ED-4DB2-BD59-A6C34878D82A}">
-                    <a16:rowId xmlns:a16="http://schemas.microsoft.com/office/drawing/2014/main" xmlns="" val="3337220134"/>
+                    <a16:rowId xmlns:a16="http://schemas.microsoft.com/office/drawing/2014/main" val="3337220134"/>
                   </a:ext>
                 </a:extLst>
               </a:tr>
@@ -19957,7 +20524,7 @@
                 </a:tc>
                 <a:extLst>
                   <a:ext uri="{0D108BD9-81ED-4DB2-BD59-A6C34878D82A}">
-                    <a16:rowId xmlns:a16="http://schemas.microsoft.com/office/drawing/2014/main" xmlns="" val="1605557580"/>
+                    <a16:rowId xmlns:a16="http://schemas.microsoft.com/office/drawing/2014/main" val="1605557580"/>
                   </a:ext>
                 </a:extLst>
               </a:tr>
@@ -20153,7 +20720,7 @@
                 </a:tc>
                 <a:extLst>
                   <a:ext uri="{0D108BD9-81ED-4DB2-BD59-A6C34878D82A}">
-                    <a16:rowId xmlns:a16="http://schemas.microsoft.com/office/drawing/2014/main" xmlns="" val="2333450694"/>
+                    <a16:rowId xmlns:a16="http://schemas.microsoft.com/office/drawing/2014/main" val="2333450694"/>
                   </a:ext>
                 </a:extLst>
               </a:tr>
@@ -20349,7 +20916,7 @@
                 </a:tc>
                 <a:extLst>
                   <a:ext uri="{0D108BD9-81ED-4DB2-BD59-A6C34878D82A}">
-                    <a16:rowId xmlns:a16="http://schemas.microsoft.com/office/drawing/2014/main" xmlns="" val="3625053798"/>
+                    <a16:rowId xmlns:a16="http://schemas.microsoft.com/office/drawing/2014/main" val="3625053798"/>
                   </a:ext>
                 </a:extLst>
               </a:tr>
@@ -20545,7 +21112,7 @@
                 </a:tc>
                 <a:extLst>
                   <a:ext uri="{0D108BD9-81ED-4DB2-BD59-A6C34878D82A}">
-                    <a16:rowId xmlns:a16="http://schemas.microsoft.com/office/drawing/2014/main" xmlns="" val="1423486099"/>
+                    <a16:rowId xmlns:a16="http://schemas.microsoft.com/office/drawing/2014/main" val="1423486099"/>
                   </a:ext>
                 </a:extLst>
               </a:tr>
@@ -20741,7 +21308,7 @@
                 </a:tc>
                 <a:extLst>
                   <a:ext uri="{0D108BD9-81ED-4DB2-BD59-A6C34878D82A}">
-                    <a16:rowId xmlns:a16="http://schemas.microsoft.com/office/drawing/2014/main" xmlns="" val="3028180349"/>
+                    <a16:rowId xmlns:a16="http://schemas.microsoft.com/office/drawing/2014/main" val="3028180349"/>
                   </a:ext>
                 </a:extLst>
               </a:tr>
@@ -20937,7 +21504,7 @@
                 </a:tc>
                 <a:extLst>
                   <a:ext uri="{0D108BD9-81ED-4DB2-BD59-A6C34878D82A}">
-                    <a16:rowId xmlns:a16="http://schemas.microsoft.com/office/drawing/2014/main" xmlns="" val="3846955782"/>
+                    <a16:rowId xmlns:a16="http://schemas.microsoft.com/office/drawing/2014/main" val="3846955782"/>
                   </a:ext>
                 </a:extLst>
               </a:tr>
@@ -21133,7 +21700,7 @@
                 </a:tc>
                 <a:extLst>
                   <a:ext uri="{0D108BD9-81ED-4DB2-BD59-A6C34878D82A}">
-                    <a16:rowId xmlns:a16="http://schemas.microsoft.com/office/drawing/2014/main" xmlns="" val="1282028055"/>
+                    <a16:rowId xmlns:a16="http://schemas.microsoft.com/office/drawing/2014/main" val="1282028055"/>
                   </a:ext>
                 </a:extLst>
               </a:tr>
@@ -21329,7 +21896,7 @@
                 </a:tc>
                 <a:extLst>
                   <a:ext uri="{0D108BD9-81ED-4DB2-BD59-A6C34878D82A}">
-                    <a16:rowId xmlns:a16="http://schemas.microsoft.com/office/drawing/2014/main" xmlns="" val="689037507"/>
+                    <a16:rowId xmlns:a16="http://schemas.microsoft.com/office/drawing/2014/main" val="689037507"/>
                   </a:ext>
                 </a:extLst>
               </a:tr>
@@ -21525,7 +22092,7 @@
                 </a:tc>
                 <a:extLst>
                   <a:ext uri="{0D108BD9-81ED-4DB2-BD59-A6C34878D82A}">
-                    <a16:rowId xmlns:a16="http://schemas.microsoft.com/office/drawing/2014/main" xmlns="" val="2861710221"/>
+                    <a16:rowId xmlns:a16="http://schemas.microsoft.com/office/drawing/2014/main" val="2861710221"/>
                   </a:ext>
                 </a:extLst>
               </a:tr>
@@ -21546,7 +22113,7 @@
 </p:sld>
 </file>
 
-<file path=ppt/slides/slide25.xml><?xml version="1.0" encoding="utf-8"?>
+<file path=ppt/slides/slide26.xml><?xml version="1.0" encoding="utf-8"?>
 <p:sld xmlns:a="http://schemas.openxmlformats.org/drawingml/2006/main" xmlns:r="http://schemas.openxmlformats.org/officeDocument/2006/relationships" xmlns:p="http://schemas.openxmlformats.org/presentationml/2006/main">
   <p:cSld>
     <p:spTree>
@@ -21568,7 +22135,7 @@
           <p:cNvPr id="2" name="Title 1">
             <a:extLst>
               <a:ext uri="{FF2B5EF4-FFF2-40B4-BE49-F238E27FC236}">
-                <a16:creationId xmlns:a16="http://schemas.microsoft.com/office/drawing/2014/main" xmlns="" id="{500C2163-C646-4653-A00F-6B072E2019CF}"/>
+                <a16:creationId xmlns:a16="http://schemas.microsoft.com/office/drawing/2014/main" id="{500C2163-C646-4653-A00F-6B072E2019CF}"/>
               </a:ext>
             </a:extLst>
           </p:cNvPr>
@@ -21599,7 +22166,7 @@
           <p:cNvPr id="5" name="Picture 5" descr="A screenshot of a cell phone&#10;&#10;Description generated with very high confidence">
             <a:extLst>
               <a:ext uri="{FF2B5EF4-FFF2-40B4-BE49-F238E27FC236}">
-                <a16:creationId xmlns:a16="http://schemas.microsoft.com/office/drawing/2014/main" xmlns="" id="{0FCF129D-292F-49C3-9847-DDF3A9378803}"/>
+                <a16:creationId xmlns:a16="http://schemas.microsoft.com/office/drawing/2014/main" id="{0FCF129D-292F-49C3-9847-DDF3A9378803}"/>
               </a:ext>
             </a:extLst>
           </p:cNvPr>
@@ -21631,7 +22198,7 @@
           <p:cNvPr id="4" name="Text Placeholder 3">
             <a:extLst>
               <a:ext uri="{FF2B5EF4-FFF2-40B4-BE49-F238E27FC236}">
-                <a16:creationId xmlns:a16="http://schemas.microsoft.com/office/drawing/2014/main" xmlns="" id="{E94BB40B-B07B-4BE5-B24E-A78C38C3E435}"/>
+                <a16:creationId xmlns:a16="http://schemas.microsoft.com/office/drawing/2014/main" id="{E94BB40B-B07B-4BE5-B24E-A78C38C3E435}"/>
               </a:ext>
             </a:extLst>
           </p:cNvPr>
@@ -21663,7 +22230,7 @@
           <p:cNvPr id="7" name="Picture 7" descr="A screenshot of a cell phone&#10;&#10;Description generated with very high confidence">
             <a:extLst>
               <a:ext uri="{FF2B5EF4-FFF2-40B4-BE49-F238E27FC236}">
-                <a16:creationId xmlns:a16="http://schemas.microsoft.com/office/drawing/2014/main" xmlns="" id="{E0117E2B-10BB-4464-9FAD-1D7DBF00193D}"/>
+                <a16:creationId xmlns:a16="http://schemas.microsoft.com/office/drawing/2014/main" id="{E0117E2B-10BB-4464-9FAD-1D7DBF00193D}"/>
               </a:ext>
             </a:extLst>
           </p:cNvPr>
@@ -21693,7 +22260,7 @@
           <p:cNvPr id="9" name="Picture 9" descr="A screenshot of a social media post&#10;&#10;Description generated with very high confidence">
             <a:extLst>
               <a:ext uri="{FF2B5EF4-FFF2-40B4-BE49-F238E27FC236}">
-                <a16:creationId xmlns:a16="http://schemas.microsoft.com/office/drawing/2014/main" xmlns="" id="{55896109-D3E4-44B6-A0BD-3557423C8A09}"/>
+                <a16:creationId xmlns:a16="http://schemas.microsoft.com/office/drawing/2014/main" id="{55896109-D3E4-44B6-A0BD-3557423C8A09}"/>
               </a:ext>
             </a:extLst>
           </p:cNvPr>
@@ -21730,7 +22297,7 @@
 </p:sld>
 </file>
 
-<file path=ppt/slides/slide26.xml><?xml version="1.0" encoding="utf-8"?>
+<file path=ppt/slides/slide27.xml><?xml version="1.0" encoding="utf-8"?>
 <p:sld xmlns:a="http://schemas.openxmlformats.org/drawingml/2006/main" xmlns:r="http://schemas.openxmlformats.org/officeDocument/2006/relationships" xmlns:p="http://schemas.openxmlformats.org/presentationml/2006/main">
   <p:cSld>
     <p:spTree>
@@ -21752,7 +22319,7 @@
           <p:cNvPr id="3" name="Picture 2" descr="A screenshot of a cell phone&#10;&#10;Description automatically generated">
             <a:extLst>
               <a:ext uri="{FF2B5EF4-FFF2-40B4-BE49-F238E27FC236}">
-                <a16:creationId xmlns:a16="http://schemas.microsoft.com/office/drawing/2014/main" xmlns="" id="{2B5AB497-1E3D-4CDD-A55F-602B319C18AC}"/>
+                <a16:creationId xmlns:a16="http://schemas.microsoft.com/office/drawing/2014/main" id="{2B5AB497-1E3D-4CDD-A55F-602B319C18AC}"/>
               </a:ext>
             </a:extLst>
           </p:cNvPr>
@@ -21796,7 +22363,7 @@
 </p:sld>
 </file>
 
-<file path=ppt/slides/slide27.xml><?xml version="1.0" encoding="utf-8"?>
+<file path=ppt/slides/slide28.xml><?xml version="1.0" encoding="utf-8"?>
 <p:sld xmlns:a="http://schemas.openxmlformats.org/drawingml/2006/main" xmlns:r="http://schemas.openxmlformats.org/officeDocument/2006/relationships" xmlns:p="http://schemas.openxmlformats.org/presentationml/2006/main">
   <p:cSld>
     <p:spTree>
@@ -21818,7 +22385,7 @@
           <p:cNvPr id="4" name="Table 3">
             <a:extLst>
               <a:ext uri="{FF2B5EF4-FFF2-40B4-BE49-F238E27FC236}">
-                <a16:creationId xmlns:a16="http://schemas.microsoft.com/office/drawing/2014/main" xmlns="" id="{93BF34C6-A631-409F-988C-E0F06CAB9DBE}"/>
+                <a16:creationId xmlns:a16="http://schemas.microsoft.com/office/drawing/2014/main" id="{93BF34C6-A631-409F-988C-E0F06CAB9DBE}"/>
               </a:ext>
             </a:extLst>
           </p:cNvPr>
@@ -21847,35 +22414,35 @@
                 <a:gridCol w="1420941">
                   <a:extLst>
                     <a:ext uri="{9D8B030D-6E8A-4147-A177-3AD203B41FA5}">
-                      <a16:colId xmlns:a16="http://schemas.microsoft.com/office/drawing/2014/main" xmlns="" val="746430926"/>
+                      <a16:colId xmlns:a16="http://schemas.microsoft.com/office/drawing/2014/main" val="746430926"/>
                     </a:ext>
                   </a:extLst>
                 </a:gridCol>
                 <a:gridCol w="1420941">
                   <a:extLst>
                     <a:ext uri="{9D8B030D-6E8A-4147-A177-3AD203B41FA5}">
-                      <a16:colId xmlns:a16="http://schemas.microsoft.com/office/drawing/2014/main" xmlns="" val="1015021311"/>
+                      <a16:colId xmlns:a16="http://schemas.microsoft.com/office/drawing/2014/main" val="1015021311"/>
                     </a:ext>
                   </a:extLst>
                 </a:gridCol>
                 <a:gridCol w="1420941">
                   <a:extLst>
                     <a:ext uri="{9D8B030D-6E8A-4147-A177-3AD203B41FA5}">
-                      <a16:colId xmlns:a16="http://schemas.microsoft.com/office/drawing/2014/main" xmlns="" val="2305714087"/>
+                      <a16:colId xmlns:a16="http://schemas.microsoft.com/office/drawing/2014/main" val="2305714087"/>
                     </a:ext>
                   </a:extLst>
                 </a:gridCol>
                 <a:gridCol w="1420941">
                   <a:extLst>
                     <a:ext uri="{9D8B030D-6E8A-4147-A177-3AD203B41FA5}">
-                      <a16:colId xmlns:a16="http://schemas.microsoft.com/office/drawing/2014/main" xmlns="" val="3158680605"/>
+                      <a16:colId xmlns:a16="http://schemas.microsoft.com/office/drawing/2014/main" val="3158680605"/>
                     </a:ext>
                   </a:extLst>
                 </a:gridCol>
                 <a:gridCol w="1420941">
                   <a:extLst>
                     <a:ext uri="{9D8B030D-6E8A-4147-A177-3AD203B41FA5}">
-                      <a16:colId xmlns:a16="http://schemas.microsoft.com/office/drawing/2014/main" xmlns="" val="1916417408"/>
+                      <a16:colId xmlns:a16="http://schemas.microsoft.com/office/drawing/2014/main" val="1916417408"/>
                     </a:ext>
                   </a:extLst>
                 </a:gridCol>
@@ -21968,7 +22535,7 @@
                 </a:tc>
                 <a:extLst>
                   <a:ext uri="{0D108BD9-81ED-4DB2-BD59-A6C34878D82A}">
-                    <a16:rowId xmlns:a16="http://schemas.microsoft.com/office/drawing/2014/main" xmlns="" val="1790010630"/>
+                    <a16:rowId xmlns:a16="http://schemas.microsoft.com/office/drawing/2014/main" val="1790010630"/>
                   </a:ext>
                 </a:extLst>
               </a:tr>
@@ -22060,7 +22627,7 @@
                 </a:tc>
                 <a:extLst>
                   <a:ext uri="{0D108BD9-81ED-4DB2-BD59-A6C34878D82A}">
-                    <a16:rowId xmlns:a16="http://schemas.microsoft.com/office/drawing/2014/main" xmlns="" val="3920820628"/>
+                    <a16:rowId xmlns:a16="http://schemas.microsoft.com/office/drawing/2014/main" val="3920820628"/>
                   </a:ext>
                 </a:extLst>
               </a:tr>
@@ -22152,7 +22719,7 @@
                 </a:tc>
                 <a:extLst>
                   <a:ext uri="{0D108BD9-81ED-4DB2-BD59-A6C34878D82A}">
-                    <a16:rowId xmlns:a16="http://schemas.microsoft.com/office/drawing/2014/main" xmlns="" val="3410368273"/>
+                    <a16:rowId xmlns:a16="http://schemas.microsoft.com/office/drawing/2014/main" val="3410368273"/>
                   </a:ext>
                 </a:extLst>
               </a:tr>
@@ -22244,7 +22811,7 @@
                 </a:tc>
                 <a:extLst>
                   <a:ext uri="{0D108BD9-81ED-4DB2-BD59-A6C34878D82A}">
-                    <a16:rowId xmlns:a16="http://schemas.microsoft.com/office/drawing/2014/main" xmlns="" val="2608789795"/>
+                    <a16:rowId xmlns:a16="http://schemas.microsoft.com/office/drawing/2014/main" val="2608789795"/>
                   </a:ext>
                 </a:extLst>
               </a:tr>
@@ -22336,7 +22903,7 @@
                 </a:tc>
                 <a:extLst>
                   <a:ext uri="{0D108BD9-81ED-4DB2-BD59-A6C34878D82A}">
-                    <a16:rowId xmlns:a16="http://schemas.microsoft.com/office/drawing/2014/main" xmlns="" val="4200169592"/>
+                    <a16:rowId xmlns:a16="http://schemas.microsoft.com/office/drawing/2014/main" val="4200169592"/>
                   </a:ext>
                 </a:extLst>
               </a:tr>
@@ -22428,7 +22995,7 @@
                 </a:tc>
                 <a:extLst>
                   <a:ext uri="{0D108BD9-81ED-4DB2-BD59-A6C34878D82A}">
-                    <a16:rowId xmlns:a16="http://schemas.microsoft.com/office/drawing/2014/main" xmlns="" val="638170229"/>
+                    <a16:rowId xmlns:a16="http://schemas.microsoft.com/office/drawing/2014/main" val="638170229"/>
                   </a:ext>
                 </a:extLst>
               </a:tr>
@@ -22520,7 +23087,7 @@
                 </a:tc>
                 <a:extLst>
                   <a:ext uri="{0D108BD9-81ED-4DB2-BD59-A6C34878D82A}">
-                    <a16:rowId xmlns:a16="http://schemas.microsoft.com/office/drawing/2014/main" xmlns="" val="2878326232"/>
+                    <a16:rowId xmlns:a16="http://schemas.microsoft.com/office/drawing/2014/main" val="2878326232"/>
                   </a:ext>
                 </a:extLst>
               </a:tr>
@@ -22612,7 +23179,7 @@
                 </a:tc>
                 <a:extLst>
                   <a:ext uri="{0D108BD9-81ED-4DB2-BD59-A6C34878D82A}">
-                    <a16:rowId xmlns:a16="http://schemas.microsoft.com/office/drawing/2014/main" xmlns="" val="2949705414"/>
+                    <a16:rowId xmlns:a16="http://schemas.microsoft.com/office/drawing/2014/main" val="2949705414"/>
                   </a:ext>
                 </a:extLst>
               </a:tr>
@@ -22704,7 +23271,7 @@
                 </a:tc>
                 <a:extLst>
                   <a:ext uri="{0D108BD9-81ED-4DB2-BD59-A6C34878D82A}">
-                    <a16:rowId xmlns:a16="http://schemas.microsoft.com/office/drawing/2014/main" xmlns="" val="2060187411"/>
+                    <a16:rowId xmlns:a16="http://schemas.microsoft.com/office/drawing/2014/main" val="2060187411"/>
                   </a:ext>
                 </a:extLst>
               </a:tr>
@@ -22796,7 +23363,7 @@
                 </a:tc>
                 <a:extLst>
                   <a:ext uri="{0D108BD9-81ED-4DB2-BD59-A6C34878D82A}">
-                    <a16:rowId xmlns:a16="http://schemas.microsoft.com/office/drawing/2014/main" xmlns="" val="601263703"/>
+                    <a16:rowId xmlns:a16="http://schemas.microsoft.com/office/drawing/2014/main" val="601263703"/>
                   </a:ext>
                 </a:extLst>
               </a:tr>
@@ -22888,7 +23455,7 @@
                 </a:tc>
                 <a:extLst>
                   <a:ext uri="{0D108BD9-81ED-4DB2-BD59-A6C34878D82A}">
-                    <a16:rowId xmlns:a16="http://schemas.microsoft.com/office/drawing/2014/main" xmlns="" val="1364486931"/>
+                    <a16:rowId xmlns:a16="http://schemas.microsoft.com/office/drawing/2014/main" val="1364486931"/>
                   </a:ext>
                 </a:extLst>
               </a:tr>
@@ -22980,7 +23547,7 @@
                 </a:tc>
                 <a:extLst>
                   <a:ext uri="{0D108BD9-81ED-4DB2-BD59-A6C34878D82A}">
-                    <a16:rowId xmlns:a16="http://schemas.microsoft.com/office/drawing/2014/main" xmlns="" val="2042132464"/>
+                    <a16:rowId xmlns:a16="http://schemas.microsoft.com/office/drawing/2014/main" val="2042132464"/>
                   </a:ext>
                 </a:extLst>
               </a:tr>
@@ -23001,7 +23568,7 @@
 </p:sld>
 </file>
 
-<file path=ppt/slides/slide28.xml><?xml version="1.0" encoding="utf-8"?>
+<file path=ppt/slides/slide29.xml><?xml version="1.0" encoding="utf-8"?>
 <p:sld xmlns:a="http://schemas.openxmlformats.org/drawingml/2006/main" xmlns:r="http://schemas.openxmlformats.org/officeDocument/2006/relationships" xmlns:p="http://schemas.openxmlformats.org/presentationml/2006/main">
   <p:cSld>
     <p:spTree>
@@ -23023,7 +23590,7 @@
           <p:cNvPr id="2" name="Title 1">
             <a:extLst>
               <a:ext uri="{FF2B5EF4-FFF2-40B4-BE49-F238E27FC236}">
-                <a16:creationId xmlns:a16="http://schemas.microsoft.com/office/drawing/2014/main" xmlns="" id="{1B71EA4C-FF76-4BC5-86E6-14BC322D717F}"/>
+                <a16:creationId xmlns:a16="http://schemas.microsoft.com/office/drawing/2014/main" id="{1B71EA4C-FF76-4BC5-86E6-14BC322D717F}"/>
               </a:ext>
             </a:extLst>
           </p:cNvPr>
@@ -23051,7 +23618,7 @@
           <p:cNvPr id="5" name="Picture 5" descr="A screenshot of a cell phone&#10;&#10;Description generated with very high confidence">
             <a:extLst>
               <a:ext uri="{FF2B5EF4-FFF2-40B4-BE49-F238E27FC236}">
-                <a16:creationId xmlns:a16="http://schemas.microsoft.com/office/drawing/2014/main" xmlns="" id="{D22A39FD-F5C4-4433-870E-D7CF79A6BDDE}"/>
+                <a16:creationId xmlns:a16="http://schemas.microsoft.com/office/drawing/2014/main" id="{D22A39FD-F5C4-4433-870E-D7CF79A6BDDE}"/>
               </a:ext>
             </a:extLst>
           </p:cNvPr>
@@ -23083,7 +23650,7 @@
           <p:cNvPr id="9" name="Picture 9" descr="A screenshot of a cell phone&#10;&#10;Description generated with very high confidence">
             <a:extLst>
               <a:ext uri="{FF2B5EF4-FFF2-40B4-BE49-F238E27FC236}">
-                <a16:creationId xmlns:a16="http://schemas.microsoft.com/office/drawing/2014/main" xmlns="" id="{6FEA5BB4-9D3F-4D46-99FF-7CD95ECF2C71}"/>
+                <a16:creationId xmlns:a16="http://schemas.microsoft.com/office/drawing/2014/main" id="{6FEA5BB4-9D3F-4D46-99FF-7CD95ECF2C71}"/>
               </a:ext>
             </a:extLst>
           </p:cNvPr>
@@ -23118,7 +23685,139 @@
 </p:sld>
 </file>
 
-<file path=ppt/slides/slide29.xml><?xml version="1.0" encoding="utf-8"?>
+<file path=ppt/slides/slide3.xml><?xml version="1.0" encoding="utf-8"?>
+<p:sld xmlns:a="http://schemas.openxmlformats.org/drawingml/2006/main" xmlns:r="http://schemas.openxmlformats.org/officeDocument/2006/relationships" xmlns:p="http://schemas.openxmlformats.org/presentationml/2006/main">
+  <p:cSld>
+    <p:spTree>
+      <p:nvGrpSpPr>
+        <p:cNvPr id="1" name=""/>
+        <p:cNvGrpSpPr/>
+        <p:nvPr/>
+      </p:nvGrpSpPr>
+      <p:grpSpPr>
+        <a:xfrm>
+          <a:off x="0" y="0"/>
+          <a:ext cx="0" cy="0"/>
+          <a:chOff x="0" y="0"/>
+          <a:chExt cx="0" cy="0"/>
+        </a:xfrm>
+      </p:grpSpPr>
+      <p:sp>
+        <p:nvSpPr>
+          <p:cNvPr id="2" name="Title 1">
+            <a:extLst>
+              <a:ext uri="{FF2B5EF4-FFF2-40B4-BE49-F238E27FC236}">
+                <a16:creationId xmlns:a16="http://schemas.microsoft.com/office/drawing/2014/main" id="{9FC34CC3-D688-4649-802A-266F4AB4A065}"/>
+              </a:ext>
+            </a:extLst>
+          </p:cNvPr>
+          <p:cNvSpPr>
+            <a:spLocks noGrp="1"/>
+          </p:cNvSpPr>
+          <p:nvPr>
+            <p:ph type="title"/>
+          </p:nvPr>
+        </p:nvSpPr>
+        <p:spPr/>
+        <p:txBody>
+          <a:bodyPr/>
+          <a:lstStyle/>
+          <a:p>
+            <a:pPr algn="ctr"/>
+            <a:r>
+              <a:rPr lang="en-US" dirty="0"/>
+              <a:t>Why did we choose this paper?</a:t>
+            </a:r>
+          </a:p>
+        </p:txBody>
+      </p:sp>
+      <p:sp>
+        <p:nvSpPr>
+          <p:cNvPr id="3" name="Content Placeholder 2">
+            <a:extLst>
+              <a:ext uri="{FF2B5EF4-FFF2-40B4-BE49-F238E27FC236}">
+                <a16:creationId xmlns:a16="http://schemas.microsoft.com/office/drawing/2014/main" id="{14167D56-C132-4472-9F2D-9856D1E8D55B}"/>
+              </a:ext>
+            </a:extLst>
+          </p:cNvPr>
+          <p:cNvSpPr>
+            <a:spLocks noGrp="1"/>
+          </p:cNvSpPr>
+          <p:nvPr>
+            <p:ph idx="1"/>
+          </p:nvPr>
+        </p:nvSpPr>
+        <p:spPr>
+          <a:xfrm>
+            <a:off x="885703" y="1837500"/>
+            <a:ext cx="10515600" cy="4351338"/>
+          </a:xfrm>
+        </p:spPr>
+        <p:txBody>
+          <a:bodyPr vert="horz" lIns="91440" tIns="45720" rIns="91440" bIns="45720" rtlCol="0" anchor="t">
+            <a:normAutofit lnSpcReduction="10000"/>
+          </a:bodyPr>
+          <a:lstStyle/>
+          <a:p>
+            <a:r>
+              <a:rPr lang="en-US" sz="3600" dirty="0"/>
+              <a:t>This paper was chosen because Jose Lopez is a member of Dr. John Nason's </a:t>
+            </a:r>
+            <a:r>
+              <a:rPr lang="en-US" sz="3600" dirty="0">
+                <a:cs typeface="Calibri"/>
+              </a:rPr>
+              <a:t>group</a:t>
+            </a:r>
+          </a:p>
+          <a:p>
+            <a:r>
+              <a:rPr lang="en-US" sz="3600" dirty="0"/>
+              <a:t>Gives a shout out to ISU Professor</a:t>
+            </a:r>
+            <a:endParaRPr lang="en-US" sz="3600" dirty="0">
+              <a:cs typeface="Calibri"/>
+            </a:endParaRPr>
+          </a:p>
+          <a:p>
+            <a:r>
+              <a:rPr lang="en-US" sz="3600" dirty="0"/>
+              <a:t>Thought that would allow us to recreate the code more readily</a:t>
+            </a:r>
+            <a:endParaRPr lang="en-US" sz="3600" dirty="0">
+              <a:cs typeface="Calibri"/>
+            </a:endParaRPr>
+          </a:p>
+          <a:p>
+            <a:pPr lvl="1"/>
+            <a:r>
+              <a:rPr lang="en-US" sz="3600" dirty="0"/>
+              <a:t>Ask for raw data</a:t>
+            </a:r>
+          </a:p>
+          <a:p>
+            <a:pPr lvl="1"/>
+            <a:r>
+              <a:rPr lang="en-US" sz="3600" dirty="0"/>
+              <a:t>Ask for help </a:t>
+            </a:r>
+          </a:p>
+        </p:txBody>
+      </p:sp>
+    </p:spTree>
+    <p:extLst>
+      <p:ext uri="{BB962C8B-B14F-4D97-AF65-F5344CB8AC3E}">
+        <p14:creationId xmlns:p14="http://schemas.microsoft.com/office/powerpoint/2010/main" val="1773832977"/>
+      </p:ext>
+    </p:extLst>
+  </p:cSld>
+  <p:clrMapOvr>
+    <a:masterClrMapping/>
+  </p:clrMapOvr>
+</p:sld>
+</file>
+
+<file path=ppt/slides/slide30.xml><?xml version="1.0" encoding="utf-8"?>
 <p:sld xmlns:a="http://schemas.openxmlformats.org/drawingml/2006/main" xmlns:r="http://schemas.openxmlformats.org/officeDocument/2006/relationships" xmlns:p="http://schemas.openxmlformats.org/presentationml/2006/main">
   <p:cSld>
     <p:spTree>
@@ -23140,7 +23839,7 @@
           <p:cNvPr id="2050" name="Picture 2" descr="https://images.readcube-cdn.com/publishers/wiley/figures/1a939f011a727cf66f71ad18900248edc6402a04e58adff7ea2473df0e45f731/2.jpg">
             <a:extLst>
               <a:ext uri="{FF2B5EF4-FFF2-40B4-BE49-F238E27FC236}">
-                <a16:creationId xmlns:a16="http://schemas.microsoft.com/office/drawing/2014/main" xmlns="" id="{F4B2EF37-12A9-4327-B4D9-8ABB60520490}"/>
+                <a16:creationId xmlns:a16="http://schemas.microsoft.com/office/drawing/2014/main" id="{F4B2EF37-12A9-4327-B4D9-8ABB60520490}"/>
               </a:ext>
             </a:extLst>
           </p:cNvPr>
@@ -23173,7 +23872,7 @@
           <a:noFill/>
           <a:extLst>
             <a:ext uri="{909E8E84-426E-40dd-AFC4-6F175D3DCCD1}">
-              <a14:hiddenFill xmlns:a14="http://schemas.microsoft.com/office/drawing/2010/main">
+              <a14:hiddenFill xmlns:a14="http://schemas.microsoft.com/office/drawing/2010/main" xmlns="">
                 <a:solidFill>
                   <a:srgbClr val="FFFFFF"/>
                 </a:solidFill>
@@ -23187,7 +23886,7 @@
           <p:cNvPr id="3" name="TextBox 2">
             <a:extLst>
               <a:ext uri="{FF2B5EF4-FFF2-40B4-BE49-F238E27FC236}">
-                <a16:creationId xmlns:a16="http://schemas.microsoft.com/office/drawing/2014/main" xmlns="" id="{D008B42A-ADE1-4775-8EB7-F075F1C34DB3}"/>
+                <a16:creationId xmlns:a16="http://schemas.microsoft.com/office/drawing/2014/main" id="{D008B42A-ADE1-4775-8EB7-F075F1C34DB3}"/>
               </a:ext>
             </a:extLst>
           </p:cNvPr>
@@ -23334,139 +24033,7 @@
 </p:sld>
 </file>
 
-<file path=ppt/slides/slide3.xml><?xml version="1.0" encoding="utf-8"?>
-<p:sld xmlns:a="http://schemas.openxmlformats.org/drawingml/2006/main" xmlns:r="http://schemas.openxmlformats.org/officeDocument/2006/relationships" xmlns:p="http://schemas.openxmlformats.org/presentationml/2006/main">
-  <p:cSld>
-    <p:spTree>
-      <p:nvGrpSpPr>
-        <p:cNvPr id="1" name=""/>
-        <p:cNvGrpSpPr/>
-        <p:nvPr/>
-      </p:nvGrpSpPr>
-      <p:grpSpPr>
-        <a:xfrm>
-          <a:off x="0" y="0"/>
-          <a:ext cx="0" cy="0"/>
-          <a:chOff x="0" y="0"/>
-          <a:chExt cx="0" cy="0"/>
-        </a:xfrm>
-      </p:grpSpPr>
-      <p:sp>
-        <p:nvSpPr>
-          <p:cNvPr id="2" name="Title 1">
-            <a:extLst>
-              <a:ext uri="{FF2B5EF4-FFF2-40B4-BE49-F238E27FC236}">
-                <a16:creationId xmlns:a16="http://schemas.microsoft.com/office/drawing/2014/main" xmlns="" id="{9FC34CC3-D688-4649-802A-266F4AB4A065}"/>
-              </a:ext>
-            </a:extLst>
-          </p:cNvPr>
-          <p:cNvSpPr>
-            <a:spLocks noGrp="1"/>
-          </p:cNvSpPr>
-          <p:nvPr>
-            <p:ph type="title"/>
-          </p:nvPr>
-        </p:nvSpPr>
-        <p:spPr/>
-        <p:txBody>
-          <a:bodyPr/>
-          <a:lstStyle/>
-          <a:p>
-            <a:pPr algn="ctr"/>
-            <a:r>
-              <a:rPr lang="en-US" dirty="0"/>
-              <a:t>Why did we choose this paper?</a:t>
-            </a:r>
-          </a:p>
-        </p:txBody>
-      </p:sp>
-      <p:sp>
-        <p:nvSpPr>
-          <p:cNvPr id="3" name="Content Placeholder 2">
-            <a:extLst>
-              <a:ext uri="{FF2B5EF4-FFF2-40B4-BE49-F238E27FC236}">
-                <a16:creationId xmlns:a16="http://schemas.microsoft.com/office/drawing/2014/main" xmlns="" id="{14167D56-C132-4472-9F2D-9856D1E8D55B}"/>
-              </a:ext>
-            </a:extLst>
-          </p:cNvPr>
-          <p:cNvSpPr>
-            <a:spLocks noGrp="1"/>
-          </p:cNvSpPr>
-          <p:nvPr>
-            <p:ph idx="1"/>
-          </p:nvPr>
-        </p:nvSpPr>
-        <p:spPr>
-          <a:xfrm>
-            <a:off x="885703" y="1837500"/>
-            <a:ext cx="10515600" cy="4351338"/>
-          </a:xfrm>
-        </p:spPr>
-        <p:txBody>
-          <a:bodyPr vert="horz" lIns="91440" tIns="45720" rIns="91440" bIns="45720" rtlCol="0" anchor="t">
-            <a:normAutofit/>
-          </a:bodyPr>
-          <a:lstStyle/>
-          <a:p>
-            <a:r>
-              <a:rPr lang="en-US" sz="3600" dirty="0"/>
-              <a:t>This paper was chosen because Jose Lopez is a member of Dr. John Nason's </a:t>
-            </a:r>
-            <a:r>
-              <a:rPr lang="en-US" sz="3600" dirty="0">
-                <a:cs typeface="Calibri"/>
-              </a:rPr>
-              <a:t>group</a:t>
-            </a:r>
-          </a:p>
-          <a:p>
-            <a:r>
-              <a:rPr lang="en-US" sz="3600" dirty="0"/>
-              <a:t>Gives a shout out to ISU Professor</a:t>
-            </a:r>
-            <a:endParaRPr lang="en-US" sz="3600" dirty="0">
-              <a:cs typeface="Calibri"/>
-            </a:endParaRPr>
-          </a:p>
-          <a:p>
-            <a:r>
-              <a:rPr lang="en-US" sz="3600" dirty="0"/>
-              <a:t>Thought that would allow us to recreate the code more readily</a:t>
-            </a:r>
-            <a:endParaRPr lang="en-US" sz="3600" dirty="0">
-              <a:cs typeface="Calibri"/>
-            </a:endParaRPr>
-          </a:p>
-          <a:p>
-            <a:pPr lvl="1"/>
-            <a:r>
-              <a:rPr lang="en-US" sz="3600" dirty="0"/>
-              <a:t>Ask for raw data</a:t>
-            </a:r>
-          </a:p>
-          <a:p>
-            <a:pPr lvl="1"/>
-            <a:r>
-              <a:rPr lang="en-US" sz="3600" dirty="0"/>
-              <a:t>Ask for help </a:t>
-            </a:r>
-          </a:p>
-        </p:txBody>
-      </p:sp>
-    </p:spTree>
-    <p:extLst>
-      <p:ext uri="{BB962C8B-B14F-4D97-AF65-F5344CB8AC3E}">
-        <p14:creationId xmlns:p14="http://schemas.microsoft.com/office/powerpoint/2010/main" val="1773832977"/>
-      </p:ext>
-    </p:extLst>
-  </p:cSld>
-  <p:clrMapOvr>
-    <a:masterClrMapping/>
-  </p:clrMapOvr>
-</p:sld>
-</file>
-
-<file path=ppt/slides/slide30.xml><?xml version="1.0" encoding="utf-8"?>
+<file path=ppt/slides/slide31.xml><?xml version="1.0" encoding="utf-8"?>
 <p:sld xmlns:a="http://schemas.openxmlformats.org/drawingml/2006/main" xmlns:r="http://schemas.openxmlformats.org/officeDocument/2006/relationships" xmlns:p="http://schemas.openxmlformats.org/presentationml/2006/main">
   <p:cSld>
     <p:spTree>
@@ -23488,7 +24055,7 @@
           <p:cNvPr id="3074" name="Picture 2" descr="https://images.readcube-cdn.com/publishers/wiley/figures/1a939f011a727cf66f71ad18900248edc6402a04e58adff7ea2473df0e45f731/3.jpg">
             <a:extLst>
               <a:ext uri="{FF2B5EF4-FFF2-40B4-BE49-F238E27FC236}">
-                <a16:creationId xmlns:a16="http://schemas.microsoft.com/office/drawing/2014/main" xmlns="" id="{BD4842B1-A395-4E1F-A222-2D7A56F1833F}"/>
+                <a16:creationId xmlns:a16="http://schemas.microsoft.com/office/drawing/2014/main" id="{BD4842B1-A395-4E1F-A222-2D7A56F1833F}"/>
               </a:ext>
             </a:extLst>
           </p:cNvPr>
@@ -23521,7 +24088,7 @@
           <a:noFill/>
           <a:extLst>
             <a:ext uri="{909E8E84-426E-40dd-AFC4-6F175D3DCCD1}">
-              <a14:hiddenFill xmlns:a14="http://schemas.microsoft.com/office/drawing/2010/main">
+              <a14:hiddenFill xmlns:a14="http://schemas.microsoft.com/office/drawing/2010/main" xmlns="">
                 <a:solidFill>
                   <a:srgbClr val="FFFFFF"/>
                 </a:solidFill>
@@ -23535,7 +24102,7 @@
           <p:cNvPr id="4" name="TextBox 3">
             <a:extLst>
               <a:ext uri="{FF2B5EF4-FFF2-40B4-BE49-F238E27FC236}">
-                <a16:creationId xmlns:a16="http://schemas.microsoft.com/office/drawing/2014/main" xmlns="" id="{B549DFBB-73F8-4DE9-ACC3-9326580259C2}"/>
+                <a16:creationId xmlns:a16="http://schemas.microsoft.com/office/drawing/2014/main" id="{B549DFBB-73F8-4DE9-ACC3-9326580259C2}"/>
               </a:ext>
             </a:extLst>
           </p:cNvPr>
@@ -23666,108 +24233,6 @@
 </p:sld>
 </file>
 
-<file path=ppt/slides/slide31.xml><?xml version="1.0" encoding="utf-8"?>
-<p:sld xmlns:a="http://schemas.openxmlformats.org/drawingml/2006/main" xmlns:r="http://schemas.openxmlformats.org/officeDocument/2006/relationships" xmlns:p="http://schemas.openxmlformats.org/presentationml/2006/main">
-  <p:cSld>
-    <p:spTree>
-      <p:nvGrpSpPr>
-        <p:cNvPr id="1" name=""/>
-        <p:cNvGrpSpPr/>
-        <p:nvPr/>
-      </p:nvGrpSpPr>
-      <p:grpSpPr>
-        <a:xfrm>
-          <a:off x="0" y="0"/>
-          <a:ext cx="0" cy="0"/>
-          <a:chOff x="0" y="0"/>
-          <a:chExt cx="0" cy="0"/>
-        </a:xfrm>
-      </p:grpSpPr>
-      <p:pic>
-        <p:nvPicPr>
-          <p:cNvPr id="3" name="Picture 2" descr="A screenshot of a cell phone&#10;&#10;Description automatically generated">
-            <a:extLst>
-              <a:ext uri="{FF2B5EF4-FFF2-40B4-BE49-F238E27FC236}">
-                <a16:creationId xmlns:a16="http://schemas.microsoft.com/office/drawing/2014/main" xmlns="" id="{B12FA73F-15AC-4FBC-B8DA-A6AD60F15D67}"/>
-              </a:ext>
-            </a:extLst>
-          </p:cNvPr>
-          <p:cNvPicPr>
-            <a:picLocks noChangeAspect="1"/>
-          </p:cNvPicPr>
-          <p:nvPr/>
-        </p:nvPicPr>
-        <p:blipFill>
-          <a:blip r:embed="rId2">
-            <a:extLst>
-              <a:ext uri="{28A0092B-C50C-407E-A947-70E740481C1C}">
-                <a14:useLocalDpi xmlns:a14="http://schemas.microsoft.com/office/drawing/2010/main" val="0"/>
-              </a:ext>
-            </a:extLst>
-          </a:blip>
-          <a:stretch>
-            <a:fillRect/>
-          </a:stretch>
-        </p:blipFill>
-        <p:spPr>
-          <a:xfrm>
-            <a:off x="3383974" y="2419556"/>
-            <a:ext cx="8268855" cy="4344006"/>
-          </a:xfrm>
-          <a:prstGeom prst="rect">
-            <a:avLst/>
-          </a:prstGeom>
-        </p:spPr>
-      </p:pic>
-      <p:pic>
-        <p:nvPicPr>
-          <p:cNvPr id="5" name="Picture 4" descr="A close up of a person&#10;&#10;Description automatically generated">
-            <a:extLst>
-              <a:ext uri="{FF2B5EF4-FFF2-40B4-BE49-F238E27FC236}">
-                <a16:creationId xmlns:a16="http://schemas.microsoft.com/office/drawing/2014/main" xmlns="" id="{DF7D66E2-34B7-4D92-9FB6-BEA20EE709D7}"/>
-              </a:ext>
-            </a:extLst>
-          </p:cNvPr>
-          <p:cNvPicPr>
-            <a:picLocks noChangeAspect="1"/>
-          </p:cNvPicPr>
-          <p:nvPr/>
-        </p:nvPicPr>
-        <p:blipFill>
-          <a:blip r:embed="rId3">
-            <a:extLst>
-              <a:ext uri="{28A0092B-C50C-407E-A947-70E740481C1C}">
-                <a14:useLocalDpi xmlns:a14="http://schemas.microsoft.com/office/drawing/2010/main" val="0"/>
-              </a:ext>
-            </a:extLst>
-          </a:blip>
-          <a:stretch>
-            <a:fillRect/>
-          </a:stretch>
-        </p:blipFill>
-        <p:spPr>
-          <a:xfrm>
-            <a:off x="111939" y="94438"/>
-            <a:ext cx="4105848" cy="2886478"/>
-          </a:xfrm>
-          <a:prstGeom prst="rect">
-            <a:avLst/>
-          </a:prstGeom>
-        </p:spPr>
-      </p:pic>
-    </p:spTree>
-    <p:extLst>
-      <p:ext uri="{BB962C8B-B14F-4D97-AF65-F5344CB8AC3E}">
-        <p14:creationId xmlns:p14="http://schemas.microsoft.com/office/powerpoint/2010/main" val="2308950591"/>
-      </p:ext>
-    </p:extLst>
-  </p:cSld>
-  <p:clrMapOvr>
-    <a:masterClrMapping/>
-  </p:clrMapOvr>
-</p:sld>
-</file>
-
 <file path=ppt/slides/slide32.xml><?xml version="1.0" encoding="utf-8"?>
 <p:sld xmlns:a="http://schemas.openxmlformats.org/drawingml/2006/main" xmlns:r="http://schemas.openxmlformats.org/officeDocument/2006/relationships" xmlns:p="http://schemas.openxmlformats.org/presentationml/2006/main">
   <p:cSld>
@@ -23790,10 +24255,10 @@
           <p:cNvPr id="14" name="Rectangle 13">
             <a:extLst>
               <a:ext uri="{FF2B5EF4-FFF2-40B4-BE49-F238E27FC236}">
-                <a16:creationId xmlns:a16="http://schemas.microsoft.com/office/drawing/2014/main" xmlns="" id="{247AB924-1B87-43FC-B7C7-B112D5C51A0E}"/>
+                <a16:creationId xmlns:a16="http://schemas.microsoft.com/office/drawing/2014/main" id="{247AB924-1B87-43FC-B7C7-B112D5C51A0E}"/>
               </a:ext>
               <a:ext uri="{C183D7F6-B498-43B3-948B-1728B52AA6E4}">
-                <adec:decorative xmlns:adec="http://schemas.microsoft.com/office/drawing/2017/decorative" xmlns="" val="1"/>
+                <adec:decorative xmlns:adec="http://schemas.microsoft.com/office/drawing/2017/decorative" val="1"/>
               </a:ext>
             </a:extLst>
           </p:cNvPr>
@@ -23803,7 +24268,7 @@
           <p:nvPr>
             <p:extLst>
               <p:ext uri="{386F3935-93C4-4BCD-93E2-E3B085C9AB24}">
-                <p16:designElem xmlns:p16="http://schemas.microsoft.com/office/powerpoint/2015/main" xmlns="" val="1"/>
+                <p16:designElem xmlns:p16="http://schemas.microsoft.com/office/powerpoint/2015/main" val="1"/>
               </p:ext>
             </p:extLst>
           </p:nvPr>
@@ -23884,7 +24349,7 @@
           <p:cNvPr id="3" name="TextBox 2">
             <a:extLst>
               <a:ext uri="{FF2B5EF4-FFF2-40B4-BE49-F238E27FC236}">
-                <a16:creationId xmlns:a16="http://schemas.microsoft.com/office/drawing/2014/main" xmlns="" id="{F1918BDF-C7E0-438D-9B1F-42A083A83EBE}"/>
+                <a16:creationId xmlns:a16="http://schemas.microsoft.com/office/drawing/2014/main" id="{F1918BDF-C7E0-438D-9B1F-42A083A83EBE}"/>
               </a:ext>
             </a:extLst>
           </p:cNvPr>
@@ -23924,7 +24389,7 @@
               <a:defRPr/>
             </a:pPr>
             <a:r>
-              <a:rPr kumimoji="0" lang="en-US" sz="5400" b="0" i="0" u="none" strike="noStrike" kern="1200" cap="none" spc="0" normalizeH="0" baseline="0" noProof="0" dirty="0" smtClean="0">
+              <a:rPr kumimoji="0" lang="en-US" sz="5400" b="0" i="0" u="none" strike="noStrike" kern="1200" cap="none" spc="0" normalizeH="0" baseline="0" noProof="0" dirty="0">
                 <a:ln>
                   <a:noFill/>
                 </a:ln>
@@ -23940,20 +24405,6 @@
               </a:rPr>
               <a:t>JMP</a:t>
             </a:r>
-            <a:endParaRPr kumimoji="0" lang="en-US" sz="5400" b="0" i="0" u="none" strike="noStrike" kern="1200" cap="none" spc="0" normalizeH="0" baseline="0" noProof="0" dirty="0">
-              <a:ln>
-                <a:noFill/>
-              </a:ln>
-              <a:solidFill>
-                <a:srgbClr val="FFFFFF"/>
-              </a:solidFill>
-              <a:effectLst/>
-              <a:uLnTx/>
-              <a:uFillTx/>
-              <a:latin typeface="Calibri Light" panose="020F0302020204030204"/>
-              <a:ea typeface="+mn-ea"/>
-              <a:cs typeface="+mn-cs"/>
-            </a:endParaRPr>
           </a:p>
           <a:p>
             <a:pPr marL="0" marR="0" lvl="0" indent="0" algn="ctr" defTabSz="914400" rtl="0" eaLnBrk="1" fontAlgn="auto" latinLnBrk="0" hangingPunct="1">
@@ -23995,10 +24446,10 @@
           <p:cNvPr id="18" name="Straight Connector 17">
             <a:extLst>
               <a:ext uri="{FF2B5EF4-FFF2-40B4-BE49-F238E27FC236}">
-                <a16:creationId xmlns:a16="http://schemas.microsoft.com/office/drawing/2014/main" xmlns="" id="{DAD2B705-4A9B-408D-AA80-4F41045E09DE}"/>
+                <a16:creationId xmlns:a16="http://schemas.microsoft.com/office/drawing/2014/main" id="{DAD2B705-4A9B-408D-AA80-4F41045E09DE}"/>
               </a:ext>
               <a:ext uri="{C183D7F6-B498-43B3-948B-1728B52AA6E4}">
-                <adec:decorative xmlns:adec="http://schemas.microsoft.com/office/drawing/2017/decorative" xmlns="" val="1"/>
+                <adec:decorative xmlns:adec="http://schemas.microsoft.com/office/drawing/2017/decorative" val="1"/>
               </a:ext>
             </a:extLst>
           </p:cNvPr>
@@ -24008,7 +24459,7 @@
           <p:nvPr>
             <p:extLst>
               <p:ext uri="{386F3935-93C4-4BCD-93E2-E3B085C9AB24}">
-                <p16:designElem xmlns:p16="http://schemas.microsoft.com/office/powerpoint/2015/main" xmlns="" val="1"/>
+                <p16:designElem xmlns:p16="http://schemas.microsoft.com/office/powerpoint/2015/main" val="1"/>
               </p:ext>
             </p:extLst>
           </p:nvPr>
@@ -24137,10 +24588,10 @@
           <p:cNvPr id="14" name="Rectangle 13">
             <a:extLst>
               <a:ext uri="{FF2B5EF4-FFF2-40B4-BE49-F238E27FC236}">
-                <a16:creationId xmlns:a16="http://schemas.microsoft.com/office/drawing/2014/main" xmlns="" id="{247AB924-1B87-43FC-B7C7-B112D5C51A0E}"/>
+                <a16:creationId xmlns:a16="http://schemas.microsoft.com/office/drawing/2014/main" id="{247AB924-1B87-43FC-B7C7-B112D5C51A0E}"/>
               </a:ext>
               <a:ext uri="{C183D7F6-B498-43B3-948B-1728B52AA6E4}">
-                <adec:decorative xmlns:adec="http://schemas.microsoft.com/office/drawing/2017/decorative" xmlns="" val="1"/>
+                <adec:decorative xmlns:adec="http://schemas.microsoft.com/office/drawing/2017/decorative" val="1"/>
               </a:ext>
             </a:extLst>
           </p:cNvPr>
@@ -24150,7 +24601,7 @@
           <p:nvPr>
             <p:extLst>
               <p:ext uri="{386F3935-93C4-4BCD-93E2-E3B085C9AB24}">
-                <p16:designElem xmlns:p16="http://schemas.microsoft.com/office/powerpoint/2015/main" xmlns="" val="1"/>
+                <p16:designElem xmlns:p16="http://schemas.microsoft.com/office/powerpoint/2015/main" val="1"/>
               </p:ext>
             </p:extLst>
           </p:nvPr>
@@ -24231,7 +24682,7 @@
           <p:cNvPr id="3" name="TextBox 2">
             <a:extLst>
               <a:ext uri="{FF2B5EF4-FFF2-40B4-BE49-F238E27FC236}">
-                <a16:creationId xmlns:a16="http://schemas.microsoft.com/office/drawing/2014/main" xmlns="" id="{F1918BDF-C7E0-438D-9B1F-42A083A83EBE}"/>
+                <a16:creationId xmlns:a16="http://schemas.microsoft.com/office/drawing/2014/main" id="{F1918BDF-C7E0-438D-9B1F-42A083A83EBE}"/>
               </a:ext>
             </a:extLst>
           </p:cNvPr>
@@ -24271,7 +24722,7 @@
               <a:defRPr/>
             </a:pPr>
             <a:r>
-              <a:rPr kumimoji="0" lang="en-US" sz="5400" b="0" i="0" u="none" strike="noStrike" kern="1200" cap="none" spc="0" normalizeH="0" baseline="0" noProof="0" dirty="0" smtClean="0">
+              <a:rPr kumimoji="0" lang="en-US" sz="5400" b="0" i="0" u="none" strike="noStrike" kern="1200" cap="none" spc="0" normalizeH="0" baseline="0" noProof="0" dirty="0">
                 <a:ln>
                   <a:noFill/>
                 </a:ln>
@@ -24287,20 +24738,6 @@
               </a:rPr>
               <a:t>JMP</a:t>
             </a:r>
-            <a:endParaRPr kumimoji="0" lang="en-US" sz="5400" b="0" i="0" u="none" strike="noStrike" kern="1200" cap="none" spc="0" normalizeH="0" baseline="0" noProof="0" dirty="0">
-              <a:ln>
-                <a:noFill/>
-              </a:ln>
-              <a:solidFill>
-                <a:srgbClr val="FFFFFF"/>
-              </a:solidFill>
-              <a:effectLst/>
-              <a:uLnTx/>
-              <a:uFillTx/>
-              <a:latin typeface="Calibri Light" panose="020F0302020204030204"/>
-              <a:ea typeface="+mn-ea"/>
-              <a:cs typeface="+mn-cs"/>
-            </a:endParaRPr>
           </a:p>
           <a:p>
             <a:pPr marL="0" marR="0" lvl="0" indent="0" algn="ctr" defTabSz="914400" rtl="0" eaLnBrk="1" fontAlgn="auto" latinLnBrk="0" hangingPunct="1">
@@ -24342,10 +24779,10 @@
           <p:cNvPr id="18" name="Straight Connector 17">
             <a:extLst>
               <a:ext uri="{FF2B5EF4-FFF2-40B4-BE49-F238E27FC236}">
-                <a16:creationId xmlns:a16="http://schemas.microsoft.com/office/drawing/2014/main" xmlns="" id="{DAD2B705-4A9B-408D-AA80-4F41045E09DE}"/>
+                <a16:creationId xmlns:a16="http://schemas.microsoft.com/office/drawing/2014/main" id="{DAD2B705-4A9B-408D-AA80-4F41045E09DE}"/>
               </a:ext>
               <a:ext uri="{C183D7F6-B498-43B3-948B-1728B52AA6E4}">
-                <adec:decorative xmlns:adec="http://schemas.microsoft.com/office/drawing/2017/decorative" xmlns="" val="1"/>
+                <adec:decorative xmlns:adec="http://schemas.microsoft.com/office/drawing/2017/decorative" val="1"/>
               </a:ext>
             </a:extLst>
           </p:cNvPr>
@@ -24355,7 +24792,7 @@
           <p:nvPr>
             <p:extLst>
               <p:ext uri="{386F3935-93C4-4BCD-93E2-E3B085C9AB24}">
-                <p16:designElem xmlns:p16="http://schemas.microsoft.com/office/powerpoint/2015/main" xmlns="" val="1"/>
+                <p16:designElem xmlns:p16="http://schemas.microsoft.com/office/powerpoint/2015/main" val="1"/>
               </p:ext>
             </p:extLst>
           </p:nvPr>
@@ -24484,10 +24921,10 @@
           <p:cNvPr id="14" name="Rectangle 13">
             <a:extLst>
               <a:ext uri="{FF2B5EF4-FFF2-40B4-BE49-F238E27FC236}">
-                <a16:creationId xmlns:a16="http://schemas.microsoft.com/office/drawing/2014/main" xmlns="" id="{247AB924-1B87-43FC-B7C7-B112D5C51A0E}"/>
+                <a16:creationId xmlns:a16="http://schemas.microsoft.com/office/drawing/2014/main" id="{247AB924-1B87-43FC-B7C7-B112D5C51A0E}"/>
               </a:ext>
               <a:ext uri="{C183D7F6-B498-43B3-948B-1728B52AA6E4}">
-                <adec:decorative xmlns:adec="http://schemas.microsoft.com/office/drawing/2017/decorative" xmlns="" val="1"/>
+                <adec:decorative xmlns:adec="http://schemas.microsoft.com/office/drawing/2017/decorative" val="1"/>
               </a:ext>
             </a:extLst>
           </p:cNvPr>
@@ -24497,7 +24934,7 @@
           <p:nvPr>
             <p:extLst>
               <p:ext uri="{386F3935-93C4-4BCD-93E2-E3B085C9AB24}">
-                <p16:designElem xmlns:p16="http://schemas.microsoft.com/office/powerpoint/2015/main" xmlns="" val="1"/>
+                <p16:designElem xmlns:p16="http://schemas.microsoft.com/office/powerpoint/2015/main" val="1"/>
               </p:ext>
             </p:extLst>
           </p:nvPr>
@@ -24578,7 +25015,7 @@
           <p:cNvPr id="3" name="TextBox 2">
             <a:extLst>
               <a:ext uri="{FF2B5EF4-FFF2-40B4-BE49-F238E27FC236}">
-                <a16:creationId xmlns:a16="http://schemas.microsoft.com/office/drawing/2014/main" xmlns="" id="{F1918BDF-C7E0-438D-9B1F-42A083A83EBE}"/>
+                <a16:creationId xmlns:a16="http://schemas.microsoft.com/office/drawing/2014/main" id="{F1918BDF-C7E0-438D-9B1F-42A083A83EBE}"/>
               </a:ext>
             </a:extLst>
           </p:cNvPr>
@@ -24618,7 +25055,7 @@
               <a:defRPr/>
             </a:pPr>
             <a:r>
-              <a:rPr kumimoji="0" lang="en-US" sz="5400" b="0" i="0" u="none" strike="noStrike" kern="1200" cap="none" spc="0" normalizeH="0" baseline="0" noProof="0" dirty="0" smtClean="0">
+              <a:rPr kumimoji="0" lang="en-US" sz="5400" b="0" i="0" u="none" strike="noStrike" kern="1200" cap="none" spc="0" normalizeH="0" baseline="0" noProof="0" dirty="0">
                 <a:ln>
                   <a:noFill/>
                 </a:ln>
@@ -24634,20 +25071,6 @@
               </a:rPr>
               <a:t>JMP</a:t>
             </a:r>
-            <a:endParaRPr kumimoji="0" lang="en-US" sz="5400" b="0" i="0" u="none" strike="noStrike" kern="1200" cap="none" spc="0" normalizeH="0" baseline="0" noProof="0" dirty="0">
-              <a:ln>
-                <a:noFill/>
-              </a:ln>
-              <a:solidFill>
-                <a:srgbClr val="FFFFFF"/>
-              </a:solidFill>
-              <a:effectLst/>
-              <a:uLnTx/>
-              <a:uFillTx/>
-              <a:latin typeface="Calibri Light" panose="020F0302020204030204"/>
-              <a:ea typeface="+mn-ea"/>
-              <a:cs typeface="+mn-cs"/>
-            </a:endParaRPr>
           </a:p>
           <a:p>
             <a:pPr marL="0" marR="0" lvl="0" indent="0" algn="ctr" defTabSz="914400" rtl="0" eaLnBrk="1" fontAlgn="auto" latinLnBrk="0" hangingPunct="1">
@@ -24689,10 +25112,10 @@
           <p:cNvPr id="18" name="Straight Connector 17">
             <a:extLst>
               <a:ext uri="{FF2B5EF4-FFF2-40B4-BE49-F238E27FC236}">
-                <a16:creationId xmlns:a16="http://schemas.microsoft.com/office/drawing/2014/main" xmlns="" id="{DAD2B705-4A9B-408D-AA80-4F41045E09DE}"/>
+                <a16:creationId xmlns:a16="http://schemas.microsoft.com/office/drawing/2014/main" id="{DAD2B705-4A9B-408D-AA80-4F41045E09DE}"/>
               </a:ext>
               <a:ext uri="{C183D7F6-B498-43B3-948B-1728B52AA6E4}">
-                <adec:decorative xmlns:adec="http://schemas.microsoft.com/office/drawing/2017/decorative" xmlns="" val="1"/>
+                <adec:decorative xmlns:adec="http://schemas.microsoft.com/office/drawing/2017/decorative" val="1"/>
               </a:ext>
             </a:extLst>
           </p:cNvPr>
@@ -24702,7 +25125,7 @@
           <p:nvPr>
             <p:extLst>
               <p:ext uri="{386F3935-93C4-4BCD-93E2-E3B085C9AB24}">
-                <p16:designElem xmlns:p16="http://schemas.microsoft.com/office/powerpoint/2015/main" xmlns="" val="1"/>
+                <p16:designElem xmlns:p16="http://schemas.microsoft.com/office/powerpoint/2015/main" val="1"/>
               </p:ext>
             </p:extLst>
           </p:nvPr>
@@ -24831,10 +25254,10 @@
           <p:cNvPr id="9" name="Rectangle 8">
             <a:extLst>
               <a:ext uri="{FF2B5EF4-FFF2-40B4-BE49-F238E27FC236}">
-                <a16:creationId xmlns:a16="http://schemas.microsoft.com/office/drawing/2014/main" xmlns="" id="{AB45A142-4255-493C-8284-5D566C121B10}"/>
+                <a16:creationId xmlns:a16="http://schemas.microsoft.com/office/drawing/2014/main" id="{AB45A142-4255-493C-8284-5D566C121B10}"/>
               </a:ext>
               <a:ext uri="{C183D7F6-B498-43B3-948B-1728B52AA6E4}">
-                <adec:decorative xmlns:adec="http://schemas.microsoft.com/office/drawing/2017/decorative" xmlns="" val="1"/>
+                <adec:decorative xmlns:adec="http://schemas.microsoft.com/office/drawing/2017/decorative" val="1"/>
               </a:ext>
             </a:extLst>
           </p:cNvPr>
@@ -24844,7 +25267,7 @@
           <p:nvPr>
             <p:extLst>
               <p:ext uri="{386F3935-93C4-4BCD-93E2-E3B085C9AB24}">
-                <p16:designElem xmlns:p16="http://schemas.microsoft.com/office/powerpoint/2015/main" xmlns="" val="1"/>
+                <p16:designElem xmlns:p16="http://schemas.microsoft.com/office/powerpoint/2015/main" val="1"/>
               </p:ext>
             </p:extLst>
           </p:nvPr>
@@ -24900,7 +25323,7 @@
           <p:cNvPr id="2" name="TextBox 1">
             <a:extLst>
               <a:ext uri="{FF2B5EF4-FFF2-40B4-BE49-F238E27FC236}">
-                <a16:creationId xmlns:a16="http://schemas.microsoft.com/office/drawing/2014/main" xmlns="" id="{08BF4E42-122E-4E19-A785-FD4DF907CA2C}"/>
+                <a16:creationId xmlns:a16="http://schemas.microsoft.com/office/drawing/2014/main" id="{08BF4E42-122E-4E19-A785-FD4DF907CA2C}"/>
               </a:ext>
             </a:extLst>
           </p:cNvPr>
@@ -24934,7 +25357,7 @@
               </a:spcAft>
             </a:pPr>
             <a:r>
-              <a:rPr lang="en-US" sz="4800" kern="1200" dirty="0" smtClean="0">
+              <a:rPr lang="en-US" sz="4800" kern="1200" dirty="0">
                 <a:solidFill>
                   <a:srgbClr val="FFFFFF"/>
                 </a:solidFill>
@@ -24944,14 +25367,6 @@
               </a:rPr>
               <a:t>JMP</a:t>
             </a:r>
-            <a:endParaRPr lang="en-US" sz="4800" kern="1200" dirty="0">
-              <a:solidFill>
-                <a:srgbClr val="FFFFFF"/>
-              </a:solidFill>
-              <a:latin typeface="+mj-lt"/>
-              <a:ea typeface="+mj-ea"/>
-              <a:cs typeface="+mj-cs"/>
-            </a:endParaRPr>
           </a:p>
         </p:txBody>
       </p:sp>
@@ -24960,10 +25375,10 @@
           <p:cNvPr id="11" name="Straight Connector 10">
             <a:extLst>
               <a:ext uri="{FF2B5EF4-FFF2-40B4-BE49-F238E27FC236}">
-                <a16:creationId xmlns:a16="http://schemas.microsoft.com/office/drawing/2014/main" xmlns="" id="{38FB9660-F42F-4313-BBC4-47C007FE484C}"/>
+                <a16:creationId xmlns:a16="http://schemas.microsoft.com/office/drawing/2014/main" id="{38FB9660-F42F-4313-BBC4-47C007FE484C}"/>
               </a:ext>
               <a:ext uri="{C183D7F6-B498-43B3-948B-1728B52AA6E4}">
-                <adec:decorative xmlns:adec="http://schemas.microsoft.com/office/drawing/2017/decorative" xmlns="" val="1"/>
+                <adec:decorative xmlns:adec="http://schemas.microsoft.com/office/drawing/2017/decorative" val="1"/>
               </a:ext>
             </a:extLst>
           </p:cNvPr>
@@ -24973,7 +25388,7 @@
           <p:nvPr>
             <p:extLst>
               <p:ext uri="{386F3935-93C4-4BCD-93E2-E3B085C9AB24}">
-                <p16:designElem xmlns:p16="http://schemas.microsoft.com/office/powerpoint/2015/main" xmlns="" val="1"/>
+                <p16:designElem xmlns:p16="http://schemas.microsoft.com/office/powerpoint/2015/main" val="1"/>
               </p:ext>
             </p:extLst>
           </p:nvPr>
@@ -25072,7 +25487,7 @@
           <p:cNvPr id="3" name="Picture 2" descr="A screenshot of a social media post&#10;&#10;Description automatically generated">
             <a:extLst>
               <a:ext uri="{FF2B5EF4-FFF2-40B4-BE49-F238E27FC236}">
-                <a16:creationId xmlns:a16="http://schemas.microsoft.com/office/drawing/2014/main" xmlns="" id="{F91ACDDC-7D57-4047-9FCD-6750A3AE2BCA}"/>
+                <a16:creationId xmlns:a16="http://schemas.microsoft.com/office/drawing/2014/main" id="{F91ACDDC-7D57-4047-9FCD-6750A3AE2BCA}"/>
               </a:ext>
             </a:extLst>
           </p:cNvPr>
@@ -25108,7 +25523,7 @@
           <p:cNvPr id="7" name="Picture 7">
             <a:extLst>
               <a:ext uri="{FF2B5EF4-FFF2-40B4-BE49-F238E27FC236}">
-                <a16:creationId xmlns:a16="http://schemas.microsoft.com/office/drawing/2014/main" xmlns="" id="{BC3CC879-844C-454B-B89B-01600C23B766}"/>
+                <a16:creationId xmlns:a16="http://schemas.microsoft.com/office/drawing/2014/main" id="{BC3CC879-844C-454B-B89B-01600C23B766}"/>
               </a:ext>
             </a:extLst>
           </p:cNvPr>
@@ -25168,10 +25583,10 @@
           <p:cNvPr id="14" name="Rectangle 13">
             <a:extLst>
               <a:ext uri="{FF2B5EF4-FFF2-40B4-BE49-F238E27FC236}">
-                <a16:creationId xmlns:a16="http://schemas.microsoft.com/office/drawing/2014/main" xmlns="" id="{247AB924-1B87-43FC-B7C7-B112D5C51A0E}"/>
+                <a16:creationId xmlns:a16="http://schemas.microsoft.com/office/drawing/2014/main" id="{247AB924-1B87-43FC-B7C7-B112D5C51A0E}"/>
               </a:ext>
               <a:ext uri="{C183D7F6-B498-43B3-948B-1728B52AA6E4}">
-                <adec:decorative xmlns:adec="http://schemas.microsoft.com/office/drawing/2017/decorative" xmlns="" val="1"/>
+                <adec:decorative xmlns:adec="http://schemas.microsoft.com/office/drawing/2017/decorative" val="1"/>
               </a:ext>
             </a:extLst>
           </p:cNvPr>
@@ -25181,7 +25596,7 @@
           <p:nvPr>
             <p:extLst>
               <p:ext uri="{386F3935-93C4-4BCD-93E2-E3B085C9AB24}">
-                <p16:designElem xmlns:p16="http://schemas.microsoft.com/office/powerpoint/2015/main" xmlns="" val="1"/>
+                <p16:designElem xmlns:p16="http://schemas.microsoft.com/office/powerpoint/2015/main" val="1"/>
               </p:ext>
             </p:extLst>
           </p:nvPr>
@@ -25262,7 +25677,7 @@
           <p:cNvPr id="3" name="TextBox 2">
             <a:extLst>
               <a:ext uri="{FF2B5EF4-FFF2-40B4-BE49-F238E27FC236}">
-                <a16:creationId xmlns:a16="http://schemas.microsoft.com/office/drawing/2014/main" xmlns="" id="{F1918BDF-C7E0-438D-9B1F-42A083A83EBE}"/>
+                <a16:creationId xmlns:a16="http://schemas.microsoft.com/office/drawing/2014/main" id="{F1918BDF-C7E0-438D-9B1F-42A083A83EBE}"/>
               </a:ext>
             </a:extLst>
           </p:cNvPr>
@@ -25302,7 +25717,7 @@
               <a:defRPr/>
             </a:pPr>
             <a:r>
-              <a:rPr kumimoji="0" lang="en-US" sz="5400" b="0" i="0" u="none" strike="noStrike" kern="1200" cap="none" spc="0" normalizeH="0" baseline="0" noProof="0" dirty="0" smtClean="0">
+              <a:rPr kumimoji="0" lang="en-US" sz="5400" b="0" i="0" u="none" strike="noStrike" kern="1200" cap="none" spc="0" normalizeH="0" baseline="0" noProof="0" dirty="0">
                 <a:ln>
                   <a:noFill/>
                 </a:ln>
@@ -25318,20 +25733,6 @@
               </a:rPr>
               <a:t>STRUCTURE</a:t>
             </a:r>
-            <a:endParaRPr kumimoji="0" lang="en-US" sz="5400" b="0" i="0" u="none" strike="noStrike" kern="1200" cap="none" spc="0" normalizeH="0" baseline="0" noProof="0" dirty="0">
-              <a:ln>
-                <a:noFill/>
-              </a:ln>
-              <a:solidFill>
-                <a:srgbClr val="FFFFFF"/>
-              </a:solidFill>
-              <a:effectLst/>
-              <a:uLnTx/>
-              <a:uFillTx/>
-              <a:latin typeface="Calibri Light" panose="020F0302020204030204"/>
-              <a:ea typeface="+mn-ea"/>
-              <a:cs typeface="+mn-cs"/>
-            </a:endParaRPr>
           </a:p>
           <a:p>
             <a:pPr marL="0" marR="0" lvl="0" indent="0" algn="ctr" defTabSz="914400" rtl="0" eaLnBrk="1" fontAlgn="auto" latinLnBrk="0" hangingPunct="1">
@@ -25373,10 +25774,10 @@
           <p:cNvPr id="18" name="Straight Connector 17">
             <a:extLst>
               <a:ext uri="{FF2B5EF4-FFF2-40B4-BE49-F238E27FC236}">
-                <a16:creationId xmlns:a16="http://schemas.microsoft.com/office/drawing/2014/main" xmlns="" id="{DAD2B705-4A9B-408D-AA80-4F41045E09DE}"/>
+                <a16:creationId xmlns:a16="http://schemas.microsoft.com/office/drawing/2014/main" id="{DAD2B705-4A9B-408D-AA80-4F41045E09DE}"/>
               </a:ext>
               <a:ext uri="{C183D7F6-B498-43B3-948B-1728B52AA6E4}">
-                <adec:decorative xmlns:adec="http://schemas.microsoft.com/office/drawing/2017/decorative" xmlns="" val="1"/>
+                <adec:decorative xmlns:adec="http://schemas.microsoft.com/office/drawing/2017/decorative" val="1"/>
               </a:ext>
             </a:extLst>
           </p:cNvPr>
@@ -25386,7 +25787,7 @@
           <p:nvPr>
             <p:extLst>
               <p:ext uri="{386F3935-93C4-4BCD-93E2-E3B085C9AB24}">
-                <p16:designElem xmlns:p16="http://schemas.microsoft.com/office/powerpoint/2015/main" xmlns="" val="1"/>
+                <p16:designElem xmlns:p16="http://schemas.microsoft.com/office/powerpoint/2015/main" val="1"/>
               </p:ext>
             </p:extLst>
           </p:nvPr>
@@ -25515,7 +25916,7 @@
           <p:cNvPr id="4098" name="Picture 2" descr="https://images.readcube-cdn.com/publishers/wiley/figures/1a939f011a727cf66f71ad18900248edc6402a04e58adff7ea2473df0e45f731/4.jpg">
             <a:extLst>
               <a:ext uri="{FF2B5EF4-FFF2-40B4-BE49-F238E27FC236}">
-                <a16:creationId xmlns:a16="http://schemas.microsoft.com/office/drawing/2014/main" xmlns="" id="{03780CB6-9FEB-4169-964A-36FAA9EACB86}"/>
+                <a16:creationId xmlns:a16="http://schemas.microsoft.com/office/drawing/2014/main" id="{03780CB6-9FEB-4169-964A-36FAA9EACB86}"/>
               </a:ext>
             </a:extLst>
           </p:cNvPr>
@@ -25548,7 +25949,7 @@
           <a:noFill/>
           <a:extLst>
             <a:ext uri="{909E8E84-426E-40dd-AFC4-6F175D3DCCD1}">
-              <a14:hiddenFill xmlns:a14="http://schemas.microsoft.com/office/drawing/2010/main">
+              <a14:hiddenFill xmlns:a14="http://schemas.microsoft.com/office/drawing/2010/main" xmlns="">
                 <a:solidFill>
                   <a:srgbClr val="FFFFFF"/>
                 </a:solidFill>
@@ -25562,7 +25963,7 @@
           <p:cNvPr id="4" name="TextBox 3">
             <a:extLst>
               <a:ext uri="{FF2B5EF4-FFF2-40B4-BE49-F238E27FC236}">
-                <a16:creationId xmlns:a16="http://schemas.microsoft.com/office/drawing/2014/main" xmlns="" id="{51CB2FF6-D7FA-4CA7-8377-706FAA8D22CD}"/>
+                <a16:creationId xmlns:a16="http://schemas.microsoft.com/office/drawing/2014/main" id="{51CB2FF6-D7FA-4CA7-8377-706FAA8D22CD}"/>
               </a:ext>
             </a:extLst>
           </p:cNvPr>
@@ -25628,7 +26029,7 @@
           <p:cNvPr id="3" name="Picture 2" descr="A screenshot of a cell phone&#10;&#10;Description automatically generated">
             <a:extLst>
               <a:ext uri="{FF2B5EF4-FFF2-40B4-BE49-F238E27FC236}">
-                <a16:creationId xmlns:a16="http://schemas.microsoft.com/office/drawing/2014/main" xmlns="" id="{C08C8A17-C12D-4481-B321-D7041F4BB513}"/>
+                <a16:creationId xmlns:a16="http://schemas.microsoft.com/office/drawing/2014/main" id="{C08C8A17-C12D-4481-B321-D7041F4BB513}"/>
               </a:ext>
             </a:extLst>
           </p:cNvPr>
@@ -25694,7 +26095,7 @@
           <p:cNvPr id="2" name="Title 1">
             <a:extLst>
               <a:ext uri="{FF2B5EF4-FFF2-40B4-BE49-F238E27FC236}">
-                <a16:creationId xmlns:a16="http://schemas.microsoft.com/office/drawing/2014/main" xmlns="" id="{B63425B6-0068-4936-A742-56AAA86D05EB}"/>
+                <a16:creationId xmlns:a16="http://schemas.microsoft.com/office/drawing/2014/main" id="{B63425B6-0068-4936-A742-56AAA86D05EB}"/>
               </a:ext>
             </a:extLst>
           </p:cNvPr>
@@ -25719,7 +26120,7 @@
           <p:cNvPr id="3" name="Content Placeholder 2">
             <a:extLst>
               <a:ext uri="{FF2B5EF4-FFF2-40B4-BE49-F238E27FC236}">
-                <a16:creationId xmlns:a16="http://schemas.microsoft.com/office/drawing/2014/main" xmlns="" id="{49367DDA-5D0E-4FB3-A032-2053CBE336C7}"/>
+                <a16:creationId xmlns:a16="http://schemas.microsoft.com/office/drawing/2014/main" id="{49367DDA-5D0E-4FB3-A032-2053CBE336C7}"/>
               </a:ext>
             </a:extLst>
           </p:cNvPr>
@@ -25777,7 +26178,7 @@
           <p:cNvPr id="2" name="Title 1">
             <a:extLst>
               <a:ext uri="{FF2B5EF4-FFF2-40B4-BE49-F238E27FC236}">
-                <a16:creationId xmlns:a16="http://schemas.microsoft.com/office/drawing/2014/main" xmlns="" id="{4482F327-2ADA-49D0-9DE9-55F675A4095D}"/>
+                <a16:creationId xmlns:a16="http://schemas.microsoft.com/office/drawing/2014/main" id="{4482F327-2ADA-49D0-9DE9-55F675A4095D}"/>
               </a:ext>
             </a:extLst>
           </p:cNvPr>
@@ -25806,7 +26207,7 @@
           <p:cNvPr id="3" name="Content Placeholder 2">
             <a:extLst>
               <a:ext uri="{FF2B5EF4-FFF2-40B4-BE49-F238E27FC236}">
-                <a16:creationId xmlns:a16="http://schemas.microsoft.com/office/drawing/2014/main" xmlns="" id="{9DD2DAE7-406E-4157-A094-1926462F16A4}"/>
+                <a16:creationId xmlns:a16="http://schemas.microsoft.com/office/drawing/2014/main" id="{9DD2DAE7-406E-4157-A094-1926462F16A4}"/>
               </a:ext>
             </a:extLst>
           </p:cNvPr>
@@ -25861,7 +26262,7 @@
           <p:cNvPr id="2" name="Title 1">
             <a:extLst>
               <a:ext uri="{FF2B5EF4-FFF2-40B4-BE49-F238E27FC236}">
-                <a16:creationId xmlns:a16="http://schemas.microsoft.com/office/drawing/2014/main" xmlns="" id="{EBE1C54F-2FC2-43FD-98FB-506BA2423B55}"/>
+                <a16:creationId xmlns:a16="http://schemas.microsoft.com/office/drawing/2014/main" id="{EBE1C54F-2FC2-43FD-98FB-506BA2423B55}"/>
               </a:ext>
             </a:extLst>
           </p:cNvPr>
@@ -25889,7 +26290,7 @@
           <p:cNvPr id="3" name="Content Placeholder 2">
             <a:extLst>
               <a:ext uri="{FF2B5EF4-FFF2-40B4-BE49-F238E27FC236}">
-                <a16:creationId xmlns:a16="http://schemas.microsoft.com/office/drawing/2014/main" xmlns="" id="{64CA0791-D618-4164-96BA-C009BAE7C206}"/>
+                <a16:creationId xmlns:a16="http://schemas.microsoft.com/office/drawing/2014/main" id="{64CA0791-D618-4164-96BA-C009BAE7C206}"/>
               </a:ext>
             </a:extLst>
           </p:cNvPr>
@@ -25981,7 +26382,7 @@
           <p:cNvPr id="2" name="Title 1">
             <a:extLst>
               <a:ext uri="{FF2B5EF4-FFF2-40B4-BE49-F238E27FC236}">
-                <a16:creationId xmlns:a16="http://schemas.microsoft.com/office/drawing/2014/main" xmlns="" id="{846376A2-2680-4182-9EBE-27E12AB88D32}"/>
+                <a16:creationId xmlns:a16="http://schemas.microsoft.com/office/drawing/2014/main" id="{846376A2-2680-4182-9EBE-27E12AB88D32}"/>
               </a:ext>
             </a:extLst>
           </p:cNvPr>
@@ -26017,7 +26418,7 @@
           <p:cNvPr id="3" name="Content Placeholder 2">
             <a:extLst>
               <a:ext uri="{FF2B5EF4-FFF2-40B4-BE49-F238E27FC236}">
-                <a16:creationId xmlns:a16="http://schemas.microsoft.com/office/drawing/2014/main" xmlns="" id="{ECD73D4E-7834-459A-B579-0B529A7352CD}"/>
+                <a16:creationId xmlns:a16="http://schemas.microsoft.com/office/drawing/2014/main" id="{ECD73D4E-7834-459A-B579-0B529A7352CD}"/>
               </a:ext>
             </a:extLst>
           </p:cNvPr>
@@ -26111,7 +26512,7 @@
           <p:cNvPr id="2" name="Title 1">
             <a:extLst>
               <a:ext uri="{FF2B5EF4-FFF2-40B4-BE49-F238E27FC236}">
-                <a16:creationId xmlns:a16="http://schemas.microsoft.com/office/drawing/2014/main" xmlns="" id="{4C1249DF-CAEB-4BAE-96B3-1C96C65C562B}"/>
+                <a16:creationId xmlns:a16="http://schemas.microsoft.com/office/drawing/2014/main" id="{4C1249DF-CAEB-4BAE-96B3-1C96C65C562B}"/>
               </a:ext>
             </a:extLst>
           </p:cNvPr>
@@ -26147,7 +26548,7 @@
           <p:cNvPr id="3" name="Content Placeholder 2">
             <a:extLst>
               <a:ext uri="{FF2B5EF4-FFF2-40B4-BE49-F238E27FC236}">
-                <a16:creationId xmlns:a16="http://schemas.microsoft.com/office/drawing/2014/main" xmlns="" id="{891063FE-ECDE-4982-8EFB-86D3BA38E0E3}"/>
+                <a16:creationId xmlns:a16="http://schemas.microsoft.com/office/drawing/2014/main" id="{891063FE-ECDE-4982-8EFB-86D3BA38E0E3}"/>
               </a:ext>
             </a:extLst>
           </p:cNvPr>
@@ -26160,7 +26561,9 @@
         </p:nvSpPr>
         <p:spPr/>
         <p:txBody>
-          <a:bodyPr/>
+          <a:bodyPr>
+            <a:normAutofit lnSpcReduction="10000"/>
+          </a:bodyPr>
           <a:lstStyle/>
           <a:p>
             <a:r>
@@ -26249,7 +26652,7 @@
           <p:cNvPr id="1026" name="Picture 2" descr="https://images.readcube-cdn.com/publishers/wiley/figures/1a939f011a727cf66f71ad18900248edc6402a04e58adff7ea2473df0e45f731/1.jpg">
             <a:extLst>
               <a:ext uri="{FF2B5EF4-FFF2-40B4-BE49-F238E27FC236}">
-                <a16:creationId xmlns:a16="http://schemas.microsoft.com/office/drawing/2014/main" xmlns="" id="{9A8CFCD7-84A6-4E91-B27A-BF55EE380AE1}"/>
+                <a16:creationId xmlns:a16="http://schemas.microsoft.com/office/drawing/2014/main" id="{9A8CFCD7-84A6-4E91-B27A-BF55EE380AE1}"/>
               </a:ext>
             </a:extLst>
           </p:cNvPr>
@@ -26282,7 +26685,7 @@
           <a:noFill/>
           <a:extLst>
             <a:ext uri="{909E8E84-426E-40dd-AFC4-6F175D3DCCD1}">
-              <a14:hiddenFill xmlns:a14="http://schemas.microsoft.com/office/drawing/2010/main">
+              <a14:hiddenFill xmlns:a14="http://schemas.microsoft.com/office/drawing/2010/main" xmlns="">
                 <a:solidFill>
                   <a:srgbClr val="FFFFFF"/>
                 </a:solidFill>
@@ -26296,7 +26699,7 @@
           <p:cNvPr id="2" name="TextBox 1">
             <a:extLst>
               <a:ext uri="{FF2B5EF4-FFF2-40B4-BE49-F238E27FC236}">
-                <a16:creationId xmlns:a16="http://schemas.microsoft.com/office/drawing/2014/main" xmlns="" id="{FA34838E-320E-46AC-8712-123DE4EADEA3}"/>
+                <a16:creationId xmlns:a16="http://schemas.microsoft.com/office/drawing/2014/main" id="{FA34838E-320E-46AC-8712-123DE4EADEA3}"/>
               </a:ext>
             </a:extLst>
           </p:cNvPr>
@@ -26401,10 +26804,10 @@
           <p:cNvPr id="8" name="Rectangle 7">
             <a:extLst>
               <a:ext uri="{FF2B5EF4-FFF2-40B4-BE49-F238E27FC236}">
-                <a16:creationId xmlns:a16="http://schemas.microsoft.com/office/drawing/2014/main" xmlns="" id="{AB45A142-4255-493C-8284-5D566C121B10}"/>
+                <a16:creationId xmlns:a16="http://schemas.microsoft.com/office/drawing/2014/main" id="{AB45A142-4255-493C-8284-5D566C121B10}"/>
               </a:ext>
               <a:ext uri="{C183D7F6-B498-43B3-948B-1728B52AA6E4}">
-                <adec:decorative xmlns:adec="http://schemas.microsoft.com/office/drawing/2017/decorative" xmlns="" val="1"/>
+                <adec:decorative xmlns:adec="http://schemas.microsoft.com/office/drawing/2017/decorative" val="1"/>
               </a:ext>
             </a:extLst>
           </p:cNvPr>
@@ -26414,7 +26817,7 @@
           <p:nvPr>
             <p:extLst>
               <p:ext uri="{386F3935-93C4-4BCD-93E2-E3B085C9AB24}">
-                <p16:designElem xmlns:p16="http://schemas.microsoft.com/office/powerpoint/2015/main" xmlns="" val="1"/>
+                <p16:designElem xmlns:p16="http://schemas.microsoft.com/office/powerpoint/2015/main" val="1"/>
               </p:ext>
             </p:extLst>
           </p:nvPr>
@@ -26470,7 +26873,7 @@
           <p:cNvPr id="3" name="TextBox 2">
             <a:extLst>
               <a:ext uri="{FF2B5EF4-FFF2-40B4-BE49-F238E27FC236}">
-                <a16:creationId xmlns:a16="http://schemas.microsoft.com/office/drawing/2014/main" xmlns="" id="{7213F214-2ACE-4518-B575-09B6E0707B03}"/>
+                <a16:creationId xmlns:a16="http://schemas.microsoft.com/office/drawing/2014/main" id="{7213F214-2ACE-4518-B575-09B6E0707B03}"/>
               </a:ext>
             </a:extLst>
           </p:cNvPr>
@@ -26522,10 +26925,10 @@
           <p:cNvPr id="10" name="Straight Connector 9">
             <a:extLst>
               <a:ext uri="{FF2B5EF4-FFF2-40B4-BE49-F238E27FC236}">
-                <a16:creationId xmlns:a16="http://schemas.microsoft.com/office/drawing/2014/main" xmlns="" id="{38FB9660-F42F-4313-BBC4-47C007FE484C}"/>
+                <a16:creationId xmlns:a16="http://schemas.microsoft.com/office/drawing/2014/main" id="{38FB9660-F42F-4313-BBC4-47C007FE484C}"/>
               </a:ext>
               <a:ext uri="{C183D7F6-B498-43B3-948B-1728B52AA6E4}">
-                <adec:decorative xmlns:adec="http://schemas.microsoft.com/office/drawing/2017/decorative" xmlns="" val="1"/>
+                <adec:decorative xmlns:adec="http://schemas.microsoft.com/office/drawing/2017/decorative" val="1"/>
               </a:ext>
             </a:extLst>
           </p:cNvPr>
@@ -26535,7 +26938,7 @@
           <p:nvPr>
             <p:extLst>
               <p:ext uri="{386F3935-93C4-4BCD-93E2-E3B085C9AB24}">
-                <p16:designElem xmlns:p16="http://schemas.microsoft.com/office/powerpoint/2015/main" xmlns="" val="1"/>
+                <p16:designElem xmlns:p16="http://schemas.microsoft.com/office/powerpoint/2015/main" val="1"/>
               </p:ext>
             </p:extLst>
           </p:nvPr>
@@ -26574,7 +26977,7 @@
           <p:cNvPr id="2" name="Picture 1">
             <a:extLst>
               <a:ext uri="{FF2B5EF4-FFF2-40B4-BE49-F238E27FC236}">
-                <a16:creationId xmlns:a16="http://schemas.microsoft.com/office/drawing/2014/main" xmlns="" id="{780B287D-483B-41D6-B355-A1ECB377336A}"/>
+                <a16:creationId xmlns:a16="http://schemas.microsoft.com/office/drawing/2014/main" id="{780B287D-483B-41D6-B355-A1ECB377336A}"/>
               </a:ext>
             </a:extLst>
           </p:cNvPr>

--- a/PowerPoint Presentation for Final.pptx
+++ b/PowerPoint Presentation for Final.pptx
@@ -3,48 +3,50 @@
 <p:presentation xmlns:a="http://schemas.openxmlformats.org/drawingml/2006/main" xmlns:r="http://schemas.openxmlformats.org/officeDocument/2006/relationships" xmlns:p="http://schemas.openxmlformats.org/presentationml/2006/main" saveSubsetFonts="1">
   <p:sldMasterIdLst>
     <p:sldMasterId id="2147483660" r:id="rId1"/>
+    <p:sldMasterId id="2147483672" r:id="rId2"/>
   </p:sldMasterIdLst>
   <p:sldIdLst>
-    <p:sldId id="276" r:id="rId2"/>
-    <p:sldId id="256" r:id="rId3"/>
-    <p:sldId id="267" r:id="rId4"/>
-    <p:sldId id="266" r:id="rId5"/>
-    <p:sldId id="297" r:id="rId6"/>
-    <p:sldId id="298" r:id="rId7"/>
-    <p:sldId id="299" r:id="rId8"/>
-    <p:sldId id="268" r:id="rId9"/>
-    <p:sldId id="295" r:id="rId10"/>
-    <p:sldId id="278" r:id="rId11"/>
-    <p:sldId id="277" r:id="rId12"/>
-    <p:sldId id="281" r:id="rId13"/>
-    <p:sldId id="282" r:id="rId14"/>
-    <p:sldId id="283" r:id="rId15"/>
-    <p:sldId id="284" r:id="rId16"/>
-    <p:sldId id="270" r:id="rId17"/>
-    <p:sldId id="275" r:id="rId18"/>
-    <p:sldId id="309" r:id="rId19"/>
-    <p:sldId id="258" r:id="rId20"/>
-    <p:sldId id="292" r:id="rId21"/>
-    <p:sldId id="293" r:id="rId22"/>
-    <p:sldId id="294" r:id="rId23"/>
-    <p:sldId id="285" r:id="rId24"/>
-    <p:sldId id="259" r:id="rId25"/>
-    <p:sldId id="296" r:id="rId26"/>
-    <p:sldId id="288" r:id="rId27"/>
-    <p:sldId id="260" r:id="rId28"/>
-    <p:sldId id="289" r:id="rId29"/>
-    <p:sldId id="290" r:id="rId30"/>
-    <p:sldId id="261" r:id="rId31"/>
-    <p:sldId id="262" r:id="rId32"/>
-    <p:sldId id="302" r:id="rId33"/>
-    <p:sldId id="303" r:id="rId34"/>
-    <p:sldId id="304" r:id="rId35"/>
-    <p:sldId id="306" r:id="rId36"/>
-    <p:sldId id="263" r:id="rId37"/>
-    <p:sldId id="308" r:id="rId38"/>
-    <p:sldId id="264" r:id="rId39"/>
-    <p:sldId id="265" r:id="rId40"/>
-    <p:sldId id="274" r:id="rId41"/>
+    <p:sldId id="276" r:id="rId3"/>
+    <p:sldId id="256" r:id="rId4"/>
+    <p:sldId id="267" r:id="rId5"/>
+    <p:sldId id="266" r:id="rId6"/>
+    <p:sldId id="297" r:id="rId7"/>
+    <p:sldId id="298" r:id="rId8"/>
+    <p:sldId id="299" r:id="rId9"/>
+    <p:sldId id="268" r:id="rId10"/>
+    <p:sldId id="295" r:id="rId11"/>
+    <p:sldId id="310" r:id="rId12"/>
+    <p:sldId id="278" r:id="rId13"/>
+    <p:sldId id="277" r:id="rId14"/>
+    <p:sldId id="281" r:id="rId15"/>
+    <p:sldId id="282" r:id="rId16"/>
+    <p:sldId id="283" r:id="rId17"/>
+    <p:sldId id="284" r:id="rId18"/>
+    <p:sldId id="270" r:id="rId19"/>
+    <p:sldId id="275" r:id="rId20"/>
+    <p:sldId id="309" r:id="rId21"/>
+    <p:sldId id="258" r:id="rId22"/>
+    <p:sldId id="292" r:id="rId23"/>
+    <p:sldId id="293" r:id="rId24"/>
+    <p:sldId id="294" r:id="rId25"/>
+    <p:sldId id="285" r:id="rId26"/>
+    <p:sldId id="259" r:id="rId27"/>
+    <p:sldId id="296" r:id="rId28"/>
+    <p:sldId id="288" r:id="rId29"/>
+    <p:sldId id="260" r:id="rId30"/>
+    <p:sldId id="289" r:id="rId31"/>
+    <p:sldId id="290" r:id="rId32"/>
+    <p:sldId id="261" r:id="rId33"/>
+    <p:sldId id="262" r:id="rId34"/>
+    <p:sldId id="302" r:id="rId35"/>
+    <p:sldId id="303" r:id="rId36"/>
+    <p:sldId id="304" r:id="rId37"/>
+    <p:sldId id="306" r:id="rId38"/>
+    <p:sldId id="263" r:id="rId39"/>
+    <p:sldId id="308" r:id="rId40"/>
+    <p:sldId id="264" r:id="rId41"/>
+    <p:sldId id="265" r:id="rId42"/>
+    <p:sldId id="274" r:id="rId43"/>
   </p:sldIdLst>
   <p:sldSz cx="12192000" cy="6858000"/>
   <p:notesSz cx="6858000" cy="9144000"/>
@@ -168,7 +170,7 @@
     <p1510:client id="{85E7CAD6-7BC5-4357-98DB-565E9B0A2E2C}" v="54" dt="2018-12-04T23:50:14.830"/>
     <p1510:client id="{358883BD-329B-4794-AF16-3687C1EB809A}" v="4" dt="2018-12-04T21:34:43.203"/>
     <p1510:client id="{C724E388-EDE3-41DF-96DF-8F7BBA839B06}" v="100" dt="2018-12-05T03:36:39.062"/>
-    <p1510:client id="{910F2A4A-7EF7-407C-90C5-B6EAB85758B4}" v="4" dt="2018-12-05T16:31:34.523"/>
+    <p1510:client id="{910F2A4A-7EF7-407C-90C5-B6EAB85758B4}" v="6" dt="2018-12-05T16:47:31.669"/>
     <p1510:client id="{70BD31D2-9D27-47EE-8410-48F21E6970C8}" v="7" dt="2018-12-05T05:03:36.079"/>
   </p1510:revLst>
 </p1510:revInfo>
@@ -178,8 +180,8 @@
 <pc:chgInfo xmlns:a="http://schemas.openxmlformats.org/drawingml/2006/main" xmlns:r="http://schemas.openxmlformats.org/officeDocument/2006/relationships" xmlns:ac="http://schemas.microsoft.com/office/drawing/2013/main/command" xmlns:pc="http://schemas.microsoft.com/office/powerpoint/2013/main/command">
   <pc:docChgLst>
     <pc:chgData name="Jacob Zobrist" userId="d9517de7067bd0ef" providerId="LiveId" clId="{910F2A4A-7EF7-407C-90C5-B6EAB85758B4}"/>
-    <pc:docChg chg="custSel mod delSld modSld sldOrd">
-      <pc:chgData name="Jacob Zobrist" userId="d9517de7067bd0ef" providerId="LiveId" clId="{910F2A4A-7EF7-407C-90C5-B6EAB85758B4}" dt="2018-12-05T16:31:54.350" v="10" actId="26606"/>
+    <pc:docChg chg="custSel mod addSld delSld modSld sldOrd">
+      <pc:chgData name="Jacob Zobrist" userId="d9517de7067bd0ef" providerId="LiveId" clId="{910F2A4A-7EF7-407C-90C5-B6EAB85758B4}" dt="2018-12-05T16:47:49.011" v="21" actId="20577"/>
       <pc:docMkLst>
         <pc:docMk/>
       </pc:docMkLst>
@@ -338,12 +340,639 @@
           </ac:cxnSpMkLst>
         </pc:cxnChg>
       </pc:sldChg>
+      <pc:sldChg chg="delSp modSp add del setBg delDesignElem">
+        <pc:chgData name="Jacob Zobrist" userId="d9517de7067bd0ef" providerId="LiveId" clId="{910F2A4A-7EF7-407C-90C5-B6EAB85758B4}" dt="2018-12-05T16:47:49.011" v="21" actId="20577"/>
+        <pc:sldMkLst>
+          <pc:docMk/>
+          <pc:sldMk cId="1003582557" sldId="310"/>
+        </pc:sldMkLst>
+        <pc:spChg chg="mod">
+          <ac:chgData name="Jacob Zobrist" userId="d9517de7067bd0ef" providerId="LiveId" clId="{910F2A4A-7EF7-407C-90C5-B6EAB85758B4}" dt="2018-12-05T16:47:49.011" v="21" actId="20577"/>
+          <ac:spMkLst>
+            <pc:docMk/>
+            <pc:sldMk cId="1003582557" sldId="310"/>
+            <ac:spMk id="2" creationId="{236A621E-920C-45C3-9699-C481553ABAF8}"/>
+          </ac:spMkLst>
+        </pc:spChg>
+        <pc:spChg chg="del">
+          <ac:chgData name="Jacob Zobrist" userId="d9517de7067bd0ef" providerId="LiveId" clId="{910F2A4A-7EF7-407C-90C5-B6EAB85758B4}" dt="2018-12-05T16:47:24.188" v="12"/>
+          <ac:spMkLst>
+            <pc:docMk/>
+            <pc:sldMk cId="1003582557" sldId="310"/>
+            <ac:spMk id="9" creationId="{AB45A142-4255-493C-8284-5D566C121B10}"/>
+          </ac:spMkLst>
+        </pc:spChg>
+        <pc:cxnChg chg="del">
+          <ac:chgData name="Jacob Zobrist" userId="d9517de7067bd0ef" providerId="LiveId" clId="{910F2A4A-7EF7-407C-90C5-B6EAB85758B4}" dt="2018-12-05T16:47:24.188" v="12"/>
+          <ac:cxnSpMkLst>
+            <pc:docMk/>
+            <pc:sldMk cId="1003582557" sldId="310"/>
+            <ac:cxnSpMk id="11" creationId="{38FB9660-F42F-4313-BBC4-47C007FE484C}"/>
+          </ac:cxnSpMkLst>
+        </pc:cxnChg>
+      </pc:sldChg>
     </pc:docChg>
   </pc:docChgLst>
 </pc:chgInfo>
 </file>
 
 <file path=ppt/charts/chart1.xml><?xml version="1.0" encoding="utf-8"?>
+<c:chartSpace xmlns:c="http://schemas.openxmlformats.org/drawingml/2006/chart" xmlns:a="http://schemas.openxmlformats.org/drawingml/2006/main" xmlns:r="http://schemas.openxmlformats.org/officeDocument/2006/relationships" xmlns:c16r2="http://schemas.microsoft.com/office/drawing/2015/06/chart">
+  <c:date1904 val="0"/>
+  <c:lang val="en-US"/>
+  <c:roundedCorners val="0"/>
+  <mc:AlternateContent xmlns:mc="http://schemas.openxmlformats.org/markup-compatibility/2006">
+    <mc:Choice xmlns:c14="http://schemas.microsoft.com/office/drawing/2007/8/2/chart" Requires="c14">
+      <c14:style val="102"/>
+    </mc:Choice>
+    <mc:Fallback>
+      <c:style val="2"/>
+    </mc:Fallback>
+  </mc:AlternateContent>
+  <c:chart>
+    <c:title>
+      <c:tx>
+        <c:rich>
+          <a:bodyPr/>
+          <a:lstStyle/>
+          <a:p>
+            <a:pPr>
+              <a:defRPr sz="1200" b="1"/>
+            </a:pPr>
+            <a:r>
+              <a:rPr lang="en-US"/>
+              <a:t>Allele Frequency at SSR9（H33） for Ning (n=20)</a:t>
+            </a:r>
+          </a:p>
+        </c:rich>
+      </c:tx>
+      <c:overlay val="0"/>
+    </c:title>
+    <c:autoTitleDeleted val="0"/>
+    <c:plotArea>
+      <c:layout/>
+      <c:pieChart>
+        <c:varyColors val="1"/>
+        <c:ser>
+          <c:idx val="0"/>
+          <c:order val="0"/>
+          <c:dLbls>
+            <c:spPr>
+              <a:noFill/>
+              <a:ln>
+                <a:noFill/>
+              </a:ln>
+              <a:effectLst/>
+            </c:spPr>
+            <c:showLegendKey val="0"/>
+            <c:showVal val="0"/>
+            <c:showCatName val="1"/>
+            <c:showSerName val="0"/>
+            <c:showPercent val="1"/>
+            <c:showBubbleSize val="0"/>
+            <c:showLeaderLines val="1"/>
+            <c:extLst>
+              <c:ext xmlns:c15="http://schemas.microsoft.com/office/drawing/2012/chart" uri="{CE6537A1-D6FC-4f65-9D91-7224C49458BB}"/>
+            </c:extLst>
+          </c:dLbls>
+          <c:cat>
+            <c:numRef>
+              <c:f>'SSR9（H33） AGP'!$A$168:$A$180</c:f>
+              <c:numCache>
+                <c:formatCode>General</c:formatCode>
+                <c:ptCount val="13"/>
+                <c:pt idx="0">
+                  <c:v>1</c:v>
+                </c:pt>
+                <c:pt idx="1">
+                  <c:v>3</c:v>
+                </c:pt>
+                <c:pt idx="2">
+                  <c:v>5</c:v>
+                </c:pt>
+                <c:pt idx="3">
+                  <c:v>7</c:v>
+                </c:pt>
+                <c:pt idx="4">
+                  <c:v>9</c:v>
+                </c:pt>
+                <c:pt idx="5">
+                  <c:v>11</c:v>
+                </c:pt>
+                <c:pt idx="6">
+                  <c:v>13</c:v>
+                </c:pt>
+                <c:pt idx="7">
+                  <c:v>15</c:v>
+                </c:pt>
+                <c:pt idx="8">
+                  <c:v>17</c:v>
+                </c:pt>
+                <c:pt idx="9">
+                  <c:v>21</c:v>
+                </c:pt>
+                <c:pt idx="10">
+                  <c:v>41</c:v>
+                </c:pt>
+                <c:pt idx="11">
+                  <c:v>47</c:v>
+                </c:pt>
+                <c:pt idx="12">
+                  <c:v>51</c:v>
+                </c:pt>
+              </c:numCache>
+            </c:numRef>
+          </c:cat>
+          <c:val>
+            <c:numRef>
+              <c:f>'SSR9（H33） AGP'!$B$168:$B$180</c:f>
+              <c:numCache>
+                <c:formatCode>0.000</c:formatCode>
+                <c:ptCount val="13"/>
+                <c:pt idx="0">
+                  <c:v>0</c:v>
+                </c:pt>
+                <c:pt idx="1">
+                  <c:v>0</c:v>
+                </c:pt>
+                <c:pt idx="2">
+                  <c:v>0.05</c:v>
+                </c:pt>
+                <c:pt idx="3">
+                  <c:v>0.45</c:v>
+                </c:pt>
+                <c:pt idx="4">
+                  <c:v>0.15</c:v>
+                </c:pt>
+                <c:pt idx="5">
+                  <c:v>0.35</c:v>
+                </c:pt>
+                <c:pt idx="6">
+                  <c:v>0</c:v>
+                </c:pt>
+                <c:pt idx="7">
+                  <c:v>0</c:v>
+                </c:pt>
+                <c:pt idx="8">
+                  <c:v>0</c:v>
+                </c:pt>
+                <c:pt idx="9">
+                  <c:v>0</c:v>
+                </c:pt>
+                <c:pt idx="10">
+                  <c:v>0</c:v>
+                </c:pt>
+                <c:pt idx="11">
+                  <c:v>0</c:v>
+                </c:pt>
+                <c:pt idx="12">
+                  <c:v>0</c:v>
+                </c:pt>
+              </c:numCache>
+            </c:numRef>
+          </c:val>
+          <c:extLst>
+            <c:ext xmlns:c16="http://schemas.microsoft.com/office/drawing/2014/chart" uri="{C3380CC4-5D6E-409C-BE32-E72D297353CC}">
+              <c16:uniqueId val="{00000000-11E0-457A-B7A5-D7D3FA569806}"/>
+            </c:ext>
+          </c:extLst>
+        </c:ser>
+        <c:dLbls>
+          <c:showLegendKey val="0"/>
+          <c:showVal val="0"/>
+          <c:showCatName val="0"/>
+          <c:showSerName val="0"/>
+          <c:showPercent val="0"/>
+          <c:showBubbleSize val="0"/>
+          <c:showLeaderLines val="1"/>
+        </c:dLbls>
+        <c:firstSliceAng val="0"/>
+      </c:pieChart>
+      <c:spPr>
+        <a:noFill/>
+        <a:ln w="25400">
+          <a:noFill/>
+        </a:ln>
+      </c:spPr>
+    </c:plotArea>
+    <c:plotVisOnly val="1"/>
+    <c:dispBlanksAs val="gap"/>
+    <c:extLst>
+      <c:ext xmlns:c16r3="http://schemas.microsoft.com/office/drawing/2017/03/chart" uri="{56B9EC1D-385E-4148-901F-78D8002777C0}">
+        <c16r3:dataDisplayOptions16>
+          <c16r3:dispNaAsBlank val="1"/>
+        </c16r3:dataDisplayOptions16>
+      </c:ext>
+    </c:extLst>
+    <c:showDLblsOverMax val="0"/>
+  </c:chart>
+  <c:externalData r:id="rId1">
+    <c:autoUpdate val="0"/>
+  </c:externalData>
+</c:chartSpace>
+</file>
+
+<file path=ppt/charts/chart2.xml><?xml version="1.0" encoding="utf-8"?>
+<c:chartSpace xmlns:c="http://schemas.openxmlformats.org/drawingml/2006/chart" xmlns:a="http://schemas.openxmlformats.org/drawingml/2006/main" xmlns:r="http://schemas.openxmlformats.org/officeDocument/2006/relationships" xmlns:c16r2="http://schemas.microsoft.com/office/drawing/2015/06/chart">
+  <c:date1904 val="0"/>
+  <c:lang val="en-US"/>
+  <c:roundedCorners val="0"/>
+  <mc:AlternateContent xmlns:mc="http://schemas.openxmlformats.org/markup-compatibility/2006">
+    <mc:Choice xmlns:c14="http://schemas.microsoft.com/office/drawing/2007/8/2/chart" Requires="c14">
+      <c14:style val="102"/>
+    </mc:Choice>
+    <mc:Fallback>
+      <c:style val="2"/>
+    </mc:Fallback>
+  </mc:AlternateContent>
+  <c:chart>
+    <c:title>
+      <c:tx>
+        <c:rich>
+          <a:bodyPr/>
+          <a:lstStyle/>
+          <a:p>
+            <a:pPr>
+              <a:defRPr sz="1200" b="1"/>
+            </a:pPr>
+            <a:r>
+              <a:rPr lang="en-US"/>
+              <a:t>Allele Frequency at SSR9（H33） for Sha (n=27)</a:t>
+            </a:r>
+          </a:p>
+        </c:rich>
+      </c:tx>
+      <c:layout>
+        <c:manualLayout>
+          <c:xMode val="edge"/>
+          <c:yMode val="edge"/>
+          <c:x val="0.5033899212598425"/>
+          <c:y val="0.8035714285714286"/>
+        </c:manualLayout>
+      </c:layout>
+      <c:overlay val="0"/>
+    </c:title>
+    <c:autoTitleDeleted val="0"/>
+    <c:plotArea>
+      <c:layout/>
+      <c:pieChart>
+        <c:varyColors val="1"/>
+        <c:ser>
+          <c:idx val="0"/>
+          <c:order val="0"/>
+          <c:dLbls>
+            <c:spPr>
+              <a:noFill/>
+              <a:ln>
+                <a:noFill/>
+              </a:ln>
+              <a:effectLst/>
+            </c:spPr>
+            <c:showLegendKey val="0"/>
+            <c:showVal val="0"/>
+            <c:showCatName val="1"/>
+            <c:showSerName val="0"/>
+            <c:showPercent val="1"/>
+            <c:showBubbleSize val="0"/>
+            <c:showLeaderLines val="1"/>
+            <c:extLst>
+              <c:ext xmlns:c15="http://schemas.microsoft.com/office/drawing/2012/chart" uri="{CE6537A1-D6FC-4f65-9D91-7224C49458BB}"/>
+            </c:extLst>
+          </c:dLbls>
+          <c:cat>
+            <c:numRef>
+              <c:f>'SSR9（H33） AGP'!$A$183:$A$195</c:f>
+              <c:numCache>
+                <c:formatCode>General</c:formatCode>
+                <c:ptCount val="13"/>
+                <c:pt idx="0">
+                  <c:v>1</c:v>
+                </c:pt>
+                <c:pt idx="1">
+                  <c:v>3</c:v>
+                </c:pt>
+                <c:pt idx="2">
+                  <c:v>5</c:v>
+                </c:pt>
+                <c:pt idx="3">
+                  <c:v>7</c:v>
+                </c:pt>
+                <c:pt idx="4">
+                  <c:v>9</c:v>
+                </c:pt>
+                <c:pt idx="5">
+                  <c:v>11</c:v>
+                </c:pt>
+                <c:pt idx="6">
+                  <c:v>13</c:v>
+                </c:pt>
+                <c:pt idx="7">
+                  <c:v>15</c:v>
+                </c:pt>
+                <c:pt idx="8">
+                  <c:v>17</c:v>
+                </c:pt>
+                <c:pt idx="9">
+                  <c:v>21</c:v>
+                </c:pt>
+                <c:pt idx="10">
+                  <c:v>41</c:v>
+                </c:pt>
+                <c:pt idx="11">
+                  <c:v>47</c:v>
+                </c:pt>
+                <c:pt idx="12">
+                  <c:v>51</c:v>
+                </c:pt>
+              </c:numCache>
+            </c:numRef>
+          </c:cat>
+          <c:val>
+            <c:numRef>
+              <c:f>'SSR9（H33） AGP'!$B$183:$B$195</c:f>
+              <c:numCache>
+                <c:formatCode>0.000</c:formatCode>
+                <c:ptCount val="13"/>
+                <c:pt idx="0">
+                  <c:v>0</c:v>
+                </c:pt>
+                <c:pt idx="1">
+                  <c:v>0</c:v>
+                </c:pt>
+                <c:pt idx="2">
+                  <c:v>0</c:v>
+                </c:pt>
+                <c:pt idx="3">
+                  <c:v>0.38889000000000001</c:v>
+                </c:pt>
+                <c:pt idx="4">
+                  <c:v>0.25925999999999999</c:v>
+                </c:pt>
+                <c:pt idx="5">
+                  <c:v>0.35185</c:v>
+                </c:pt>
+                <c:pt idx="6">
+                  <c:v>0</c:v>
+                </c:pt>
+                <c:pt idx="7">
+                  <c:v>0</c:v>
+                </c:pt>
+                <c:pt idx="8">
+                  <c:v>0</c:v>
+                </c:pt>
+                <c:pt idx="9">
+                  <c:v>0</c:v>
+                </c:pt>
+                <c:pt idx="10">
+                  <c:v>0</c:v>
+                </c:pt>
+                <c:pt idx="11">
+                  <c:v>0</c:v>
+                </c:pt>
+                <c:pt idx="12">
+                  <c:v>0</c:v>
+                </c:pt>
+              </c:numCache>
+            </c:numRef>
+          </c:val>
+          <c:extLst>
+            <c:ext xmlns:c16="http://schemas.microsoft.com/office/drawing/2014/chart" uri="{C3380CC4-5D6E-409C-BE32-E72D297353CC}">
+              <c16:uniqueId val="{00000000-5E04-4436-BD59-537028EDF913}"/>
+            </c:ext>
+          </c:extLst>
+        </c:ser>
+        <c:dLbls>
+          <c:showLegendKey val="0"/>
+          <c:showVal val="0"/>
+          <c:showCatName val="0"/>
+          <c:showSerName val="0"/>
+          <c:showPercent val="0"/>
+          <c:showBubbleSize val="0"/>
+          <c:showLeaderLines val="1"/>
+        </c:dLbls>
+        <c:firstSliceAng val="0"/>
+      </c:pieChart>
+      <c:spPr>
+        <a:noFill/>
+        <a:ln w="25400">
+          <a:noFill/>
+        </a:ln>
+      </c:spPr>
+    </c:plotArea>
+    <c:plotVisOnly val="1"/>
+    <c:dispBlanksAs val="gap"/>
+    <c:extLst>
+      <c:ext xmlns:c16r3="http://schemas.microsoft.com/office/drawing/2017/03/chart" uri="{56B9EC1D-385E-4148-901F-78D8002777C0}">
+        <c16r3:dataDisplayOptions16>
+          <c16r3:dispNaAsBlank val="1"/>
+        </c16r3:dataDisplayOptions16>
+      </c:ext>
+    </c:extLst>
+    <c:showDLblsOverMax val="0"/>
+  </c:chart>
+  <c:externalData r:id="rId1">
+    <c:autoUpdate val="0"/>
+  </c:externalData>
+</c:chartSpace>
+</file>
+
+<file path=ppt/charts/chart3.xml><?xml version="1.0" encoding="utf-8"?>
+<c:chartSpace xmlns:c="http://schemas.openxmlformats.org/drawingml/2006/chart" xmlns:a="http://schemas.openxmlformats.org/drawingml/2006/main" xmlns:r="http://schemas.openxmlformats.org/officeDocument/2006/relationships" xmlns:c16r2="http://schemas.microsoft.com/office/drawing/2015/06/chart">
+  <c:date1904 val="0"/>
+  <c:lang val="en-US"/>
+  <c:roundedCorners val="0"/>
+  <mc:AlternateContent xmlns:mc="http://schemas.openxmlformats.org/markup-compatibility/2006">
+    <mc:Choice xmlns:c14="http://schemas.microsoft.com/office/drawing/2007/8/2/chart" Requires="c14">
+      <c14:style val="102"/>
+    </mc:Choice>
+    <mc:Fallback>
+      <c:style val="2"/>
+    </mc:Fallback>
+  </mc:AlternateContent>
+  <c:chart>
+    <c:title>
+      <c:tx>
+        <c:rich>
+          <a:bodyPr/>
+          <a:lstStyle/>
+          <a:p>
+            <a:pPr>
+              <a:defRPr sz="1200" b="1"/>
+            </a:pPr>
+            <a:r>
+              <a:rPr lang="en-US"/>
+              <a:t>Allele Frequency at SSR9（H33） for Sui (n=20)</a:t>
+            </a:r>
+          </a:p>
+        </c:rich>
+      </c:tx>
+      <c:overlay val="0"/>
+    </c:title>
+    <c:autoTitleDeleted val="0"/>
+    <c:plotArea>
+      <c:layout/>
+      <c:pieChart>
+        <c:varyColors val="1"/>
+        <c:ser>
+          <c:idx val="0"/>
+          <c:order val="0"/>
+          <c:dLbls>
+            <c:spPr>
+              <a:noFill/>
+              <a:ln>
+                <a:noFill/>
+              </a:ln>
+              <a:effectLst/>
+            </c:spPr>
+            <c:showLegendKey val="0"/>
+            <c:showVal val="0"/>
+            <c:showCatName val="1"/>
+            <c:showSerName val="0"/>
+            <c:showPercent val="1"/>
+            <c:showBubbleSize val="0"/>
+            <c:showLeaderLines val="1"/>
+            <c:extLst>
+              <c:ext xmlns:c15="http://schemas.microsoft.com/office/drawing/2012/chart" uri="{CE6537A1-D6FC-4f65-9D91-7224C49458BB}"/>
+            </c:extLst>
+          </c:dLbls>
+          <c:cat>
+            <c:numRef>
+              <c:f>'SSR9（H33） AGP'!$A$198:$A$210</c:f>
+              <c:numCache>
+                <c:formatCode>General</c:formatCode>
+                <c:ptCount val="13"/>
+                <c:pt idx="0">
+                  <c:v>1</c:v>
+                </c:pt>
+                <c:pt idx="1">
+                  <c:v>3</c:v>
+                </c:pt>
+                <c:pt idx="2">
+                  <c:v>5</c:v>
+                </c:pt>
+                <c:pt idx="3">
+                  <c:v>7</c:v>
+                </c:pt>
+                <c:pt idx="4">
+                  <c:v>9</c:v>
+                </c:pt>
+                <c:pt idx="5">
+                  <c:v>11</c:v>
+                </c:pt>
+                <c:pt idx="6">
+                  <c:v>13</c:v>
+                </c:pt>
+                <c:pt idx="7">
+                  <c:v>15</c:v>
+                </c:pt>
+                <c:pt idx="8">
+                  <c:v>17</c:v>
+                </c:pt>
+                <c:pt idx="9">
+                  <c:v>21</c:v>
+                </c:pt>
+                <c:pt idx="10">
+                  <c:v>41</c:v>
+                </c:pt>
+                <c:pt idx="11">
+                  <c:v>47</c:v>
+                </c:pt>
+                <c:pt idx="12">
+                  <c:v>51</c:v>
+                </c:pt>
+              </c:numCache>
+            </c:numRef>
+          </c:cat>
+          <c:val>
+            <c:numRef>
+              <c:f>'SSR9（H33） AGP'!$B$198:$B$210</c:f>
+              <c:numCache>
+                <c:formatCode>0.000</c:formatCode>
+                <c:ptCount val="13"/>
+                <c:pt idx="0">
+                  <c:v>0</c:v>
+                </c:pt>
+                <c:pt idx="1">
+                  <c:v>0</c:v>
+                </c:pt>
+                <c:pt idx="2">
+                  <c:v>7.4999999999999997E-2</c:v>
+                </c:pt>
+                <c:pt idx="3">
+                  <c:v>0.22500000000000001</c:v>
+                </c:pt>
+                <c:pt idx="4">
+                  <c:v>0.42499999999999999</c:v>
+                </c:pt>
+                <c:pt idx="5">
+                  <c:v>0.25</c:v>
+                </c:pt>
+                <c:pt idx="6">
+                  <c:v>2.5000000000000001E-2</c:v>
+                </c:pt>
+                <c:pt idx="7">
+                  <c:v>0</c:v>
+                </c:pt>
+                <c:pt idx="8">
+                  <c:v>0</c:v>
+                </c:pt>
+                <c:pt idx="9">
+                  <c:v>0</c:v>
+                </c:pt>
+                <c:pt idx="10">
+                  <c:v>0</c:v>
+                </c:pt>
+                <c:pt idx="11">
+                  <c:v>0</c:v>
+                </c:pt>
+                <c:pt idx="12">
+                  <c:v>0</c:v>
+                </c:pt>
+              </c:numCache>
+            </c:numRef>
+          </c:val>
+          <c:extLst>
+            <c:ext xmlns:c16="http://schemas.microsoft.com/office/drawing/2014/chart" uri="{C3380CC4-5D6E-409C-BE32-E72D297353CC}">
+              <c16:uniqueId val="{00000000-138D-4765-9087-5F57A28B61CC}"/>
+            </c:ext>
+          </c:extLst>
+        </c:ser>
+        <c:dLbls>
+          <c:showLegendKey val="0"/>
+          <c:showVal val="0"/>
+          <c:showCatName val="0"/>
+          <c:showSerName val="0"/>
+          <c:showPercent val="0"/>
+          <c:showBubbleSize val="0"/>
+          <c:showLeaderLines val="1"/>
+        </c:dLbls>
+        <c:firstSliceAng val="0"/>
+      </c:pieChart>
+      <c:spPr>
+        <a:noFill/>
+        <a:ln w="25400">
+          <a:noFill/>
+        </a:ln>
+      </c:spPr>
+    </c:plotArea>
+    <c:plotVisOnly val="1"/>
+    <c:dispBlanksAs val="gap"/>
+    <c:extLst>
+      <c:ext xmlns:c16r3="http://schemas.microsoft.com/office/drawing/2017/03/chart" uri="{56B9EC1D-385E-4148-901F-78D8002777C0}">
+        <c16r3:dataDisplayOptions16>
+          <c16r3:dispNaAsBlank val="1"/>
+        </c16r3:dataDisplayOptions16>
+      </c:ext>
+    </c:extLst>
+    <c:showDLblsOverMax val="0"/>
+  </c:chart>
+  <c:externalData r:id="rId1">
+    <c:autoUpdate val="0"/>
+  </c:externalData>
+</c:chartSpace>
+</file>
+
+<file path=ppt/charts/chart4.xml><?xml version="1.0" encoding="utf-8"?>
 <c:chartSpace xmlns:c="http://schemas.openxmlformats.org/drawingml/2006/chart" xmlns:a="http://schemas.openxmlformats.org/drawingml/2006/main" xmlns:r="http://schemas.openxmlformats.org/officeDocument/2006/relationships" xmlns:c16r2="http://schemas.microsoft.com/office/drawing/2015/06/chart">
   <c:date1904 val="0"/>
   <c:lang val="en-US"/>
@@ -2394,6 +3023,1941 @@
 </p:sldLayout>
 </file>
 
+<file path=ppt/slideLayouts/slideLayout12.xml><?xml version="1.0" encoding="utf-8"?>
+<p:sldLayout xmlns:a="http://schemas.openxmlformats.org/drawingml/2006/main" xmlns:r="http://schemas.openxmlformats.org/officeDocument/2006/relationships" xmlns:p="http://schemas.openxmlformats.org/presentationml/2006/main" type="title" preserve="1">
+  <p:cSld name="Title Slide">
+    <p:spTree>
+      <p:nvGrpSpPr>
+        <p:cNvPr id="1" name=""/>
+        <p:cNvGrpSpPr/>
+        <p:nvPr/>
+      </p:nvGrpSpPr>
+      <p:grpSpPr>
+        <a:xfrm>
+          <a:off x="0" y="0"/>
+          <a:ext cx="0" cy="0"/>
+          <a:chOff x="0" y="0"/>
+          <a:chExt cx="0" cy="0"/>
+        </a:xfrm>
+      </p:grpSpPr>
+      <p:sp>
+        <p:nvSpPr>
+          <p:cNvPr id="2" name="Title 1">
+            <a:extLst>
+              <a:ext uri="{FF2B5EF4-FFF2-40B4-BE49-F238E27FC236}">
+                <a16:creationId xmlns:a16="http://schemas.microsoft.com/office/drawing/2014/main" id="{8D48648B-3A49-496B-958D-CAA572B23A56}"/>
+              </a:ext>
+            </a:extLst>
+          </p:cNvPr>
+          <p:cNvSpPr>
+            <a:spLocks noGrp="1"/>
+          </p:cNvSpPr>
+          <p:nvPr>
+            <p:ph type="ctrTitle"/>
+          </p:nvPr>
+        </p:nvSpPr>
+        <p:spPr>
+          <a:xfrm>
+            <a:off x="1524000" y="1122363"/>
+            <a:ext cx="9144000" cy="2387600"/>
+          </a:xfrm>
+        </p:spPr>
+        <p:txBody>
+          <a:bodyPr anchor="b"/>
+          <a:lstStyle>
+            <a:lvl1pPr algn="ctr">
+              <a:defRPr sz="6000"/>
+            </a:lvl1pPr>
+          </a:lstStyle>
+          <a:p>
+            <a:r>
+              <a:rPr lang="en-US"/>
+              <a:t>Click to edit Master title style</a:t>
+            </a:r>
+          </a:p>
+        </p:txBody>
+      </p:sp>
+      <p:sp>
+        <p:nvSpPr>
+          <p:cNvPr id="3" name="Subtitle 2">
+            <a:extLst>
+              <a:ext uri="{FF2B5EF4-FFF2-40B4-BE49-F238E27FC236}">
+                <a16:creationId xmlns:a16="http://schemas.microsoft.com/office/drawing/2014/main" id="{983F1EB1-D09E-40E8-B7F0-5B2BFF4A09B2}"/>
+              </a:ext>
+            </a:extLst>
+          </p:cNvPr>
+          <p:cNvSpPr>
+            <a:spLocks noGrp="1"/>
+          </p:cNvSpPr>
+          <p:nvPr>
+            <p:ph type="subTitle" idx="1"/>
+          </p:nvPr>
+        </p:nvSpPr>
+        <p:spPr>
+          <a:xfrm>
+            <a:off x="1524000" y="3602038"/>
+            <a:ext cx="9144000" cy="1655762"/>
+          </a:xfrm>
+        </p:spPr>
+        <p:txBody>
+          <a:bodyPr/>
+          <a:lstStyle>
+            <a:lvl1pPr marL="0" indent="0" algn="ctr">
+              <a:buNone/>
+              <a:defRPr sz="2400"/>
+            </a:lvl1pPr>
+            <a:lvl2pPr marL="457200" indent="0" algn="ctr">
+              <a:buNone/>
+              <a:defRPr sz="2000"/>
+            </a:lvl2pPr>
+            <a:lvl3pPr marL="914400" indent="0" algn="ctr">
+              <a:buNone/>
+              <a:defRPr sz="1800"/>
+            </a:lvl3pPr>
+            <a:lvl4pPr marL="1371600" indent="0" algn="ctr">
+              <a:buNone/>
+              <a:defRPr sz="1600"/>
+            </a:lvl4pPr>
+            <a:lvl5pPr marL="1828800" indent="0" algn="ctr">
+              <a:buNone/>
+              <a:defRPr sz="1600"/>
+            </a:lvl5pPr>
+            <a:lvl6pPr marL="2286000" indent="0" algn="ctr">
+              <a:buNone/>
+              <a:defRPr sz="1600"/>
+            </a:lvl6pPr>
+            <a:lvl7pPr marL="2743200" indent="0" algn="ctr">
+              <a:buNone/>
+              <a:defRPr sz="1600"/>
+            </a:lvl7pPr>
+            <a:lvl8pPr marL="3200400" indent="0" algn="ctr">
+              <a:buNone/>
+              <a:defRPr sz="1600"/>
+            </a:lvl8pPr>
+            <a:lvl9pPr marL="3657600" indent="0" algn="ctr">
+              <a:buNone/>
+              <a:defRPr sz="1600"/>
+            </a:lvl9pPr>
+          </a:lstStyle>
+          <a:p>
+            <a:r>
+              <a:rPr lang="en-US"/>
+              <a:t>Click to edit Master subtitle style</a:t>
+            </a:r>
+          </a:p>
+        </p:txBody>
+      </p:sp>
+      <p:sp>
+        <p:nvSpPr>
+          <p:cNvPr id="4" name="Date Placeholder 3">
+            <a:extLst>
+              <a:ext uri="{FF2B5EF4-FFF2-40B4-BE49-F238E27FC236}">
+                <a16:creationId xmlns:a16="http://schemas.microsoft.com/office/drawing/2014/main" id="{937FF525-E2BA-4F8B-BE32-3DC2891AC224}"/>
+              </a:ext>
+            </a:extLst>
+          </p:cNvPr>
+          <p:cNvSpPr>
+            <a:spLocks noGrp="1"/>
+          </p:cNvSpPr>
+          <p:nvPr>
+            <p:ph type="dt" sz="half" idx="10"/>
+          </p:nvPr>
+        </p:nvSpPr>
+        <p:spPr/>
+        <p:txBody>
+          <a:bodyPr/>
+          <a:lstStyle/>
+          <a:p>
+            <a:fld id="{B688772E-FB9E-4424-915A-EFECB76FA9CF}" type="datetimeFigureOut">
+              <a:rPr lang="en-US" smtClean="0"/>
+              <a:t>12/5/2018</a:t>
+            </a:fld>
+            <a:endParaRPr lang="en-US"/>
+          </a:p>
+        </p:txBody>
+      </p:sp>
+      <p:sp>
+        <p:nvSpPr>
+          <p:cNvPr id="5" name="Footer Placeholder 4">
+            <a:extLst>
+              <a:ext uri="{FF2B5EF4-FFF2-40B4-BE49-F238E27FC236}">
+                <a16:creationId xmlns:a16="http://schemas.microsoft.com/office/drawing/2014/main" id="{CBCCC9A1-8BB5-46F1-B726-F8E1B736EBC2}"/>
+              </a:ext>
+            </a:extLst>
+          </p:cNvPr>
+          <p:cNvSpPr>
+            <a:spLocks noGrp="1"/>
+          </p:cNvSpPr>
+          <p:nvPr>
+            <p:ph type="ftr" sz="quarter" idx="11"/>
+          </p:nvPr>
+        </p:nvSpPr>
+        <p:spPr/>
+        <p:txBody>
+          <a:bodyPr/>
+          <a:lstStyle/>
+          <a:p>
+            <a:endParaRPr lang="en-US"/>
+          </a:p>
+        </p:txBody>
+      </p:sp>
+      <p:sp>
+        <p:nvSpPr>
+          <p:cNvPr id="6" name="Slide Number Placeholder 5">
+            <a:extLst>
+              <a:ext uri="{FF2B5EF4-FFF2-40B4-BE49-F238E27FC236}">
+                <a16:creationId xmlns:a16="http://schemas.microsoft.com/office/drawing/2014/main" id="{61EB8B95-D4E2-4691-AE07-A52393B3220F}"/>
+              </a:ext>
+            </a:extLst>
+          </p:cNvPr>
+          <p:cNvSpPr>
+            <a:spLocks noGrp="1"/>
+          </p:cNvSpPr>
+          <p:nvPr>
+            <p:ph type="sldNum" sz="quarter" idx="12"/>
+          </p:nvPr>
+        </p:nvSpPr>
+        <p:spPr/>
+        <p:txBody>
+          <a:bodyPr/>
+          <a:lstStyle/>
+          <a:p>
+            <a:fld id="{9F938F8F-F582-4734-B8DE-D8D9F879027C}" type="slidenum">
+              <a:rPr lang="en-US" smtClean="0"/>
+              <a:t>‹#›</a:t>
+            </a:fld>
+            <a:endParaRPr lang="en-US"/>
+          </a:p>
+        </p:txBody>
+      </p:sp>
+    </p:spTree>
+    <p:extLst>
+      <p:ext uri="{BB962C8B-B14F-4D97-AF65-F5344CB8AC3E}">
+        <p14:creationId xmlns:p14="http://schemas.microsoft.com/office/powerpoint/2010/main" val="606877162"/>
+      </p:ext>
+    </p:extLst>
+  </p:cSld>
+  <p:clrMapOvr>
+    <a:masterClrMapping/>
+  </p:clrMapOvr>
+</p:sldLayout>
+</file>
+
+<file path=ppt/slideLayouts/slideLayout13.xml><?xml version="1.0" encoding="utf-8"?>
+<p:sldLayout xmlns:a="http://schemas.openxmlformats.org/drawingml/2006/main" xmlns:r="http://schemas.openxmlformats.org/officeDocument/2006/relationships" xmlns:p="http://schemas.openxmlformats.org/presentationml/2006/main" type="obj" preserve="1">
+  <p:cSld name="Title and Content">
+    <p:spTree>
+      <p:nvGrpSpPr>
+        <p:cNvPr id="1" name=""/>
+        <p:cNvGrpSpPr/>
+        <p:nvPr/>
+      </p:nvGrpSpPr>
+      <p:grpSpPr>
+        <a:xfrm>
+          <a:off x="0" y="0"/>
+          <a:ext cx="0" cy="0"/>
+          <a:chOff x="0" y="0"/>
+          <a:chExt cx="0" cy="0"/>
+        </a:xfrm>
+      </p:grpSpPr>
+      <p:sp>
+        <p:nvSpPr>
+          <p:cNvPr id="2" name="Title 1">
+            <a:extLst>
+              <a:ext uri="{FF2B5EF4-FFF2-40B4-BE49-F238E27FC236}">
+                <a16:creationId xmlns:a16="http://schemas.microsoft.com/office/drawing/2014/main" id="{029DDCE5-4F01-4698-81C8-7DD790C30064}"/>
+              </a:ext>
+            </a:extLst>
+          </p:cNvPr>
+          <p:cNvSpPr>
+            <a:spLocks noGrp="1"/>
+          </p:cNvSpPr>
+          <p:nvPr>
+            <p:ph type="title"/>
+          </p:nvPr>
+        </p:nvSpPr>
+        <p:spPr/>
+        <p:txBody>
+          <a:bodyPr/>
+          <a:lstStyle/>
+          <a:p>
+            <a:r>
+              <a:rPr lang="en-US"/>
+              <a:t>Click to edit Master title style</a:t>
+            </a:r>
+          </a:p>
+        </p:txBody>
+      </p:sp>
+      <p:sp>
+        <p:nvSpPr>
+          <p:cNvPr id="3" name="Content Placeholder 2">
+            <a:extLst>
+              <a:ext uri="{FF2B5EF4-FFF2-40B4-BE49-F238E27FC236}">
+                <a16:creationId xmlns:a16="http://schemas.microsoft.com/office/drawing/2014/main" id="{33BAEE8A-9358-4895-A437-02F192B5891A}"/>
+              </a:ext>
+            </a:extLst>
+          </p:cNvPr>
+          <p:cNvSpPr>
+            <a:spLocks noGrp="1"/>
+          </p:cNvSpPr>
+          <p:nvPr>
+            <p:ph idx="1"/>
+          </p:nvPr>
+        </p:nvSpPr>
+        <p:spPr/>
+        <p:txBody>
+          <a:bodyPr/>
+          <a:lstStyle/>
+          <a:p>
+            <a:pPr lvl="0"/>
+            <a:r>
+              <a:rPr lang="en-US"/>
+              <a:t>Edit Master text styles</a:t>
+            </a:r>
+          </a:p>
+          <a:p>
+            <a:pPr lvl="1"/>
+            <a:r>
+              <a:rPr lang="en-US"/>
+              <a:t>Second level</a:t>
+            </a:r>
+          </a:p>
+          <a:p>
+            <a:pPr lvl="2"/>
+            <a:r>
+              <a:rPr lang="en-US"/>
+              <a:t>Third level</a:t>
+            </a:r>
+          </a:p>
+          <a:p>
+            <a:pPr lvl="3"/>
+            <a:r>
+              <a:rPr lang="en-US"/>
+              <a:t>Fourth level</a:t>
+            </a:r>
+          </a:p>
+          <a:p>
+            <a:pPr lvl="4"/>
+            <a:r>
+              <a:rPr lang="en-US"/>
+              <a:t>Fifth level</a:t>
+            </a:r>
+          </a:p>
+        </p:txBody>
+      </p:sp>
+      <p:sp>
+        <p:nvSpPr>
+          <p:cNvPr id="4" name="Date Placeholder 3">
+            <a:extLst>
+              <a:ext uri="{FF2B5EF4-FFF2-40B4-BE49-F238E27FC236}">
+                <a16:creationId xmlns:a16="http://schemas.microsoft.com/office/drawing/2014/main" id="{66E4D6DC-A26F-469D-ABD2-94A951967BE0}"/>
+              </a:ext>
+            </a:extLst>
+          </p:cNvPr>
+          <p:cNvSpPr>
+            <a:spLocks noGrp="1"/>
+          </p:cNvSpPr>
+          <p:nvPr>
+            <p:ph type="dt" sz="half" idx="10"/>
+          </p:nvPr>
+        </p:nvSpPr>
+        <p:spPr/>
+        <p:txBody>
+          <a:bodyPr/>
+          <a:lstStyle/>
+          <a:p>
+            <a:fld id="{B688772E-FB9E-4424-915A-EFECB76FA9CF}" type="datetimeFigureOut">
+              <a:rPr lang="en-US" smtClean="0"/>
+              <a:t>12/5/2018</a:t>
+            </a:fld>
+            <a:endParaRPr lang="en-US"/>
+          </a:p>
+        </p:txBody>
+      </p:sp>
+      <p:sp>
+        <p:nvSpPr>
+          <p:cNvPr id="5" name="Footer Placeholder 4">
+            <a:extLst>
+              <a:ext uri="{FF2B5EF4-FFF2-40B4-BE49-F238E27FC236}">
+                <a16:creationId xmlns:a16="http://schemas.microsoft.com/office/drawing/2014/main" id="{48E2E3F5-3601-48E9-B88E-F7250F7F00D6}"/>
+              </a:ext>
+            </a:extLst>
+          </p:cNvPr>
+          <p:cNvSpPr>
+            <a:spLocks noGrp="1"/>
+          </p:cNvSpPr>
+          <p:nvPr>
+            <p:ph type="ftr" sz="quarter" idx="11"/>
+          </p:nvPr>
+        </p:nvSpPr>
+        <p:spPr/>
+        <p:txBody>
+          <a:bodyPr/>
+          <a:lstStyle/>
+          <a:p>
+            <a:endParaRPr lang="en-US"/>
+          </a:p>
+        </p:txBody>
+      </p:sp>
+      <p:sp>
+        <p:nvSpPr>
+          <p:cNvPr id="6" name="Slide Number Placeholder 5">
+            <a:extLst>
+              <a:ext uri="{FF2B5EF4-FFF2-40B4-BE49-F238E27FC236}">
+                <a16:creationId xmlns:a16="http://schemas.microsoft.com/office/drawing/2014/main" id="{8ABC796E-4723-4847-A5D0-EF9A7C79F4B5}"/>
+              </a:ext>
+            </a:extLst>
+          </p:cNvPr>
+          <p:cNvSpPr>
+            <a:spLocks noGrp="1"/>
+          </p:cNvSpPr>
+          <p:nvPr>
+            <p:ph type="sldNum" sz="quarter" idx="12"/>
+          </p:nvPr>
+        </p:nvSpPr>
+        <p:spPr/>
+        <p:txBody>
+          <a:bodyPr/>
+          <a:lstStyle/>
+          <a:p>
+            <a:fld id="{9F938F8F-F582-4734-B8DE-D8D9F879027C}" type="slidenum">
+              <a:rPr lang="en-US" smtClean="0"/>
+              <a:t>‹#›</a:t>
+            </a:fld>
+            <a:endParaRPr lang="en-US"/>
+          </a:p>
+        </p:txBody>
+      </p:sp>
+    </p:spTree>
+    <p:extLst>
+      <p:ext uri="{BB962C8B-B14F-4D97-AF65-F5344CB8AC3E}">
+        <p14:creationId xmlns:p14="http://schemas.microsoft.com/office/powerpoint/2010/main" val="247657838"/>
+      </p:ext>
+    </p:extLst>
+  </p:cSld>
+  <p:clrMapOvr>
+    <a:masterClrMapping/>
+  </p:clrMapOvr>
+</p:sldLayout>
+</file>
+
+<file path=ppt/slideLayouts/slideLayout14.xml><?xml version="1.0" encoding="utf-8"?>
+<p:sldLayout xmlns:a="http://schemas.openxmlformats.org/drawingml/2006/main" xmlns:r="http://schemas.openxmlformats.org/officeDocument/2006/relationships" xmlns:p="http://schemas.openxmlformats.org/presentationml/2006/main" type="secHead" preserve="1">
+  <p:cSld name="Section Header">
+    <p:spTree>
+      <p:nvGrpSpPr>
+        <p:cNvPr id="1" name=""/>
+        <p:cNvGrpSpPr/>
+        <p:nvPr/>
+      </p:nvGrpSpPr>
+      <p:grpSpPr>
+        <a:xfrm>
+          <a:off x="0" y="0"/>
+          <a:ext cx="0" cy="0"/>
+          <a:chOff x="0" y="0"/>
+          <a:chExt cx="0" cy="0"/>
+        </a:xfrm>
+      </p:grpSpPr>
+      <p:sp>
+        <p:nvSpPr>
+          <p:cNvPr id="2" name="Title 1">
+            <a:extLst>
+              <a:ext uri="{FF2B5EF4-FFF2-40B4-BE49-F238E27FC236}">
+                <a16:creationId xmlns:a16="http://schemas.microsoft.com/office/drawing/2014/main" id="{62DD7F13-5DF5-45C2-A01B-0B0C2CBAA290}"/>
+              </a:ext>
+            </a:extLst>
+          </p:cNvPr>
+          <p:cNvSpPr>
+            <a:spLocks noGrp="1"/>
+          </p:cNvSpPr>
+          <p:nvPr>
+            <p:ph type="title"/>
+          </p:nvPr>
+        </p:nvSpPr>
+        <p:spPr>
+          <a:xfrm>
+            <a:off x="831850" y="1709738"/>
+            <a:ext cx="10515600" cy="2852737"/>
+          </a:xfrm>
+        </p:spPr>
+        <p:txBody>
+          <a:bodyPr anchor="b"/>
+          <a:lstStyle>
+            <a:lvl1pPr>
+              <a:defRPr sz="6000"/>
+            </a:lvl1pPr>
+          </a:lstStyle>
+          <a:p>
+            <a:r>
+              <a:rPr lang="en-US"/>
+              <a:t>Click to edit Master title style</a:t>
+            </a:r>
+          </a:p>
+        </p:txBody>
+      </p:sp>
+      <p:sp>
+        <p:nvSpPr>
+          <p:cNvPr id="3" name="Text Placeholder 2">
+            <a:extLst>
+              <a:ext uri="{FF2B5EF4-FFF2-40B4-BE49-F238E27FC236}">
+                <a16:creationId xmlns:a16="http://schemas.microsoft.com/office/drawing/2014/main" id="{EC9BA9C5-8A62-404B-A50C-9435CCDED5DF}"/>
+              </a:ext>
+            </a:extLst>
+          </p:cNvPr>
+          <p:cNvSpPr>
+            <a:spLocks noGrp="1"/>
+          </p:cNvSpPr>
+          <p:nvPr>
+            <p:ph type="body" idx="1"/>
+          </p:nvPr>
+        </p:nvSpPr>
+        <p:spPr>
+          <a:xfrm>
+            <a:off x="831850" y="4589463"/>
+            <a:ext cx="10515600" cy="1500187"/>
+          </a:xfrm>
+        </p:spPr>
+        <p:txBody>
+          <a:bodyPr/>
+          <a:lstStyle>
+            <a:lvl1pPr marL="0" indent="0">
+              <a:buNone/>
+              <a:defRPr sz="2400">
+                <a:solidFill>
+                  <a:schemeClr val="tx1">
+                    <a:tint val="75000"/>
+                  </a:schemeClr>
+                </a:solidFill>
+              </a:defRPr>
+            </a:lvl1pPr>
+            <a:lvl2pPr marL="457200" indent="0">
+              <a:buNone/>
+              <a:defRPr sz="2000">
+                <a:solidFill>
+                  <a:schemeClr val="tx1">
+                    <a:tint val="75000"/>
+                  </a:schemeClr>
+                </a:solidFill>
+              </a:defRPr>
+            </a:lvl2pPr>
+            <a:lvl3pPr marL="914400" indent="0">
+              <a:buNone/>
+              <a:defRPr sz="1800">
+                <a:solidFill>
+                  <a:schemeClr val="tx1">
+                    <a:tint val="75000"/>
+                  </a:schemeClr>
+                </a:solidFill>
+              </a:defRPr>
+            </a:lvl3pPr>
+            <a:lvl4pPr marL="1371600" indent="0">
+              <a:buNone/>
+              <a:defRPr sz="1600">
+                <a:solidFill>
+                  <a:schemeClr val="tx1">
+                    <a:tint val="75000"/>
+                  </a:schemeClr>
+                </a:solidFill>
+              </a:defRPr>
+            </a:lvl4pPr>
+            <a:lvl5pPr marL="1828800" indent="0">
+              <a:buNone/>
+              <a:defRPr sz="1600">
+                <a:solidFill>
+                  <a:schemeClr val="tx1">
+                    <a:tint val="75000"/>
+                  </a:schemeClr>
+                </a:solidFill>
+              </a:defRPr>
+            </a:lvl5pPr>
+            <a:lvl6pPr marL="2286000" indent="0">
+              <a:buNone/>
+              <a:defRPr sz="1600">
+                <a:solidFill>
+                  <a:schemeClr val="tx1">
+                    <a:tint val="75000"/>
+                  </a:schemeClr>
+                </a:solidFill>
+              </a:defRPr>
+            </a:lvl6pPr>
+            <a:lvl7pPr marL="2743200" indent="0">
+              <a:buNone/>
+              <a:defRPr sz="1600">
+                <a:solidFill>
+                  <a:schemeClr val="tx1">
+                    <a:tint val="75000"/>
+                  </a:schemeClr>
+                </a:solidFill>
+              </a:defRPr>
+            </a:lvl7pPr>
+            <a:lvl8pPr marL="3200400" indent="0">
+              <a:buNone/>
+              <a:defRPr sz="1600">
+                <a:solidFill>
+                  <a:schemeClr val="tx1">
+                    <a:tint val="75000"/>
+                  </a:schemeClr>
+                </a:solidFill>
+              </a:defRPr>
+            </a:lvl8pPr>
+            <a:lvl9pPr marL="3657600" indent="0">
+              <a:buNone/>
+              <a:defRPr sz="1600">
+                <a:solidFill>
+                  <a:schemeClr val="tx1">
+                    <a:tint val="75000"/>
+                  </a:schemeClr>
+                </a:solidFill>
+              </a:defRPr>
+            </a:lvl9pPr>
+          </a:lstStyle>
+          <a:p>
+            <a:pPr lvl="0"/>
+            <a:r>
+              <a:rPr lang="en-US"/>
+              <a:t>Edit Master text styles</a:t>
+            </a:r>
+          </a:p>
+        </p:txBody>
+      </p:sp>
+      <p:sp>
+        <p:nvSpPr>
+          <p:cNvPr id="4" name="Date Placeholder 3">
+            <a:extLst>
+              <a:ext uri="{FF2B5EF4-FFF2-40B4-BE49-F238E27FC236}">
+                <a16:creationId xmlns:a16="http://schemas.microsoft.com/office/drawing/2014/main" id="{16A72B45-8A81-4ADA-AAA4-62F7F0D82C13}"/>
+              </a:ext>
+            </a:extLst>
+          </p:cNvPr>
+          <p:cNvSpPr>
+            <a:spLocks noGrp="1"/>
+          </p:cNvSpPr>
+          <p:nvPr>
+            <p:ph type="dt" sz="half" idx="10"/>
+          </p:nvPr>
+        </p:nvSpPr>
+        <p:spPr/>
+        <p:txBody>
+          <a:bodyPr/>
+          <a:lstStyle/>
+          <a:p>
+            <a:fld id="{B688772E-FB9E-4424-915A-EFECB76FA9CF}" type="datetimeFigureOut">
+              <a:rPr lang="en-US" smtClean="0"/>
+              <a:t>12/5/2018</a:t>
+            </a:fld>
+            <a:endParaRPr lang="en-US"/>
+          </a:p>
+        </p:txBody>
+      </p:sp>
+      <p:sp>
+        <p:nvSpPr>
+          <p:cNvPr id="5" name="Footer Placeholder 4">
+            <a:extLst>
+              <a:ext uri="{FF2B5EF4-FFF2-40B4-BE49-F238E27FC236}">
+                <a16:creationId xmlns:a16="http://schemas.microsoft.com/office/drawing/2014/main" id="{4914CA4E-4590-4C71-9CED-EA4D295824BB}"/>
+              </a:ext>
+            </a:extLst>
+          </p:cNvPr>
+          <p:cNvSpPr>
+            <a:spLocks noGrp="1"/>
+          </p:cNvSpPr>
+          <p:nvPr>
+            <p:ph type="ftr" sz="quarter" idx="11"/>
+          </p:nvPr>
+        </p:nvSpPr>
+        <p:spPr/>
+        <p:txBody>
+          <a:bodyPr/>
+          <a:lstStyle/>
+          <a:p>
+            <a:endParaRPr lang="en-US"/>
+          </a:p>
+        </p:txBody>
+      </p:sp>
+      <p:sp>
+        <p:nvSpPr>
+          <p:cNvPr id="6" name="Slide Number Placeholder 5">
+            <a:extLst>
+              <a:ext uri="{FF2B5EF4-FFF2-40B4-BE49-F238E27FC236}">
+                <a16:creationId xmlns:a16="http://schemas.microsoft.com/office/drawing/2014/main" id="{E16C39C8-38C4-4EC0-A0BD-B74EAFD91B42}"/>
+              </a:ext>
+            </a:extLst>
+          </p:cNvPr>
+          <p:cNvSpPr>
+            <a:spLocks noGrp="1"/>
+          </p:cNvSpPr>
+          <p:nvPr>
+            <p:ph type="sldNum" sz="quarter" idx="12"/>
+          </p:nvPr>
+        </p:nvSpPr>
+        <p:spPr/>
+        <p:txBody>
+          <a:bodyPr/>
+          <a:lstStyle/>
+          <a:p>
+            <a:fld id="{9F938F8F-F582-4734-B8DE-D8D9F879027C}" type="slidenum">
+              <a:rPr lang="en-US" smtClean="0"/>
+              <a:t>‹#›</a:t>
+            </a:fld>
+            <a:endParaRPr lang="en-US"/>
+          </a:p>
+        </p:txBody>
+      </p:sp>
+    </p:spTree>
+    <p:extLst>
+      <p:ext uri="{BB962C8B-B14F-4D97-AF65-F5344CB8AC3E}">
+        <p14:creationId xmlns:p14="http://schemas.microsoft.com/office/powerpoint/2010/main" val="2534561134"/>
+      </p:ext>
+    </p:extLst>
+  </p:cSld>
+  <p:clrMapOvr>
+    <a:masterClrMapping/>
+  </p:clrMapOvr>
+</p:sldLayout>
+</file>
+
+<file path=ppt/slideLayouts/slideLayout15.xml><?xml version="1.0" encoding="utf-8"?>
+<p:sldLayout xmlns:a="http://schemas.openxmlformats.org/drawingml/2006/main" xmlns:r="http://schemas.openxmlformats.org/officeDocument/2006/relationships" xmlns:p="http://schemas.openxmlformats.org/presentationml/2006/main" type="twoObj" preserve="1">
+  <p:cSld name="Two Content">
+    <p:spTree>
+      <p:nvGrpSpPr>
+        <p:cNvPr id="1" name=""/>
+        <p:cNvGrpSpPr/>
+        <p:nvPr/>
+      </p:nvGrpSpPr>
+      <p:grpSpPr>
+        <a:xfrm>
+          <a:off x="0" y="0"/>
+          <a:ext cx="0" cy="0"/>
+          <a:chOff x="0" y="0"/>
+          <a:chExt cx="0" cy="0"/>
+        </a:xfrm>
+      </p:grpSpPr>
+      <p:sp>
+        <p:nvSpPr>
+          <p:cNvPr id="2" name="Title 1">
+            <a:extLst>
+              <a:ext uri="{FF2B5EF4-FFF2-40B4-BE49-F238E27FC236}">
+                <a16:creationId xmlns:a16="http://schemas.microsoft.com/office/drawing/2014/main" id="{5633FCCF-76C3-431D-AFDB-C6B9F233DE95}"/>
+              </a:ext>
+            </a:extLst>
+          </p:cNvPr>
+          <p:cNvSpPr>
+            <a:spLocks noGrp="1"/>
+          </p:cNvSpPr>
+          <p:nvPr>
+            <p:ph type="title"/>
+          </p:nvPr>
+        </p:nvSpPr>
+        <p:spPr/>
+        <p:txBody>
+          <a:bodyPr/>
+          <a:lstStyle/>
+          <a:p>
+            <a:r>
+              <a:rPr lang="en-US"/>
+              <a:t>Click to edit Master title style</a:t>
+            </a:r>
+          </a:p>
+        </p:txBody>
+      </p:sp>
+      <p:sp>
+        <p:nvSpPr>
+          <p:cNvPr id="3" name="Content Placeholder 2">
+            <a:extLst>
+              <a:ext uri="{FF2B5EF4-FFF2-40B4-BE49-F238E27FC236}">
+                <a16:creationId xmlns:a16="http://schemas.microsoft.com/office/drawing/2014/main" id="{5B26A57B-5426-4C4B-BAD2-C6658FC3D6EC}"/>
+              </a:ext>
+            </a:extLst>
+          </p:cNvPr>
+          <p:cNvSpPr>
+            <a:spLocks noGrp="1"/>
+          </p:cNvSpPr>
+          <p:nvPr>
+            <p:ph sz="half" idx="1"/>
+          </p:nvPr>
+        </p:nvSpPr>
+        <p:spPr>
+          <a:xfrm>
+            <a:off x="838200" y="1825625"/>
+            <a:ext cx="5181600" cy="4351338"/>
+          </a:xfrm>
+        </p:spPr>
+        <p:txBody>
+          <a:bodyPr/>
+          <a:lstStyle/>
+          <a:p>
+            <a:pPr lvl="0"/>
+            <a:r>
+              <a:rPr lang="en-US"/>
+              <a:t>Edit Master text styles</a:t>
+            </a:r>
+          </a:p>
+          <a:p>
+            <a:pPr lvl="1"/>
+            <a:r>
+              <a:rPr lang="en-US"/>
+              <a:t>Second level</a:t>
+            </a:r>
+          </a:p>
+          <a:p>
+            <a:pPr lvl="2"/>
+            <a:r>
+              <a:rPr lang="en-US"/>
+              <a:t>Third level</a:t>
+            </a:r>
+          </a:p>
+          <a:p>
+            <a:pPr lvl="3"/>
+            <a:r>
+              <a:rPr lang="en-US"/>
+              <a:t>Fourth level</a:t>
+            </a:r>
+          </a:p>
+          <a:p>
+            <a:pPr lvl="4"/>
+            <a:r>
+              <a:rPr lang="en-US"/>
+              <a:t>Fifth level</a:t>
+            </a:r>
+          </a:p>
+        </p:txBody>
+      </p:sp>
+      <p:sp>
+        <p:nvSpPr>
+          <p:cNvPr id="4" name="Content Placeholder 3">
+            <a:extLst>
+              <a:ext uri="{FF2B5EF4-FFF2-40B4-BE49-F238E27FC236}">
+                <a16:creationId xmlns:a16="http://schemas.microsoft.com/office/drawing/2014/main" id="{AF92F198-3401-4556-A464-CD1688C6BAEB}"/>
+              </a:ext>
+            </a:extLst>
+          </p:cNvPr>
+          <p:cNvSpPr>
+            <a:spLocks noGrp="1"/>
+          </p:cNvSpPr>
+          <p:nvPr>
+            <p:ph sz="half" idx="2"/>
+          </p:nvPr>
+        </p:nvSpPr>
+        <p:spPr>
+          <a:xfrm>
+            <a:off x="6172200" y="1825625"/>
+            <a:ext cx="5181600" cy="4351338"/>
+          </a:xfrm>
+        </p:spPr>
+        <p:txBody>
+          <a:bodyPr/>
+          <a:lstStyle/>
+          <a:p>
+            <a:pPr lvl="0"/>
+            <a:r>
+              <a:rPr lang="en-US"/>
+              <a:t>Edit Master text styles</a:t>
+            </a:r>
+          </a:p>
+          <a:p>
+            <a:pPr lvl="1"/>
+            <a:r>
+              <a:rPr lang="en-US"/>
+              <a:t>Second level</a:t>
+            </a:r>
+          </a:p>
+          <a:p>
+            <a:pPr lvl="2"/>
+            <a:r>
+              <a:rPr lang="en-US"/>
+              <a:t>Third level</a:t>
+            </a:r>
+          </a:p>
+          <a:p>
+            <a:pPr lvl="3"/>
+            <a:r>
+              <a:rPr lang="en-US"/>
+              <a:t>Fourth level</a:t>
+            </a:r>
+          </a:p>
+          <a:p>
+            <a:pPr lvl="4"/>
+            <a:r>
+              <a:rPr lang="en-US"/>
+              <a:t>Fifth level</a:t>
+            </a:r>
+          </a:p>
+        </p:txBody>
+      </p:sp>
+      <p:sp>
+        <p:nvSpPr>
+          <p:cNvPr id="5" name="Date Placeholder 4">
+            <a:extLst>
+              <a:ext uri="{FF2B5EF4-FFF2-40B4-BE49-F238E27FC236}">
+                <a16:creationId xmlns:a16="http://schemas.microsoft.com/office/drawing/2014/main" id="{4372A4A8-AF84-4F90-BB1E-D05F190FE445}"/>
+              </a:ext>
+            </a:extLst>
+          </p:cNvPr>
+          <p:cNvSpPr>
+            <a:spLocks noGrp="1"/>
+          </p:cNvSpPr>
+          <p:nvPr>
+            <p:ph type="dt" sz="half" idx="10"/>
+          </p:nvPr>
+        </p:nvSpPr>
+        <p:spPr/>
+        <p:txBody>
+          <a:bodyPr/>
+          <a:lstStyle/>
+          <a:p>
+            <a:fld id="{B688772E-FB9E-4424-915A-EFECB76FA9CF}" type="datetimeFigureOut">
+              <a:rPr lang="en-US" smtClean="0"/>
+              <a:t>12/5/2018</a:t>
+            </a:fld>
+            <a:endParaRPr lang="en-US"/>
+          </a:p>
+        </p:txBody>
+      </p:sp>
+      <p:sp>
+        <p:nvSpPr>
+          <p:cNvPr id="6" name="Footer Placeholder 5">
+            <a:extLst>
+              <a:ext uri="{FF2B5EF4-FFF2-40B4-BE49-F238E27FC236}">
+                <a16:creationId xmlns:a16="http://schemas.microsoft.com/office/drawing/2014/main" id="{C66E64BB-1D63-44D7-B49B-146459266029}"/>
+              </a:ext>
+            </a:extLst>
+          </p:cNvPr>
+          <p:cNvSpPr>
+            <a:spLocks noGrp="1"/>
+          </p:cNvSpPr>
+          <p:nvPr>
+            <p:ph type="ftr" sz="quarter" idx="11"/>
+          </p:nvPr>
+        </p:nvSpPr>
+        <p:spPr/>
+        <p:txBody>
+          <a:bodyPr/>
+          <a:lstStyle/>
+          <a:p>
+            <a:endParaRPr lang="en-US"/>
+          </a:p>
+        </p:txBody>
+      </p:sp>
+      <p:sp>
+        <p:nvSpPr>
+          <p:cNvPr id="7" name="Slide Number Placeholder 6">
+            <a:extLst>
+              <a:ext uri="{FF2B5EF4-FFF2-40B4-BE49-F238E27FC236}">
+                <a16:creationId xmlns:a16="http://schemas.microsoft.com/office/drawing/2014/main" id="{B5C0618B-C6B8-4580-B7F0-2D0F367ECF0B}"/>
+              </a:ext>
+            </a:extLst>
+          </p:cNvPr>
+          <p:cNvSpPr>
+            <a:spLocks noGrp="1"/>
+          </p:cNvSpPr>
+          <p:nvPr>
+            <p:ph type="sldNum" sz="quarter" idx="12"/>
+          </p:nvPr>
+        </p:nvSpPr>
+        <p:spPr/>
+        <p:txBody>
+          <a:bodyPr/>
+          <a:lstStyle/>
+          <a:p>
+            <a:fld id="{9F938F8F-F582-4734-B8DE-D8D9F879027C}" type="slidenum">
+              <a:rPr lang="en-US" smtClean="0"/>
+              <a:t>‹#›</a:t>
+            </a:fld>
+            <a:endParaRPr lang="en-US"/>
+          </a:p>
+        </p:txBody>
+      </p:sp>
+    </p:spTree>
+    <p:extLst>
+      <p:ext uri="{BB962C8B-B14F-4D97-AF65-F5344CB8AC3E}">
+        <p14:creationId xmlns:p14="http://schemas.microsoft.com/office/powerpoint/2010/main" val="2047505715"/>
+      </p:ext>
+    </p:extLst>
+  </p:cSld>
+  <p:clrMapOvr>
+    <a:masterClrMapping/>
+  </p:clrMapOvr>
+</p:sldLayout>
+</file>
+
+<file path=ppt/slideLayouts/slideLayout16.xml><?xml version="1.0" encoding="utf-8"?>
+<p:sldLayout xmlns:a="http://schemas.openxmlformats.org/drawingml/2006/main" xmlns:r="http://schemas.openxmlformats.org/officeDocument/2006/relationships" xmlns:p="http://schemas.openxmlformats.org/presentationml/2006/main" type="twoTxTwoObj" preserve="1">
+  <p:cSld name="Comparison">
+    <p:spTree>
+      <p:nvGrpSpPr>
+        <p:cNvPr id="1" name=""/>
+        <p:cNvGrpSpPr/>
+        <p:nvPr/>
+      </p:nvGrpSpPr>
+      <p:grpSpPr>
+        <a:xfrm>
+          <a:off x="0" y="0"/>
+          <a:ext cx="0" cy="0"/>
+          <a:chOff x="0" y="0"/>
+          <a:chExt cx="0" cy="0"/>
+        </a:xfrm>
+      </p:grpSpPr>
+      <p:sp>
+        <p:nvSpPr>
+          <p:cNvPr id="2" name="Title 1">
+            <a:extLst>
+              <a:ext uri="{FF2B5EF4-FFF2-40B4-BE49-F238E27FC236}">
+                <a16:creationId xmlns:a16="http://schemas.microsoft.com/office/drawing/2014/main" id="{45E416A5-5992-426E-BD3E-0FBFC5ED3F39}"/>
+              </a:ext>
+            </a:extLst>
+          </p:cNvPr>
+          <p:cNvSpPr>
+            <a:spLocks noGrp="1"/>
+          </p:cNvSpPr>
+          <p:nvPr>
+            <p:ph type="title"/>
+          </p:nvPr>
+        </p:nvSpPr>
+        <p:spPr>
+          <a:xfrm>
+            <a:off x="839788" y="365125"/>
+            <a:ext cx="10515600" cy="1325563"/>
+          </a:xfrm>
+        </p:spPr>
+        <p:txBody>
+          <a:bodyPr/>
+          <a:lstStyle/>
+          <a:p>
+            <a:r>
+              <a:rPr lang="en-US"/>
+              <a:t>Click to edit Master title style</a:t>
+            </a:r>
+          </a:p>
+        </p:txBody>
+      </p:sp>
+      <p:sp>
+        <p:nvSpPr>
+          <p:cNvPr id="3" name="Text Placeholder 2">
+            <a:extLst>
+              <a:ext uri="{FF2B5EF4-FFF2-40B4-BE49-F238E27FC236}">
+                <a16:creationId xmlns:a16="http://schemas.microsoft.com/office/drawing/2014/main" id="{C4FBAF6A-C59F-4551-9E8C-C11B50C43B1A}"/>
+              </a:ext>
+            </a:extLst>
+          </p:cNvPr>
+          <p:cNvSpPr>
+            <a:spLocks noGrp="1"/>
+          </p:cNvSpPr>
+          <p:nvPr>
+            <p:ph type="body" idx="1"/>
+          </p:nvPr>
+        </p:nvSpPr>
+        <p:spPr>
+          <a:xfrm>
+            <a:off x="839788" y="1681163"/>
+            <a:ext cx="5157787" cy="823912"/>
+          </a:xfrm>
+        </p:spPr>
+        <p:txBody>
+          <a:bodyPr anchor="b"/>
+          <a:lstStyle>
+            <a:lvl1pPr marL="0" indent="0">
+              <a:buNone/>
+              <a:defRPr sz="2400" b="1"/>
+            </a:lvl1pPr>
+            <a:lvl2pPr marL="457200" indent="0">
+              <a:buNone/>
+              <a:defRPr sz="2000" b="1"/>
+            </a:lvl2pPr>
+            <a:lvl3pPr marL="914400" indent="0">
+              <a:buNone/>
+              <a:defRPr sz="1800" b="1"/>
+            </a:lvl3pPr>
+            <a:lvl4pPr marL="1371600" indent="0">
+              <a:buNone/>
+              <a:defRPr sz="1600" b="1"/>
+            </a:lvl4pPr>
+            <a:lvl5pPr marL="1828800" indent="0">
+              <a:buNone/>
+              <a:defRPr sz="1600" b="1"/>
+            </a:lvl5pPr>
+            <a:lvl6pPr marL="2286000" indent="0">
+              <a:buNone/>
+              <a:defRPr sz="1600" b="1"/>
+            </a:lvl6pPr>
+            <a:lvl7pPr marL="2743200" indent="0">
+              <a:buNone/>
+              <a:defRPr sz="1600" b="1"/>
+            </a:lvl7pPr>
+            <a:lvl8pPr marL="3200400" indent="0">
+              <a:buNone/>
+              <a:defRPr sz="1600" b="1"/>
+            </a:lvl8pPr>
+            <a:lvl9pPr marL="3657600" indent="0">
+              <a:buNone/>
+              <a:defRPr sz="1600" b="1"/>
+            </a:lvl9pPr>
+          </a:lstStyle>
+          <a:p>
+            <a:pPr lvl="0"/>
+            <a:r>
+              <a:rPr lang="en-US"/>
+              <a:t>Edit Master text styles</a:t>
+            </a:r>
+          </a:p>
+        </p:txBody>
+      </p:sp>
+      <p:sp>
+        <p:nvSpPr>
+          <p:cNvPr id="4" name="Content Placeholder 3">
+            <a:extLst>
+              <a:ext uri="{FF2B5EF4-FFF2-40B4-BE49-F238E27FC236}">
+                <a16:creationId xmlns:a16="http://schemas.microsoft.com/office/drawing/2014/main" id="{572ED4BD-DC99-4340-8A6B-4F040CADA9B7}"/>
+              </a:ext>
+            </a:extLst>
+          </p:cNvPr>
+          <p:cNvSpPr>
+            <a:spLocks noGrp="1"/>
+          </p:cNvSpPr>
+          <p:nvPr>
+            <p:ph sz="half" idx="2"/>
+          </p:nvPr>
+        </p:nvSpPr>
+        <p:spPr>
+          <a:xfrm>
+            <a:off x="839788" y="2505075"/>
+            <a:ext cx="5157787" cy="3684588"/>
+          </a:xfrm>
+        </p:spPr>
+        <p:txBody>
+          <a:bodyPr/>
+          <a:lstStyle/>
+          <a:p>
+            <a:pPr lvl="0"/>
+            <a:r>
+              <a:rPr lang="en-US"/>
+              <a:t>Edit Master text styles</a:t>
+            </a:r>
+          </a:p>
+          <a:p>
+            <a:pPr lvl="1"/>
+            <a:r>
+              <a:rPr lang="en-US"/>
+              <a:t>Second level</a:t>
+            </a:r>
+          </a:p>
+          <a:p>
+            <a:pPr lvl="2"/>
+            <a:r>
+              <a:rPr lang="en-US"/>
+              <a:t>Third level</a:t>
+            </a:r>
+          </a:p>
+          <a:p>
+            <a:pPr lvl="3"/>
+            <a:r>
+              <a:rPr lang="en-US"/>
+              <a:t>Fourth level</a:t>
+            </a:r>
+          </a:p>
+          <a:p>
+            <a:pPr lvl="4"/>
+            <a:r>
+              <a:rPr lang="en-US"/>
+              <a:t>Fifth level</a:t>
+            </a:r>
+          </a:p>
+        </p:txBody>
+      </p:sp>
+      <p:sp>
+        <p:nvSpPr>
+          <p:cNvPr id="5" name="Text Placeholder 4">
+            <a:extLst>
+              <a:ext uri="{FF2B5EF4-FFF2-40B4-BE49-F238E27FC236}">
+                <a16:creationId xmlns:a16="http://schemas.microsoft.com/office/drawing/2014/main" id="{B06B8F9B-30CE-488B-8403-15FD6F0A38AE}"/>
+              </a:ext>
+            </a:extLst>
+          </p:cNvPr>
+          <p:cNvSpPr>
+            <a:spLocks noGrp="1"/>
+          </p:cNvSpPr>
+          <p:nvPr>
+            <p:ph type="body" sz="quarter" idx="3"/>
+          </p:nvPr>
+        </p:nvSpPr>
+        <p:spPr>
+          <a:xfrm>
+            <a:off x="6172200" y="1681163"/>
+            <a:ext cx="5183188" cy="823912"/>
+          </a:xfrm>
+        </p:spPr>
+        <p:txBody>
+          <a:bodyPr anchor="b"/>
+          <a:lstStyle>
+            <a:lvl1pPr marL="0" indent="0">
+              <a:buNone/>
+              <a:defRPr sz="2400" b="1"/>
+            </a:lvl1pPr>
+            <a:lvl2pPr marL="457200" indent="0">
+              <a:buNone/>
+              <a:defRPr sz="2000" b="1"/>
+            </a:lvl2pPr>
+            <a:lvl3pPr marL="914400" indent="0">
+              <a:buNone/>
+              <a:defRPr sz="1800" b="1"/>
+            </a:lvl3pPr>
+            <a:lvl4pPr marL="1371600" indent="0">
+              <a:buNone/>
+              <a:defRPr sz="1600" b="1"/>
+            </a:lvl4pPr>
+            <a:lvl5pPr marL="1828800" indent="0">
+              <a:buNone/>
+              <a:defRPr sz="1600" b="1"/>
+            </a:lvl5pPr>
+            <a:lvl6pPr marL="2286000" indent="0">
+              <a:buNone/>
+              <a:defRPr sz="1600" b="1"/>
+            </a:lvl6pPr>
+            <a:lvl7pPr marL="2743200" indent="0">
+              <a:buNone/>
+              <a:defRPr sz="1600" b="1"/>
+            </a:lvl7pPr>
+            <a:lvl8pPr marL="3200400" indent="0">
+              <a:buNone/>
+              <a:defRPr sz="1600" b="1"/>
+            </a:lvl8pPr>
+            <a:lvl9pPr marL="3657600" indent="0">
+              <a:buNone/>
+              <a:defRPr sz="1600" b="1"/>
+            </a:lvl9pPr>
+          </a:lstStyle>
+          <a:p>
+            <a:pPr lvl="0"/>
+            <a:r>
+              <a:rPr lang="en-US"/>
+              <a:t>Edit Master text styles</a:t>
+            </a:r>
+          </a:p>
+        </p:txBody>
+      </p:sp>
+      <p:sp>
+        <p:nvSpPr>
+          <p:cNvPr id="6" name="Content Placeholder 5">
+            <a:extLst>
+              <a:ext uri="{FF2B5EF4-FFF2-40B4-BE49-F238E27FC236}">
+                <a16:creationId xmlns:a16="http://schemas.microsoft.com/office/drawing/2014/main" id="{E345FAB4-6E60-4E8E-B248-468928CC0B8A}"/>
+              </a:ext>
+            </a:extLst>
+          </p:cNvPr>
+          <p:cNvSpPr>
+            <a:spLocks noGrp="1"/>
+          </p:cNvSpPr>
+          <p:nvPr>
+            <p:ph sz="quarter" idx="4"/>
+          </p:nvPr>
+        </p:nvSpPr>
+        <p:spPr>
+          <a:xfrm>
+            <a:off x="6172200" y="2505075"/>
+            <a:ext cx="5183188" cy="3684588"/>
+          </a:xfrm>
+        </p:spPr>
+        <p:txBody>
+          <a:bodyPr/>
+          <a:lstStyle/>
+          <a:p>
+            <a:pPr lvl="0"/>
+            <a:r>
+              <a:rPr lang="en-US"/>
+              <a:t>Edit Master text styles</a:t>
+            </a:r>
+          </a:p>
+          <a:p>
+            <a:pPr lvl="1"/>
+            <a:r>
+              <a:rPr lang="en-US"/>
+              <a:t>Second level</a:t>
+            </a:r>
+          </a:p>
+          <a:p>
+            <a:pPr lvl="2"/>
+            <a:r>
+              <a:rPr lang="en-US"/>
+              <a:t>Third level</a:t>
+            </a:r>
+          </a:p>
+          <a:p>
+            <a:pPr lvl="3"/>
+            <a:r>
+              <a:rPr lang="en-US"/>
+              <a:t>Fourth level</a:t>
+            </a:r>
+          </a:p>
+          <a:p>
+            <a:pPr lvl="4"/>
+            <a:r>
+              <a:rPr lang="en-US"/>
+              <a:t>Fifth level</a:t>
+            </a:r>
+          </a:p>
+        </p:txBody>
+      </p:sp>
+      <p:sp>
+        <p:nvSpPr>
+          <p:cNvPr id="7" name="Date Placeholder 6">
+            <a:extLst>
+              <a:ext uri="{FF2B5EF4-FFF2-40B4-BE49-F238E27FC236}">
+                <a16:creationId xmlns:a16="http://schemas.microsoft.com/office/drawing/2014/main" id="{E6410DF1-AF39-40A7-9F11-FBFD477C8A2B}"/>
+              </a:ext>
+            </a:extLst>
+          </p:cNvPr>
+          <p:cNvSpPr>
+            <a:spLocks noGrp="1"/>
+          </p:cNvSpPr>
+          <p:nvPr>
+            <p:ph type="dt" sz="half" idx="10"/>
+          </p:nvPr>
+        </p:nvSpPr>
+        <p:spPr/>
+        <p:txBody>
+          <a:bodyPr/>
+          <a:lstStyle/>
+          <a:p>
+            <a:fld id="{B688772E-FB9E-4424-915A-EFECB76FA9CF}" type="datetimeFigureOut">
+              <a:rPr lang="en-US" smtClean="0"/>
+              <a:t>12/5/2018</a:t>
+            </a:fld>
+            <a:endParaRPr lang="en-US"/>
+          </a:p>
+        </p:txBody>
+      </p:sp>
+      <p:sp>
+        <p:nvSpPr>
+          <p:cNvPr id="8" name="Footer Placeholder 7">
+            <a:extLst>
+              <a:ext uri="{FF2B5EF4-FFF2-40B4-BE49-F238E27FC236}">
+                <a16:creationId xmlns:a16="http://schemas.microsoft.com/office/drawing/2014/main" id="{31D5F053-5D71-4CB3-8BE4-813C02A1863C}"/>
+              </a:ext>
+            </a:extLst>
+          </p:cNvPr>
+          <p:cNvSpPr>
+            <a:spLocks noGrp="1"/>
+          </p:cNvSpPr>
+          <p:nvPr>
+            <p:ph type="ftr" sz="quarter" idx="11"/>
+          </p:nvPr>
+        </p:nvSpPr>
+        <p:spPr/>
+        <p:txBody>
+          <a:bodyPr/>
+          <a:lstStyle/>
+          <a:p>
+            <a:endParaRPr lang="en-US"/>
+          </a:p>
+        </p:txBody>
+      </p:sp>
+      <p:sp>
+        <p:nvSpPr>
+          <p:cNvPr id="9" name="Slide Number Placeholder 8">
+            <a:extLst>
+              <a:ext uri="{FF2B5EF4-FFF2-40B4-BE49-F238E27FC236}">
+                <a16:creationId xmlns:a16="http://schemas.microsoft.com/office/drawing/2014/main" id="{F3CCFDD5-37F4-4C1C-B646-B33973A962E7}"/>
+              </a:ext>
+            </a:extLst>
+          </p:cNvPr>
+          <p:cNvSpPr>
+            <a:spLocks noGrp="1"/>
+          </p:cNvSpPr>
+          <p:nvPr>
+            <p:ph type="sldNum" sz="quarter" idx="12"/>
+          </p:nvPr>
+        </p:nvSpPr>
+        <p:spPr/>
+        <p:txBody>
+          <a:bodyPr/>
+          <a:lstStyle/>
+          <a:p>
+            <a:fld id="{9F938F8F-F582-4734-B8DE-D8D9F879027C}" type="slidenum">
+              <a:rPr lang="en-US" smtClean="0"/>
+              <a:t>‹#›</a:t>
+            </a:fld>
+            <a:endParaRPr lang="en-US"/>
+          </a:p>
+        </p:txBody>
+      </p:sp>
+    </p:spTree>
+    <p:extLst>
+      <p:ext uri="{BB962C8B-B14F-4D97-AF65-F5344CB8AC3E}">
+        <p14:creationId xmlns:p14="http://schemas.microsoft.com/office/powerpoint/2010/main" val="194339611"/>
+      </p:ext>
+    </p:extLst>
+  </p:cSld>
+  <p:clrMapOvr>
+    <a:masterClrMapping/>
+  </p:clrMapOvr>
+</p:sldLayout>
+</file>
+
+<file path=ppt/slideLayouts/slideLayout17.xml><?xml version="1.0" encoding="utf-8"?>
+<p:sldLayout xmlns:a="http://schemas.openxmlformats.org/drawingml/2006/main" xmlns:r="http://schemas.openxmlformats.org/officeDocument/2006/relationships" xmlns:p="http://schemas.openxmlformats.org/presentationml/2006/main" type="titleOnly" preserve="1">
+  <p:cSld name="Title Only">
+    <p:spTree>
+      <p:nvGrpSpPr>
+        <p:cNvPr id="1" name=""/>
+        <p:cNvGrpSpPr/>
+        <p:nvPr/>
+      </p:nvGrpSpPr>
+      <p:grpSpPr>
+        <a:xfrm>
+          <a:off x="0" y="0"/>
+          <a:ext cx="0" cy="0"/>
+          <a:chOff x="0" y="0"/>
+          <a:chExt cx="0" cy="0"/>
+        </a:xfrm>
+      </p:grpSpPr>
+      <p:sp>
+        <p:nvSpPr>
+          <p:cNvPr id="2" name="Title 1">
+            <a:extLst>
+              <a:ext uri="{FF2B5EF4-FFF2-40B4-BE49-F238E27FC236}">
+                <a16:creationId xmlns:a16="http://schemas.microsoft.com/office/drawing/2014/main" id="{B717EB80-B831-4CFA-9099-63520950C846}"/>
+              </a:ext>
+            </a:extLst>
+          </p:cNvPr>
+          <p:cNvSpPr>
+            <a:spLocks noGrp="1"/>
+          </p:cNvSpPr>
+          <p:nvPr>
+            <p:ph type="title"/>
+          </p:nvPr>
+        </p:nvSpPr>
+        <p:spPr/>
+        <p:txBody>
+          <a:bodyPr/>
+          <a:lstStyle/>
+          <a:p>
+            <a:r>
+              <a:rPr lang="en-US"/>
+              <a:t>Click to edit Master title style</a:t>
+            </a:r>
+          </a:p>
+        </p:txBody>
+      </p:sp>
+      <p:sp>
+        <p:nvSpPr>
+          <p:cNvPr id="3" name="Date Placeholder 2">
+            <a:extLst>
+              <a:ext uri="{FF2B5EF4-FFF2-40B4-BE49-F238E27FC236}">
+                <a16:creationId xmlns:a16="http://schemas.microsoft.com/office/drawing/2014/main" id="{916248B0-3427-442F-B34E-3A2B7C37DF90}"/>
+              </a:ext>
+            </a:extLst>
+          </p:cNvPr>
+          <p:cNvSpPr>
+            <a:spLocks noGrp="1"/>
+          </p:cNvSpPr>
+          <p:nvPr>
+            <p:ph type="dt" sz="half" idx="10"/>
+          </p:nvPr>
+        </p:nvSpPr>
+        <p:spPr/>
+        <p:txBody>
+          <a:bodyPr/>
+          <a:lstStyle/>
+          <a:p>
+            <a:fld id="{B688772E-FB9E-4424-915A-EFECB76FA9CF}" type="datetimeFigureOut">
+              <a:rPr lang="en-US" smtClean="0"/>
+              <a:t>12/5/2018</a:t>
+            </a:fld>
+            <a:endParaRPr lang="en-US"/>
+          </a:p>
+        </p:txBody>
+      </p:sp>
+      <p:sp>
+        <p:nvSpPr>
+          <p:cNvPr id="4" name="Footer Placeholder 3">
+            <a:extLst>
+              <a:ext uri="{FF2B5EF4-FFF2-40B4-BE49-F238E27FC236}">
+                <a16:creationId xmlns:a16="http://schemas.microsoft.com/office/drawing/2014/main" id="{B9DE408A-01FD-4002-80C2-4BFEC59F0ADA}"/>
+              </a:ext>
+            </a:extLst>
+          </p:cNvPr>
+          <p:cNvSpPr>
+            <a:spLocks noGrp="1"/>
+          </p:cNvSpPr>
+          <p:nvPr>
+            <p:ph type="ftr" sz="quarter" idx="11"/>
+          </p:nvPr>
+        </p:nvSpPr>
+        <p:spPr/>
+        <p:txBody>
+          <a:bodyPr/>
+          <a:lstStyle/>
+          <a:p>
+            <a:endParaRPr lang="en-US"/>
+          </a:p>
+        </p:txBody>
+      </p:sp>
+      <p:sp>
+        <p:nvSpPr>
+          <p:cNvPr id="5" name="Slide Number Placeholder 4">
+            <a:extLst>
+              <a:ext uri="{FF2B5EF4-FFF2-40B4-BE49-F238E27FC236}">
+                <a16:creationId xmlns:a16="http://schemas.microsoft.com/office/drawing/2014/main" id="{2821BF39-1C20-488C-AE2E-D87EDE1D1228}"/>
+              </a:ext>
+            </a:extLst>
+          </p:cNvPr>
+          <p:cNvSpPr>
+            <a:spLocks noGrp="1"/>
+          </p:cNvSpPr>
+          <p:nvPr>
+            <p:ph type="sldNum" sz="quarter" idx="12"/>
+          </p:nvPr>
+        </p:nvSpPr>
+        <p:spPr/>
+        <p:txBody>
+          <a:bodyPr/>
+          <a:lstStyle/>
+          <a:p>
+            <a:fld id="{9F938F8F-F582-4734-B8DE-D8D9F879027C}" type="slidenum">
+              <a:rPr lang="en-US" smtClean="0"/>
+              <a:t>‹#›</a:t>
+            </a:fld>
+            <a:endParaRPr lang="en-US"/>
+          </a:p>
+        </p:txBody>
+      </p:sp>
+    </p:spTree>
+    <p:extLst>
+      <p:ext uri="{BB962C8B-B14F-4D97-AF65-F5344CB8AC3E}">
+        <p14:creationId xmlns:p14="http://schemas.microsoft.com/office/powerpoint/2010/main" val="3068627854"/>
+      </p:ext>
+    </p:extLst>
+  </p:cSld>
+  <p:clrMapOvr>
+    <a:masterClrMapping/>
+  </p:clrMapOvr>
+</p:sldLayout>
+</file>
+
+<file path=ppt/slideLayouts/slideLayout18.xml><?xml version="1.0" encoding="utf-8"?>
+<p:sldLayout xmlns:a="http://schemas.openxmlformats.org/drawingml/2006/main" xmlns:r="http://schemas.openxmlformats.org/officeDocument/2006/relationships" xmlns:p="http://schemas.openxmlformats.org/presentationml/2006/main" type="blank" preserve="1">
+  <p:cSld name="Blank">
+    <p:spTree>
+      <p:nvGrpSpPr>
+        <p:cNvPr id="1" name=""/>
+        <p:cNvGrpSpPr/>
+        <p:nvPr/>
+      </p:nvGrpSpPr>
+      <p:grpSpPr>
+        <a:xfrm>
+          <a:off x="0" y="0"/>
+          <a:ext cx="0" cy="0"/>
+          <a:chOff x="0" y="0"/>
+          <a:chExt cx="0" cy="0"/>
+        </a:xfrm>
+      </p:grpSpPr>
+      <p:sp>
+        <p:nvSpPr>
+          <p:cNvPr id="2" name="Date Placeholder 1">
+            <a:extLst>
+              <a:ext uri="{FF2B5EF4-FFF2-40B4-BE49-F238E27FC236}">
+                <a16:creationId xmlns:a16="http://schemas.microsoft.com/office/drawing/2014/main" id="{5BCC693E-BB6C-483E-B7FA-4090C312E220}"/>
+              </a:ext>
+            </a:extLst>
+          </p:cNvPr>
+          <p:cNvSpPr>
+            <a:spLocks noGrp="1"/>
+          </p:cNvSpPr>
+          <p:nvPr>
+            <p:ph type="dt" sz="half" idx="10"/>
+          </p:nvPr>
+        </p:nvSpPr>
+        <p:spPr/>
+        <p:txBody>
+          <a:bodyPr/>
+          <a:lstStyle/>
+          <a:p>
+            <a:fld id="{B688772E-FB9E-4424-915A-EFECB76FA9CF}" type="datetimeFigureOut">
+              <a:rPr lang="en-US" smtClean="0"/>
+              <a:t>12/5/2018</a:t>
+            </a:fld>
+            <a:endParaRPr lang="en-US"/>
+          </a:p>
+        </p:txBody>
+      </p:sp>
+      <p:sp>
+        <p:nvSpPr>
+          <p:cNvPr id="3" name="Footer Placeholder 2">
+            <a:extLst>
+              <a:ext uri="{FF2B5EF4-FFF2-40B4-BE49-F238E27FC236}">
+                <a16:creationId xmlns:a16="http://schemas.microsoft.com/office/drawing/2014/main" id="{561209BD-86E8-4097-BCD4-47BE8DCCFC4F}"/>
+              </a:ext>
+            </a:extLst>
+          </p:cNvPr>
+          <p:cNvSpPr>
+            <a:spLocks noGrp="1"/>
+          </p:cNvSpPr>
+          <p:nvPr>
+            <p:ph type="ftr" sz="quarter" idx="11"/>
+          </p:nvPr>
+        </p:nvSpPr>
+        <p:spPr/>
+        <p:txBody>
+          <a:bodyPr/>
+          <a:lstStyle/>
+          <a:p>
+            <a:endParaRPr lang="en-US"/>
+          </a:p>
+        </p:txBody>
+      </p:sp>
+      <p:sp>
+        <p:nvSpPr>
+          <p:cNvPr id="4" name="Slide Number Placeholder 3">
+            <a:extLst>
+              <a:ext uri="{FF2B5EF4-FFF2-40B4-BE49-F238E27FC236}">
+                <a16:creationId xmlns:a16="http://schemas.microsoft.com/office/drawing/2014/main" id="{3ED70193-0423-4FB1-9961-221D8DC080B7}"/>
+              </a:ext>
+            </a:extLst>
+          </p:cNvPr>
+          <p:cNvSpPr>
+            <a:spLocks noGrp="1"/>
+          </p:cNvSpPr>
+          <p:nvPr>
+            <p:ph type="sldNum" sz="quarter" idx="12"/>
+          </p:nvPr>
+        </p:nvSpPr>
+        <p:spPr/>
+        <p:txBody>
+          <a:bodyPr/>
+          <a:lstStyle/>
+          <a:p>
+            <a:fld id="{9F938F8F-F582-4734-B8DE-D8D9F879027C}" type="slidenum">
+              <a:rPr lang="en-US" smtClean="0"/>
+              <a:t>‹#›</a:t>
+            </a:fld>
+            <a:endParaRPr lang="en-US"/>
+          </a:p>
+        </p:txBody>
+      </p:sp>
+    </p:spTree>
+    <p:extLst>
+      <p:ext uri="{BB962C8B-B14F-4D97-AF65-F5344CB8AC3E}">
+        <p14:creationId xmlns:p14="http://schemas.microsoft.com/office/powerpoint/2010/main" val="1436978827"/>
+      </p:ext>
+    </p:extLst>
+  </p:cSld>
+  <p:clrMapOvr>
+    <a:masterClrMapping/>
+  </p:clrMapOvr>
+</p:sldLayout>
+</file>
+
+<file path=ppt/slideLayouts/slideLayout19.xml><?xml version="1.0" encoding="utf-8"?>
+<p:sldLayout xmlns:a="http://schemas.openxmlformats.org/drawingml/2006/main" xmlns:r="http://schemas.openxmlformats.org/officeDocument/2006/relationships" xmlns:p="http://schemas.openxmlformats.org/presentationml/2006/main" type="objTx" preserve="1">
+  <p:cSld name="Content with Caption">
+    <p:spTree>
+      <p:nvGrpSpPr>
+        <p:cNvPr id="1" name=""/>
+        <p:cNvGrpSpPr/>
+        <p:nvPr/>
+      </p:nvGrpSpPr>
+      <p:grpSpPr>
+        <a:xfrm>
+          <a:off x="0" y="0"/>
+          <a:ext cx="0" cy="0"/>
+          <a:chOff x="0" y="0"/>
+          <a:chExt cx="0" cy="0"/>
+        </a:xfrm>
+      </p:grpSpPr>
+      <p:sp>
+        <p:nvSpPr>
+          <p:cNvPr id="2" name="Title 1">
+            <a:extLst>
+              <a:ext uri="{FF2B5EF4-FFF2-40B4-BE49-F238E27FC236}">
+                <a16:creationId xmlns:a16="http://schemas.microsoft.com/office/drawing/2014/main" id="{868DA23B-D423-4E2C-A5DB-9716FEC1B562}"/>
+              </a:ext>
+            </a:extLst>
+          </p:cNvPr>
+          <p:cNvSpPr>
+            <a:spLocks noGrp="1"/>
+          </p:cNvSpPr>
+          <p:nvPr>
+            <p:ph type="title"/>
+          </p:nvPr>
+        </p:nvSpPr>
+        <p:spPr>
+          <a:xfrm>
+            <a:off x="839788" y="457200"/>
+            <a:ext cx="3932237" cy="1600200"/>
+          </a:xfrm>
+        </p:spPr>
+        <p:txBody>
+          <a:bodyPr anchor="b"/>
+          <a:lstStyle>
+            <a:lvl1pPr>
+              <a:defRPr sz="3200"/>
+            </a:lvl1pPr>
+          </a:lstStyle>
+          <a:p>
+            <a:r>
+              <a:rPr lang="en-US"/>
+              <a:t>Click to edit Master title style</a:t>
+            </a:r>
+          </a:p>
+        </p:txBody>
+      </p:sp>
+      <p:sp>
+        <p:nvSpPr>
+          <p:cNvPr id="3" name="Content Placeholder 2">
+            <a:extLst>
+              <a:ext uri="{FF2B5EF4-FFF2-40B4-BE49-F238E27FC236}">
+                <a16:creationId xmlns:a16="http://schemas.microsoft.com/office/drawing/2014/main" id="{39136D79-42B2-47F2-A38C-DC7E9BC2E158}"/>
+              </a:ext>
+            </a:extLst>
+          </p:cNvPr>
+          <p:cNvSpPr>
+            <a:spLocks noGrp="1"/>
+          </p:cNvSpPr>
+          <p:nvPr>
+            <p:ph idx="1"/>
+          </p:nvPr>
+        </p:nvSpPr>
+        <p:spPr>
+          <a:xfrm>
+            <a:off x="5183188" y="987425"/>
+            <a:ext cx="6172200" cy="4873625"/>
+          </a:xfrm>
+        </p:spPr>
+        <p:txBody>
+          <a:bodyPr/>
+          <a:lstStyle>
+            <a:lvl1pPr>
+              <a:defRPr sz="3200"/>
+            </a:lvl1pPr>
+            <a:lvl2pPr>
+              <a:defRPr sz="2800"/>
+            </a:lvl2pPr>
+            <a:lvl3pPr>
+              <a:defRPr sz="2400"/>
+            </a:lvl3pPr>
+            <a:lvl4pPr>
+              <a:defRPr sz="2000"/>
+            </a:lvl4pPr>
+            <a:lvl5pPr>
+              <a:defRPr sz="2000"/>
+            </a:lvl5pPr>
+            <a:lvl6pPr>
+              <a:defRPr sz="2000"/>
+            </a:lvl6pPr>
+            <a:lvl7pPr>
+              <a:defRPr sz="2000"/>
+            </a:lvl7pPr>
+            <a:lvl8pPr>
+              <a:defRPr sz="2000"/>
+            </a:lvl8pPr>
+            <a:lvl9pPr>
+              <a:defRPr sz="2000"/>
+            </a:lvl9pPr>
+          </a:lstStyle>
+          <a:p>
+            <a:pPr lvl="0"/>
+            <a:r>
+              <a:rPr lang="en-US"/>
+              <a:t>Edit Master text styles</a:t>
+            </a:r>
+          </a:p>
+          <a:p>
+            <a:pPr lvl="1"/>
+            <a:r>
+              <a:rPr lang="en-US"/>
+              <a:t>Second level</a:t>
+            </a:r>
+          </a:p>
+          <a:p>
+            <a:pPr lvl="2"/>
+            <a:r>
+              <a:rPr lang="en-US"/>
+              <a:t>Third level</a:t>
+            </a:r>
+          </a:p>
+          <a:p>
+            <a:pPr lvl="3"/>
+            <a:r>
+              <a:rPr lang="en-US"/>
+              <a:t>Fourth level</a:t>
+            </a:r>
+          </a:p>
+          <a:p>
+            <a:pPr lvl="4"/>
+            <a:r>
+              <a:rPr lang="en-US"/>
+              <a:t>Fifth level</a:t>
+            </a:r>
+          </a:p>
+        </p:txBody>
+      </p:sp>
+      <p:sp>
+        <p:nvSpPr>
+          <p:cNvPr id="4" name="Text Placeholder 3">
+            <a:extLst>
+              <a:ext uri="{FF2B5EF4-FFF2-40B4-BE49-F238E27FC236}">
+                <a16:creationId xmlns:a16="http://schemas.microsoft.com/office/drawing/2014/main" id="{E7A64520-96DF-4859-925F-EC15B817BBE7}"/>
+              </a:ext>
+            </a:extLst>
+          </p:cNvPr>
+          <p:cNvSpPr>
+            <a:spLocks noGrp="1"/>
+          </p:cNvSpPr>
+          <p:nvPr>
+            <p:ph type="body" sz="half" idx="2"/>
+          </p:nvPr>
+        </p:nvSpPr>
+        <p:spPr>
+          <a:xfrm>
+            <a:off x="839788" y="2057400"/>
+            <a:ext cx="3932237" cy="3811588"/>
+          </a:xfrm>
+        </p:spPr>
+        <p:txBody>
+          <a:bodyPr/>
+          <a:lstStyle>
+            <a:lvl1pPr marL="0" indent="0">
+              <a:buNone/>
+              <a:defRPr sz="1600"/>
+            </a:lvl1pPr>
+            <a:lvl2pPr marL="457200" indent="0">
+              <a:buNone/>
+              <a:defRPr sz="1400"/>
+            </a:lvl2pPr>
+            <a:lvl3pPr marL="914400" indent="0">
+              <a:buNone/>
+              <a:defRPr sz="1200"/>
+            </a:lvl3pPr>
+            <a:lvl4pPr marL="1371600" indent="0">
+              <a:buNone/>
+              <a:defRPr sz="1000"/>
+            </a:lvl4pPr>
+            <a:lvl5pPr marL="1828800" indent="0">
+              <a:buNone/>
+              <a:defRPr sz="1000"/>
+            </a:lvl5pPr>
+            <a:lvl6pPr marL="2286000" indent="0">
+              <a:buNone/>
+              <a:defRPr sz="1000"/>
+            </a:lvl6pPr>
+            <a:lvl7pPr marL="2743200" indent="0">
+              <a:buNone/>
+              <a:defRPr sz="1000"/>
+            </a:lvl7pPr>
+            <a:lvl8pPr marL="3200400" indent="0">
+              <a:buNone/>
+              <a:defRPr sz="1000"/>
+            </a:lvl8pPr>
+            <a:lvl9pPr marL="3657600" indent="0">
+              <a:buNone/>
+              <a:defRPr sz="1000"/>
+            </a:lvl9pPr>
+          </a:lstStyle>
+          <a:p>
+            <a:pPr lvl="0"/>
+            <a:r>
+              <a:rPr lang="en-US"/>
+              <a:t>Edit Master text styles</a:t>
+            </a:r>
+          </a:p>
+        </p:txBody>
+      </p:sp>
+      <p:sp>
+        <p:nvSpPr>
+          <p:cNvPr id="5" name="Date Placeholder 4">
+            <a:extLst>
+              <a:ext uri="{FF2B5EF4-FFF2-40B4-BE49-F238E27FC236}">
+                <a16:creationId xmlns:a16="http://schemas.microsoft.com/office/drawing/2014/main" id="{59D3FBE9-2435-405C-B484-6F78B4FE1B81}"/>
+              </a:ext>
+            </a:extLst>
+          </p:cNvPr>
+          <p:cNvSpPr>
+            <a:spLocks noGrp="1"/>
+          </p:cNvSpPr>
+          <p:nvPr>
+            <p:ph type="dt" sz="half" idx="10"/>
+          </p:nvPr>
+        </p:nvSpPr>
+        <p:spPr/>
+        <p:txBody>
+          <a:bodyPr/>
+          <a:lstStyle/>
+          <a:p>
+            <a:fld id="{B688772E-FB9E-4424-915A-EFECB76FA9CF}" type="datetimeFigureOut">
+              <a:rPr lang="en-US" smtClean="0"/>
+              <a:t>12/5/2018</a:t>
+            </a:fld>
+            <a:endParaRPr lang="en-US"/>
+          </a:p>
+        </p:txBody>
+      </p:sp>
+      <p:sp>
+        <p:nvSpPr>
+          <p:cNvPr id="6" name="Footer Placeholder 5">
+            <a:extLst>
+              <a:ext uri="{FF2B5EF4-FFF2-40B4-BE49-F238E27FC236}">
+                <a16:creationId xmlns:a16="http://schemas.microsoft.com/office/drawing/2014/main" id="{C26F67E6-E0BD-4E75-B325-C3E20179F2EC}"/>
+              </a:ext>
+            </a:extLst>
+          </p:cNvPr>
+          <p:cNvSpPr>
+            <a:spLocks noGrp="1"/>
+          </p:cNvSpPr>
+          <p:nvPr>
+            <p:ph type="ftr" sz="quarter" idx="11"/>
+          </p:nvPr>
+        </p:nvSpPr>
+        <p:spPr/>
+        <p:txBody>
+          <a:bodyPr/>
+          <a:lstStyle/>
+          <a:p>
+            <a:endParaRPr lang="en-US"/>
+          </a:p>
+        </p:txBody>
+      </p:sp>
+      <p:sp>
+        <p:nvSpPr>
+          <p:cNvPr id="7" name="Slide Number Placeholder 6">
+            <a:extLst>
+              <a:ext uri="{FF2B5EF4-FFF2-40B4-BE49-F238E27FC236}">
+                <a16:creationId xmlns:a16="http://schemas.microsoft.com/office/drawing/2014/main" id="{A628075B-97C9-4317-AEE4-858F43A6D052}"/>
+              </a:ext>
+            </a:extLst>
+          </p:cNvPr>
+          <p:cNvSpPr>
+            <a:spLocks noGrp="1"/>
+          </p:cNvSpPr>
+          <p:nvPr>
+            <p:ph type="sldNum" sz="quarter" idx="12"/>
+          </p:nvPr>
+        </p:nvSpPr>
+        <p:spPr/>
+        <p:txBody>
+          <a:bodyPr/>
+          <a:lstStyle/>
+          <a:p>
+            <a:fld id="{9F938F8F-F582-4734-B8DE-D8D9F879027C}" type="slidenum">
+              <a:rPr lang="en-US" smtClean="0"/>
+              <a:t>‹#›</a:t>
+            </a:fld>
+            <a:endParaRPr lang="en-US"/>
+          </a:p>
+        </p:txBody>
+      </p:sp>
+    </p:spTree>
+    <p:extLst>
+      <p:ext uri="{BB962C8B-B14F-4D97-AF65-F5344CB8AC3E}">
+        <p14:creationId xmlns:p14="http://schemas.microsoft.com/office/powerpoint/2010/main" val="437695516"/>
+      </p:ext>
+    </p:extLst>
+  </p:cSld>
+  <p:clrMapOvr>
+    <a:masterClrMapping/>
+  </p:clrMapOvr>
+</p:sldLayout>
+</file>
+
 <file path=ppt/slideLayouts/slideLayout2.xml><?xml version="1.0" encoding="utf-8"?>
 <p:sldLayout xmlns:a="http://schemas.openxmlformats.org/drawingml/2006/main" xmlns:r="http://schemas.openxmlformats.org/officeDocument/2006/relationships" xmlns:p="http://schemas.openxmlformats.org/presentationml/2006/main" type="obj" preserve="1">
   <p:cSld name="Title and Content">
@@ -2553,6 +5117,700 @@
     <p:extLst>
       <p:ext uri="{BB962C8B-B14F-4D97-AF65-F5344CB8AC3E}">
         <p14:creationId xmlns:p14="http://schemas.microsoft.com/office/powerpoint/2010/main" val="2985827269"/>
+      </p:ext>
+    </p:extLst>
+  </p:cSld>
+  <p:clrMapOvr>
+    <a:masterClrMapping/>
+  </p:clrMapOvr>
+</p:sldLayout>
+</file>
+
+<file path=ppt/slideLayouts/slideLayout20.xml><?xml version="1.0" encoding="utf-8"?>
+<p:sldLayout xmlns:a="http://schemas.openxmlformats.org/drawingml/2006/main" xmlns:r="http://schemas.openxmlformats.org/officeDocument/2006/relationships" xmlns:p="http://schemas.openxmlformats.org/presentationml/2006/main" type="picTx" preserve="1">
+  <p:cSld name="Picture with Caption">
+    <p:spTree>
+      <p:nvGrpSpPr>
+        <p:cNvPr id="1" name=""/>
+        <p:cNvGrpSpPr/>
+        <p:nvPr/>
+      </p:nvGrpSpPr>
+      <p:grpSpPr>
+        <a:xfrm>
+          <a:off x="0" y="0"/>
+          <a:ext cx="0" cy="0"/>
+          <a:chOff x="0" y="0"/>
+          <a:chExt cx="0" cy="0"/>
+        </a:xfrm>
+      </p:grpSpPr>
+      <p:sp>
+        <p:nvSpPr>
+          <p:cNvPr id="2" name="Title 1">
+            <a:extLst>
+              <a:ext uri="{FF2B5EF4-FFF2-40B4-BE49-F238E27FC236}">
+                <a16:creationId xmlns:a16="http://schemas.microsoft.com/office/drawing/2014/main" id="{0B81425A-0C7E-48E7-8CF3-5A55AC116DF5}"/>
+              </a:ext>
+            </a:extLst>
+          </p:cNvPr>
+          <p:cNvSpPr>
+            <a:spLocks noGrp="1"/>
+          </p:cNvSpPr>
+          <p:nvPr>
+            <p:ph type="title"/>
+          </p:nvPr>
+        </p:nvSpPr>
+        <p:spPr>
+          <a:xfrm>
+            <a:off x="839788" y="457200"/>
+            <a:ext cx="3932237" cy="1600200"/>
+          </a:xfrm>
+        </p:spPr>
+        <p:txBody>
+          <a:bodyPr anchor="b"/>
+          <a:lstStyle>
+            <a:lvl1pPr>
+              <a:defRPr sz="3200"/>
+            </a:lvl1pPr>
+          </a:lstStyle>
+          <a:p>
+            <a:r>
+              <a:rPr lang="en-US"/>
+              <a:t>Click to edit Master title style</a:t>
+            </a:r>
+          </a:p>
+        </p:txBody>
+      </p:sp>
+      <p:sp>
+        <p:nvSpPr>
+          <p:cNvPr id="3" name="Picture Placeholder 2">
+            <a:extLst>
+              <a:ext uri="{FF2B5EF4-FFF2-40B4-BE49-F238E27FC236}">
+                <a16:creationId xmlns:a16="http://schemas.microsoft.com/office/drawing/2014/main" id="{7B25BAFE-1039-4B99-8A81-CB7416D28FC0}"/>
+              </a:ext>
+            </a:extLst>
+          </p:cNvPr>
+          <p:cNvSpPr>
+            <a:spLocks noGrp="1"/>
+          </p:cNvSpPr>
+          <p:nvPr>
+            <p:ph type="pic" idx="1"/>
+          </p:nvPr>
+        </p:nvSpPr>
+        <p:spPr>
+          <a:xfrm>
+            <a:off x="5183188" y="987425"/>
+            <a:ext cx="6172200" cy="4873625"/>
+          </a:xfrm>
+        </p:spPr>
+        <p:txBody>
+          <a:bodyPr/>
+          <a:lstStyle>
+            <a:lvl1pPr marL="0" indent="0">
+              <a:buNone/>
+              <a:defRPr sz="3200"/>
+            </a:lvl1pPr>
+            <a:lvl2pPr marL="457200" indent="0">
+              <a:buNone/>
+              <a:defRPr sz="2800"/>
+            </a:lvl2pPr>
+            <a:lvl3pPr marL="914400" indent="0">
+              <a:buNone/>
+              <a:defRPr sz="2400"/>
+            </a:lvl3pPr>
+            <a:lvl4pPr marL="1371600" indent="0">
+              <a:buNone/>
+              <a:defRPr sz="2000"/>
+            </a:lvl4pPr>
+            <a:lvl5pPr marL="1828800" indent="0">
+              <a:buNone/>
+              <a:defRPr sz="2000"/>
+            </a:lvl5pPr>
+            <a:lvl6pPr marL="2286000" indent="0">
+              <a:buNone/>
+              <a:defRPr sz="2000"/>
+            </a:lvl6pPr>
+            <a:lvl7pPr marL="2743200" indent="0">
+              <a:buNone/>
+              <a:defRPr sz="2000"/>
+            </a:lvl7pPr>
+            <a:lvl8pPr marL="3200400" indent="0">
+              <a:buNone/>
+              <a:defRPr sz="2000"/>
+            </a:lvl8pPr>
+            <a:lvl9pPr marL="3657600" indent="0">
+              <a:buNone/>
+              <a:defRPr sz="2000"/>
+            </a:lvl9pPr>
+          </a:lstStyle>
+          <a:p>
+            <a:endParaRPr lang="en-US"/>
+          </a:p>
+        </p:txBody>
+      </p:sp>
+      <p:sp>
+        <p:nvSpPr>
+          <p:cNvPr id="4" name="Text Placeholder 3">
+            <a:extLst>
+              <a:ext uri="{FF2B5EF4-FFF2-40B4-BE49-F238E27FC236}">
+                <a16:creationId xmlns:a16="http://schemas.microsoft.com/office/drawing/2014/main" id="{458D753D-00B1-4033-9CDD-C70D23A075C2}"/>
+              </a:ext>
+            </a:extLst>
+          </p:cNvPr>
+          <p:cNvSpPr>
+            <a:spLocks noGrp="1"/>
+          </p:cNvSpPr>
+          <p:nvPr>
+            <p:ph type="body" sz="half" idx="2"/>
+          </p:nvPr>
+        </p:nvSpPr>
+        <p:spPr>
+          <a:xfrm>
+            <a:off x="839788" y="2057400"/>
+            <a:ext cx="3932237" cy="3811588"/>
+          </a:xfrm>
+        </p:spPr>
+        <p:txBody>
+          <a:bodyPr/>
+          <a:lstStyle>
+            <a:lvl1pPr marL="0" indent="0">
+              <a:buNone/>
+              <a:defRPr sz="1600"/>
+            </a:lvl1pPr>
+            <a:lvl2pPr marL="457200" indent="0">
+              <a:buNone/>
+              <a:defRPr sz="1400"/>
+            </a:lvl2pPr>
+            <a:lvl3pPr marL="914400" indent="0">
+              <a:buNone/>
+              <a:defRPr sz="1200"/>
+            </a:lvl3pPr>
+            <a:lvl4pPr marL="1371600" indent="0">
+              <a:buNone/>
+              <a:defRPr sz="1000"/>
+            </a:lvl4pPr>
+            <a:lvl5pPr marL="1828800" indent="0">
+              <a:buNone/>
+              <a:defRPr sz="1000"/>
+            </a:lvl5pPr>
+            <a:lvl6pPr marL="2286000" indent="0">
+              <a:buNone/>
+              <a:defRPr sz="1000"/>
+            </a:lvl6pPr>
+            <a:lvl7pPr marL="2743200" indent="0">
+              <a:buNone/>
+              <a:defRPr sz="1000"/>
+            </a:lvl7pPr>
+            <a:lvl8pPr marL="3200400" indent="0">
+              <a:buNone/>
+              <a:defRPr sz="1000"/>
+            </a:lvl8pPr>
+            <a:lvl9pPr marL="3657600" indent="0">
+              <a:buNone/>
+              <a:defRPr sz="1000"/>
+            </a:lvl9pPr>
+          </a:lstStyle>
+          <a:p>
+            <a:pPr lvl="0"/>
+            <a:r>
+              <a:rPr lang="en-US"/>
+              <a:t>Edit Master text styles</a:t>
+            </a:r>
+          </a:p>
+        </p:txBody>
+      </p:sp>
+      <p:sp>
+        <p:nvSpPr>
+          <p:cNvPr id="5" name="Date Placeholder 4">
+            <a:extLst>
+              <a:ext uri="{FF2B5EF4-FFF2-40B4-BE49-F238E27FC236}">
+                <a16:creationId xmlns:a16="http://schemas.microsoft.com/office/drawing/2014/main" id="{9EAF8B65-FAD8-4AED-8BBA-2A002BC4ACA4}"/>
+              </a:ext>
+            </a:extLst>
+          </p:cNvPr>
+          <p:cNvSpPr>
+            <a:spLocks noGrp="1"/>
+          </p:cNvSpPr>
+          <p:nvPr>
+            <p:ph type="dt" sz="half" idx="10"/>
+          </p:nvPr>
+        </p:nvSpPr>
+        <p:spPr/>
+        <p:txBody>
+          <a:bodyPr/>
+          <a:lstStyle/>
+          <a:p>
+            <a:fld id="{B688772E-FB9E-4424-915A-EFECB76FA9CF}" type="datetimeFigureOut">
+              <a:rPr lang="en-US" smtClean="0"/>
+              <a:t>12/5/2018</a:t>
+            </a:fld>
+            <a:endParaRPr lang="en-US"/>
+          </a:p>
+        </p:txBody>
+      </p:sp>
+      <p:sp>
+        <p:nvSpPr>
+          <p:cNvPr id="6" name="Footer Placeholder 5">
+            <a:extLst>
+              <a:ext uri="{FF2B5EF4-FFF2-40B4-BE49-F238E27FC236}">
+                <a16:creationId xmlns:a16="http://schemas.microsoft.com/office/drawing/2014/main" id="{6982BD0F-1812-4F71-AC0E-6BF43F8C0C24}"/>
+              </a:ext>
+            </a:extLst>
+          </p:cNvPr>
+          <p:cNvSpPr>
+            <a:spLocks noGrp="1"/>
+          </p:cNvSpPr>
+          <p:nvPr>
+            <p:ph type="ftr" sz="quarter" idx="11"/>
+          </p:nvPr>
+        </p:nvSpPr>
+        <p:spPr/>
+        <p:txBody>
+          <a:bodyPr/>
+          <a:lstStyle/>
+          <a:p>
+            <a:endParaRPr lang="en-US"/>
+          </a:p>
+        </p:txBody>
+      </p:sp>
+      <p:sp>
+        <p:nvSpPr>
+          <p:cNvPr id="7" name="Slide Number Placeholder 6">
+            <a:extLst>
+              <a:ext uri="{FF2B5EF4-FFF2-40B4-BE49-F238E27FC236}">
+                <a16:creationId xmlns:a16="http://schemas.microsoft.com/office/drawing/2014/main" id="{5FAE110B-0515-4DA7-ADF5-32632F555A93}"/>
+              </a:ext>
+            </a:extLst>
+          </p:cNvPr>
+          <p:cNvSpPr>
+            <a:spLocks noGrp="1"/>
+          </p:cNvSpPr>
+          <p:nvPr>
+            <p:ph type="sldNum" sz="quarter" idx="12"/>
+          </p:nvPr>
+        </p:nvSpPr>
+        <p:spPr/>
+        <p:txBody>
+          <a:bodyPr/>
+          <a:lstStyle/>
+          <a:p>
+            <a:fld id="{9F938F8F-F582-4734-B8DE-D8D9F879027C}" type="slidenum">
+              <a:rPr lang="en-US" smtClean="0"/>
+              <a:t>‹#›</a:t>
+            </a:fld>
+            <a:endParaRPr lang="en-US"/>
+          </a:p>
+        </p:txBody>
+      </p:sp>
+    </p:spTree>
+    <p:extLst>
+      <p:ext uri="{BB962C8B-B14F-4D97-AF65-F5344CB8AC3E}">
+        <p14:creationId xmlns:p14="http://schemas.microsoft.com/office/powerpoint/2010/main" val="3741085617"/>
+      </p:ext>
+    </p:extLst>
+  </p:cSld>
+  <p:clrMapOvr>
+    <a:masterClrMapping/>
+  </p:clrMapOvr>
+</p:sldLayout>
+</file>
+
+<file path=ppt/slideLayouts/slideLayout21.xml><?xml version="1.0" encoding="utf-8"?>
+<p:sldLayout xmlns:a="http://schemas.openxmlformats.org/drawingml/2006/main" xmlns:r="http://schemas.openxmlformats.org/officeDocument/2006/relationships" xmlns:p="http://schemas.openxmlformats.org/presentationml/2006/main" type="vertTx" preserve="1">
+  <p:cSld name="Title and Vertical Text">
+    <p:spTree>
+      <p:nvGrpSpPr>
+        <p:cNvPr id="1" name=""/>
+        <p:cNvGrpSpPr/>
+        <p:nvPr/>
+      </p:nvGrpSpPr>
+      <p:grpSpPr>
+        <a:xfrm>
+          <a:off x="0" y="0"/>
+          <a:ext cx="0" cy="0"/>
+          <a:chOff x="0" y="0"/>
+          <a:chExt cx="0" cy="0"/>
+        </a:xfrm>
+      </p:grpSpPr>
+      <p:sp>
+        <p:nvSpPr>
+          <p:cNvPr id="2" name="Title 1">
+            <a:extLst>
+              <a:ext uri="{FF2B5EF4-FFF2-40B4-BE49-F238E27FC236}">
+                <a16:creationId xmlns:a16="http://schemas.microsoft.com/office/drawing/2014/main" id="{11CFFEC0-59CD-4100-B288-F772C0D48856}"/>
+              </a:ext>
+            </a:extLst>
+          </p:cNvPr>
+          <p:cNvSpPr>
+            <a:spLocks noGrp="1"/>
+          </p:cNvSpPr>
+          <p:nvPr>
+            <p:ph type="title"/>
+          </p:nvPr>
+        </p:nvSpPr>
+        <p:spPr/>
+        <p:txBody>
+          <a:bodyPr/>
+          <a:lstStyle/>
+          <a:p>
+            <a:r>
+              <a:rPr lang="en-US"/>
+              <a:t>Click to edit Master title style</a:t>
+            </a:r>
+          </a:p>
+        </p:txBody>
+      </p:sp>
+      <p:sp>
+        <p:nvSpPr>
+          <p:cNvPr id="3" name="Vertical Text Placeholder 2">
+            <a:extLst>
+              <a:ext uri="{FF2B5EF4-FFF2-40B4-BE49-F238E27FC236}">
+                <a16:creationId xmlns:a16="http://schemas.microsoft.com/office/drawing/2014/main" id="{14C987E6-0ADA-484B-BD7A-997677781BE4}"/>
+              </a:ext>
+            </a:extLst>
+          </p:cNvPr>
+          <p:cNvSpPr>
+            <a:spLocks noGrp="1"/>
+          </p:cNvSpPr>
+          <p:nvPr>
+            <p:ph type="body" orient="vert" idx="1"/>
+          </p:nvPr>
+        </p:nvSpPr>
+        <p:spPr/>
+        <p:txBody>
+          <a:bodyPr vert="eaVert"/>
+          <a:lstStyle/>
+          <a:p>
+            <a:pPr lvl="0"/>
+            <a:r>
+              <a:rPr lang="en-US"/>
+              <a:t>Edit Master text styles</a:t>
+            </a:r>
+          </a:p>
+          <a:p>
+            <a:pPr lvl="1"/>
+            <a:r>
+              <a:rPr lang="en-US"/>
+              <a:t>Second level</a:t>
+            </a:r>
+          </a:p>
+          <a:p>
+            <a:pPr lvl="2"/>
+            <a:r>
+              <a:rPr lang="en-US"/>
+              <a:t>Third level</a:t>
+            </a:r>
+          </a:p>
+          <a:p>
+            <a:pPr lvl="3"/>
+            <a:r>
+              <a:rPr lang="en-US"/>
+              <a:t>Fourth level</a:t>
+            </a:r>
+          </a:p>
+          <a:p>
+            <a:pPr lvl="4"/>
+            <a:r>
+              <a:rPr lang="en-US"/>
+              <a:t>Fifth level</a:t>
+            </a:r>
+          </a:p>
+        </p:txBody>
+      </p:sp>
+      <p:sp>
+        <p:nvSpPr>
+          <p:cNvPr id="4" name="Date Placeholder 3">
+            <a:extLst>
+              <a:ext uri="{FF2B5EF4-FFF2-40B4-BE49-F238E27FC236}">
+                <a16:creationId xmlns:a16="http://schemas.microsoft.com/office/drawing/2014/main" id="{9869CABB-A555-490E-8B70-8102A016B2B3}"/>
+              </a:ext>
+            </a:extLst>
+          </p:cNvPr>
+          <p:cNvSpPr>
+            <a:spLocks noGrp="1"/>
+          </p:cNvSpPr>
+          <p:nvPr>
+            <p:ph type="dt" sz="half" idx="10"/>
+          </p:nvPr>
+        </p:nvSpPr>
+        <p:spPr/>
+        <p:txBody>
+          <a:bodyPr/>
+          <a:lstStyle/>
+          <a:p>
+            <a:fld id="{B688772E-FB9E-4424-915A-EFECB76FA9CF}" type="datetimeFigureOut">
+              <a:rPr lang="en-US" smtClean="0"/>
+              <a:t>12/5/2018</a:t>
+            </a:fld>
+            <a:endParaRPr lang="en-US"/>
+          </a:p>
+        </p:txBody>
+      </p:sp>
+      <p:sp>
+        <p:nvSpPr>
+          <p:cNvPr id="5" name="Footer Placeholder 4">
+            <a:extLst>
+              <a:ext uri="{FF2B5EF4-FFF2-40B4-BE49-F238E27FC236}">
+                <a16:creationId xmlns:a16="http://schemas.microsoft.com/office/drawing/2014/main" id="{B67DB536-1EA1-4B83-8EE6-9D40C2F0934E}"/>
+              </a:ext>
+            </a:extLst>
+          </p:cNvPr>
+          <p:cNvSpPr>
+            <a:spLocks noGrp="1"/>
+          </p:cNvSpPr>
+          <p:nvPr>
+            <p:ph type="ftr" sz="quarter" idx="11"/>
+          </p:nvPr>
+        </p:nvSpPr>
+        <p:spPr/>
+        <p:txBody>
+          <a:bodyPr/>
+          <a:lstStyle/>
+          <a:p>
+            <a:endParaRPr lang="en-US"/>
+          </a:p>
+        </p:txBody>
+      </p:sp>
+      <p:sp>
+        <p:nvSpPr>
+          <p:cNvPr id="6" name="Slide Number Placeholder 5">
+            <a:extLst>
+              <a:ext uri="{FF2B5EF4-FFF2-40B4-BE49-F238E27FC236}">
+                <a16:creationId xmlns:a16="http://schemas.microsoft.com/office/drawing/2014/main" id="{F6AAE562-E15A-4A35-8781-F23EFEA920B3}"/>
+              </a:ext>
+            </a:extLst>
+          </p:cNvPr>
+          <p:cNvSpPr>
+            <a:spLocks noGrp="1"/>
+          </p:cNvSpPr>
+          <p:nvPr>
+            <p:ph type="sldNum" sz="quarter" idx="12"/>
+          </p:nvPr>
+        </p:nvSpPr>
+        <p:spPr/>
+        <p:txBody>
+          <a:bodyPr/>
+          <a:lstStyle/>
+          <a:p>
+            <a:fld id="{9F938F8F-F582-4734-B8DE-D8D9F879027C}" type="slidenum">
+              <a:rPr lang="en-US" smtClean="0"/>
+              <a:t>‹#›</a:t>
+            </a:fld>
+            <a:endParaRPr lang="en-US"/>
+          </a:p>
+        </p:txBody>
+      </p:sp>
+    </p:spTree>
+    <p:extLst>
+      <p:ext uri="{BB962C8B-B14F-4D97-AF65-F5344CB8AC3E}">
+        <p14:creationId xmlns:p14="http://schemas.microsoft.com/office/powerpoint/2010/main" val="2318681223"/>
+      </p:ext>
+    </p:extLst>
+  </p:cSld>
+  <p:clrMapOvr>
+    <a:masterClrMapping/>
+  </p:clrMapOvr>
+</p:sldLayout>
+</file>
+
+<file path=ppt/slideLayouts/slideLayout22.xml><?xml version="1.0" encoding="utf-8"?>
+<p:sldLayout xmlns:a="http://schemas.openxmlformats.org/drawingml/2006/main" xmlns:r="http://schemas.openxmlformats.org/officeDocument/2006/relationships" xmlns:p="http://schemas.openxmlformats.org/presentationml/2006/main" type="vertTitleAndTx" preserve="1">
+  <p:cSld name="Vertical Title and Text">
+    <p:spTree>
+      <p:nvGrpSpPr>
+        <p:cNvPr id="1" name=""/>
+        <p:cNvGrpSpPr/>
+        <p:nvPr/>
+      </p:nvGrpSpPr>
+      <p:grpSpPr>
+        <a:xfrm>
+          <a:off x="0" y="0"/>
+          <a:ext cx="0" cy="0"/>
+          <a:chOff x="0" y="0"/>
+          <a:chExt cx="0" cy="0"/>
+        </a:xfrm>
+      </p:grpSpPr>
+      <p:sp>
+        <p:nvSpPr>
+          <p:cNvPr id="2" name="Vertical Title 1">
+            <a:extLst>
+              <a:ext uri="{FF2B5EF4-FFF2-40B4-BE49-F238E27FC236}">
+                <a16:creationId xmlns:a16="http://schemas.microsoft.com/office/drawing/2014/main" id="{03328C18-52E0-4E6E-9717-AF121462669F}"/>
+              </a:ext>
+            </a:extLst>
+          </p:cNvPr>
+          <p:cNvSpPr>
+            <a:spLocks noGrp="1"/>
+          </p:cNvSpPr>
+          <p:nvPr>
+            <p:ph type="title" orient="vert"/>
+          </p:nvPr>
+        </p:nvSpPr>
+        <p:spPr>
+          <a:xfrm>
+            <a:off x="8724900" y="365125"/>
+            <a:ext cx="2628900" cy="5811838"/>
+          </a:xfrm>
+        </p:spPr>
+        <p:txBody>
+          <a:bodyPr vert="eaVert"/>
+          <a:lstStyle/>
+          <a:p>
+            <a:r>
+              <a:rPr lang="en-US"/>
+              <a:t>Click to edit Master title style</a:t>
+            </a:r>
+          </a:p>
+        </p:txBody>
+      </p:sp>
+      <p:sp>
+        <p:nvSpPr>
+          <p:cNvPr id="3" name="Vertical Text Placeholder 2">
+            <a:extLst>
+              <a:ext uri="{FF2B5EF4-FFF2-40B4-BE49-F238E27FC236}">
+                <a16:creationId xmlns:a16="http://schemas.microsoft.com/office/drawing/2014/main" id="{4135D938-CB5F-4D4C-8C4A-B21E0211B48E}"/>
+              </a:ext>
+            </a:extLst>
+          </p:cNvPr>
+          <p:cNvSpPr>
+            <a:spLocks noGrp="1"/>
+          </p:cNvSpPr>
+          <p:nvPr>
+            <p:ph type="body" orient="vert" idx="1"/>
+          </p:nvPr>
+        </p:nvSpPr>
+        <p:spPr>
+          <a:xfrm>
+            <a:off x="838200" y="365125"/>
+            <a:ext cx="7734300" cy="5811838"/>
+          </a:xfrm>
+        </p:spPr>
+        <p:txBody>
+          <a:bodyPr vert="eaVert"/>
+          <a:lstStyle/>
+          <a:p>
+            <a:pPr lvl="0"/>
+            <a:r>
+              <a:rPr lang="en-US"/>
+              <a:t>Edit Master text styles</a:t>
+            </a:r>
+          </a:p>
+          <a:p>
+            <a:pPr lvl="1"/>
+            <a:r>
+              <a:rPr lang="en-US"/>
+              <a:t>Second level</a:t>
+            </a:r>
+          </a:p>
+          <a:p>
+            <a:pPr lvl="2"/>
+            <a:r>
+              <a:rPr lang="en-US"/>
+              <a:t>Third level</a:t>
+            </a:r>
+          </a:p>
+          <a:p>
+            <a:pPr lvl="3"/>
+            <a:r>
+              <a:rPr lang="en-US"/>
+              <a:t>Fourth level</a:t>
+            </a:r>
+          </a:p>
+          <a:p>
+            <a:pPr lvl="4"/>
+            <a:r>
+              <a:rPr lang="en-US"/>
+              <a:t>Fifth level</a:t>
+            </a:r>
+          </a:p>
+        </p:txBody>
+      </p:sp>
+      <p:sp>
+        <p:nvSpPr>
+          <p:cNvPr id="4" name="Date Placeholder 3">
+            <a:extLst>
+              <a:ext uri="{FF2B5EF4-FFF2-40B4-BE49-F238E27FC236}">
+                <a16:creationId xmlns:a16="http://schemas.microsoft.com/office/drawing/2014/main" id="{903BEF49-A943-4DAA-9580-45C292A21D22}"/>
+              </a:ext>
+            </a:extLst>
+          </p:cNvPr>
+          <p:cNvSpPr>
+            <a:spLocks noGrp="1"/>
+          </p:cNvSpPr>
+          <p:nvPr>
+            <p:ph type="dt" sz="half" idx="10"/>
+          </p:nvPr>
+        </p:nvSpPr>
+        <p:spPr/>
+        <p:txBody>
+          <a:bodyPr/>
+          <a:lstStyle/>
+          <a:p>
+            <a:fld id="{B688772E-FB9E-4424-915A-EFECB76FA9CF}" type="datetimeFigureOut">
+              <a:rPr lang="en-US" smtClean="0"/>
+              <a:t>12/5/2018</a:t>
+            </a:fld>
+            <a:endParaRPr lang="en-US"/>
+          </a:p>
+        </p:txBody>
+      </p:sp>
+      <p:sp>
+        <p:nvSpPr>
+          <p:cNvPr id="5" name="Footer Placeholder 4">
+            <a:extLst>
+              <a:ext uri="{FF2B5EF4-FFF2-40B4-BE49-F238E27FC236}">
+                <a16:creationId xmlns:a16="http://schemas.microsoft.com/office/drawing/2014/main" id="{43F88521-F086-4441-A7FE-7D3885E2FC87}"/>
+              </a:ext>
+            </a:extLst>
+          </p:cNvPr>
+          <p:cNvSpPr>
+            <a:spLocks noGrp="1"/>
+          </p:cNvSpPr>
+          <p:nvPr>
+            <p:ph type="ftr" sz="quarter" idx="11"/>
+          </p:nvPr>
+        </p:nvSpPr>
+        <p:spPr/>
+        <p:txBody>
+          <a:bodyPr/>
+          <a:lstStyle/>
+          <a:p>
+            <a:endParaRPr lang="en-US"/>
+          </a:p>
+        </p:txBody>
+      </p:sp>
+      <p:sp>
+        <p:nvSpPr>
+          <p:cNvPr id="6" name="Slide Number Placeholder 5">
+            <a:extLst>
+              <a:ext uri="{FF2B5EF4-FFF2-40B4-BE49-F238E27FC236}">
+                <a16:creationId xmlns:a16="http://schemas.microsoft.com/office/drawing/2014/main" id="{5E27B13F-FA8D-41C4-ADCD-ED7B34E433AB}"/>
+              </a:ext>
+            </a:extLst>
+          </p:cNvPr>
+          <p:cNvSpPr>
+            <a:spLocks noGrp="1"/>
+          </p:cNvSpPr>
+          <p:nvPr>
+            <p:ph type="sldNum" sz="quarter" idx="12"/>
+          </p:nvPr>
+        </p:nvSpPr>
+        <p:spPr/>
+        <p:txBody>
+          <a:bodyPr/>
+          <a:lstStyle/>
+          <a:p>
+            <a:fld id="{9F938F8F-F582-4734-B8DE-D8D9F879027C}" type="slidenum">
+              <a:rPr lang="en-US" smtClean="0"/>
+              <a:t>‹#›</a:t>
+            </a:fld>
+            <a:endParaRPr lang="en-US"/>
+          </a:p>
+        </p:txBody>
+      </p:sp>
+    </p:spTree>
+    <p:extLst>
+      <p:ext uri="{BB962C8B-B14F-4D97-AF65-F5344CB8AC3E}">
+        <p14:creationId xmlns:p14="http://schemas.microsoft.com/office/powerpoint/2010/main" val="1769543203"/>
       </p:ext>
     </p:extLst>
   </p:cSld>
@@ -4758,6 +8016,574 @@
 </p:sldMaster>
 </file>
 
+<file path=ppt/slideMasters/slideMaster2.xml><?xml version="1.0" encoding="utf-8"?>
+<p:sldMaster xmlns:a="http://schemas.openxmlformats.org/drawingml/2006/main" xmlns:r="http://schemas.openxmlformats.org/officeDocument/2006/relationships" xmlns:p="http://schemas.openxmlformats.org/presentationml/2006/main">
+  <p:cSld>
+    <p:bg>
+      <p:bgRef idx="1001">
+        <a:schemeClr val="bg1"/>
+      </p:bgRef>
+    </p:bg>
+    <p:spTree>
+      <p:nvGrpSpPr>
+        <p:cNvPr id="1" name=""/>
+        <p:cNvGrpSpPr/>
+        <p:nvPr/>
+      </p:nvGrpSpPr>
+      <p:grpSpPr>
+        <a:xfrm>
+          <a:off x="0" y="0"/>
+          <a:ext cx="0" cy="0"/>
+          <a:chOff x="0" y="0"/>
+          <a:chExt cx="0" cy="0"/>
+        </a:xfrm>
+      </p:grpSpPr>
+      <p:sp>
+        <p:nvSpPr>
+          <p:cNvPr id="2" name="Title Placeholder 1">
+            <a:extLst>
+              <a:ext uri="{FF2B5EF4-FFF2-40B4-BE49-F238E27FC236}">
+                <a16:creationId xmlns:a16="http://schemas.microsoft.com/office/drawing/2014/main" id="{758C15D1-9AE8-4688-BF2A-1493C6DE8E6E}"/>
+              </a:ext>
+            </a:extLst>
+          </p:cNvPr>
+          <p:cNvSpPr>
+            <a:spLocks noGrp="1"/>
+          </p:cNvSpPr>
+          <p:nvPr>
+            <p:ph type="title"/>
+          </p:nvPr>
+        </p:nvSpPr>
+        <p:spPr>
+          <a:xfrm>
+            <a:off x="838200" y="365125"/>
+            <a:ext cx="10515600" cy="1325563"/>
+          </a:xfrm>
+          <a:prstGeom prst="rect">
+            <a:avLst/>
+          </a:prstGeom>
+        </p:spPr>
+        <p:txBody>
+          <a:bodyPr vert="horz" lIns="91440" tIns="45720" rIns="91440" bIns="45720" rtlCol="0" anchor="ctr">
+            <a:normAutofit/>
+          </a:bodyPr>
+          <a:lstStyle/>
+          <a:p>
+            <a:r>
+              <a:rPr lang="en-US"/>
+              <a:t>Click to edit Master title style</a:t>
+            </a:r>
+          </a:p>
+        </p:txBody>
+      </p:sp>
+      <p:sp>
+        <p:nvSpPr>
+          <p:cNvPr id="3" name="Text Placeholder 2">
+            <a:extLst>
+              <a:ext uri="{FF2B5EF4-FFF2-40B4-BE49-F238E27FC236}">
+                <a16:creationId xmlns:a16="http://schemas.microsoft.com/office/drawing/2014/main" id="{FADA9CC8-AAF1-43F4-B002-B70C71E83C6B}"/>
+              </a:ext>
+            </a:extLst>
+          </p:cNvPr>
+          <p:cNvSpPr>
+            <a:spLocks noGrp="1"/>
+          </p:cNvSpPr>
+          <p:nvPr>
+            <p:ph type="body" idx="1"/>
+          </p:nvPr>
+        </p:nvSpPr>
+        <p:spPr>
+          <a:xfrm>
+            <a:off x="838200" y="1825625"/>
+            <a:ext cx="10515600" cy="4351338"/>
+          </a:xfrm>
+          <a:prstGeom prst="rect">
+            <a:avLst/>
+          </a:prstGeom>
+        </p:spPr>
+        <p:txBody>
+          <a:bodyPr vert="horz" lIns="91440" tIns="45720" rIns="91440" bIns="45720" rtlCol="0">
+            <a:normAutofit/>
+          </a:bodyPr>
+          <a:lstStyle/>
+          <a:p>
+            <a:pPr lvl="0"/>
+            <a:r>
+              <a:rPr lang="en-US"/>
+              <a:t>Edit Master text styles</a:t>
+            </a:r>
+          </a:p>
+          <a:p>
+            <a:pPr lvl="1"/>
+            <a:r>
+              <a:rPr lang="en-US"/>
+              <a:t>Second level</a:t>
+            </a:r>
+          </a:p>
+          <a:p>
+            <a:pPr lvl="2"/>
+            <a:r>
+              <a:rPr lang="en-US"/>
+              <a:t>Third level</a:t>
+            </a:r>
+          </a:p>
+          <a:p>
+            <a:pPr lvl="3"/>
+            <a:r>
+              <a:rPr lang="en-US"/>
+              <a:t>Fourth level</a:t>
+            </a:r>
+          </a:p>
+          <a:p>
+            <a:pPr lvl="4"/>
+            <a:r>
+              <a:rPr lang="en-US"/>
+              <a:t>Fifth level</a:t>
+            </a:r>
+          </a:p>
+        </p:txBody>
+      </p:sp>
+      <p:sp>
+        <p:nvSpPr>
+          <p:cNvPr id="4" name="Date Placeholder 3">
+            <a:extLst>
+              <a:ext uri="{FF2B5EF4-FFF2-40B4-BE49-F238E27FC236}">
+                <a16:creationId xmlns:a16="http://schemas.microsoft.com/office/drawing/2014/main" id="{FCBABA3E-50A9-455A-81A6-BDB13CD0ABD2}"/>
+              </a:ext>
+            </a:extLst>
+          </p:cNvPr>
+          <p:cNvSpPr>
+            <a:spLocks noGrp="1"/>
+          </p:cNvSpPr>
+          <p:nvPr>
+            <p:ph type="dt" sz="half" idx="2"/>
+          </p:nvPr>
+        </p:nvSpPr>
+        <p:spPr>
+          <a:xfrm>
+            <a:off x="838200" y="6356350"/>
+            <a:ext cx="2743200" cy="365125"/>
+          </a:xfrm>
+          <a:prstGeom prst="rect">
+            <a:avLst/>
+          </a:prstGeom>
+        </p:spPr>
+        <p:txBody>
+          <a:bodyPr vert="horz" lIns="91440" tIns="45720" rIns="91440" bIns="45720" rtlCol="0" anchor="ctr"/>
+          <a:lstStyle>
+            <a:lvl1pPr algn="l">
+              <a:defRPr sz="1200">
+                <a:solidFill>
+                  <a:schemeClr val="tx1">
+                    <a:tint val="75000"/>
+                  </a:schemeClr>
+                </a:solidFill>
+              </a:defRPr>
+            </a:lvl1pPr>
+          </a:lstStyle>
+          <a:p>
+            <a:fld id="{B688772E-FB9E-4424-915A-EFECB76FA9CF}" type="datetimeFigureOut">
+              <a:rPr lang="en-US" smtClean="0"/>
+              <a:t>12/5/2018</a:t>
+            </a:fld>
+            <a:endParaRPr lang="en-US"/>
+          </a:p>
+        </p:txBody>
+      </p:sp>
+      <p:sp>
+        <p:nvSpPr>
+          <p:cNvPr id="5" name="Footer Placeholder 4">
+            <a:extLst>
+              <a:ext uri="{FF2B5EF4-FFF2-40B4-BE49-F238E27FC236}">
+                <a16:creationId xmlns:a16="http://schemas.microsoft.com/office/drawing/2014/main" id="{EB6E3368-F43D-4802-A4F6-E478387DECC1}"/>
+              </a:ext>
+            </a:extLst>
+          </p:cNvPr>
+          <p:cNvSpPr>
+            <a:spLocks noGrp="1"/>
+          </p:cNvSpPr>
+          <p:nvPr>
+            <p:ph type="ftr" sz="quarter" idx="3"/>
+          </p:nvPr>
+        </p:nvSpPr>
+        <p:spPr>
+          <a:xfrm>
+            <a:off x="4038600" y="6356350"/>
+            <a:ext cx="4114800" cy="365125"/>
+          </a:xfrm>
+          <a:prstGeom prst="rect">
+            <a:avLst/>
+          </a:prstGeom>
+        </p:spPr>
+        <p:txBody>
+          <a:bodyPr vert="horz" lIns="91440" tIns="45720" rIns="91440" bIns="45720" rtlCol="0" anchor="ctr"/>
+          <a:lstStyle>
+            <a:lvl1pPr algn="ctr">
+              <a:defRPr sz="1200">
+                <a:solidFill>
+                  <a:schemeClr val="tx1">
+                    <a:tint val="75000"/>
+                  </a:schemeClr>
+                </a:solidFill>
+              </a:defRPr>
+            </a:lvl1pPr>
+          </a:lstStyle>
+          <a:p>
+            <a:endParaRPr lang="en-US"/>
+          </a:p>
+        </p:txBody>
+      </p:sp>
+      <p:sp>
+        <p:nvSpPr>
+          <p:cNvPr id="6" name="Slide Number Placeholder 5">
+            <a:extLst>
+              <a:ext uri="{FF2B5EF4-FFF2-40B4-BE49-F238E27FC236}">
+                <a16:creationId xmlns:a16="http://schemas.microsoft.com/office/drawing/2014/main" id="{A8CA21D5-1D13-4EE3-A7FB-37162F16C82D}"/>
+              </a:ext>
+            </a:extLst>
+          </p:cNvPr>
+          <p:cNvSpPr>
+            <a:spLocks noGrp="1"/>
+          </p:cNvSpPr>
+          <p:nvPr>
+            <p:ph type="sldNum" sz="quarter" idx="4"/>
+          </p:nvPr>
+        </p:nvSpPr>
+        <p:spPr>
+          <a:xfrm>
+            <a:off x="8610600" y="6356350"/>
+            <a:ext cx="2743200" cy="365125"/>
+          </a:xfrm>
+          <a:prstGeom prst="rect">
+            <a:avLst/>
+          </a:prstGeom>
+        </p:spPr>
+        <p:txBody>
+          <a:bodyPr vert="horz" lIns="91440" tIns="45720" rIns="91440" bIns="45720" rtlCol="0" anchor="ctr"/>
+          <a:lstStyle>
+            <a:lvl1pPr algn="r">
+              <a:defRPr sz="1200">
+                <a:solidFill>
+                  <a:schemeClr val="tx1">
+                    <a:tint val="75000"/>
+                  </a:schemeClr>
+                </a:solidFill>
+              </a:defRPr>
+            </a:lvl1pPr>
+          </a:lstStyle>
+          <a:p>
+            <a:fld id="{9F938F8F-F582-4734-B8DE-D8D9F879027C}" type="slidenum">
+              <a:rPr lang="en-US" smtClean="0"/>
+              <a:t>‹#›</a:t>
+            </a:fld>
+            <a:endParaRPr lang="en-US"/>
+          </a:p>
+        </p:txBody>
+      </p:sp>
+    </p:spTree>
+    <p:extLst>
+      <p:ext uri="{BB962C8B-B14F-4D97-AF65-F5344CB8AC3E}">
+        <p14:creationId xmlns:p14="http://schemas.microsoft.com/office/powerpoint/2010/main" val="140947402"/>
+      </p:ext>
+    </p:extLst>
+  </p:cSld>
+  <p:clrMap bg1="lt1" tx1="dk1" bg2="lt2" tx2="dk2" accent1="accent1" accent2="accent2" accent3="accent3" accent4="accent4" accent5="accent5" accent6="accent6" hlink="hlink" folHlink="folHlink"/>
+  <p:sldLayoutIdLst>
+    <p:sldLayoutId id="2147483673" r:id="rId1"/>
+    <p:sldLayoutId id="2147483674" r:id="rId2"/>
+    <p:sldLayoutId id="2147483675" r:id="rId3"/>
+    <p:sldLayoutId id="2147483676" r:id="rId4"/>
+    <p:sldLayoutId id="2147483677" r:id="rId5"/>
+    <p:sldLayoutId id="2147483678" r:id="rId6"/>
+    <p:sldLayoutId id="2147483679" r:id="rId7"/>
+    <p:sldLayoutId id="2147483680" r:id="rId8"/>
+    <p:sldLayoutId id="2147483681" r:id="rId9"/>
+    <p:sldLayoutId id="2147483682" r:id="rId10"/>
+    <p:sldLayoutId id="2147483683" r:id="rId11"/>
+  </p:sldLayoutIdLst>
+  <p:txStyles>
+    <p:titleStyle>
+      <a:lvl1pPr algn="l" defTabSz="914400" rtl="0" eaLnBrk="1" latinLnBrk="0" hangingPunct="1">
+        <a:lnSpc>
+          <a:spcPct val="90000"/>
+        </a:lnSpc>
+        <a:spcBef>
+          <a:spcPct val="0"/>
+        </a:spcBef>
+        <a:buNone/>
+        <a:defRPr sz="4400" kern="1200">
+          <a:solidFill>
+            <a:schemeClr val="tx1"/>
+          </a:solidFill>
+          <a:latin typeface="+mj-lt"/>
+          <a:ea typeface="+mj-ea"/>
+          <a:cs typeface="+mj-cs"/>
+        </a:defRPr>
+      </a:lvl1pPr>
+    </p:titleStyle>
+    <p:bodyStyle>
+      <a:lvl1pPr marL="228600" indent="-228600" algn="l" defTabSz="914400" rtl="0" eaLnBrk="1" latinLnBrk="0" hangingPunct="1">
+        <a:lnSpc>
+          <a:spcPct val="90000"/>
+        </a:lnSpc>
+        <a:spcBef>
+          <a:spcPts val="1000"/>
+        </a:spcBef>
+        <a:buFont typeface="Arial" panose="020B0604020202020204" pitchFamily="34" charset="0"/>
+        <a:buChar char="•"/>
+        <a:defRPr sz="2800" kern="1200">
+          <a:solidFill>
+            <a:schemeClr val="tx1"/>
+          </a:solidFill>
+          <a:latin typeface="+mn-lt"/>
+          <a:ea typeface="+mn-ea"/>
+          <a:cs typeface="+mn-cs"/>
+        </a:defRPr>
+      </a:lvl1pPr>
+      <a:lvl2pPr marL="685800" indent="-228600" algn="l" defTabSz="914400" rtl="0" eaLnBrk="1" latinLnBrk="0" hangingPunct="1">
+        <a:lnSpc>
+          <a:spcPct val="90000"/>
+        </a:lnSpc>
+        <a:spcBef>
+          <a:spcPts val="500"/>
+        </a:spcBef>
+        <a:buFont typeface="Arial" panose="020B0604020202020204" pitchFamily="34" charset="0"/>
+        <a:buChar char="•"/>
+        <a:defRPr sz="2400" kern="1200">
+          <a:solidFill>
+            <a:schemeClr val="tx1"/>
+          </a:solidFill>
+          <a:latin typeface="+mn-lt"/>
+          <a:ea typeface="+mn-ea"/>
+          <a:cs typeface="+mn-cs"/>
+        </a:defRPr>
+      </a:lvl2pPr>
+      <a:lvl3pPr marL="1143000" indent="-228600" algn="l" defTabSz="914400" rtl="0" eaLnBrk="1" latinLnBrk="0" hangingPunct="1">
+        <a:lnSpc>
+          <a:spcPct val="90000"/>
+        </a:lnSpc>
+        <a:spcBef>
+          <a:spcPts val="500"/>
+        </a:spcBef>
+        <a:buFont typeface="Arial" panose="020B0604020202020204" pitchFamily="34" charset="0"/>
+        <a:buChar char="•"/>
+        <a:defRPr sz="2000" kern="1200">
+          <a:solidFill>
+            <a:schemeClr val="tx1"/>
+          </a:solidFill>
+          <a:latin typeface="+mn-lt"/>
+          <a:ea typeface="+mn-ea"/>
+          <a:cs typeface="+mn-cs"/>
+        </a:defRPr>
+      </a:lvl3pPr>
+      <a:lvl4pPr marL="1600200" indent="-228600" algn="l" defTabSz="914400" rtl="0" eaLnBrk="1" latinLnBrk="0" hangingPunct="1">
+        <a:lnSpc>
+          <a:spcPct val="90000"/>
+        </a:lnSpc>
+        <a:spcBef>
+          <a:spcPts val="500"/>
+        </a:spcBef>
+        <a:buFont typeface="Arial" panose="020B0604020202020204" pitchFamily="34" charset="0"/>
+        <a:buChar char="•"/>
+        <a:defRPr sz="1800" kern="1200">
+          <a:solidFill>
+            <a:schemeClr val="tx1"/>
+          </a:solidFill>
+          <a:latin typeface="+mn-lt"/>
+          <a:ea typeface="+mn-ea"/>
+          <a:cs typeface="+mn-cs"/>
+        </a:defRPr>
+      </a:lvl4pPr>
+      <a:lvl5pPr marL="2057400" indent="-228600" algn="l" defTabSz="914400" rtl="0" eaLnBrk="1" latinLnBrk="0" hangingPunct="1">
+        <a:lnSpc>
+          <a:spcPct val="90000"/>
+        </a:lnSpc>
+        <a:spcBef>
+          <a:spcPts val="500"/>
+        </a:spcBef>
+        <a:buFont typeface="Arial" panose="020B0604020202020204" pitchFamily="34" charset="0"/>
+        <a:buChar char="•"/>
+        <a:defRPr sz="1800" kern="1200">
+          <a:solidFill>
+            <a:schemeClr val="tx1"/>
+          </a:solidFill>
+          <a:latin typeface="+mn-lt"/>
+          <a:ea typeface="+mn-ea"/>
+          <a:cs typeface="+mn-cs"/>
+        </a:defRPr>
+      </a:lvl5pPr>
+      <a:lvl6pPr marL="2514600" indent="-228600" algn="l" defTabSz="914400" rtl="0" eaLnBrk="1" latinLnBrk="0" hangingPunct="1">
+        <a:lnSpc>
+          <a:spcPct val="90000"/>
+        </a:lnSpc>
+        <a:spcBef>
+          <a:spcPts val="500"/>
+        </a:spcBef>
+        <a:buFont typeface="Arial" panose="020B0604020202020204" pitchFamily="34" charset="0"/>
+        <a:buChar char="•"/>
+        <a:defRPr sz="1800" kern="1200">
+          <a:solidFill>
+            <a:schemeClr val="tx1"/>
+          </a:solidFill>
+          <a:latin typeface="+mn-lt"/>
+          <a:ea typeface="+mn-ea"/>
+          <a:cs typeface="+mn-cs"/>
+        </a:defRPr>
+      </a:lvl6pPr>
+      <a:lvl7pPr marL="2971800" indent="-228600" algn="l" defTabSz="914400" rtl="0" eaLnBrk="1" latinLnBrk="0" hangingPunct="1">
+        <a:lnSpc>
+          <a:spcPct val="90000"/>
+        </a:lnSpc>
+        <a:spcBef>
+          <a:spcPts val="500"/>
+        </a:spcBef>
+        <a:buFont typeface="Arial" panose="020B0604020202020204" pitchFamily="34" charset="0"/>
+        <a:buChar char="•"/>
+        <a:defRPr sz="1800" kern="1200">
+          <a:solidFill>
+            <a:schemeClr val="tx1"/>
+          </a:solidFill>
+          <a:latin typeface="+mn-lt"/>
+          <a:ea typeface="+mn-ea"/>
+          <a:cs typeface="+mn-cs"/>
+        </a:defRPr>
+      </a:lvl7pPr>
+      <a:lvl8pPr marL="3429000" indent="-228600" algn="l" defTabSz="914400" rtl="0" eaLnBrk="1" latinLnBrk="0" hangingPunct="1">
+        <a:lnSpc>
+          <a:spcPct val="90000"/>
+        </a:lnSpc>
+        <a:spcBef>
+          <a:spcPts val="500"/>
+        </a:spcBef>
+        <a:buFont typeface="Arial" panose="020B0604020202020204" pitchFamily="34" charset="0"/>
+        <a:buChar char="•"/>
+        <a:defRPr sz="1800" kern="1200">
+          <a:solidFill>
+            <a:schemeClr val="tx1"/>
+          </a:solidFill>
+          <a:latin typeface="+mn-lt"/>
+          <a:ea typeface="+mn-ea"/>
+          <a:cs typeface="+mn-cs"/>
+        </a:defRPr>
+      </a:lvl8pPr>
+      <a:lvl9pPr marL="3886200" indent="-228600" algn="l" defTabSz="914400" rtl="0" eaLnBrk="1" latinLnBrk="0" hangingPunct="1">
+        <a:lnSpc>
+          <a:spcPct val="90000"/>
+        </a:lnSpc>
+        <a:spcBef>
+          <a:spcPts val="500"/>
+        </a:spcBef>
+        <a:buFont typeface="Arial" panose="020B0604020202020204" pitchFamily="34" charset="0"/>
+        <a:buChar char="•"/>
+        <a:defRPr sz="1800" kern="1200">
+          <a:solidFill>
+            <a:schemeClr val="tx1"/>
+          </a:solidFill>
+          <a:latin typeface="+mn-lt"/>
+          <a:ea typeface="+mn-ea"/>
+          <a:cs typeface="+mn-cs"/>
+        </a:defRPr>
+      </a:lvl9pPr>
+    </p:bodyStyle>
+    <p:otherStyle>
+      <a:defPPr>
+        <a:defRPr lang="en-US"/>
+      </a:defPPr>
+      <a:lvl1pPr marL="0" algn="l" defTabSz="914400" rtl="0" eaLnBrk="1" latinLnBrk="0" hangingPunct="1">
+        <a:defRPr sz="1800" kern="1200">
+          <a:solidFill>
+            <a:schemeClr val="tx1"/>
+          </a:solidFill>
+          <a:latin typeface="+mn-lt"/>
+          <a:ea typeface="+mn-ea"/>
+          <a:cs typeface="+mn-cs"/>
+        </a:defRPr>
+      </a:lvl1pPr>
+      <a:lvl2pPr marL="457200" algn="l" defTabSz="914400" rtl="0" eaLnBrk="1" latinLnBrk="0" hangingPunct="1">
+        <a:defRPr sz="1800" kern="1200">
+          <a:solidFill>
+            <a:schemeClr val="tx1"/>
+          </a:solidFill>
+          <a:latin typeface="+mn-lt"/>
+          <a:ea typeface="+mn-ea"/>
+          <a:cs typeface="+mn-cs"/>
+        </a:defRPr>
+      </a:lvl2pPr>
+      <a:lvl3pPr marL="914400" algn="l" defTabSz="914400" rtl="0" eaLnBrk="1" latinLnBrk="0" hangingPunct="1">
+        <a:defRPr sz="1800" kern="1200">
+          <a:solidFill>
+            <a:schemeClr val="tx1"/>
+          </a:solidFill>
+          <a:latin typeface="+mn-lt"/>
+          <a:ea typeface="+mn-ea"/>
+          <a:cs typeface="+mn-cs"/>
+        </a:defRPr>
+      </a:lvl3pPr>
+      <a:lvl4pPr marL="1371600" algn="l" defTabSz="914400" rtl="0" eaLnBrk="1" latinLnBrk="0" hangingPunct="1">
+        <a:defRPr sz="1800" kern="1200">
+          <a:solidFill>
+            <a:schemeClr val="tx1"/>
+          </a:solidFill>
+          <a:latin typeface="+mn-lt"/>
+          <a:ea typeface="+mn-ea"/>
+          <a:cs typeface="+mn-cs"/>
+        </a:defRPr>
+      </a:lvl4pPr>
+      <a:lvl5pPr marL="1828800" algn="l" defTabSz="914400" rtl="0" eaLnBrk="1" latinLnBrk="0" hangingPunct="1">
+        <a:defRPr sz="1800" kern="1200">
+          <a:solidFill>
+            <a:schemeClr val="tx1"/>
+          </a:solidFill>
+          <a:latin typeface="+mn-lt"/>
+          <a:ea typeface="+mn-ea"/>
+          <a:cs typeface="+mn-cs"/>
+        </a:defRPr>
+      </a:lvl5pPr>
+      <a:lvl6pPr marL="2286000" algn="l" defTabSz="914400" rtl="0" eaLnBrk="1" latinLnBrk="0" hangingPunct="1">
+        <a:defRPr sz="1800" kern="1200">
+          <a:solidFill>
+            <a:schemeClr val="tx1"/>
+          </a:solidFill>
+          <a:latin typeface="+mn-lt"/>
+          <a:ea typeface="+mn-ea"/>
+          <a:cs typeface="+mn-cs"/>
+        </a:defRPr>
+      </a:lvl6pPr>
+      <a:lvl7pPr marL="2743200" algn="l" defTabSz="914400" rtl="0" eaLnBrk="1" latinLnBrk="0" hangingPunct="1">
+        <a:defRPr sz="1800" kern="1200">
+          <a:solidFill>
+            <a:schemeClr val="tx1"/>
+          </a:solidFill>
+          <a:latin typeface="+mn-lt"/>
+          <a:ea typeface="+mn-ea"/>
+          <a:cs typeface="+mn-cs"/>
+        </a:defRPr>
+      </a:lvl7pPr>
+      <a:lvl8pPr marL="3200400" algn="l" defTabSz="914400" rtl="0" eaLnBrk="1" latinLnBrk="0" hangingPunct="1">
+        <a:defRPr sz="1800" kern="1200">
+          <a:solidFill>
+            <a:schemeClr val="tx1"/>
+          </a:solidFill>
+          <a:latin typeface="+mn-lt"/>
+          <a:ea typeface="+mn-ea"/>
+          <a:cs typeface="+mn-cs"/>
+        </a:defRPr>
+      </a:lvl8pPr>
+      <a:lvl9pPr marL="3657600" algn="l" defTabSz="914400" rtl="0" eaLnBrk="1" latinLnBrk="0" hangingPunct="1">
+        <a:defRPr sz="1800" kern="1200">
+          <a:solidFill>
+            <a:schemeClr val="tx1"/>
+          </a:solidFill>
+          <a:latin typeface="+mn-lt"/>
+          <a:ea typeface="+mn-ea"/>
+          <a:cs typeface="+mn-cs"/>
+        </a:defRPr>
+      </a:lvl9pPr>
+    </p:otherStyle>
+  </p:txStyles>
+</p:sldMaster>
+</file>
+
 <file path=ppt/slides/slide1.xml><?xml version="1.0" encoding="utf-8"?>
 <p:sld xmlns:a="http://schemas.openxmlformats.org/drawingml/2006/main" xmlns:r="http://schemas.openxmlformats.org/officeDocument/2006/relationships" xmlns:p="http://schemas.openxmlformats.org/presentationml/2006/main">
   <p:cSld>
@@ -5213,6 +9039,395 @@
           <a:bodyPr rtlCol="0" anchor="ctr"/>
           <a:lstStyle/>
           <a:p>
+            <a:pPr marL="0" marR="0" lvl="0" indent="0" algn="ctr" defTabSz="914400" rtl="0" eaLnBrk="1" fontAlgn="auto" latinLnBrk="0" hangingPunct="1">
+              <a:lnSpc>
+                <a:spcPct val="100000"/>
+              </a:lnSpc>
+              <a:spcBef>
+                <a:spcPts val="0"/>
+              </a:spcBef>
+              <a:spcAft>
+                <a:spcPts val="0"/>
+              </a:spcAft>
+              <a:buClrTx/>
+              <a:buSzTx/>
+              <a:buFontTx/>
+              <a:buNone/>
+              <a:tabLst/>
+              <a:defRPr/>
+            </a:pPr>
+            <a:endParaRPr kumimoji="0" lang="en-US" sz="1800" b="0" i="0" u="none" strike="noStrike" kern="1200" cap="none" spc="0" normalizeH="0" baseline="0" noProof="0">
+              <a:ln>
+                <a:noFill/>
+              </a:ln>
+              <a:solidFill>
+                <a:prstClr val="white"/>
+              </a:solidFill>
+              <a:effectLst/>
+              <a:uLnTx/>
+              <a:uFillTx/>
+              <a:latin typeface="Calibri" panose="020F0502020204030204"/>
+              <a:ea typeface="+mn-ea"/>
+              <a:cs typeface="+mn-cs"/>
+            </a:endParaRPr>
+          </a:p>
+        </p:txBody>
+      </p:sp>
+      <p:sp>
+        <p:nvSpPr>
+          <p:cNvPr id="4" name="TextBox 3">
+            <a:extLst>
+              <a:ext uri="{FF2B5EF4-FFF2-40B4-BE49-F238E27FC236}">
+                <a16:creationId xmlns:a16="http://schemas.microsoft.com/office/drawing/2014/main" id="{5F2D9490-D24F-4E34-9310-4A8B56C9649D}"/>
+              </a:ext>
+            </a:extLst>
+          </p:cNvPr>
+          <p:cNvSpPr txBox="1"/>
+          <p:nvPr/>
+        </p:nvSpPr>
+        <p:spPr>
+          <a:xfrm>
+            <a:off x="674237" y="914400"/>
+            <a:ext cx="3657600" cy="2887579"/>
+          </a:xfrm>
+          <a:prstGeom prst="rect">
+            <a:avLst/>
+          </a:prstGeom>
+        </p:spPr>
+        <p:txBody>
+          <a:bodyPr vert="horz" lIns="91440" tIns="45720" rIns="91440" bIns="45720" rtlCol="0" anchor="b">
+            <a:normAutofit/>
+          </a:bodyPr>
+          <a:lstStyle/>
+          <a:p>
+            <a:pPr marL="0" marR="0" lvl="0" indent="0" algn="ctr" defTabSz="914400" rtl="0" eaLnBrk="1" fontAlgn="auto" latinLnBrk="0" hangingPunct="1">
+              <a:lnSpc>
+                <a:spcPct val="90000"/>
+              </a:lnSpc>
+              <a:spcBef>
+                <a:spcPct val="0"/>
+              </a:spcBef>
+              <a:spcAft>
+                <a:spcPts val="600"/>
+              </a:spcAft>
+              <a:buClrTx/>
+              <a:buSzTx/>
+              <a:buFontTx/>
+              <a:buNone/>
+              <a:tabLst/>
+              <a:defRPr/>
+            </a:pPr>
+            <a:r>
+              <a:rPr kumimoji="0" lang="en-US" sz="4800" b="0" i="0" u="none" strike="noStrike" kern="1200" cap="none" spc="0" normalizeH="0" baseline="0" noProof="0" dirty="0">
+                <a:ln>
+                  <a:noFill/>
+                </a:ln>
+                <a:solidFill>
+                  <a:srgbClr val="FFFFFF"/>
+                </a:solidFill>
+                <a:effectLst/>
+                <a:uLnTx/>
+                <a:uFillTx/>
+                <a:latin typeface="Calibri Light" panose="020F0302020204030204"/>
+                <a:ea typeface="+mn-ea"/>
+                <a:cs typeface="+mn-cs"/>
+              </a:rPr>
+              <a:t>Codominant Frequency</a:t>
+            </a:r>
+          </a:p>
+        </p:txBody>
+      </p:sp>
+      <p:cxnSp>
+        <p:nvCxnSpPr>
+          <p:cNvPr id="11" name="Straight Connector 10">
+            <a:extLst>
+              <a:ext uri="{FF2B5EF4-FFF2-40B4-BE49-F238E27FC236}">
+                <a16:creationId xmlns:a16="http://schemas.microsoft.com/office/drawing/2014/main" id="{38FB9660-F42F-4313-BBC4-47C007FE484C}"/>
+              </a:ext>
+              <a:ext uri="{C183D7F6-B498-43B3-948B-1728B52AA6E4}">
+                <adec:decorative xmlns:adec="http://schemas.microsoft.com/office/drawing/2017/decorative" val="1"/>
+              </a:ext>
+            </a:extLst>
+          </p:cNvPr>
+          <p:cNvCxnSpPr>
+            <a:cxnSpLocks noGrp="1" noRot="1" noChangeAspect="1" noMove="1" noResize="1" noEditPoints="1" noAdjustHandles="1" noChangeArrowheads="1" noChangeShapeType="1"/>
+          </p:cNvCxnSpPr>
+          <p:nvPr>
+            <p:extLst>
+              <p:ext uri="{386F3935-93C4-4BCD-93E2-E3B085C9AB24}">
+                <p16:designElem xmlns:p16="http://schemas.microsoft.com/office/powerpoint/2015/main" val="1"/>
+              </p:ext>
+            </p:extLst>
+          </p:nvPr>
+        </p:nvCxnSpPr>
+        <p:spPr>
+          <a:xfrm>
+            <a:off x="1191126" y="3910267"/>
+            <a:ext cx="2586790" cy="0"/>
+          </a:xfrm>
+          <a:prstGeom prst="line">
+            <a:avLst/>
+          </a:prstGeom>
+          <a:ln w="22225">
+            <a:solidFill>
+              <a:srgbClr val="D9D9D9"/>
+            </a:solidFill>
+          </a:ln>
+        </p:spPr>
+        <p:style>
+          <a:lnRef idx="1">
+            <a:schemeClr val="accent1"/>
+          </a:lnRef>
+          <a:fillRef idx="0">
+            <a:schemeClr val="accent1"/>
+          </a:fillRef>
+          <a:effectRef idx="0">
+            <a:schemeClr val="accent1"/>
+          </a:effectRef>
+          <a:fontRef idx="minor">
+            <a:schemeClr val="tx1"/>
+          </a:fontRef>
+        </p:style>
+      </p:cxnSp>
+      <p:graphicFrame>
+        <p:nvGraphicFramePr>
+          <p:cNvPr id="6" name="Chart 5">
+            <a:extLst>
+              <a:ext uri="{FF2B5EF4-FFF2-40B4-BE49-F238E27FC236}">
+                <a16:creationId xmlns:a16="http://schemas.microsoft.com/office/drawing/2014/main" id="{65E33DBE-3F8B-4FAB-A57C-9E7B1C00AFB6}"/>
+              </a:ext>
+            </a:extLst>
+          </p:cNvPr>
+          <p:cNvGraphicFramePr>
+            <a:graphicFrameLocks/>
+          </p:cNvGraphicFramePr>
+          <p:nvPr/>
+        </p:nvGraphicFramePr>
+        <p:xfrm>
+          <a:off x="5006544" y="443579"/>
+          <a:ext cx="6350000" cy="2133600"/>
+        </p:xfrm>
+        <a:graphic>
+          <a:graphicData uri="http://schemas.openxmlformats.org/drawingml/2006/chart">
+            <c:chart xmlns:c="http://schemas.openxmlformats.org/drawingml/2006/chart" xmlns:r="http://schemas.openxmlformats.org/officeDocument/2006/relationships" r:id="rId2"/>
+          </a:graphicData>
+        </a:graphic>
+      </p:graphicFrame>
+      <p:graphicFrame>
+        <p:nvGraphicFramePr>
+          <p:cNvPr id="7" name="Chart 6">
+            <a:extLst>
+              <a:ext uri="{FF2B5EF4-FFF2-40B4-BE49-F238E27FC236}">
+                <a16:creationId xmlns:a16="http://schemas.microsoft.com/office/drawing/2014/main" id="{F52677EB-3739-4B2D-9A51-AAFFBA9C653F}"/>
+              </a:ext>
+            </a:extLst>
+          </p:cNvPr>
+          <p:cNvGraphicFramePr>
+            <a:graphicFrameLocks/>
+          </p:cNvGraphicFramePr>
+          <p:nvPr/>
+        </p:nvGraphicFramePr>
+        <p:xfrm>
+          <a:off x="5268144" y="2362200"/>
+          <a:ext cx="6350000" cy="2133600"/>
+        </p:xfrm>
+        <a:graphic>
+          <a:graphicData uri="http://schemas.openxmlformats.org/drawingml/2006/chart">
+            <c:chart xmlns:c="http://schemas.openxmlformats.org/drawingml/2006/chart" xmlns:r="http://schemas.openxmlformats.org/officeDocument/2006/relationships" r:id="rId3"/>
+          </a:graphicData>
+        </a:graphic>
+      </p:graphicFrame>
+      <p:graphicFrame>
+        <p:nvGraphicFramePr>
+          <p:cNvPr id="8" name="Chart 7">
+            <a:extLst>
+              <a:ext uri="{FF2B5EF4-FFF2-40B4-BE49-F238E27FC236}">
+                <a16:creationId xmlns:a16="http://schemas.microsoft.com/office/drawing/2014/main" id="{239669CC-66D2-45EF-8BE9-CBD59E9E791A}"/>
+              </a:ext>
+            </a:extLst>
+          </p:cNvPr>
+          <p:cNvGraphicFramePr>
+            <a:graphicFrameLocks/>
+          </p:cNvGraphicFramePr>
+          <p:nvPr/>
+        </p:nvGraphicFramePr>
+        <p:xfrm>
+          <a:off x="5268144" y="4458393"/>
+          <a:ext cx="6350000" cy="2133600"/>
+        </p:xfrm>
+        <a:graphic>
+          <a:graphicData uri="http://schemas.openxmlformats.org/drawingml/2006/chart">
+            <c:chart xmlns:c="http://schemas.openxmlformats.org/drawingml/2006/chart" xmlns:r="http://schemas.openxmlformats.org/officeDocument/2006/relationships" r:id="rId4"/>
+          </a:graphicData>
+        </a:graphic>
+      </p:graphicFrame>
+      <p:sp>
+        <p:nvSpPr>
+          <p:cNvPr id="2" name="TextBox 1">
+            <a:extLst>
+              <a:ext uri="{FF2B5EF4-FFF2-40B4-BE49-F238E27FC236}">
+                <a16:creationId xmlns:a16="http://schemas.microsoft.com/office/drawing/2014/main" id="{236A621E-920C-45C3-9699-C481553ABAF8}"/>
+              </a:ext>
+            </a:extLst>
+          </p:cNvPr>
+          <p:cNvSpPr txBox="1"/>
+          <p:nvPr/>
+        </p:nvSpPr>
+        <p:spPr>
+          <a:xfrm>
+            <a:off x="1191126" y="4555375"/>
+            <a:ext cx="2887652" cy="369332"/>
+          </a:xfrm>
+          <a:prstGeom prst="rect">
+            <a:avLst/>
+          </a:prstGeom>
+          <a:noFill/>
+        </p:spPr>
+        <p:txBody>
+          <a:bodyPr wrap="square" rtlCol="0">
+            <a:spAutoFit/>
+          </a:bodyPr>
+          <a:lstStyle/>
+          <a:p>
+            <a:pPr marL="0" marR="0" lvl="0" indent="0" algn="l" defTabSz="914400" rtl="0" eaLnBrk="1" fontAlgn="auto" latinLnBrk="0" hangingPunct="1">
+              <a:lnSpc>
+                <a:spcPct val="100000"/>
+              </a:lnSpc>
+              <a:spcBef>
+                <a:spcPts val="0"/>
+              </a:spcBef>
+              <a:spcAft>
+                <a:spcPts val="0"/>
+              </a:spcAft>
+              <a:buClrTx/>
+              <a:buSzTx/>
+              <a:buFontTx/>
+              <a:buNone/>
+              <a:tabLst/>
+              <a:defRPr/>
+            </a:pPr>
+            <a:r>
+              <a:rPr kumimoji="0" lang="en-US" sz="1800" b="0" i="0" u="none" strike="noStrike" kern="1200" cap="none" spc="0" normalizeH="0" baseline="0" noProof="0" dirty="0">
+                <a:ln>
+                  <a:noFill/>
+                </a:ln>
+                <a:solidFill>
+                  <a:prstClr val="white"/>
+                </a:solidFill>
+                <a:effectLst/>
+                <a:uLnTx/>
+                <a:uFillTx/>
+                <a:latin typeface="Calibri" panose="020F0502020204030204"/>
+                <a:ea typeface="+mn-ea"/>
+                <a:cs typeface="+mn-cs"/>
+              </a:rPr>
+              <a:t>Graphs and Excel Charts</a:t>
+            </a:r>
+          </a:p>
+        </p:txBody>
+      </p:sp>
+    </p:spTree>
+    <p:extLst>
+      <p:ext uri="{BB962C8B-B14F-4D97-AF65-F5344CB8AC3E}">
+        <p14:creationId xmlns:p14="http://schemas.microsoft.com/office/powerpoint/2010/main" val="1003582557"/>
+      </p:ext>
+    </p:extLst>
+  </p:cSld>
+  <p:clrMapOvr>
+    <a:masterClrMapping/>
+  </p:clrMapOvr>
+</p:sld>
+</file>
+
+<file path=ppt/slides/slide11.xml><?xml version="1.0" encoding="utf-8"?>
+<p:sld xmlns:a="http://schemas.openxmlformats.org/drawingml/2006/main" xmlns:r="http://schemas.openxmlformats.org/officeDocument/2006/relationships" xmlns:p="http://schemas.openxmlformats.org/presentationml/2006/main">
+  <p:cSld>
+    <p:bg>
+      <p:bgPr>
+        <a:solidFill>
+          <a:schemeClr val="bg1"/>
+        </a:solidFill>
+        <a:effectLst/>
+      </p:bgPr>
+    </p:bg>
+    <p:spTree>
+      <p:nvGrpSpPr>
+        <p:cNvPr id="1" name=""/>
+        <p:cNvGrpSpPr/>
+        <p:nvPr/>
+      </p:nvGrpSpPr>
+      <p:grpSpPr>
+        <a:xfrm>
+          <a:off x="0" y="0"/>
+          <a:ext cx="0" cy="0"/>
+          <a:chOff x="0" y="0"/>
+          <a:chExt cx="0" cy="0"/>
+        </a:xfrm>
+      </p:grpSpPr>
+      <p:sp>
+        <p:nvSpPr>
+          <p:cNvPr id="9" name="Rectangle 8">
+            <a:extLst>
+              <a:ext uri="{FF2B5EF4-FFF2-40B4-BE49-F238E27FC236}">
+                <a16:creationId xmlns:a16="http://schemas.microsoft.com/office/drawing/2014/main" id="{AB45A142-4255-493C-8284-5D566C121B10}"/>
+              </a:ext>
+              <a:ext uri="{C183D7F6-B498-43B3-948B-1728B52AA6E4}">
+                <adec:decorative xmlns:adec="http://schemas.microsoft.com/office/drawing/2017/decorative" val="1"/>
+              </a:ext>
+            </a:extLst>
+          </p:cNvPr>
+          <p:cNvSpPr>
+            <a:spLocks noGrp="1" noRot="1" noChangeAspect="1" noMove="1" noResize="1" noEditPoints="1" noAdjustHandles="1" noChangeArrowheads="1" noChangeShapeType="1" noTextEdit="1"/>
+          </p:cNvSpPr>
+          <p:nvPr>
+            <p:extLst>
+              <p:ext uri="{386F3935-93C4-4BCD-93E2-E3B085C9AB24}">
+                <p16:designElem xmlns:p16="http://schemas.microsoft.com/office/powerpoint/2015/main" val="1"/>
+              </p:ext>
+            </p:extLst>
+          </p:nvPr>
+        </p:nvSpPr>
+        <p:spPr bwMode="ltGray">
+          <a:xfrm>
+            <a:off x="336884" y="321177"/>
+            <a:ext cx="4332307" cy="6179552"/>
+          </a:xfrm>
+          <a:prstGeom prst="rect">
+            <a:avLst/>
+          </a:prstGeom>
+          <a:solidFill>
+            <a:srgbClr val="404040">
+              <a:alpha val="89804"/>
+            </a:srgbClr>
+          </a:solidFill>
+          <a:ln w="127000" cap="sq" cmpd="thinThick">
+            <a:solidFill>
+              <a:srgbClr val="595959">
+                <a:alpha val="80000"/>
+              </a:srgbClr>
+            </a:solidFill>
+          </a:ln>
+        </p:spPr>
+        <p:style>
+          <a:lnRef idx="2">
+            <a:schemeClr val="accent1">
+              <a:shade val="50000"/>
+            </a:schemeClr>
+          </a:lnRef>
+          <a:fillRef idx="1">
+            <a:schemeClr val="accent1"/>
+          </a:fillRef>
+          <a:effectRef idx="0">
+            <a:schemeClr val="accent1"/>
+          </a:effectRef>
+          <a:fontRef idx="minor">
+            <a:schemeClr val="lt1"/>
+          </a:fontRef>
+        </p:style>
+        <p:txBody>
+          <a:bodyPr rtlCol="0" anchor="ctr"/>
+          <a:lstStyle/>
+          <a:p>
             <a:pPr algn="ctr"/>
             <a:endParaRPr lang="en-US"/>
           </a:p>
@@ -5369,7 +9584,7 @@
 </p:sld>
 </file>
 
-<file path=ppt/slides/slide11.xml><?xml version="1.0" encoding="utf-8"?>
+<file path=ppt/slides/slide12.xml><?xml version="1.0" encoding="utf-8"?>
 <p:sld xmlns:a="http://schemas.openxmlformats.org/drawingml/2006/main" xmlns:r="http://schemas.openxmlformats.org/officeDocument/2006/relationships" xmlns:p="http://schemas.openxmlformats.org/presentationml/2006/main">
   <p:cSld>
     <p:spTree>
@@ -12275,7 +16490,7 @@
 </p:sld>
 </file>
 
-<file path=ppt/slides/slide12.xml><?xml version="1.0" encoding="utf-8"?>
+<file path=ppt/slides/slide13.xml><?xml version="1.0" encoding="utf-8"?>
 <p:sld xmlns:a="http://schemas.openxmlformats.org/drawingml/2006/main" xmlns:r="http://schemas.openxmlformats.org/officeDocument/2006/relationships" xmlns:p="http://schemas.openxmlformats.org/presentationml/2006/main">
   <p:cSld>
     <p:bg>
@@ -12654,7 +16869,7 @@
 </p:sld>
 </file>
 
-<file path=ppt/slides/slide13.xml><?xml version="1.0" encoding="utf-8"?>
+<file path=ppt/slides/slide14.xml><?xml version="1.0" encoding="utf-8"?>
 <p:sld xmlns:a="http://schemas.openxmlformats.org/drawingml/2006/main" xmlns:r="http://schemas.openxmlformats.org/officeDocument/2006/relationships" xmlns:p="http://schemas.openxmlformats.org/presentationml/2006/main">
   <p:cSld>
     <p:spTree>
@@ -12719,7 +16934,7 @@
 </p:sld>
 </file>
 
-<file path=ppt/slides/slide14.xml><?xml version="1.0" encoding="utf-8"?>
+<file path=ppt/slides/slide15.xml><?xml version="1.0" encoding="utf-8"?>
 <p:sld xmlns:a="http://schemas.openxmlformats.org/drawingml/2006/main" xmlns:r="http://schemas.openxmlformats.org/officeDocument/2006/relationships" xmlns:p="http://schemas.openxmlformats.org/presentationml/2006/main">
   <p:cSld>
     <p:bg>
@@ -12985,7 +17200,7 @@
 </p:sld>
 </file>
 
-<file path=ppt/slides/slide15.xml><?xml version="1.0" encoding="utf-8"?>
+<file path=ppt/slides/slide16.xml><?xml version="1.0" encoding="utf-8"?>
 <p:sld xmlns:a="http://schemas.openxmlformats.org/drawingml/2006/main" xmlns:r="http://schemas.openxmlformats.org/officeDocument/2006/relationships" xmlns:p="http://schemas.openxmlformats.org/presentationml/2006/main">
   <p:cSld>
     <p:bg>
@@ -13232,7 +17447,7 @@
 </p:sld>
 </file>
 
-<file path=ppt/slides/slide16.xml><?xml version="1.0" encoding="utf-8"?>
+<file path=ppt/slides/slide17.xml><?xml version="1.0" encoding="utf-8"?>
 <p:sld xmlns:a="http://schemas.openxmlformats.org/drawingml/2006/main" xmlns:r="http://schemas.openxmlformats.org/officeDocument/2006/relationships" xmlns:p="http://schemas.openxmlformats.org/presentationml/2006/main">
   <p:cSld>
     <p:bg>
@@ -13531,7 +17746,7 @@
 </p:sld>
 </file>
 
-<file path=ppt/slides/slide17.xml><?xml version="1.0" encoding="utf-8"?>
+<file path=ppt/slides/slide18.xml><?xml version="1.0" encoding="utf-8"?>
 <p:sld xmlns:a="http://schemas.openxmlformats.org/drawingml/2006/main" xmlns:r="http://schemas.openxmlformats.org/officeDocument/2006/relationships" xmlns:p="http://schemas.openxmlformats.org/presentationml/2006/main">
   <p:cSld>
     <p:bg>
@@ -13778,7 +17993,7 @@
 </p:sld>
 </file>
 
-<file path=ppt/slides/slide18.xml><?xml version="1.0" encoding="utf-8"?>
+<file path=ppt/slides/slide19.xml><?xml version="1.0" encoding="utf-8"?>
 <p:sld xmlns:a="http://schemas.openxmlformats.org/drawingml/2006/main" xmlns:r="http://schemas.openxmlformats.org/officeDocument/2006/relationships" xmlns:p="http://schemas.openxmlformats.org/presentationml/2006/main">
   <p:cSld>
     <p:bg>
@@ -14054,7 +18269,195 @@
 </p:sld>
 </file>
 
-<file path=ppt/slides/slide19.xml><?xml version="1.0" encoding="utf-8"?>
+<file path=ppt/slides/slide2.xml><?xml version="1.0" encoding="utf-8"?>
+<p:sld xmlns:a="http://schemas.openxmlformats.org/drawingml/2006/main" xmlns:r="http://schemas.openxmlformats.org/officeDocument/2006/relationships" xmlns:p="http://schemas.openxmlformats.org/presentationml/2006/main">
+  <p:cSld>
+    <p:spTree>
+      <p:nvGrpSpPr>
+        <p:cNvPr id="1" name=""/>
+        <p:cNvGrpSpPr/>
+        <p:nvPr/>
+      </p:nvGrpSpPr>
+      <p:grpSpPr>
+        <a:xfrm>
+          <a:off x="0" y="0"/>
+          <a:ext cx="0" cy="0"/>
+          <a:chOff x="0" y="0"/>
+          <a:chExt cx="0" cy="0"/>
+        </a:xfrm>
+      </p:grpSpPr>
+      <p:sp>
+        <p:nvSpPr>
+          <p:cNvPr id="2" name="Title 1">
+            <a:extLst>
+              <a:ext uri="{FF2B5EF4-FFF2-40B4-BE49-F238E27FC236}">
+                <a16:creationId xmlns:a16="http://schemas.microsoft.com/office/drawing/2014/main" id="{8D93BC33-2125-443B-A1A3-1A92A5247404}"/>
+              </a:ext>
+            </a:extLst>
+          </p:cNvPr>
+          <p:cNvSpPr>
+            <a:spLocks noGrp="1"/>
+          </p:cNvSpPr>
+          <p:nvPr>
+            <p:ph type="ctrTitle"/>
+          </p:nvPr>
+        </p:nvSpPr>
+        <p:spPr>
+          <a:xfrm>
+            <a:off x="242901" y="1039906"/>
+            <a:ext cx="11821887" cy="3079656"/>
+          </a:xfrm>
+        </p:spPr>
+        <p:txBody>
+          <a:bodyPr>
+            <a:normAutofit/>
+          </a:bodyPr>
+          <a:lstStyle/>
+          <a:p>
+            <a:r>
+              <a:rPr lang="en-US" dirty="0"/>
+              <a:t>Red Laser Steel Cobra Danger Unicorns</a:t>
+            </a:r>
+            <a:br>
+              <a:rPr lang="en-US" dirty="0">
+                <a:cs typeface="Calibri Light"/>
+              </a:rPr>
+            </a:br>
+            <a:r>
+              <a:rPr lang="en-US" sz="2000" dirty="0"/>
+              <a:t>Presents: </a:t>
+            </a:r>
+            <a:r>
+              <a:rPr lang="en-US" sz="2200" dirty="0"/>
+              <a:t>Lack of genetic isolation by distance, similar genetic</a:t>
+            </a:r>
+            <a:br>
+              <a:rPr lang="en-US" sz="2200" dirty="0">
+                <a:cs typeface="Calibri Light"/>
+              </a:rPr>
+            </a:br>
+            <a:r>
+              <a:rPr lang="en-US" sz="2200" dirty="0"/>
+              <a:t>structuring but different demographic histories in a fig pollinating</a:t>
+            </a:r>
+            <a:br>
+              <a:rPr lang="en-US" sz="2200" dirty="0">
+                <a:cs typeface="Calibri Light"/>
+              </a:rPr>
+            </a:br>
+            <a:r>
+              <a:rPr lang="en-US" sz="2200" dirty="0"/>
+              <a:t>wasp mutualism</a:t>
+            </a:r>
+            <a:br>
+              <a:rPr lang="en-US" sz="2200" dirty="0">
+                <a:cs typeface="Calibri Light"/>
+              </a:rPr>
+            </a:br>
+            <a:r>
+              <a:rPr lang="en-US" sz="2200" dirty="0"/>
+              <a:t>By:</a:t>
+            </a:r>
+            <a:br>
+              <a:rPr lang="en-US" sz="2200" dirty="0">
+                <a:cs typeface="Calibri Light"/>
+              </a:rPr>
+            </a:br>
+            <a:r>
+              <a:rPr lang="en-US" sz="2200" dirty="0"/>
+              <a:t>ENWEI TIAN, JOHN D. NASON, CARLOS A. MACHADO, LINNA ZHENG, HUI YU and</a:t>
+            </a:r>
+            <a:br>
+              <a:rPr lang="en-US" sz="2200" dirty="0">
+                <a:cs typeface="Calibri Light"/>
+              </a:rPr>
+            </a:br>
+            <a:r>
+              <a:rPr lang="en-US" sz="2200" dirty="0"/>
+              <a:t>FINN KJELLBERG</a:t>
+            </a:r>
+          </a:p>
+        </p:txBody>
+      </p:sp>
+      <p:sp>
+        <p:nvSpPr>
+          <p:cNvPr id="3" name="Subtitle 2">
+            <a:extLst>
+              <a:ext uri="{FF2B5EF4-FFF2-40B4-BE49-F238E27FC236}">
+                <a16:creationId xmlns:a16="http://schemas.microsoft.com/office/drawing/2014/main" id="{BF764F22-EE15-4C31-9B76-DCDCD3D2326C}"/>
+              </a:ext>
+            </a:extLst>
+          </p:cNvPr>
+          <p:cNvSpPr>
+            <a:spLocks noGrp="1"/>
+          </p:cNvSpPr>
+          <p:nvPr>
+            <p:ph type="subTitle" idx="1"/>
+          </p:nvPr>
+        </p:nvSpPr>
+        <p:spPr>
+          <a:xfrm>
+            <a:off x="1665515" y="5137991"/>
+            <a:ext cx="9144000" cy="1655762"/>
+          </a:xfrm>
+        </p:spPr>
+        <p:txBody>
+          <a:bodyPr vert="horz" lIns="91440" tIns="45720" rIns="91440" bIns="45720" rtlCol="0" anchor="t">
+            <a:normAutofit/>
+          </a:bodyPr>
+          <a:lstStyle/>
+          <a:p>
+            <a:r>
+              <a:rPr lang="en-US" dirty="0"/>
+              <a:t>Jose Lopez, Ashley Paulsen, Lyle Sisson, Jacob Zobrist </a:t>
+            </a:r>
+          </a:p>
+        </p:txBody>
+      </p:sp>
+      <p:pic>
+        <p:nvPicPr>
+          <p:cNvPr id="8" name="Picture 8">
+            <a:extLst>
+              <a:ext uri="{FF2B5EF4-FFF2-40B4-BE49-F238E27FC236}">
+                <a16:creationId xmlns:a16="http://schemas.microsoft.com/office/drawing/2014/main" id="{49696CD1-7F05-4911-8224-A2C1D313BD4F}"/>
+              </a:ext>
+            </a:extLst>
+          </p:cNvPr>
+          <p:cNvPicPr>
+            <a:picLocks noChangeAspect="1"/>
+          </p:cNvPicPr>
+          <p:nvPr/>
+        </p:nvPicPr>
+        <p:blipFill>
+          <a:blip r:embed="rId2"/>
+          <a:stretch>
+            <a:fillRect/>
+          </a:stretch>
+        </p:blipFill>
+        <p:spPr>
+          <a:xfrm>
+            <a:off x="10021530" y="4694521"/>
+            <a:ext cx="1378975" cy="1512474"/>
+          </a:xfrm>
+          <a:prstGeom prst="rect">
+            <a:avLst/>
+          </a:prstGeom>
+        </p:spPr>
+      </p:pic>
+    </p:spTree>
+    <p:extLst>
+      <p:ext uri="{BB962C8B-B14F-4D97-AF65-F5344CB8AC3E}">
+        <p14:creationId xmlns:p14="http://schemas.microsoft.com/office/powerpoint/2010/main" val="3084051005"/>
+      </p:ext>
+    </p:extLst>
+  </p:cSld>
+  <p:clrMapOvr>
+    <a:masterClrMapping/>
+  </p:clrMapOvr>
+</p:sld>
+</file>
+
+<file path=ppt/slides/slide20.xml><?xml version="1.0" encoding="utf-8"?>
 <p:sld xmlns:a="http://schemas.openxmlformats.org/drawingml/2006/main" xmlns:r="http://schemas.openxmlformats.org/officeDocument/2006/relationships" xmlns:p="http://schemas.openxmlformats.org/presentationml/2006/main">
   <p:cSld>
     <p:bg>
@@ -14426,195 +18829,7 @@
 </p:sld>
 </file>
 
-<file path=ppt/slides/slide2.xml><?xml version="1.0" encoding="utf-8"?>
-<p:sld xmlns:a="http://schemas.openxmlformats.org/drawingml/2006/main" xmlns:r="http://schemas.openxmlformats.org/officeDocument/2006/relationships" xmlns:p="http://schemas.openxmlformats.org/presentationml/2006/main">
-  <p:cSld>
-    <p:spTree>
-      <p:nvGrpSpPr>
-        <p:cNvPr id="1" name=""/>
-        <p:cNvGrpSpPr/>
-        <p:nvPr/>
-      </p:nvGrpSpPr>
-      <p:grpSpPr>
-        <a:xfrm>
-          <a:off x="0" y="0"/>
-          <a:ext cx="0" cy="0"/>
-          <a:chOff x="0" y="0"/>
-          <a:chExt cx="0" cy="0"/>
-        </a:xfrm>
-      </p:grpSpPr>
-      <p:sp>
-        <p:nvSpPr>
-          <p:cNvPr id="2" name="Title 1">
-            <a:extLst>
-              <a:ext uri="{FF2B5EF4-FFF2-40B4-BE49-F238E27FC236}">
-                <a16:creationId xmlns:a16="http://schemas.microsoft.com/office/drawing/2014/main" id="{8D93BC33-2125-443B-A1A3-1A92A5247404}"/>
-              </a:ext>
-            </a:extLst>
-          </p:cNvPr>
-          <p:cNvSpPr>
-            <a:spLocks noGrp="1"/>
-          </p:cNvSpPr>
-          <p:nvPr>
-            <p:ph type="ctrTitle"/>
-          </p:nvPr>
-        </p:nvSpPr>
-        <p:spPr>
-          <a:xfrm>
-            <a:off x="242901" y="1039906"/>
-            <a:ext cx="11821887" cy="3079656"/>
-          </a:xfrm>
-        </p:spPr>
-        <p:txBody>
-          <a:bodyPr>
-            <a:normAutofit/>
-          </a:bodyPr>
-          <a:lstStyle/>
-          <a:p>
-            <a:r>
-              <a:rPr lang="en-US" dirty="0"/>
-              <a:t>Red Laser Steel Cobra Danger Unicorns</a:t>
-            </a:r>
-            <a:br>
-              <a:rPr lang="en-US" dirty="0">
-                <a:cs typeface="Calibri Light"/>
-              </a:rPr>
-            </a:br>
-            <a:r>
-              <a:rPr lang="en-US" sz="2000" dirty="0"/>
-              <a:t>Presents: </a:t>
-            </a:r>
-            <a:r>
-              <a:rPr lang="en-US" sz="2200" dirty="0"/>
-              <a:t>Lack of genetic isolation by distance, similar genetic</a:t>
-            </a:r>
-            <a:br>
-              <a:rPr lang="en-US" sz="2200" dirty="0">
-                <a:cs typeface="Calibri Light"/>
-              </a:rPr>
-            </a:br>
-            <a:r>
-              <a:rPr lang="en-US" sz="2200" dirty="0"/>
-              <a:t>structuring but different demographic histories in a fig pollinating</a:t>
-            </a:r>
-            <a:br>
-              <a:rPr lang="en-US" sz="2200" dirty="0">
-                <a:cs typeface="Calibri Light"/>
-              </a:rPr>
-            </a:br>
-            <a:r>
-              <a:rPr lang="en-US" sz="2200" dirty="0"/>
-              <a:t>wasp mutualism</a:t>
-            </a:r>
-            <a:br>
-              <a:rPr lang="en-US" sz="2200" dirty="0">
-                <a:cs typeface="Calibri Light"/>
-              </a:rPr>
-            </a:br>
-            <a:r>
-              <a:rPr lang="en-US" sz="2200" dirty="0"/>
-              <a:t>By:</a:t>
-            </a:r>
-            <a:br>
-              <a:rPr lang="en-US" sz="2200" dirty="0">
-                <a:cs typeface="Calibri Light"/>
-              </a:rPr>
-            </a:br>
-            <a:r>
-              <a:rPr lang="en-US" sz="2200" dirty="0"/>
-              <a:t>ENWEI TIAN, JOHN D. NASON, CARLOS A. MACHADO, LINNA ZHENG, HUI YU and</a:t>
-            </a:r>
-            <a:br>
-              <a:rPr lang="en-US" sz="2200" dirty="0">
-                <a:cs typeface="Calibri Light"/>
-              </a:rPr>
-            </a:br>
-            <a:r>
-              <a:rPr lang="en-US" sz="2200" dirty="0"/>
-              <a:t>FINN KJELLBERG</a:t>
-            </a:r>
-          </a:p>
-        </p:txBody>
-      </p:sp>
-      <p:sp>
-        <p:nvSpPr>
-          <p:cNvPr id="3" name="Subtitle 2">
-            <a:extLst>
-              <a:ext uri="{FF2B5EF4-FFF2-40B4-BE49-F238E27FC236}">
-                <a16:creationId xmlns:a16="http://schemas.microsoft.com/office/drawing/2014/main" id="{BF764F22-EE15-4C31-9B76-DCDCD3D2326C}"/>
-              </a:ext>
-            </a:extLst>
-          </p:cNvPr>
-          <p:cNvSpPr>
-            <a:spLocks noGrp="1"/>
-          </p:cNvSpPr>
-          <p:nvPr>
-            <p:ph type="subTitle" idx="1"/>
-          </p:nvPr>
-        </p:nvSpPr>
-        <p:spPr>
-          <a:xfrm>
-            <a:off x="1665515" y="5137991"/>
-            <a:ext cx="9144000" cy="1655762"/>
-          </a:xfrm>
-        </p:spPr>
-        <p:txBody>
-          <a:bodyPr vert="horz" lIns="91440" tIns="45720" rIns="91440" bIns="45720" rtlCol="0" anchor="t">
-            <a:normAutofit/>
-          </a:bodyPr>
-          <a:lstStyle/>
-          <a:p>
-            <a:r>
-              <a:rPr lang="en-US" dirty="0"/>
-              <a:t>Jose Lopez, Ashley Paulsen, Lyle Sisson, Jacob Zobrist </a:t>
-            </a:r>
-          </a:p>
-        </p:txBody>
-      </p:sp>
-      <p:pic>
-        <p:nvPicPr>
-          <p:cNvPr id="8" name="Picture 8">
-            <a:extLst>
-              <a:ext uri="{FF2B5EF4-FFF2-40B4-BE49-F238E27FC236}">
-                <a16:creationId xmlns:a16="http://schemas.microsoft.com/office/drawing/2014/main" id="{49696CD1-7F05-4911-8224-A2C1D313BD4F}"/>
-              </a:ext>
-            </a:extLst>
-          </p:cNvPr>
-          <p:cNvPicPr>
-            <a:picLocks noChangeAspect="1"/>
-          </p:cNvPicPr>
-          <p:nvPr/>
-        </p:nvPicPr>
-        <p:blipFill>
-          <a:blip r:embed="rId2"/>
-          <a:stretch>
-            <a:fillRect/>
-          </a:stretch>
-        </p:blipFill>
-        <p:spPr>
-          <a:xfrm>
-            <a:off x="10021530" y="4694521"/>
-            <a:ext cx="1378975" cy="1512474"/>
-          </a:xfrm>
-          <a:prstGeom prst="rect">
-            <a:avLst/>
-          </a:prstGeom>
-        </p:spPr>
-      </p:pic>
-    </p:spTree>
-    <p:extLst>
-      <p:ext uri="{BB962C8B-B14F-4D97-AF65-F5344CB8AC3E}">
-        <p14:creationId xmlns:p14="http://schemas.microsoft.com/office/powerpoint/2010/main" val="3084051005"/>
-      </p:ext>
-    </p:extLst>
-  </p:cSld>
-  <p:clrMapOvr>
-    <a:masterClrMapping/>
-  </p:clrMapOvr>
-</p:sld>
-</file>
-
-<file path=ppt/slides/slide20.xml><?xml version="1.0" encoding="utf-8"?>
+<file path=ppt/slides/slide21.xml><?xml version="1.0" encoding="utf-8"?>
 <p:sld xmlns:a="http://schemas.openxmlformats.org/drawingml/2006/main" xmlns:r="http://schemas.openxmlformats.org/officeDocument/2006/relationships" xmlns:p="http://schemas.openxmlformats.org/presentationml/2006/main">
   <p:cSld>
     <p:bg>
@@ -15032,7 +19247,7 @@
 </p:sld>
 </file>
 
-<file path=ppt/slides/slide21.xml><?xml version="1.0" encoding="utf-8"?>
+<file path=ppt/slides/slide22.xml><?xml version="1.0" encoding="utf-8"?>
 <p:sld xmlns:a="http://schemas.openxmlformats.org/drawingml/2006/main" xmlns:r="http://schemas.openxmlformats.org/officeDocument/2006/relationships" xmlns:p="http://schemas.openxmlformats.org/presentationml/2006/main">
   <p:cSld>
     <p:bg>
@@ -15435,7 +19650,7 @@
 </p:sld>
 </file>
 
-<file path=ppt/slides/slide22.xml><?xml version="1.0" encoding="utf-8"?>
+<file path=ppt/slides/slide23.xml><?xml version="1.0" encoding="utf-8"?>
 <p:sld xmlns:a="http://schemas.openxmlformats.org/drawingml/2006/main" xmlns:r="http://schemas.openxmlformats.org/officeDocument/2006/relationships" xmlns:p="http://schemas.openxmlformats.org/presentationml/2006/main">
   <p:cSld>
     <p:bg>
@@ -15926,7 +20141,7 @@
 </p:sld>
 </file>
 
-<file path=ppt/slides/slide23.xml><?xml version="1.0" encoding="utf-8"?>
+<file path=ppt/slides/slide24.xml><?xml version="1.0" encoding="utf-8"?>
 <p:sld xmlns:a="http://schemas.openxmlformats.org/drawingml/2006/main" xmlns:r="http://schemas.openxmlformats.org/officeDocument/2006/relationships" xmlns:p="http://schemas.openxmlformats.org/presentationml/2006/main">
   <p:cSld>
     <p:spTree>
@@ -16053,7 +20268,7 @@
 </p:sld>
 </file>
 
-<file path=ppt/slides/slide24.xml><?xml version="1.0" encoding="utf-8"?>
+<file path=ppt/slides/slide25.xml><?xml version="1.0" encoding="utf-8"?>
 <p:sld xmlns:a="http://schemas.openxmlformats.org/drawingml/2006/main" xmlns:r="http://schemas.openxmlformats.org/officeDocument/2006/relationships" xmlns:p="http://schemas.openxmlformats.org/presentationml/2006/main">
   <p:cSld>
     <p:spTree>
@@ -16119,7 +20334,7 @@
 </p:sld>
 </file>
 
-<file path=ppt/slides/slide25.xml><?xml version="1.0" encoding="utf-8"?>
+<file path=ppt/slides/slide26.xml><?xml version="1.0" encoding="utf-8"?>
 <p:sld xmlns:a="http://schemas.openxmlformats.org/drawingml/2006/main" xmlns:r="http://schemas.openxmlformats.org/officeDocument/2006/relationships" xmlns:p="http://schemas.openxmlformats.org/presentationml/2006/main">
   <p:cSld>
     <p:spTree>
@@ -22113,7 +26328,7 @@
 </p:sld>
 </file>
 
-<file path=ppt/slides/slide26.xml><?xml version="1.0" encoding="utf-8"?>
+<file path=ppt/slides/slide27.xml><?xml version="1.0" encoding="utf-8"?>
 <p:sld xmlns:a="http://schemas.openxmlformats.org/drawingml/2006/main" xmlns:r="http://schemas.openxmlformats.org/officeDocument/2006/relationships" xmlns:p="http://schemas.openxmlformats.org/presentationml/2006/main">
   <p:cSld>
     <p:spTree>
@@ -22297,7 +26512,7 @@
 </p:sld>
 </file>
 
-<file path=ppt/slides/slide27.xml><?xml version="1.0" encoding="utf-8"?>
+<file path=ppt/slides/slide28.xml><?xml version="1.0" encoding="utf-8"?>
 <p:sld xmlns:a="http://schemas.openxmlformats.org/drawingml/2006/main" xmlns:r="http://schemas.openxmlformats.org/officeDocument/2006/relationships" xmlns:p="http://schemas.openxmlformats.org/presentationml/2006/main">
   <p:cSld>
     <p:spTree>
@@ -22363,7 +26578,7 @@
 </p:sld>
 </file>
 
-<file path=ppt/slides/slide28.xml><?xml version="1.0" encoding="utf-8"?>
+<file path=ppt/slides/slide29.xml><?xml version="1.0" encoding="utf-8"?>
 <p:sld xmlns:a="http://schemas.openxmlformats.org/drawingml/2006/main" xmlns:r="http://schemas.openxmlformats.org/officeDocument/2006/relationships" xmlns:p="http://schemas.openxmlformats.org/presentationml/2006/main">
   <p:cSld>
     <p:spTree>
@@ -23559,123 +27774,6 @@
     <p:extLst>
       <p:ext uri="{BB962C8B-B14F-4D97-AF65-F5344CB8AC3E}">
         <p14:creationId xmlns:p14="http://schemas.microsoft.com/office/powerpoint/2010/main" val="2959331392"/>
-      </p:ext>
-    </p:extLst>
-  </p:cSld>
-  <p:clrMapOvr>
-    <a:masterClrMapping/>
-  </p:clrMapOvr>
-</p:sld>
-</file>
-
-<file path=ppt/slides/slide29.xml><?xml version="1.0" encoding="utf-8"?>
-<p:sld xmlns:a="http://schemas.openxmlformats.org/drawingml/2006/main" xmlns:r="http://schemas.openxmlformats.org/officeDocument/2006/relationships" xmlns:p="http://schemas.openxmlformats.org/presentationml/2006/main">
-  <p:cSld>
-    <p:spTree>
-      <p:nvGrpSpPr>
-        <p:cNvPr id="1" name=""/>
-        <p:cNvGrpSpPr/>
-        <p:nvPr/>
-      </p:nvGrpSpPr>
-      <p:grpSpPr>
-        <a:xfrm>
-          <a:off x="0" y="0"/>
-          <a:ext cx="0" cy="0"/>
-          <a:chOff x="0" y="0"/>
-          <a:chExt cx="0" cy="0"/>
-        </a:xfrm>
-      </p:grpSpPr>
-      <p:sp>
-        <p:nvSpPr>
-          <p:cNvPr id="2" name="Title 1">
-            <a:extLst>
-              <a:ext uri="{FF2B5EF4-FFF2-40B4-BE49-F238E27FC236}">
-                <a16:creationId xmlns:a16="http://schemas.microsoft.com/office/drawing/2014/main" id="{1B71EA4C-FF76-4BC5-86E6-14BC322D717F}"/>
-              </a:ext>
-            </a:extLst>
-          </p:cNvPr>
-          <p:cNvSpPr>
-            <a:spLocks noGrp="1"/>
-          </p:cNvSpPr>
-          <p:nvPr>
-            <p:ph type="title"/>
-          </p:nvPr>
-        </p:nvSpPr>
-        <p:spPr/>
-        <p:txBody>
-          <a:bodyPr/>
-          <a:lstStyle/>
-          <a:p>
-            <a:r>
-              <a:rPr lang="en-US" dirty="0"/>
-              <a:t>Table 3</a:t>
-            </a:r>
-          </a:p>
-        </p:txBody>
-      </p:sp>
-      <p:pic>
-        <p:nvPicPr>
-          <p:cNvPr id="5" name="Picture 5" descr="A screenshot of a cell phone&#10;&#10;Description generated with very high confidence">
-            <a:extLst>
-              <a:ext uri="{FF2B5EF4-FFF2-40B4-BE49-F238E27FC236}">
-                <a16:creationId xmlns:a16="http://schemas.microsoft.com/office/drawing/2014/main" id="{D22A39FD-F5C4-4433-870E-D7CF79A6BDDE}"/>
-              </a:ext>
-            </a:extLst>
-          </p:cNvPr>
-          <p:cNvPicPr>
-            <a:picLocks noGrp="1" noChangeAspect="1"/>
-          </p:cNvPicPr>
-          <p:nvPr>
-            <p:ph sz="half" idx="1"/>
-          </p:nvPr>
-        </p:nvPicPr>
-        <p:blipFill>
-          <a:blip r:embed="rId2"/>
-          <a:stretch>
-            <a:fillRect/>
-          </a:stretch>
-        </p:blipFill>
-        <p:spPr>
-          <a:xfrm>
-            <a:off x="723181" y="2006864"/>
-            <a:ext cx="9422920" cy="3643804"/>
-          </a:xfrm>
-          <a:prstGeom prst="rect">
-            <a:avLst/>
-          </a:prstGeom>
-        </p:spPr>
-      </p:pic>
-      <p:pic>
-        <p:nvPicPr>
-          <p:cNvPr id="9" name="Picture 9" descr="A screenshot of a cell phone&#10;&#10;Description generated with very high confidence">
-            <a:extLst>
-              <a:ext uri="{FF2B5EF4-FFF2-40B4-BE49-F238E27FC236}">
-                <a16:creationId xmlns:a16="http://schemas.microsoft.com/office/drawing/2014/main" id="{6FEA5BB4-9D3F-4D46-99FF-7CD95ECF2C71}"/>
-              </a:ext>
-            </a:extLst>
-          </p:cNvPr>
-          <p:cNvPicPr>
-            <a:picLocks noGrp="1" noChangeAspect="1"/>
-          </p:cNvPicPr>
-          <p:nvPr>
-            <p:ph sz="half" idx="2"/>
-          </p:nvPr>
-        </p:nvPicPr>
-        <p:blipFill rotWithShape="1">
-          <a:blip r:embed="rId3"/>
-          <a:srcRect l="18296" r="18296"/>
-          <a:stretch/>
-        </p:blipFill>
-        <p:spPr>
-          <a:prstGeom prst="rect">
-            <a:avLst/>
-          </a:prstGeom>
-        </p:spPr>
-      </p:pic>
-    </p:spTree>
-    <p:extLst>
-      <p:ext uri="{BB962C8B-B14F-4D97-AF65-F5344CB8AC3E}">
-        <p14:creationId xmlns:p14="http://schemas.microsoft.com/office/powerpoint/2010/main" val="538396897"/>
       </p:ext>
     </p:extLst>
   </p:cSld>
@@ -23834,6 +27932,123 @@
           <a:chExt cx="0" cy="0"/>
         </a:xfrm>
       </p:grpSpPr>
+      <p:sp>
+        <p:nvSpPr>
+          <p:cNvPr id="2" name="Title 1">
+            <a:extLst>
+              <a:ext uri="{FF2B5EF4-FFF2-40B4-BE49-F238E27FC236}">
+                <a16:creationId xmlns:a16="http://schemas.microsoft.com/office/drawing/2014/main" id="{1B71EA4C-FF76-4BC5-86E6-14BC322D717F}"/>
+              </a:ext>
+            </a:extLst>
+          </p:cNvPr>
+          <p:cNvSpPr>
+            <a:spLocks noGrp="1"/>
+          </p:cNvSpPr>
+          <p:nvPr>
+            <p:ph type="title"/>
+          </p:nvPr>
+        </p:nvSpPr>
+        <p:spPr/>
+        <p:txBody>
+          <a:bodyPr/>
+          <a:lstStyle/>
+          <a:p>
+            <a:r>
+              <a:rPr lang="en-US" dirty="0"/>
+              <a:t>Table 3</a:t>
+            </a:r>
+          </a:p>
+        </p:txBody>
+      </p:sp>
+      <p:pic>
+        <p:nvPicPr>
+          <p:cNvPr id="5" name="Picture 5" descr="A screenshot of a cell phone&#10;&#10;Description generated with very high confidence">
+            <a:extLst>
+              <a:ext uri="{FF2B5EF4-FFF2-40B4-BE49-F238E27FC236}">
+                <a16:creationId xmlns:a16="http://schemas.microsoft.com/office/drawing/2014/main" id="{D22A39FD-F5C4-4433-870E-D7CF79A6BDDE}"/>
+              </a:ext>
+            </a:extLst>
+          </p:cNvPr>
+          <p:cNvPicPr>
+            <a:picLocks noGrp="1" noChangeAspect="1"/>
+          </p:cNvPicPr>
+          <p:nvPr>
+            <p:ph sz="half" idx="1"/>
+          </p:nvPr>
+        </p:nvPicPr>
+        <p:blipFill>
+          <a:blip r:embed="rId2"/>
+          <a:stretch>
+            <a:fillRect/>
+          </a:stretch>
+        </p:blipFill>
+        <p:spPr>
+          <a:xfrm>
+            <a:off x="723181" y="2006864"/>
+            <a:ext cx="9422920" cy="3643804"/>
+          </a:xfrm>
+          <a:prstGeom prst="rect">
+            <a:avLst/>
+          </a:prstGeom>
+        </p:spPr>
+      </p:pic>
+      <p:pic>
+        <p:nvPicPr>
+          <p:cNvPr id="9" name="Picture 9" descr="A screenshot of a cell phone&#10;&#10;Description generated with very high confidence">
+            <a:extLst>
+              <a:ext uri="{FF2B5EF4-FFF2-40B4-BE49-F238E27FC236}">
+                <a16:creationId xmlns:a16="http://schemas.microsoft.com/office/drawing/2014/main" id="{6FEA5BB4-9D3F-4D46-99FF-7CD95ECF2C71}"/>
+              </a:ext>
+            </a:extLst>
+          </p:cNvPr>
+          <p:cNvPicPr>
+            <a:picLocks noGrp="1" noChangeAspect="1"/>
+          </p:cNvPicPr>
+          <p:nvPr>
+            <p:ph sz="half" idx="2"/>
+          </p:nvPr>
+        </p:nvPicPr>
+        <p:blipFill rotWithShape="1">
+          <a:blip r:embed="rId3"/>
+          <a:srcRect l="18296" r="18296"/>
+          <a:stretch/>
+        </p:blipFill>
+        <p:spPr>
+          <a:prstGeom prst="rect">
+            <a:avLst/>
+          </a:prstGeom>
+        </p:spPr>
+      </p:pic>
+    </p:spTree>
+    <p:extLst>
+      <p:ext uri="{BB962C8B-B14F-4D97-AF65-F5344CB8AC3E}">
+        <p14:creationId xmlns:p14="http://schemas.microsoft.com/office/powerpoint/2010/main" val="538396897"/>
+      </p:ext>
+    </p:extLst>
+  </p:cSld>
+  <p:clrMapOvr>
+    <a:masterClrMapping/>
+  </p:clrMapOvr>
+</p:sld>
+</file>
+
+<file path=ppt/slides/slide31.xml><?xml version="1.0" encoding="utf-8"?>
+<p:sld xmlns:a="http://schemas.openxmlformats.org/drawingml/2006/main" xmlns:r="http://schemas.openxmlformats.org/officeDocument/2006/relationships" xmlns:p="http://schemas.openxmlformats.org/presentationml/2006/main">
+  <p:cSld>
+    <p:spTree>
+      <p:nvGrpSpPr>
+        <p:cNvPr id="1" name=""/>
+        <p:cNvGrpSpPr/>
+        <p:nvPr/>
+      </p:nvGrpSpPr>
+      <p:grpSpPr>
+        <a:xfrm>
+          <a:off x="0" y="0"/>
+          <a:ext cx="0" cy="0"/>
+          <a:chOff x="0" y="0"/>
+          <a:chExt cx="0" cy="0"/>
+        </a:xfrm>
+      </p:grpSpPr>
       <p:pic>
         <p:nvPicPr>
           <p:cNvPr id="2050" name="Picture 2" descr="https://images.readcube-cdn.com/publishers/wiley/figures/1a939f011a727cf66f71ad18900248edc6402a04e58adff7ea2473df0e45f731/2.jpg">
@@ -23872,7 +28087,7 @@
           <a:noFill/>
           <a:extLst>
             <a:ext uri="{909E8E84-426E-40dd-AFC4-6F175D3DCCD1}">
-              <a14:hiddenFill xmlns:a14="http://schemas.microsoft.com/office/drawing/2010/main" xmlns="">
+              <a14:hiddenFill xmlns="" xmlns:a14="http://schemas.microsoft.com/office/drawing/2010/main">
                 <a:solidFill>
                   <a:srgbClr val="FFFFFF"/>
                 </a:solidFill>
@@ -24033,7 +28248,7 @@
 </p:sld>
 </file>
 
-<file path=ppt/slides/slide31.xml><?xml version="1.0" encoding="utf-8"?>
+<file path=ppt/slides/slide32.xml><?xml version="1.0" encoding="utf-8"?>
 <p:sld xmlns:a="http://schemas.openxmlformats.org/drawingml/2006/main" xmlns:r="http://schemas.openxmlformats.org/officeDocument/2006/relationships" xmlns:p="http://schemas.openxmlformats.org/presentationml/2006/main">
   <p:cSld>
     <p:spTree>
@@ -24088,7 +28303,7 @@
           <a:noFill/>
           <a:extLst>
             <a:ext uri="{909E8E84-426E-40dd-AFC4-6F175D3DCCD1}">
-              <a14:hiddenFill xmlns:a14="http://schemas.microsoft.com/office/drawing/2010/main" xmlns="">
+              <a14:hiddenFill xmlns="" xmlns:a14="http://schemas.microsoft.com/office/drawing/2010/main">
                 <a:solidFill>
                   <a:srgbClr val="FFFFFF"/>
                 </a:solidFill>
@@ -24233,7 +28448,7 @@
 </p:sld>
 </file>
 
-<file path=ppt/slides/slide32.xml><?xml version="1.0" encoding="utf-8"?>
+<file path=ppt/slides/slide33.xml><?xml version="1.0" encoding="utf-8"?>
 <p:sld xmlns:a="http://schemas.openxmlformats.org/drawingml/2006/main" xmlns:r="http://schemas.openxmlformats.org/officeDocument/2006/relationships" xmlns:p="http://schemas.openxmlformats.org/presentationml/2006/main">
   <p:cSld>
     <p:spTree>
@@ -24566,7 +28781,7 @@
 </p:sld>
 </file>
 
-<file path=ppt/slides/slide33.xml><?xml version="1.0" encoding="utf-8"?>
+<file path=ppt/slides/slide34.xml><?xml version="1.0" encoding="utf-8"?>
 <p:sld xmlns:a="http://schemas.openxmlformats.org/drawingml/2006/main" xmlns:r="http://schemas.openxmlformats.org/officeDocument/2006/relationships" xmlns:p="http://schemas.openxmlformats.org/presentationml/2006/main">
   <p:cSld>
     <p:spTree>
@@ -24899,7 +29114,7 @@
 </p:sld>
 </file>
 
-<file path=ppt/slides/slide34.xml><?xml version="1.0" encoding="utf-8"?>
+<file path=ppt/slides/slide35.xml><?xml version="1.0" encoding="utf-8"?>
 <p:sld xmlns:a="http://schemas.openxmlformats.org/drawingml/2006/main" xmlns:r="http://schemas.openxmlformats.org/officeDocument/2006/relationships" xmlns:p="http://schemas.openxmlformats.org/presentationml/2006/main">
   <p:cSld>
     <p:spTree>
@@ -25232,7 +29447,7 @@
 </p:sld>
 </file>
 
-<file path=ppt/slides/slide35.xml><?xml version="1.0" encoding="utf-8"?>
+<file path=ppt/slides/slide36.xml><?xml version="1.0" encoding="utf-8"?>
 <p:sld xmlns:a="http://schemas.openxmlformats.org/drawingml/2006/main" xmlns:r="http://schemas.openxmlformats.org/officeDocument/2006/relationships" xmlns:p="http://schemas.openxmlformats.org/presentationml/2006/main">
   <p:cSld>
     <p:spTree>
@@ -25465,7 +29680,7 @@
 </p:sld>
 </file>
 
-<file path=ppt/slides/slide36.xml><?xml version="1.0" encoding="utf-8"?>
+<file path=ppt/slides/slide37.xml><?xml version="1.0" encoding="utf-8"?>
 <p:sld xmlns:a="http://schemas.openxmlformats.org/drawingml/2006/main" xmlns:r="http://schemas.openxmlformats.org/officeDocument/2006/relationships" xmlns:p="http://schemas.openxmlformats.org/presentationml/2006/main">
   <p:cSld>
     <p:spTree>
@@ -25561,7 +29776,7 @@
 </p:sld>
 </file>
 
-<file path=ppt/slides/slide37.xml><?xml version="1.0" encoding="utf-8"?>
+<file path=ppt/slides/slide38.xml><?xml version="1.0" encoding="utf-8"?>
 <p:sld xmlns:a="http://schemas.openxmlformats.org/drawingml/2006/main" xmlns:r="http://schemas.openxmlformats.org/officeDocument/2006/relationships" xmlns:p="http://schemas.openxmlformats.org/presentationml/2006/main">
   <p:cSld>
     <p:spTree>
@@ -25894,7 +30109,7 @@
 </p:sld>
 </file>
 
-<file path=ppt/slides/slide38.xml><?xml version="1.0" encoding="utf-8"?>
+<file path=ppt/slides/slide39.xml><?xml version="1.0" encoding="utf-8"?>
 <p:sld xmlns:a="http://schemas.openxmlformats.org/drawingml/2006/main" xmlns:r="http://schemas.openxmlformats.org/officeDocument/2006/relationships" xmlns:p="http://schemas.openxmlformats.org/presentationml/2006/main">
   <p:cSld>
     <p:spTree>
@@ -25949,7 +30164,7 @@
           <a:noFill/>
           <a:extLst>
             <a:ext uri="{909E8E84-426E-40dd-AFC4-6F175D3DCCD1}">
-              <a14:hiddenFill xmlns:a14="http://schemas.microsoft.com/office/drawing/2010/main" xmlns="">
+              <a14:hiddenFill xmlns="" xmlns:a14="http://schemas.microsoft.com/office/drawing/2010/main">
                 <a:solidFill>
                   <a:srgbClr val="FFFFFF"/>
                 </a:solidFill>
@@ -25998,72 +30213,6 @@
     <p:extLst>
       <p:ext uri="{BB962C8B-B14F-4D97-AF65-F5344CB8AC3E}">
         <p14:creationId xmlns:p14="http://schemas.microsoft.com/office/powerpoint/2010/main" val="425010924"/>
-      </p:ext>
-    </p:extLst>
-  </p:cSld>
-  <p:clrMapOvr>
-    <a:masterClrMapping/>
-  </p:clrMapOvr>
-</p:sld>
-</file>
-
-<file path=ppt/slides/slide39.xml><?xml version="1.0" encoding="utf-8"?>
-<p:sld xmlns:a="http://schemas.openxmlformats.org/drawingml/2006/main" xmlns:r="http://schemas.openxmlformats.org/officeDocument/2006/relationships" xmlns:p="http://schemas.openxmlformats.org/presentationml/2006/main">
-  <p:cSld>
-    <p:spTree>
-      <p:nvGrpSpPr>
-        <p:cNvPr id="1" name=""/>
-        <p:cNvGrpSpPr/>
-        <p:nvPr/>
-      </p:nvGrpSpPr>
-      <p:grpSpPr>
-        <a:xfrm>
-          <a:off x="0" y="0"/>
-          <a:ext cx="0" cy="0"/>
-          <a:chOff x="0" y="0"/>
-          <a:chExt cx="0" cy="0"/>
-        </a:xfrm>
-      </p:grpSpPr>
-      <p:pic>
-        <p:nvPicPr>
-          <p:cNvPr id="3" name="Picture 2" descr="A screenshot of a cell phone&#10;&#10;Description automatically generated">
-            <a:extLst>
-              <a:ext uri="{FF2B5EF4-FFF2-40B4-BE49-F238E27FC236}">
-                <a16:creationId xmlns:a16="http://schemas.microsoft.com/office/drawing/2014/main" id="{C08C8A17-C12D-4481-B321-D7041F4BB513}"/>
-              </a:ext>
-            </a:extLst>
-          </p:cNvPr>
-          <p:cNvPicPr>
-            <a:picLocks noChangeAspect="1"/>
-          </p:cNvPicPr>
-          <p:nvPr/>
-        </p:nvPicPr>
-        <p:blipFill>
-          <a:blip r:embed="rId2">
-            <a:extLst>
-              <a:ext uri="{28A0092B-C50C-407E-A947-70E740481C1C}">
-                <a14:useLocalDpi xmlns:a14="http://schemas.microsoft.com/office/drawing/2010/main" val="0"/>
-              </a:ext>
-            </a:extLst>
-          </a:blip>
-          <a:stretch>
-            <a:fillRect/>
-          </a:stretch>
-        </p:blipFill>
-        <p:spPr>
-          <a:xfrm>
-            <a:off x="3380996" y="1214130"/>
-            <a:ext cx="5430008" cy="4429743"/>
-          </a:xfrm>
-          <a:prstGeom prst="rect">
-            <a:avLst/>
-          </a:prstGeom>
-        </p:spPr>
-      </p:pic>
-    </p:spTree>
-    <p:extLst>
-      <p:ext uri="{BB962C8B-B14F-4D97-AF65-F5344CB8AC3E}">
-        <p14:creationId xmlns:p14="http://schemas.microsoft.com/office/powerpoint/2010/main" val="2983346205"/>
       </p:ext>
     </p:extLst>
   </p:cSld>
@@ -26157,6 +30306,72 @@
 </file>
 
 <file path=ppt/slides/slide40.xml><?xml version="1.0" encoding="utf-8"?>
+<p:sld xmlns:a="http://schemas.openxmlformats.org/drawingml/2006/main" xmlns:r="http://schemas.openxmlformats.org/officeDocument/2006/relationships" xmlns:p="http://schemas.openxmlformats.org/presentationml/2006/main">
+  <p:cSld>
+    <p:spTree>
+      <p:nvGrpSpPr>
+        <p:cNvPr id="1" name=""/>
+        <p:cNvGrpSpPr/>
+        <p:nvPr/>
+      </p:nvGrpSpPr>
+      <p:grpSpPr>
+        <a:xfrm>
+          <a:off x="0" y="0"/>
+          <a:ext cx="0" cy="0"/>
+          <a:chOff x="0" y="0"/>
+          <a:chExt cx="0" cy="0"/>
+        </a:xfrm>
+      </p:grpSpPr>
+      <p:pic>
+        <p:nvPicPr>
+          <p:cNvPr id="3" name="Picture 2" descr="A screenshot of a cell phone&#10;&#10;Description automatically generated">
+            <a:extLst>
+              <a:ext uri="{FF2B5EF4-FFF2-40B4-BE49-F238E27FC236}">
+                <a16:creationId xmlns:a16="http://schemas.microsoft.com/office/drawing/2014/main" id="{C08C8A17-C12D-4481-B321-D7041F4BB513}"/>
+              </a:ext>
+            </a:extLst>
+          </p:cNvPr>
+          <p:cNvPicPr>
+            <a:picLocks noChangeAspect="1"/>
+          </p:cNvPicPr>
+          <p:nvPr/>
+        </p:nvPicPr>
+        <p:blipFill>
+          <a:blip r:embed="rId2">
+            <a:extLst>
+              <a:ext uri="{28A0092B-C50C-407E-A947-70E740481C1C}">
+                <a14:useLocalDpi xmlns:a14="http://schemas.microsoft.com/office/drawing/2010/main" val="0"/>
+              </a:ext>
+            </a:extLst>
+          </a:blip>
+          <a:stretch>
+            <a:fillRect/>
+          </a:stretch>
+        </p:blipFill>
+        <p:spPr>
+          <a:xfrm>
+            <a:off x="3380996" y="1214130"/>
+            <a:ext cx="5430008" cy="4429743"/>
+          </a:xfrm>
+          <a:prstGeom prst="rect">
+            <a:avLst/>
+          </a:prstGeom>
+        </p:spPr>
+      </p:pic>
+    </p:spTree>
+    <p:extLst>
+      <p:ext uri="{BB962C8B-B14F-4D97-AF65-F5344CB8AC3E}">
+        <p14:creationId xmlns:p14="http://schemas.microsoft.com/office/powerpoint/2010/main" val="2983346205"/>
+      </p:ext>
+    </p:extLst>
+  </p:cSld>
+  <p:clrMapOvr>
+    <a:masterClrMapping/>
+  </p:clrMapOvr>
+</p:sld>
+</file>
+
+<file path=ppt/slides/slide41.xml><?xml version="1.0" encoding="utf-8"?>
 <p:sld xmlns:a="http://schemas.openxmlformats.org/drawingml/2006/main" xmlns:r="http://schemas.openxmlformats.org/officeDocument/2006/relationships" xmlns:p="http://schemas.openxmlformats.org/presentationml/2006/main">
   <p:cSld>
     <p:spTree>
@@ -26685,7 +30900,7 @@
           <a:noFill/>
           <a:extLst>
             <a:ext uri="{909E8E84-426E-40dd-AFC4-6F175D3DCCD1}">
-              <a14:hiddenFill xmlns:a14="http://schemas.microsoft.com/office/drawing/2010/main" xmlns="">
+              <a14:hiddenFill xmlns="" xmlns:a14="http://schemas.microsoft.com/office/drawing/2010/main">
                 <a:solidFill>
                   <a:srgbClr val="FFFFFF"/>
                 </a:solidFill>
@@ -27333,4 +31548,299 @@
   </a:objectDefaults>
   <a:extraClrSchemeLst/>
 </a:theme>
+</file>
+
+<file path=ppt/theme/theme2.xml><?xml version="1.0" encoding="utf-8"?>
+<a:theme xmlns:a="http://schemas.openxmlformats.org/drawingml/2006/main" name="1_Office Theme">
+  <a:themeElements>
+    <a:clrScheme name="Office">
+      <a:dk1>
+        <a:sysClr val="windowText" lastClr="000000"/>
+      </a:dk1>
+      <a:lt1>
+        <a:sysClr val="window" lastClr="FFFFFF"/>
+      </a:lt1>
+      <a:dk2>
+        <a:srgbClr val="44546A"/>
+      </a:dk2>
+      <a:lt2>
+        <a:srgbClr val="E7E6E6"/>
+      </a:lt2>
+      <a:accent1>
+        <a:srgbClr val="4472C4"/>
+      </a:accent1>
+      <a:accent2>
+        <a:srgbClr val="ED7D31"/>
+      </a:accent2>
+      <a:accent3>
+        <a:srgbClr val="A5A5A5"/>
+      </a:accent3>
+      <a:accent4>
+        <a:srgbClr val="FFC000"/>
+      </a:accent4>
+      <a:accent5>
+        <a:srgbClr val="5B9BD5"/>
+      </a:accent5>
+      <a:accent6>
+        <a:srgbClr val="70AD47"/>
+      </a:accent6>
+      <a:hlink>
+        <a:srgbClr val="0563C1"/>
+      </a:hlink>
+      <a:folHlink>
+        <a:srgbClr val="954F72"/>
+      </a:folHlink>
+    </a:clrScheme>
+    <a:fontScheme name="Office">
+      <a:majorFont>
+        <a:latin typeface="Calibri Light" panose="020F0302020204030204"/>
+        <a:ea typeface=""/>
+        <a:cs typeface=""/>
+        <a:font script="Jpan" typeface="游ゴシック Light"/>
+        <a:font script="Hang" typeface="맑은 고딕"/>
+        <a:font script="Hans" typeface="等线 Light"/>
+        <a:font script="Hant" typeface="新細明體"/>
+        <a:font script="Arab" typeface="Times New Roman"/>
+        <a:font script="Hebr" typeface="Times New Roman"/>
+        <a:font script="Thai" typeface="Angsana New"/>
+        <a:font script="Ethi" typeface="Nyala"/>
+        <a:font script="Beng" typeface="Vrinda"/>
+        <a:font script="Gujr" typeface="Shruti"/>
+        <a:font script="Khmr" typeface="MoolBoran"/>
+        <a:font script="Knda" typeface="Tunga"/>
+        <a:font script="Guru" typeface="Raavi"/>
+        <a:font script="Cans" typeface="Euphemia"/>
+        <a:font script="Cher" typeface="Plantagenet Cherokee"/>
+        <a:font script="Yiii" typeface="Microsoft Yi Baiti"/>
+        <a:font script="Tibt" typeface="Microsoft Himalaya"/>
+        <a:font script="Thaa" typeface="MV Boli"/>
+        <a:font script="Deva" typeface="Mangal"/>
+        <a:font script="Telu" typeface="Gautami"/>
+        <a:font script="Taml" typeface="Latha"/>
+        <a:font script="Syrc" typeface="Estrangelo Edessa"/>
+        <a:font script="Orya" typeface="Kalinga"/>
+        <a:font script="Mlym" typeface="Kartika"/>
+        <a:font script="Laoo" typeface="DokChampa"/>
+        <a:font script="Sinh" typeface="Iskoola Pota"/>
+        <a:font script="Mong" typeface="Mongolian Baiti"/>
+        <a:font script="Viet" typeface="Times New Roman"/>
+        <a:font script="Uigh" typeface="Microsoft Uighur"/>
+        <a:font script="Geor" typeface="Sylfaen"/>
+        <a:font script="Armn" typeface="Arial"/>
+        <a:font script="Bugi" typeface="Leelawadee UI"/>
+        <a:font script="Bopo" typeface="Microsoft JhengHei"/>
+        <a:font script="Java" typeface="Javanese Text"/>
+        <a:font script="Lisu" typeface="Segoe UI"/>
+        <a:font script="Mymr" typeface="Myanmar Text"/>
+        <a:font script="Nkoo" typeface="Ebrima"/>
+        <a:font script="Olck" typeface="Nirmala UI"/>
+        <a:font script="Osma" typeface="Ebrima"/>
+        <a:font script="Phag" typeface="Phagspa"/>
+        <a:font script="Syrn" typeface="Estrangelo Edessa"/>
+        <a:font script="Syrj" typeface="Estrangelo Edessa"/>
+        <a:font script="Syre" typeface="Estrangelo Edessa"/>
+        <a:font script="Sora" typeface="Nirmala UI"/>
+        <a:font script="Tale" typeface="Microsoft Tai Le"/>
+        <a:font script="Talu" typeface="Microsoft New Tai Lue"/>
+        <a:font script="Tfng" typeface="Ebrima"/>
+      </a:majorFont>
+      <a:minorFont>
+        <a:latin typeface="Calibri" panose="020F0502020204030204"/>
+        <a:ea typeface=""/>
+        <a:cs typeface=""/>
+        <a:font script="Jpan" typeface="游ゴシック"/>
+        <a:font script="Hang" typeface="맑은 고딕"/>
+        <a:font script="Hans" typeface="等线"/>
+        <a:font script="Hant" typeface="新細明體"/>
+        <a:font script="Arab" typeface="Arial"/>
+        <a:font script="Hebr" typeface="Arial"/>
+        <a:font script="Thai" typeface="Cordia New"/>
+        <a:font script="Ethi" typeface="Nyala"/>
+        <a:font script="Beng" typeface="Vrinda"/>
+        <a:font script="Gujr" typeface="Shruti"/>
+        <a:font script="Khmr" typeface="DaunPenh"/>
+        <a:font script="Knda" typeface="Tunga"/>
+        <a:font script="Guru" typeface="Raavi"/>
+        <a:font script="Cans" typeface="Euphemia"/>
+        <a:font script="Cher" typeface="Plantagenet Cherokee"/>
+        <a:font script="Yiii" typeface="Microsoft Yi Baiti"/>
+        <a:font script="Tibt" typeface="Microsoft Himalaya"/>
+        <a:font script="Thaa" typeface="MV Boli"/>
+        <a:font script="Deva" typeface="Mangal"/>
+        <a:font script="Telu" typeface="Gautami"/>
+        <a:font script="Taml" typeface="Latha"/>
+        <a:font script="Syrc" typeface="Estrangelo Edessa"/>
+        <a:font script="Orya" typeface="Kalinga"/>
+        <a:font script="Mlym" typeface="Kartika"/>
+        <a:font script="Laoo" typeface="DokChampa"/>
+        <a:font script="Sinh" typeface="Iskoola Pota"/>
+        <a:font script="Mong" typeface="Mongolian Baiti"/>
+        <a:font script="Viet" typeface="Arial"/>
+        <a:font script="Uigh" typeface="Microsoft Uighur"/>
+        <a:font script="Geor" typeface="Sylfaen"/>
+        <a:font script="Armn" typeface="Arial"/>
+        <a:font script="Bugi" typeface="Leelawadee UI"/>
+        <a:font script="Bopo" typeface="Microsoft JhengHei"/>
+        <a:font script="Java" typeface="Javanese Text"/>
+        <a:font script="Lisu" typeface="Segoe UI"/>
+        <a:font script="Mymr" typeface="Myanmar Text"/>
+        <a:font script="Nkoo" typeface="Ebrima"/>
+        <a:font script="Olck" typeface="Nirmala UI"/>
+        <a:font script="Osma" typeface="Ebrima"/>
+        <a:font script="Phag" typeface="Phagspa"/>
+        <a:font script="Syrn" typeface="Estrangelo Edessa"/>
+        <a:font script="Syrj" typeface="Estrangelo Edessa"/>
+        <a:font script="Syre" typeface="Estrangelo Edessa"/>
+        <a:font script="Sora" typeface="Nirmala UI"/>
+        <a:font script="Tale" typeface="Microsoft Tai Le"/>
+        <a:font script="Talu" typeface="Microsoft New Tai Lue"/>
+        <a:font script="Tfng" typeface="Ebrima"/>
+      </a:minorFont>
+    </a:fontScheme>
+    <a:fmtScheme name="Office">
+      <a:fillStyleLst>
+        <a:solidFill>
+          <a:schemeClr val="phClr"/>
+        </a:solidFill>
+        <a:gradFill rotWithShape="1">
+          <a:gsLst>
+            <a:gs pos="0">
+              <a:schemeClr val="phClr">
+                <a:lumMod val="110000"/>
+                <a:satMod val="105000"/>
+                <a:tint val="67000"/>
+              </a:schemeClr>
+            </a:gs>
+            <a:gs pos="50000">
+              <a:schemeClr val="phClr">
+                <a:lumMod val="105000"/>
+                <a:satMod val="103000"/>
+                <a:tint val="73000"/>
+              </a:schemeClr>
+            </a:gs>
+            <a:gs pos="100000">
+              <a:schemeClr val="phClr">
+                <a:lumMod val="105000"/>
+                <a:satMod val="109000"/>
+                <a:tint val="81000"/>
+              </a:schemeClr>
+            </a:gs>
+          </a:gsLst>
+          <a:lin ang="5400000" scaled="0"/>
+        </a:gradFill>
+        <a:gradFill rotWithShape="1">
+          <a:gsLst>
+            <a:gs pos="0">
+              <a:schemeClr val="phClr">
+                <a:satMod val="103000"/>
+                <a:lumMod val="102000"/>
+                <a:tint val="94000"/>
+              </a:schemeClr>
+            </a:gs>
+            <a:gs pos="50000">
+              <a:schemeClr val="phClr">
+                <a:satMod val="110000"/>
+                <a:lumMod val="100000"/>
+                <a:shade val="100000"/>
+              </a:schemeClr>
+            </a:gs>
+            <a:gs pos="100000">
+              <a:schemeClr val="phClr">
+                <a:lumMod val="99000"/>
+                <a:satMod val="120000"/>
+                <a:shade val="78000"/>
+              </a:schemeClr>
+            </a:gs>
+          </a:gsLst>
+          <a:lin ang="5400000" scaled="0"/>
+        </a:gradFill>
+      </a:fillStyleLst>
+      <a:lnStyleLst>
+        <a:ln w="6350" cap="flat" cmpd="sng" algn="ctr">
+          <a:solidFill>
+            <a:schemeClr val="phClr"/>
+          </a:solidFill>
+          <a:prstDash val="solid"/>
+          <a:miter lim="800000"/>
+        </a:ln>
+        <a:ln w="12700" cap="flat" cmpd="sng" algn="ctr">
+          <a:solidFill>
+            <a:schemeClr val="phClr"/>
+          </a:solidFill>
+          <a:prstDash val="solid"/>
+          <a:miter lim="800000"/>
+        </a:ln>
+        <a:ln w="19050" cap="flat" cmpd="sng" algn="ctr">
+          <a:solidFill>
+            <a:schemeClr val="phClr"/>
+          </a:solidFill>
+          <a:prstDash val="solid"/>
+          <a:miter lim="800000"/>
+        </a:ln>
+      </a:lnStyleLst>
+      <a:effectStyleLst>
+        <a:effectStyle>
+          <a:effectLst/>
+        </a:effectStyle>
+        <a:effectStyle>
+          <a:effectLst/>
+        </a:effectStyle>
+        <a:effectStyle>
+          <a:effectLst>
+            <a:outerShdw blurRad="57150" dist="19050" dir="5400000" algn="ctr" rotWithShape="0">
+              <a:srgbClr val="000000">
+                <a:alpha val="63000"/>
+              </a:srgbClr>
+            </a:outerShdw>
+          </a:effectLst>
+        </a:effectStyle>
+      </a:effectStyleLst>
+      <a:bgFillStyleLst>
+        <a:solidFill>
+          <a:schemeClr val="phClr"/>
+        </a:solidFill>
+        <a:solidFill>
+          <a:schemeClr val="phClr">
+            <a:tint val="95000"/>
+            <a:satMod val="170000"/>
+          </a:schemeClr>
+        </a:solidFill>
+        <a:gradFill rotWithShape="1">
+          <a:gsLst>
+            <a:gs pos="0">
+              <a:schemeClr val="phClr">
+                <a:tint val="93000"/>
+                <a:satMod val="150000"/>
+                <a:shade val="98000"/>
+                <a:lumMod val="102000"/>
+              </a:schemeClr>
+            </a:gs>
+            <a:gs pos="50000">
+              <a:schemeClr val="phClr">
+                <a:tint val="98000"/>
+                <a:satMod val="130000"/>
+                <a:shade val="90000"/>
+                <a:lumMod val="103000"/>
+              </a:schemeClr>
+            </a:gs>
+            <a:gs pos="100000">
+              <a:schemeClr val="phClr">
+                <a:shade val="63000"/>
+                <a:satMod val="120000"/>
+              </a:schemeClr>
+            </a:gs>
+          </a:gsLst>
+          <a:lin ang="5400000" scaled="0"/>
+        </a:gradFill>
+      </a:bgFillStyleLst>
+    </a:fmtScheme>
+  </a:themeElements>
+  <a:objectDefaults/>
+  <a:extraClrSchemeLst/>
+  <a:extLst>
+    <a:ext uri="{05A4C25C-085E-4340-85A3-A5531E510DB2}">
+      <thm15:themeFamily xmlns:thm15="http://schemas.microsoft.com/office/thememl/2012/main" name="Office Theme" id="{62F939B6-93AF-4DB8-9C6B-D6C7DFDC589F}" vid="{4A3C46E8-61CC-4603-A589-7422A47A8E4A}"/>
+    </a:ext>
+  </a:extLst>
+</a:theme>
 </file>
--- a/PowerPoint Presentation for Final.pptx
+++ b/PowerPoint Presentation for Final.pptx
@@ -168,8 +168,8 @@
   <p1510:revLst>
     <p1510:client id="{85E7CAD6-7BC5-4357-98DB-565E9B0A2E2C}" v="54" dt="2018-12-04T23:50:14.830"/>
     <p1510:client id="{358883BD-329B-4794-AF16-3687C1EB809A}" v="4" dt="2018-12-04T21:34:43.203"/>
+    <p1510:client id="{C724E388-EDE3-41DF-96DF-8F7BBA839B06}" v="100" dt="2018-12-05T03:36:39.062"/>
     <p1510:client id="{910F2A4A-7EF7-407C-90C5-B6EAB85758B4}" v="6" dt="2018-12-05T16:47:31.669"/>
-    <p1510:client id="{C724E388-EDE3-41DF-96DF-8F7BBA839B06}" v="100" dt="2018-12-05T03:36:39.062"/>
     <p1510:client id="{70BD31D2-9D27-47EE-8410-48F21E6970C8}" v="7" dt="2018-12-05T05:03:36.079"/>
   </p1510:revLst>
 </p1510:revInfo>
@@ -23103,7 +23103,7 @@
           <a:noFill/>
           <a:extLst>
             <a:ext uri="{909E8E84-426E-40dd-AFC4-6F175D3DCCD1}">
-              <a14:hiddenFill xmlns:a14="http://schemas.microsoft.com/office/drawing/2010/main" xmlns="">
+              <a14:hiddenFill xmlns="" xmlns:a14="http://schemas.microsoft.com/office/drawing/2010/main">
                 <a:solidFill>
                   <a:srgbClr val="FFFFFF"/>
                 </a:solidFill>
@@ -23248,7 +23248,7 @@
           <a:noFill/>
           <a:extLst>
             <a:ext uri="{909E8E84-426E-40dd-AFC4-6F175D3DCCD1}">
-              <a14:hiddenFill xmlns:a14="http://schemas.microsoft.com/office/drawing/2010/main" xmlns="">
+              <a14:hiddenFill xmlns="" xmlns:a14="http://schemas.microsoft.com/office/drawing/2010/main">
                 <a:solidFill>
                   <a:srgbClr val="FFFFFF"/>
                 </a:solidFill>
@@ -23464,7 +23464,7 @@
           <a:noFill/>
           <a:extLst>
             <a:ext uri="{909E8E84-426E-40dd-AFC4-6F175D3DCCD1}">
-              <a14:hiddenFill xmlns:a14="http://schemas.microsoft.com/office/drawing/2010/main" xmlns="">
+              <a14:hiddenFill xmlns="" xmlns:a14="http://schemas.microsoft.com/office/drawing/2010/main">
                 <a:solidFill>
                   <a:srgbClr val="FFFFFF"/>
                 </a:solidFill>
@@ -25325,7 +25325,7 @@
           <a:noFill/>
           <a:extLst>
             <a:ext uri="{909E8E84-426E-40dd-AFC4-6F175D3DCCD1}">
-              <a14:hiddenFill xmlns:a14="http://schemas.microsoft.com/office/drawing/2010/main" xmlns="">
+              <a14:hiddenFill xmlns="" xmlns:a14="http://schemas.microsoft.com/office/drawing/2010/main">
                 <a:solidFill>
                   <a:srgbClr val="FFFFFF"/>
                 </a:solidFill>

--- a/PowerPoint Presentation for Final.pptx
+++ b/PowerPoint Presentation for Final.pptx
@@ -168,8 +168,8 @@
   <p1510:revLst>
     <p1510:client id="{85E7CAD6-7BC5-4357-98DB-565E9B0A2E2C}" v="54" dt="2018-12-04T23:50:14.830"/>
     <p1510:client id="{358883BD-329B-4794-AF16-3687C1EB809A}" v="4" dt="2018-12-04T21:34:43.203"/>
+    <p1510:client id="{910F2A4A-7EF7-407C-90C5-B6EAB85758B4}" v="6" dt="2018-12-05T16:47:31.669"/>
     <p1510:client id="{C724E388-EDE3-41DF-96DF-8F7BBA839B06}" v="100" dt="2018-12-05T03:36:39.062"/>
-    <p1510:client id="{910F2A4A-7EF7-407C-90C5-B6EAB85758B4}" v="6" dt="2018-12-05T16:47:31.669"/>
     <p1510:client id="{70BD31D2-9D27-47EE-8410-48F21E6970C8}" v="7" dt="2018-12-05T05:03:36.079"/>
   </p1510:revLst>
 </p1510:revInfo>
@@ -15247,18 +15247,25 @@
             <p:ph type="title"/>
           </p:nvPr>
         </p:nvSpPr>
-        <p:spPr/>
+        <p:spPr>
+          <a:xfrm>
+            <a:off x="609601" y="273050"/>
+            <a:ext cx="4011084" cy="1162052"/>
+          </a:xfrm>
+        </p:spPr>
         <p:txBody>
-          <a:bodyPr/>
+          <a:bodyPr>
+            <a:normAutofit/>
+          </a:bodyPr>
           <a:lstStyle/>
           <a:p>
             <a:r>
-              <a:rPr lang="en-US" dirty="0">
+              <a:rPr lang="en-US" sz="2800" dirty="0">
                 <a:cs typeface="Calibri Light"/>
               </a:rPr>
-              <a:t>PAR and AR</a:t>
-            </a:r>
-            <a:endParaRPr lang="en-US" dirty="0"/>
+              <a:t>Allelic Richness and Private Allelic Richness</a:t>
+            </a:r>
+            <a:endParaRPr lang="en-US" sz="2800" dirty="0"/>
           </a:p>
         </p:txBody>
       </p:sp>
@@ -21436,16 +21443,18 @@
         </p:nvSpPr>
         <p:spPr/>
         <p:txBody>
-          <a:bodyPr/>
+          <a:bodyPr>
+            <a:normAutofit/>
+          </a:bodyPr>
           <a:lstStyle/>
           <a:p>
             <a:r>
-              <a:rPr lang="en-US" dirty="0">
+              <a:rPr lang="en-US" sz="4000" dirty="0">
                 <a:cs typeface="Calibri Light"/>
               </a:rPr>
               <a:t>DNASP</a:t>
             </a:r>
-            <a:endParaRPr lang="en-US" dirty="0"/>
+            <a:endParaRPr lang="en-US" sz="4000" dirty="0"/>
           </a:p>
         </p:txBody>
       </p:sp>
@@ -23103,7 +23112,7 @@
           <a:noFill/>
           <a:extLst>
             <a:ext uri="{909E8E84-426E-40dd-AFC4-6F175D3DCCD1}">
-              <a14:hiddenFill xmlns="" xmlns:a14="http://schemas.microsoft.com/office/drawing/2010/main">
+              <a14:hiddenFill xmlns:a14="http://schemas.microsoft.com/office/drawing/2010/main" xmlns="">
                 <a:solidFill>
                   <a:srgbClr val="FFFFFF"/>
                 </a:solidFill>
@@ -23248,7 +23257,7 @@
           <a:noFill/>
           <a:extLst>
             <a:ext uri="{909E8E84-426E-40dd-AFC4-6F175D3DCCD1}">
-              <a14:hiddenFill xmlns="" xmlns:a14="http://schemas.microsoft.com/office/drawing/2010/main">
+              <a14:hiddenFill xmlns:a14="http://schemas.microsoft.com/office/drawing/2010/main" xmlns="">
                 <a:solidFill>
                   <a:srgbClr val="FFFFFF"/>
                 </a:solidFill>
@@ -23464,7 +23473,7 @@
           <a:noFill/>
           <a:extLst>
             <a:ext uri="{909E8E84-426E-40dd-AFC4-6F175D3DCCD1}">
-              <a14:hiddenFill xmlns="" xmlns:a14="http://schemas.microsoft.com/office/drawing/2010/main">
+              <a14:hiddenFill xmlns:a14="http://schemas.microsoft.com/office/drawing/2010/main" xmlns="">
                 <a:solidFill>
                   <a:srgbClr val="FFFFFF"/>
                 </a:solidFill>
@@ -25325,7 +25334,7 @@
           <a:noFill/>
           <a:extLst>
             <a:ext uri="{909E8E84-426E-40dd-AFC4-6F175D3DCCD1}">
-              <a14:hiddenFill xmlns="" xmlns:a14="http://schemas.microsoft.com/office/drawing/2010/main">
+              <a14:hiddenFill xmlns:a14="http://schemas.microsoft.com/office/drawing/2010/main" xmlns="">
                 <a:solidFill>
                   <a:srgbClr val="FFFFFF"/>
                 </a:solidFill>

--- a/PowerPoint Presentation for Final.pptx
+++ b/PowerPoint Presentation for Final.pptx
@@ -5,6 +5,9 @@
     <p:sldMasterId id="2147483660" r:id="rId1"/>
     <p:sldMasterId id="2147483672" r:id="rId2"/>
   </p:sldMasterIdLst>
+  <p:notesMasterIdLst>
+    <p:notesMasterId r:id="rId43"/>
+  </p:notesMasterIdLst>
   <p:sldIdLst>
     <p:sldId id="276" r:id="rId3"/>
     <p:sldId id="256" r:id="rId4"/>
@@ -19,9 +22,9 @@
     <p:sldId id="284" r:id="rId13"/>
     <p:sldId id="270" r:id="rId14"/>
     <p:sldId id="275" r:id="rId15"/>
-    <p:sldId id="309" r:id="rId16"/>
-    <p:sldId id="258" r:id="rId17"/>
-    <p:sldId id="292" r:id="rId18"/>
+    <p:sldId id="292" r:id="rId16"/>
+    <p:sldId id="309" r:id="rId17"/>
+    <p:sldId id="258" r:id="rId18"/>
     <p:sldId id="293" r:id="rId19"/>
     <p:sldId id="294" r:id="rId20"/>
     <p:sldId id="297" r:id="rId21"/>
@@ -30,21 +33,21 @@
     <p:sldId id="299" r:id="rId24"/>
     <p:sldId id="311" r:id="rId25"/>
     <p:sldId id="285" r:id="rId26"/>
-    <p:sldId id="259" r:id="rId27"/>
-    <p:sldId id="296" r:id="rId28"/>
-    <p:sldId id="288" r:id="rId29"/>
-    <p:sldId id="260" r:id="rId30"/>
-    <p:sldId id="290" r:id="rId31"/>
+    <p:sldId id="296" r:id="rId27"/>
+    <p:sldId id="288" r:id="rId28"/>
+    <p:sldId id="260" r:id="rId29"/>
+    <p:sldId id="290" r:id="rId30"/>
+    <p:sldId id="265" r:id="rId31"/>
     <p:sldId id="261" r:id="rId32"/>
-    <p:sldId id="262" r:id="rId33"/>
-    <p:sldId id="302" r:id="rId34"/>
-    <p:sldId id="303" r:id="rId35"/>
-    <p:sldId id="304" r:id="rId36"/>
-    <p:sldId id="306" r:id="rId37"/>
-    <p:sldId id="263" r:id="rId38"/>
-    <p:sldId id="308" r:id="rId39"/>
-    <p:sldId id="264" r:id="rId40"/>
-    <p:sldId id="265" r:id="rId41"/>
+    <p:sldId id="313" r:id="rId33"/>
+    <p:sldId id="262" r:id="rId34"/>
+    <p:sldId id="302" r:id="rId35"/>
+    <p:sldId id="303" r:id="rId36"/>
+    <p:sldId id="304" r:id="rId37"/>
+    <p:sldId id="306" r:id="rId38"/>
+    <p:sldId id="263" r:id="rId39"/>
+    <p:sldId id="308" r:id="rId40"/>
+    <p:sldId id="264" r:id="rId41"/>
     <p:sldId id="274" r:id="rId42"/>
   </p:sldIdLst>
   <p:sldSz cx="12192000" cy="6858000"/>
@@ -168,211 +171,11 @@
   <p1510:revLst>
     <p1510:client id="{85E7CAD6-7BC5-4357-98DB-565E9B0A2E2C}" v="54" dt="2018-12-04T23:50:14.830"/>
     <p1510:client id="{358883BD-329B-4794-AF16-3687C1EB809A}" v="4" dt="2018-12-04T21:34:43.203"/>
+    <p1510:client id="{C724E388-EDE3-41DF-96DF-8F7BBA839B06}" v="100" dt="2018-12-05T03:36:39.062"/>
     <p1510:client id="{910F2A4A-7EF7-407C-90C5-B6EAB85758B4}" v="6" dt="2018-12-05T16:47:31.669"/>
-    <p1510:client id="{C724E388-EDE3-41DF-96DF-8F7BBA839B06}" v="100" dt="2018-12-05T03:36:39.062"/>
     <p1510:client id="{70BD31D2-9D27-47EE-8410-48F21E6970C8}" v="7" dt="2018-12-05T05:03:36.079"/>
   </p1510:revLst>
 </p1510:revInfo>
-</file>
-
-<file path=ppt/changesInfos/changesInfo1.xml><?xml version="1.0" encoding="utf-8"?>
-<pc:chgInfo xmlns:a="http://schemas.openxmlformats.org/drawingml/2006/main" xmlns:r="http://schemas.openxmlformats.org/officeDocument/2006/relationships" xmlns:ac="http://schemas.microsoft.com/office/drawing/2013/main/command" xmlns:pc="http://schemas.microsoft.com/office/powerpoint/2013/main/command">
-  <pc:docChgLst>
-    <pc:chgData name="Jacob Zobrist" userId="d9517de7067bd0ef" providerId="LiveId" clId="{910F2A4A-7EF7-407C-90C5-B6EAB85758B4}"/>
-    <pc:docChg chg="custSel mod addSld delSld modSld sldOrd">
-      <pc:chgData name="Jacob Zobrist" userId="d9517de7067bd0ef" providerId="LiveId" clId="{910F2A4A-7EF7-407C-90C5-B6EAB85758B4}" dt="2018-12-05T16:47:49.011" v="21" actId="20577"/>
-      <pc:docMkLst>
-        <pc:docMk/>
-      </pc:docMkLst>
-      <pc:sldChg chg="modSp del">
-        <pc:chgData name="Jacob Zobrist" userId="d9517de7067bd0ef" providerId="LiveId" clId="{910F2A4A-7EF7-407C-90C5-B6EAB85758B4}" dt="2018-12-05T16:30:30.845" v="8" actId="2696"/>
-        <pc:sldMkLst>
-          <pc:docMk/>
-          <pc:sldMk cId="2219624677" sldId="257"/>
-        </pc:sldMkLst>
-        <pc:spChg chg="mod">
-          <ac:chgData name="Jacob Zobrist" userId="d9517de7067bd0ef" providerId="LiveId" clId="{910F2A4A-7EF7-407C-90C5-B6EAB85758B4}" dt="2018-12-05T16:28:55.833" v="0" actId="5793"/>
-          <ac:spMkLst>
-            <pc:docMk/>
-            <pc:sldMk cId="2219624677" sldId="257"/>
-            <ac:spMk id="4" creationId="{5F3EF891-4321-4334-B61C-08AD4DFDFC36}"/>
-          </ac:spMkLst>
-        </pc:spChg>
-      </pc:sldChg>
-      <pc:sldChg chg="modSp">
-        <pc:chgData name="Jacob Zobrist" userId="d9517de7067bd0ef" providerId="LiveId" clId="{910F2A4A-7EF7-407C-90C5-B6EAB85758B4}" dt="2018-12-05T16:29:49.720" v="1" actId="27636"/>
-        <pc:sldMkLst>
-          <pc:docMk/>
-          <pc:sldMk cId="1773832977" sldId="267"/>
-        </pc:sldMkLst>
-        <pc:spChg chg="mod">
-          <ac:chgData name="Jacob Zobrist" userId="d9517de7067bd0ef" providerId="LiveId" clId="{910F2A4A-7EF7-407C-90C5-B6EAB85758B4}" dt="2018-12-05T16:29:49.720" v="1" actId="27636"/>
-          <ac:spMkLst>
-            <pc:docMk/>
-            <pc:sldMk cId="1773832977" sldId="267"/>
-            <ac:spMk id="3" creationId="{14167D56-C132-4472-9F2D-9856D1E8D55B}"/>
-          </ac:spMkLst>
-        </pc:spChg>
-      </pc:sldChg>
-      <pc:sldChg chg="addSp modSp mod ord setBg">
-        <pc:chgData name="Jacob Zobrist" userId="d9517de7067bd0ef" providerId="LiveId" clId="{910F2A4A-7EF7-407C-90C5-B6EAB85758B4}" dt="2018-12-05T16:31:54.350" v="10" actId="26606"/>
-        <pc:sldMkLst>
-          <pc:docMk/>
-          <pc:sldMk cId="2308950591" sldId="270"/>
-        </pc:sldMkLst>
-        <pc:spChg chg="add">
-          <ac:chgData name="Jacob Zobrist" userId="d9517de7067bd0ef" providerId="LiveId" clId="{910F2A4A-7EF7-407C-90C5-B6EAB85758B4}" dt="2018-12-05T16:31:54.350" v="10" actId="26606"/>
-          <ac:spMkLst>
-            <pc:docMk/>
-            <pc:sldMk cId="2308950591" sldId="270"/>
-            <ac:spMk id="10" creationId="{A9F529C3-C941-49FD-8C67-82F134F64BDB}"/>
-          </ac:spMkLst>
-        </pc:spChg>
-        <pc:spChg chg="add">
-          <ac:chgData name="Jacob Zobrist" userId="d9517de7067bd0ef" providerId="LiveId" clId="{910F2A4A-7EF7-407C-90C5-B6EAB85758B4}" dt="2018-12-05T16:31:54.350" v="10" actId="26606"/>
-          <ac:spMkLst>
-            <pc:docMk/>
-            <pc:sldMk cId="2308950591" sldId="270"/>
-            <ac:spMk id="12" creationId="{20586029-32A0-47E5-9AEC-AE3ABA6B94D0}"/>
-          </ac:spMkLst>
-        </pc:spChg>
-        <pc:picChg chg="mod">
-          <ac:chgData name="Jacob Zobrist" userId="d9517de7067bd0ef" providerId="LiveId" clId="{910F2A4A-7EF7-407C-90C5-B6EAB85758B4}" dt="2018-12-05T16:31:54.350" v="10" actId="26606"/>
-          <ac:picMkLst>
-            <pc:docMk/>
-            <pc:sldMk cId="2308950591" sldId="270"/>
-            <ac:picMk id="3" creationId="{B12FA73F-15AC-4FBC-B8DA-A6AD60F15D67}"/>
-          </ac:picMkLst>
-        </pc:picChg>
-        <pc:picChg chg="mod">
-          <ac:chgData name="Jacob Zobrist" userId="d9517de7067bd0ef" providerId="LiveId" clId="{910F2A4A-7EF7-407C-90C5-B6EAB85758B4}" dt="2018-12-05T16:31:54.350" v="10" actId="26606"/>
-          <ac:picMkLst>
-            <pc:docMk/>
-            <pc:sldMk cId="2308950591" sldId="270"/>
-            <ac:picMk id="5" creationId="{DF7D66E2-34B7-4D92-9FB6-BEA20EE709D7}"/>
-          </ac:picMkLst>
-        </pc:picChg>
-        <pc:cxnChg chg="add">
-          <ac:chgData name="Jacob Zobrist" userId="d9517de7067bd0ef" providerId="LiveId" clId="{910F2A4A-7EF7-407C-90C5-B6EAB85758B4}" dt="2018-12-05T16:31:54.350" v="10" actId="26606"/>
-          <ac:cxnSpMkLst>
-            <pc:docMk/>
-            <pc:sldMk cId="2308950591" sldId="270"/>
-            <ac:cxnSpMk id="14" creationId="{8C730EAB-A532-4295-A302-FB4B90DB9F5E}"/>
-          </ac:cxnSpMkLst>
-        </pc:cxnChg>
-      </pc:sldChg>
-      <pc:sldChg chg="modSp">
-        <pc:chgData name="Jacob Zobrist" userId="d9517de7067bd0ef" providerId="LiveId" clId="{910F2A4A-7EF7-407C-90C5-B6EAB85758B4}" dt="2018-12-05T16:29:49.740" v="2" actId="27636"/>
-        <pc:sldMkLst>
-          <pc:docMk/>
-          <pc:sldMk cId="1718363680" sldId="299"/>
-        </pc:sldMkLst>
-        <pc:spChg chg="mod">
-          <ac:chgData name="Jacob Zobrist" userId="d9517de7067bd0ef" providerId="LiveId" clId="{910F2A4A-7EF7-407C-90C5-B6EAB85758B4}" dt="2018-12-05T16:29:49.740" v="2" actId="27636"/>
-          <ac:spMkLst>
-            <pc:docMk/>
-            <pc:sldMk cId="1718363680" sldId="299"/>
-            <ac:spMk id="3" creationId="{891063FE-ECDE-4982-8EFB-86D3BA38E0E3}"/>
-          </ac:spMkLst>
-        </pc:spChg>
-      </pc:sldChg>
-      <pc:sldChg chg="addSp delSp modSp">
-        <pc:chgData name="Jacob Zobrist" userId="d9517de7067bd0ef" providerId="LiveId" clId="{910F2A4A-7EF7-407C-90C5-B6EAB85758B4}" dt="2018-12-05T16:30:24.238" v="7" actId="26606"/>
-        <pc:sldMkLst>
-          <pc:docMk/>
-          <pc:sldMk cId="296656007" sldId="309"/>
-        </pc:sldMkLst>
-        <pc:spChg chg="mod">
-          <ac:chgData name="Jacob Zobrist" userId="d9517de7067bd0ef" providerId="LiveId" clId="{910F2A4A-7EF7-407C-90C5-B6EAB85758B4}" dt="2018-12-05T16:30:24.238" v="7" actId="26606"/>
-          <ac:spMkLst>
-            <pc:docMk/>
-            <pc:sldMk cId="296656007" sldId="309"/>
-            <ac:spMk id="2" creationId="{08BF4E42-122E-4E19-A785-FD4DF907CA2C}"/>
-          </ac:spMkLst>
-        </pc:spChg>
-        <pc:spChg chg="del">
-          <ac:chgData name="Jacob Zobrist" userId="d9517de7067bd0ef" providerId="LiveId" clId="{910F2A4A-7EF7-407C-90C5-B6EAB85758B4}" dt="2018-12-05T16:30:24.238" v="7" actId="26606"/>
-          <ac:spMkLst>
-            <pc:docMk/>
-            <pc:sldMk cId="296656007" sldId="309"/>
-            <ac:spMk id="9" creationId="{AB45A142-4255-493C-8284-5D566C121B10}"/>
-          </ac:spMkLst>
-        </pc:spChg>
-        <pc:spChg chg="add">
-          <ac:chgData name="Jacob Zobrist" userId="d9517de7067bd0ef" providerId="LiveId" clId="{910F2A4A-7EF7-407C-90C5-B6EAB85758B4}" dt="2018-12-05T16:30:24.238" v="7" actId="26606"/>
-          <ac:spMkLst>
-            <pc:docMk/>
-            <pc:sldMk cId="296656007" sldId="309"/>
-            <ac:spMk id="16" creationId="{AB45A142-4255-493C-8284-5D566C121B10}"/>
-          </ac:spMkLst>
-        </pc:spChg>
-        <pc:picChg chg="del">
-          <ac:chgData name="Jacob Zobrist" userId="d9517de7067bd0ef" providerId="LiveId" clId="{910F2A4A-7EF7-407C-90C5-B6EAB85758B4}" dt="2018-12-05T16:29:57.046" v="3" actId="478"/>
-          <ac:picMkLst>
-            <pc:docMk/>
-            <pc:sldMk cId="296656007" sldId="309"/>
-            <ac:picMk id="4" creationId="{A46D2B5A-E906-4C31-B42D-A7253086A7C6}"/>
-          </ac:picMkLst>
-        </pc:picChg>
-        <pc:picChg chg="add mod">
-          <ac:chgData name="Jacob Zobrist" userId="d9517de7067bd0ef" providerId="LiveId" clId="{910F2A4A-7EF7-407C-90C5-B6EAB85758B4}" dt="2018-12-05T16:30:24.238" v="7" actId="26606"/>
-          <ac:picMkLst>
-            <pc:docMk/>
-            <pc:sldMk cId="296656007" sldId="309"/>
-            <ac:picMk id="6" creationId="{FC92C202-DBA3-426A-9CB1-3924889A71BA}"/>
-          </ac:picMkLst>
-        </pc:picChg>
-        <pc:cxnChg chg="del">
-          <ac:chgData name="Jacob Zobrist" userId="d9517de7067bd0ef" providerId="LiveId" clId="{910F2A4A-7EF7-407C-90C5-B6EAB85758B4}" dt="2018-12-05T16:30:24.238" v="7" actId="26606"/>
-          <ac:cxnSpMkLst>
-            <pc:docMk/>
-            <pc:sldMk cId="296656007" sldId="309"/>
-            <ac:cxnSpMk id="11" creationId="{38FB9660-F42F-4313-BBC4-47C007FE484C}"/>
-          </ac:cxnSpMkLst>
-        </pc:cxnChg>
-        <pc:cxnChg chg="add">
-          <ac:chgData name="Jacob Zobrist" userId="d9517de7067bd0ef" providerId="LiveId" clId="{910F2A4A-7EF7-407C-90C5-B6EAB85758B4}" dt="2018-12-05T16:30:24.238" v="7" actId="26606"/>
-          <ac:cxnSpMkLst>
-            <pc:docMk/>
-            <pc:sldMk cId="296656007" sldId="309"/>
-            <ac:cxnSpMk id="18" creationId="{38FB9660-F42F-4313-BBC4-47C007FE484C}"/>
-          </ac:cxnSpMkLst>
-        </pc:cxnChg>
-      </pc:sldChg>
-      <pc:sldChg chg="delSp modSp add del setBg delDesignElem">
-        <pc:chgData name="Jacob Zobrist" userId="d9517de7067bd0ef" providerId="LiveId" clId="{910F2A4A-7EF7-407C-90C5-B6EAB85758B4}" dt="2018-12-05T16:47:49.011" v="21" actId="20577"/>
-        <pc:sldMkLst>
-          <pc:docMk/>
-          <pc:sldMk cId="1003582557" sldId="310"/>
-        </pc:sldMkLst>
-        <pc:spChg chg="mod">
-          <ac:chgData name="Jacob Zobrist" userId="d9517de7067bd0ef" providerId="LiveId" clId="{910F2A4A-7EF7-407C-90C5-B6EAB85758B4}" dt="2018-12-05T16:47:49.011" v="21" actId="20577"/>
-          <ac:spMkLst>
-            <pc:docMk/>
-            <pc:sldMk cId="1003582557" sldId="310"/>
-            <ac:spMk id="2" creationId="{236A621E-920C-45C3-9699-C481553ABAF8}"/>
-          </ac:spMkLst>
-        </pc:spChg>
-        <pc:spChg chg="del">
-          <ac:chgData name="Jacob Zobrist" userId="d9517de7067bd0ef" providerId="LiveId" clId="{910F2A4A-7EF7-407C-90C5-B6EAB85758B4}" dt="2018-12-05T16:47:24.188" v="12"/>
-          <ac:spMkLst>
-            <pc:docMk/>
-            <pc:sldMk cId="1003582557" sldId="310"/>
-            <ac:spMk id="9" creationId="{AB45A142-4255-493C-8284-5D566C121B10}"/>
-          </ac:spMkLst>
-        </pc:spChg>
-        <pc:cxnChg chg="del">
-          <ac:chgData name="Jacob Zobrist" userId="d9517de7067bd0ef" providerId="LiveId" clId="{910F2A4A-7EF7-407C-90C5-B6EAB85758B4}" dt="2018-12-05T16:47:24.188" v="12"/>
-          <ac:cxnSpMkLst>
-            <pc:docMk/>
-            <pc:sldMk cId="1003582557" sldId="310"/>
-            <ac:cxnSpMk id="11" creationId="{38FB9660-F42F-4313-BBC4-47C007FE484C}"/>
-          </ac:cxnSpMkLst>
-        </pc:cxnChg>
-      </pc:sldChg>
-    </pc:docChg>
-  </pc:docChgLst>
-</pc:chgInfo>
 </file>
 
 <file path=ppt/charts/chart1.xml><?xml version="1.0" encoding="utf-8"?>
@@ -1005,8 +808,8 @@
         <c:manualLayout>
           <c:xMode val="edge"/>
           <c:yMode val="edge"/>
-          <c:x val="0.32406992125984302"/>
-          <c:y val="2.9761904761904798E-2"/>
+          <c:x val="0.32406992125984257"/>
+          <c:y val="2.976190476190476E-2"/>
         </c:manualLayout>
       </c:layout>
       <c:overlay val="0"/>
@@ -2434,6 +2237,2967 @@
     <c:autoUpdate val="0"/>
   </c:externalData>
 </c:chartSpace>
+</file>
+
+<file path=ppt/charts/chart5.xml><?xml version="1.0" encoding="utf-8"?>
+<c:chartSpace xmlns:c="http://schemas.openxmlformats.org/drawingml/2006/chart" xmlns:a="http://schemas.openxmlformats.org/drawingml/2006/main" xmlns:r="http://schemas.openxmlformats.org/officeDocument/2006/relationships" xmlns:c16r2="http://schemas.microsoft.com/office/drawing/2015/06/chart">
+  <c:date1904 val="0"/>
+  <c:lang val="en-US"/>
+  <c:roundedCorners val="0"/>
+  <mc:AlternateContent xmlns:mc="http://schemas.openxmlformats.org/markup-compatibility/2006">
+    <mc:Choice xmlns:c14="http://schemas.microsoft.com/office/drawing/2007/8/2/chart" Requires="c14">
+      <c14:style val="102"/>
+    </mc:Choice>
+    <mc:Fallback>
+      <c:style val="2"/>
+    </mc:Fallback>
+  </mc:AlternateContent>
+  <c:chart>
+    <c:title>
+      <c:overlay val="0"/>
+      <c:spPr>
+        <a:noFill/>
+        <a:ln>
+          <a:noFill/>
+        </a:ln>
+        <a:effectLst/>
+      </c:spPr>
+      <c:txPr>
+        <a:bodyPr rot="0" spcFirstLastPara="1" vertOverflow="ellipsis" vert="horz" wrap="square" anchor="ctr" anchorCtr="1"/>
+        <a:lstStyle/>
+        <a:p>
+          <a:pPr>
+            <a:defRPr sz="1400" b="0" i="0" u="none" strike="noStrike" kern="1200" spc="0" baseline="0">
+              <a:solidFill>
+                <a:schemeClr val="tx1">
+                  <a:lumMod val="65000"/>
+                  <a:lumOff val="35000"/>
+                </a:schemeClr>
+              </a:solidFill>
+              <a:latin typeface="+mn-lt"/>
+              <a:ea typeface="+mn-ea"/>
+              <a:cs typeface="+mn-cs"/>
+            </a:defRPr>
+          </a:pPr>
+          <a:endParaRPr lang="en-US"/>
+        </a:p>
+      </c:txPr>
+    </c:title>
+    <c:autoTitleDeleted val="0"/>
+    <c:plotArea>
+      <c:layout/>
+      <c:scatterChart>
+        <c:scatterStyle val="lineMarker"/>
+        <c:varyColors val="0"/>
+        <c:ser>
+          <c:idx val="0"/>
+          <c:order val="0"/>
+          <c:tx>
+            <c:strRef>
+              <c:f>Figure3!$I$1</c:f>
+              <c:strCache>
+                <c:ptCount val="1"/>
+                <c:pt idx="0">
+                  <c:v>Fst/1-Fst</c:v>
+                </c:pt>
+              </c:strCache>
+            </c:strRef>
+          </c:tx>
+          <c:spPr>
+            <a:ln w="19050" cap="rnd">
+              <a:noFill/>
+              <a:round/>
+            </a:ln>
+            <a:effectLst/>
+          </c:spPr>
+          <c:marker>
+            <c:symbol val="circle"/>
+            <c:size val="5"/>
+            <c:spPr>
+              <a:solidFill>
+                <a:schemeClr val="accent1"/>
+              </a:solidFill>
+              <a:ln w="9525">
+                <a:solidFill>
+                  <a:schemeClr val="accent1"/>
+                </a:solidFill>
+              </a:ln>
+              <a:effectLst/>
+            </c:spPr>
+          </c:marker>
+          <c:xVal>
+            <c:numRef>
+              <c:f>Figure3!$H$2:$H$56</c:f>
+              <c:numCache>
+                <c:formatCode>General</c:formatCode>
+                <c:ptCount val="55"/>
+                <c:pt idx="0">
+                  <c:v>5.1607091586712297</c:v>
+                </c:pt>
+                <c:pt idx="1">
+                  <c:v>6.2699172624919131</c:v>
+                </c:pt>
+                <c:pt idx="2">
+                  <c:v>5.8760338983634783</c:v>
+                </c:pt>
+                <c:pt idx="3">
+                  <c:v>6.5643633065066602</c:v>
+                </c:pt>
+                <c:pt idx="4">
+                  <c:v>6.343631971940761</c:v>
+                </c:pt>
+                <c:pt idx="5">
+                  <c:v>6.1105970407598287</c:v>
+                </c:pt>
+                <c:pt idx="6">
+                  <c:v>6.5983598389163776</c:v>
+                </c:pt>
+                <c:pt idx="7">
+                  <c:v>6.3560773545861666</c:v>
+                </c:pt>
+                <c:pt idx="8">
+                  <c:v>5.9345569921955219</c:v>
+                </c:pt>
+                <c:pt idx="9">
+                  <c:v>4.8414022681053064</c:v>
+                </c:pt>
+                <c:pt idx="10">
+                  <c:v>6.6924445875117158</c:v>
+                </c:pt>
+                <c:pt idx="11">
+                  <c:v>6.4670961541391634</c:v>
+                </c:pt>
+                <c:pt idx="12">
+                  <c:v>6.0061307173419278</c:v>
+                </c:pt>
+                <c:pt idx="13">
+                  <c:v>5.2918928888263439</c:v>
+                </c:pt>
+                <c:pt idx="14">
+                  <c:v>4.4407553060434504</c:v>
+                </c:pt>
+                <c:pt idx="15">
+                  <c:v>6.6446602971662871</c:v>
+                </c:pt>
+                <c:pt idx="16">
+                  <c:v>6.3876058258645187</c:v>
+                </c:pt>
+                <c:pt idx="17">
+                  <c:v>5.5227197077732164</c:v>
+                </c:pt>
+                <c:pt idx="18">
+                  <c:v>6.0500546299497699</c:v>
+                </c:pt>
+                <c:pt idx="19">
+                  <c:v>5.715516341306599</c:v>
+                </c:pt>
+                <c:pt idx="20">
+                  <c:v>5.6135579331655912</c:v>
+                </c:pt>
+                <c:pt idx="21">
+                  <c:v>7.060984217171776</c:v>
+                </c:pt>
+                <c:pt idx="22">
+                  <c:v>6.9007902222578572</c:v>
+                </c:pt>
+                <c:pt idx="23">
+                  <c:v>6.4570181728764835</c:v>
+                </c:pt>
+                <c:pt idx="24">
+                  <c:v>6.6370100202119717</c:v>
+                </c:pt>
+                <c:pt idx="25">
+                  <c:v>6.4581037775307504</c:v>
+                </c:pt>
+                <c:pt idx="26">
+                  <c:v>6.3394494984460215</c:v>
+                </c:pt>
+                <c:pt idx="27">
+                  <c:v>6.0166919674777715</c:v>
+                </c:pt>
+                <c:pt idx="28">
+                  <c:v>7.0952448347741699</c:v>
+                </c:pt>
+                <c:pt idx="29">
+                  <c:v>6.9421117686617357</c:v>
+                </c:pt>
+                <c:pt idx="30">
+                  <c:v>6.578649156353495</c:v>
+                </c:pt>
+                <c:pt idx="31">
+                  <c:v>6.4114150938379613</c:v>
+                </c:pt>
+                <c:pt idx="32">
+                  <c:v>6.2382705621653258</c:v>
+                </c:pt>
+                <c:pt idx="33">
+                  <c:v>6.0575845825714572</c:v>
+                </c:pt>
+                <c:pt idx="34">
+                  <c:v>6.1641112846626775</c:v>
+                </c:pt>
+                <c:pt idx="35">
+                  <c:v>5.8841095001559696</c:v>
+                </c:pt>
+                <c:pt idx="36">
+                  <c:v>7.1059584550817574</c:v>
+                </c:pt>
+                <c:pt idx="37">
+                  <c:v>6.9753140986195392</c:v>
+                </c:pt>
+                <c:pt idx="38">
+                  <c:v>6.7490027283500007</c:v>
+                </c:pt>
+                <c:pt idx="39">
+                  <c:v>6.2386341636524509</c:v>
+                </c:pt>
+                <c:pt idx="40">
+                  <c:v>6.2113726453749143</c:v>
+                </c:pt>
+                <c:pt idx="41">
+                  <c:v>6.1063234576163463</c:v>
+                </c:pt>
+                <c:pt idx="42">
+                  <c:v>6.5130077697147417</c:v>
+                </c:pt>
+                <c:pt idx="43">
+                  <c:v>6.6104310036566156</c:v>
+                </c:pt>
+                <c:pt idx="44">
+                  <c:v>5.9864449509450148</c:v>
+                </c:pt>
+                <c:pt idx="45">
+                  <c:v>7.1567571123154163</c:v>
+                </c:pt>
+                <c:pt idx="46">
+                  <c:v>7.0383674520598882</c:v>
+                </c:pt>
+                <c:pt idx="47">
+                  <c:v>6.8467657911106663</c:v>
+                </c:pt>
+                <c:pt idx="48">
+                  <c:v>6.351701635773308</c:v>
+                </c:pt>
+                <c:pt idx="49">
+                  <c:v>6.3571455672512398</c:v>
+                </c:pt>
+                <c:pt idx="50">
+                  <c:v>6.2821391923973753</c:v>
+                </c:pt>
+                <c:pt idx="51">
+                  <c:v>6.6466874820868647</c:v>
+                </c:pt>
+                <c:pt idx="52">
+                  <c:v>6.7334996159731011</c:v>
+                </c:pt>
+                <c:pt idx="53">
+                  <c:v>6.1947982433166882</c:v>
+                </c:pt>
+                <c:pt idx="54">
+                  <c:v>4.6105216706844443</c:v>
+                </c:pt>
+              </c:numCache>
+            </c:numRef>
+          </c:xVal>
+          <c:yVal>
+            <c:numRef>
+              <c:f>Figure3!$I$2:$I$56</c:f>
+              <c:numCache>
+                <c:formatCode>General</c:formatCode>
+                <c:ptCount val="55"/>
+                <c:pt idx="0">
+                  <c:v>5.6026683294211697E-2</c:v>
+                </c:pt>
+                <c:pt idx="1">
+                  <c:v>5.9900025967281355E-2</c:v>
+                </c:pt>
+                <c:pt idx="2">
+                  <c:v>9.3549074441260538E-2</c:v>
+                </c:pt>
+                <c:pt idx="3">
+                  <c:v>2.3335488248246185E-2</c:v>
+                </c:pt>
+                <c:pt idx="4">
+                  <c:v>0.10048551242479335</c:v>
+                </c:pt>
+                <c:pt idx="5">
+                  <c:v>5.7497669054863136E-2</c:v>
+                </c:pt>
+                <c:pt idx="6">
+                  <c:v>7.3594819652997551E-2</c:v>
+                </c:pt>
+                <c:pt idx="7">
+                  <c:v>6.0603670772050651E-2</c:v>
+                </c:pt>
+                <c:pt idx="8">
+                  <c:v>2.7566447207997995E-2</c:v>
+                </c:pt>
+                <c:pt idx="9">
+                  <c:v>5.8391169708178814E-2</c:v>
+                </c:pt>
+                <c:pt idx="10">
+                  <c:v>9.2527348694125808E-2</c:v>
+                </c:pt>
+                <c:pt idx="11">
+                  <c:v>6.3107754588889745E-2</c:v>
+                </c:pt>
+                <c:pt idx="12">
+                  <c:v>0.10744304923140685</c:v>
+                </c:pt>
+                <c:pt idx="13">
+                  <c:v>8.7723129208486794E-2</c:v>
+                </c:pt>
+                <c:pt idx="14">
+                  <c:v>6.7738257712770589E-2</c:v>
+                </c:pt>
+                <c:pt idx="15">
+                  <c:v>5.7513247539742497E-2</c:v>
+                </c:pt>
+                <c:pt idx="16">
+                  <c:v>5.4166563233819125E-2</c:v>
+                </c:pt>
+                <c:pt idx="17">
+                  <c:v>6.4611260053619196E-2</c:v>
+                </c:pt>
+                <c:pt idx="18">
+                  <c:v>5.3696179070430491E-2</c:v>
+                </c:pt>
+                <c:pt idx="19">
+                  <c:v>6.07821138926775E-2</c:v>
+                </c:pt>
+                <c:pt idx="20">
+                  <c:v>2.3881375945097955E-2</c:v>
+                </c:pt>
+                <c:pt idx="21">
+                  <c:v>5.19389657260848E-2</c:v>
+                </c:pt>
+                <c:pt idx="22">
+                  <c:v>7.4411015400241545E-2</c:v>
+                </c:pt>
+                <c:pt idx="23">
+                  <c:v>3.2768683404116622E-2</c:v>
+                </c:pt>
+                <c:pt idx="24">
+                  <c:v>5.4030329751765395E-2</c:v>
+                </c:pt>
+                <c:pt idx="25">
+                  <c:v>3.7918053203780881E-2</c:v>
+                </c:pt>
+                <c:pt idx="26">
+                  <c:v>8.3778740959427472E-2</c:v>
+                </c:pt>
+                <c:pt idx="27">
+                  <c:v>5.823169618390478E-2</c:v>
+                </c:pt>
+                <c:pt idx="28">
+                  <c:v>0.15399869262463584</c:v>
+                </c:pt>
+                <c:pt idx="29">
+                  <c:v>0.14574187749175727</c:v>
+                </c:pt>
+                <c:pt idx="30">
+                  <c:v>0.14546344593211075</c:v>
+                </c:pt>
+                <c:pt idx="31">
+                  <c:v>0.13509164544446015</c:v>
+                </c:pt>
+                <c:pt idx="32">
+                  <c:v>2.9571262136113056E-2</c:v>
+                </c:pt>
+                <c:pt idx="33">
+                  <c:v>0.1087860516385354</c:v>
+                </c:pt>
+                <c:pt idx="34">
+                  <c:v>0.12093140848793778</c:v>
+                </c:pt>
+                <c:pt idx="35">
+                  <c:v>0.1386880766015319</c:v>
+                </c:pt>
+                <c:pt idx="36">
+                  <c:v>0.27193156326247292</c:v>
+                </c:pt>
+                <c:pt idx="37">
+                  <c:v>0.26132554919907136</c:v>
+                </c:pt>
+                <c:pt idx="38">
+                  <c:v>0.22419313342008534</c:v>
+                </c:pt>
+                <c:pt idx="39">
+                  <c:v>0.29250432111630087</c:v>
+                </c:pt>
+                <c:pt idx="40">
+                  <c:v>0.18889581803800826</c:v>
+                </c:pt>
+                <c:pt idx="41">
+                  <c:v>0.21320816313182356</c:v>
+                </c:pt>
+                <c:pt idx="42">
+                  <c:v>0.19744895167810536</c:v>
+                </c:pt>
+                <c:pt idx="43">
+                  <c:v>0.17250830749003124</c:v>
+                </c:pt>
+                <c:pt idx="44">
+                  <c:v>0.23165231095291136</c:v>
+                </c:pt>
+                <c:pt idx="45">
+                  <c:v>0.35307499402913761</c:v>
+                </c:pt>
+                <c:pt idx="46">
+                  <c:v>0.32660868990660596</c:v>
+                </c:pt>
+                <c:pt idx="47">
+                  <c:v>0.3192492194152714</c:v>
+                </c:pt>
+                <c:pt idx="48">
+                  <c:v>0.37781629915834053</c:v>
+                </c:pt>
+                <c:pt idx="49">
+                  <c:v>0.20876033057851237</c:v>
+                </c:pt>
+                <c:pt idx="50">
+                  <c:v>0.30917383518614155</c:v>
+                </c:pt>
+                <c:pt idx="51">
+                  <c:v>0.32204867765427342</c:v>
+                </c:pt>
+                <c:pt idx="52">
+                  <c:v>0.22586979334840171</c:v>
+                </c:pt>
+                <c:pt idx="53">
+                  <c:v>0.27128650259057491</c:v>
+                </c:pt>
+                <c:pt idx="54">
+                  <c:v>7.3376919799871584E-2</c:v>
+                </c:pt>
+              </c:numCache>
+            </c:numRef>
+          </c:yVal>
+          <c:smooth val="0"/>
+          <c:extLst>
+            <c:ext xmlns:c16="http://schemas.microsoft.com/office/drawing/2014/chart" uri="{C3380CC4-5D6E-409C-BE32-E72D297353CC}">
+              <c16:uniqueId val="{00000000-2B47-4CB8-B1F4-2E9F5943A4A3}"/>
+            </c:ext>
+          </c:extLst>
+        </c:ser>
+        <c:dLbls>
+          <c:showLegendKey val="0"/>
+          <c:showVal val="0"/>
+          <c:showCatName val="0"/>
+          <c:showSerName val="0"/>
+          <c:showPercent val="0"/>
+          <c:showBubbleSize val="0"/>
+        </c:dLbls>
+        <c:axId val="1695754544"/>
+        <c:axId val="1777654304"/>
+      </c:scatterChart>
+      <c:valAx>
+        <c:axId val="1695754544"/>
+        <c:scaling>
+          <c:orientation val="minMax"/>
+        </c:scaling>
+        <c:delete val="0"/>
+        <c:axPos val="b"/>
+        <c:majorGridlines>
+          <c:spPr>
+            <a:ln w="9525" cap="flat" cmpd="sng" algn="ctr">
+              <a:solidFill>
+                <a:schemeClr val="tx1">
+                  <a:lumMod val="15000"/>
+                  <a:lumOff val="85000"/>
+                </a:schemeClr>
+              </a:solidFill>
+              <a:round/>
+            </a:ln>
+            <a:effectLst/>
+          </c:spPr>
+        </c:majorGridlines>
+        <c:numFmt formatCode="General" sourceLinked="1"/>
+        <c:majorTickMark val="none"/>
+        <c:minorTickMark val="none"/>
+        <c:tickLblPos val="nextTo"/>
+        <c:spPr>
+          <a:noFill/>
+          <a:ln w="9525" cap="flat" cmpd="sng" algn="ctr">
+            <a:solidFill>
+              <a:schemeClr val="tx1">
+                <a:lumMod val="25000"/>
+                <a:lumOff val="75000"/>
+              </a:schemeClr>
+            </a:solidFill>
+            <a:round/>
+          </a:ln>
+          <a:effectLst/>
+        </c:spPr>
+        <c:txPr>
+          <a:bodyPr rot="-60000000" spcFirstLastPara="1" vertOverflow="ellipsis" vert="horz" wrap="square" anchor="ctr" anchorCtr="1"/>
+          <a:lstStyle/>
+          <a:p>
+            <a:pPr>
+              <a:defRPr sz="900" b="0" i="0" u="none" strike="noStrike" kern="1200" baseline="0">
+                <a:solidFill>
+                  <a:schemeClr val="tx1">
+                    <a:lumMod val="65000"/>
+                    <a:lumOff val="35000"/>
+                  </a:schemeClr>
+                </a:solidFill>
+                <a:latin typeface="+mn-lt"/>
+                <a:ea typeface="+mn-ea"/>
+                <a:cs typeface="+mn-cs"/>
+              </a:defRPr>
+            </a:pPr>
+            <a:endParaRPr lang="en-US"/>
+          </a:p>
+        </c:txPr>
+        <c:crossAx val="1777654304"/>
+        <c:crosses val="autoZero"/>
+        <c:crossBetween val="midCat"/>
+      </c:valAx>
+      <c:valAx>
+        <c:axId val="1777654304"/>
+        <c:scaling>
+          <c:orientation val="minMax"/>
+        </c:scaling>
+        <c:delete val="0"/>
+        <c:axPos val="l"/>
+        <c:majorGridlines>
+          <c:spPr>
+            <a:ln w="9525" cap="flat" cmpd="sng" algn="ctr">
+              <a:solidFill>
+                <a:schemeClr val="tx1">
+                  <a:lumMod val="15000"/>
+                  <a:lumOff val="85000"/>
+                </a:schemeClr>
+              </a:solidFill>
+              <a:round/>
+            </a:ln>
+            <a:effectLst/>
+          </c:spPr>
+        </c:majorGridlines>
+        <c:numFmt formatCode="General" sourceLinked="1"/>
+        <c:majorTickMark val="none"/>
+        <c:minorTickMark val="none"/>
+        <c:tickLblPos val="nextTo"/>
+        <c:spPr>
+          <a:noFill/>
+          <a:ln w="9525" cap="flat" cmpd="sng" algn="ctr">
+            <a:solidFill>
+              <a:schemeClr val="tx1">
+                <a:lumMod val="25000"/>
+                <a:lumOff val="75000"/>
+              </a:schemeClr>
+            </a:solidFill>
+            <a:round/>
+          </a:ln>
+          <a:effectLst/>
+        </c:spPr>
+        <c:txPr>
+          <a:bodyPr rot="-60000000" spcFirstLastPara="1" vertOverflow="ellipsis" vert="horz" wrap="square" anchor="ctr" anchorCtr="1"/>
+          <a:lstStyle/>
+          <a:p>
+            <a:pPr>
+              <a:defRPr sz="900" b="0" i="0" u="none" strike="noStrike" kern="1200" baseline="0">
+                <a:solidFill>
+                  <a:schemeClr val="tx1">
+                    <a:lumMod val="65000"/>
+                    <a:lumOff val="35000"/>
+                  </a:schemeClr>
+                </a:solidFill>
+                <a:latin typeface="+mn-lt"/>
+                <a:ea typeface="+mn-ea"/>
+                <a:cs typeface="+mn-cs"/>
+              </a:defRPr>
+            </a:pPr>
+            <a:endParaRPr lang="en-US"/>
+          </a:p>
+        </c:txPr>
+        <c:crossAx val="1695754544"/>
+        <c:crosses val="autoZero"/>
+        <c:crossBetween val="midCat"/>
+      </c:valAx>
+      <c:spPr>
+        <a:noFill/>
+        <a:ln>
+          <a:noFill/>
+        </a:ln>
+        <a:effectLst/>
+      </c:spPr>
+    </c:plotArea>
+    <c:plotVisOnly val="1"/>
+    <c:dispBlanksAs val="gap"/>
+    <c:extLst>
+      <c:ext xmlns:c16r3="http://schemas.microsoft.com/office/drawing/2017/03/chart" uri="{56B9EC1D-385E-4148-901F-78D8002777C0}">
+        <c16r3:dataDisplayOptions16>
+          <c16r3:dispNaAsBlank val="1"/>
+        </c16r3:dataDisplayOptions16>
+      </c:ext>
+    </c:extLst>
+    <c:showDLblsOverMax val="0"/>
+  </c:chart>
+  <c:spPr>
+    <a:noFill/>
+    <a:ln>
+      <a:noFill/>
+    </a:ln>
+    <a:effectLst/>
+  </c:spPr>
+  <c:txPr>
+    <a:bodyPr/>
+    <a:lstStyle/>
+    <a:p>
+      <a:pPr>
+        <a:defRPr/>
+      </a:pPr>
+      <a:endParaRPr lang="en-US"/>
+    </a:p>
+  </c:txPr>
+  <c:externalData r:id="rId3">
+    <c:autoUpdate val="0"/>
+  </c:externalData>
+</c:chartSpace>
+</file>
+
+<file path=ppt/charts/chart6.xml><?xml version="1.0" encoding="utf-8"?>
+<c:chartSpace xmlns:c="http://schemas.openxmlformats.org/drawingml/2006/chart" xmlns:a="http://schemas.openxmlformats.org/drawingml/2006/main" xmlns:r="http://schemas.openxmlformats.org/officeDocument/2006/relationships" xmlns:c16r2="http://schemas.microsoft.com/office/drawing/2015/06/chart">
+  <c:date1904 val="0"/>
+  <c:lang val="en-US"/>
+  <c:roundedCorners val="0"/>
+  <mc:AlternateContent xmlns:mc="http://schemas.openxmlformats.org/markup-compatibility/2006">
+    <mc:Choice xmlns:c14="http://schemas.microsoft.com/office/drawing/2007/8/2/chart" Requires="c14">
+      <c14:style val="102"/>
+    </mc:Choice>
+    <mc:Fallback>
+      <c:style val="2"/>
+    </mc:Fallback>
+  </mc:AlternateContent>
+  <c:chart>
+    <c:title>
+      <c:overlay val="0"/>
+      <c:spPr>
+        <a:noFill/>
+        <a:ln>
+          <a:noFill/>
+        </a:ln>
+        <a:effectLst/>
+      </c:spPr>
+      <c:txPr>
+        <a:bodyPr rot="0" spcFirstLastPara="1" vertOverflow="ellipsis" vert="horz" wrap="square" anchor="ctr" anchorCtr="1"/>
+        <a:lstStyle/>
+        <a:p>
+          <a:pPr>
+            <a:defRPr sz="1400" b="0" i="0" u="none" strike="noStrike" kern="1200" spc="0" baseline="0">
+              <a:solidFill>
+                <a:schemeClr val="tx1">
+                  <a:lumMod val="65000"/>
+                  <a:lumOff val="35000"/>
+                </a:schemeClr>
+              </a:solidFill>
+              <a:latin typeface="+mn-lt"/>
+              <a:ea typeface="+mn-ea"/>
+              <a:cs typeface="+mn-cs"/>
+            </a:defRPr>
+          </a:pPr>
+          <a:endParaRPr lang="en-US"/>
+        </a:p>
+      </c:txPr>
+    </c:title>
+    <c:autoTitleDeleted val="0"/>
+    <c:plotArea>
+      <c:layout/>
+      <c:scatterChart>
+        <c:scatterStyle val="lineMarker"/>
+        <c:varyColors val="0"/>
+        <c:ser>
+          <c:idx val="0"/>
+          <c:order val="0"/>
+          <c:tx>
+            <c:strRef>
+              <c:f>Figure3!$J$1</c:f>
+              <c:strCache>
+                <c:ptCount val="1"/>
+                <c:pt idx="0">
+                  <c:v>Ln(Nst)</c:v>
+                </c:pt>
+              </c:strCache>
+            </c:strRef>
+          </c:tx>
+          <c:spPr>
+            <a:ln w="19050" cap="rnd">
+              <a:noFill/>
+              <a:round/>
+            </a:ln>
+            <a:effectLst/>
+          </c:spPr>
+          <c:marker>
+            <c:symbol val="circle"/>
+            <c:size val="5"/>
+            <c:spPr>
+              <a:solidFill>
+                <a:schemeClr val="accent1"/>
+              </a:solidFill>
+              <a:ln w="9525">
+                <a:solidFill>
+                  <a:schemeClr val="accent1"/>
+                </a:solidFill>
+              </a:ln>
+              <a:effectLst/>
+            </c:spPr>
+          </c:marker>
+          <c:xVal>
+            <c:numRef>
+              <c:f>Figure3!$H$2:$H$56</c:f>
+              <c:numCache>
+                <c:formatCode>General</c:formatCode>
+                <c:ptCount val="55"/>
+                <c:pt idx="0">
+                  <c:v>5.1607091586712297</c:v>
+                </c:pt>
+                <c:pt idx="1">
+                  <c:v>6.2699172624919131</c:v>
+                </c:pt>
+                <c:pt idx="2">
+                  <c:v>5.8760338983634783</c:v>
+                </c:pt>
+                <c:pt idx="3">
+                  <c:v>6.5643633065066602</c:v>
+                </c:pt>
+                <c:pt idx="4">
+                  <c:v>6.343631971940761</c:v>
+                </c:pt>
+                <c:pt idx="5">
+                  <c:v>6.1105970407598287</c:v>
+                </c:pt>
+                <c:pt idx="6">
+                  <c:v>6.5983598389163776</c:v>
+                </c:pt>
+                <c:pt idx="7">
+                  <c:v>6.3560773545861666</c:v>
+                </c:pt>
+                <c:pt idx="8">
+                  <c:v>5.9345569921955219</c:v>
+                </c:pt>
+                <c:pt idx="9">
+                  <c:v>4.8414022681053064</c:v>
+                </c:pt>
+                <c:pt idx="10">
+                  <c:v>6.6924445875117158</c:v>
+                </c:pt>
+                <c:pt idx="11">
+                  <c:v>6.4670961541391634</c:v>
+                </c:pt>
+                <c:pt idx="12">
+                  <c:v>6.0061307173419278</c:v>
+                </c:pt>
+                <c:pt idx="13">
+                  <c:v>5.2918928888263439</c:v>
+                </c:pt>
+                <c:pt idx="14">
+                  <c:v>4.4407553060434504</c:v>
+                </c:pt>
+                <c:pt idx="15">
+                  <c:v>6.6446602971662871</c:v>
+                </c:pt>
+                <c:pt idx="16">
+                  <c:v>6.3876058258645187</c:v>
+                </c:pt>
+                <c:pt idx="17">
+                  <c:v>5.5227197077732164</c:v>
+                </c:pt>
+                <c:pt idx="18">
+                  <c:v>6.0500546299497699</c:v>
+                </c:pt>
+                <c:pt idx="19">
+                  <c:v>5.715516341306599</c:v>
+                </c:pt>
+                <c:pt idx="20">
+                  <c:v>5.6135579331655912</c:v>
+                </c:pt>
+                <c:pt idx="21">
+                  <c:v>7.060984217171776</c:v>
+                </c:pt>
+                <c:pt idx="22">
+                  <c:v>6.9007902222578572</c:v>
+                </c:pt>
+                <c:pt idx="23">
+                  <c:v>6.4570181728764835</c:v>
+                </c:pt>
+                <c:pt idx="24">
+                  <c:v>6.6370100202119717</c:v>
+                </c:pt>
+                <c:pt idx="25">
+                  <c:v>6.4581037775307504</c:v>
+                </c:pt>
+                <c:pt idx="26">
+                  <c:v>6.3394494984460215</c:v>
+                </c:pt>
+                <c:pt idx="27">
+                  <c:v>6.0166919674777715</c:v>
+                </c:pt>
+                <c:pt idx="28">
+                  <c:v>7.0952448347741699</c:v>
+                </c:pt>
+                <c:pt idx="29">
+                  <c:v>6.9421117686617357</c:v>
+                </c:pt>
+                <c:pt idx="30">
+                  <c:v>6.578649156353495</c:v>
+                </c:pt>
+                <c:pt idx="31">
+                  <c:v>6.4114150938379613</c:v>
+                </c:pt>
+                <c:pt idx="32">
+                  <c:v>6.2382705621653258</c:v>
+                </c:pt>
+                <c:pt idx="33">
+                  <c:v>6.0575845825714572</c:v>
+                </c:pt>
+                <c:pt idx="34">
+                  <c:v>6.1641112846626775</c:v>
+                </c:pt>
+                <c:pt idx="35">
+                  <c:v>5.8841095001559696</c:v>
+                </c:pt>
+                <c:pt idx="36">
+                  <c:v>7.1059584550817574</c:v>
+                </c:pt>
+                <c:pt idx="37">
+                  <c:v>6.9753140986195392</c:v>
+                </c:pt>
+                <c:pt idx="38">
+                  <c:v>6.7490027283500007</c:v>
+                </c:pt>
+                <c:pt idx="39">
+                  <c:v>6.2386341636524509</c:v>
+                </c:pt>
+                <c:pt idx="40">
+                  <c:v>6.2113726453749143</c:v>
+                </c:pt>
+                <c:pt idx="41">
+                  <c:v>6.1063234576163463</c:v>
+                </c:pt>
+                <c:pt idx="42">
+                  <c:v>6.5130077697147417</c:v>
+                </c:pt>
+                <c:pt idx="43">
+                  <c:v>6.6104310036566156</c:v>
+                </c:pt>
+                <c:pt idx="44">
+                  <c:v>5.9864449509450148</c:v>
+                </c:pt>
+                <c:pt idx="45">
+                  <c:v>7.1567571123154163</c:v>
+                </c:pt>
+                <c:pt idx="46">
+                  <c:v>7.0383674520598882</c:v>
+                </c:pt>
+                <c:pt idx="47">
+                  <c:v>6.8467657911106663</c:v>
+                </c:pt>
+                <c:pt idx="48">
+                  <c:v>6.351701635773308</c:v>
+                </c:pt>
+                <c:pt idx="49">
+                  <c:v>6.3571455672512398</c:v>
+                </c:pt>
+                <c:pt idx="50">
+                  <c:v>6.2821391923973753</c:v>
+                </c:pt>
+                <c:pt idx="51">
+                  <c:v>6.6466874820868647</c:v>
+                </c:pt>
+                <c:pt idx="52">
+                  <c:v>6.7334996159731011</c:v>
+                </c:pt>
+                <c:pt idx="53">
+                  <c:v>6.1947982433166882</c:v>
+                </c:pt>
+                <c:pt idx="54">
+                  <c:v>4.6105216706844443</c:v>
+                </c:pt>
+              </c:numCache>
+            </c:numRef>
+          </c:xVal>
+          <c:yVal>
+            <c:numRef>
+              <c:f>Figure3!$J$2:$J$56</c:f>
+              <c:numCache>
+                <c:formatCode>General</c:formatCode>
+                <c:ptCount val="55"/>
+                <c:pt idx="0">
+                  <c:v>-2.2334083075094542</c:v>
+                </c:pt>
+                <c:pt idx="1">
+                  <c:v>-2.136369942150357</c:v>
+                </c:pt>
+                <c:pt idx="2">
+                  <c:v>-1.737173298556153</c:v>
+                </c:pt>
+                <c:pt idx="3">
+                  <c:v>-2.7052819777142143</c:v>
+                </c:pt>
+                <c:pt idx="4">
+                  <c:v>-1.7612980205867117</c:v>
+                </c:pt>
+                <c:pt idx="5">
+                  <c:v>-2.12842479781744</c:v>
+                </c:pt>
+                <c:pt idx="6">
+                  <c:v>-1.8067929026485616</c:v>
+                </c:pt>
+                <c:pt idx="7">
+                  <c:v>-1.8746899298885646</c:v>
+                </c:pt>
+                <c:pt idx="8">
+                  <c:v>-2.2253657815267225</c:v>
+                </c:pt>
+                <c:pt idx="9">
+                  <c:v>-1.9470883648206589</c:v>
+                </c:pt>
+                <c:pt idx="10">
+                  <c:v>-1.75242798782556</c:v>
+                </c:pt>
+                <c:pt idx="11">
+                  <c:v>-1.9885514879855868</c:v>
+                </c:pt>
+                <c:pt idx="12">
+                  <c:v>-1.5301961050689477</c:v>
+                </c:pt>
+                <c:pt idx="13">
+                  <c:v>-1.8061696397120806</c:v>
+                </c:pt>
+                <c:pt idx="14">
+                  <c:v>-1.6475567461104412</c:v>
+                </c:pt>
+                <c:pt idx="15">
+                  <c:v>-2.1312341781351205</c:v>
+                </c:pt>
+                <c:pt idx="16">
+                  <c:v>-2.094530137142177</c:v>
+                </c:pt>
+                <c:pt idx="17">
+                  <c:v>-1.9116058936467752</c:v>
+                </c:pt>
+                <c:pt idx="18">
+                  <c:v>-2.1317653620987471</c:v>
+                </c:pt>
+                <c:pt idx="19">
+                  <c:v>-1.7138765392251962</c:v>
+                </c:pt>
+                <c:pt idx="20">
+                  <c:v>-2.4674840545482377</c:v>
+                </c:pt>
+                <c:pt idx="21">
+                  <c:v>-2.0866099536317666</c:v>
+                </c:pt>
+                <c:pt idx="22">
+                  <c:v>-1.6764341549652768</c:v>
+                </c:pt>
+                <c:pt idx="23">
+                  <c:v>-2.2130621455113189</c:v>
+                </c:pt>
+                <c:pt idx="24">
+                  <c:v>-2.0347896730031771</c:v>
+                </c:pt>
+                <c:pt idx="25">
+                  <c:v>-1.6910964302748577</c:v>
+                </c:pt>
+                <c:pt idx="26">
+                  <c:v>-1.4214161898607849</c:v>
+                </c:pt>
+                <c:pt idx="27">
+                  <c:v>-1.6731554263596105</c:v>
+                </c:pt>
+                <c:pt idx="28">
+                  <c:v>-1.3873940786164769</c:v>
+                </c:pt>
+                <c:pt idx="29">
+                  <c:v>-1.3487047041850129</c:v>
+                </c:pt>
+                <c:pt idx="30">
+                  <c:v>-1.3329478227650509</c:v>
+                </c:pt>
+                <c:pt idx="31">
+                  <c:v>-1.5187024881292273</c:v>
+                </c:pt>
+                <c:pt idx="32">
+                  <c:v>-2.2733601102443761</c:v>
+                </c:pt>
+                <c:pt idx="33">
+                  <c:v>-1.5415350438652435</c:v>
+                </c:pt>
+                <c:pt idx="34">
+                  <c:v>-1.433877698578462</c:v>
+                </c:pt>
+                <c:pt idx="35">
+                  <c:v>-1.0821600471730772</c:v>
+                </c:pt>
+                <c:pt idx="36">
+                  <c:v>-0.50739644940293482</c:v>
+                </c:pt>
+                <c:pt idx="37">
+                  <c:v>-0.46188434758284191</c:v>
+                </c:pt>
+                <c:pt idx="38">
+                  <c:v>-0.60108486846539333</c:v>
+                </c:pt>
+                <c:pt idx="39">
+                  <c:v>-0.44907499347848329</c:v>
+                </c:pt>
+                <c:pt idx="40">
+                  <c:v>-0.52200104994674834</c:v>
+                </c:pt>
+                <c:pt idx="41">
+                  <c:v>-0.59390884575819591</c:v>
+                </c:pt>
+                <c:pt idx="42">
+                  <c:v>-0.66574904306629112</c:v>
+                </c:pt>
+                <c:pt idx="43">
+                  <c:v>-0.48386485064984891</c:v>
+                </c:pt>
+                <c:pt idx="44">
+                  <c:v>-0.60397208297222293</c:v>
+                </c:pt>
+                <c:pt idx="45">
+                  <c:v>-0.44537842335622374</c:v>
+                </c:pt>
+                <c:pt idx="46">
+                  <c:v>-0.41669271140239966</c:v>
+                </c:pt>
+                <c:pt idx="47">
+                  <c:v>-0.40709456438119185</c:v>
+                </c:pt>
+                <c:pt idx="48">
+                  <c:v>-0.39004316616784457</c:v>
+                </c:pt>
+                <c:pt idx="49">
+                  <c:v>-0.63898472916739313</c:v>
+                </c:pt>
+                <c:pt idx="50">
+                  <c:v>-0.3704864862679545</c:v>
+                </c:pt>
+                <c:pt idx="51">
+                  <c:v>-0.31687007781413296</c:v>
+                </c:pt>
+                <c:pt idx="52">
+                  <c:v>-0.42754594819241487</c:v>
+                </c:pt>
+                <c:pt idx="53">
+                  <c:v>-0.66553755589242591</c:v>
+                </c:pt>
+                <c:pt idx="54">
+                  <c:v>-1.5056071519499905</c:v>
+                </c:pt>
+              </c:numCache>
+            </c:numRef>
+          </c:yVal>
+          <c:smooth val="0"/>
+          <c:extLst>
+            <c:ext xmlns:c16="http://schemas.microsoft.com/office/drawing/2014/chart" uri="{C3380CC4-5D6E-409C-BE32-E72D297353CC}">
+              <c16:uniqueId val="{00000000-2E8E-4633-B9B1-1B800F1BC79C}"/>
+            </c:ext>
+          </c:extLst>
+        </c:ser>
+        <c:dLbls>
+          <c:showLegendKey val="0"/>
+          <c:showVal val="0"/>
+          <c:showCatName val="0"/>
+          <c:showSerName val="0"/>
+          <c:showPercent val="0"/>
+          <c:showBubbleSize val="0"/>
+        </c:dLbls>
+        <c:axId val="1700612688"/>
+        <c:axId val="1777647648"/>
+      </c:scatterChart>
+      <c:valAx>
+        <c:axId val="1700612688"/>
+        <c:scaling>
+          <c:orientation val="minMax"/>
+        </c:scaling>
+        <c:delete val="0"/>
+        <c:axPos val="b"/>
+        <c:majorGridlines>
+          <c:spPr>
+            <a:ln w="9525" cap="flat" cmpd="sng" algn="ctr">
+              <a:solidFill>
+                <a:schemeClr val="tx1">
+                  <a:lumMod val="15000"/>
+                  <a:lumOff val="85000"/>
+                </a:schemeClr>
+              </a:solidFill>
+              <a:round/>
+            </a:ln>
+            <a:effectLst/>
+          </c:spPr>
+        </c:majorGridlines>
+        <c:numFmt formatCode="General" sourceLinked="1"/>
+        <c:majorTickMark val="none"/>
+        <c:minorTickMark val="none"/>
+        <c:tickLblPos val="nextTo"/>
+        <c:spPr>
+          <a:noFill/>
+          <a:ln w="9525" cap="flat" cmpd="sng" algn="ctr">
+            <a:solidFill>
+              <a:schemeClr val="tx1">
+                <a:lumMod val="25000"/>
+                <a:lumOff val="75000"/>
+              </a:schemeClr>
+            </a:solidFill>
+            <a:round/>
+          </a:ln>
+          <a:effectLst/>
+        </c:spPr>
+        <c:txPr>
+          <a:bodyPr rot="-60000000" spcFirstLastPara="1" vertOverflow="ellipsis" vert="horz" wrap="square" anchor="ctr" anchorCtr="1"/>
+          <a:lstStyle/>
+          <a:p>
+            <a:pPr>
+              <a:defRPr sz="900" b="0" i="0" u="none" strike="noStrike" kern="1200" baseline="0">
+                <a:solidFill>
+                  <a:schemeClr val="tx1">
+                    <a:lumMod val="65000"/>
+                    <a:lumOff val="35000"/>
+                  </a:schemeClr>
+                </a:solidFill>
+                <a:latin typeface="+mn-lt"/>
+                <a:ea typeface="+mn-ea"/>
+                <a:cs typeface="+mn-cs"/>
+              </a:defRPr>
+            </a:pPr>
+            <a:endParaRPr lang="en-US"/>
+          </a:p>
+        </c:txPr>
+        <c:crossAx val="1777647648"/>
+        <c:crosses val="autoZero"/>
+        <c:crossBetween val="midCat"/>
+      </c:valAx>
+      <c:valAx>
+        <c:axId val="1777647648"/>
+        <c:scaling>
+          <c:orientation val="minMax"/>
+        </c:scaling>
+        <c:delete val="0"/>
+        <c:axPos val="l"/>
+        <c:majorGridlines>
+          <c:spPr>
+            <a:ln w="9525" cap="flat" cmpd="sng" algn="ctr">
+              <a:solidFill>
+                <a:schemeClr val="tx1">
+                  <a:lumMod val="15000"/>
+                  <a:lumOff val="85000"/>
+                </a:schemeClr>
+              </a:solidFill>
+              <a:round/>
+            </a:ln>
+            <a:effectLst/>
+          </c:spPr>
+        </c:majorGridlines>
+        <c:numFmt formatCode="General" sourceLinked="1"/>
+        <c:majorTickMark val="none"/>
+        <c:minorTickMark val="none"/>
+        <c:tickLblPos val="nextTo"/>
+        <c:spPr>
+          <a:noFill/>
+          <a:ln w="9525" cap="flat" cmpd="sng" algn="ctr">
+            <a:solidFill>
+              <a:schemeClr val="tx1">
+                <a:lumMod val="25000"/>
+                <a:lumOff val="75000"/>
+              </a:schemeClr>
+            </a:solidFill>
+            <a:round/>
+          </a:ln>
+          <a:effectLst/>
+        </c:spPr>
+        <c:txPr>
+          <a:bodyPr rot="-60000000" spcFirstLastPara="1" vertOverflow="ellipsis" vert="horz" wrap="square" anchor="ctr" anchorCtr="1"/>
+          <a:lstStyle/>
+          <a:p>
+            <a:pPr>
+              <a:defRPr sz="900" b="0" i="0" u="none" strike="noStrike" kern="1200" baseline="0">
+                <a:solidFill>
+                  <a:schemeClr val="tx1">
+                    <a:lumMod val="65000"/>
+                    <a:lumOff val="35000"/>
+                  </a:schemeClr>
+                </a:solidFill>
+                <a:latin typeface="+mn-lt"/>
+                <a:ea typeface="+mn-ea"/>
+                <a:cs typeface="+mn-cs"/>
+              </a:defRPr>
+            </a:pPr>
+            <a:endParaRPr lang="en-US"/>
+          </a:p>
+        </c:txPr>
+        <c:crossAx val="1700612688"/>
+        <c:crosses val="autoZero"/>
+        <c:crossBetween val="midCat"/>
+      </c:valAx>
+      <c:spPr>
+        <a:noFill/>
+        <a:ln>
+          <a:noFill/>
+        </a:ln>
+        <a:effectLst/>
+      </c:spPr>
+    </c:plotArea>
+    <c:plotVisOnly val="1"/>
+    <c:dispBlanksAs val="gap"/>
+    <c:extLst>
+      <c:ext xmlns:c16r3="http://schemas.microsoft.com/office/drawing/2017/03/chart" uri="{56B9EC1D-385E-4148-901F-78D8002777C0}">
+        <c16r3:dataDisplayOptions16>
+          <c16r3:dispNaAsBlank val="1"/>
+        </c16r3:dataDisplayOptions16>
+      </c:ext>
+    </c:extLst>
+    <c:showDLblsOverMax val="0"/>
+  </c:chart>
+  <c:spPr>
+    <a:noFill/>
+    <a:ln>
+      <a:noFill/>
+    </a:ln>
+    <a:effectLst/>
+  </c:spPr>
+  <c:txPr>
+    <a:bodyPr/>
+    <a:lstStyle/>
+    <a:p>
+      <a:pPr>
+        <a:defRPr/>
+      </a:pPr>
+      <a:endParaRPr lang="en-US"/>
+    </a:p>
+  </c:txPr>
+  <c:externalData r:id="rId3">
+    <c:autoUpdate val="0"/>
+  </c:externalData>
+</c:chartSpace>
+</file>
+
+<file path=ppt/charts/colors1.xml><?xml version="1.0" encoding="utf-8"?>
+<cs:colorStyle xmlns:cs="http://schemas.microsoft.com/office/drawing/2012/chartStyle" xmlns:a="http://schemas.openxmlformats.org/drawingml/2006/main" meth="cycle" id="10">
+  <a:schemeClr val="accent1"/>
+  <a:schemeClr val="accent2"/>
+  <a:schemeClr val="accent3"/>
+  <a:schemeClr val="accent4"/>
+  <a:schemeClr val="accent5"/>
+  <a:schemeClr val="accent6"/>
+  <cs:variation/>
+  <cs:variation>
+    <a:lumMod val="60000"/>
+  </cs:variation>
+  <cs:variation>
+    <a:lumMod val="80000"/>
+    <a:lumOff val="20000"/>
+  </cs:variation>
+  <cs:variation>
+    <a:lumMod val="80000"/>
+  </cs:variation>
+  <cs:variation>
+    <a:lumMod val="60000"/>
+    <a:lumOff val="40000"/>
+  </cs:variation>
+  <cs:variation>
+    <a:lumMod val="50000"/>
+  </cs:variation>
+  <cs:variation>
+    <a:lumMod val="70000"/>
+    <a:lumOff val="30000"/>
+  </cs:variation>
+  <cs:variation>
+    <a:lumMod val="70000"/>
+  </cs:variation>
+  <cs:variation>
+    <a:lumMod val="50000"/>
+    <a:lumOff val="50000"/>
+  </cs:variation>
+</cs:colorStyle>
+</file>
+
+<file path=ppt/charts/colors2.xml><?xml version="1.0" encoding="utf-8"?>
+<cs:colorStyle xmlns:cs="http://schemas.microsoft.com/office/drawing/2012/chartStyle" xmlns:a="http://schemas.openxmlformats.org/drawingml/2006/main" meth="cycle" id="10">
+  <a:schemeClr val="accent1"/>
+  <a:schemeClr val="accent2"/>
+  <a:schemeClr val="accent3"/>
+  <a:schemeClr val="accent4"/>
+  <a:schemeClr val="accent5"/>
+  <a:schemeClr val="accent6"/>
+  <cs:variation/>
+  <cs:variation>
+    <a:lumMod val="60000"/>
+  </cs:variation>
+  <cs:variation>
+    <a:lumMod val="80000"/>
+    <a:lumOff val="20000"/>
+  </cs:variation>
+  <cs:variation>
+    <a:lumMod val="80000"/>
+  </cs:variation>
+  <cs:variation>
+    <a:lumMod val="60000"/>
+    <a:lumOff val="40000"/>
+  </cs:variation>
+  <cs:variation>
+    <a:lumMod val="50000"/>
+  </cs:variation>
+  <cs:variation>
+    <a:lumMod val="70000"/>
+    <a:lumOff val="30000"/>
+  </cs:variation>
+  <cs:variation>
+    <a:lumMod val="70000"/>
+  </cs:variation>
+  <cs:variation>
+    <a:lumMod val="50000"/>
+    <a:lumOff val="50000"/>
+  </cs:variation>
+</cs:colorStyle>
+</file>
+
+<file path=ppt/charts/style1.xml><?xml version="1.0" encoding="utf-8"?>
+<cs:chartStyle xmlns:cs="http://schemas.microsoft.com/office/drawing/2012/chartStyle" xmlns:a="http://schemas.openxmlformats.org/drawingml/2006/main" id="240">
+  <cs:axisTitle>
+    <cs:lnRef idx="0"/>
+    <cs:fillRef idx="0"/>
+    <cs:effectRef idx="0"/>
+    <cs:fontRef idx="minor">
+      <a:schemeClr val="tx1">
+        <a:lumMod val="65000"/>
+        <a:lumOff val="35000"/>
+      </a:schemeClr>
+    </cs:fontRef>
+    <cs:defRPr sz="1000" kern="1200"/>
+  </cs:axisTitle>
+  <cs:categoryAxis>
+    <cs:lnRef idx="0"/>
+    <cs:fillRef idx="0"/>
+    <cs:effectRef idx="0"/>
+    <cs:fontRef idx="minor">
+      <a:schemeClr val="tx1">
+        <a:lumMod val="65000"/>
+        <a:lumOff val="35000"/>
+      </a:schemeClr>
+    </cs:fontRef>
+    <cs:spPr>
+      <a:ln w="9525" cap="flat" cmpd="sng" algn="ctr">
+        <a:solidFill>
+          <a:schemeClr val="tx1">
+            <a:lumMod val="25000"/>
+            <a:lumOff val="75000"/>
+          </a:schemeClr>
+        </a:solidFill>
+        <a:round/>
+      </a:ln>
+    </cs:spPr>
+    <cs:defRPr sz="900" kern="1200"/>
+  </cs:categoryAxis>
+  <cs:chartArea mods="allowNoFillOverride allowNoLineOverride">
+    <cs:lnRef idx="0"/>
+    <cs:fillRef idx="0"/>
+    <cs:effectRef idx="0"/>
+    <cs:fontRef idx="minor">
+      <a:schemeClr val="tx1"/>
+    </cs:fontRef>
+    <cs:spPr>
+      <a:solidFill>
+        <a:schemeClr val="bg1"/>
+      </a:solidFill>
+      <a:ln w="9525" cap="flat" cmpd="sng" algn="ctr">
+        <a:solidFill>
+          <a:schemeClr val="tx1">
+            <a:lumMod val="15000"/>
+            <a:lumOff val="85000"/>
+          </a:schemeClr>
+        </a:solidFill>
+        <a:round/>
+      </a:ln>
+    </cs:spPr>
+    <cs:defRPr sz="1000" kern="1200"/>
+  </cs:chartArea>
+  <cs:dataLabel>
+    <cs:lnRef idx="0"/>
+    <cs:fillRef idx="0"/>
+    <cs:effectRef idx="0"/>
+    <cs:fontRef idx="minor">
+      <a:schemeClr val="tx1">
+        <a:lumMod val="75000"/>
+        <a:lumOff val="25000"/>
+      </a:schemeClr>
+    </cs:fontRef>
+    <cs:defRPr sz="900" kern="1200"/>
+  </cs:dataLabel>
+  <cs:dataLabelCallout>
+    <cs:lnRef idx="0"/>
+    <cs:fillRef idx="0"/>
+    <cs:effectRef idx="0"/>
+    <cs:fontRef idx="minor">
+      <a:schemeClr val="dk1">
+        <a:lumMod val="65000"/>
+        <a:lumOff val="35000"/>
+      </a:schemeClr>
+    </cs:fontRef>
+    <cs:spPr>
+      <a:solidFill>
+        <a:schemeClr val="lt1"/>
+      </a:solidFill>
+      <a:ln>
+        <a:solidFill>
+          <a:schemeClr val="dk1">
+            <a:lumMod val="25000"/>
+            <a:lumOff val="75000"/>
+          </a:schemeClr>
+        </a:solidFill>
+      </a:ln>
+    </cs:spPr>
+    <cs:defRPr sz="900" kern="1200"/>
+    <cs:bodyPr rot="0" spcFirstLastPara="1" vertOverflow="clip" horzOverflow="clip" vert="horz" wrap="square" lIns="36576" tIns="18288" rIns="36576" bIns="18288" anchor="ctr" anchorCtr="1">
+      <a:spAutoFit/>
+    </cs:bodyPr>
+  </cs:dataLabelCallout>
+  <cs:dataPoint>
+    <cs:lnRef idx="0"/>
+    <cs:fillRef idx="1">
+      <cs:styleClr val="auto"/>
+    </cs:fillRef>
+    <cs:effectRef idx="0"/>
+    <cs:fontRef idx="minor">
+      <a:schemeClr val="tx1"/>
+    </cs:fontRef>
+  </cs:dataPoint>
+  <cs:dataPoint3D>
+    <cs:lnRef idx="0"/>
+    <cs:fillRef idx="1">
+      <cs:styleClr val="auto"/>
+    </cs:fillRef>
+    <cs:effectRef idx="0"/>
+    <cs:fontRef idx="minor">
+      <a:schemeClr val="tx1"/>
+    </cs:fontRef>
+  </cs:dataPoint3D>
+  <cs:dataPointLine>
+    <cs:lnRef idx="0">
+      <cs:styleClr val="auto"/>
+    </cs:lnRef>
+    <cs:fillRef idx="1"/>
+    <cs:effectRef idx="0"/>
+    <cs:fontRef idx="minor">
+      <a:schemeClr val="tx1"/>
+    </cs:fontRef>
+    <cs:spPr>
+      <a:ln w="19050" cap="rnd">
+        <a:solidFill>
+          <a:schemeClr val="phClr"/>
+        </a:solidFill>
+        <a:round/>
+      </a:ln>
+    </cs:spPr>
+  </cs:dataPointLine>
+  <cs:dataPointMarker>
+    <cs:lnRef idx="0">
+      <cs:styleClr val="auto"/>
+    </cs:lnRef>
+    <cs:fillRef idx="1">
+      <cs:styleClr val="auto"/>
+    </cs:fillRef>
+    <cs:effectRef idx="0"/>
+    <cs:fontRef idx="minor">
+      <a:schemeClr val="tx1"/>
+    </cs:fontRef>
+    <cs:spPr>
+      <a:ln w="9525">
+        <a:solidFill>
+          <a:schemeClr val="phClr"/>
+        </a:solidFill>
+      </a:ln>
+    </cs:spPr>
+  </cs:dataPointMarker>
+  <cs:dataPointMarkerLayout symbol="circle" size="5"/>
+  <cs:dataPointWireframe>
+    <cs:lnRef idx="0">
+      <cs:styleClr val="auto"/>
+    </cs:lnRef>
+    <cs:fillRef idx="0"/>
+    <cs:effectRef idx="0"/>
+    <cs:fontRef idx="minor">
+      <a:schemeClr val="dk1"/>
+    </cs:fontRef>
+    <cs:spPr>
+      <a:ln w="9525" cap="rnd">
+        <a:solidFill>
+          <a:schemeClr val="phClr"/>
+        </a:solidFill>
+        <a:round/>
+      </a:ln>
+    </cs:spPr>
+  </cs:dataPointWireframe>
+  <cs:dataTable>
+    <cs:lnRef idx="0"/>
+    <cs:fillRef idx="0"/>
+    <cs:effectRef idx="0"/>
+    <cs:fontRef idx="minor">
+      <a:schemeClr val="tx1">
+        <a:lumMod val="65000"/>
+        <a:lumOff val="35000"/>
+      </a:schemeClr>
+    </cs:fontRef>
+    <cs:spPr>
+      <a:noFill/>
+      <a:ln w="9525" cap="flat" cmpd="sng" algn="ctr">
+        <a:solidFill>
+          <a:schemeClr val="tx1">
+            <a:lumMod val="15000"/>
+            <a:lumOff val="85000"/>
+          </a:schemeClr>
+        </a:solidFill>
+        <a:round/>
+      </a:ln>
+    </cs:spPr>
+    <cs:defRPr sz="900" kern="1200"/>
+  </cs:dataTable>
+  <cs:downBar>
+    <cs:lnRef idx="0"/>
+    <cs:fillRef idx="0"/>
+    <cs:effectRef idx="0"/>
+    <cs:fontRef idx="minor">
+      <a:schemeClr val="tx1"/>
+    </cs:fontRef>
+    <cs:spPr>
+      <a:solidFill>
+        <a:schemeClr val="dk1">
+          <a:lumMod val="75000"/>
+          <a:lumOff val="25000"/>
+        </a:schemeClr>
+      </a:solidFill>
+      <a:ln w="9525" cap="flat" cmpd="sng" algn="ctr">
+        <a:solidFill>
+          <a:schemeClr val="tx1">
+            <a:lumMod val="65000"/>
+            <a:lumOff val="35000"/>
+          </a:schemeClr>
+        </a:solidFill>
+        <a:round/>
+      </a:ln>
+    </cs:spPr>
+  </cs:downBar>
+  <cs:dropLine>
+    <cs:lnRef idx="0"/>
+    <cs:fillRef idx="0"/>
+    <cs:effectRef idx="0"/>
+    <cs:fontRef idx="minor">
+      <a:schemeClr val="tx1"/>
+    </cs:fontRef>
+    <cs:spPr>
+      <a:ln w="9525" cap="flat" cmpd="sng" algn="ctr">
+        <a:solidFill>
+          <a:schemeClr val="tx1">
+            <a:lumMod val="35000"/>
+            <a:lumOff val="65000"/>
+          </a:schemeClr>
+        </a:solidFill>
+        <a:round/>
+      </a:ln>
+    </cs:spPr>
+  </cs:dropLine>
+  <cs:errorBar>
+    <cs:lnRef idx="0"/>
+    <cs:fillRef idx="0"/>
+    <cs:effectRef idx="0"/>
+    <cs:fontRef idx="minor">
+      <a:schemeClr val="tx1"/>
+    </cs:fontRef>
+    <cs:spPr>
+      <a:ln w="9525" cap="flat" cmpd="sng" algn="ctr">
+        <a:solidFill>
+          <a:schemeClr val="tx1">
+            <a:lumMod val="65000"/>
+            <a:lumOff val="35000"/>
+          </a:schemeClr>
+        </a:solidFill>
+        <a:round/>
+      </a:ln>
+    </cs:spPr>
+  </cs:errorBar>
+  <cs:floor>
+    <cs:lnRef idx="0"/>
+    <cs:fillRef idx="0"/>
+    <cs:effectRef idx="0"/>
+    <cs:fontRef idx="minor">
+      <a:schemeClr val="tx1"/>
+    </cs:fontRef>
+    <cs:spPr>
+      <a:noFill/>
+      <a:ln>
+        <a:noFill/>
+      </a:ln>
+    </cs:spPr>
+  </cs:floor>
+  <cs:gridlineMajor>
+    <cs:lnRef idx="0"/>
+    <cs:fillRef idx="0"/>
+    <cs:effectRef idx="0"/>
+    <cs:fontRef idx="minor">
+      <a:schemeClr val="tx1"/>
+    </cs:fontRef>
+    <cs:spPr>
+      <a:ln w="9525" cap="flat" cmpd="sng" algn="ctr">
+        <a:solidFill>
+          <a:schemeClr val="tx1">
+            <a:lumMod val="15000"/>
+            <a:lumOff val="85000"/>
+          </a:schemeClr>
+        </a:solidFill>
+        <a:round/>
+      </a:ln>
+    </cs:spPr>
+  </cs:gridlineMajor>
+  <cs:gridlineMinor>
+    <cs:lnRef idx="0"/>
+    <cs:fillRef idx="0"/>
+    <cs:effectRef idx="0"/>
+    <cs:fontRef idx="minor">
+      <a:schemeClr val="tx1"/>
+    </cs:fontRef>
+    <cs:spPr>
+      <a:ln w="9525" cap="flat" cmpd="sng" algn="ctr">
+        <a:solidFill>
+          <a:schemeClr val="tx1">
+            <a:lumMod val="5000"/>
+            <a:lumOff val="95000"/>
+          </a:schemeClr>
+        </a:solidFill>
+        <a:round/>
+      </a:ln>
+    </cs:spPr>
+  </cs:gridlineMinor>
+  <cs:hiLoLine>
+    <cs:lnRef idx="0"/>
+    <cs:fillRef idx="0"/>
+    <cs:effectRef idx="0"/>
+    <cs:fontRef idx="minor">
+      <a:schemeClr val="tx1"/>
+    </cs:fontRef>
+    <cs:spPr>
+      <a:ln w="9525" cap="flat" cmpd="sng" algn="ctr">
+        <a:solidFill>
+          <a:schemeClr val="tx1">
+            <a:lumMod val="50000"/>
+            <a:lumOff val="50000"/>
+          </a:schemeClr>
+        </a:solidFill>
+        <a:round/>
+      </a:ln>
+    </cs:spPr>
+  </cs:hiLoLine>
+  <cs:leaderLine>
+    <cs:lnRef idx="0"/>
+    <cs:fillRef idx="0"/>
+    <cs:effectRef idx="0"/>
+    <cs:fontRef idx="minor">
+      <a:schemeClr val="tx1"/>
+    </cs:fontRef>
+    <cs:spPr>
+      <a:ln w="9525" cap="flat" cmpd="sng" algn="ctr">
+        <a:solidFill>
+          <a:schemeClr val="tx1">
+            <a:lumMod val="35000"/>
+            <a:lumOff val="65000"/>
+          </a:schemeClr>
+        </a:solidFill>
+        <a:round/>
+      </a:ln>
+    </cs:spPr>
+  </cs:leaderLine>
+  <cs:legend>
+    <cs:lnRef idx="0"/>
+    <cs:fillRef idx="0"/>
+    <cs:effectRef idx="0"/>
+    <cs:fontRef idx="minor">
+      <a:schemeClr val="tx1">
+        <a:lumMod val="65000"/>
+        <a:lumOff val="35000"/>
+      </a:schemeClr>
+    </cs:fontRef>
+    <cs:defRPr sz="900" kern="1200"/>
+  </cs:legend>
+  <cs:plotArea mods="allowNoFillOverride allowNoLineOverride">
+    <cs:lnRef idx="0"/>
+    <cs:fillRef idx="0"/>
+    <cs:effectRef idx="0"/>
+    <cs:fontRef idx="minor">
+      <a:schemeClr val="tx1"/>
+    </cs:fontRef>
+  </cs:plotArea>
+  <cs:plotArea3D mods="allowNoFillOverride allowNoLineOverride">
+    <cs:lnRef idx="0"/>
+    <cs:fillRef idx="0"/>
+    <cs:effectRef idx="0"/>
+    <cs:fontRef idx="minor">
+      <a:schemeClr val="tx1"/>
+    </cs:fontRef>
+  </cs:plotArea3D>
+  <cs:seriesAxis>
+    <cs:lnRef idx="0"/>
+    <cs:fillRef idx="0"/>
+    <cs:effectRef idx="0"/>
+    <cs:fontRef idx="minor">
+      <a:schemeClr val="tx1">
+        <a:lumMod val="65000"/>
+        <a:lumOff val="35000"/>
+      </a:schemeClr>
+    </cs:fontRef>
+    <cs:defRPr sz="900" kern="1200"/>
+  </cs:seriesAxis>
+  <cs:seriesLine>
+    <cs:lnRef idx="0"/>
+    <cs:fillRef idx="0"/>
+    <cs:effectRef idx="0"/>
+    <cs:fontRef idx="minor">
+      <a:schemeClr val="tx1"/>
+    </cs:fontRef>
+    <cs:spPr>
+      <a:ln w="9525" cap="flat" cmpd="sng" algn="ctr">
+        <a:solidFill>
+          <a:schemeClr val="tx1">
+            <a:lumMod val="35000"/>
+            <a:lumOff val="65000"/>
+          </a:schemeClr>
+        </a:solidFill>
+        <a:round/>
+      </a:ln>
+    </cs:spPr>
+  </cs:seriesLine>
+  <cs:title>
+    <cs:lnRef idx="0"/>
+    <cs:fillRef idx="0"/>
+    <cs:effectRef idx="0"/>
+    <cs:fontRef idx="minor">
+      <a:schemeClr val="tx1">
+        <a:lumMod val="65000"/>
+        <a:lumOff val="35000"/>
+      </a:schemeClr>
+    </cs:fontRef>
+    <cs:defRPr sz="1400" b="0" kern="1200" spc="0" baseline="0"/>
+  </cs:title>
+  <cs:trendline>
+    <cs:lnRef idx="0">
+      <cs:styleClr val="auto"/>
+    </cs:lnRef>
+    <cs:fillRef idx="0"/>
+    <cs:effectRef idx="0"/>
+    <cs:fontRef idx="minor">
+      <a:schemeClr val="tx1"/>
+    </cs:fontRef>
+    <cs:spPr>
+      <a:ln w="19050" cap="rnd">
+        <a:solidFill>
+          <a:schemeClr val="phClr"/>
+        </a:solidFill>
+        <a:prstDash val="sysDot"/>
+      </a:ln>
+    </cs:spPr>
+  </cs:trendline>
+  <cs:trendlineLabel>
+    <cs:lnRef idx="0"/>
+    <cs:fillRef idx="0"/>
+    <cs:effectRef idx="0"/>
+    <cs:fontRef idx="minor">
+      <a:schemeClr val="tx1">
+        <a:lumMod val="65000"/>
+        <a:lumOff val="35000"/>
+      </a:schemeClr>
+    </cs:fontRef>
+    <cs:defRPr sz="900" kern="1200"/>
+  </cs:trendlineLabel>
+  <cs:upBar>
+    <cs:lnRef idx="0"/>
+    <cs:fillRef idx="0"/>
+    <cs:effectRef idx="0"/>
+    <cs:fontRef idx="minor">
+      <a:schemeClr val="tx1"/>
+    </cs:fontRef>
+    <cs:spPr>
+      <a:solidFill>
+        <a:schemeClr val="lt1"/>
+      </a:solidFill>
+      <a:ln w="9525" cap="flat" cmpd="sng" algn="ctr">
+        <a:solidFill>
+          <a:schemeClr val="tx1">
+            <a:lumMod val="65000"/>
+            <a:lumOff val="35000"/>
+          </a:schemeClr>
+        </a:solidFill>
+        <a:round/>
+      </a:ln>
+    </cs:spPr>
+  </cs:upBar>
+  <cs:valueAxis>
+    <cs:lnRef idx="0"/>
+    <cs:fillRef idx="0"/>
+    <cs:effectRef idx="0"/>
+    <cs:fontRef idx="minor">
+      <a:schemeClr val="tx1">
+        <a:lumMod val="65000"/>
+        <a:lumOff val="35000"/>
+      </a:schemeClr>
+    </cs:fontRef>
+    <cs:spPr>
+      <a:ln w="9525" cap="flat" cmpd="sng" algn="ctr">
+        <a:solidFill>
+          <a:schemeClr val="tx1">
+            <a:lumMod val="25000"/>
+            <a:lumOff val="75000"/>
+          </a:schemeClr>
+        </a:solidFill>
+        <a:round/>
+      </a:ln>
+    </cs:spPr>
+    <cs:defRPr sz="900" kern="1200"/>
+  </cs:valueAxis>
+  <cs:wall>
+    <cs:lnRef idx="0"/>
+    <cs:fillRef idx="0"/>
+    <cs:effectRef idx="0"/>
+    <cs:fontRef idx="minor">
+      <a:schemeClr val="tx1"/>
+    </cs:fontRef>
+    <cs:spPr>
+      <a:noFill/>
+      <a:ln>
+        <a:noFill/>
+      </a:ln>
+    </cs:spPr>
+  </cs:wall>
+</cs:chartStyle>
+</file>
+
+<file path=ppt/charts/style2.xml><?xml version="1.0" encoding="utf-8"?>
+<cs:chartStyle xmlns:cs="http://schemas.microsoft.com/office/drawing/2012/chartStyle" xmlns:a="http://schemas.openxmlformats.org/drawingml/2006/main" id="240">
+  <cs:axisTitle>
+    <cs:lnRef idx="0"/>
+    <cs:fillRef idx="0"/>
+    <cs:effectRef idx="0"/>
+    <cs:fontRef idx="minor">
+      <a:schemeClr val="tx1">
+        <a:lumMod val="65000"/>
+        <a:lumOff val="35000"/>
+      </a:schemeClr>
+    </cs:fontRef>
+    <cs:defRPr sz="1000" kern="1200"/>
+  </cs:axisTitle>
+  <cs:categoryAxis>
+    <cs:lnRef idx="0"/>
+    <cs:fillRef idx="0"/>
+    <cs:effectRef idx="0"/>
+    <cs:fontRef idx="minor">
+      <a:schemeClr val="tx1">
+        <a:lumMod val="65000"/>
+        <a:lumOff val="35000"/>
+      </a:schemeClr>
+    </cs:fontRef>
+    <cs:spPr>
+      <a:ln w="9525" cap="flat" cmpd="sng" algn="ctr">
+        <a:solidFill>
+          <a:schemeClr val="tx1">
+            <a:lumMod val="25000"/>
+            <a:lumOff val="75000"/>
+          </a:schemeClr>
+        </a:solidFill>
+        <a:round/>
+      </a:ln>
+    </cs:spPr>
+    <cs:defRPr sz="900" kern="1200"/>
+  </cs:categoryAxis>
+  <cs:chartArea mods="allowNoFillOverride allowNoLineOverride">
+    <cs:lnRef idx="0"/>
+    <cs:fillRef idx="0"/>
+    <cs:effectRef idx="0"/>
+    <cs:fontRef idx="minor">
+      <a:schemeClr val="tx1"/>
+    </cs:fontRef>
+    <cs:spPr>
+      <a:solidFill>
+        <a:schemeClr val="bg1"/>
+      </a:solidFill>
+      <a:ln w="9525" cap="flat" cmpd="sng" algn="ctr">
+        <a:solidFill>
+          <a:schemeClr val="tx1">
+            <a:lumMod val="15000"/>
+            <a:lumOff val="85000"/>
+          </a:schemeClr>
+        </a:solidFill>
+        <a:round/>
+      </a:ln>
+    </cs:spPr>
+    <cs:defRPr sz="1000" kern="1200"/>
+  </cs:chartArea>
+  <cs:dataLabel>
+    <cs:lnRef idx="0"/>
+    <cs:fillRef idx="0"/>
+    <cs:effectRef idx="0"/>
+    <cs:fontRef idx="minor">
+      <a:schemeClr val="tx1">
+        <a:lumMod val="75000"/>
+        <a:lumOff val="25000"/>
+      </a:schemeClr>
+    </cs:fontRef>
+    <cs:defRPr sz="900" kern="1200"/>
+  </cs:dataLabel>
+  <cs:dataLabelCallout>
+    <cs:lnRef idx="0"/>
+    <cs:fillRef idx="0"/>
+    <cs:effectRef idx="0"/>
+    <cs:fontRef idx="minor">
+      <a:schemeClr val="dk1">
+        <a:lumMod val="65000"/>
+        <a:lumOff val="35000"/>
+      </a:schemeClr>
+    </cs:fontRef>
+    <cs:spPr>
+      <a:solidFill>
+        <a:schemeClr val="lt1"/>
+      </a:solidFill>
+      <a:ln>
+        <a:solidFill>
+          <a:schemeClr val="dk1">
+            <a:lumMod val="25000"/>
+            <a:lumOff val="75000"/>
+          </a:schemeClr>
+        </a:solidFill>
+      </a:ln>
+    </cs:spPr>
+    <cs:defRPr sz="900" kern="1200"/>
+    <cs:bodyPr rot="0" spcFirstLastPara="1" vertOverflow="clip" horzOverflow="clip" vert="horz" wrap="square" lIns="36576" tIns="18288" rIns="36576" bIns="18288" anchor="ctr" anchorCtr="1">
+      <a:spAutoFit/>
+    </cs:bodyPr>
+  </cs:dataLabelCallout>
+  <cs:dataPoint>
+    <cs:lnRef idx="0"/>
+    <cs:fillRef idx="1">
+      <cs:styleClr val="auto"/>
+    </cs:fillRef>
+    <cs:effectRef idx="0"/>
+    <cs:fontRef idx="minor">
+      <a:schemeClr val="tx1"/>
+    </cs:fontRef>
+  </cs:dataPoint>
+  <cs:dataPoint3D>
+    <cs:lnRef idx="0"/>
+    <cs:fillRef idx="1">
+      <cs:styleClr val="auto"/>
+    </cs:fillRef>
+    <cs:effectRef idx="0"/>
+    <cs:fontRef idx="minor">
+      <a:schemeClr val="tx1"/>
+    </cs:fontRef>
+  </cs:dataPoint3D>
+  <cs:dataPointLine>
+    <cs:lnRef idx="0">
+      <cs:styleClr val="auto"/>
+    </cs:lnRef>
+    <cs:fillRef idx="1"/>
+    <cs:effectRef idx="0"/>
+    <cs:fontRef idx="minor">
+      <a:schemeClr val="tx1"/>
+    </cs:fontRef>
+    <cs:spPr>
+      <a:ln w="19050" cap="rnd">
+        <a:solidFill>
+          <a:schemeClr val="phClr"/>
+        </a:solidFill>
+        <a:round/>
+      </a:ln>
+    </cs:spPr>
+  </cs:dataPointLine>
+  <cs:dataPointMarker>
+    <cs:lnRef idx="0">
+      <cs:styleClr val="auto"/>
+    </cs:lnRef>
+    <cs:fillRef idx="1">
+      <cs:styleClr val="auto"/>
+    </cs:fillRef>
+    <cs:effectRef idx="0"/>
+    <cs:fontRef idx="minor">
+      <a:schemeClr val="tx1"/>
+    </cs:fontRef>
+    <cs:spPr>
+      <a:ln w="9525">
+        <a:solidFill>
+          <a:schemeClr val="phClr"/>
+        </a:solidFill>
+      </a:ln>
+    </cs:spPr>
+  </cs:dataPointMarker>
+  <cs:dataPointMarkerLayout symbol="circle" size="5"/>
+  <cs:dataPointWireframe>
+    <cs:lnRef idx="0">
+      <cs:styleClr val="auto"/>
+    </cs:lnRef>
+    <cs:fillRef idx="0"/>
+    <cs:effectRef idx="0"/>
+    <cs:fontRef idx="minor">
+      <a:schemeClr val="dk1"/>
+    </cs:fontRef>
+    <cs:spPr>
+      <a:ln w="9525" cap="rnd">
+        <a:solidFill>
+          <a:schemeClr val="phClr"/>
+        </a:solidFill>
+        <a:round/>
+      </a:ln>
+    </cs:spPr>
+  </cs:dataPointWireframe>
+  <cs:dataTable>
+    <cs:lnRef idx="0"/>
+    <cs:fillRef idx="0"/>
+    <cs:effectRef idx="0"/>
+    <cs:fontRef idx="minor">
+      <a:schemeClr val="tx1">
+        <a:lumMod val="65000"/>
+        <a:lumOff val="35000"/>
+      </a:schemeClr>
+    </cs:fontRef>
+    <cs:spPr>
+      <a:noFill/>
+      <a:ln w="9525" cap="flat" cmpd="sng" algn="ctr">
+        <a:solidFill>
+          <a:schemeClr val="tx1">
+            <a:lumMod val="15000"/>
+            <a:lumOff val="85000"/>
+          </a:schemeClr>
+        </a:solidFill>
+        <a:round/>
+      </a:ln>
+    </cs:spPr>
+    <cs:defRPr sz="900" kern="1200"/>
+  </cs:dataTable>
+  <cs:downBar>
+    <cs:lnRef idx="0"/>
+    <cs:fillRef idx="0"/>
+    <cs:effectRef idx="0"/>
+    <cs:fontRef idx="minor">
+      <a:schemeClr val="tx1"/>
+    </cs:fontRef>
+    <cs:spPr>
+      <a:solidFill>
+        <a:schemeClr val="dk1">
+          <a:lumMod val="75000"/>
+          <a:lumOff val="25000"/>
+        </a:schemeClr>
+      </a:solidFill>
+      <a:ln w="9525" cap="flat" cmpd="sng" algn="ctr">
+        <a:solidFill>
+          <a:schemeClr val="tx1">
+            <a:lumMod val="65000"/>
+            <a:lumOff val="35000"/>
+          </a:schemeClr>
+        </a:solidFill>
+        <a:round/>
+      </a:ln>
+    </cs:spPr>
+  </cs:downBar>
+  <cs:dropLine>
+    <cs:lnRef idx="0"/>
+    <cs:fillRef idx="0"/>
+    <cs:effectRef idx="0"/>
+    <cs:fontRef idx="minor">
+      <a:schemeClr val="tx1"/>
+    </cs:fontRef>
+    <cs:spPr>
+      <a:ln w="9525" cap="flat" cmpd="sng" algn="ctr">
+        <a:solidFill>
+          <a:schemeClr val="tx1">
+            <a:lumMod val="35000"/>
+            <a:lumOff val="65000"/>
+          </a:schemeClr>
+        </a:solidFill>
+        <a:round/>
+      </a:ln>
+    </cs:spPr>
+  </cs:dropLine>
+  <cs:errorBar>
+    <cs:lnRef idx="0"/>
+    <cs:fillRef idx="0"/>
+    <cs:effectRef idx="0"/>
+    <cs:fontRef idx="minor">
+      <a:schemeClr val="tx1"/>
+    </cs:fontRef>
+    <cs:spPr>
+      <a:ln w="9525" cap="flat" cmpd="sng" algn="ctr">
+        <a:solidFill>
+          <a:schemeClr val="tx1">
+            <a:lumMod val="65000"/>
+            <a:lumOff val="35000"/>
+          </a:schemeClr>
+        </a:solidFill>
+        <a:round/>
+      </a:ln>
+    </cs:spPr>
+  </cs:errorBar>
+  <cs:floor>
+    <cs:lnRef idx="0"/>
+    <cs:fillRef idx="0"/>
+    <cs:effectRef idx="0"/>
+    <cs:fontRef idx="minor">
+      <a:schemeClr val="tx1"/>
+    </cs:fontRef>
+    <cs:spPr>
+      <a:noFill/>
+      <a:ln>
+        <a:noFill/>
+      </a:ln>
+    </cs:spPr>
+  </cs:floor>
+  <cs:gridlineMajor>
+    <cs:lnRef idx="0"/>
+    <cs:fillRef idx="0"/>
+    <cs:effectRef idx="0"/>
+    <cs:fontRef idx="minor">
+      <a:schemeClr val="tx1"/>
+    </cs:fontRef>
+    <cs:spPr>
+      <a:ln w="9525" cap="flat" cmpd="sng" algn="ctr">
+        <a:solidFill>
+          <a:schemeClr val="tx1">
+            <a:lumMod val="15000"/>
+            <a:lumOff val="85000"/>
+          </a:schemeClr>
+        </a:solidFill>
+        <a:round/>
+      </a:ln>
+    </cs:spPr>
+  </cs:gridlineMajor>
+  <cs:gridlineMinor>
+    <cs:lnRef idx="0"/>
+    <cs:fillRef idx="0"/>
+    <cs:effectRef idx="0"/>
+    <cs:fontRef idx="minor">
+      <a:schemeClr val="tx1"/>
+    </cs:fontRef>
+    <cs:spPr>
+      <a:ln w="9525" cap="flat" cmpd="sng" algn="ctr">
+        <a:solidFill>
+          <a:schemeClr val="tx1">
+            <a:lumMod val="5000"/>
+            <a:lumOff val="95000"/>
+          </a:schemeClr>
+        </a:solidFill>
+        <a:round/>
+      </a:ln>
+    </cs:spPr>
+  </cs:gridlineMinor>
+  <cs:hiLoLine>
+    <cs:lnRef idx="0"/>
+    <cs:fillRef idx="0"/>
+    <cs:effectRef idx="0"/>
+    <cs:fontRef idx="minor">
+      <a:schemeClr val="tx1"/>
+    </cs:fontRef>
+    <cs:spPr>
+      <a:ln w="9525" cap="flat" cmpd="sng" algn="ctr">
+        <a:solidFill>
+          <a:schemeClr val="tx1">
+            <a:lumMod val="50000"/>
+            <a:lumOff val="50000"/>
+          </a:schemeClr>
+        </a:solidFill>
+        <a:round/>
+      </a:ln>
+    </cs:spPr>
+  </cs:hiLoLine>
+  <cs:leaderLine>
+    <cs:lnRef idx="0"/>
+    <cs:fillRef idx="0"/>
+    <cs:effectRef idx="0"/>
+    <cs:fontRef idx="minor">
+      <a:schemeClr val="tx1"/>
+    </cs:fontRef>
+    <cs:spPr>
+      <a:ln w="9525" cap="flat" cmpd="sng" algn="ctr">
+        <a:solidFill>
+          <a:schemeClr val="tx1">
+            <a:lumMod val="35000"/>
+            <a:lumOff val="65000"/>
+          </a:schemeClr>
+        </a:solidFill>
+        <a:round/>
+      </a:ln>
+    </cs:spPr>
+  </cs:leaderLine>
+  <cs:legend>
+    <cs:lnRef idx="0"/>
+    <cs:fillRef idx="0"/>
+    <cs:effectRef idx="0"/>
+    <cs:fontRef idx="minor">
+      <a:schemeClr val="tx1">
+        <a:lumMod val="65000"/>
+        <a:lumOff val="35000"/>
+      </a:schemeClr>
+    </cs:fontRef>
+    <cs:defRPr sz="900" kern="1200"/>
+  </cs:legend>
+  <cs:plotArea mods="allowNoFillOverride allowNoLineOverride">
+    <cs:lnRef idx="0"/>
+    <cs:fillRef idx="0"/>
+    <cs:effectRef idx="0"/>
+    <cs:fontRef idx="minor">
+      <a:schemeClr val="tx1"/>
+    </cs:fontRef>
+  </cs:plotArea>
+  <cs:plotArea3D mods="allowNoFillOverride allowNoLineOverride">
+    <cs:lnRef idx="0"/>
+    <cs:fillRef idx="0"/>
+    <cs:effectRef idx="0"/>
+    <cs:fontRef idx="minor">
+      <a:schemeClr val="tx1"/>
+    </cs:fontRef>
+  </cs:plotArea3D>
+  <cs:seriesAxis>
+    <cs:lnRef idx="0"/>
+    <cs:fillRef idx="0"/>
+    <cs:effectRef idx="0"/>
+    <cs:fontRef idx="minor">
+      <a:schemeClr val="tx1">
+        <a:lumMod val="65000"/>
+        <a:lumOff val="35000"/>
+      </a:schemeClr>
+    </cs:fontRef>
+    <cs:defRPr sz="900" kern="1200"/>
+  </cs:seriesAxis>
+  <cs:seriesLine>
+    <cs:lnRef idx="0"/>
+    <cs:fillRef idx="0"/>
+    <cs:effectRef idx="0"/>
+    <cs:fontRef idx="minor">
+      <a:schemeClr val="tx1"/>
+    </cs:fontRef>
+    <cs:spPr>
+      <a:ln w="9525" cap="flat" cmpd="sng" algn="ctr">
+        <a:solidFill>
+          <a:schemeClr val="tx1">
+            <a:lumMod val="35000"/>
+            <a:lumOff val="65000"/>
+          </a:schemeClr>
+        </a:solidFill>
+        <a:round/>
+      </a:ln>
+    </cs:spPr>
+  </cs:seriesLine>
+  <cs:title>
+    <cs:lnRef idx="0"/>
+    <cs:fillRef idx="0"/>
+    <cs:effectRef idx="0"/>
+    <cs:fontRef idx="minor">
+      <a:schemeClr val="tx1">
+        <a:lumMod val="65000"/>
+        <a:lumOff val="35000"/>
+      </a:schemeClr>
+    </cs:fontRef>
+    <cs:defRPr sz="1400" b="0" kern="1200" spc="0" baseline="0"/>
+  </cs:title>
+  <cs:trendline>
+    <cs:lnRef idx="0">
+      <cs:styleClr val="auto"/>
+    </cs:lnRef>
+    <cs:fillRef idx="0"/>
+    <cs:effectRef idx="0"/>
+    <cs:fontRef idx="minor">
+      <a:schemeClr val="tx1"/>
+    </cs:fontRef>
+    <cs:spPr>
+      <a:ln w="19050" cap="rnd">
+        <a:solidFill>
+          <a:schemeClr val="phClr"/>
+        </a:solidFill>
+        <a:prstDash val="sysDot"/>
+      </a:ln>
+    </cs:spPr>
+  </cs:trendline>
+  <cs:trendlineLabel>
+    <cs:lnRef idx="0"/>
+    <cs:fillRef idx="0"/>
+    <cs:effectRef idx="0"/>
+    <cs:fontRef idx="minor">
+      <a:schemeClr val="tx1">
+        <a:lumMod val="65000"/>
+        <a:lumOff val="35000"/>
+      </a:schemeClr>
+    </cs:fontRef>
+    <cs:defRPr sz="900" kern="1200"/>
+  </cs:trendlineLabel>
+  <cs:upBar>
+    <cs:lnRef idx="0"/>
+    <cs:fillRef idx="0"/>
+    <cs:effectRef idx="0"/>
+    <cs:fontRef idx="minor">
+      <a:schemeClr val="tx1"/>
+    </cs:fontRef>
+    <cs:spPr>
+      <a:solidFill>
+        <a:schemeClr val="lt1"/>
+      </a:solidFill>
+      <a:ln w="9525" cap="flat" cmpd="sng" algn="ctr">
+        <a:solidFill>
+          <a:schemeClr val="tx1">
+            <a:lumMod val="65000"/>
+            <a:lumOff val="35000"/>
+          </a:schemeClr>
+        </a:solidFill>
+        <a:round/>
+      </a:ln>
+    </cs:spPr>
+  </cs:upBar>
+  <cs:valueAxis>
+    <cs:lnRef idx="0"/>
+    <cs:fillRef idx="0"/>
+    <cs:effectRef idx="0"/>
+    <cs:fontRef idx="minor">
+      <a:schemeClr val="tx1">
+        <a:lumMod val="65000"/>
+        <a:lumOff val="35000"/>
+      </a:schemeClr>
+    </cs:fontRef>
+    <cs:spPr>
+      <a:ln w="9525" cap="flat" cmpd="sng" algn="ctr">
+        <a:solidFill>
+          <a:schemeClr val="tx1">
+            <a:lumMod val="25000"/>
+            <a:lumOff val="75000"/>
+          </a:schemeClr>
+        </a:solidFill>
+        <a:round/>
+      </a:ln>
+    </cs:spPr>
+    <cs:defRPr sz="900" kern="1200"/>
+  </cs:valueAxis>
+  <cs:wall>
+    <cs:lnRef idx="0"/>
+    <cs:fillRef idx="0"/>
+    <cs:effectRef idx="0"/>
+    <cs:fontRef idx="minor">
+      <a:schemeClr val="tx1"/>
+    </cs:fontRef>
+    <cs:spPr>
+      <a:noFill/>
+      <a:ln>
+        <a:noFill/>
+      </a:ln>
+    </cs:spPr>
+  </cs:wall>
+</cs:chartStyle>
+</file>
+
+<file path=ppt/notesMasters/notesMaster1.xml><?xml version="1.0" encoding="utf-8"?>
+<p:notesMaster xmlns:a="http://schemas.openxmlformats.org/drawingml/2006/main" xmlns:r="http://schemas.openxmlformats.org/officeDocument/2006/relationships" xmlns:p="http://schemas.openxmlformats.org/presentationml/2006/main">
+  <p:cSld>
+    <p:bg>
+      <p:bgRef idx="1001">
+        <a:schemeClr val="bg1"/>
+      </p:bgRef>
+    </p:bg>
+    <p:spTree>
+      <p:nvGrpSpPr>
+        <p:cNvPr id="1" name=""/>
+        <p:cNvGrpSpPr/>
+        <p:nvPr/>
+      </p:nvGrpSpPr>
+      <p:grpSpPr>
+        <a:xfrm>
+          <a:off x="0" y="0"/>
+          <a:ext cx="0" cy="0"/>
+          <a:chOff x="0" y="0"/>
+          <a:chExt cx="0" cy="0"/>
+        </a:xfrm>
+      </p:grpSpPr>
+      <p:sp>
+        <p:nvSpPr>
+          <p:cNvPr id="2" name="Header Placeholder 1"/>
+          <p:cNvSpPr>
+            <a:spLocks noGrp="1"/>
+          </p:cNvSpPr>
+          <p:nvPr>
+            <p:ph type="hdr" sz="quarter"/>
+          </p:nvPr>
+        </p:nvSpPr>
+        <p:spPr>
+          <a:xfrm>
+            <a:off x="0" y="0"/>
+            <a:ext cx="2971800" cy="458788"/>
+          </a:xfrm>
+          <a:prstGeom prst="rect">
+            <a:avLst/>
+          </a:prstGeom>
+        </p:spPr>
+        <p:txBody>
+          <a:bodyPr vert="horz" lIns="91440" tIns="45720" rIns="91440" bIns="45720" rtlCol="0"/>
+          <a:lstStyle>
+            <a:lvl1pPr algn="l">
+              <a:defRPr sz="1200"/>
+            </a:lvl1pPr>
+          </a:lstStyle>
+          <a:p>
+            <a:endParaRPr lang="en-US"/>
+          </a:p>
+        </p:txBody>
+      </p:sp>
+      <p:sp>
+        <p:nvSpPr>
+          <p:cNvPr id="3" name="Date Placeholder 2"/>
+          <p:cNvSpPr>
+            <a:spLocks noGrp="1"/>
+          </p:cNvSpPr>
+          <p:nvPr>
+            <p:ph type="dt" idx="1"/>
+          </p:nvPr>
+        </p:nvSpPr>
+        <p:spPr>
+          <a:xfrm>
+            <a:off x="3884613" y="0"/>
+            <a:ext cx="2971800" cy="458788"/>
+          </a:xfrm>
+          <a:prstGeom prst="rect">
+            <a:avLst/>
+          </a:prstGeom>
+        </p:spPr>
+        <p:txBody>
+          <a:bodyPr vert="horz" lIns="91440" tIns="45720" rIns="91440" bIns="45720" rtlCol="0"/>
+          <a:lstStyle>
+            <a:lvl1pPr algn="r">
+              <a:defRPr sz="1200"/>
+            </a:lvl1pPr>
+          </a:lstStyle>
+          <a:p>
+            <a:fld id="{D7E1DC2D-C815-4870-AD0B-AD5AC69CE22B}" type="datetimeFigureOut">
+              <a:rPr lang="en-US" smtClean="0"/>
+              <a:t>12/6/2018</a:t>
+            </a:fld>
+            <a:endParaRPr lang="en-US"/>
+          </a:p>
+        </p:txBody>
+      </p:sp>
+      <p:sp>
+        <p:nvSpPr>
+          <p:cNvPr id="4" name="Slide Image Placeholder 3"/>
+          <p:cNvSpPr>
+            <a:spLocks noGrp="1" noRot="1" noChangeAspect="1"/>
+          </p:cNvSpPr>
+          <p:nvPr>
+            <p:ph type="sldImg" idx="2"/>
+          </p:nvPr>
+        </p:nvSpPr>
+        <p:spPr>
+          <a:xfrm>
+            <a:off x="685800" y="1143000"/>
+            <a:ext cx="5486400" cy="3086100"/>
+          </a:xfrm>
+          <a:prstGeom prst="rect">
+            <a:avLst/>
+          </a:prstGeom>
+          <a:noFill/>
+          <a:ln w="12700">
+            <a:solidFill>
+              <a:prstClr val="black"/>
+            </a:solidFill>
+          </a:ln>
+        </p:spPr>
+        <p:txBody>
+          <a:bodyPr vert="horz" lIns="91440" tIns="45720" rIns="91440" bIns="45720" rtlCol="0" anchor="ctr"/>
+          <a:lstStyle/>
+          <a:p>
+            <a:endParaRPr lang="en-US"/>
+          </a:p>
+        </p:txBody>
+      </p:sp>
+      <p:sp>
+        <p:nvSpPr>
+          <p:cNvPr id="5" name="Notes Placeholder 4"/>
+          <p:cNvSpPr>
+            <a:spLocks noGrp="1"/>
+          </p:cNvSpPr>
+          <p:nvPr>
+            <p:ph type="body" sz="quarter" idx="3"/>
+          </p:nvPr>
+        </p:nvSpPr>
+        <p:spPr>
+          <a:xfrm>
+            <a:off x="685800" y="4400550"/>
+            <a:ext cx="5486400" cy="3600450"/>
+          </a:xfrm>
+          <a:prstGeom prst="rect">
+            <a:avLst/>
+          </a:prstGeom>
+        </p:spPr>
+        <p:txBody>
+          <a:bodyPr vert="horz" lIns="91440" tIns="45720" rIns="91440" bIns="45720" rtlCol="0"/>
+          <a:lstStyle/>
+          <a:p>
+            <a:pPr lvl="0"/>
+            <a:r>
+              <a:rPr lang="en-US"/>
+              <a:t>Edit Master text styles</a:t>
+            </a:r>
+          </a:p>
+          <a:p>
+            <a:pPr lvl="1"/>
+            <a:r>
+              <a:rPr lang="en-US"/>
+              <a:t>Second level</a:t>
+            </a:r>
+          </a:p>
+          <a:p>
+            <a:pPr lvl="2"/>
+            <a:r>
+              <a:rPr lang="en-US"/>
+              <a:t>Third level</a:t>
+            </a:r>
+          </a:p>
+          <a:p>
+            <a:pPr lvl="3"/>
+            <a:r>
+              <a:rPr lang="en-US"/>
+              <a:t>Fourth level</a:t>
+            </a:r>
+          </a:p>
+          <a:p>
+            <a:pPr lvl="4"/>
+            <a:r>
+              <a:rPr lang="en-US"/>
+              <a:t>Fifth level</a:t>
+            </a:r>
+          </a:p>
+        </p:txBody>
+      </p:sp>
+      <p:sp>
+        <p:nvSpPr>
+          <p:cNvPr id="6" name="Footer Placeholder 5"/>
+          <p:cNvSpPr>
+            <a:spLocks noGrp="1"/>
+          </p:cNvSpPr>
+          <p:nvPr>
+            <p:ph type="ftr" sz="quarter" idx="4"/>
+          </p:nvPr>
+        </p:nvSpPr>
+        <p:spPr>
+          <a:xfrm>
+            <a:off x="0" y="8685213"/>
+            <a:ext cx="2971800" cy="458787"/>
+          </a:xfrm>
+          <a:prstGeom prst="rect">
+            <a:avLst/>
+          </a:prstGeom>
+        </p:spPr>
+        <p:txBody>
+          <a:bodyPr vert="horz" lIns="91440" tIns="45720" rIns="91440" bIns="45720" rtlCol="0" anchor="b"/>
+          <a:lstStyle>
+            <a:lvl1pPr algn="l">
+              <a:defRPr sz="1200"/>
+            </a:lvl1pPr>
+          </a:lstStyle>
+          <a:p>
+            <a:endParaRPr lang="en-US"/>
+          </a:p>
+        </p:txBody>
+      </p:sp>
+      <p:sp>
+        <p:nvSpPr>
+          <p:cNvPr id="7" name="Slide Number Placeholder 6"/>
+          <p:cNvSpPr>
+            <a:spLocks noGrp="1"/>
+          </p:cNvSpPr>
+          <p:nvPr>
+            <p:ph type="sldNum" sz="quarter" idx="5"/>
+          </p:nvPr>
+        </p:nvSpPr>
+        <p:spPr>
+          <a:xfrm>
+            <a:off x="3884613" y="8685213"/>
+            <a:ext cx="2971800" cy="458787"/>
+          </a:xfrm>
+          <a:prstGeom prst="rect">
+            <a:avLst/>
+          </a:prstGeom>
+        </p:spPr>
+        <p:txBody>
+          <a:bodyPr vert="horz" lIns="91440" tIns="45720" rIns="91440" bIns="45720" rtlCol="0" anchor="b"/>
+          <a:lstStyle>
+            <a:lvl1pPr algn="r">
+              <a:defRPr sz="1200"/>
+            </a:lvl1pPr>
+          </a:lstStyle>
+          <a:p>
+            <a:fld id="{7F154C50-1D49-4091-947F-19841DC68818}" type="slidenum">
+              <a:rPr lang="en-US" smtClean="0"/>
+              <a:t>‹#›</a:t>
+            </a:fld>
+            <a:endParaRPr lang="en-US"/>
+          </a:p>
+        </p:txBody>
+      </p:sp>
+    </p:spTree>
+    <p:extLst>
+      <p:ext uri="{BB962C8B-B14F-4D97-AF65-F5344CB8AC3E}">
+        <p14:creationId xmlns:p14="http://schemas.microsoft.com/office/powerpoint/2010/main" val="974006275"/>
+      </p:ext>
+    </p:extLst>
+  </p:cSld>
+  <p:clrMap bg1="lt1" tx1="dk1" bg2="lt2" tx2="dk2" accent1="accent1" accent2="accent2" accent3="accent3" accent4="accent4" accent5="accent5" accent6="accent6" hlink="hlink" folHlink="folHlink"/>
+  <p:notesStyle>
+    <a:lvl1pPr marL="0" algn="l" defTabSz="914400" rtl="0" eaLnBrk="1" latinLnBrk="0" hangingPunct="1">
+      <a:defRPr sz="1200" kern="1200">
+        <a:solidFill>
+          <a:schemeClr val="tx1"/>
+        </a:solidFill>
+        <a:latin typeface="+mn-lt"/>
+        <a:ea typeface="+mn-ea"/>
+        <a:cs typeface="+mn-cs"/>
+      </a:defRPr>
+    </a:lvl1pPr>
+    <a:lvl2pPr marL="457200" algn="l" defTabSz="914400" rtl="0" eaLnBrk="1" latinLnBrk="0" hangingPunct="1">
+      <a:defRPr sz="1200" kern="1200">
+        <a:solidFill>
+          <a:schemeClr val="tx1"/>
+        </a:solidFill>
+        <a:latin typeface="+mn-lt"/>
+        <a:ea typeface="+mn-ea"/>
+        <a:cs typeface="+mn-cs"/>
+      </a:defRPr>
+    </a:lvl2pPr>
+    <a:lvl3pPr marL="914400" algn="l" defTabSz="914400" rtl="0" eaLnBrk="1" latinLnBrk="0" hangingPunct="1">
+      <a:defRPr sz="1200" kern="1200">
+        <a:solidFill>
+          <a:schemeClr val="tx1"/>
+        </a:solidFill>
+        <a:latin typeface="+mn-lt"/>
+        <a:ea typeface="+mn-ea"/>
+        <a:cs typeface="+mn-cs"/>
+      </a:defRPr>
+    </a:lvl3pPr>
+    <a:lvl4pPr marL="1371600" algn="l" defTabSz="914400" rtl="0" eaLnBrk="1" latinLnBrk="0" hangingPunct="1">
+      <a:defRPr sz="1200" kern="1200">
+        <a:solidFill>
+          <a:schemeClr val="tx1"/>
+        </a:solidFill>
+        <a:latin typeface="+mn-lt"/>
+        <a:ea typeface="+mn-ea"/>
+        <a:cs typeface="+mn-cs"/>
+      </a:defRPr>
+    </a:lvl4pPr>
+    <a:lvl5pPr marL="1828800" algn="l" defTabSz="914400" rtl="0" eaLnBrk="1" latinLnBrk="0" hangingPunct="1">
+      <a:defRPr sz="1200" kern="1200">
+        <a:solidFill>
+          <a:schemeClr val="tx1"/>
+        </a:solidFill>
+        <a:latin typeface="+mn-lt"/>
+        <a:ea typeface="+mn-ea"/>
+        <a:cs typeface="+mn-cs"/>
+      </a:defRPr>
+    </a:lvl5pPr>
+    <a:lvl6pPr marL="2286000" algn="l" defTabSz="914400" rtl="0" eaLnBrk="1" latinLnBrk="0" hangingPunct="1">
+      <a:defRPr sz="1200" kern="1200">
+        <a:solidFill>
+          <a:schemeClr val="tx1"/>
+        </a:solidFill>
+        <a:latin typeface="+mn-lt"/>
+        <a:ea typeface="+mn-ea"/>
+        <a:cs typeface="+mn-cs"/>
+      </a:defRPr>
+    </a:lvl6pPr>
+    <a:lvl7pPr marL="2743200" algn="l" defTabSz="914400" rtl="0" eaLnBrk="1" latinLnBrk="0" hangingPunct="1">
+      <a:defRPr sz="1200" kern="1200">
+        <a:solidFill>
+          <a:schemeClr val="tx1"/>
+        </a:solidFill>
+        <a:latin typeface="+mn-lt"/>
+        <a:ea typeface="+mn-ea"/>
+        <a:cs typeface="+mn-cs"/>
+      </a:defRPr>
+    </a:lvl7pPr>
+    <a:lvl8pPr marL="3200400" algn="l" defTabSz="914400" rtl="0" eaLnBrk="1" latinLnBrk="0" hangingPunct="1">
+      <a:defRPr sz="1200" kern="1200">
+        <a:solidFill>
+          <a:schemeClr val="tx1"/>
+        </a:solidFill>
+        <a:latin typeface="+mn-lt"/>
+        <a:ea typeface="+mn-ea"/>
+        <a:cs typeface="+mn-cs"/>
+      </a:defRPr>
+    </a:lvl8pPr>
+    <a:lvl9pPr marL="3657600" algn="l" defTabSz="914400" rtl="0" eaLnBrk="1" latinLnBrk="0" hangingPunct="1">
+      <a:defRPr sz="1200" kern="1200">
+        <a:solidFill>
+          <a:schemeClr val="tx1"/>
+        </a:solidFill>
+        <a:latin typeface="+mn-lt"/>
+        <a:ea typeface="+mn-ea"/>
+        <a:cs typeface="+mn-cs"/>
+      </a:defRPr>
+    </a:lvl9pPr>
+  </p:notesStyle>
+</p:notesMaster>
+</file>
+
+<file path=ppt/notesSlides/notesSlide1.xml><?xml version="1.0" encoding="utf-8"?>
+<p:notes xmlns:a="http://schemas.openxmlformats.org/drawingml/2006/main" xmlns:r="http://schemas.openxmlformats.org/officeDocument/2006/relationships" xmlns:p="http://schemas.openxmlformats.org/presentationml/2006/main">
+  <p:cSld>
+    <p:spTree>
+      <p:nvGrpSpPr>
+        <p:cNvPr id="1" name=""/>
+        <p:cNvGrpSpPr/>
+        <p:nvPr/>
+      </p:nvGrpSpPr>
+      <p:grpSpPr>
+        <a:xfrm>
+          <a:off x="0" y="0"/>
+          <a:ext cx="0" cy="0"/>
+          <a:chOff x="0" y="0"/>
+          <a:chExt cx="0" cy="0"/>
+        </a:xfrm>
+      </p:grpSpPr>
+      <p:sp>
+        <p:nvSpPr>
+          <p:cNvPr id="2" name="Slide Image Placeholder 1"/>
+          <p:cNvSpPr>
+            <a:spLocks noGrp="1" noRot="1" noChangeAspect="1"/>
+          </p:cNvSpPr>
+          <p:nvPr>
+            <p:ph type="sldImg"/>
+          </p:nvPr>
+        </p:nvSpPr>
+        <p:spPr/>
+      </p:sp>
+      <p:sp>
+        <p:nvSpPr>
+          <p:cNvPr id="3" name="Notes Placeholder 2"/>
+          <p:cNvSpPr>
+            <a:spLocks noGrp="1"/>
+          </p:cNvSpPr>
+          <p:nvPr>
+            <p:ph type="body" idx="1"/>
+          </p:nvPr>
+        </p:nvSpPr>
+        <p:spPr/>
+        <p:txBody>
+          <a:bodyPr/>
+          <a:lstStyle/>
+          <a:p>
+            <a:r>
+              <a:rPr lang="en-US" dirty="0"/>
+              <a:t>dispersal of the insect leads to plant and insect presenting similar signatures of lack of genetic isolation by distance for nuclear genes on the continent over a distance of 1000 km</a:t>
+            </a:r>
+          </a:p>
+          <a:p>
+            <a:endParaRPr lang="en-US" dirty="0"/>
+          </a:p>
+        </p:txBody>
+      </p:sp>
+      <p:sp>
+        <p:nvSpPr>
+          <p:cNvPr id="4" name="Slide Number Placeholder 3"/>
+          <p:cNvSpPr>
+            <a:spLocks noGrp="1"/>
+          </p:cNvSpPr>
+          <p:nvPr>
+            <p:ph type="sldNum" sz="quarter" idx="5"/>
+          </p:nvPr>
+        </p:nvSpPr>
+        <p:spPr/>
+        <p:txBody>
+          <a:bodyPr/>
+          <a:lstStyle/>
+          <a:p>
+            <a:fld id="{7F154C50-1D49-4091-947F-19841DC68818}" type="slidenum">
+              <a:rPr lang="en-US" smtClean="0"/>
+              <a:t>3</a:t>
+            </a:fld>
+            <a:endParaRPr lang="en-US"/>
+          </a:p>
+        </p:txBody>
+      </p:sp>
+    </p:spTree>
+    <p:extLst>
+      <p:ext uri="{BB962C8B-B14F-4D97-AF65-F5344CB8AC3E}">
+        <p14:creationId xmlns:p14="http://schemas.microsoft.com/office/powerpoint/2010/main" val="2277163977"/>
+      </p:ext>
+    </p:extLst>
+  </p:cSld>
+  <p:clrMapOvr>
+    <a:masterClrMapping/>
+  </p:clrMapOvr>
+</p:notes>
+</file>
+
+<file path=ppt/notesSlides/notesSlide2.xml><?xml version="1.0" encoding="utf-8"?>
+<p:notes xmlns:a="http://schemas.openxmlformats.org/drawingml/2006/main" xmlns:r="http://schemas.openxmlformats.org/officeDocument/2006/relationships" xmlns:p="http://schemas.openxmlformats.org/presentationml/2006/main">
+  <p:cSld>
+    <p:spTree>
+      <p:nvGrpSpPr>
+        <p:cNvPr id="1" name=""/>
+        <p:cNvGrpSpPr/>
+        <p:nvPr/>
+      </p:nvGrpSpPr>
+      <p:grpSpPr>
+        <a:xfrm>
+          <a:off x="0" y="0"/>
+          <a:ext cx="0" cy="0"/>
+          <a:chOff x="0" y="0"/>
+          <a:chExt cx="0" cy="0"/>
+        </a:xfrm>
+      </p:grpSpPr>
+      <p:sp>
+        <p:nvSpPr>
+          <p:cNvPr id="2" name="Slide Image Placeholder 1"/>
+          <p:cNvSpPr>
+            <a:spLocks noGrp="1" noRot="1" noChangeAspect="1"/>
+          </p:cNvSpPr>
+          <p:nvPr>
+            <p:ph type="sldImg"/>
+          </p:nvPr>
+        </p:nvSpPr>
+        <p:spPr/>
+      </p:sp>
+      <p:sp>
+        <p:nvSpPr>
+          <p:cNvPr id="3" name="Notes Placeholder 2"/>
+          <p:cNvSpPr>
+            <a:spLocks noGrp="1"/>
+          </p:cNvSpPr>
+          <p:nvPr>
+            <p:ph type="body" idx="1"/>
+          </p:nvPr>
+        </p:nvSpPr>
+        <p:spPr/>
+        <p:txBody>
+          <a:bodyPr/>
+          <a:lstStyle/>
+          <a:p>
+            <a:r>
+              <a:rPr lang="en-US" dirty="0"/>
+              <a:t>Add table 2 notes</a:t>
+            </a:r>
+          </a:p>
+        </p:txBody>
+      </p:sp>
+      <p:sp>
+        <p:nvSpPr>
+          <p:cNvPr id="4" name="Slide Number Placeholder 3"/>
+          <p:cNvSpPr>
+            <a:spLocks noGrp="1"/>
+          </p:cNvSpPr>
+          <p:nvPr>
+            <p:ph type="sldNum" sz="quarter" idx="5"/>
+          </p:nvPr>
+        </p:nvSpPr>
+        <p:spPr/>
+        <p:txBody>
+          <a:bodyPr/>
+          <a:lstStyle/>
+          <a:p>
+            <a:fld id="{7F154C50-1D49-4091-947F-19841DC68818}" type="slidenum">
+              <a:rPr lang="en-US" smtClean="0"/>
+              <a:t>25</a:t>
+            </a:fld>
+            <a:endParaRPr lang="en-US"/>
+          </a:p>
+        </p:txBody>
+      </p:sp>
+    </p:spTree>
+    <p:extLst>
+      <p:ext uri="{BB962C8B-B14F-4D97-AF65-F5344CB8AC3E}">
+        <p14:creationId xmlns:p14="http://schemas.microsoft.com/office/powerpoint/2010/main" val="1052817362"/>
+      </p:ext>
+    </p:extLst>
+  </p:cSld>
+  <p:clrMapOvr>
+    <a:masterClrMapping/>
+  </p:clrMapOvr>
+</p:notes>
+</file>
+
+<file path=ppt/notesSlides/notesSlide3.xml><?xml version="1.0" encoding="utf-8"?>
+<p:notes xmlns:a="http://schemas.openxmlformats.org/drawingml/2006/main" xmlns:r="http://schemas.openxmlformats.org/officeDocument/2006/relationships" xmlns:p="http://schemas.openxmlformats.org/presentationml/2006/main">
+  <p:cSld>
+    <p:spTree>
+      <p:nvGrpSpPr>
+        <p:cNvPr id="1" name=""/>
+        <p:cNvGrpSpPr/>
+        <p:nvPr/>
+      </p:nvGrpSpPr>
+      <p:grpSpPr>
+        <a:xfrm>
+          <a:off x="0" y="0"/>
+          <a:ext cx="0" cy="0"/>
+          <a:chOff x="0" y="0"/>
+          <a:chExt cx="0" cy="0"/>
+        </a:xfrm>
+      </p:grpSpPr>
+      <p:sp>
+        <p:nvSpPr>
+          <p:cNvPr id="2" name="Slide Image Placeholder 1"/>
+          <p:cNvSpPr>
+            <a:spLocks noGrp="1" noRot="1" noChangeAspect="1"/>
+          </p:cNvSpPr>
+          <p:nvPr>
+            <p:ph type="sldImg"/>
+          </p:nvPr>
+        </p:nvSpPr>
+        <p:spPr/>
+      </p:sp>
+      <p:sp>
+        <p:nvSpPr>
+          <p:cNvPr id="3" name="Notes Placeholder 2"/>
+          <p:cNvSpPr>
+            <a:spLocks noGrp="1"/>
+          </p:cNvSpPr>
+          <p:nvPr>
+            <p:ph type="body" idx="1"/>
+          </p:nvPr>
+        </p:nvSpPr>
+        <p:spPr/>
+        <p:txBody>
+          <a:bodyPr/>
+          <a:lstStyle/>
+          <a:p>
+            <a:r>
+              <a:rPr lang="en-US" dirty="0"/>
+              <a:t>note to self that Ashley misnamed the fig 2 file as fig 3</a:t>
+            </a:r>
+          </a:p>
+        </p:txBody>
+      </p:sp>
+      <p:sp>
+        <p:nvSpPr>
+          <p:cNvPr id="4" name="Slide Number Placeholder 3"/>
+          <p:cNvSpPr>
+            <a:spLocks noGrp="1"/>
+          </p:cNvSpPr>
+          <p:nvPr>
+            <p:ph type="sldNum" sz="quarter" idx="5"/>
+          </p:nvPr>
+        </p:nvSpPr>
+        <p:spPr/>
+        <p:txBody>
+          <a:bodyPr/>
+          <a:lstStyle/>
+          <a:p>
+            <a:fld id="{7F154C50-1D49-4091-947F-19841DC68818}" type="slidenum">
+              <a:rPr lang="en-US" smtClean="0"/>
+              <a:t>31</a:t>
+            </a:fld>
+            <a:endParaRPr lang="en-US"/>
+          </a:p>
+        </p:txBody>
+      </p:sp>
+    </p:spTree>
+    <p:extLst>
+      <p:ext uri="{BB962C8B-B14F-4D97-AF65-F5344CB8AC3E}">
+        <p14:creationId xmlns:p14="http://schemas.microsoft.com/office/powerpoint/2010/main" val="283885657"/>
+      </p:ext>
+    </p:extLst>
+  </p:cSld>
+  <p:clrMapOvr>
+    <a:masterClrMapping/>
+  </p:clrMapOvr>
+</p:notes>
 </file>
 
 <file path=ppt/slideLayouts/slideLayout1.xml><?xml version="1.0" encoding="utf-8"?>
@@ -2615,7 +5379,7 @@
           <a:p>
             <a:fld id="{B688772E-FB9E-4424-915A-EFECB76FA9CF}" type="datetimeFigureOut">
               <a:rPr lang="en-US" smtClean="0"/>
-              <a:t>12/5/2018</a:t>
+              <a:t>12/6/2018</a:t>
             </a:fld>
             <a:endParaRPr lang="en-US"/>
           </a:p>
@@ -2783,7 +5547,7 @@
           <a:p>
             <a:fld id="{B688772E-FB9E-4424-915A-EFECB76FA9CF}" type="datetimeFigureOut">
               <a:rPr lang="en-US" smtClean="0"/>
-              <a:t>12/5/2018</a:t>
+              <a:t>12/6/2018</a:t>
             </a:fld>
             <a:endParaRPr lang="en-US"/>
           </a:p>
@@ -2961,7 +5725,7 @@
           <a:p>
             <a:fld id="{B688772E-FB9E-4424-915A-EFECB76FA9CF}" type="datetimeFigureOut">
               <a:rPr lang="en-US" smtClean="0"/>
-              <a:t>12/5/2018</a:t>
+              <a:t>12/6/2018</a:t>
             </a:fld>
             <a:endParaRPr lang="en-US"/>
           </a:p>
@@ -3169,7 +5933,7 @@
           <a:p>
             <a:fld id="{B688772E-FB9E-4424-915A-EFECB76FA9CF}" type="datetimeFigureOut">
               <a:rPr lang="en-US" smtClean="0"/>
-              <a:t>12/5/2018</a:t>
+              <a:t>12/6/2018</a:t>
             </a:fld>
             <a:endParaRPr lang="en-US"/>
           </a:p>
@@ -3367,7 +6131,7 @@
           <a:p>
             <a:fld id="{B688772E-FB9E-4424-915A-EFECB76FA9CF}" type="datetimeFigureOut">
               <a:rPr lang="en-US" smtClean="0"/>
-              <a:t>12/5/2018</a:t>
+              <a:t>12/6/2018</a:t>
             </a:fld>
             <a:endParaRPr lang="en-US"/>
           </a:p>
@@ -3642,7 +6406,7 @@
           <a:p>
             <a:fld id="{B688772E-FB9E-4424-915A-EFECB76FA9CF}" type="datetimeFigureOut">
               <a:rPr lang="en-US" smtClean="0"/>
-              <a:t>12/5/2018</a:t>
+              <a:t>12/6/2018</a:t>
             </a:fld>
             <a:endParaRPr lang="en-US"/>
           </a:p>
@@ -3907,7 +6671,7 @@
           <a:p>
             <a:fld id="{B688772E-FB9E-4424-915A-EFECB76FA9CF}" type="datetimeFigureOut">
               <a:rPr lang="en-US" smtClean="0"/>
-              <a:t>12/5/2018</a:t>
+              <a:t>12/6/2018</a:t>
             </a:fld>
             <a:endParaRPr lang="en-US"/>
           </a:p>
@@ -4319,7 +7083,7 @@
           <a:p>
             <a:fld id="{B688772E-FB9E-4424-915A-EFECB76FA9CF}" type="datetimeFigureOut">
               <a:rPr lang="en-US" smtClean="0"/>
-              <a:t>12/5/2018</a:t>
+              <a:t>12/6/2018</a:t>
             </a:fld>
             <a:endParaRPr lang="en-US"/>
           </a:p>
@@ -4460,7 +7224,7 @@
           <a:p>
             <a:fld id="{B688772E-FB9E-4424-915A-EFECB76FA9CF}" type="datetimeFigureOut">
               <a:rPr lang="en-US" smtClean="0"/>
-              <a:t>12/5/2018</a:t>
+              <a:t>12/6/2018</a:t>
             </a:fld>
             <a:endParaRPr lang="en-US"/>
           </a:p>
@@ -4573,7 +7337,7 @@
           <a:p>
             <a:fld id="{B688772E-FB9E-4424-915A-EFECB76FA9CF}" type="datetimeFigureOut">
               <a:rPr lang="en-US" smtClean="0"/>
-              <a:t>12/5/2018</a:t>
+              <a:t>12/6/2018</a:t>
             </a:fld>
             <a:endParaRPr lang="en-US"/>
           </a:p>
@@ -4884,7 +7648,7 @@
           <a:p>
             <a:fld id="{B688772E-FB9E-4424-915A-EFECB76FA9CF}" type="datetimeFigureOut">
               <a:rPr lang="en-US" smtClean="0"/>
-              <a:t>12/5/2018</a:t>
+              <a:t>12/6/2018</a:t>
             </a:fld>
             <a:endParaRPr lang="en-US"/>
           </a:p>
@@ -5064,7 +7828,7 @@
           <a:p>
             <a:fld id="{B688772E-FB9E-4424-915A-EFECB76FA9CF}" type="datetimeFigureOut">
               <a:rPr lang="en-US" smtClean="0"/>
-              <a:t>12/5/2018</a:t>
+              <a:t>12/6/2018</a:t>
             </a:fld>
             <a:endParaRPr lang="en-US"/>
           </a:p>
@@ -5340,7 +8104,7 @@
           <a:p>
             <a:fld id="{B688772E-FB9E-4424-915A-EFECB76FA9CF}" type="datetimeFigureOut">
               <a:rPr lang="en-US" smtClean="0"/>
-              <a:t>12/5/2018</a:t>
+              <a:t>12/6/2018</a:t>
             </a:fld>
             <a:endParaRPr lang="en-US"/>
           </a:p>
@@ -5538,7 +8302,7 @@
           <a:p>
             <a:fld id="{B688772E-FB9E-4424-915A-EFECB76FA9CF}" type="datetimeFigureOut">
               <a:rPr lang="en-US" smtClean="0"/>
-              <a:t>12/5/2018</a:t>
+              <a:t>12/6/2018</a:t>
             </a:fld>
             <a:endParaRPr lang="en-US"/>
           </a:p>
@@ -5746,7 +8510,7 @@
           <a:p>
             <a:fld id="{B688772E-FB9E-4424-915A-EFECB76FA9CF}" type="datetimeFigureOut">
               <a:rPr lang="en-US" smtClean="0"/>
-              <a:t>12/5/2018</a:t>
+              <a:t>12/6/2018</a:t>
             </a:fld>
             <a:endParaRPr lang="en-US"/>
           </a:p>
@@ -6003,7 +8767,7 @@
           <a:p>
             <a:fld id="{B688772E-FB9E-4424-915A-EFECB76FA9CF}" type="datetimeFigureOut">
               <a:rPr lang="en-US" smtClean="0"/>
-              <a:t>12/5/2018</a:t>
+              <a:t>12/6/2018</a:t>
             </a:fld>
             <a:endParaRPr lang="en-US"/>
           </a:p>
@@ -6288,7 +9052,7 @@
           <a:p>
             <a:fld id="{B688772E-FB9E-4424-915A-EFECB76FA9CF}" type="datetimeFigureOut">
               <a:rPr lang="en-US" smtClean="0"/>
-              <a:t>12/5/2018</a:t>
+              <a:t>12/6/2018</a:t>
             </a:fld>
             <a:endParaRPr lang="en-US"/>
           </a:p>
@@ -6707,7 +9471,7 @@
           <a:p>
             <a:fld id="{B688772E-FB9E-4424-915A-EFECB76FA9CF}" type="datetimeFigureOut">
               <a:rPr lang="en-US" smtClean="0"/>
-              <a:t>12/5/2018</a:t>
+              <a:t>12/6/2018</a:t>
             </a:fld>
             <a:endParaRPr lang="en-US"/>
           </a:p>
@@ -6824,7 +9588,7 @@
           <a:p>
             <a:fld id="{B688772E-FB9E-4424-915A-EFECB76FA9CF}" type="datetimeFigureOut">
               <a:rPr lang="en-US" smtClean="0"/>
-              <a:t>12/5/2018</a:t>
+              <a:t>12/6/2018</a:t>
             </a:fld>
             <a:endParaRPr lang="en-US"/>
           </a:p>
@@ -6919,7 +9683,7 @@
           <a:p>
             <a:fld id="{B688772E-FB9E-4424-915A-EFECB76FA9CF}" type="datetimeFigureOut">
               <a:rPr lang="en-US" smtClean="0"/>
-              <a:t>12/5/2018</a:t>
+              <a:t>12/6/2018</a:t>
             </a:fld>
             <a:endParaRPr lang="en-US"/>
           </a:p>
@@ -7194,7 +9958,7 @@
           <a:p>
             <a:fld id="{B688772E-FB9E-4424-915A-EFECB76FA9CF}" type="datetimeFigureOut">
               <a:rPr lang="en-US" smtClean="0"/>
-              <a:t>12/5/2018</a:t>
+              <a:t>12/6/2018</a:t>
             </a:fld>
             <a:endParaRPr lang="en-US"/>
           </a:p>
@@ -7446,7 +10210,7 @@
           <a:p>
             <a:fld id="{B688772E-FB9E-4424-915A-EFECB76FA9CF}" type="datetimeFigureOut">
               <a:rPr lang="en-US" smtClean="0"/>
-              <a:t>12/5/2018</a:t>
+              <a:t>12/6/2018</a:t>
             </a:fld>
             <a:endParaRPr lang="en-US"/>
           </a:p>
@@ -7657,7 +10421,7 @@
           <a:p>
             <a:fld id="{B688772E-FB9E-4424-915A-EFECB76FA9CF}" type="datetimeFigureOut">
               <a:rPr lang="en-US" smtClean="0"/>
-              <a:t>12/5/2018</a:t>
+              <a:t>12/6/2018</a:t>
             </a:fld>
             <a:endParaRPr lang="en-US"/>
           </a:p>
@@ -8183,7 +10947,7 @@
           <a:p>
             <a:fld id="{B688772E-FB9E-4424-915A-EFECB76FA9CF}" type="datetimeFigureOut">
               <a:rPr lang="en-US" smtClean="0"/>
-              <a:t>12/5/2018</a:t>
+              <a:t>12/6/2018</a:t>
             </a:fld>
             <a:endParaRPr lang="en-US"/>
           </a:p>
@@ -9082,7 +11846,7 @@
               </a:spcAft>
             </a:pPr>
             <a:r>
-              <a:rPr lang="en-US" sz="4800" kern="1200">
+              <a:rPr lang="en-US" sz="4800" kern="1200" dirty="0">
                 <a:solidFill>
                   <a:srgbClr val="FFFFFF"/>
                 </a:solidFill>
@@ -9090,29 +11854,63 @@
                 <a:ea typeface="+mj-ea"/>
                 <a:cs typeface="+mj-cs"/>
               </a:rPr>
-              <a:t>Pairwise Fst and Nei Genetic Distances </a:t>
+              <a:t>Pairwise </a:t>
             </a:r>
-          </a:p>
-          <a:p>
-            <a:pPr lvl="0" algn="ctr">
-              <a:lnSpc>
-                <a:spcPct val="90000"/>
-              </a:lnSpc>
-              <a:spcBef>
-                <a:spcPct val="0"/>
-              </a:spcBef>
-              <a:spcAft>
-                <a:spcPts val="600"/>
-              </a:spcAft>
-            </a:pPr>
-            <a:endParaRPr lang="en-US" sz="4800" kern="1200" dirty="0">
-              <a:solidFill>
-                <a:srgbClr val="FFFFFF"/>
-              </a:solidFill>
-              <a:latin typeface="+mj-lt"/>
-              <a:ea typeface="+mj-ea"/>
-              <a:cs typeface="+mj-cs"/>
-            </a:endParaRPr>
+            <a:r>
+              <a:rPr lang="en-US" sz="4800" dirty="0" err="1">
+                <a:solidFill>
+                  <a:srgbClr val="FFFFFF"/>
+                </a:solidFill>
+                <a:latin typeface="+mj-lt"/>
+                <a:ea typeface="+mj-ea"/>
+                <a:cs typeface="+mj-cs"/>
+              </a:rPr>
+              <a:t>F</a:t>
+            </a:r>
+            <a:r>
+              <a:rPr lang="en-US" sz="4800" kern="1200" baseline="-25000" dirty="0" err="1">
+                <a:solidFill>
+                  <a:srgbClr val="FFFFFF"/>
+                </a:solidFill>
+                <a:latin typeface="+mj-lt"/>
+                <a:ea typeface="+mj-ea"/>
+                <a:cs typeface="+mj-cs"/>
+              </a:rPr>
+              <a:t>st</a:t>
+            </a:r>
+            <a:r>
+              <a:rPr lang="en-US" sz="4800" kern="1200" dirty="0">
+                <a:solidFill>
+                  <a:srgbClr val="FFFFFF"/>
+                </a:solidFill>
+                <a:latin typeface="+mj-lt"/>
+                <a:ea typeface="+mj-ea"/>
+                <a:cs typeface="+mj-cs"/>
+              </a:rPr>
+              <a:t> and </a:t>
+            </a:r>
+            <a:r>
+              <a:rPr lang="en-US" sz="4800" kern="1200" dirty="0" err="1">
+                <a:solidFill>
+                  <a:srgbClr val="FFFFFF"/>
+                </a:solidFill>
+                <a:latin typeface="+mj-lt"/>
+                <a:ea typeface="+mj-ea"/>
+                <a:cs typeface="+mj-cs"/>
+              </a:rPr>
+              <a:t>Nei</a:t>
+            </a:r>
+            <a:r>
+              <a:rPr lang="en-US" sz="4800" kern="1200" dirty="0">
+                <a:solidFill>
+                  <a:srgbClr val="FFFFFF"/>
+                </a:solidFill>
+                <a:latin typeface="+mj-lt"/>
+                <a:ea typeface="+mj-ea"/>
+                <a:cs typeface="+mj-cs"/>
+              </a:rPr>
+              <a:t> Genetic Distances </a:t>
+            </a:r>
           </a:p>
         </p:txBody>
       </p:sp>
@@ -9894,7 +12692,7 @@
               </a:spcAft>
             </a:pPr>
             <a:r>
-              <a:rPr lang="en-US" sz="4800" kern="1200">
+              <a:rPr lang="en-US" sz="4800" kern="1200" dirty="0" err="1">
                 <a:solidFill>
                   <a:srgbClr val="FFFFFF"/>
                 </a:solidFill>
@@ -9902,8 +12700,49 @@
                 <a:ea typeface="+mj-ea"/>
                 <a:cs typeface="+mj-cs"/>
               </a:rPr>
-              <a:t>PCoA from FstP</a:t>
+              <a:t>PCoA</a:t>
             </a:r>
+            <a:r>
+              <a:rPr lang="en-US" sz="4800" kern="1200" dirty="0">
+                <a:solidFill>
+                  <a:srgbClr val="FFFFFF"/>
+                </a:solidFill>
+                <a:latin typeface="+mj-lt"/>
+                <a:ea typeface="+mj-ea"/>
+                <a:cs typeface="+mj-cs"/>
+              </a:rPr>
+              <a:t> from F</a:t>
+            </a:r>
+            <a:r>
+              <a:rPr lang="en-US" sz="4800" baseline="-25000" dirty="0">
+                <a:solidFill>
+                  <a:srgbClr val="FFFFFF"/>
+                </a:solidFill>
+                <a:latin typeface="+mj-lt"/>
+                <a:ea typeface="+mj-ea"/>
+                <a:cs typeface="+mj-cs"/>
+              </a:rPr>
+              <a:t>ST</a:t>
+            </a:r>
+            <a:r>
+              <a:rPr lang="en-US" sz="4800" dirty="0">
+                <a:solidFill>
+                  <a:srgbClr val="FFFFFF"/>
+                </a:solidFill>
+                <a:latin typeface="+mj-lt"/>
+                <a:ea typeface="+mj-ea"/>
+                <a:cs typeface="+mj-cs"/>
+              </a:rPr>
+              <a:t>P</a:t>
+            </a:r>
+            <a:endParaRPr lang="en-US" sz="4800" kern="1200" baseline="-25000" dirty="0">
+              <a:solidFill>
+                <a:srgbClr val="FFFFFF"/>
+              </a:solidFill>
+              <a:latin typeface="+mj-lt"/>
+              <a:ea typeface="+mj-ea"/>
+              <a:cs typeface="+mj-cs"/>
+            </a:endParaRPr>
           </a:p>
         </p:txBody>
       </p:sp>
@@ -10009,654 +12848,6 @@
 </file>
 
 <file path=ppt/slides/slide14.xml><?xml version="1.0" encoding="utf-8"?>
-<p:sld xmlns:a="http://schemas.openxmlformats.org/drawingml/2006/main" xmlns:r="http://schemas.openxmlformats.org/officeDocument/2006/relationships" xmlns:p="http://schemas.openxmlformats.org/presentationml/2006/main">
-  <p:cSld>
-    <p:bg>
-      <p:bgPr>
-        <a:solidFill>
-          <a:schemeClr val="bg1"/>
-        </a:solidFill>
-        <a:effectLst/>
-      </p:bgPr>
-    </p:bg>
-    <p:spTree>
-      <p:nvGrpSpPr>
-        <p:cNvPr id="1" name=""/>
-        <p:cNvGrpSpPr/>
-        <p:nvPr/>
-      </p:nvGrpSpPr>
-      <p:grpSpPr>
-        <a:xfrm>
-          <a:off x="0" y="0"/>
-          <a:ext cx="0" cy="0"/>
-          <a:chOff x="0" y="0"/>
-          <a:chExt cx="0" cy="0"/>
-        </a:xfrm>
-      </p:grpSpPr>
-      <p:sp>
-        <p:nvSpPr>
-          <p:cNvPr id="16" name="Rectangle 15">
-            <a:extLst>
-              <a:ext uri="{FF2B5EF4-FFF2-40B4-BE49-F238E27FC236}">
-                <a16:creationId xmlns:a16="http://schemas.microsoft.com/office/drawing/2014/main" id="{AB45A142-4255-493C-8284-5D566C121B10}"/>
-              </a:ext>
-              <a:ext uri="{C183D7F6-B498-43B3-948B-1728B52AA6E4}">
-                <adec:decorative xmlns:adec="http://schemas.microsoft.com/office/drawing/2017/decorative" val="1"/>
-              </a:ext>
-            </a:extLst>
-          </p:cNvPr>
-          <p:cNvSpPr>
-            <a:spLocks noGrp="1" noRot="1" noChangeAspect="1" noMove="1" noResize="1" noEditPoints="1" noAdjustHandles="1" noChangeArrowheads="1" noChangeShapeType="1" noTextEdit="1"/>
-          </p:cNvSpPr>
-          <p:nvPr>
-            <p:extLst>
-              <p:ext uri="{386F3935-93C4-4BCD-93E2-E3B085C9AB24}">
-                <p16:designElem xmlns:p16="http://schemas.microsoft.com/office/powerpoint/2015/main" val="1"/>
-              </p:ext>
-            </p:extLst>
-          </p:nvPr>
-        </p:nvSpPr>
-        <p:spPr bwMode="ltGray">
-          <a:xfrm>
-            <a:off x="336884" y="321177"/>
-            <a:ext cx="4332307" cy="6179552"/>
-          </a:xfrm>
-          <a:prstGeom prst="rect">
-            <a:avLst/>
-          </a:prstGeom>
-          <a:solidFill>
-            <a:srgbClr val="404040">
-              <a:alpha val="89804"/>
-            </a:srgbClr>
-          </a:solidFill>
-          <a:ln w="127000" cap="sq" cmpd="thinThick">
-            <a:solidFill>
-              <a:srgbClr val="595959">
-                <a:alpha val="80000"/>
-              </a:srgbClr>
-            </a:solidFill>
-          </a:ln>
-        </p:spPr>
-        <p:style>
-          <a:lnRef idx="2">
-            <a:schemeClr val="accent1">
-              <a:shade val="50000"/>
-            </a:schemeClr>
-          </a:lnRef>
-          <a:fillRef idx="1">
-            <a:schemeClr val="accent1"/>
-          </a:fillRef>
-          <a:effectRef idx="0">
-            <a:schemeClr val="accent1"/>
-          </a:effectRef>
-          <a:fontRef idx="minor">
-            <a:schemeClr val="lt1"/>
-          </a:fontRef>
-        </p:style>
-        <p:txBody>
-          <a:bodyPr rtlCol="0" anchor="ctr"/>
-          <a:lstStyle/>
-          <a:p>
-            <a:pPr algn="ctr"/>
-            <a:endParaRPr lang="en-US"/>
-          </a:p>
-        </p:txBody>
-      </p:sp>
-      <p:sp>
-        <p:nvSpPr>
-          <p:cNvPr id="2" name="TextBox 1">
-            <a:extLst>
-              <a:ext uri="{FF2B5EF4-FFF2-40B4-BE49-F238E27FC236}">
-                <a16:creationId xmlns:a16="http://schemas.microsoft.com/office/drawing/2014/main" id="{08BF4E42-122E-4E19-A785-FD4DF907CA2C}"/>
-              </a:ext>
-            </a:extLst>
-          </p:cNvPr>
-          <p:cNvSpPr txBox="1"/>
-          <p:nvPr/>
-        </p:nvSpPr>
-        <p:spPr>
-          <a:xfrm>
-            <a:off x="674237" y="914402"/>
-            <a:ext cx="3657600" cy="2887579"/>
-          </a:xfrm>
-          <a:prstGeom prst="rect">
-            <a:avLst/>
-          </a:prstGeom>
-        </p:spPr>
-        <p:txBody>
-          <a:bodyPr vert="horz" lIns="91440" tIns="45720" rIns="91440" bIns="45720" rtlCol="0" anchor="b">
-            <a:normAutofit/>
-          </a:bodyPr>
-          <a:lstStyle/>
-          <a:p>
-            <a:pPr algn="ctr">
-              <a:lnSpc>
-                <a:spcPct val="90000"/>
-              </a:lnSpc>
-              <a:spcBef>
-                <a:spcPct val="0"/>
-              </a:spcBef>
-              <a:spcAft>
-                <a:spcPts val="600"/>
-              </a:spcAft>
-            </a:pPr>
-            <a:r>
-              <a:rPr lang="en-US" sz="4800" kern="1200" dirty="0">
-                <a:solidFill>
-                  <a:srgbClr val="FFFFFF"/>
-                </a:solidFill>
-                <a:latin typeface="+mj-lt"/>
-                <a:ea typeface="+mj-ea"/>
-                <a:cs typeface="+mj-cs"/>
-              </a:rPr>
-              <a:t>Calculating Haploid Distance</a:t>
-            </a:r>
-          </a:p>
-          <a:p>
-            <a:pPr marL="0" marR="0" lvl="0" indent="0" algn="ctr" fontAlgn="auto">
-              <a:lnSpc>
-                <a:spcPct val="90000"/>
-              </a:lnSpc>
-              <a:spcBef>
-                <a:spcPct val="0"/>
-              </a:spcBef>
-              <a:spcAft>
-                <a:spcPts val="600"/>
-              </a:spcAft>
-              <a:buClrTx/>
-              <a:buSzTx/>
-              <a:tabLst/>
-              <a:defRPr/>
-            </a:pPr>
-            <a:endParaRPr kumimoji="0" lang="en-US" sz="4800" b="0" i="0" u="none" strike="noStrike" kern="1200" cap="none" spc="0" normalizeH="0" baseline="0" noProof="0" dirty="0">
-              <a:ln>
-                <a:noFill/>
-              </a:ln>
-              <a:solidFill>
-                <a:srgbClr val="FFFFFF"/>
-              </a:solidFill>
-              <a:effectLst/>
-              <a:uLnTx/>
-              <a:uFillTx/>
-              <a:latin typeface="+mj-lt"/>
-              <a:ea typeface="+mj-ea"/>
-              <a:cs typeface="+mj-cs"/>
-            </a:endParaRPr>
-          </a:p>
-        </p:txBody>
-      </p:sp>
-      <p:cxnSp>
-        <p:nvCxnSpPr>
-          <p:cNvPr id="18" name="Straight Connector 17">
-            <a:extLst>
-              <a:ext uri="{FF2B5EF4-FFF2-40B4-BE49-F238E27FC236}">
-                <a16:creationId xmlns:a16="http://schemas.microsoft.com/office/drawing/2014/main" id="{38FB9660-F42F-4313-BBC4-47C007FE484C}"/>
-              </a:ext>
-              <a:ext uri="{C183D7F6-B498-43B3-948B-1728B52AA6E4}">
-                <adec:decorative xmlns:adec="http://schemas.microsoft.com/office/drawing/2017/decorative" val="1"/>
-              </a:ext>
-            </a:extLst>
-          </p:cNvPr>
-          <p:cNvCxnSpPr>
-            <a:cxnSpLocks noGrp="1" noRot="1" noChangeAspect="1" noMove="1" noResize="1" noEditPoints="1" noAdjustHandles="1" noChangeArrowheads="1" noChangeShapeType="1"/>
-          </p:cNvCxnSpPr>
-          <p:nvPr>
-            <p:extLst>
-              <p:ext uri="{386F3935-93C4-4BCD-93E2-E3B085C9AB24}">
-                <p16:designElem xmlns:p16="http://schemas.microsoft.com/office/powerpoint/2015/main" val="1"/>
-              </p:ext>
-            </p:extLst>
-          </p:nvPr>
-        </p:nvCxnSpPr>
-        <p:spPr>
-          <a:xfrm>
-            <a:off x="1191126" y="3910267"/>
-            <a:ext cx="2586790" cy="0"/>
-          </a:xfrm>
-          <a:prstGeom prst="line">
-            <a:avLst/>
-          </a:prstGeom>
-          <a:ln w="22225">
-            <a:solidFill>
-              <a:srgbClr val="D9D9D9"/>
-            </a:solidFill>
-          </a:ln>
-        </p:spPr>
-        <p:style>
-          <a:lnRef idx="1">
-            <a:schemeClr val="accent1"/>
-          </a:lnRef>
-          <a:fillRef idx="0">
-            <a:schemeClr val="accent1"/>
-          </a:fillRef>
-          <a:effectRef idx="0">
-            <a:schemeClr val="accent1"/>
-          </a:effectRef>
-          <a:fontRef idx="minor">
-            <a:schemeClr val="tx1"/>
-          </a:fontRef>
-        </p:style>
-      </p:cxnSp>
-      <p:pic>
-        <p:nvPicPr>
-          <p:cNvPr id="6" name="Picture 5" descr="Genetic Distance Options">
-            <a:extLst>
-              <a:ext uri="{FF2B5EF4-FFF2-40B4-BE49-F238E27FC236}">
-                <a16:creationId xmlns:a16="http://schemas.microsoft.com/office/drawing/2014/main" id="{FC92C202-DBA3-426A-9CB1-3924889A71BA}"/>
-              </a:ext>
-            </a:extLst>
-          </p:cNvPr>
-          <p:cNvPicPr/>
-          <p:nvPr/>
-        </p:nvPicPr>
-        <p:blipFill>
-          <a:blip r:embed="rId2">
-            <a:extLst>
-              <a:ext uri="{28A0092B-C50C-407E-A947-70E740481C1C}">
-                <a14:useLocalDpi xmlns:a14="http://schemas.microsoft.com/office/drawing/2010/main" val="0"/>
-              </a:ext>
-            </a:extLst>
-          </a:blip>
-          <a:stretch>
-            <a:fillRect/>
-          </a:stretch>
-        </p:blipFill>
-        <p:spPr>
-          <a:xfrm>
-            <a:off x="5907199" y="492573"/>
-            <a:ext cx="5046791" cy="5880796"/>
-          </a:xfrm>
-          <a:prstGeom prst="rect">
-            <a:avLst/>
-          </a:prstGeom>
-        </p:spPr>
-      </p:pic>
-    </p:spTree>
-    <p:extLst>
-      <p:ext uri="{BB962C8B-B14F-4D97-AF65-F5344CB8AC3E}">
-        <p14:creationId xmlns:p14="http://schemas.microsoft.com/office/powerpoint/2010/main" val="296656007"/>
-      </p:ext>
-    </p:extLst>
-  </p:cSld>
-  <p:clrMapOvr>
-    <a:masterClrMapping/>
-  </p:clrMapOvr>
-</p:sld>
-</file>
-
-<file path=ppt/slides/slide15.xml><?xml version="1.0" encoding="utf-8"?>
-<p:sld xmlns:a="http://schemas.openxmlformats.org/drawingml/2006/main" xmlns:r="http://schemas.openxmlformats.org/officeDocument/2006/relationships" xmlns:p="http://schemas.openxmlformats.org/presentationml/2006/main">
-  <p:cSld>
-    <p:bg>
-      <p:bgPr>
-        <a:solidFill>
-          <a:schemeClr val="bg1"/>
-        </a:solidFill>
-        <a:effectLst/>
-      </p:bgPr>
-    </p:bg>
-    <p:spTree>
-      <p:nvGrpSpPr>
-        <p:cNvPr id="1" name=""/>
-        <p:cNvGrpSpPr/>
-        <p:nvPr/>
-      </p:nvGrpSpPr>
-      <p:grpSpPr>
-        <a:xfrm>
-          <a:off x="0" y="0"/>
-          <a:ext cx="0" cy="0"/>
-          <a:chOff x="0" y="0"/>
-          <a:chExt cx="0" cy="0"/>
-        </a:xfrm>
-      </p:grpSpPr>
-      <p:sp>
-        <p:nvSpPr>
-          <p:cNvPr id="16" name="Rectangle 15">
-            <a:extLst>
-              <a:ext uri="{FF2B5EF4-FFF2-40B4-BE49-F238E27FC236}">
-                <a16:creationId xmlns:a16="http://schemas.microsoft.com/office/drawing/2014/main" id="{823AC064-BC96-4F32-8AE1-B2FD38754823}"/>
-              </a:ext>
-              <a:ext uri="{C183D7F6-B498-43B3-948B-1728B52AA6E4}">
-                <adec:decorative xmlns:adec="http://schemas.microsoft.com/office/drawing/2017/decorative" val="1"/>
-              </a:ext>
-            </a:extLst>
-          </p:cNvPr>
-          <p:cNvSpPr>
-            <a:spLocks noGrp="1" noRot="1" noChangeAspect="1" noMove="1" noResize="1" noEditPoints="1" noAdjustHandles="1" noChangeArrowheads="1" noChangeShapeType="1" noTextEdit="1"/>
-          </p:cNvSpPr>
-          <p:nvPr>
-            <p:extLst>
-              <p:ext uri="{386F3935-93C4-4BCD-93E2-E3B085C9AB24}">
-                <p16:designElem xmlns:p16="http://schemas.microsoft.com/office/powerpoint/2015/main" val="1"/>
-              </p:ext>
-            </p:extLst>
-          </p:nvPr>
-        </p:nvSpPr>
-        <p:spPr bwMode="ltGray">
-          <a:xfrm>
-            <a:off x="396883" y="280374"/>
-            <a:ext cx="11438793" cy="1844256"/>
-          </a:xfrm>
-          <a:prstGeom prst="rect">
-            <a:avLst/>
-          </a:prstGeom>
-          <a:solidFill>
-            <a:srgbClr val="404040"/>
-          </a:solidFill>
-          <a:ln w="127000" cap="sq" cmpd="thinThick">
-            <a:solidFill>
-              <a:srgbClr val="404040"/>
-            </a:solidFill>
-          </a:ln>
-        </p:spPr>
-        <p:style>
-          <a:lnRef idx="2">
-            <a:schemeClr val="accent1">
-              <a:shade val="50000"/>
-            </a:schemeClr>
-          </a:lnRef>
-          <a:fillRef idx="1">
-            <a:schemeClr val="accent1"/>
-          </a:fillRef>
-          <a:effectRef idx="0">
-            <a:schemeClr val="accent1"/>
-          </a:effectRef>
-          <a:fontRef idx="minor">
-            <a:schemeClr val="lt1"/>
-          </a:fontRef>
-        </p:style>
-        <p:txBody>
-          <a:bodyPr rtlCol="0" anchor="ctr"/>
-          <a:lstStyle/>
-          <a:p>
-            <a:pPr marL="0" marR="0" lvl="0" indent="0" algn="ctr" defTabSz="914400" rtl="0" eaLnBrk="1" fontAlgn="auto" latinLnBrk="0" hangingPunct="1">
-              <a:lnSpc>
-                <a:spcPct val="100000"/>
-              </a:lnSpc>
-              <a:spcBef>
-                <a:spcPts val="0"/>
-              </a:spcBef>
-              <a:spcAft>
-                <a:spcPts val="0"/>
-              </a:spcAft>
-              <a:buClrTx/>
-              <a:buSzTx/>
-              <a:buFontTx/>
-              <a:buNone/>
-              <a:tabLst/>
-              <a:defRPr/>
-            </a:pPr>
-            <a:endParaRPr kumimoji="0" lang="en-US" sz="1800" b="0" i="0" u="none" strike="noStrike" kern="1200" cap="none" spc="0" normalizeH="0" baseline="0" noProof="0">
-              <a:ln>
-                <a:noFill/>
-              </a:ln>
-              <a:solidFill>
-                <a:prstClr val="white"/>
-              </a:solidFill>
-              <a:effectLst/>
-              <a:uLnTx/>
-              <a:uFillTx/>
-              <a:latin typeface="Calibri" panose="020F0502020204030204"/>
-              <a:ea typeface="+mn-ea"/>
-              <a:cs typeface="+mn-cs"/>
-            </a:endParaRPr>
-          </a:p>
-        </p:txBody>
-      </p:sp>
-      <p:sp>
-        <p:nvSpPr>
-          <p:cNvPr id="4" name="TextBox 3">
-            <a:extLst>
-              <a:ext uri="{FF2B5EF4-FFF2-40B4-BE49-F238E27FC236}">
-                <a16:creationId xmlns:a16="http://schemas.microsoft.com/office/drawing/2014/main" id="{00088ABC-E0C8-4A29-A019-04A880BB95F4}"/>
-              </a:ext>
-            </a:extLst>
-          </p:cNvPr>
-          <p:cNvSpPr txBox="1"/>
-          <p:nvPr/>
-        </p:nvSpPr>
-        <p:spPr>
-          <a:xfrm>
-            <a:off x="546351" y="433547"/>
-            <a:ext cx="11139855" cy="930447"/>
-          </a:xfrm>
-          <a:prstGeom prst="rect">
-            <a:avLst/>
-          </a:prstGeom>
-        </p:spPr>
-        <p:txBody>
-          <a:bodyPr vert="horz" lIns="91440" tIns="45720" rIns="91440" bIns="45720" rtlCol="0" anchor="b">
-            <a:normAutofit/>
-          </a:bodyPr>
-          <a:lstStyle/>
-          <a:p>
-            <a:pPr marL="0" marR="0" lvl="0" indent="0" algn="ctr" defTabSz="914400" rtl="0" eaLnBrk="1" fontAlgn="auto" latinLnBrk="0" hangingPunct="1">
-              <a:lnSpc>
-                <a:spcPct val="90000"/>
-              </a:lnSpc>
-              <a:spcBef>
-                <a:spcPct val="0"/>
-              </a:spcBef>
-              <a:spcAft>
-                <a:spcPts val="600"/>
-              </a:spcAft>
-              <a:buClrTx/>
-              <a:buSzTx/>
-              <a:buFontTx/>
-              <a:buNone/>
-              <a:tabLst/>
-              <a:defRPr/>
-            </a:pPr>
-            <a:r>
-              <a:rPr kumimoji="0" lang="en-US" sz="5400" b="0" i="0" u="none" strike="noStrike" kern="1200" cap="none" spc="0" normalizeH="0" baseline="0" noProof="0">
-                <a:ln>
-                  <a:noFill/>
-                </a:ln>
-                <a:solidFill>
-                  <a:srgbClr val="FFFFFF"/>
-                </a:solidFill>
-                <a:effectLst/>
-                <a:uLnTx/>
-                <a:uFillTx/>
-                <a:latin typeface="Calibri Light" panose="020F0302020204030204"/>
-                <a:ea typeface="+mn-ea"/>
-                <a:cs typeface="+mn-cs"/>
-              </a:rPr>
-              <a:t>AMOVA Test</a:t>
-            </a:r>
-          </a:p>
-        </p:txBody>
-      </p:sp>
-      <p:cxnSp>
-        <p:nvCxnSpPr>
-          <p:cNvPr id="18" name="Straight Connector 17">
-            <a:extLst>
-              <a:ext uri="{FF2B5EF4-FFF2-40B4-BE49-F238E27FC236}">
-                <a16:creationId xmlns:a16="http://schemas.microsoft.com/office/drawing/2014/main" id="{7E7C77BC-7138-40B1-A15B-20F57A494629}"/>
-              </a:ext>
-              <a:ext uri="{C183D7F6-B498-43B3-948B-1728B52AA6E4}">
-                <adec:decorative xmlns:adec="http://schemas.microsoft.com/office/drawing/2017/decorative" val="1"/>
-              </a:ext>
-            </a:extLst>
-          </p:cNvPr>
-          <p:cNvCxnSpPr>
-            <a:cxnSpLocks noGrp="1" noRot="1" noChangeAspect="1" noMove="1" noResize="1" noEditPoints="1" noAdjustHandles="1" noChangeArrowheads="1" noChangeShapeType="1"/>
-          </p:cNvCxnSpPr>
-          <p:nvPr>
-            <p:extLst>
-              <p:ext uri="{386F3935-93C4-4BCD-93E2-E3B085C9AB24}">
-                <p16:designElem xmlns:p16="http://schemas.microsoft.com/office/powerpoint/2015/main" val="1"/>
-              </p:ext>
-            </p:extLst>
-          </p:nvPr>
-        </p:nvCxnSpPr>
-        <p:spPr>
-          <a:xfrm>
-            <a:off x="2230079" y="1522292"/>
-            <a:ext cx="7772400" cy="0"/>
-          </a:xfrm>
-          <a:prstGeom prst="line">
-            <a:avLst/>
-          </a:prstGeom>
-          <a:ln w="22225">
-            <a:solidFill>
-              <a:srgbClr val="D9D9D9"/>
-            </a:solidFill>
-          </a:ln>
-        </p:spPr>
-        <p:style>
-          <a:lnRef idx="1">
-            <a:schemeClr val="accent1"/>
-          </a:lnRef>
-          <a:fillRef idx="0">
-            <a:schemeClr val="accent1"/>
-          </a:fillRef>
-          <a:effectRef idx="0">
-            <a:schemeClr val="accent1"/>
-          </a:effectRef>
-          <a:fontRef idx="minor">
-            <a:schemeClr val="tx1"/>
-          </a:fontRef>
-        </p:style>
-      </p:cxnSp>
-      <p:pic>
-        <p:nvPicPr>
-          <p:cNvPr id="3" name="Picture 2" descr="A screenshot of a cell phone&#10;&#10;Description automatically generated">
-            <a:extLst>
-              <a:ext uri="{FF2B5EF4-FFF2-40B4-BE49-F238E27FC236}">
-                <a16:creationId xmlns:a16="http://schemas.microsoft.com/office/drawing/2014/main" id="{7856596F-397A-406F-8498-497D8169633A}"/>
-              </a:ext>
-            </a:extLst>
-          </p:cNvPr>
-          <p:cNvPicPr>
-            <a:picLocks noChangeAspect="1"/>
-          </p:cNvPicPr>
-          <p:nvPr/>
-        </p:nvPicPr>
-        <p:blipFill>
-          <a:blip r:embed="rId2">
-            <a:extLst>
-              <a:ext uri="{28A0092B-C50C-407E-A947-70E740481C1C}">
-                <a14:useLocalDpi xmlns:a14="http://schemas.microsoft.com/office/drawing/2010/main" val="0"/>
-              </a:ext>
-            </a:extLst>
-          </a:blip>
-          <a:stretch>
-            <a:fillRect/>
-          </a:stretch>
-        </p:blipFill>
-        <p:spPr>
-          <a:xfrm>
-            <a:off x="892786" y="2426820"/>
-            <a:ext cx="4333481" cy="3997637"/>
-          </a:xfrm>
-          <a:prstGeom prst="rect">
-            <a:avLst/>
-          </a:prstGeom>
-        </p:spPr>
-      </p:pic>
-      <p:cxnSp>
-        <p:nvCxnSpPr>
-          <p:cNvPr id="20" name="Straight Connector 19">
-            <a:extLst>
-              <a:ext uri="{FF2B5EF4-FFF2-40B4-BE49-F238E27FC236}">
-                <a16:creationId xmlns:a16="http://schemas.microsoft.com/office/drawing/2014/main" id="{DB146403-F3D6-484B-B2ED-97F9565D0370}"/>
-              </a:ext>
-              <a:ext uri="{C183D7F6-B498-43B3-948B-1728B52AA6E4}">
-                <adec:decorative xmlns:adec="http://schemas.microsoft.com/office/drawing/2017/decorative" val="1"/>
-              </a:ext>
-            </a:extLst>
-          </p:cNvPr>
-          <p:cNvCxnSpPr>
-            <a:cxnSpLocks noGrp="1" noRot="1" noChangeAspect="1" noMove="1" noResize="1" noEditPoints="1" noAdjustHandles="1" noChangeArrowheads="1" noChangeShapeType="1"/>
-          </p:cNvCxnSpPr>
-          <p:nvPr>
-            <p:extLst>
-              <p:ext uri="{386F3935-93C4-4BCD-93E2-E3B085C9AB24}">
-                <p16:designElem xmlns:p16="http://schemas.microsoft.com/office/powerpoint/2015/main" val="1"/>
-              </p:ext>
-            </p:extLst>
-          </p:nvPr>
-        </p:nvCxnSpPr>
-        <p:spPr>
-          <a:xfrm>
-            <a:off x="6116279" y="2596836"/>
-            <a:ext cx="0" cy="3657600"/>
-          </a:xfrm>
-          <a:prstGeom prst="line">
-            <a:avLst/>
-          </a:prstGeom>
-          <a:ln w="101600" cmpd="dbl">
-            <a:solidFill>
-              <a:srgbClr val="595959"/>
-            </a:solidFill>
-          </a:ln>
-        </p:spPr>
-        <p:style>
-          <a:lnRef idx="1">
-            <a:schemeClr val="accent1"/>
-          </a:lnRef>
-          <a:fillRef idx="0">
-            <a:schemeClr val="accent1"/>
-          </a:fillRef>
-          <a:effectRef idx="0">
-            <a:schemeClr val="accent1"/>
-          </a:effectRef>
-          <a:fontRef idx="minor">
-            <a:schemeClr val="tx1"/>
-          </a:fontRef>
-        </p:style>
-      </p:cxnSp>
-      <p:pic>
-        <p:nvPicPr>
-          <p:cNvPr id="6" name="Picture 5" descr="A screenshot of a cell phone&#10;&#10;Description automatically generated">
-            <a:extLst>
-              <a:ext uri="{FF2B5EF4-FFF2-40B4-BE49-F238E27FC236}">
-                <a16:creationId xmlns:a16="http://schemas.microsoft.com/office/drawing/2014/main" id="{9D519492-364D-43D8-BFDD-2A043057156B}"/>
-              </a:ext>
-            </a:extLst>
-          </p:cNvPr>
-          <p:cNvPicPr>
-            <a:picLocks noChangeAspect="1"/>
-          </p:cNvPicPr>
-          <p:nvPr/>
-        </p:nvPicPr>
-        <p:blipFill>
-          <a:blip r:embed="rId3">
-            <a:extLst>
-              <a:ext uri="{28A0092B-C50C-407E-A947-70E740481C1C}">
-                <a14:useLocalDpi xmlns:a14="http://schemas.microsoft.com/office/drawing/2010/main" val="0"/>
-              </a:ext>
-            </a:extLst>
-          </a:blip>
-          <a:stretch>
-            <a:fillRect/>
-          </a:stretch>
-        </p:blipFill>
-        <p:spPr>
-          <a:xfrm>
-            <a:off x="6445074" y="3210925"/>
-            <a:ext cx="5455917" cy="2429427"/>
-          </a:xfrm>
-          <a:prstGeom prst="rect">
-            <a:avLst/>
-          </a:prstGeom>
-        </p:spPr>
-      </p:pic>
-    </p:spTree>
-    <p:extLst>
-      <p:ext uri="{BB962C8B-B14F-4D97-AF65-F5344CB8AC3E}">
-        <p14:creationId xmlns:p14="http://schemas.microsoft.com/office/powerpoint/2010/main" val="1680114684"/>
-      </p:ext>
-    </p:extLst>
-  </p:cSld>
-  <p:clrMapOvr>
-    <a:masterClrMapping/>
-  </p:clrMapOvr>
-</p:sld>
-</file>
-
-<file path=ppt/slides/slide16.xml><?xml version="1.0" encoding="utf-8"?>
 <p:sld xmlns:a="http://schemas.openxmlformats.org/drawingml/2006/main" xmlns:r="http://schemas.openxmlformats.org/officeDocument/2006/relationships" xmlns:p="http://schemas.openxmlformats.org/presentationml/2006/main">
   <p:cSld>
     <p:bg>
@@ -11065,6 +13256,631 @@
     <p:extLst>
       <p:ext uri="{BB962C8B-B14F-4D97-AF65-F5344CB8AC3E}">
         <p14:creationId xmlns:p14="http://schemas.microsoft.com/office/powerpoint/2010/main" val="951329888"/>
+      </p:ext>
+    </p:extLst>
+  </p:cSld>
+  <p:clrMapOvr>
+    <a:masterClrMapping/>
+  </p:clrMapOvr>
+</p:sld>
+</file>
+
+<file path=ppt/slides/slide15.xml><?xml version="1.0" encoding="utf-8"?>
+<p:sld xmlns:a="http://schemas.openxmlformats.org/drawingml/2006/main" xmlns:r="http://schemas.openxmlformats.org/officeDocument/2006/relationships" xmlns:p="http://schemas.openxmlformats.org/presentationml/2006/main">
+  <p:cSld>
+    <p:bg>
+      <p:bgPr>
+        <a:solidFill>
+          <a:schemeClr val="bg1"/>
+        </a:solidFill>
+        <a:effectLst/>
+      </p:bgPr>
+    </p:bg>
+    <p:spTree>
+      <p:nvGrpSpPr>
+        <p:cNvPr id="1" name=""/>
+        <p:cNvGrpSpPr/>
+        <p:nvPr/>
+      </p:nvGrpSpPr>
+      <p:grpSpPr>
+        <a:xfrm>
+          <a:off x="0" y="0"/>
+          <a:ext cx="0" cy="0"/>
+          <a:chOff x="0" y="0"/>
+          <a:chExt cx="0" cy="0"/>
+        </a:xfrm>
+      </p:grpSpPr>
+      <p:sp>
+        <p:nvSpPr>
+          <p:cNvPr id="16" name="Rectangle 15">
+            <a:extLst>
+              <a:ext uri="{FF2B5EF4-FFF2-40B4-BE49-F238E27FC236}">
+                <a16:creationId xmlns:a16="http://schemas.microsoft.com/office/drawing/2014/main" id="{AB45A142-4255-493C-8284-5D566C121B10}"/>
+              </a:ext>
+              <a:ext uri="{C183D7F6-B498-43B3-948B-1728B52AA6E4}">
+                <adec:decorative xmlns:adec="http://schemas.microsoft.com/office/drawing/2017/decorative" val="1"/>
+              </a:ext>
+            </a:extLst>
+          </p:cNvPr>
+          <p:cNvSpPr>
+            <a:spLocks noGrp="1" noRot="1" noChangeAspect="1" noMove="1" noResize="1" noEditPoints="1" noAdjustHandles="1" noChangeArrowheads="1" noChangeShapeType="1" noTextEdit="1"/>
+          </p:cNvSpPr>
+          <p:nvPr>
+            <p:extLst>
+              <p:ext uri="{386F3935-93C4-4BCD-93E2-E3B085C9AB24}">
+                <p16:designElem xmlns:p16="http://schemas.microsoft.com/office/powerpoint/2015/main" val="1"/>
+              </p:ext>
+            </p:extLst>
+          </p:nvPr>
+        </p:nvSpPr>
+        <p:spPr bwMode="ltGray">
+          <a:xfrm>
+            <a:off x="336884" y="321177"/>
+            <a:ext cx="4332307" cy="6179552"/>
+          </a:xfrm>
+          <a:prstGeom prst="rect">
+            <a:avLst/>
+          </a:prstGeom>
+          <a:solidFill>
+            <a:srgbClr val="404040">
+              <a:alpha val="89804"/>
+            </a:srgbClr>
+          </a:solidFill>
+          <a:ln w="127000" cap="sq" cmpd="thinThick">
+            <a:solidFill>
+              <a:srgbClr val="595959">
+                <a:alpha val="80000"/>
+              </a:srgbClr>
+            </a:solidFill>
+          </a:ln>
+        </p:spPr>
+        <p:style>
+          <a:lnRef idx="2">
+            <a:schemeClr val="accent1">
+              <a:shade val="50000"/>
+            </a:schemeClr>
+          </a:lnRef>
+          <a:fillRef idx="1">
+            <a:schemeClr val="accent1"/>
+          </a:fillRef>
+          <a:effectRef idx="0">
+            <a:schemeClr val="accent1"/>
+          </a:effectRef>
+          <a:fontRef idx="minor">
+            <a:schemeClr val="lt1"/>
+          </a:fontRef>
+        </p:style>
+        <p:txBody>
+          <a:bodyPr rtlCol="0" anchor="ctr"/>
+          <a:lstStyle/>
+          <a:p>
+            <a:pPr algn="ctr"/>
+            <a:endParaRPr lang="en-US"/>
+          </a:p>
+        </p:txBody>
+      </p:sp>
+      <p:sp>
+        <p:nvSpPr>
+          <p:cNvPr id="2" name="TextBox 1">
+            <a:extLst>
+              <a:ext uri="{FF2B5EF4-FFF2-40B4-BE49-F238E27FC236}">
+                <a16:creationId xmlns:a16="http://schemas.microsoft.com/office/drawing/2014/main" id="{08BF4E42-122E-4E19-A785-FD4DF907CA2C}"/>
+              </a:ext>
+            </a:extLst>
+          </p:cNvPr>
+          <p:cNvSpPr txBox="1"/>
+          <p:nvPr/>
+        </p:nvSpPr>
+        <p:spPr>
+          <a:xfrm>
+            <a:off x="674237" y="914402"/>
+            <a:ext cx="3657600" cy="2887579"/>
+          </a:xfrm>
+          <a:prstGeom prst="rect">
+            <a:avLst/>
+          </a:prstGeom>
+        </p:spPr>
+        <p:txBody>
+          <a:bodyPr vert="horz" lIns="91440" tIns="45720" rIns="91440" bIns="45720" rtlCol="0" anchor="b">
+            <a:normAutofit/>
+          </a:bodyPr>
+          <a:lstStyle/>
+          <a:p>
+            <a:pPr algn="ctr">
+              <a:lnSpc>
+                <a:spcPct val="90000"/>
+              </a:lnSpc>
+              <a:spcBef>
+                <a:spcPct val="0"/>
+              </a:spcBef>
+              <a:spcAft>
+                <a:spcPts val="600"/>
+              </a:spcAft>
+            </a:pPr>
+            <a:r>
+              <a:rPr lang="en-US" sz="4800" kern="1200" dirty="0">
+                <a:solidFill>
+                  <a:srgbClr val="FFFFFF"/>
+                </a:solidFill>
+                <a:latin typeface="+mj-lt"/>
+                <a:ea typeface="+mj-ea"/>
+                <a:cs typeface="+mj-cs"/>
+              </a:rPr>
+              <a:t>Calculating Haploid Distance</a:t>
+            </a:r>
+            <a:endParaRPr lang="en-US" sz="4800" dirty="0">
+              <a:solidFill>
+                <a:srgbClr val="FFFFFF"/>
+              </a:solidFill>
+              <a:latin typeface="+mj-lt"/>
+              <a:ea typeface="+mj-ea"/>
+              <a:cs typeface="+mj-cs"/>
+            </a:endParaRPr>
+          </a:p>
+        </p:txBody>
+      </p:sp>
+      <p:cxnSp>
+        <p:nvCxnSpPr>
+          <p:cNvPr id="18" name="Straight Connector 17">
+            <a:extLst>
+              <a:ext uri="{FF2B5EF4-FFF2-40B4-BE49-F238E27FC236}">
+                <a16:creationId xmlns:a16="http://schemas.microsoft.com/office/drawing/2014/main" id="{38FB9660-F42F-4313-BBC4-47C007FE484C}"/>
+              </a:ext>
+              <a:ext uri="{C183D7F6-B498-43B3-948B-1728B52AA6E4}">
+                <adec:decorative xmlns:adec="http://schemas.microsoft.com/office/drawing/2017/decorative" val="1"/>
+              </a:ext>
+            </a:extLst>
+          </p:cNvPr>
+          <p:cNvCxnSpPr>
+            <a:cxnSpLocks noGrp="1" noRot="1" noChangeAspect="1" noMove="1" noResize="1" noEditPoints="1" noAdjustHandles="1" noChangeArrowheads="1" noChangeShapeType="1"/>
+          </p:cNvCxnSpPr>
+          <p:nvPr>
+            <p:extLst>
+              <p:ext uri="{386F3935-93C4-4BCD-93E2-E3B085C9AB24}">
+                <p16:designElem xmlns:p16="http://schemas.microsoft.com/office/powerpoint/2015/main" val="1"/>
+              </p:ext>
+            </p:extLst>
+          </p:nvPr>
+        </p:nvCxnSpPr>
+        <p:spPr>
+          <a:xfrm>
+            <a:off x="1191126" y="3910267"/>
+            <a:ext cx="2586790" cy="0"/>
+          </a:xfrm>
+          <a:prstGeom prst="line">
+            <a:avLst/>
+          </a:prstGeom>
+          <a:ln w="22225">
+            <a:solidFill>
+              <a:srgbClr val="D9D9D9"/>
+            </a:solidFill>
+          </a:ln>
+        </p:spPr>
+        <p:style>
+          <a:lnRef idx="1">
+            <a:schemeClr val="accent1"/>
+          </a:lnRef>
+          <a:fillRef idx="0">
+            <a:schemeClr val="accent1"/>
+          </a:fillRef>
+          <a:effectRef idx="0">
+            <a:schemeClr val="accent1"/>
+          </a:effectRef>
+          <a:fontRef idx="minor">
+            <a:schemeClr val="tx1"/>
+          </a:fontRef>
+        </p:style>
+      </p:cxnSp>
+      <p:pic>
+        <p:nvPicPr>
+          <p:cNvPr id="6" name="Picture 5" descr="Genetic Distance Options">
+            <a:extLst>
+              <a:ext uri="{FF2B5EF4-FFF2-40B4-BE49-F238E27FC236}">
+                <a16:creationId xmlns:a16="http://schemas.microsoft.com/office/drawing/2014/main" id="{FC92C202-DBA3-426A-9CB1-3924889A71BA}"/>
+              </a:ext>
+            </a:extLst>
+          </p:cNvPr>
+          <p:cNvPicPr/>
+          <p:nvPr/>
+        </p:nvPicPr>
+        <p:blipFill>
+          <a:blip r:embed="rId2">
+            <a:extLst>
+              <a:ext uri="{28A0092B-C50C-407E-A947-70E740481C1C}">
+                <a14:useLocalDpi xmlns:a14="http://schemas.microsoft.com/office/drawing/2010/main" val="0"/>
+              </a:ext>
+            </a:extLst>
+          </a:blip>
+          <a:stretch>
+            <a:fillRect/>
+          </a:stretch>
+        </p:blipFill>
+        <p:spPr>
+          <a:xfrm>
+            <a:off x="5907199" y="492573"/>
+            <a:ext cx="5046791" cy="5880796"/>
+          </a:xfrm>
+          <a:prstGeom prst="rect">
+            <a:avLst/>
+          </a:prstGeom>
+        </p:spPr>
+      </p:pic>
+    </p:spTree>
+    <p:extLst>
+      <p:ext uri="{BB962C8B-B14F-4D97-AF65-F5344CB8AC3E}">
+        <p14:creationId xmlns:p14="http://schemas.microsoft.com/office/powerpoint/2010/main" val="296656007"/>
+      </p:ext>
+    </p:extLst>
+  </p:cSld>
+  <p:clrMapOvr>
+    <a:masterClrMapping/>
+  </p:clrMapOvr>
+</p:sld>
+</file>
+
+<file path=ppt/slides/slide16.xml><?xml version="1.0" encoding="utf-8"?>
+<p:sld xmlns:a="http://schemas.openxmlformats.org/drawingml/2006/main" xmlns:r="http://schemas.openxmlformats.org/officeDocument/2006/relationships" xmlns:p="http://schemas.openxmlformats.org/presentationml/2006/main">
+  <p:cSld>
+    <p:bg>
+      <p:bgPr>
+        <a:solidFill>
+          <a:schemeClr val="bg1"/>
+        </a:solidFill>
+        <a:effectLst/>
+      </p:bgPr>
+    </p:bg>
+    <p:spTree>
+      <p:nvGrpSpPr>
+        <p:cNvPr id="1" name=""/>
+        <p:cNvGrpSpPr/>
+        <p:nvPr/>
+      </p:nvGrpSpPr>
+      <p:grpSpPr>
+        <a:xfrm>
+          <a:off x="0" y="0"/>
+          <a:ext cx="0" cy="0"/>
+          <a:chOff x="0" y="0"/>
+          <a:chExt cx="0" cy="0"/>
+        </a:xfrm>
+      </p:grpSpPr>
+      <p:sp>
+        <p:nvSpPr>
+          <p:cNvPr id="16" name="Rectangle 15">
+            <a:extLst>
+              <a:ext uri="{FF2B5EF4-FFF2-40B4-BE49-F238E27FC236}">
+                <a16:creationId xmlns:a16="http://schemas.microsoft.com/office/drawing/2014/main" id="{823AC064-BC96-4F32-8AE1-B2FD38754823}"/>
+              </a:ext>
+              <a:ext uri="{C183D7F6-B498-43B3-948B-1728B52AA6E4}">
+                <adec:decorative xmlns:adec="http://schemas.microsoft.com/office/drawing/2017/decorative" val="1"/>
+              </a:ext>
+            </a:extLst>
+          </p:cNvPr>
+          <p:cNvSpPr>
+            <a:spLocks noGrp="1" noRot="1" noChangeAspect="1" noMove="1" noResize="1" noEditPoints="1" noAdjustHandles="1" noChangeArrowheads="1" noChangeShapeType="1" noTextEdit="1"/>
+          </p:cNvSpPr>
+          <p:nvPr>
+            <p:extLst>
+              <p:ext uri="{386F3935-93C4-4BCD-93E2-E3B085C9AB24}">
+                <p16:designElem xmlns:p16="http://schemas.microsoft.com/office/powerpoint/2015/main" val="1"/>
+              </p:ext>
+            </p:extLst>
+          </p:nvPr>
+        </p:nvSpPr>
+        <p:spPr bwMode="ltGray">
+          <a:xfrm>
+            <a:off x="396883" y="280374"/>
+            <a:ext cx="11438793" cy="1844256"/>
+          </a:xfrm>
+          <a:prstGeom prst="rect">
+            <a:avLst/>
+          </a:prstGeom>
+          <a:solidFill>
+            <a:srgbClr val="404040"/>
+          </a:solidFill>
+          <a:ln w="127000" cap="sq" cmpd="thinThick">
+            <a:solidFill>
+              <a:srgbClr val="404040"/>
+            </a:solidFill>
+          </a:ln>
+        </p:spPr>
+        <p:style>
+          <a:lnRef idx="2">
+            <a:schemeClr val="accent1">
+              <a:shade val="50000"/>
+            </a:schemeClr>
+          </a:lnRef>
+          <a:fillRef idx="1">
+            <a:schemeClr val="accent1"/>
+          </a:fillRef>
+          <a:effectRef idx="0">
+            <a:schemeClr val="accent1"/>
+          </a:effectRef>
+          <a:fontRef idx="minor">
+            <a:schemeClr val="lt1"/>
+          </a:fontRef>
+        </p:style>
+        <p:txBody>
+          <a:bodyPr rtlCol="0" anchor="ctr"/>
+          <a:lstStyle/>
+          <a:p>
+            <a:pPr marL="0" marR="0" lvl="0" indent="0" algn="ctr" defTabSz="914400" rtl="0" eaLnBrk="1" fontAlgn="auto" latinLnBrk="0" hangingPunct="1">
+              <a:lnSpc>
+                <a:spcPct val="100000"/>
+              </a:lnSpc>
+              <a:spcBef>
+                <a:spcPts val="0"/>
+              </a:spcBef>
+              <a:spcAft>
+                <a:spcPts val="0"/>
+              </a:spcAft>
+              <a:buClrTx/>
+              <a:buSzTx/>
+              <a:buFontTx/>
+              <a:buNone/>
+              <a:tabLst/>
+              <a:defRPr/>
+            </a:pPr>
+            <a:endParaRPr kumimoji="0" lang="en-US" sz="1800" b="0" i="0" u="none" strike="noStrike" kern="1200" cap="none" spc="0" normalizeH="0" baseline="0" noProof="0">
+              <a:ln>
+                <a:noFill/>
+              </a:ln>
+              <a:solidFill>
+                <a:prstClr val="white"/>
+              </a:solidFill>
+              <a:effectLst/>
+              <a:uLnTx/>
+              <a:uFillTx/>
+              <a:latin typeface="Calibri" panose="020F0502020204030204"/>
+              <a:ea typeface="+mn-ea"/>
+              <a:cs typeface="+mn-cs"/>
+            </a:endParaRPr>
+          </a:p>
+        </p:txBody>
+      </p:sp>
+      <p:sp>
+        <p:nvSpPr>
+          <p:cNvPr id="4" name="TextBox 3">
+            <a:extLst>
+              <a:ext uri="{FF2B5EF4-FFF2-40B4-BE49-F238E27FC236}">
+                <a16:creationId xmlns:a16="http://schemas.microsoft.com/office/drawing/2014/main" id="{00088ABC-E0C8-4A29-A019-04A880BB95F4}"/>
+              </a:ext>
+            </a:extLst>
+          </p:cNvPr>
+          <p:cNvSpPr txBox="1"/>
+          <p:nvPr/>
+        </p:nvSpPr>
+        <p:spPr>
+          <a:xfrm>
+            <a:off x="546351" y="433547"/>
+            <a:ext cx="11139855" cy="930447"/>
+          </a:xfrm>
+          <a:prstGeom prst="rect">
+            <a:avLst/>
+          </a:prstGeom>
+        </p:spPr>
+        <p:txBody>
+          <a:bodyPr vert="horz" lIns="91440" tIns="45720" rIns="91440" bIns="45720" rtlCol="0" anchor="b">
+            <a:normAutofit/>
+          </a:bodyPr>
+          <a:lstStyle/>
+          <a:p>
+            <a:pPr marL="0" marR="0" lvl="0" indent="0" algn="ctr" defTabSz="914400" rtl="0" eaLnBrk="1" fontAlgn="auto" latinLnBrk="0" hangingPunct="1">
+              <a:lnSpc>
+                <a:spcPct val="90000"/>
+              </a:lnSpc>
+              <a:spcBef>
+                <a:spcPct val="0"/>
+              </a:spcBef>
+              <a:spcAft>
+                <a:spcPts val="600"/>
+              </a:spcAft>
+              <a:buClrTx/>
+              <a:buSzTx/>
+              <a:buFontTx/>
+              <a:buNone/>
+              <a:tabLst/>
+              <a:defRPr/>
+            </a:pPr>
+            <a:r>
+              <a:rPr kumimoji="0" lang="en-US" sz="5400" b="0" i="0" u="none" strike="noStrike" kern="1200" cap="none" spc="0" normalizeH="0" baseline="0" noProof="0">
+                <a:ln>
+                  <a:noFill/>
+                </a:ln>
+                <a:solidFill>
+                  <a:srgbClr val="FFFFFF"/>
+                </a:solidFill>
+                <a:effectLst/>
+                <a:uLnTx/>
+                <a:uFillTx/>
+                <a:latin typeface="Calibri Light" panose="020F0302020204030204"/>
+                <a:ea typeface="+mn-ea"/>
+                <a:cs typeface="+mn-cs"/>
+              </a:rPr>
+              <a:t>AMOVA Test</a:t>
+            </a:r>
+          </a:p>
+        </p:txBody>
+      </p:sp>
+      <p:cxnSp>
+        <p:nvCxnSpPr>
+          <p:cNvPr id="18" name="Straight Connector 17">
+            <a:extLst>
+              <a:ext uri="{FF2B5EF4-FFF2-40B4-BE49-F238E27FC236}">
+                <a16:creationId xmlns:a16="http://schemas.microsoft.com/office/drawing/2014/main" id="{7E7C77BC-7138-40B1-A15B-20F57A494629}"/>
+              </a:ext>
+              <a:ext uri="{C183D7F6-B498-43B3-948B-1728B52AA6E4}">
+                <adec:decorative xmlns:adec="http://schemas.microsoft.com/office/drawing/2017/decorative" val="1"/>
+              </a:ext>
+            </a:extLst>
+          </p:cNvPr>
+          <p:cNvCxnSpPr>
+            <a:cxnSpLocks noGrp="1" noRot="1" noChangeAspect="1" noMove="1" noResize="1" noEditPoints="1" noAdjustHandles="1" noChangeArrowheads="1" noChangeShapeType="1"/>
+          </p:cNvCxnSpPr>
+          <p:nvPr>
+            <p:extLst>
+              <p:ext uri="{386F3935-93C4-4BCD-93E2-E3B085C9AB24}">
+                <p16:designElem xmlns:p16="http://schemas.microsoft.com/office/powerpoint/2015/main" val="1"/>
+              </p:ext>
+            </p:extLst>
+          </p:nvPr>
+        </p:nvCxnSpPr>
+        <p:spPr>
+          <a:xfrm>
+            <a:off x="2230079" y="1522292"/>
+            <a:ext cx="7772400" cy="0"/>
+          </a:xfrm>
+          <a:prstGeom prst="line">
+            <a:avLst/>
+          </a:prstGeom>
+          <a:ln w="22225">
+            <a:solidFill>
+              <a:srgbClr val="D9D9D9"/>
+            </a:solidFill>
+          </a:ln>
+        </p:spPr>
+        <p:style>
+          <a:lnRef idx="1">
+            <a:schemeClr val="accent1"/>
+          </a:lnRef>
+          <a:fillRef idx="0">
+            <a:schemeClr val="accent1"/>
+          </a:fillRef>
+          <a:effectRef idx="0">
+            <a:schemeClr val="accent1"/>
+          </a:effectRef>
+          <a:fontRef idx="minor">
+            <a:schemeClr val="tx1"/>
+          </a:fontRef>
+        </p:style>
+      </p:cxnSp>
+      <p:pic>
+        <p:nvPicPr>
+          <p:cNvPr id="3" name="Picture 2" descr="A screenshot of a cell phone&#10;&#10;Description automatically generated">
+            <a:extLst>
+              <a:ext uri="{FF2B5EF4-FFF2-40B4-BE49-F238E27FC236}">
+                <a16:creationId xmlns:a16="http://schemas.microsoft.com/office/drawing/2014/main" id="{7856596F-397A-406F-8498-497D8169633A}"/>
+              </a:ext>
+            </a:extLst>
+          </p:cNvPr>
+          <p:cNvPicPr>
+            <a:picLocks noChangeAspect="1"/>
+          </p:cNvPicPr>
+          <p:nvPr/>
+        </p:nvPicPr>
+        <p:blipFill>
+          <a:blip r:embed="rId2">
+            <a:extLst>
+              <a:ext uri="{28A0092B-C50C-407E-A947-70E740481C1C}">
+                <a14:useLocalDpi xmlns:a14="http://schemas.microsoft.com/office/drawing/2010/main" val="0"/>
+              </a:ext>
+            </a:extLst>
+          </a:blip>
+          <a:stretch>
+            <a:fillRect/>
+          </a:stretch>
+        </p:blipFill>
+        <p:spPr>
+          <a:xfrm>
+            <a:off x="1094020" y="2277803"/>
+            <a:ext cx="4693465" cy="4329722"/>
+          </a:xfrm>
+          <a:prstGeom prst="rect">
+            <a:avLst/>
+          </a:prstGeom>
+        </p:spPr>
+      </p:pic>
+      <p:cxnSp>
+        <p:nvCxnSpPr>
+          <p:cNvPr id="20" name="Straight Connector 19">
+            <a:extLst>
+              <a:ext uri="{FF2B5EF4-FFF2-40B4-BE49-F238E27FC236}">
+                <a16:creationId xmlns:a16="http://schemas.microsoft.com/office/drawing/2014/main" id="{DB146403-F3D6-484B-B2ED-97F9565D0370}"/>
+              </a:ext>
+              <a:ext uri="{C183D7F6-B498-43B3-948B-1728B52AA6E4}">
+                <adec:decorative xmlns:adec="http://schemas.microsoft.com/office/drawing/2017/decorative" val="1"/>
+              </a:ext>
+            </a:extLst>
+          </p:cNvPr>
+          <p:cNvCxnSpPr>
+            <a:cxnSpLocks noGrp="1" noRot="1" noChangeAspect="1" noMove="1" noResize="1" noEditPoints="1" noAdjustHandles="1" noChangeArrowheads="1" noChangeShapeType="1"/>
+          </p:cNvCxnSpPr>
+          <p:nvPr>
+            <p:extLst>
+              <p:ext uri="{386F3935-93C4-4BCD-93E2-E3B085C9AB24}">
+                <p16:designElem xmlns:p16="http://schemas.microsoft.com/office/powerpoint/2015/main" val="1"/>
+              </p:ext>
+            </p:extLst>
+          </p:nvPr>
+        </p:nvCxnSpPr>
+        <p:spPr>
+          <a:xfrm>
+            <a:off x="6116279" y="2596836"/>
+            <a:ext cx="0" cy="3657600"/>
+          </a:xfrm>
+          <a:prstGeom prst="line">
+            <a:avLst/>
+          </a:prstGeom>
+          <a:ln w="101600" cmpd="dbl">
+            <a:solidFill>
+              <a:srgbClr val="595959"/>
+            </a:solidFill>
+          </a:ln>
+        </p:spPr>
+        <p:style>
+          <a:lnRef idx="1">
+            <a:schemeClr val="accent1"/>
+          </a:lnRef>
+          <a:fillRef idx="0">
+            <a:schemeClr val="accent1"/>
+          </a:fillRef>
+          <a:effectRef idx="0">
+            <a:schemeClr val="accent1"/>
+          </a:effectRef>
+          <a:fontRef idx="minor">
+            <a:schemeClr val="tx1"/>
+          </a:fontRef>
+        </p:style>
+      </p:cxnSp>
+      <p:pic>
+        <p:nvPicPr>
+          <p:cNvPr id="6" name="Picture 5" descr="A screenshot of a cell phone&#10;&#10;Description automatically generated">
+            <a:extLst>
+              <a:ext uri="{FF2B5EF4-FFF2-40B4-BE49-F238E27FC236}">
+                <a16:creationId xmlns:a16="http://schemas.microsoft.com/office/drawing/2014/main" id="{9D519492-364D-43D8-BFDD-2A043057156B}"/>
+              </a:ext>
+            </a:extLst>
+          </p:cNvPr>
+          <p:cNvPicPr>
+            <a:picLocks noChangeAspect="1"/>
+          </p:cNvPicPr>
+          <p:nvPr/>
+        </p:nvPicPr>
+        <p:blipFill>
+          <a:blip r:embed="rId3">
+            <a:extLst>
+              <a:ext uri="{28A0092B-C50C-407E-A947-70E740481C1C}">
+                <a14:useLocalDpi xmlns:a14="http://schemas.microsoft.com/office/drawing/2010/main" val="0"/>
+              </a:ext>
+            </a:extLst>
+          </a:blip>
+          <a:stretch>
+            <a:fillRect/>
+          </a:stretch>
+        </p:blipFill>
+        <p:spPr>
+          <a:xfrm>
+            <a:off x="6445074" y="3248498"/>
+            <a:ext cx="5455917" cy="2429427"/>
+          </a:xfrm>
+          <a:prstGeom prst="rect">
+            <a:avLst/>
+          </a:prstGeom>
+        </p:spPr>
+      </p:pic>
+    </p:spTree>
+    <p:extLst>
+      <p:ext uri="{BB962C8B-B14F-4D97-AF65-F5344CB8AC3E}">
+        <p14:creationId xmlns:p14="http://schemas.microsoft.com/office/powerpoint/2010/main" val="1680114684"/>
       </p:ext>
     </p:extLst>
   </p:cSld>
@@ -15269,35 +18085,6 @@
           </a:p>
         </p:txBody>
       </p:sp>
-      <p:pic>
-        <p:nvPicPr>
-          <p:cNvPr id="5" name="Picture 5" descr="A screenshot of a social media post&#10;&#10;Description generated with very high confidence">
-            <a:extLst>
-              <a:ext uri="{FF2B5EF4-FFF2-40B4-BE49-F238E27FC236}">
-                <a16:creationId xmlns:a16="http://schemas.microsoft.com/office/drawing/2014/main" id="{9DA0EB27-7A5A-49DB-96D8-A1D8F462F8E5}"/>
-              </a:ext>
-            </a:extLst>
-          </p:cNvPr>
-          <p:cNvPicPr>
-            <a:picLocks noGrp="1" noChangeAspect="1"/>
-          </p:cNvPicPr>
-          <p:nvPr>
-            <p:ph idx="1"/>
-          </p:nvPr>
-        </p:nvPicPr>
-        <p:blipFill>
-          <a:blip r:embed="rId2"/>
-          <a:srcRect l="5640" r="5640"/>
-          <a:stretch>
-            <a:fillRect/>
-          </a:stretch>
-        </p:blipFill>
-        <p:spPr>
-          <a:prstGeom prst="rect">
-            <a:avLst/>
-          </a:prstGeom>
-        </p:spPr>
-      </p:pic>
       <p:sp>
         <p:nvSpPr>
           <p:cNvPr id="4" name="Text Placeholder 3">
@@ -15335,6 +18122,36 @@
           </a:p>
         </p:txBody>
       </p:sp>
+      <p:pic>
+        <p:nvPicPr>
+          <p:cNvPr id="3" name="Picture 2">
+            <a:extLst>
+              <a:ext uri="{FF2B5EF4-FFF2-40B4-BE49-F238E27FC236}">
+                <a16:creationId xmlns:a16="http://schemas.microsoft.com/office/drawing/2014/main" id="{7E45B0CE-0DA9-4835-8639-F2D54A1A3D9B}"/>
+              </a:ext>
+            </a:extLst>
+          </p:cNvPr>
+          <p:cNvPicPr>
+            <a:picLocks noChangeAspect="1"/>
+          </p:cNvPicPr>
+          <p:nvPr/>
+        </p:nvPicPr>
+        <p:blipFill>
+          <a:blip r:embed="rId2"/>
+          <a:stretch>
+            <a:fillRect/>
+          </a:stretch>
+        </p:blipFill>
+        <p:spPr>
+          <a:xfrm>
+            <a:off x="4393141" y="363539"/>
+            <a:ext cx="7562850" cy="5762625"/>
+          </a:xfrm>
+          <a:prstGeom prst="rect">
+            <a:avLst/>
+          </a:prstGeom>
+        </p:spPr>
+      </p:pic>
     </p:spTree>
     <p:extLst>
       <p:ext uri="{BB962C8B-B14F-4D97-AF65-F5344CB8AC3E}">
@@ -15349,72 +18166,6 @@
 </file>
 
 <file path=ppt/slides/slide25.xml><?xml version="1.0" encoding="utf-8"?>
-<p:sld xmlns:a="http://schemas.openxmlformats.org/drawingml/2006/main" xmlns:r="http://schemas.openxmlformats.org/officeDocument/2006/relationships" xmlns:p="http://schemas.openxmlformats.org/presentationml/2006/main">
-  <p:cSld>
-    <p:spTree>
-      <p:nvGrpSpPr>
-        <p:cNvPr id="1" name=""/>
-        <p:cNvGrpSpPr/>
-        <p:nvPr/>
-      </p:nvGrpSpPr>
-      <p:grpSpPr>
-        <a:xfrm>
-          <a:off x="0" y="0"/>
-          <a:ext cx="0" cy="0"/>
-          <a:chOff x="0" y="0"/>
-          <a:chExt cx="0" cy="0"/>
-        </a:xfrm>
-      </p:grpSpPr>
-      <p:pic>
-        <p:nvPicPr>
-          <p:cNvPr id="3" name="Picture 2" descr="A screenshot of a cell phone&#10;&#10;Description automatically generated">
-            <a:extLst>
-              <a:ext uri="{FF2B5EF4-FFF2-40B4-BE49-F238E27FC236}">
-                <a16:creationId xmlns:a16="http://schemas.microsoft.com/office/drawing/2014/main" id="{0EF07514-0281-4616-9025-4F030C16C136}"/>
-              </a:ext>
-            </a:extLst>
-          </p:cNvPr>
-          <p:cNvPicPr>
-            <a:picLocks noChangeAspect="1"/>
-          </p:cNvPicPr>
-          <p:nvPr/>
-        </p:nvPicPr>
-        <p:blipFill>
-          <a:blip r:embed="rId2">
-            <a:extLst>
-              <a:ext uri="{28A0092B-C50C-407E-A947-70E740481C1C}">
-                <a14:useLocalDpi xmlns:a14="http://schemas.microsoft.com/office/drawing/2010/main" val="0"/>
-              </a:ext>
-            </a:extLst>
-          </a:blip>
-          <a:stretch>
-            <a:fillRect/>
-          </a:stretch>
-        </p:blipFill>
-        <p:spPr>
-          <a:xfrm>
-            <a:off x="3347655" y="580629"/>
-            <a:ext cx="5496692" cy="5696745"/>
-          </a:xfrm>
-          <a:prstGeom prst="rect">
-            <a:avLst/>
-          </a:prstGeom>
-        </p:spPr>
-      </p:pic>
-    </p:spTree>
-    <p:extLst>
-      <p:ext uri="{BB962C8B-B14F-4D97-AF65-F5344CB8AC3E}">
-        <p14:creationId xmlns:p14="http://schemas.microsoft.com/office/powerpoint/2010/main" val="2469740878"/>
-      </p:ext>
-    </p:extLst>
-  </p:cSld>
-  <p:clrMapOvr>
-    <a:masterClrMapping/>
-  </p:clrMapOvr>
-</p:sld>
-</file>
-
-<file path=ppt/slides/slide26.xml><?xml version="1.0" encoding="utf-8"?>
 <p:sld xmlns:a="http://schemas.openxmlformats.org/drawingml/2006/main" xmlns:r="http://schemas.openxmlformats.org/officeDocument/2006/relationships" xmlns:p="http://schemas.openxmlformats.org/presentationml/2006/main">
   <p:cSld>
     <p:spTree>
@@ -15447,7 +18198,12 @@
             <p:ph type="title"/>
           </p:nvPr>
         </p:nvSpPr>
-        <p:spPr/>
+        <p:spPr>
+          <a:xfrm>
+            <a:off x="609600" y="171897"/>
+            <a:ext cx="10972800" cy="1143000"/>
+          </a:xfrm>
+        </p:spPr>
         <p:txBody>
           <a:bodyPr/>
           <a:lstStyle/>
@@ -19155,7 +21911,7 @@
                       </a:r>
                       <a:r>
                         <a:rPr lang="en-US" sz="900">
-                          <a:hlinkClick r:id="rId2" tooltip="Link to note"/>
+                          <a:hlinkClick r:id="rId3" tooltip="Link to note"/>
                         </a:rPr>
                         <a:t>a</a:t>
                       </a:r>
@@ -19351,7 +22107,7 @@
                       </a:r>
                       <a:r>
                         <a:rPr lang="en-US" sz="900">
-                          <a:hlinkClick r:id="rId2" tooltip="Link to note"/>
+                          <a:hlinkClick r:id="rId3" tooltip="Link to note"/>
                         </a:rPr>
                         <a:t>a</a:t>
                       </a:r>
@@ -19547,7 +22303,7 @@
                       </a:r>
                       <a:r>
                         <a:rPr lang="en-US" sz="900">
-                          <a:hlinkClick r:id="rId2" tooltip="Link to note"/>
+                          <a:hlinkClick r:id="rId3" tooltip="Link to note"/>
                         </a:rPr>
                         <a:t>a</a:t>
                       </a:r>
@@ -19743,7 +22499,7 @@
                       </a:r>
                       <a:r>
                         <a:rPr lang="en-US" sz="900">
-                          <a:hlinkClick r:id="rId2" tooltip="Link to note"/>
+                          <a:hlinkClick r:id="rId3" tooltip="Link to note"/>
                         </a:rPr>
                         <a:t>a</a:t>
                       </a:r>
@@ -19939,7 +22695,7 @@
                       </a:r>
                       <a:r>
                         <a:rPr lang="en-US" sz="900">
-                          <a:hlinkClick r:id="rId2" tooltip="Link to note"/>
+                          <a:hlinkClick r:id="rId3" tooltip="Link to note"/>
                         </a:rPr>
                         <a:t>a</a:t>
                       </a:r>
@@ -20135,7 +22891,7 @@
                       </a:r>
                       <a:r>
                         <a:rPr lang="en-US" sz="900">
-                          <a:hlinkClick r:id="rId2" tooltip="Link to note"/>
+                          <a:hlinkClick r:id="rId3" tooltip="Link to note"/>
                         </a:rPr>
                         <a:t>a</a:t>
                       </a:r>
@@ -20331,7 +23087,7 @@
                       </a:r>
                       <a:r>
                         <a:rPr lang="en-US" sz="900">
-                          <a:hlinkClick r:id="rId2" tooltip="Link to note"/>
+                          <a:hlinkClick r:id="rId3" tooltip="Link to note"/>
                         </a:rPr>
                         <a:t>a</a:t>
                       </a:r>
@@ -20527,7 +23283,7 @@
                       </a:r>
                       <a:r>
                         <a:rPr lang="en-US" sz="900">
-                          <a:hlinkClick r:id="rId2" tooltip="Link to note"/>
+                          <a:hlinkClick r:id="rId3" tooltip="Link to note"/>
                         </a:rPr>
                         <a:t>a</a:t>
                       </a:r>
@@ -20723,7 +23479,7 @@
                       </a:r>
                       <a:r>
                         <a:rPr lang="en-US" sz="900">
-                          <a:hlinkClick r:id="rId2" tooltip="Link to note"/>
+                          <a:hlinkClick r:id="rId3" tooltip="Link to note"/>
                         </a:rPr>
                         <a:t>a</a:t>
                       </a:r>
@@ -20919,7 +23675,7 @@
                       </a:r>
                       <a:r>
                         <a:rPr lang="en-US" sz="900">
-                          <a:hlinkClick r:id="rId2" tooltip="Link to note"/>
+                          <a:hlinkClick r:id="rId3" tooltip="Link to note"/>
                         </a:rPr>
                         <a:t>a</a:t>
                       </a:r>
@@ -21115,7 +23871,7 @@
                       </a:r>
                       <a:r>
                         <a:rPr lang="en-US" sz="900">
-                          <a:hlinkClick r:id="rId2" tooltip="Link to note"/>
+                          <a:hlinkClick r:id="rId3" tooltip="Link to note"/>
                         </a:rPr>
                         <a:t>a</a:t>
                       </a:r>
@@ -21311,7 +24067,7 @@
                       </a:r>
                       <a:r>
                         <a:rPr lang="en-US" sz="900">
-                          <a:hlinkClick r:id="rId2" tooltip="Link to note"/>
+                          <a:hlinkClick r:id="rId3" tooltip="Link to note"/>
                         </a:rPr>
                         <a:t>a</a:t>
                       </a:r>
@@ -21408,7 +24164,7 @@
 </p:sld>
 </file>
 
-<file path=ppt/slides/slide27.xml><?xml version="1.0" encoding="utf-8"?>
+<file path=ppt/slides/slide26.xml><?xml version="1.0" encoding="utf-8"?>
 <p:sld xmlns:a="http://schemas.openxmlformats.org/drawingml/2006/main" xmlns:r="http://schemas.openxmlformats.org/officeDocument/2006/relationships" xmlns:p="http://schemas.openxmlformats.org/presentationml/2006/main">
   <p:cSld>
     <p:spTree>
@@ -21573,7 +24329,7 @@
         </p:blipFill>
         <p:spPr>
           <a:xfrm>
-            <a:off x="5917721" y="181979"/>
+            <a:off x="6006085" y="241796"/>
             <a:ext cx="6185915" cy="6624240"/>
           </a:xfrm>
           <a:prstGeom prst="rect">
@@ -21581,6 +24337,222 @@
           </a:prstGeom>
         </p:spPr>
       </p:pic>
+      <p:sp>
+        <p:nvSpPr>
+          <p:cNvPr id="3" name="Oval 2">
+            <a:extLst>
+              <a:ext uri="{FF2B5EF4-FFF2-40B4-BE49-F238E27FC236}">
+                <a16:creationId xmlns:a16="http://schemas.microsoft.com/office/drawing/2014/main" id="{0D5411BC-A22E-4E76-B058-B9226A951765}"/>
+              </a:ext>
+            </a:extLst>
+          </p:cNvPr>
+          <p:cNvSpPr/>
+          <p:nvPr/>
+        </p:nvSpPr>
+        <p:spPr>
+          <a:xfrm>
+            <a:off x="6462397" y="1933754"/>
+            <a:ext cx="2218006" cy="291905"/>
+          </a:xfrm>
+          <a:prstGeom prst="ellipse">
+            <a:avLst/>
+          </a:prstGeom>
+          <a:noFill/>
+          <a:ln w="9525" cap="flat" cmpd="sng" algn="ctr">
+            <a:solidFill>
+              <a:schemeClr val="accent2"/>
+            </a:solidFill>
+            <a:prstDash val="solid"/>
+            <a:round/>
+            <a:headEnd type="none" w="med" len="med"/>
+            <a:tailEnd type="none" w="med" len="med"/>
+          </a:ln>
+        </p:spPr>
+        <p:style>
+          <a:lnRef idx="0">
+            <a:scrgbClr r="0" g="0" b="0"/>
+          </a:lnRef>
+          <a:fillRef idx="0">
+            <a:scrgbClr r="0" g="0" b="0"/>
+          </a:fillRef>
+          <a:effectRef idx="0">
+            <a:scrgbClr r="0" g="0" b="0"/>
+          </a:effectRef>
+          <a:fontRef idx="minor">
+            <a:schemeClr val="accent2"/>
+          </a:fontRef>
+        </p:style>
+        <p:txBody>
+          <a:bodyPr rtlCol="0" anchor="ctr"/>
+          <a:lstStyle/>
+          <a:p>
+            <a:pPr algn="ctr"/>
+            <a:endParaRPr lang="en-US"/>
+          </a:p>
+        </p:txBody>
+      </p:sp>
+      <p:sp>
+        <p:nvSpPr>
+          <p:cNvPr id="8" name="Oval 7">
+            <a:extLst>
+              <a:ext uri="{FF2B5EF4-FFF2-40B4-BE49-F238E27FC236}">
+                <a16:creationId xmlns:a16="http://schemas.microsoft.com/office/drawing/2014/main" id="{B739C01F-7AA4-4CC4-8736-BEDD2E379A38}"/>
+              </a:ext>
+            </a:extLst>
+          </p:cNvPr>
+          <p:cNvSpPr/>
+          <p:nvPr/>
+        </p:nvSpPr>
+        <p:spPr>
+          <a:xfrm>
+            <a:off x="6096000" y="5134317"/>
+            <a:ext cx="2386818" cy="291905"/>
+          </a:xfrm>
+          <a:prstGeom prst="ellipse">
+            <a:avLst/>
+          </a:prstGeom>
+          <a:noFill/>
+          <a:ln w="9525" cap="flat" cmpd="sng" algn="ctr">
+            <a:solidFill>
+              <a:schemeClr val="accent2"/>
+            </a:solidFill>
+            <a:prstDash val="solid"/>
+            <a:round/>
+            <a:headEnd type="none" w="med" len="med"/>
+            <a:tailEnd type="none" w="med" len="med"/>
+          </a:ln>
+        </p:spPr>
+        <p:style>
+          <a:lnRef idx="0">
+            <a:scrgbClr r="0" g="0" b="0"/>
+          </a:lnRef>
+          <a:fillRef idx="0">
+            <a:scrgbClr r="0" g="0" b="0"/>
+          </a:fillRef>
+          <a:effectRef idx="0">
+            <a:scrgbClr r="0" g="0" b="0"/>
+          </a:effectRef>
+          <a:fontRef idx="minor">
+            <a:schemeClr val="accent2"/>
+          </a:fontRef>
+        </p:style>
+        <p:txBody>
+          <a:bodyPr rtlCol="0" anchor="ctr"/>
+          <a:lstStyle/>
+          <a:p>
+            <a:pPr algn="ctr"/>
+            <a:endParaRPr lang="en-US" dirty="0"/>
+          </a:p>
+        </p:txBody>
+      </p:sp>
+      <p:sp>
+        <p:nvSpPr>
+          <p:cNvPr id="10" name="Oval 9">
+            <a:extLst>
+              <a:ext uri="{FF2B5EF4-FFF2-40B4-BE49-F238E27FC236}">
+                <a16:creationId xmlns:a16="http://schemas.microsoft.com/office/drawing/2014/main" id="{1E38C99E-7836-43D5-987A-13AD46F4785E}"/>
+              </a:ext>
+            </a:extLst>
+          </p:cNvPr>
+          <p:cNvSpPr/>
+          <p:nvPr/>
+        </p:nvSpPr>
+        <p:spPr>
+          <a:xfrm>
+            <a:off x="5917721" y="3109611"/>
+            <a:ext cx="2218006" cy="291905"/>
+          </a:xfrm>
+          <a:prstGeom prst="ellipse">
+            <a:avLst/>
+          </a:prstGeom>
+          <a:noFill/>
+          <a:ln w="9525" cap="flat" cmpd="sng" algn="ctr">
+            <a:solidFill>
+              <a:schemeClr val="accent2"/>
+            </a:solidFill>
+            <a:prstDash val="solid"/>
+            <a:round/>
+            <a:headEnd type="none" w="med" len="med"/>
+            <a:tailEnd type="none" w="med" len="med"/>
+          </a:ln>
+        </p:spPr>
+        <p:style>
+          <a:lnRef idx="0">
+            <a:scrgbClr r="0" g="0" b="0"/>
+          </a:lnRef>
+          <a:fillRef idx="0">
+            <a:scrgbClr r="0" g="0" b="0"/>
+          </a:fillRef>
+          <a:effectRef idx="0">
+            <a:scrgbClr r="0" g="0" b="0"/>
+          </a:effectRef>
+          <a:fontRef idx="minor">
+            <a:schemeClr val="accent2"/>
+          </a:fontRef>
+        </p:style>
+        <p:txBody>
+          <a:bodyPr rtlCol="0" anchor="ctr"/>
+          <a:lstStyle/>
+          <a:p>
+            <a:pPr algn="ctr"/>
+            <a:endParaRPr lang="en-US"/>
+          </a:p>
+        </p:txBody>
+      </p:sp>
+      <p:sp>
+        <p:nvSpPr>
+          <p:cNvPr id="11" name="Oval 10">
+            <a:extLst>
+              <a:ext uri="{FF2B5EF4-FFF2-40B4-BE49-F238E27FC236}">
+                <a16:creationId xmlns:a16="http://schemas.microsoft.com/office/drawing/2014/main" id="{20128663-8990-4335-B340-D375840B5486}"/>
+              </a:ext>
+            </a:extLst>
+          </p:cNvPr>
+          <p:cNvSpPr/>
+          <p:nvPr/>
+        </p:nvSpPr>
+        <p:spPr>
+          <a:xfrm>
+            <a:off x="6096000" y="4253942"/>
+            <a:ext cx="2218006" cy="291905"/>
+          </a:xfrm>
+          <a:prstGeom prst="ellipse">
+            <a:avLst/>
+          </a:prstGeom>
+          <a:noFill/>
+          <a:ln w="9525" cap="flat" cmpd="sng" algn="ctr">
+            <a:solidFill>
+              <a:schemeClr val="accent2"/>
+            </a:solidFill>
+            <a:prstDash val="solid"/>
+            <a:round/>
+            <a:headEnd type="none" w="med" len="med"/>
+            <a:tailEnd type="none" w="med" len="med"/>
+          </a:ln>
+        </p:spPr>
+        <p:style>
+          <a:lnRef idx="0">
+            <a:scrgbClr r="0" g="0" b="0"/>
+          </a:lnRef>
+          <a:fillRef idx="0">
+            <a:scrgbClr r="0" g="0" b="0"/>
+          </a:fillRef>
+          <a:effectRef idx="0">
+            <a:scrgbClr r="0" g="0" b="0"/>
+          </a:effectRef>
+          <a:fontRef idx="minor">
+            <a:schemeClr val="accent2"/>
+          </a:fontRef>
+        </p:style>
+        <p:txBody>
+          <a:bodyPr rtlCol="0" anchor="ctr"/>
+          <a:lstStyle/>
+          <a:p>
+            <a:pPr algn="ctr"/>
+            <a:endParaRPr lang="en-US"/>
+          </a:p>
+        </p:txBody>
+      </p:sp>
     </p:spTree>
     <p:extLst>
       <p:ext uri="{BB962C8B-B14F-4D97-AF65-F5344CB8AC3E}">
@@ -21594,7 +24566,7 @@
 </p:sld>
 </file>
 
-<file path=ppt/slides/slide28.xml><?xml version="1.0" encoding="utf-8"?>
+<file path=ppt/slides/slide27.xml><?xml version="1.0" encoding="utf-8"?>
 <p:sld xmlns:a="http://schemas.openxmlformats.org/drawingml/2006/main" xmlns:r="http://schemas.openxmlformats.org/officeDocument/2006/relationships" xmlns:p="http://schemas.openxmlformats.org/presentationml/2006/main">
   <p:cSld>
     <p:spTree>
@@ -21660,7 +24632,7 @@
 </p:sld>
 </file>
 
-<file path=ppt/slides/slide29.xml><?xml version="1.0" encoding="utf-8"?>
+<file path=ppt/slides/slide28.xml><?xml version="1.0" encoding="utf-8"?>
 <p:sld xmlns:a="http://schemas.openxmlformats.org/drawingml/2006/main" xmlns:r="http://schemas.openxmlformats.org/officeDocument/2006/relationships" xmlns:p="http://schemas.openxmlformats.org/presentationml/2006/main">
   <p:cSld>
     <p:spTree>
@@ -23027,6 +25999,305 @@
 </p:sld>
 </file>
 
+<file path=ppt/slides/slide29.xml><?xml version="1.0" encoding="utf-8"?>
+<p:sld xmlns:a="http://schemas.openxmlformats.org/drawingml/2006/main" xmlns:r="http://schemas.openxmlformats.org/officeDocument/2006/relationships" xmlns:p="http://schemas.openxmlformats.org/presentationml/2006/main">
+  <p:cSld>
+    <p:spTree>
+      <p:nvGrpSpPr>
+        <p:cNvPr id="1" name=""/>
+        <p:cNvGrpSpPr/>
+        <p:nvPr/>
+      </p:nvGrpSpPr>
+      <p:grpSpPr>
+        <a:xfrm>
+          <a:off x="0" y="0"/>
+          <a:ext cx="0" cy="0"/>
+          <a:chOff x="0" y="0"/>
+          <a:chExt cx="0" cy="0"/>
+        </a:xfrm>
+      </p:grpSpPr>
+      <p:pic>
+        <p:nvPicPr>
+          <p:cNvPr id="3" name="Picture 2" descr="A screenshot of a cell phone&#10;&#10;Description automatically generated">
+            <a:extLst>
+              <a:ext uri="{FF2B5EF4-FFF2-40B4-BE49-F238E27FC236}">
+                <a16:creationId xmlns:a16="http://schemas.microsoft.com/office/drawing/2014/main" id="{C08C8A17-C12D-4481-B321-D7041F4BB513}"/>
+              </a:ext>
+            </a:extLst>
+          </p:cNvPr>
+          <p:cNvPicPr>
+            <a:picLocks noChangeAspect="1"/>
+          </p:cNvPicPr>
+          <p:nvPr/>
+        </p:nvPicPr>
+        <p:blipFill>
+          <a:blip r:embed="rId2">
+            <a:extLst>
+              <a:ext uri="{28A0092B-C50C-407E-A947-70E740481C1C}">
+                <a14:useLocalDpi xmlns:a14="http://schemas.microsoft.com/office/drawing/2010/main" val="0"/>
+              </a:ext>
+            </a:extLst>
+          </a:blip>
+          <a:stretch>
+            <a:fillRect/>
+          </a:stretch>
+        </p:blipFill>
+        <p:spPr>
+          <a:xfrm>
+            <a:off x="877008" y="1368873"/>
+            <a:ext cx="5430008" cy="4429743"/>
+          </a:xfrm>
+          <a:prstGeom prst="rect">
+            <a:avLst/>
+          </a:prstGeom>
+        </p:spPr>
+      </p:pic>
+      <p:graphicFrame>
+        <p:nvGraphicFramePr>
+          <p:cNvPr id="2" name="Table 1">
+            <a:extLst>
+              <a:ext uri="{FF2B5EF4-FFF2-40B4-BE49-F238E27FC236}">
+                <a16:creationId xmlns:a16="http://schemas.microsoft.com/office/drawing/2014/main" id="{845F8633-5647-4AE0-BBFF-02B71554F7F1}"/>
+              </a:ext>
+            </a:extLst>
+          </p:cNvPr>
+          <p:cNvGraphicFramePr>
+            <a:graphicFrameLocks noGrp="1"/>
+          </p:cNvGraphicFramePr>
+          <p:nvPr>
+            <p:extLst>
+              <p:ext uri="{D42A27DB-BD31-4B8C-83A1-F6EECF244321}">
+                <p14:modId xmlns:p14="http://schemas.microsoft.com/office/powerpoint/2010/main" val="1941107605"/>
+              </p:ext>
+            </p:extLst>
+          </p:nvPr>
+        </p:nvGraphicFramePr>
+        <p:xfrm>
+          <a:off x="6996333" y="2482360"/>
+          <a:ext cx="3427827" cy="1287782"/>
+        </p:xfrm>
+        <a:graphic>
+          <a:graphicData uri="http://schemas.openxmlformats.org/drawingml/2006/table">
+            <a:tbl>
+              <a:tblPr>
+                <a:tableStyleId>{9D7B26C5-4107-4FEC-AEDC-1716B250A1EF}</a:tableStyleId>
+              </a:tblPr>
+              <a:tblGrid>
+                <a:gridCol w="1142609">
+                  <a:extLst>
+                    <a:ext uri="{9D8B030D-6E8A-4147-A177-3AD203B41FA5}">
+                      <a16:colId xmlns:a16="http://schemas.microsoft.com/office/drawing/2014/main" val="3512092179"/>
+                    </a:ext>
+                  </a:extLst>
+                </a:gridCol>
+                <a:gridCol w="1142609">
+                  <a:extLst>
+                    <a:ext uri="{9D8B030D-6E8A-4147-A177-3AD203B41FA5}">
+                      <a16:colId xmlns:a16="http://schemas.microsoft.com/office/drawing/2014/main" val="2286203474"/>
+                    </a:ext>
+                  </a:extLst>
+                </a:gridCol>
+                <a:gridCol w="1142609">
+                  <a:extLst>
+                    <a:ext uri="{9D8B030D-6E8A-4147-A177-3AD203B41FA5}">
+                      <a16:colId xmlns:a16="http://schemas.microsoft.com/office/drawing/2014/main" val="1773023180"/>
+                    </a:ext>
+                  </a:extLst>
+                </a:gridCol>
+              </a:tblGrid>
+              <a:tr h="643891">
+                <a:tc>
+                  <a:txBody>
+                    <a:bodyPr/>
+                    <a:lstStyle/>
+                    <a:p>
+                      <a:pPr algn="l" fontAlgn="b"/>
+                      <a:r>
+                        <a:rPr lang="en-US" sz="2000" u="none" strike="noStrike" dirty="0" err="1">
+                          <a:effectLst/>
+                        </a:rPr>
+                        <a:t>fu</a:t>
+                      </a:r>
+                      <a:r>
+                        <a:rPr lang="en-US" sz="2000" u="none" strike="noStrike" dirty="0">
+                          <a:effectLst/>
+                        </a:rPr>
+                        <a:t> and li d</a:t>
+                      </a:r>
+                      <a:endParaRPr lang="en-US" sz="2000" b="0" i="0" u="none" strike="noStrike" dirty="0">
+                        <a:solidFill>
+                          <a:srgbClr val="000000"/>
+                        </a:solidFill>
+                        <a:effectLst/>
+                        <a:latin typeface="Calibri" panose="020F0502020204030204" pitchFamily="34" charset="0"/>
+                      </a:endParaRPr>
+                    </a:p>
+                  </a:txBody>
+                  <a:tcPr marL="9525" marR="9525" marT="9525" marB="0" anchor="b">
+                    <a:noFill/>
+                  </a:tcPr>
+                </a:tc>
+                <a:tc>
+                  <a:txBody>
+                    <a:bodyPr/>
+                    <a:lstStyle/>
+                    <a:p>
+                      <a:pPr algn="l" fontAlgn="b"/>
+                      <a:r>
+                        <a:rPr lang="en-US" sz="2000" u="none" strike="noStrike" dirty="0" err="1">
+                          <a:effectLst/>
+                        </a:rPr>
+                        <a:t>fu</a:t>
+                      </a:r>
+                      <a:r>
+                        <a:rPr lang="en-US" sz="2000" u="none" strike="noStrike" dirty="0">
+                          <a:effectLst/>
+                        </a:rPr>
+                        <a:t> and li f</a:t>
+                      </a:r>
+                      <a:endParaRPr lang="en-US" sz="2000" b="0" i="0" u="none" strike="noStrike" dirty="0">
+                        <a:solidFill>
+                          <a:srgbClr val="000000"/>
+                        </a:solidFill>
+                        <a:effectLst/>
+                        <a:latin typeface="Calibri" panose="020F0502020204030204" pitchFamily="34" charset="0"/>
+                      </a:endParaRPr>
+                    </a:p>
+                  </a:txBody>
+                  <a:tcPr marL="9525" marR="9525" marT="9525" marB="0" anchor="b">
+                    <a:noFill/>
+                  </a:tcPr>
+                </a:tc>
+                <a:tc>
+                  <a:txBody>
+                    <a:bodyPr/>
+                    <a:lstStyle/>
+                    <a:p>
+                      <a:pPr algn="l" fontAlgn="b"/>
+                      <a:r>
+                        <a:rPr lang="en-US" sz="2000" u="none" strike="noStrike">
+                          <a:effectLst/>
+                        </a:rPr>
+                        <a:t>Tajima's D</a:t>
+                      </a:r>
+                      <a:endParaRPr lang="en-US" sz="2000" b="0" i="0" u="none" strike="noStrike">
+                        <a:solidFill>
+                          <a:srgbClr val="000000"/>
+                        </a:solidFill>
+                        <a:effectLst/>
+                        <a:latin typeface="Calibri" panose="020F0502020204030204" pitchFamily="34" charset="0"/>
+                      </a:endParaRPr>
+                    </a:p>
+                  </a:txBody>
+                  <a:tcPr marL="9525" marR="9525" marT="9525" marB="0" anchor="b">
+                    <a:noFill/>
+                  </a:tcPr>
+                </a:tc>
+                <a:extLst>
+                  <a:ext uri="{0D108BD9-81ED-4DB2-BD59-A6C34878D82A}">
+                    <a16:rowId xmlns:a16="http://schemas.microsoft.com/office/drawing/2014/main" val="2634115797"/>
+                  </a:ext>
+                </a:extLst>
+              </a:tr>
+              <a:tr h="643891">
+                <a:tc>
+                  <a:txBody>
+                    <a:bodyPr/>
+                    <a:lstStyle/>
+                    <a:p>
+                      <a:pPr algn="r" fontAlgn="b"/>
+                      <a:r>
+                        <a:rPr lang="en-US" sz="2000" u="none" strike="noStrike" dirty="0">
+                          <a:effectLst/>
+                        </a:rPr>
+                        <a:t>-3.62811</a:t>
+                      </a:r>
+                      <a:endParaRPr lang="en-US" sz="2000" b="0" i="0" u="none" strike="noStrike" dirty="0">
+                        <a:solidFill>
+                          <a:srgbClr val="000000"/>
+                        </a:solidFill>
+                        <a:effectLst/>
+                        <a:latin typeface="Calibri" panose="020F0502020204030204" pitchFamily="34" charset="0"/>
+                      </a:endParaRPr>
+                    </a:p>
+                  </a:txBody>
+                  <a:tcPr marL="9525" marR="9525" marT="9525" marB="0" anchor="b">
+                    <a:noFill/>
+                  </a:tcPr>
+                </a:tc>
+                <a:tc>
+                  <a:txBody>
+                    <a:bodyPr/>
+                    <a:lstStyle/>
+                    <a:p>
+                      <a:pPr algn="r" fontAlgn="b"/>
+                      <a:r>
+                        <a:rPr lang="en-US" sz="2000" u="none" strike="noStrike" dirty="0">
+                          <a:effectLst/>
+                        </a:rPr>
+                        <a:t>-3.36346</a:t>
+                      </a:r>
+                      <a:endParaRPr lang="en-US" sz="2000" b="0" i="0" u="none" strike="noStrike" dirty="0">
+                        <a:solidFill>
+                          <a:srgbClr val="000000"/>
+                        </a:solidFill>
+                        <a:effectLst/>
+                        <a:latin typeface="Calibri" panose="020F0502020204030204" pitchFamily="34" charset="0"/>
+                      </a:endParaRPr>
+                    </a:p>
+                  </a:txBody>
+                  <a:tcPr marL="9525" marR="9525" marT="9525" marB="0" anchor="b">
+                    <a:noFill/>
+                  </a:tcPr>
+                </a:tc>
+                <a:tc>
+                  <a:txBody>
+                    <a:bodyPr/>
+                    <a:lstStyle/>
+                    <a:p>
+                      <a:pPr algn="r" fontAlgn="b"/>
+                      <a:r>
+                        <a:rPr lang="en-US" sz="2000" u="none" strike="noStrike" dirty="0">
+                          <a:effectLst/>
+                        </a:rPr>
+                        <a:t>-1.84749</a:t>
+                      </a:r>
+                      <a:endParaRPr lang="en-US" sz="2000" b="0" i="0" u="none" strike="noStrike" dirty="0">
+                        <a:solidFill>
+                          <a:srgbClr val="000000"/>
+                        </a:solidFill>
+                        <a:effectLst/>
+                        <a:latin typeface="Calibri" panose="020F0502020204030204" pitchFamily="34" charset="0"/>
+                      </a:endParaRPr>
+                    </a:p>
+                  </a:txBody>
+                  <a:tcPr marL="9525" marR="9525" marT="9525" marB="0" anchor="b">
+                    <a:noFill/>
+                  </a:tcPr>
+                </a:tc>
+                <a:extLst>
+                  <a:ext uri="{0D108BD9-81ED-4DB2-BD59-A6C34878D82A}">
+                    <a16:rowId xmlns:a16="http://schemas.microsoft.com/office/drawing/2014/main" val="612405037"/>
+                  </a:ext>
+                </a:extLst>
+              </a:tr>
+            </a:tbl>
+          </a:graphicData>
+        </a:graphic>
+      </p:graphicFrame>
+    </p:spTree>
+    <p:extLst>
+      <p:ext uri="{BB962C8B-B14F-4D97-AF65-F5344CB8AC3E}">
+        <p14:creationId xmlns:p14="http://schemas.microsoft.com/office/powerpoint/2010/main" val="2983346205"/>
+      </p:ext>
+    </p:extLst>
+  </p:cSld>
+  <p:clrMapOvr>
+    <a:masterClrMapping/>
+  </p:clrMapOvr>
+</p:sld>
+</file>
+
 <file path=ppt/slides/slide3.xml><?xml version="1.0" encoding="utf-8"?>
 <p:sld xmlns:a="http://schemas.openxmlformats.org/drawingml/2006/main" xmlns:r="http://schemas.openxmlformats.org/officeDocument/2006/relationships" xmlns:p="http://schemas.openxmlformats.org/presentationml/2006/main">
   <p:cSld>
@@ -23089,7 +26360,7 @@
           </p:nvPr>
         </p:nvPicPr>
         <p:blipFill>
-          <a:blip r:embed="rId2">
+          <a:blip r:embed="rId3">
             <a:extLst>
               <a:ext uri="{28A0092B-C50C-407E-A947-70E740481C1C}">
                 <a14:useLocalDpi xmlns:a14="http://schemas.microsoft.com/office/drawing/2010/main" val="0"/>
@@ -23112,7 +26383,7 @@
           <a:noFill/>
           <a:extLst>
             <a:ext uri="{909E8E84-426E-40dd-AFC4-6F175D3DCCD1}">
-              <a14:hiddenFill xmlns:a14="http://schemas.microsoft.com/office/drawing/2010/main" xmlns="">
+              <a14:hiddenFill xmlns="" xmlns:a14="http://schemas.microsoft.com/office/drawing/2010/main">
                 <a:solidFill>
                   <a:srgbClr val="FFFFFF"/>
                 </a:solidFill>
@@ -23144,48 +26415,115 @@
           </a:xfrm>
         </p:spPr>
         <p:txBody>
-          <a:bodyPr/>
+          <a:bodyPr>
+            <a:noAutofit/>
+          </a:bodyPr>
           <a:lstStyle/>
           <a:p>
+            <a:pPr marL="285750" indent="-285750">
+              <a:buFontTx/>
+              <a:buChar char="-"/>
+            </a:pPr>
             <a:r>
-              <a:rPr lang="en-US" dirty="0"/>
-              <a:t>Sampling sites and mitochondrial DNA (</a:t>
+              <a:rPr lang="en-US" sz="1600" dirty="0" err="1"/>
+              <a:t>Spacial</a:t>
             </a:r>
             <a:r>
-              <a:rPr lang="en-US" dirty="0" err="1"/>
-              <a:t>mtDNA</a:t>
+              <a:rPr lang="en-US" sz="1600" dirty="0"/>
+              <a:t> and genetic structure was compared between the </a:t>
             </a:r>
             <a:r>
-              <a:rPr lang="en-US" dirty="0"/>
-              <a:t>) nested haplotype clade distribution for </a:t>
+              <a:rPr lang="en-US" sz="1600" i="1" dirty="0" err="1"/>
+              <a:t>ficus</a:t>
             </a:r>
             <a:r>
-              <a:rPr lang="en-US" dirty="0" err="1"/>
+              <a:rPr lang="en-US" sz="1600" i="1" dirty="0"/>
+              <a:t> </a:t>
+            </a:r>
+            <a:r>
+              <a:rPr lang="en-US" sz="1600" i="1" dirty="0" err="1"/>
+              <a:t>hirta</a:t>
+            </a:r>
+            <a:r>
+              <a:rPr lang="en-US" sz="1600" i="1" dirty="0"/>
+              <a:t> </a:t>
+            </a:r>
+            <a:r>
+              <a:rPr lang="en-US" sz="1600" dirty="0"/>
+              <a:t>and </a:t>
+            </a:r>
+            <a:r>
+              <a:rPr lang="en-US" sz="1600" i="1" dirty="0" err="1"/>
               <a:t>Valisia</a:t>
             </a:r>
             <a:r>
-              <a:rPr lang="en-US" dirty="0"/>
+              <a:rPr lang="en-US" sz="1600" i="1" dirty="0"/>
               <a:t> </a:t>
             </a:r>
             <a:r>
-              <a:rPr lang="en-US" dirty="0" err="1"/>
+              <a:rPr lang="en-US" sz="1600" i="1" dirty="0" err="1"/>
               <a:t>javana</a:t>
             </a:r>
+            <a:endParaRPr lang="en-US" sz="1600" i="1" dirty="0"/>
+          </a:p>
+          <a:p>
             <a:r>
-              <a:rPr lang="en-US" dirty="0"/>
-              <a:t>. The grey line represents the rotated measure of latitude implemented following Yu &amp; </a:t>
-            </a:r>
-            <a:r>
-              <a:rPr lang="en-US" dirty="0" err="1"/>
-              <a:t>Nason</a:t>
-            </a:r>
-            <a:r>
-              <a:rPr lang="en-US" dirty="0"/>
-              <a:t> (2013).</a:t>
+              <a:rPr lang="en-US" sz="1600" i="1" dirty="0"/>
+              <a:t> </a:t>
             </a:r>
           </a:p>
           <a:p>
-            <a:endParaRPr lang="en-US" dirty="0"/>
+            <a:pPr marL="285750" indent="-285750">
+              <a:buFontTx/>
+              <a:buChar char="-"/>
+            </a:pPr>
+            <a:r>
+              <a:rPr lang="en-US" sz="1600" dirty="0"/>
+              <a:t>Dispersal of the insect leads to plant and insect presenting similar signatures of lack of genetic isolation</a:t>
+            </a:r>
+          </a:p>
+          <a:p>
+            <a:pPr marL="285750" indent="-285750">
+              <a:buFontTx/>
+              <a:buChar char="-"/>
+            </a:pPr>
+            <a:endParaRPr lang="en-US" sz="1600" dirty="0"/>
+          </a:p>
+          <a:p>
+            <a:pPr marL="285750" indent="-285750">
+              <a:buFontTx/>
+              <a:buChar char="-"/>
+            </a:pPr>
+            <a:r>
+              <a:rPr lang="en-US" sz="1600" dirty="0"/>
+              <a:t>Differentiation for both wasps and fig-tree between the continent</a:t>
+            </a:r>
+          </a:p>
+          <a:p>
+            <a:pPr marL="285750" indent="-285750">
+              <a:buFontTx/>
+              <a:buChar char="-"/>
+            </a:pPr>
+            <a:endParaRPr lang="en-US" sz="1600" i="1" dirty="0"/>
+          </a:p>
+          <a:p>
+            <a:pPr marL="285750" indent="-285750">
+              <a:buFontTx/>
+              <a:buChar char="-"/>
+            </a:pPr>
+            <a:r>
+              <a:rPr lang="en-US" sz="1600" dirty="0"/>
+              <a:t>highly dispersive mutualistic systems, isolation-</a:t>
+            </a:r>
+            <a:r>
+              <a:rPr lang="en-US" sz="1600" dirty="0" err="1"/>
+              <a:t>bydispersal</a:t>
+            </a:r>
+            <a:r>
+              <a:rPr lang="en-US" sz="1600" dirty="0"/>
+              <a:t> limitation across a geographic barrier could be supplemented by isolation by adaptation, and maybe by coevolution, allowing further genetic divergence,</a:t>
+            </a:r>
+            <a:endParaRPr lang="en-US" sz="1600" i="1" dirty="0"/>
           </a:p>
         </p:txBody>
       </p:sp>
@@ -23257,7 +26595,7 @@
           <a:noFill/>
           <a:extLst>
             <a:ext uri="{909E8E84-426E-40dd-AFC4-6F175D3DCCD1}">
-              <a14:hiddenFill xmlns:a14="http://schemas.microsoft.com/office/drawing/2010/main" xmlns="">
+              <a14:hiddenFill xmlns="" xmlns:a14="http://schemas.microsoft.com/office/drawing/2010/main">
                 <a:solidFill>
                   <a:srgbClr val="FFFFFF"/>
                 </a:solidFill>
@@ -23435,6 +26773,125 @@
           <a:chExt cx="0" cy="0"/>
         </a:xfrm>
       </p:grpSpPr>
+      <p:graphicFrame>
+        <p:nvGraphicFramePr>
+          <p:cNvPr id="2" name="Chart 1">
+            <a:extLst>
+              <a:ext uri="{FF2B5EF4-FFF2-40B4-BE49-F238E27FC236}">
+                <a16:creationId xmlns:a16="http://schemas.microsoft.com/office/drawing/2014/main" id="{1675E2D0-0DDD-441E-BEDC-F727D4D6196B}"/>
+              </a:ext>
+            </a:extLst>
+          </p:cNvPr>
+          <p:cNvGraphicFramePr>
+            <a:graphicFrameLocks/>
+          </p:cNvGraphicFramePr>
+          <p:nvPr>
+            <p:extLst>
+              <p:ext uri="{D42A27DB-BD31-4B8C-83A1-F6EECF244321}">
+                <p14:modId xmlns:p14="http://schemas.microsoft.com/office/powerpoint/2010/main" val="2842785032"/>
+              </p:ext>
+            </p:extLst>
+          </p:nvPr>
+        </p:nvGraphicFramePr>
+        <p:xfrm>
+          <a:off x="1524000" y="321068"/>
+          <a:ext cx="4572000" cy="2743200"/>
+        </p:xfrm>
+        <a:graphic>
+          <a:graphicData uri="http://schemas.openxmlformats.org/drawingml/2006/chart">
+            <c:chart xmlns:c="http://schemas.openxmlformats.org/drawingml/2006/chart" xmlns:r="http://schemas.openxmlformats.org/officeDocument/2006/relationships" r:id="rId3"/>
+          </a:graphicData>
+        </a:graphic>
+      </p:graphicFrame>
+      <p:graphicFrame>
+        <p:nvGraphicFramePr>
+          <p:cNvPr id="3" name="Chart 2">
+            <a:extLst>
+              <a:ext uri="{FF2B5EF4-FFF2-40B4-BE49-F238E27FC236}">
+                <a16:creationId xmlns:a16="http://schemas.microsoft.com/office/drawing/2014/main" id="{2E08B1AE-10B6-480B-8E1F-1E85B2D3538F}"/>
+              </a:ext>
+            </a:extLst>
+          </p:cNvPr>
+          <p:cNvGraphicFramePr>
+            <a:graphicFrameLocks/>
+          </p:cNvGraphicFramePr>
+          <p:nvPr>
+            <p:extLst>
+              <p:ext uri="{D42A27DB-BD31-4B8C-83A1-F6EECF244321}">
+                <p14:modId xmlns:p14="http://schemas.microsoft.com/office/powerpoint/2010/main" val="3130196568"/>
+              </p:ext>
+            </p:extLst>
+          </p:nvPr>
+        </p:nvGraphicFramePr>
+        <p:xfrm>
+          <a:off x="1524000" y="3793733"/>
+          <a:ext cx="4572000" cy="2743200"/>
+        </p:xfrm>
+        <a:graphic>
+          <a:graphicData uri="http://schemas.openxmlformats.org/drawingml/2006/chart">
+            <c:chart xmlns:c="http://schemas.openxmlformats.org/drawingml/2006/chart" xmlns:r="http://schemas.openxmlformats.org/officeDocument/2006/relationships" r:id="rId4"/>
+          </a:graphicData>
+        </a:graphic>
+      </p:graphicFrame>
+      <p:pic>
+        <p:nvPicPr>
+          <p:cNvPr id="4" name="Picture 3">
+            <a:extLst>
+              <a:ext uri="{FF2B5EF4-FFF2-40B4-BE49-F238E27FC236}">
+                <a16:creationId xmlns:a16="http://schemas.microsoft.com/office/drawing/2014/main" id="{94A5C08B-B8CA-45C6-ADCB-5CB73E49B74B}"/>
+              </a:ext>
+            </a:extLst>
+          </p:cNvPr>
+          <p:cNvPicPr>
+            <a:picLocks noChangeAspect="1"/>
+          </p:cNvPicPr>
+          <p:nvPr/>
+        </p:nvPicPr>
+        <p:blipFill rotWithShape="1">
+          <a:blip r:embed="rId5"/>
+          <a:srcRect r="49992"/>
+          <a:stretch/>
+        </p:blipFill>
+        <p:spPr>
+          <a:xfrm>
+            <a:off x="6380252" y="505806"/>
+            <a:ext cx="4382363" cy="6352194"/>
+          </a:xfrm>
+          <a:prstGeom prst="rect">
+            <a:avLst/>
+          </a:prstGeom>
+        </p:spPr>
+      </p:pic>
+    </p:spTree>
+    <p:extLst>
+      <p:ext uri="{BB962C8B-B14F-4D97-AF65-F5344CB8AC3E}">
+        <p14:creationId xmlns:p14="http://schemas.microsoft.com/office/powerpoint/2010/main" val="1406393635"/>
+      </p:ext>
+    </p:extLst>
+  </p:cSld>
+  <p:clrMapOvr>
+    <a:masterClrMapping/>
+  </p:clrMapOvr>
+</p:sld>
+</file>
+
+<file path=ppt/slides/slide32.xml><?xml version="1.0" encoding="utf-8"?>
+<p:sld xmlns:a="http://schemas.openxmlformats.org/drawingml/2006/main" xmlns:r="http://schemas.openxmlformats.org/officeDocument/2006/relationships" xmlns:p="http://schemas.openxmlformats.org/presentationml/2006/main">
+  <p:cSld>
+    <p:spTree>
+      <p:nvGrpSpPr>
+        <p:cNvPr id="1" name=""/>
+        <p:cNvGrpSpPr/>
+        <p:nvPr/>
+      </p:nvGrpSpPr>
+      <p:grpSpPr>
+        <a:xfrm>
+          <a:off x="0" y="0"/>
+          <a:ext cx="0" cy="0"/>
+          <a:chOff x="0" y="0"/>
+          <a:chExt cx="0" cy="0"/>
+        </a:xfrm>
+      </p:grpSpPr>
       <p:pic>
         <p:nvPicPr>
           <p:cNvPr id="3074" name="Picture 2" descr="https://images.readcube-cdn.com/publishers/wiley/figures/1a939f011a727cf66f71ad18900248edc6402a04e58adff7ea2473df0e45f731/3.jpg">
@@ -23473,7 +26930,7 @@
           <a:noFill/>
           <a:extLst>
             <a:ext uri="{909E8E84-426E-40dd-AFC4-6F175D3DCCD1}">
-              <a14:hiddenFill xmlns:a14="http://schemas.microsoft.com/office/drawing/2010/main" xmlns="">
+              <a14:hiddenFill xmlns="" xmlns:a14="http://schemas.microsoft.com/office/drawing/2010/main">
                 <a:solidFill>
                   <a:srgbClr val="FFFFFF"/>
                 </a:solidFill>
@@ -23618,7 +27075,7 @@
 </p:sld>
 </file>
 
-<file path=ppt/slides/slide32.xml><?xml version="1.0" encoding="utf-8"?>
+<file path=ppt/slides/slide33.xml><?xml version="1.0" encoding="utf-8"?>
 <p:sld xmlns:a="http://schemas.openxmlformats.org/drawingml/2006/main" xmlns:r="http://schemas.openxmlformats.org/officeDocument/2006/relationships" xmlns:p="http://schemas.openxmlformats.org/presentationml/2006/main">
   <p:cSld>
     <p:spTree>
@@ -23951,7 +27408,7 @@
 </p:sld>
 </file>
 
-<file path=ppt/slides/slide33.xml><?xml version="1.0" encoding="utf-8"?>
+<file path=ppt/slides/slide34.xml><?xml version="1.0" encoding="utf-8"?>
 <p:sld xmlns:a="http://schemas.openxmlformats.org/drawingml/2006/main" xmlns:r="http://schemas.openxmlformats.org/officeDocument/2006/relationships" xmlns:p="http://schemas.openxmlformats.org/presentationml/2006/main">
   <p:cSld>
     <p:spTree>
@@ -24284,7 +27741,7 @@
 </p:sld>
 </file>
 
-<file path=ppt/slides/slide34.xml><?xml version="1.0" encoding="utf-8"?>
+<file path=ppt/slides/slide35.xml><?xml version="1.0" encoding="utf-8"?>
 <p:sld xmlns:a="http://schemas.openxmlformats.org/drawingml/2006/main" xmlns:r="http://schemas.openxmlformats.org/officeDocument/2006/relationships" xmlns:p="http://schemas.openxmlformats.org/presentationml/2006/main">
   <p:cSld>
     <p:spTree>
@@ -24617,7 +28074,7 @@
 </p:sld>
 </file>
 
-<file path=ppt/slides/slide35.xml><?xml version="1.0" encoding="utf-8"?>
+<file path=ppt/slides/slide36.xml><?xml version="1.0" encoding="utf-8"?>
 <p:sld xmlns:a="http://schemas.openxmlformats.org/drawingml/2006/main" xmlns:r="http://schemas.openxmlformats.org/officeDocument/2006/relationships" xmlns:p="http://schemas.openxmlformats.org/presentationml/2006/main">
   <p:cSld>
     <p:spTree>
@@ -24850,7 +28307,7 @@
 </p:sld>
 </file>
 
-<file path=ppt/slides/slide36.xml><?xml version="1.0" encoding="utf-8"?>
+<file path=ppt/slides/slide37.xml><?xml version="1.0" encoding="utf-8"?>
 <p:sld xmlns:a="http://schemas.openxmlformats.org/drawingml/2006/main" xmlns:r="http://schemas.openxmlformats.org/officeDocument/2006/relationships" xmlns:p="http://schemas.openxmlformats.org/presentationml/2006/main">
   <p:cSld>
     <p:spTree>
@@ -24946,7 +28403,7 @@
 </p:sld>
 </file>
 
-<file path=ppt/slides/slide37.xml><?xml version="1.0" encoding="utf-8"?>
+<file path=ppt/slides/slide38.xml><?xml version="1.0" encoding="utf-8"?>
 <p:sld xmlns:a="http://schemas.openxmlformats.org/drawingml/2006/main" xmlns:r="http://schemas.openxmlformats.org/officeDocument/2006/relationships" xmlns:p="http://schemas.openxmlformats.org/presentationml/2006/main">
   <p:cSld>
     <p:spTree>
@@ -25279,7 +28736,7 @@
 </p:sld>
 </file>
 
-<file path=ppt/slides/slide38.xml><?xml version="1.0" encoding="utf-8"?>
+<file path=ppt/slides/slide39.xml><?xml version="1.0" encoding="utf-8"?>
 <p:sld xmlns:a="http://schemas.openxmlformats.org/drawingml/2006/main" xmlns:r="http://schemas.openxmlformats.org/officeDocument/2006/relationships" xmlns:p="http://schemas.openxmlformats.org/presentationml/2006/main">
   <p:cSld>
     <p:spTree>
@@ -25334,7 +28791,7 @@
           <a:noFill/>
           <a:extLst>
             <a:ext uri="{909E8E84-426E-40dd-AFC4-6F175D3DCCD1}">
-              <a14:hiddenFill xmlns:a14="http://schemas.microsoft.com/office/drawing/2010/main" xmlns="">
+              <a14:hiddenFill xmlns="" xmlns:a14="http://schemas.microsoft.com/office/drawing/2010/main">
                 <a:solidFill>
                   <a:srgbClr val="FFFFFF"/>
                 </a:solidFill>
@@ -25383,72 +28840,6 @@
     <p:extLst>
       <p:ext uri="{BB962C8B-B14F-4D97-AF65-F5344CB8AC3E}">
         <p14:creationId xmlns:p14="http://schemas.microsoft.com/office/powerpoint/2010/main" val="425010924"/>
-      </p:ext>
-    </p:extLst>
-  </p:cSld>
-  <p:clrMapOvr>
-    <a:masterClrMapping/>
-  </p:clrMapOvr>
-</p:sld>
-</file>
-
-<file path=ppt/slides/slide39.xml><?xml version="1.0" encoding="utf-8"?>
-<p:sld xmlns:a="http://schemas.openxmlformats.org/drawingml/2006/main" xmlns:r="http://schemas.openxmlformats.org/officeDocument/2006/relationships" xmlns:p="http://schemas.openxmlformats.org/presentationml/2006/main">
-  <p:cSld>
-    <p:spTree>
-      <p:nvGrpSpPr>
-        <p:cNvPr id="1" name=""/>
-        <p:cNvGrpSpPr/>
-        <p:nvPr/>
-      </p:nvGrpSpPr>
-      <p:grpSpPr>
-        <a:xfrm>
-          <a:off x="0" y="0"/>
-          <a:ext cx="0" cy="0"/>
-          <a:chOff x="0" y="0"/>
-          <a:chExt cx="0" cy="0"/>
-        </a:xfrm>
-      </p:grpSpPr>
-      <p:pic>
-        <p:nvPicPr>
-          <p:cNvPr id="3" name="Picture 2" descr="A screenshot of a cell phone&#10;&#10;Description automatically generated">
-            <a:extLst>
-              <a:ext uri="{FF2B5EF4-FFF2-40B4-BE49-F238E27FC236}">
-                <a16:creationId xmlns:a16="http://schemas.microsoft.com/office/drawing/2014/main" id="{C08C8A17-C12D-4481-B321-D7041F4BB513}"/>
-              </a:ext>
-            </a:extLst>
-          </p:cNvPr>
-          <p:cNvPicPr>
-            <a:picLocks noChangeAspect="1"/>
-          </p:cNvPicPr>
-          <p:nvPr/>
-        </p:nvPicPr>
-        <p:blipFill>
-          <a:blip r:embed="rId2">
-            <a:extLst>
-              <a:ext uri="{28A0092B-C50C-407E-A947-70E740481C1C}">
-                <a14:useLocalDpi xmlns:a14="http://schemas.microsoft.com/office/drawing/2010/main" val="0"/>
-              </a:ext>
-            </a:extLst>
-          </a:blip>
-          <a:stretch>
-            <a:fillRect/>
-          </a:stretch>
-        </p:blipFill>
-        <p:spPr>
-          <a:xfrm>
-            <a:off x="3380996" y="1214130"/>
-            <a:ext cx="5430008" cy="4429743"/>
-          </a:xfrm>
-          <a:prstGeom prst="rect">
-            <a:avLst/>
-          </a:prstGeom>
-        </p:spPr>
-      </p:pic>
-    </p:spTree>
-    <p:extLst>
-      <p:ext uri="{BB962C8B-B14F-4D97-AF65-F5344CB8AC3E}">
-        <p14:creationId xmlns:p14="http://schemas.microsoft.com/office/powerpoint/2010/main" val="2983346205"/>
       </p:ext>
     </p:extLst>
   </p:cSld>
@@ -26288,8 +29679,8 @@
         </p:nvSpPr>
         <p:spPr>
           <a:xfrm>
-            <a:off x="674237" y="914402"/>
-            <a:ext cx="3657600" cy="2887579"/>
+            <a:off x="476250" y="866777"/>
+            <a:ext cx="4038599" cy="2887579"/>
           </a:xfrm>
           <a:prstGeom prst="rect">
             <a:avLst/>
@@ -26313,7 +29704,7 @@
               </a:spcAft>
             </a:pPr>
             <a:r>
-              <a:rPr lang="en-US" sz="4800" kern="1200" dirty="0">
+              <a:rPr lang="en-US" sz="4800" kern="1200">
                 <a:solidFill>
                   <a:srgbClr val="FFFFFF"/>
                 </a:solidFill>
@@ -26323,6 +29714,14 @@
               </a:rPr>
               <a:t>Heterozygosity, F-statistics, and Allelic Patterns</a:t>
             </a:r>
+            <a:endParaRPr lang="en-US" sz="4800" kern="1200" dirty="0">
+              <a:solidFill>
+                <a:srgbClr val="FFFFFF"/>
+              </a:solidFill>
+              <a:latin typeface="+mj-lt"/>
+              <a:ea typeface="+mj-ea"/>
+              <a:cs typeface="+mj-cs"/>
+            </a:endParaRPr>
           </a:p>
         </p:txBody>
       </p:sp>
@@ -26457,7 +29856,7 @@
           <p:nvPr>
             <p:extLst>
               <p:ext uri="{D42A27DB-BD31-4B8C-83A1-F6EECF244321}">
-                <p14:modId xmlns:p14="http://schemas.microsoft.com/office/powerpoint/2010/main" val="3782405575"/>
+                <p14:modId xmlns:p14="http://schemas.microsoft.com/office/powerpoint/2010/main" val="3104234362"/>
               </p:ext>
             </p:extLst>
           </p:nvPr>
@@ -26487,14 +29886,14 @@
           <p:nvPr>
             <p:extLst>
               <p:ext uri="{D42A27DB-BD31-4B8C-83A1-F6EECF244321}">
-                <p14:modId xmlns:p14="http://schemas.microsoft.com/office/powerpoint/2010/main" val="4259579448"/>
+                <p14:modId xmlns:p14="http://schemas.microsoft.com/office/powerpoint/2010/main" val="3793131752"/>
               </p:ext>
             </p:extLst>
           </p:nvPr>
         </p:nvGraphicFramePr>
         <p:xfrm>
-          <a:off x="2173425" y="86168"/>
-          <a:ext cx="8808564" cy="4346535"/>
+          <a:off x="1922342" y="86166"/>
+          <a:ext cx="8347316" cy="4346535"/>
         </p:xfrm>
         <a:graphic>
           <a:graphicData uri="http://schemas.openxmlformats.org/drawingml/2006/table">
@@ -26503,84 +29902,84 @@
                 <a:tableStyleId>{5C22544A-7EE6-4342-B048-85BDC9FD1C3A}</a:tableStyleId>
               </a:tblPr>
               <a:tblGrid>
-                <a:gridCol w="1174857">
+                <a:gridCol w="1113337">
                   <a:extLst>
                     <a:ext uri="{9D8B030D-6E8A-4147-A177-3AD203B41FA5}">
                       <a16:colId xmlns:a16="http://schemas.microsoft.com/office/drawing/2014/main" val="894128947"/>
                     </a:ext>
                   </a:extLst>
                 </a:gridCol>
-                <a:gridCol w="368917">
+                <a:gridCol w="349599">
                   <a:extLst>
                     <a:ext uri="{9D8B030D-6E8A-4147-A177-3AD203B41FA5}">
                       <a16:colId xmlns:a16="http://schemas.microsoft.com/office/drawing/2014/main" val="754201221"/>
                     </a:ext>
                   </a:extLst>
                 </a:gridCol>
-                <a:gridCol w="726479">
+                <a:gridCol w="688438">
                   <a:extLst>
                     <a:ext uri="{9D8B030D-6E8A-4147-A177-3AD203B41FA5}">
                       <a16:colId xmlns:a16="http://schemas.microsoft.com/office/drawing/2014/main" val="542671540"/>
                     </a:ext>
                   </a:extLst>
                 </a:gridCol>
-                <a:gridCol w="726479">
+                <a:gridCol w="688438">
                   <a:extLst>
                     <a:ext uri="{9D8B030D-6E8A-4147-A177-3AD203B41FA5}">
                       <a16:colId xmlns:a16="http://schemas.microsoft.com/office/drawing/2014/main" val="1444721433"/>
                     </a:ext>
                   </a:extLst>
                 </a:gridCol>
-                <a:gridCol w="726479">
+                <a:gridCol w="688438">
                   <a:extLst>
                     <a:ext uri="{9D8B030D-6E8A-4147-A177-3AD203B41FA5}">
                       <a16:colId xmlns:a16="http://schemas.microsoft.com/office/drawing/2014/main" val="1696182725"/>
                     </a:ext>
                   </a:extLst>
                 </a:gridCol>
-                <a:gridCol w="726479">
+                <a:gridCol w="688438">
                   <a:extLst>
                     <a:ext uri="{9D8B030D-6E8A-4147-A177-3AD203B41FA5}">
                       <a16:colId xmlns:a16="http://schemas.microsoft.com/office/drawing/2014/main" val="1117812420"/>
                     </a:ext>
                   </a:extLst>
                 </a:gridCol>
-                <a:gridCol w="726479">
+                <a:gridCol w="688438">
                   <a:extLst>
                     <a:ext uri="{9D8B030D-6E8A-4147-A177-3AD203B41FA5}">
                       <a16:colId xmlns:a16="http://schemas.microsoft.com/office/drawing/2014/main" val="185618737"/>
                     </a:ext>
                   </a:extLst>
                 </a:gridCol>
-                <a:gridCol w="726479">
+                <a:gridCol w="688438">
                   <a:extLst>
                     <a:ext uri="{9D8B030D-6E8A-4147-A177-3AD203B41FA5}">
                       <a16:colId xmlns:a16="http://schemas.microsoft.com/office/drawing/2014/main" val="3276779110"/>
                     </a:ext>
                   </a:extLst>
                 </a:gridCol>
-                <a:gridCol w="726479">
+                <a:gridCol w="688438">
                   <a:extLst>
                     <a:ext uri="{9D8B030D-6E8A-4147-A177-3AD203B41FA5}">
                       <a16:colId xmlns:a16="http://schemas.microsoft.com/office/drawing/2014/main" val="3187696281"/>
                     </a:ext>
                   </a:extLst>
                 </a:gridCol>
-                <a:gridCol w="726479">
+                <a:gridCol w="688438">
                   <a:extLst>
                     <a:ext uri="{9D8B030D-6E8A-4147-A177-3AD203B41FA5}">
                       <a16:colId xmlns:a16="http://schemas.microsoft.com/office/drawing/2014/main" val="2044495897"/>
                     </a:ext>
                   </a:extLst>
                 </a:gridCol>
-                <a:gridCol w="726479">
+                <a:gridCol w="688438">
                   <a:extLst>
                     <a:ext uri="{9D8B030D-6E8A-4147-A177-3AD203B41FA5}">
                       <a16:colId xmlns:a16="http://schemas.microsoft.com/office/drawing/2014/main" val="3842204769"/>
                     </a:ext>
                   </a:extLst>
                 </a:gridCol>
-                <a:gridCol w="726479">
+                <a:gridCol w="688438">
                   <a:extLst>
                     <a:ext uri="{9D8B030D-6E8A-4147-A177-3AD203B41FA5}">
                       <a16:colId xmlns:a16="http://schemas.microsoft.com/office/drawing/2014/main" val="2403843349"/>
@@ -26588,7 +29987,7 @@
                   </a:extLst>
                 </a:gridCol>
               </a:tblGrid>
-              <a:tr h="237648">
+              <a:tr h="264968">
                 <a:tc gridSpan="2">
                   <a:txBody>
                     <a:bodyPr/>
@@ -26798,7 +30197,7 @@
                   </a:ext>
                 </a:extLst>
               </a:tr>
-              <a:tr h="120441">
+              <a:tr h="134286">
                 <a:tc>
                   <a:txBody>
                     <a:bodyPr/>
@@ -27009,7 +30408,7 @@
                   </a:ext>
                 </a:extLst>
               </a:tr>
-              <a:tr h="120441">
+              <a:tr h="134286">
                 <a:tc>
                   <a:txBody>
                     <a:bodyPr/>
@@ -27226,7 +30625,7 @@
                   </a:ext>
                 </a:extLst>
               </a:tr>
-              <a:tr h="120441">
+              <a:tr h="134286">
                 <a:tc>
                   <a:txBody>
                     <a:bodyPr/>
@@ -27509,7 +30908,7 @@
                   </a:ext>
                 </a:extLst>
               </a:tr>
-              <a:tr h="120441">
+              <a:tr h="134286">
                 <a:tc>
                   <a:txBody>
                     <a:bodyPr/>
@@ -27792,7 +31191,7 @@
                   </a:ext>
                 </a:extLst>
               </a:tr>
-              <a:tr h="120441">
+              <a:tr h="134286">
                 <a:tc>
                   <a:txBody>
                     <a:bodyPr/>
@@ -28075,7 +31474,7 @@
                   </a:ext>
                 </a:extLst>
               </a:tr>
-              <a:tr h="120441">
+              <a:tr h="134286">
                 <a:tc>
                   <a:txBody>
                     <a:bodyPr/>
@@ -28358,7 +31757,7 @@
                   </a:ext>
                 </a:extLst>
               </a:tr>
-              <a:tr h="120441">
+              <a:tr h="134286">
                 <a:tc>
                   <a:txBody>
                     <a:bodyPr/>
@@ -28641,7 +32040,7 @@
                   </a:ext>
                 </a:extLst>
               </a:tr>
-              <a:tr h="120441">
+              <a:tr h="134286">
                 <a:tc>
                   <a:txBody>
                     <a:bodyPr/>
@@ -28924,7 +32323,7 @@
                   </a:ext>
                 </a:extLst>
               </a:tr>
-              <a:tr h="237648">
+              <a:tr h="264968">
                 <a:tc>
                   <a:txBody>
                     <a:bodyPr/>
@@ -28955,12 +32354,12 @@
                     <a:p>
                       <a:pPr algn="r" fontAlgn="b"/>
                       <a:r>
-                        <a:rPr lang="en-US" sz="900" u="none" strike="noStrike">
+                        <a:rPr lang="en-US" sz="900" u="none" strike="noStrike" dirty="0">
                           <a:effectLst/>
                         </a:rPr>
                         <a:t>0.111</a:t>
                       </a:r>
-                      <a:endParaRPr lang="en-US" sz="900" b="0" i="0" u="none" strike="noStrike">
+                      <a:endParaRPr lang="en-US" sz="900" b="0" i="0" u="none" strike="noStrike" dirty="0">
                         <a:solidFill>
                           <a:srgbClr val="000000"/>
                         </a:solidFill>
@@ -29207,7 +32606,7 @@
                   </a:ext>
                 </a:extLst>
               </a:tr>
-              <a:tr h="237648">
+              <a:tr h="264968">
                 <a:tc>
                   <a:txBody>
                     <a:bodyPr/>
@@ -29238,12 +32637,12 @@
                     <a:p>
                       <a:pPr algn="r" fontAlgn="b"/>
                       <a:r>
-                        <a:rPr lang="en-US" sz="900" u="none" strike="noStrike">
+                        <a:rPr lang="en-US" sz="900" u="none" strike="noStrike" dirty="0">
                           <a:effectLst/>
                         </a:rPr>
                         <a:t>1.556</a:t>
                       </a:r>
-                      <a:endParaRPr lang="en-US" sz="900" b="0" i="0" u="none" strike="noStrike">
+                      <a:endParaRPr lang="en-US" sz="900" b="0" i="0" u="none" strike="noStrike" dirty="0">
                         <a:solidFill>
                           <a:srgbClr val="000000"/>
                         </a:solidFill>
@@ -29490,7 +32889,7 @@
                   </a:ext>
                 </a:extLst>
               </a:tr>
-              <a:tr h="120441">
+              <a:tr h="134286">
                 <a:tc>
                   <a:txBody>
                     <a:bodyPr/>
@@ -29773,7 +33172,7 @@
                   </a:ext>
                 </a:extLst>
               </a:tr>
-              <a:tr h="120441">
+              <a:tr h="134286">
                 <a:tc>
                   <a:txBody>
                     <a:bodyPr/>
@@ -30056,7 +33455,7 @@
                   </a:ext>
                 </a:extLst>
               </a:tr>
-              <a:tr h="120441">
+              <a:tr h="139306">
                 <a:tc>
                   <a:txBody>
                     <a:bodyPr/>
@@ -30267,7 +33666,7 @@
                   </a:ext>
                 </a:extLst>
               </a:tr>
-              <a:tr h="237648">
+              <a:tr h="264968">
                 <a:tc>
                   <a:txBody>
                     <a:bodyPr/>
@@ -30275,12 +33674,12 @@
                     <a:p>
                       <a:pPr algn="l" fontAlgn="b"/>
                       <a:r>
-                        <a:rPr lang="en-US" sz="900" u="none" strike="noStrike">
+                        <a:rPr lang="en-US" sz="900" u="none" strike="noStrike" dirty="0">
                           <a:effectLst/>
                         </a:rPr>
                         <a:t>Standard Error (SE) values</a:t>
                       </a:r>
-                      <a:endParaRPr lang="en-US" sz="900" b="1" i="0" u="none" strike="noStrike">
+                      <a:endParaRPr lang="en-US" sz="900" b="1" i="0" u="none" strike="noStrike" dirty="0">
                         <a:solidFill>
                           <a:srgbClr val="000000"/>
                         </a:solidFill>
@@ -30484,7 +33883,7 @@
                   </a:ext>
                 </a:extLst>
               </a:tr>
-              <a:tr h="120441">
+              <a:tr h="134286">
                 <a:tc>
                   <a:txBody>
                     <a:bodyPr/>
@@ -30722,12 +34121,12 @@
                     <a:p>
                       <a:pPr algn="l" fontAlgn="b"/>
                       <a:r>
-                        <a:rPr lang="en-US" sz="900" u="none" strike="noStrike">
+                        <a:rPr lang="en-US" sz="900" u="none" strike="noStrike" dirty="0">
                           <a:effectLst/>
                         </a:rPr>
                         <a:t>Ding</a:t>
                       </a:r>
-                      <a:endParaRPr lang="en-US" sz="900" b="1" i="0" u="none" strike="noStrike">
+                      <a:endParaRPr lang="en-US" sz="900" b="1" i="0" u="none" strike="noStrike" dirty="0">
                         <a:solidFill>
                           <a:srgbClr val="000000"/>
                         </a:solidFill>
@@ -30745,12 +34144,12 @@
                     <a:p>
                       <a:pPr algn="l" fontAlgn="b"/>
                       <a:r>
-                        <a:rPr lang="en-US" sz="900" u="none" strike="noStrike">
+                        <a:rPr lang="en-US" sz="900" u="none" strike="noStrike" dirty="0">
                           <a:effectLst/>
                         </a:rPr>
                         <a:t>Wan</a:t>
                       </a:r>
-                      <a:endParaRPr lang="en-US" sz="900" b="1" i="0" u="none" strike="noStrike">
+                      <a:endParaRPr lang="en-US" sz="900" b="1" i="0" u="none" strike="noStrike" dirty="0">
                         <a:solidFill>
                           <a:srgbClr val="000000"/>
                         </a:solidFill>
@@ -30767,7 +34166,7 @@
                   </a:ext>
                 </a:extLst>
               </a:tr>
-              <a:tr h="120441">
+              <a:tr h="134286">
                 <a:tc>
                   <a:txBody>
                     <a:bodyPr/>
@@ -31005,12 +34404,12 @@
                     <a:p>
                       <a:pPr algn="r" fontAlgn="b"/>
                       <a:r>
-                        <a:rPr lang="en-US" sz="900" u="none" strike="noStrike">
+                        <a:rPr lang="en-US" sz="900" u="none" strike="noStrike" dirty="0">
                           <a:effectLst/>
                         </a:rPr>
                         <a:t>1.942</a:t>
                       </a:r>
-                      <a:endParaRPr lang="en-US" sz="900" b="0" i="0" u="none" strike="noStrike">
+                      <a:endParaRPr lang="en-US" sz="900" b="0" i="0" u="none" strike="noStrike" dirty="0">
                         <a:solidFill>
                           <a:srgbClr val="000000"/>
                         </a:solidFill>
@@ -31028,12 +34427,12 @@
                     <a:p>
                       <a:pPr algn="r" fontAlgn="b"/>
                       <a:r>
-                        <a:rPr lang="en-US" sz="900" u="none" strike="noStrike">
+                        <a:rPr lang="en-US" sz="900" u="none" strike="noStrike" dirty="0">
                           <a:effectLst/>
                         </a:rPr>
                         <a:t>1.038</a:t>
                       </a:r>
-                      <a:endParaRPr lang="en-US" sz="900" b="0" i="0" u="none" strike="noStrike">
+                      <a:endParaRPr lang="en-US" sz="900" b="0" i="0" u="none" strike="noStrike" dirty="0">
                         <a:solidFill>
                           <a:srgbClr val="000000"/>
                         </a:solidFill>
@@ -31050,7 +34449,7 @@
                   </a:ext>
                 </a:extLst>
               </a:tr>
-              <a:tr h="120441">
+              <a:tr h="134286">
                 <a:tc>
                   <a:txBody>
                     <a:bodyPr/>
@@ -31333,7 +34732,7 @@
                   </a:ext>
                 </a:extLst>
               </a:tr>
-              <a:tr h="120441">
+              <a:tr h="134286">
                 <a:tc>
                   <a:txBody>
                     <a:bodyPr/>
@@ -31616,7 +35015,7 @@
                   </a:ext>
                 </a:extLst>
               </a:tr>
-              <a:tr h="120441">
+              <a:tr h="134286">
                 <a:tc>
                   <a:txBody>
                     <a:bodyPr/>
@@ -31899,7 +35298,7 @@
                   </a:ext>
                 </a:extLst>
               </a:tr>
-              <a:tr h="120441">
+              <a:tr h="134286">
                 <a:tc>
                   <a:txBody>
                     <a:bodyPr/>
@@ -32182,7 +35581,7 @@
                   </a:ext>
                 </a:extLst>
               </a:tr>
-              <a:tr h="237648">
+              <a:tr h="264968">
                 <a:tc>
                   <a:txBody>
                     <a:bodyPr/>
@@ -32465,7 +35864,7 @@
                   </a:ext>
                 </a:extLst>
               </a:tr>
-              <a:tr h="237648">
+              <a:tr h="264968">
                 <a:tc>
                   <a:txBody>
                     <a:bodyPr/>
@@ -32748,7 +36147,7 @@
                   </a:ext>
                 </a:extLst>
               </a:tr>
-              <a:tr h="120441">
+              <a:tr h="134286">
                 <a:tc>
                   <a:txBody>
                     <a:bodyPr/>
@@ -33031,7 +36430,7 @@
                   </a:ext>
                 </a:extLst>
               </a:tr>
-              <a:tr h="120441">
+              <a:tr h="134286">
                 <a:tc>
                   <a:txBody>
                     <a:bodyPr/>
@@ -33503,27 +36902,6 @@
               <a:solidFill>
                 <a:schemeClr val="bg1"/>
               </a:solidFill>
-            </a:endParaRPr>
-          </a:p>
-          <a:p>
-            <a:pPr lvl="0" algn="ctr">
-              <a:lnSpc>
-                <a:spcPct val="90000"/>
-              </a:lnSpc>
-              <a:spcBef>
-                <a:spcPct val="0"/>
-              </a:spcBef>
-              <a:spcAft>
-                <a:spcPts val="600"/>
-              </a:spcAft>
-            </a:pPr>
-            <a:endParaRPr lang="en-US" sz="4800" kern="1200" dirty="0">
-              <a:solidFill>
-                <a:srgbClr val="FFFFFF"/>
-              </a:solidFill>
-              <a:latin typeface="+mj-lt"/>
-              <a:ea typeface="+mj-ea"/>
-              <a:cs typeface="+mj-cs"/>
             </a:endParaRPr>
           </a:p>
         </p:txBody>
@@ -33754,7 +37132,7 @@
         </p:blipFill>
         <p:spPr>
           <a:xfrm>
-            <a:off x="1771903" y="610171"/>
+            <a:off x="2075996" y="477615"/>
             <a:ext cx="8040008" cy="5923318"/>
           </a:xfrm>
           <a:prstGeom prst="rect">
@@ -34388,4 +37766,299 @@
     </a:ext>
   </a:extLst>
 </a:theme>
+</file>
+
+<file path=ppt/theme/theme3.xml><?xml version="1.0" encoding="utf-8"?>
+<a:theme xmlns:a="http://schemas.openxmlformats.org/drawingml/2006/main" name="Office Theme">
+  <a:themeElements>
+    <a:clrScheme name="Office">
+      <a:dk1>
+        <a:sysClr val="windowText" lastClr="000000"/>
+      </a:dk1>
+      <a:lt1>
+        <a:sysClr val="window" lastClr="FFFFFF"/>
+      </a:lt1>
+      <a:dk2>
+        <a:srgbClr val="44546A"/>
+      </a:dk2>
+      <a:lt2>
+        <a:srgbClr val="E7E6E6"/>
+      </a:lt2>
+      <a:accent1>
+        <a:srgbClr val="4472C4"/>
+      </a:accent1>
+      <a:accent2>
+        <a:srgbClr val="ED7D31"/>
+      </a:accent2>
+      <a:accent3>
+        <a:srgbClr val="A5A5A5"/>
+      </a:accent3>
+      <a:accent4>
+        <a:srgbClr val="FFC000"/>
+      </a:accent4>
+      <a:accent5>
+        <a:srgbClr val="5B9BD5"/>
+      </a:accent5>
+      <a:accent6>
+        <a:srgbClr val="70AD47"/>
+      </a:accent6>
+      <a:hlink>
+        <a:srgbClr val="0563C1"/>
+      </a:hlink>
+      <a:folHlink>
+        <a:srgbClr val="954F72"/>
+      </a:folHlink>
+    </a:clrScheme>
+    <a:fontScheme name="Office">
+      <a:majorFont>
+        <a:latin typeface="Calibri Light" panose="020F0302020204030204"/>
+        <a:ea typeface=""/>
+        <a:cs typeface=""/>
+        <a:font script="Jpan" typeface="游ゴシック Light"/>
+        <a:font script="Hang" typeface="맑은 고딕"/>
+        <a:font script="Hans" typeface="等线 Light"/>
+        <a:font script="Hant" typeface="新細明體"/>
+        <a:font script="Arab" typeface="Times New Roman"/>
+        <a:font script="Hebr" typeface="Times New Roman"/>
+        <a:font script="Thai" typeface="Angsana New"/>
+        <a:font script="Ethi" typeface="Nyala"/>
+        <a:font script="Beng" typeface="Vrinda"/>
+        <a:font script="Gujr" typeface="Shruti"/>
+        <a:font script="Khmr" typeface="MoolBoran"/>
+        <a:font script="Knda" typeface="Tunga"/>
+        <a:font script="Guru" typeface="Raavi"/>
+        <a:font script="Cans" typeface="Euphemia"/>
+        <a:font script="Cher" typeface="Plantagenet Cherokee"/>
+        <a:font script="Yiii" typeface="Microsoft Yi Baiti"/>
+        <a:font script="Tibt" typeface="Microsoft Himalaya"/>
+        <a:font script="Thaa" typeface="MV Boli"/>
+        <a:font script="Deva" typeface="Mangal"/>
+        <a:font script="Telu" typeface="Gautami"/>
+        <a:font script="Taml" typeface="Latha"/>
+        <a:font script="Syrc" typeface="Estrangelo Edessa"/>
+        <a:font script="Orya" typeface="Kalinga"/>
+        <a:font script="Mlym" typeface="Kartika"/>
+        <a:font script="Laoo" typeface="DokChampa"/>
+        <a:font script="Sinh" typeface="Iskoola Pota"/>
+        <a:font script="Mong" typeface="Mongolian Baiti"/>
+        <a:font script="Viet" typeface="Times New Roman"/>
+        <a:font script="Uigh" typeface="Microsoft Uighur"/>
+        <a:font script="Geor" typeface="Sylfaen"/>
+        <a:font script="Armn" typeface="Arial"/>
+        <a:font script="Bugi" typeface="Leelawadee UI"/>
+        <a:font script="Bopo" typeface="Microsoft JhengHei"/>
+        <a:font script="Java" typeface="Javanese Text"/>
+        <a:font script="Lisu" typeface="Segoe UI"/>
+        <a:font script="Mymr" typeface="Myanmar Text"/>
+        <a:font script="Nkoo" typeface="Ebrima"/>
+        <a:font script="Olck" typeface="Nirmala UI"/>
+        <a:font script="Osma" typeface="Ebrima"/>
+        <a:font script="Phag" typeface="Phagspa"/>
+        <a:font script="Syrn" typeface="Estrangelo Edessa"/>
+        <a:font script="Syrj" typeface="Estrangelo Edessa"/>
+        <a:font script="Syre" typeface="Estrangelo Edessa"/>
+        <a:font script="Sora" typeface="Nirmala UI"/>
+        <a:font script="Tale" typeface="Microsoft Tai Le"/>
+        <a:font script="Talu" typeface="Microsoft New Tai Lue"/>
+        <a:font script="Tfng" typeface="Ebrima"/>
+      </a:majorFont>
+      <a:minorFont>
+        <a:latin typeface="Calibri" panose="020F0502020204030204"/>
+        <a:ea typeface=""/>
+        <a:cs typeface=""/>
+        <a:font script="Jpan" typeface="游ゴシック"/>
+        <a:font script="Hang" typeface="맑은 고딕"/>
+        <a:font script="Hans" typeface="等线"/>
+        <a:font script="Hant" typeface="新細明體"/>
+        <a:font script="Arab" typeface="Arial"/>
+        <a:font script="Hebr" typeface="Arial"/>
+        <a:font script="Thai" typeface="Cordia New"/>
+        <a:font script="Ethi" typeface="Nyala"/>
+        <a:font script="Beng" typeface="Vrinda"/>
+        <a:font script="Gujr" typeface="Shruti"/>
+        <a:font script="Khmr" typeface="DaunPenh"/>
+        <a:font script="Knda" typeface="Tunga"/>
+        <a:font script="Guru" typeface="Raavi"/>
+        <a:font script="Cans" typeface="Euphemia"/>
+        <a:font script="Cher" typeface="Plantagenet Cherokee"/>
+        <a:font script="Yiii" typeface="Microsoft Yi Baiti"/>
+        <a:font script="Tibt" typeface="Microsoft Himalaya"/>
+        <a:font script="Thaa" typeface="MV Boli"/>
+        <a:font script="Deva" typeface="Mangal"/>
+        <a:font script="Telu" typeface="Gautami"/>
+        <a:font script="Taml" typeface="Latha"/>
+        <a:font script="Syrc" typeface="Estrangelo Edessa"/>
+        <a:font script="Orya" typeface="Kalinga"/>
+        <a:font script="Mlym" typeface="Kartika"/>
+        <a:font script="Laoo" typeface="DokChampa"/>
+        <a:font script="Sinh" typeface="Iskoola Pota"/>
+        <a:font script="Mong" typeface="Mongolian Baiti"/>
+        <a:font script="Viet" typeface="Arial"/>
+        <a:font script="Uigh" typeface="Microsoft Uighur"/>
+        <a:font script="Geor" typeface="Sylfaen"/>
+        <a:font script="Armn" typeface="Arial"/>
+        <a:font script="Bugi" typeface="Leelawadee UI"/>
+        <a:font script="Bopo" typeface="Microsoft JhengHei"/>
+        <a:font script="Java" typeface="Javanese Text"/>
+        <a:font script="Lisu" typeface="Segoe UI"/>
+        <a:font script="Mymr" typeface="Myanmar Text"/>
+        <a:font script="Nkoo" typeface="Ebrima"/>
+        <a:font script="Olck" typeface="Nirmala UI"/>
+        <a:font script="Osma" typeface="Ebrima"/>
+        <a:font script="Phag" typeface="Phagspa"/>
+        <a:font script="Syrn" typeface="Estrangelo Edessa"/>
+        <a:font script="Syrj" typeface="Estrangelo Edessa"/>
+        <a:font script="Syre" typeface="Estrangelo Edessa"/>
+        <a:font script="Sora" typeface="Nirmala UI"/>
+        <a:font script="Tale" typeface="Microsoft Tai Le"/>
+        <a:font script="Talu" typeface="Microsoft New Tai Lue"/>
+        <a:font script="Tfng" typeface="Ebrima"/>
+      </a:minorFont>
+    </a:fontScheme>
+    <a:fmtScheme name="Office">
+      <a:fillStyleLst>
+        <a:solidFill>
+          <a:schemeClr val="phClr"/>
+        </a:solidFill>
+        <a:gradFill rotWithShape="1">
+          <a:gsLst>
+            <a:gs pos="0">
+              <a:schemeClr val="phClr">
+                <a:lumMod val="110000"/>
+                <a:satMod val="105000"/>
+                <a:tint val="67000"/>
+              </a:schemeClr>
+            </a:gs>
+            <a:gs pos="50000">
+              <a:schemeClr val="phClr">
+                <a:lumMod val="105000"/>
+                <a:satMod val="103000"/>
+                <a:tint val="73000"/>
+              </a:schemeClr>
+            </a:gs>
+            <a:gs pos="100000">
+              <a:schemeClr val="phClr">
+                <a:lumMod val="105000"/>
+                <a:satMod val="109000"/>
+                <a:tint val="81000"/>
+              </a:schemeClr>
+            </a:gs>
+          </a:gsLst>
+          <a:lin ang="5400000" scaled="0"/>
+        </a:gradFill>
+        <a:gradFill rotWithShape="1">
+          <a:gsLst>
+            <a:gs pos="0">
+              <a:schemeClr val="phClr">
+                <a:satMod val="103000"/>
+                <a:lumMod val="102000"/>
+                <a:tint val="94000"/>
+              </a:schemeClr>
+            </a:gs>
+            <a:gs pos="50000">
+              <a:schemeClr val="phClr">
+                <a:satMod val="110000"/>
+                <a:lumMod val="100000"/>
+                <a:shade val="100000"/>
+              </a:schemeClr>
+            </a:gs>
+            <a:gs pos="100000">
+              <a:schemeClr val="phClr">
+                <a:lumMod val="99000"/>
+                <a:satMod val="120000"/>
+                <a:shade val="78000"/>
+              </a:schemeClr>
+            </a:gs>
+          </a:gsLst>
+          <a:lin ang="5400000" scaled="0"/>
+        </a:gradFill>
+      </a:fillStyleLst>
+      <a:lnStyleLst>
+        <a:ln w="6350" cap="flat" cmpd="sng" algn="ctr">
+          <a:solidFill>
+            <a:schemeClr val="phClr"/>
+          </a:solidFill>
+          <a:prstDash val="solid"/>
+          <a:miter lim="800000"/>
+        </a:ln>
+        <a:ln w="12700" cap="flat" cmpd="sng" algn="ctr">
+          <a:solidFill>
+            <a:schemeClr val="phClr"/>
+          </a:solidFill>
+          <a:prstDash val="solid"/>
+          <a:miter lim="800000"/>
+        </a:ln>
+        <a:ln w="19050" cap="flat" cmpd="sng" algn="ctr">
+          <a:solidFill>
+            <a:schemeClr val="phClr"/>
+          </a:solidFill>
+          <a:prstDash val="solid"/>
+          <a:miter lim="800000"/>
+        </a:ln>
+      </a:lnStyleLst>
+      <a:effectStyleLst>
+        <a:effectStyle>
+          <a:effectLst/>
+        </a:effectStyle>
+        <a:effectStyle>
+          <a:effectLst/>
+        </a:effectStyle>
+        <a:effectStyle>
+          <a:effectLst>
+            <a:outerShdw blurRad="57150" dist="19050" dir="5400000" algn="ctr" rotWithShape="0">
+              <a:srgbClr val="000000">
+                <a:alpha val="63000"/>
+              </a:srgbClr>
+            </a:outerShdw>
+          </a:effectLst>
+        </a:effectStyle>
+      </a:effectStyleLst>
+      <a:bgFillStyleLst>
+        <a:solidFill>
+          <a:schemeClr val="phClr"/>
+        </a:solidFill>
+        <a:solidFill>
+          <a:schemeClr val="phClr">
+            <a:tint val="95000"/>
+            <a:satMod val="170000"/>
+          </a:schemeClr>
+        </a:solidFill>
+        <a:gradFill rotWithShape="1">
+          <a:gsLst>
+            <a:gs pos="0">
+              <a:schemeClr val="phClr">
+                <a:tint val="93000"/>
+                <a:satMod val="150000"/>
+                <a:shade val="98000"/>
+                <a:lumMod val="102000"/>
+              </a:schemeClr>
+            </a:gs>
+            <a:gs pos="50000">
+              <a:schemeClr val="phClr">
+                <a:tint val="98000"/>
+                <a:satMod val="130000"/>
+                <a:shade val="90000"/>
+                <a:lumMod val="103000"/>
+              </a:schemeClr>
+            </a:gs>
+            <a:gs pos="100000">
+              <a:schemeClr val="phClr">
+                <a:shade val="63000"/>
+                <a:satMod val="120000"/>
+              </a:schemeClr>
+            </a:gs>
+          </a:gsLst>
+          <a:lin ang="5400000" scaled="0"/>
+        </a:gradFill>
+      </a:bgFillStyleLst>
+    </a:fmtScheme>
+  </a:themeElements>
+  <a:objectDefaults/>
+  <a:extraClrSchemeLst/>
+  <a:extLst>
+    <a:ext uri="{05A4C25C-085E-4340-85A3-A5531E510DB2}">
+      <thm15:themeFamily xmlns:thm15="http://schemas.microsoft.com/office/thememl/2012/main" name="Office Theme" id="{62F939B6-93AF-4DB8-9C6B-D6C7DFDC589F}" vid="{4A3C46E8-61CC-4603-A589-7422A47A8E4A}"/>
+    </a:ext>
+  </a:extLst>
+</a:theme>
 </file>